--- a/세미나 2차.pptx
+++ b/세미나 2차.pptx
@@ -5,20 +5,22 @@
     <p:sldMasterId id="2147483648" r:id="rId1"/>
   </p:sldMasterIdLst>
   <p:notesMasterIdLst>
-    <p:notesMasterId r:id="rId10"/>
+    <p:notesMasterId r:id="rId12"/>
   </p:notesMasterIdLst>
   <p:handoutMasterIdLst>
-    <p:handoutMasterId r:id="rId11"/>
+    <p:handoutMasterId r:id="rId13"/>
   </p:handoutMasterIdLst>
   <p:sldIdLst>
     <p:sldId id="264" r:id="rId2"/>
     <p:sldId id="258" r:id="rId3"/>
     <p:sldId id="265" r:id="rId4"/>
     <p:sldId id="259" r:id="rId5"/>
-    <p:sldId id="260" r:id="rId6"/>
-    <p:sldId id="261" r:id="rId7"/>
-    <p:sldId id="262" r:id="rId8"/>
-    <p:sldId id="263" r:id="rId9"/>
+    <p:sldId id="266" r:id="rId6"/>
+    <p:sldId id="267" r:id="rId7"/>
+    <p:sldId id="260" r:id="rId8"/>
+    <p:sldId id="261" r:id="rId9"/>
+    <p:sldId id="262" r:id="rId10"/>
+    <p:sldId id="263" r:id="rId11"/>
   </p:sldIdLst>
   <p:sldSz cx="12192000" cy="6858000"/>
   <p:notesSz cx="6858000" cy="9144000"/>
@@ -117,6 +119,14 @@
       </a:defRPr>
     </a:lvl9pPr>
   </p:defaultTextStyle>
+  <p:extLst>
+    <p:ext uri="{EFAFB233-063F-42B5-8137-9DF3F51BA10A}">
+      <p15:sldGuideLst xmlns:p15="http://schemas.microsoft.com/office/powerpoint/2012/main"/>
+    </p:ext>
+    <p:ext uri="{2D200454-40CA-4A62-9FC3-DE9A4176ACB9}">
+      <p15:notesGuideLst xmlns:p15="http://schemas.microsoft.com/office/powerpoint/2012/main"/>
+    </p:ext>
+  </p:extLst>
 </p:presentation>
 </file>
 
@@ -1045,7 +1055,7 @@
               <a:rPr lang="ko-KR" altLang="en-US" smtClean="0"/>
               <a:t>‹#›</a:t>
             </a:fld>
-            <a:endParaRPr lang="ko-KR" altLang="en-US"/>
+            <a:endParaRPr lang="ko-KR" altLang="en-US" dirty="0"/>
           </a:p>
         </p:txBody>
       </p:sp>
@@ -1865,8 +1875,8 @@
         </p:blipFill>
         <p:spPr bwMode="auto">
           <a:xfrm>
-            <a:off x="501012" y="384905"/>
-            <a:ext cx="1660359" cy="233489"/>
+            <a:off x="284211" y="237684"/>
+            <a:ext cx="1342076" cy="188730"/>
           </a:xfrm>
           <a:prstGeom prst="rect">
             <a:avLst/>
@@ -1917,7 +1927,7 @@
               <a:buAutoNum type="arabicPeriod"/>
             </a:pPr>
             <a:r>
-              <a:rPr lang="en-US" altLang="ko-KR" sz="1600" b="1" dirty="0">
+              <a:rPr lang="en-US" altLang="ko-KR" sz="1600" dirty="0">
                 <a:solidFill>
                   <a:schemeClr val="bg1"/>
                 </a:solidFill>
@@ -1935,7 +1945,7 @@
               <a:buAutoNum type="arabicPeriod"/>
             </a:pPr>
             <a:r>
-              <a:rPr lang="en-US" altLang="ko-KR" sz="1600" b="1" dirty="0">
+              <a:rPr lang="en-US" altLang="ko-KR" sz="1600" dirty="0">
                 <a:solidFill>
                   <a:schemeClr val="bg1"/>
                 </a:solidFill>
@@ -1953,7 +1963,7 @@
               <a:buAutoNum type="arabicPeriod"/>
             </a:pPr>
             <a:r>
-              <a:rPr lang="en-US" altLang="ko-KR" sz="1600" b="1" dirty="0">
+              <a:rPr lang="en-US" altLang="ko-KR" sz="1600" dirty="0">
                 <a:solidFill>
                   <a:schemeClr val="bg1"/>
                 </a:solidFill>
@@ -1971,7 +1981,7 @@
               <a:buAutoNum type="arabicPeriod"/>
             </a:pPr>
             <a:r>
-              <a:rPr lang="en-US" altLang="ko-KR" sz="1600" b="1" dirty="0">
+              <a:rPr lang="en-US" altLang="ko-KR" sz="1600" dirty="0">
                 <a:solidFill>
                   <a:schemeClr val="bg1"/>
                 </a:solidFill>
@@ -1989,7 +1999,7 @@
               <a:buAutoNum type="arabicPeriod"/>
             </a:pPr>
             <a:r>
-              <a:rPr lang="en-US" altLang="ko-KR" sz="1600" b="1" dirty="0">
+              <a:rPr lang="en-US" altLang="ko-KR" sz="1600" dirty="0">
                 <a:solidFill>
                   <a:schemeClr val="bg1"/>
                 </a:solidFill>
@@ -2007,7 +2017,7 @@
               <a:buAutoNum type="arabicPeriod"/>
             </a:pPr>
             <a:r>
-              <a:rPr lang="en-US" altLang="ko-KR" sz="1600" b="1" dirty="0">
+              <a:rPr lang="en-US" altLang="ko-KR" sz="1600" dirty="0">
                 <a:solidFill>
                   <a:schemeClr val="bg1"/>
                 </a:solidFill>
@@ -2025,7 +2035,7 @@
               <a:buAutoNum type="arabicPeriod"/>
             </a:pPr>
             <a:r>
-              <a:rPr lang="en-US" altLang="ko-KR" sz="1600" b="1" dirty="0">
+              <a:rPr lang="en-US" altLang="ko-KR" sz="1600" dirty="0">
                 <a:solidFill>
                   <a:schemeClr val="bg1"/>
                 </a:solidFill>
@@ -2118,6 +2128,99 @@
     <p:extLst>
       <p:ext uri="{BB962C8B-B14F-4D97-AF65-F5344CB8AC3E}">
         <p14:creationId xmlns:p14="http://schemas.microsoft.com/office/powerpoint/2010/main" val="253521290"/>
+      </p:ext>
+    </p:extLst>
+  </p:cSld>
+  <p:clrMapOvr>
+    <a:masterClrMapping/>
+  </p:clrMapOvr>
+</p:sld>
+</file>
+
+<file path=ppt/slides/slide10.xml><?xml version="1.0" encoding="utf-8"?>
+<p:sld xmlns:a="http://schemas.openxmlformats.org/drawingml/2006/main" xmlns:r="http://schemas.openxmlformats.org/officeDocument/2006/relationships" xmlns:p="http://schemas.openxmlformats.org/presentationml/2006/main">
+  <p:cSld>
+    <p:spTree>
+      <p:nvGrpSpPr>
+        <p:cNvPr id="1" name=""/>
+        <p:cNvGrpSpPr/>
+        <p:nvPr/>
+      </p:nvGrpSpPr>
+      <p:grpSpPr>
+        <a:xfrm>
+          <a:off x="0" y="0"/>
+          <a:ext cx="0" cy="0"/>
+          <a:chOff x="0" y="0"/>
+          <a:chExt cx="0" cy="0"/>
+        </a:xfrm>
+      </p:grpSpPr>
+      <p:sp>
+        <p:nvSpPr>
+          <p:cNvPr id="2" name="제목 1">
+            <a:extLst>
+              <a:ext uri="{FF2B5EF4-FFF2-40B4-BE49-F238E27FC236}">
+                <a16:creationId xmlns:a16="http://schemas.microsoft.com/office/drawing/2014/main" id="{8C9AF931-2C38-43C8-9E3C-AED4EC2E41A6}"/>
+              </a:ext>
+            </a:extLst>
+          </p:cNvPr>
+          <p:cNvSpPr>
+            <a:spLocks noGrp="1"/>
+          </p:cNvSpPr>
+          <p:nvPr>
+            <p:ph type="title"/>
+          </p:nvPr>
+        </p:nvSpPr>
+        <p:spPr>
+          <a:xfrm>
+            <a:off x="0" y="0"/>
+            <a:ext cx="12192000" cy="549275"/>
+          </a:xfrm>
+        </p:spPr>
+        <p:txBody>
+          <a:bodyPr/>
+          <a:lstStyle/>
+          <a:p>
+            <a:r>
+              <a:rPr lang="en-US" altLang="ko-KR" dirty="0"/>
+              <a:t>6. Terminating a Session</a:t>
+            </a:r>
+            <a:endParaRPr lang="ko-KR" altLang="en-US" dirty="0"/>
+          </a:p>
+        </p:txBody>
+      </p:sp>
+      <p:sp>
+        <p:nvSpPr>
+          <p:cNvPr id="4" name="슬라이드 번호 개체 틀 3">
+            <a:extLst>
+              <a:ext uri="{FF2B5EF4-FFF2-40B4-BE49-F238E27FC236}">
+                <a16:creationId xmlns:a16="http://schemas.microsoft.com/office/drawing/2014/main" id="{63151CCF-057C-4F06-8A51-C3671F753532}"/>
+              </a:ext>
+            </a:extLst>
+          </p:cNvPr>
+          <p:cNvSpPr>
+            <a:spLocks noGrp="1"/>
+          </p:cNvSpPr>
+          <p:nvPr>
+            <p:ph type="sldNum" sz="quarter" idx="12"/>
+          </p:nvPr>
+        </p:nvSpPr>
+        <p:spPr/>
+        <p:txBody>
+          <a:bodyPr/>
+          <a:lstStyle/>
+          <a:p>
+            <a:fld id="{A9252A94-CC09-4928-8209-20295AE91AEF}" type="slidenum">
+              <a:rPr lang="ko-KR" altLang="en-US" smtClean="0"/>
+              <a:t>10</a:t>
+            </a:fld>
+            <a:endParaRPr lang="ko-KR" altLang="en-US" dirty="0"/>
+          </a:p>
+        </p:txBody>
+      </p:sp>
+    </p:spTree>
+    <p:extLst>
+      <p:ext uri="{BB962C8B-B14F-4D97-AF65-F5344CB8AC3E}">
+        <p14:creationId xmlns:p14="http://schemas.microsoft.com/office/powerpoint/2010/main" val="2569842624"/>
       </p:ext>
     </p:extLst>
   </p:cSld>
@@ -2252,7 +2355,10 @@
           <a:lstStyle/>
           <a:p>
             <a:r>
-              <a:rPr lang="en-US" altLang="ko-KR" sz="1400" b="1" dirty="0"/>
+              <a:rPr lang="en-US" altLang="ko-KR" sz="1400" b="1" dirty="0">
+                <a:latin typeface="Roboto" panose="02000000000000000000" pitchFamily="2" charset="0"/>
+                <a:ea typeface="Roboto" panose="02000000000000000000" pitchFamily="2" charset="0"/>
+              </a:rPr>
               <a:t>Redirection</a:t>
             </a:r>
             <a:r>
@@ -2318,10 +2424,10 @@
         </p:nvGrpSpPr>
         <p:grpSpPr>
           <a:xfrm>
-            <a:off x="448447" y="3108952"/>
-            <a:ext cx="6183215" cy="3143496"/>
+            <a:off x="631327" y="3108952"/>
+            <a:ext cx="5909315" cy="3143496"/>
             <a:chOff x="902678" y="3108952"/>
-            <a:chExt cx="6183215" cy="3143496"/>
+            <a:chExt cx="5909315" cy="3143496"/>
           </a:xfrm>
         </p:grpSpPr>
         <p:grpSp>
@@ -2432,6 +2538,8 @@
                     <a:solidFill>
                       <a:schemeClr val="bg1"/>
                     </a:solidFill>
+                    <a:latin typeface="Roboto" panose="02000000000000000000" pitchFamily="2" charset="0"/>
+                    <a:ea typeface="Roboto" panose="02000000000000000000" pitchFamily="2" charset="0"/>
                   </a:rPr>
                   <a:t>redirect server</a:t>
                 </a:r>
@@ -2440,6 +2548,7 @@
                     <a:solidFill>
                       <a:schemeClr val="bg1"/>
                     </a:solidFill>
+                    <a:latin typeface="Roboto" panose="02000000000000000000" pitchFamily="2" charset="0"/>
                   </a:rPr>
                   <a:t> 구성</a:t>
                 </a:r>
@@ -2483,6 +2592,8 @@
                   <a:solidFill>
                     <a:schemeClr val="bg1"/>
                   </a:solidFill>
+                  <a:latin typeface="Roboto" panose="02000000000000000000" pitchFamily="2" charset="0"/>
+                  <a:ea typeface="Roboto" panose="02000000000000000000" pitchFamily="2" charset="0"/>
                 </a:rPr>
                 <a:t>(</a:t>
               </a:r>
@@ -2491,6 +2602,8 @@
                   <a:solidFill>
                     <a:srgbClr val="FFC000"/>
                   </a:solidFill>
+                  <a:latin typeface="Roboto" panose="02000000000000000000" pitchFamily="2" charset="0"/>
+                  <a:ea typeface="Roboto" panose="02000000000000000000" pitchFamily="2" charset="0"/>
                 </a:rPr>
                 <a:t>server</a:t>
               </a:r>
@@ -2499,6 +2612,8 @@
                   <a:solidFill>
                     <a:schemeClr val="bg1"/>
                   </a:solidFill>
+                  <a:latin typeface="Roboto" panose="02000000000000000000" pitchFamily="2" charset="0"/>
+                  <a:ea typeface="Roboto" panose="02000000000000000000" pitchFamily="2" charset="0"/>
                 </a:rPr>
                 <a:t>) </a:t>
               </a:r>
@@ -2507,6 +2622,8 @@
                   <a:solidFill>
                     <a:schemeClr val="bg1"/>
                   </a:solidFill>
+                  <a:latin typeface="Roboto" panose="02000000000000000000" pitchFamily="2" charset="0"/>
+                  <a:ea typeface="Roboto" panose="02000000000000000000" pitchFamily="2" charset="0"/>
                 </a:rPr>
                 <a:t>Transaction layer</a:t>
               </a:r>
@@ -2514,6 +2631,7 @@
                 <a:solidFill>
                   <a:schemeClr val="bg1"/>
                 </a:solidFill>
+                <a:latin typeface="Roboto" panose="02000000000000000000" pitchFamily="2" charset="0"/>
               </a:endParaRPr>
             </a:p>
           </p:txBody>
@@ -2554,6 +2672,8 @@
                   <a:solidFill>
                     <a:srgbClr val="FFC000"/>
                   </a:solidFill>
+                  <a:latin typeface="Roboto" panose="02000000000000000000" pitchFamily="2" charset="0"/>
+                  <a:ea typeface="Roboto" panose="02000000000000000000" pitchFamily="2" charset="0"/>
                 </a:rPr>
                 <a:t>T</a:t>
               </a:r>
@@ -2562,6 +2682,8 @@
                   <a:solidFill>
                     <a:schemeClr val="bg1"/>
                   </a:solidFill>
+                  <a:latin typeface="Roboto" panose="02000000000000000000" pitchFamily="2" charset="0"/>
+                  <a:ea typeface="Roboto" panose="02000000000000000000" pitchFamily="2" charset="0"/>
                 </a:rPr>
                 <a:t>ransaction </a:t>
               </a:r>
@@ -2570,6 +2692,8 @@
                   <a:solidFill>
                     <a:srgbClr val="FFC000"/>
                   </a:solidFill>
+                  <a:latin typeface="Roboto" panose="02000000000000000000" pitchFamily="2" charset="0"/>
+                  <a:ea typeface="Roboto" panose="02000000000000000000" pitchFamily="2" charset="0"/>
                 </a:rPr>
                 <a:t>U</a:t>
               </a:r>
@@ -2578,6 +2702,8 @@
                   <a:solidFill>
                     <a:schemeClr val="bg1"/>
                   </a:solidFill>
+                  <a:latin typeface="Roboto" panose="02000000000000000000" pitchFamily="2" charset="0"/>
+                  <a:ea typeface="Roboto" panose="02000000000000000000" pitchFamily="2" charset="0"/>
                 </a:rPr>
                 <a:t>ser</a:t>
               </a:r>
@@ -2585,6 +2711,7 @@
                 <a:solidFill>
                   <a:schemeClr val="bg1"/>
                 </a:solidFill>
+                <a:latin typeface="Roboto" panose="02000000000000000000" pitchFamily="2" charset="0"/>
               </a:endParaRPr>
             </a:p>
           </p:txBody>
@@ -2611,7 +2738,7 @@
           </p:blipFill>
           <p:spPr>
             <a:xfrm>
-              <a:off x="6096000" y="4544854"/>
+              <a:off x="5862143" y="4544854"/>
               <a:ext cx="641023" cy="641023"/>
             </a:xfrm>
             <a:prstGeom prst="rect">
@@ -2633,8 +2760,8 @@
           </p:nvSpPr>
           <p:spPr>
             <a:xfrm>
-              <a:off x="5747129" y="5336663"/>
-              <a:ext cx="1338764" cy="276999"/>
+              <a:off x="5553315" y="5336663"/>
+              <a:ext cx="1258678" cy="276999"/>
             </a:xfrm>
             <a:prstGeom prst="rect">
               <a:avLst/>
@@ -2654,6 +2781,8 @@
                   <a:solidFill>
                     <a:schemeClr val="bg1"/>
                   </a:solidFill>
+                  <a:latin typeface="Roboto" panose="02000000000000000000" pitchFamily="2" charset="0"/>
+                  <a:ea typeface="Roboto" panose="02000000000000000000" pitchFamily="2" charset="0"/>
                 </a:rPr>
                 <a:t>location service</a:t>
               </a:r>
@@ -2661,6 +2790,7 @@
                 <a:solidFill>
                   <a:schemeClr val="bg1"/>
                 </a:solidFill>
+                <a:latin typeface="Roboto" panose="02000000000000000000" pitchFamily="2" charset="0"/>
               </a:endParaRPr>
             </a:p>
           </p:txBody>
@@ -2684,7 +2814,7 @@
           <p:spPr>
             <a:xfrm>
               <a:off x="4298623" y="4865366"/>
-              <a:ext cx="1797377" cy="0"/>
+              <a:ext cx="1563520" cy="0"/>
             </a:xfrm>
             <a:prstGeom prst="straightConnector1">
               <a:avLst/>
@@ -2726,8 +2856,8 @@
           </p:nvSpPr>
           <p:spPr>
             <a:xfrm>
-              <a:off x="4779733" y="4557588"/>
-              <a:ext cx="725904" cy="307777"/>
+              <a:off x="4719050" y="4557588"/>
+              <a:ext cx="752129" cy="307777"/>
             </a:xfrm>
             <a:prstGeom prst="rect">
               <a:avLst/>
@@ -2742,12 +2872,13 @@
             <a:p>
               <a:r>
                 <a:rPr lang="en-US" altLang="ko-KR" sz="1400" dirty="0">
-                  <a:latin typeface="+mn-ea"/>
+                  <a:latin typeface="Roboto" panose="02000000000000000000" pitchFamily="2" charset="0"/>
+                  <a:ea typeface="Roboto" panose="02000000000000000000" pitchFamily="2" charset="0"/>
                 </a:rPr>
                 <a:t>access</a:t>
               </a:r>
               <a:endParaRPr lang="ko-KR" altLang="en-US" sz="1400" dirty="0">
-                <a:latin typeface="+mn-ea"/>
+                <a:latin typeface="Roboto" panose="02000000000000000000" pitchFamily="2" charset="0"/>
               </a:endParaRPr>
             </a:p>
           </p:txBody>
@@ -2782,7 +2913,10 @@
           <a:lstStyle/>
           <a:p>
             <a:r>
-              <a:rPr lang="en-US" altLang="ko-KR" sz="1400" b="1" dirty="0"/>
+              <a:rPr lang="en-US" altLang="ko-KR" sz="1400" b="1" dirty="0">
+                <a:latin typeface="Roboto" panose="02000000000000000000" pitchFamily="2" charset="0"/>
+                <a:ea typeface="Roboto" panose="02000000000000000000" pitchFamily="2" charset="0"/>
+              </a:rPr>
               <a:t>Redirect Server </a:t>
             </a:r>
             <a:r>
@@ -2942,7 +3076,7 @@
           </a:xfrm>
           <a:prstGeom prst="bentConnector3">
             <a:avLst>
-              <a:gd name="adj1" fmla="val 271"/>
+              <a:gd name="adj1" fmla="val 21"/>
             </a:avLst>
           </a:prstGeom>
           <a:ln>
@@ -3065,7 +3199,7 @@
         <p:spPr>
           <a:xfrm>
             <a:off x="902678" y="1244338"/>
-            <a:ext cx="7518308" cy="2462213"/>
+            <a:ext cx="7518308" cy="2339102"/>
           </a:xfrm>
           <a:prstGeom prst="rect">
             <a:avLst/>
@@ -3080,12 +3214,21 @@
           <a:p>
             <a:pPr defTabSz="360000"/>
             <a:r>
-              <a:rPr lang="en-US" altLang="ko-KR" sz="1400" b="1" dirty="0"/>
+              <a:rPr lang="en-US" altLang="ko-KR" sz="1400" b="1" dirty="0">
+                <a:latin typeface="Roboto" panose="02000000000000000000" pitchFamily="2" charset="0"/>
+                <a:ea typeface="Roboto" panose="02000000000000000000" pitchFamily="2" charset="0"/>
+              </a:rPr>
               <a:t>Redirect Server</a:t>
             </a:r>
             <a:r>
+              <a:rPr lang="ko-KR" altLang="en-US" sz="1400" b="1" dirty="0">
+                <a:latin typeface="Roboto" panose="02000000000000000000" pitchFamily="2" charset="0"/>
+              </a:rPr>
+              <a:t> </a:t>
+            </a:r>
+            <a:r>
               <a:rPr lang="ko-KR" altLang="en-US" sz="1400" b="1" dirty="0"/>
-              <a:t> 규칙</a:t>
+              <a:t>규칙</a:t>
             </a:r>
             <a:endParaRPr lang="en-US" altLang="ko-KR" sz="1400" b="1" dirty="0"/>
           </a:p>
@@ -3129,74 +3272,82 @@
           <a:p>
             <a:pPr defTabSz="360000"/>
             <a:r>
-              <a:rPr lang="en-US" altLang="ko-KR" sz="1400" dirty="0"/>
+              <a:rPr lang="en-US" altLang="ko-KR" sz="1200" dirty="0"/>
               <a:t>	- Contact </a:t>
             </a:r>
             <a:r>
-              <a:rPr lang="ko-KR" altLang="en-US" sz="1400" dirty="0"/>
+              <a:rPr lang="ko-KR" altLang="en-US" sz="1200" dirty="0"/>
               <a:t>데이터 수명을 나타내기 위해 </a:t>
             </a:r>
             <a:r>
-              <a:rPr lang="en-US" altLang="ko-KR" sz="1400" dirty="0"/>
+              <a:rPr lang="en-US" altLang="ko-KR" sz="1200" dirty="0"/>
               <a:t>“expires” </a:t>
             </a:r>
             <a:r>
-              <a:rPr lang="ko-KR" altLang="en-US" sz="1400" dirty="0"/>
+              <a:rPr lang="ko-KR" altLang="en-US" sz="1200" dirty="0"/>
               <a:t>매개 변수를 제공할 수 있음</a:t>
             </a:r>
             <a:r>
-              <a:rPr lang="en-US" altLang="ko-KR" sz="1400" dirty="0"/>
+              <a:rPr lang="en-US" altLang="ko-KR" sz="1200" dirty="0"/>
               <a:t>.</a:t>
             </a:r>
             <a:r>
-              <a:rPr lang="ko-KR" altLang="en-US" sz="1400" dirty="0"/>
+              <a:rPr lang="ko-KR" altLang="en-US" sz="1200" dirty="0"/>
               <a:t> </a:t>
             </a:r>
-            <a:endParaRPr lang="en-US" altLang="ko-KR" sz="1400" dirty="0"/>
+            <a:endParaRPr lang="en-US" altLang="ko-KR" sz="1200" dirty="0"/>
           </a:p>
           <a:p>
             <a:pPr defTabSz="360000"/>
             <a:r>
-              <a:rPr lang="en-US" altLang="ko-KR" sz="1400" dirty="0"/>
+              <a:rPr lang="en-US" altLang="ko-KR" sz="1200" dirty="0"/>
               <a:t>	</a:t>
             </a:r>
           </a:p>
           <a:p>
             <a:pPr defTabSz="360000"/>
             <a:r>
-              <a:rPr lang="en-US" altLang="ko-KR" sz="1400" dirty="0"/>
+              <a:rPr lang="en-US" altLang="ko-KR" sz="1200" dirty="0"/>
               <a:t>	- Contact </a:t>
             </a:r>
             <a:r>
-              <a:rPr lang="ko-KR" altLang="en-US" sz="1400" dirty="0"/>
+              <a:rPr lang="ko-KR" altLang="en-US" sz="1200" dirty="0"/>
               <a:t>헤더에 들어가는 값은 </a:t>
             </a:r>
             <a:r>
-              <a:rPr lang="en-US" altLang="ko-KR" sz="1400" dirty="0"/>
+              <a:rPr lang="en-US" altLang="ko-KR" sz="1200" dirty="0"/>
+              <a:t>SIP, SIPS </a:t>
+            </a:r>
+            <a:r>
+              <a:rPr lang="ko-KR" altLang="en-US" sz="1200" dirty="0"/>
+              <a:t>뿐만 아니라 </a:t>
+            </a:r>
+            <a:r>
+              <a:rPr lang="en-US" altLang="ko-KR" sz="1200" dirty="0"/>
               <a:t>phone, fax, </a:t>
             </a:r>
             <a:r>
-              <a:rPr lang="en-US" altLang="ko-KR" sz="1400" dirty="0" err="1"/>
+              <a:rPr lang="en-US" altLang="ko-KR" sz="1200" dirty="0" err="1"/>
               <a:t>mailto</a:t>
             </a:r>
             <a:r>
-              <a:rPr lang="en-US" altLang="ko-KR" sz="1400" dirty="0"/>
+              <a:rPr lang="en-US" altLang="ko-KR" sz="1200" dirty="0"/>
               <a:t> </a:t>
             </a:r>
             <a:r>
-              <a:rPr lang="ko-KR" altLang="en-US" sz="1400" dirty="0"/>
+              <a:rPr lang="ko-KR" altLang="en-US" sz="1200" dirty="0"/>
               <a:t>등 </a:t>
             </a:r>
             <a:r>
-              <a:rPr lang="en-US" altLang="ko-KR" sz="1400" dirty="0"/>
+              <a:rPr lang="en-US" altLang="ko-KR" sz="1200" dirty="0"/>
               <a:t>URL</a:t>
             </a:r>
             <a:r>
-              <a:rPr lang="ko-KR" altLang="en-US" sz="1400" dirty="0"/>
+              <a:rPr lang="ko-KR" altLang="en-US" sz="1200" dirty="0"/>
               <a:t>을 포함 가능</a:t>
             </a:r>
             <a:r>
-              <a:rPr lang="en-US" altLang="ko-KR" sz="1400" dirty="0"/>
+              <a:rPr lang="en-US" altLang="ko-KR" sz="1200" dirty="0"/>
               <a:t>.</a:t>
             </a:r>
           </a:p>
@@ -3251,23 +3402,23 @@
           <a:p>
             <a:pPr defTabSz="360000"/>
             <a:r>
-              <a:rPr lang="en-US" altLang="ko-KR" sz="1400" dirty="0"/>
+              <a:rPr lang="en-US" altLang="ko-KR" sz="1200" dirty="0"/>
               <a:t>	- </a:t>
             </a:r>
             <a:r>
-              <a:rPr lang="ko-KR" altLang="en-US" sz="1400" dirty="0"/>
+              <a:rPr lang="ko-KR" altLang="en-US" sz="1200" dirty="0"/>
               <a:t>요청이 원래 주소로 다시 돌아가는 무한 </a:t>
             </a:r>
             <a:r>
-              <a:rPr lang="ko-KR" altLang="en-US" sz="1400" dirty="0" err="1"/>
+              <a:rPr lang="ko-KR" altLang="en-US" sz="1200" dirty="0" err="1"/>
               <a:t>리디렉션을</a:t>
             </a:r>
             <a:r>
-              <a:rPr lang="ko-KR" altLang="en-US" sz="1400" dirty="0"/>
+              <a:rPr lang="ko-KR" altLang="en-US" sz="1200" dirty="0"/>
               <a:t> 방지하기 위한 제약 조건</a:t>
             </a:r>
             <a:r>
-              <a:rPr lang="en-US" altLang="ko-KR" sz="1400" dirty="0"/>
+              <a:rPr lang="en-US" altLang="ko-KR" sz="1200" dirty="0"/>
               <a:t>.</a:t>
             </a:r>
           </a:p>
@@ -3353,7 +3504,10 @@
               <a:t>제공하지 않으면 </a:t>
             </a:r>
             <a:r>
-              <a:rPr lang="en-US" altLang="ko-KR" sz="1050" b="1" dirty="0"/>
+              <a:rPr lang="en-US" altLang="ko-KR" sz="1050" b="1" dirty="0">
+                <a:latin typeface="Roboto" panose="02000000000000000000" pitchFamily="2" charset="0"/>
+                <a:ea typeface="Roboto" panose="02000000000000000000" pitchFamily="2" charset="0"/>
+              </a:rPr>
               <a:t>Expires</a:t>
             </a:r>
             <a:r>
@@ -3411,18 +3565,17 @@
           </p:cNvPr>
           <p:cNvCxnSpPr>
             <a:cxnSpLocks/>
+            <a:endCxn id="3" idx="0"/>
           </p:cNvCxnSpPr>
           <p:nvPr/>
         </p:nvCxnSpPr>
         <p:spPr>
-          <a:xfrm rot="16200000" flipH="1">
-            <a:off x="6608425" y="2864448"/>
-            <a:ext cx="1759240" cy="524106"/>
+          <a:xfrm>
+            <a:off x="6350794" y="2214563"/>
+            <a:ext cx="2050662" cy="1791558"/>
           </a:xfrm>
-          <a:prstGeom prst="bentConnector3">
-            <a:avLst>
-              <a:gd name="adj1" fmla="val -75"/>
-            </a:avLst>
+          <a:prstGeom prst="bentConnector2">
+            <a:avLst/>
           </a:prstGeom>
           <a:ln>
             <a:solidFill>
@@ -3846,7 +3999,7 @@
         <p:spPr>
           <a:xfrm>
             <a:off x="4524223" y="5595456"/>
-            <a:ext cx="7275453" cy="292388"/>
+            <a:ext cx="6777817" cy="292388"/>
           </a:xfrm>
           <a:prstGeom prst="rect">
             <a:avLst/>
@@ -3867,15 +4020,24 @@
           <a:lstStyle/>
           <a:p>
             <a:r>
-              <a:rPr lang="en-US" altLang="ko-KR" sz="1300" dirty="0"/>
+              <a:rPr lang="en-US" altLang="ko-KR" sz="1300" dirty="0">
+                <a:latin typeface="Roboto" panose="02000000000000000000" pitchFamily="2" charset="0"/>
+                <a:ea typeface="Roboto" panose="02000000000000000000" pitchFamily="2" charset="0"/>
+              </a:rPr>
               <a:t>Contact: &lt;</a:t>
             </a:r>
             <a:r>
-              <a:rPr lang="en-US" altLang="ko-KR" sz="1300" dirty="0" err="1"/>
+              <a:rPr lang="en-US" altLang="ko-KR" sz="1300" dirty="0" err="1">
+                <a:latin typeface="Roboto" panose="02000000000000000000" pitchFamily="2" charset="0"/>
+                <a:ea typeface="Roboto" panose="02000000000000000000" pitchFamily="2" charset="0"/>
+              </a:rPr>
               <a:t>sip:alice@example.com</a:t>
             </a:r>
             <a:r>
-              <a:rPr lang="en-US" altLang="ko-KR" sz="1300" dirty="0"/>
+              <a:rPr lang="en-US" altLang="ko-KR" sz="1300" dirty="0">
+                <a:latin typeface="Roboto" panose="02000000000000000000" pitchFamily="2" charset="0"/>
+                <a:ea typeface="Roboto" panose="02000000000000000000" pitchFamily="2" charset="0"/>
+              </a:rPr>
               <a:t>&gt;;</a:t>
             </a:r>
             <a:r>
@@ -3883,19 +4045,30 @@
                 <a:solidFill>
                   <a:srgbClr val="0000FF"/>
                 </a:solidFill>
+                <a:latin typeface="Roboto" panose="02000000000000000000" pitchFamily="2" charset="0"/>
+                <a:ea typeface="Roboto" panose="02000000000000000000" pitchFamily="2" charset="0"/>
               </a:rPr>
               <a:t>expires=3600</a:t>
             </a:r>
             <a:r>
-              <a:rPr lang="en-US" altLang="ko-KR" sz="1300" dirty="0"/>
+              <a:rPr lang="en-US" altLang="ko-KR" sz="1300" dirty="0">
+                <a:latin typeface="Roboto" panose="02000000000000000000" pitchFamily="2" charset="0"/>
+                <a:ea typeface="Roboto" panose="02000000000000000000" pitchFamily="2" charset="0"/>
+              </a:rPr>
               <a:t>, &lt;</a:t>
             </a:r>
             <a:r>
-              <a:rPr lang="en-US" altLang="ko-KR" sz="1300" dirty="0" err="1"/>
+              <a:rPr lang="en-US" altLang="ko-KR" sz="1300" dirty="0" err="1">
+                <a:latin typeface="Roboto" panose="02000000000000000000" pitchFamily="2" charset="0"/>
+                <a:ea typeface="Roboto" panose="02000000000000000000" pitchFamily="2" charset="0"/>
+              </a:rPr>
               <a:t>sip:bob@example.com</a:t>
             </a:r>
             <a:r>
-              <a:rPr lang="en-US" altLang="ko-KR" sz="1300" dirty="0"/>
+              <a:rPr lang="en-US" altLang="ko-KR" sz="1300" dirty="0">
+                <a:latin typeface="Roboto" panose="02000000000000000000" pitchFamily="2" charset="0"/>
+                <a:ea typeface="Roboto" panose="02000000000000000000" pitchFamily="2" charset="0"/>
+              </a:rPr>
               <a:t>&gt;;</a:t>
             </a:r>
             <a:r>
@@ -3903,6 +4076,8 @@
                 <a:solidFill>
                   <a:srgbClr val="0000FF"/>
                 </a:solidFill>
+                <a:latin typeface="Roboto" panose="02000000000000000000" pitchFamily="2" charset="0"/>
+                <a:ea typeface="Roboto" panose="02000000000000000000" pitchFamily="2" charset="0"/>
               </a:rPr>
               <a:t>expires=7200</a:t>
             </a:r>
@@ -3910,6 +4085,7 @@
               <a:solidFill>
                 <a:srgbClr val="0000FF"/>
               </a:solidFill>
+              <a:latin typeface="Roboto" panose="02000000000000000000" pitchFamily="2" charset="0"/>
             </a:endParaRPr>
           </a:p>
         </p:txBody>
@@ -3972,9 +4148,12 @@
           <a:p>
             <a:r>
               <a:rPr lang="en-US" altLang="ko-KR" dirty="0"/>
-              <a:t>2. Registrations</a:t>
-            </a:r>
-            <a:endParaRPr lang="ko-KR" altLang="en-US" dirty="0"/>
+              <a:t>2. Registrations – </a:t>
+            </a:r>
+            <a:r>
+              <a:rPr lang="ko-KR" altLang="en-US" dirty="0"/>
+              <a:t>용어 정리</a:t>
+            </a:r>
           </a:p>
         </p:txBody>
       </p:sp>
@@ -4021,8 +4200,8 @@
         </p:nvSpPr>
         <p:spPr>
           <a:xfrm>
-            <a:off x="902678" y="1244338"/>
-            <a:ext cx="7055265" cy="5186035"/>
+            <a:off x="838200" y="876920"/>
+            <a:ext cx="7234801" cy="5538247"/>
           </a:xfrm>
           <a:prstGeom prst="rect">
             <a:avLst/>
@@ -4035,34 +4214,21 @@
           </a:bodyPr>
           <a:lstStyle/>
           <a:p>
-            <a:pPr defTabSz="360000"/>
-            <a:r>
-              <a:rPr lang="ko-KR" altLang="en-US" sz="1600" b="1" dirty="0">
-                <a:latin typeface="+mn-ea"/>
-              </a:rPr>
-              <a:t>용어 정리</a:t>
-            </a:r>
-            <a:endParaRPr lang="en-US" altLang="ko-KR" sz="1600" b="1" dirty="0">
-              <a:latin typeface="+mn-ea"/>
-            </a:endParaRPr>
-          </a:p>
-          <a:p>
-            <a:pPr defTabSz="360000"/>
-            <a:endParaRPr lang="en-US" altLang="ko-KR" sz="1400" b="1" dirty="0"/>
-          </a:p>
-          <a:p>
             <a:pPr defTabSz="360000">
               <a:lnSpc>
                 <a:spcPct val="150000"/>
               </a:lnSpc>
             </a:pPr>
             <a:r>
-              <a:rPr lang="en-US" altLang="ko-KR" sz="1400" b="1" dirty="0"/>
+              <a:rPr lang="en-US" altLang="ko-KR" sz="1400" b="1" u="sng" dirty="0">
+                <a:latin typeface="Roboto" panose="02000000000000000000" pitchFamily="2" charset="0"/>
+                <a:ea typeface="Roboto" panose="02000000000000000000" pitchFamily="2" charset="0"/>
+              </a:rPr>
               <a:t>Address-Of-Record(AOR)</a:t>
             </a:r>
           </a:p>
           <a:p>
-            <a:pPr marL="285750" indent="-285750" defTabSz="360000">
+            <a:pPr marL="171450" indent="-171450" defTabSz="360000">
               <a:lnSpc>
                 <a:spcPct val="150000"/>
               </a:lnSpc>
@@ -4070,29 +4236,29 @@
               <a:buChar char="•"/>
             </a:pPr>
             <a:r>
-              <a:rPr lang="ko-KR" altLang="en-US" sz="1400" dirty="0">
+              <a:rPr lang="ko-KR" altLang="en-US" sz="1200" dirty="0">
                 <a:latin typeface="+mn-ea"/>
               </a:rPr>
               <a:t>사용자의 공개 주소 </a:t>
             </a:r>
             <a:r>
-              <a:rPr lang="en-US" altLang="ko-KR" sz="1400" dirty="0">
+              <a:rPr lang="en-US" altLang="ko-KR" sz="1200" dirty="0">
                 <a:latin typeface="+mn-ea"/>
               </a:rPr>
               <a:t>(public address)</a:t>
             </a:r>
             <a:r>
-              <a:rPr lang="ko-KR" altLang="en-US" sz="1400" dirty="0">
+              <a:rPr lang="ko-KR" altLang="en-US" sz="1200" dirty="0">
                 <a:latin typeface="+mn-ea"/>
               </a:rPr>
               <a:t>로 간주</a:t>
             </a:r>
-            <a:endParaRPr lang="en-US" altLang="ko-KR" sz="1400" dirty="0">
+            <a:endParaRPr lang="en-US" altLang="ko-KR" sz="1200" dirty="0">
               <a:latin typeface="+mn-ea"/>
             </a:endParaRPr>
           </a:p>
           <a:p>
-            <a:pPr marL="285750" indent="-285750" defTabSz="360000">
+            <a:pPr marL="171450" indent="-171450" defTabSz="360000">
               <a:lnSpc>
                 <a:spcPct val="150000"/>
               </a:lnSpc>
@@ -4100,17 +4266,17 @@
               <a:buChar char="•"/>
             </a:pPr>
             <a:r>
-              <a:rPr lang="ko-KR" altLang="en-US" sz="1400" dirty="0">
+              <a:rPr lang="ko-KR" altLang="en-US" sz="1200" dirty="0">
                 <a:latin typeface="+mn-ea"/>
               </a:rPr>
               <a:t>사용자를 식별하기 위한 주소로 사용</a:t>
             </a:r>
-            <a:endParaRPr lang="en-US" altLang="ko-KR" sz="1400" dirty="0">
+            <a:endParaRPr lang="en-US" altLang="ko-KR" sz="1200" dirty="0">
               <a:latin typeface="+mn-ea"/>
             </a:endParaRPr>
           </a:p>
           <a:p>
-            <a:pPr marL="285750" indent="-285750" defTabSz="360000">
+            <a:pPr marL="171450" indent="-171450" defTabSz="360000">
               <a:lnSpc>
                 <a:spcPct val="150000"/>
               </a:lnSpc>
@@ -4118,41 +4284,41 @@
               <a:buChar char="•"/>
             </a:pPr>
             <a:r>
-              <a:rPr lang="ko-KR" altLang="en-US" sz="1400" dirty="0">
+              <a:rPr lang="ko-KR" altLang="en-US" sz="1200" dirty="0">
                 <a:latin typeface="+mn-ea"/>
               </a:rPr>
               <a:t>일반적으로 </a:t>
             </a:r>
             <a:r>
-              <a:rPr lang="en-US" altLang="ko-KR" sz="1400" dirty="0">
+              <a:rPr lang="en-US" altLang="ko-KR" sz="1200" dirty="0">
                 <a:latin typeface="+mn-ea"/>
               </a:rPr>
               <a:t>SIP or SIPS URI </a:t>
             </a:r>
             <a:r>
-              <a:rPr lang="ko-KR" altLang="en-US" sz="1400" dirty="0">
+              <a:rPr lang="ko-KR" altLang="en-US" sz="1200" dirty="0">
                 <a:latin typeface="+mn-ea"/>
               </a:rPr>
               <a:t>형식이며</a:t>
             </a:r>
             <a:r>
-              <a:rPr lang="en-US" altLang="ko-KR" sz="1400" dirty="0">
+              <a:rPr lang="en-US" altLang="ko-KR" sz="1200" dirty="0">
                 <a:latin typeface="+mn-ea"/>
               </a:rPr>
               <a:t>, </a:t>
             </a:r>
             <a:r>
-              <a:rPr lang="ko-KR" altLang="en-US" sz="1400" dirty="0">
+              <a:rPr lang="ko-KR" altLang="en-US" sz="1200" dirty="0">
                 <a:latin typeface="+mn-ea"/>
               </a:rPr>
               <a:t>도메인을 포함</a:t>
             </a:r>
-            <a:endParaRPr lang="en-US" altLang="ko-KR" sz="1400" dirty="0">
+            <a:endParaRPr lang="en-US" altLang="ko-KR" sz="1200" dirty="0">
               <a:latin typeface="+mn-ea"/>
             </a:endParaRPr>
           </a:p>
           <a:p>
-            <a:pPr marL="285750" indent="-285750" defTabSz="360000">
+            <a:pPr marL="171450" indent="-171450" defTabSz="360000">
               <a:lnSpc>
                 <a:spcPct val="150000"/>
               </a:lnSpc>
@@ -4160,25 +4326,28 @@
               <a:buChar char="•"/>
             </a:pPr>
             <a:r>
-              <a:rPr lang="en-US" altLang="ko-KR" sz="1400" dirty="0">
-                <a:latin typeface="+mn-ea"/>
+              <a:rPr lang="en-US" altLang="ko-KR" sz="1200" dirty="0">
+                <a:latin typeface="Roboto" panose="02000000000000000000" pitchFamily="2" charset="0"/>
+                <a:ea typeface="Roboto" panose="02000000000000000000" pitchFamily="2" charset="0"/>
               </a:rPr>
               <a:t>ex)</a:t>
             </a:r>
             <a:r>
-              <a:rPr lang="ko-KR" altLang="en-US" sz="1400" dirty="0">
-                <a:latin typeface="+mn-ea"/>
+              <a:rPr lang="ko-KR" altLang="en-US" sz="1200" dirty="0">
+                <a:latin typeface="Roboto" panose="02000000000000000000" pitchFamily="2" charset="0"/>
               </a:rPr>
               <a:t> </a:t>
             </a:r>
             <a:r>
-              <a:rPr lang="en-US" altLang="ko-KR" sz="1400" dirty="0" err="1">
-                <a:latin typeface="+mn-ea"/>
+              <a:rPr lang="en-US" altLang="ko-KR" sz="1200" dirty="0" err="1">
+                <a:latin typeface="Roboto" panose="02000000000000000000" pitchFamily="2" charset="0"/>
+                <a:ea typeface="Roboto" panose="02000000000000000000" pitchFamily="2" charset="0"/>
               </a:rPr>
               <a:t>sip:alice@example.com</a:t>
             </a:r>
-            <a:endParaRPr lang="en-US" altLang="ko-KR" sz="1400" dirty="0">
-              <a:latin typeface="+mn-ea"/>
+            <a:endParaRPr lang="en-US" altLang="ko-KR" sz="1200" dirty="0">
+              <a:latin typeface="Roboto" panose="02000000000000000000" pitchFamily="2" charset="0"/>
+              <a:ea typeface="Roboto" panose="02000000000000000000" pitchFamily="2" charset="0"/>
             </a:endParaRPr>
           </a:p>
           <a:p>
@@ -4190,69 +4359,91 @@
             <a:endParaRPr lang="en-US" altLang="ko-KR" sz="1400" b="1" dirty="0"/>
           </a:p>
           <a:p>
-            <a:pPr defTabSz="360000"/>
-            <a:r>
-              <a:rPr lang="en-US" altLang="ko-KR" sz="1400" b="1" dirty="0"/>
-              <a:t>contact address</a:t>
-            </a:r>
-          </a:p>
-          <a:p>
-            <a:pPr defTabSz="360000"/>
-            <a:endParaRPr lang="en-US" altLang="ko-KR" sz="1400" b="1" dirty="0"/>
-          </a:p>
-          <a:p>
-            <a:pPr marL="285750" indent="-285750" defTabSz="360000">
+            <a:pPr defTabSz="360000">
+              <a:lnSpc>
+                <a:spcPct val="150000"/>
+              </a:lnSpc>
+            </a:pPr>
+            <a:r>
+              <a:rPr lang="en-US" altLang="ko-KR" sz="1400" b="1" u="sng" dirty="0">
+                <a:latin typeface="Roboto" panose="02000000000000000000" pitchFamily="2" charset="0"/>
+                <a:ea typeface="Roboto" panose="02000000000000000000" pitchFamily="2" charset="0"/>
+              </a:rPr>
+              <a:t>Location</a:t>
+            </a:r>
+            <a:r>
+              <a:rPr lang="ko-KR" altLang="en-US" sz="1400" b="1" u="sng" dirty="0">
+                <a:latin typeface="Roboto" panose="02000000000000000000" pitchFamily="2" charset="0"/>
+              </a:rPr>
+              <a:t> </a:t>
+            </a:r>
+            <a:r>
+              <a:rPr lang="en-US" altLang="ko-KR" sz="1400" b="1" u="sng" dirty="0">
+                <a:latin typeface="Roboto" panose="02000000000000000000" pitchFamily="2" charset="0"/>
+                <a:ea typeface="Roboto" panose="02000000000000000000" pitchFamily="2" charset="0"/>
+              </a:rPr>
+              <a:t>Service</a:t>
+            </a:r>
+          </a:p>
+          <a:p>
+            <a:pPr marL="171450" indent="-171450" defTabSz="360000">
+              <a:lnSpc>
+                <a:spcPct val="150000"/>
+              </a:lnSpc>
               <a:buFont typeface="Arial" panose="020B0604020202020204" pitchFamily="34" charset="0"/>
               <a:buChar char="•"/>
             </a:pPr>
             <a:r>
-              <a:rPr lang="ko-KR" altLang="en-US" sz="1400" dirty="0">
-                <a:latin typeface="+mn-ea"/>
-              </a:rPr>
-              <a:t>사용자의 실제 위치 정보를 나타냄</a:t>
-            </a:r>
-            <a:endParaRPr lang="en-US" altLang="ko-KR" sz="1400" dirty="0">
-              <a:latin typeface="+mn-ea"/>
-            </a:endParaRPr>
-          </a:p>
-          <a:p>
-            <a:pPr marL="285750" indent="-285750" defTabSz="360000">
+              <a:rPr lang="en-US" altLang="ko-KR" sz="1200" dirty="0"/>
+              <a:t>address-of-record</a:t>
+            </a:r>
+            <a:r>
+              <a:rPr lang="ko-KR" altLang="en-US" sz="1200" dirty="0"/>
+              <a:t>의 </a:t>
+            </a:r>
+            <a:r>
+              <a:rPr lang="en-US" altLang="ko-KR" sz="1200" dirty="0"/>
+              <a:t>contact address binding </a:t>
+            </a:r>
+            <a:r>
+              <a:rPr lang="ko-KR" altLang="en-US" sz="1200" dirty="0"/>
+              <a:t>정보를 저장하고 있는 데이터 베이스</a:t>
+            </a:r>
+            <a:endParaRPr lang="en-US" altLang="ko-KR" sz="1200" dirty="0"/>
+          </a:p>
+          <a:p>
+            <a:pPr marL="171450" indent="-171450" defTabSz="360000">
+              <a:lnSpc>
+                <a:spcPct val="150000"/>
+              </a:lnSpc>
               <a:buFont typeface="Arial" panose="020B0604020202020204" pitchFamily="34" charset="0"/>
               <a:buChar char="•"/>
             </a:pPr>
-            <a:endParaRPr lang="en-US" altLang="ko-KR" sz="1400" dirty="0">
-              <a:latin typeface="+mn-ea"/>
-            </a:endParaRPr>
-          </a:p>
-          <a:p>
-            <a:pPr marL="285750" indent="-285750" defTabSz="360000">
-              <a:buFont typeface="Arial" panose="020B0604020202020204" pitchFamily="34" charset="0"/>
-              <a:buChar char="•"/>
-            </a:pPr>
-            <a:r>
-              <a:rPr lang="en-US" altLang="ko-KR" sz="1400" dirty="0">
-                <a:latin typeface="+mn-ea"/>
-              </a:rPr>
-              <a:t>Contact </a:t>
-            </a:r>
-            <a:r>
-              <a:rPr lang="ko-KR" altLang="en-US" sz="1400" dirty="0">
-                <a:latin typeface="+mn-ea"/>
-              </a:rPr>
-              <a:t>헤더 필드에 포함되어 다른 사용자가 해당 사용자에게 연락할 수 있는 주소를 제공</a:t>
-            </a:r>
-            <a:endParaRPr lang="en-US" altLang="ko-KR" sz="1400" dirty="0">
-              <a:latin typeface="+mn-ea"/>
-            </a:endParaRPr>
-          </a:p>
-          <a:p>
-            <a:pPr marL="285750" indent="-285750" defTabSz="360000">
-              <a:buFont typeface="Arial" panose="020B0604020202020204" pitchFamily="34" charset="0"/>
-              <a:buChar char="•"/>
-            </a:pPr>
-            <a:endParaRPr lang="en-US" altLang="ko-KR" sz="1400" dirty="0">
-              <a:latin typeface="+mn-ea"/>
-            </a:endParaRPr>
+            <a:r>
+              <a:rPr lang="en-US" altLang="ko-KR" sz="1200" dirty="0"/>
+              <a:t>callee</a:t>
+            </a:r>
+            <a:r>
+              <a:rPr lang="ko-KR" altLang="en-US" sz="1200" dirty="0"/>
+              <a:t>의 위치 정보를 얻기 위해 </a:t>
+            </a:r>
+            <a:r>
+              <a:rPr lang="en-US" altLang="ko-KR" sz="1200" dirty="0"/>
+              <a:t>SIP redirect</a:t>
+            </a:r>
+            <a:r>
+              <a:rPr lang="ko-KR" altLang="en-US" sz="1200" dirty="0"/>
+              <a:t> 또는 </a:t>
+            </a:r>
+            <a:r>
+              <a:rPr lang="en-US" altLang="ko-KR" sz="1200" dirty="0"/>
+              <a:t>Proxy </a:t>
+            </a:r>
+            <a:r>
+              <a:rPr lang="ko-KR" altLang="en-US" sz="1200" dirty="0"/>
+              <a:t>서버가 사용</a:t>
+            </a:r>
+            <a:endParaRPr lang="en-US" altLang="ko-KR" sz="1200" dirty="0"/>
           </a:p>
           <a:p>
             <a:pPr defTabSz="360000"/>
@@ -4262,32 +4453,356 @@
           </a:p>
           <a:p>
             <a:pPr defTabSz="360000"/>
-            <a:r>
-              <a:rPr lang="en-US" altLang="ko-KR" sz="1400" b="1" dirty="0">
-                <a:latin typeface="+mn-ea"/>
-              </a:rPr>
-              <a:t>Registration</a:t>
-            </a:r>
-          </a:p>
-          <a:p>
-            <a:pPr defTabSz="360000"/>
-            <a:endParaRPr lang="en-US" altLang="ko-KR" sz="1400" b="1" dirty="0">
+            <a:endParaRPr lang="en-US" altLang="ko-KR" sz="1400" dirty="0">
               <a:latin typeface="+mn-ea"/>
             </a:endParaRPr>
           </a:p>
           <a:p>
-            <a:pPr defTabSz="360000"/>
-            <a:endParaRPr lang="en-US" altLang="ko-KR" sz="1400" b="1" dirty="0">
+            <a:pPr defTabSz="360000">
+              <a:lnSpc>
+                <a:spcPct val="150000"/>
+              </a:lnSpc>
+            </a:pPr>
+            <a:r>
+              <a:rPr lang="en-US" altLang="ko-KR" sz="1400" b="1" u="sng" dirty="0">
+                <a:latin typeface="Roboto" panose="02000000000000000000" pitchFamily="2" charset="0"/>
+                <a:ea typeface="Roboto" panose="02000000000000000000" pitchFamily="2" charset="0"/>
+              </a:rPr>
+              <a:t>Registration</a:t>
+            </a:r>
+            <a:r>
+              <a:rPr lang="en-US" altLang="ko-KR" sz="1400" b="1" dirty="0">
+                <a:latin typeface="+mj-lt"/>
+              </a:rPr>
+              <a:t> </a:t>
+            </a:r>
+            <a:r>
+              <a:rPr lang="en-US" altLang="ko-KR" sz="1200" dirty="0">
+                <a:latin typeface="+mj-lt"/>
+              </a:rPr>
+              <a:t>(</a:t>
+            </a:r>
+            <a:r>
+              <a:rPr lang="ko-KR" altLang="en-US" sz="1200" dirty="0">
+                <a:latin typeface="+mj-lt"/>
+              </a:rPr>
+              <a:t>등록 절차</a:t>
+            </a:r>
+            <a:r>
+              <a:rPr lang="en-US" altLang="ko-KR" sz="1200" dirty="0">
+                <a:latin typeface="+mj-lt"/>
+              </a:rPr>
+              <a:t>)</a:t>
+            </a:r>
+          </a:p>
+          <a:p>
+            <a:pPr defTabSz="360000">
+              <a:lnSpc>
+                <a:spcPct val="150000"/>
+              </a:lnSpc>
+            </a:pPr>
+            <a:r>
+              <a:rPr lang="ko-KR" altLang="en-US" sz="1200" dirty="0">
+                <a:latin typeface="+mn-ea"/>
+              </a:rPr>
+              <a:t>특정 도메인에 대한 </a:t>
+            </a:r>
+            <a:r>
+              <a:rPr lang="en-US" altLang="ko-KR" sz="1200" dirty="0">
+                <a:latin typeface="+mn-ea"/>
+              </a:rPr>
+              <a:t>address-of-record</a:t>
+            </a:r>
+            <a:r>
+              <a:rPr lang="ko-KR" altLang="en-US" sz="1200" dirty="0">
+                <a:latin typeface="+mn-ea"/>
+              </a:rPr>
+              <a:t>와 </a:t>
+            </a:r>
+            <a:r>
+              <a:rPr lang="en-US" altLang="ko-KR" sz="1200" dirty="0">
+                <a:latin typeface="+mn-ea"/>
+              </a:rPr>
+              <a:t>contact address</a:t>
+            </a:r>
+            <a:r>
+              <a:rPr lang="ko-KR" altLang="en-US" sz="1200" dirty="0">
+                <a:latin typeface="+mn-ea"/>
+              </a:rPr>
+              <a:t>간 </a:t>
+            </a:r>
+            <a:r>
+              <a:rPr lang="en-US" altLang="ko-KR" sz="1200" dirty="0">
+                <a:latin typeface="+mn-ea"/>
+              </a:rPr>
+              <a:t>binding </a:t>
+            </a:r>
+            <a:r>
+              <a:rPr lang="ko-KR" altLang="en-US" sz="1200" dirty="0">
+                <a:latin typeface="+mn-ea"/>
+              </a:rPr>
+              <a:t>을 </a:t>
+            </a:r>
+            <a:r>
+              <a:rPr lang="en-US" altLang="ko-KR" sz="1200" dirty="0">
+                <a:latin typeface="+mn-ea"/>
+              </a:rPr>
+              <a:t>location service</a:t>
+            </a:r>
+            <a:r>
+              <a:rPr lang="ko-KR" altLang="en-US" sz="1200" dirty="0">
+                <a:latin typeface="+mn-ea"/>
+              </a:rPr>
+              <a:t>에 생성하는 절차</a:t>
+            </a:r>
+            <a:endParaRPr lang="en-US" altLang="ko-KR" sz="1200" dirty="0">
               <a:latin typeface="+mn-ea"/>
             </a:endParaRPr>
           </a:p>
           <a:p>
-            <a:pPr defTabSz="360000"/>
-            <a:endParaRPr lang="en-US" altLang="ko-KR" sz="1400" b="1" dirty="0"/>
-          </a:p>
-          <a:p>
-            <a:pPr defTabSz="360000"/>
-            <a:endParaRPr lang="en-US" altLang="ko-KR" sz="1400" b="1" dirty="0"/>
+            <a:pPr defTabSz="360000">
+              <a:lnSpc>
+                <a:spcPct val="150000"/>
+              </a:lnSpc>
+            </a:pPr>
+            <a:endParaRPr lang="en-US" altLang="ko-KR" sz="1200" dirty="0">
+              <a:latin typeface="+mn-ea"/>
+            </a:endParaRPr>
+          </a:p>
+          <a:p>
+            <a:pPr defTabSz="360000">
+              <a:lnSpc>
+                <a:spcPct val="150000"/>
+              </a:lnSpc>
+            </a:pPr>
+            <a:endParaRPr lang="en-US" altLang="ko-KR" sz="1200" dirty="0">
+              <a:latin typeface="+mn-ea"/>
+            </a:endParaRPr>
+          </a:p>
+          <a:p>
+            <a:pPr defTabSz="360000">
+              <a:lnSpc>
+                <a:spcPct val="150000"/>
+              </a:lnSpc>
+            </a:pPr>
+            <a:r>
+              <a:rPr lang="en-US" altLang="ko-KR" sz="1400" b="1" u="sng" dirty="0">
+                <a:latin typeface="Roboto" panose="02000000000000000000" pitchFamily="2" charset="0"/>
+                <a:ea typeface="Roboto" panose="02000000000000000000" pitchFamily="2" charset="0"/>
+              </a:rPr>
+              <a:t>Registrar</a:t>
+            </a:r>
+            <a:endParaRPr lang="en-US" altLang="ko-KR" sz="1200" b="1" u="sng" dirty="0">
+              <a:latin typeface="Roboto" panose="02000000000000000000" pitchFamily="2" charset="0"/>
+              <a:ea typeface="Roboto" panose="02000000000000000000" pitchFamily="2" charset="0"/>
+            </a:endParaRPr>
+          </a:p>
+          <a:p>
+            <a:pPr marL="171450" indent="-171450" defTabSz="360000">
+              <a:lnSpc>
+                <a:spcPct val="150000"/>
+              </a:lnSpc>
+              <a:buFont typeface="Arial" panose="020B0604020202020204" pitchFamily="34" charset="0"/>
+              <a:buChar char="•"/>
+            </a:pPr>
+            <a:r>
+              <a:rPr lang="en-US" altLang="ko-KR" sz="1200" dirty="0">
+                <a:latin typeface="+mn-ea"/>
+              </a:rPr>
+              <a:t>REGISTER </a:t>
+            </a:r>
+            <a:r>
+              <a:rPr lang="ko-KR" altLang="en-US" sz="1200" dirty="0">
+                <a:latin typeface="+mn-ea"/>
+              </a:rPr>
+              <a:t>요청을 받고</a:t>
+            </a:r>
+            <a:r>
+              <a:rPr lang="en-US" altLang="ko-KR" sz="1200" dirty="0">
+                <a:latin typeface="+mn-ea"/>
+              </a:rPr>
+              <a:t>, </a:t>
+            </a:r>
+            <a:r>
+              <a:rPr lang="ko-KR" altLang="en-US" sz="1200" dirty="0">
+                <a:latin typeface="+mn-ea"/>
+              </a:rPr>
+              <a:t>그 요청에서 받은 정보를 </a:t>
+            </a:r>
+            <a:r>
+              <a:rPr lang="en-US" altLang="ko-KR" sz="1200" dirty="0">
+                <a:latin typeface="+mn-ea"/>
+              </a:rPr>
+              <a:t>registrar</a:t>
+            </a:r>
+            <a:r>
+              <a:rPr lang="ko-KR" altLang="en-US" sz="1200" dirty="0">
+                <a:latin typeface="+mn-ea"/>
+              </a:rPr>
+              <a:t>가 다루는 도메인을 위한 </a:t>
+            </a:r>
+            <a:r>
+              <a:rPr lang="en-US" altLang="ko-KR" sz="1200" dirty="0">
+                <a:latin typeface="+mn-ea"/>
+              </a:rPr>
+              <a:t>location service</a:t>
+            </a:r>
+            <a:r>
+              <a:rPr lang="ko-KR" altLang="en-US" sz="1200" dirty="0">
+                <a:latin typeface="+mn-ea"/>
+              </a:rPr>
+              <a:t> 에 저장</a:t>
+            </a:r>
+            <a:br>
+              <a:rPr lang="en-US" altLang="ko-KR" sz="1200" dirty="0">
+                <a:latin typeface="+mn-ea"/>
+              </a:rPr>
+            </a:br>
+            <a:r>
+              <a:rPr lang="ko-KR" altLang="en-US" sz="1200" dirty="0">
+                <a:latin typeface="+mn-ea"/>
+              </a:rPr>
+              <a:t>하는 특수한 유형의 </a:t>
+            </a:r>
+            <a:r>
+              <a:rPr lang="en-US" altLang="ko-KR" sz="1200" dirty="0">
+                <a:latin typeface="+mn-ea"/>
+              </a:rPr>
+              <a:t>UAS</a:t>
+            </a:r>
+          </a:p>
+          <a:p>
+            <a:pPr marL="171450" indent="-171450" defTabSz="360000">
+              <a:lnSpc>
+                <a:spcPct val="150000"/>
+              </a:lnSpc>
+              <a:buFont typeface="Arial" panose="020B0604020202020204" pitchFamily="34" charset="0"/>
+              <a:buChar char="•"/>
+            </a:pPr>
+            <a:r>
+              <a:rPr lang="en-US" altLang="ko-KR" sz="1200" dirty="0">
+                <a:latin typeface="+mn-ea"/>
+              </a:rPr>
+              <a:t>location service </a:t>
+            </a:r>
+            <a:r>
+              <a:rPr lang="ko-KR" altLang="en-US" sz="1200" dirty="0">
+                <a:latin typeface="+mn-ea"/>
+              </a:rPr>
+              <a:t>의 프론트 엔드 역할로</a:t>
+            </a:r>
+            <a:r>
+              <a:rPr lang="en-US" altLang="ko-KR" sz="1200" dirty="0">
+                <a:latin typeface="+mn-ea"/>
+              </a:rPr>
+              <a:t>, REGISTER </a:t>
+            </a:r>
+            <a:r>
+              <a:rPr lang="ko-KR" altLang="en-US" sz="1200" dirty="0">
+                <a:latin typeface="+mn-ea"/>
+              </a:rPr>
+              <a:t>내용을 기반으로 매핑하고 읽고</a:t>
+            </a:r>
+            <a:r>
+              <a:rPr lang="en-US" altLang="ko-KR" sz="1200" dirty="0">
+                <a:latin typeface="+mn-ea"/>
+              </a:rPr>
+              <a:t>, </a:t>
+            </a:r>
+            <a:r>
+              <a:rPr lang="ko-KR" altLang="en-US" sz="1200" dirty="0">
+                <a:latin typeface="+mn-ea"/>
+              </a:rPr>
+              <a:t>쓰기 가능</a:t>
+            </a:r>
+            <a:endParaRPr lang="en-US" altLang="ko-KR" sz="1200" dirty="0">
+              <a:latin typeface="+mn-ea"/>
+            </a:endParaRPr>
+          </a:p>
+        </p:txBody>
+      </p:sp>
+      <p:sp>
+        <p:nvSpPr>
+          <p:cNvPr id="3" name="TextBox 2">
+            <a:extLst>
+              <a:ext uri="{FF2B5EF4-FFF2-40B4-BE49-F238E27FC236}">
+                <a16:creationId xmlns:a16="http://schemas.microsoft.com/office/drawing/2014/main" id="{F248C541-1145-25E2-14C6-3FDE368C890F}"/>
+              </a:ext>
+            </a:extLst>
+          </p:cNvPr>
+          <p:cNvSpPr txBox="1"/>
+          <p:nvPr/>
+        </p:nvSpPr>
+        <p:spPr>
+          <a:xfrm>
+            <a:off x="5357222" y="876920"/>
+            <a:ext cx="5996578" cy="936988"/>
+          </a:xfrm>
+          <a:prstGeom prst="rect">
+            <a:avLst/>
+          </a:prstGeom>
+          <a:noFill/>
+        </p:spPr>
+        <p:txBody>
+          <a:bodyPr wrap="none" rtlCol="0">
+            <a:spAutoFit/>
+          </a:bodyPr>
+          <a:lstStyle/>
+          <a:p>
+            <a:pPr defTabSz="360000">
+              <a:lnSpc>
+                <a:spcPct val="150000"/>
+              </a:lnSpc>
+            </a:pPr>
+            <a:r>
+              <a:rPr lang="en-US" altLang="ko-KR" sz="1400" b="1" u="sng" dirty="0">
+                <a:latin typeface="Roboto" panose="02000000000000000000" pitchFamily="2" charset="0"/>
+                <a:ea typeface="Roboto" panose="02000000000000000000" pitchFamily="2" charset="0"/>
+              </a:rPr>
+              <a:t>contact address</a:t>
+            </a:r>
+          </a:p>
+          <a:p>
+            <a:pPr marL="171450" indent="-171450" defTabSz="360000">
+              <a:lnSpc>
+                <a:spcPct val="150000"/>
+              </a:lnSpc>
+              <a:buFont typeface="Arial" panose="020B0604020202020204" pitchFamily="34" charset="0"/>
+              <a:buChar char="•"/>
+            </a:pPr>
+            <a:r>
+              <a:rPr lang="ko-KR" altLang="en-US" sz="1200" dirty="0">
+                <a:latin typeface="+mn-ea"/>
+              </a:rPr>
+              <a:t>사용자의 실제 위치 정보를 나타냄</a:t>
+            </a:r>
+            <a:endParaRPr lang="en-US" altLang="ko-KR" sz="1200" dirty="0">
+              <a:latin typeface="+mn-ea"/>
+            </a:endParaRPr>
+          </a:p>
+          <a:p>
+            <a:pPr marL="171450" indent="-171450" defTabSz="360000">
+              <a:lnSpc>
+                <a:spcPct val="150000"/>
+              </a:lnSpc>
+              <a:buFont typeface="Arial" panose="020B0604020202020204" pitchFamily="34" charset="0"/>
+              <a:buChar char="•"/>
+            </a:pPr>
+            <a:r>
+              <a:rPr lang="en-US" altLang="ko-KR" sz="1200" dirty="0">
+                <a:latin typeface="+mn-ea"/>
+              </a:rPr>
+              <a:t>Contact </a:t>
+            </a:r>
+            <a:r>
+              <a:rPr lang="ko-KR" altLang="en-US" sz="1200" dirty="0">
+                <a:latin typeface="+mn-ea"/>
+              </a:rPr>
+              <a:t>헤더 필드에 포함되어 다른 사용자가 해당 사용자에게 연락할 수 있는 주소를 제공</a:t>
+            </a:r>
+            <a:endParaRPr lang="en-US" altLang="ko-KR" sz="1200" dirty="0">
+              <a:latin typeface="+mn-ea"/>
+            </a:endParaRPr>
           </a:p>
         </p:txBody>
       </p:sp>
@@ -4349,9 +4864,12 @@
           <a:p>
             <a:r>
               <a:rPr lang="en-US" altLang="ko-KR" dirty="0"/>
-              <a:t>3. Dialogs</a:t>
-            </a:r>
-            <a:endParaRPr lang="ko-KR" altLang="en-US" dirty="0"/>
+              <a:t>2. Registrations - </a:t>
+            </a:r>
+            <a:r>
+              <a:rPr lang="ko-KR" altLang="en-US" dirty="0"/>
+              <a:t>프로세스</a:t>
+            </a:r>
           </a:p>
         </p:txBody>
       </p:sp>
@@ -4384,10 +4902,1152 @@
           </a:p>
         </p:txBody>
       </p:sp>
+      <p:grpSp>
+        <p:nvGrpSpPr>
+          <p:cNvPr id="50" name="그룹 49">
+            <a:extLst>
+              <a:ext uri="{FF2B5EF4-FFF2-40B4-BE49-F238E27FC236}">
+                <a16:creationId xmlns:a16="http://schemas.microsoft.com/office/drawing/2014/main" id="{2B13AABA-3FDF-35C8-B851-2EE9F96FFF1B}"/>
+              </a:ext>
+            </a:extLst>
+          </p:cNvPr>
+          <p:cNvGrpSpPr/>
+          <p:nvPr/>
+        </p:nvGrpSpPr>
+        <p:grpSpPr>
+          <a:xfrm>
+            <a:off x="2019705" y="948472"/>
+            <a:ext cx="8152590" cy="5132506"/>
+            <a:chOff x="2040813" y="973134"/>
+            <a:chExt cx="8152590" cy="5132506"/>
+          </a:xfrm>
+        </p:grpSpPr>
+        <p:sp>
+          <p:nvSpPr>
+            <p:cNvPr id="6" name="직사각형 5">
+              <a:extLst>
+                <a:ext uri="{FF2B5EF4-FFF2-40B4-BE49-F238E27FC236}">
+                  <a16:creationId xmlns:a16="http://schemas.microsoft.com/office/drawing/2014/main" id="{24E5A2CF-CE8F-D55E-7494-7EC69F95E241}"/>
+                </a:ext>
+              </a:extLst>
+            </p:cNvPr>
+            <p:cNvSpPr/>
+            <p:nvPr/>
+          </p:nvSpPr>
+          <p:spPr>
+            <a:xfrm>
+              <a:off x="2907506" y="3250406"/>
+              <a:ext cx="1078707" cy="578644"/>
+            </a:xfrm>
+            <a:prstGeom prst="rect">
+              <a:avLst/>
+            </a:prstGeom>
+            <a:solidFill>
+              <a:schemeClr val="tx1"/>
+            </a:solidFill>
+            <a:ln>
+              <a:noFill/>
+            </a:ln>
+          </p:spPr>
+          <p:style>
+            <a:lnRef idx="2">
+              <a:schemeClr val="accent1">
+                <a:shade val="15000"/>
+              </a:schemeClr>
+            </a:lnRef>
+            <a:fillRef idx="1">
+              <a:schemeClr val="accent1"/>
+            </a:fillRef>
+            <a:effectRef idx="0">
+              <a:schemeClr val="accent1"/>
+            </a:effectRef>
+            <a:fontRef idx="minor">
+              <a:schemeClr val="lt1"/>
+            </a:fontRef>
+          </p:style>
+          <p:txBody>
+            <a:bodyPr rtlCol="0" anchor="ctr"/>
+            <a:lstStyle/>
+            <a:p>
+              <a:pPr algn="ctr"/>
+              <a:r>
+                <a:rPr lang="en-US" altLang="ko-KR" sz="1400" b="1" dirty="0">
+                  <a:latin typeface="Roboto" panose="02000000000000000000" pitchFamily="2" charset="0"/>
+                  <a:ea typeface="Roboto" panose="02000000000000000000" pitchFamily="2" charset="0"/>
+                </a:rPr>
+                <a:t>Registrar</a:t>
+              </a:r>
+              <a:endParaRPr lang="ko-KR" altLang="en-US" sz="1400" b="1" dirty="0">
+                <a:latin typeface="Roboto" panose="02000000000000000000" pitchFamily="2" charset="0"/>
+              </a:endParaRPr>
+            </a:p>
+          </p:txBody>
+        </p:sp>
+        <p:sp>
+          <p:nvSpPr>
+            <p:cNvPr id="9" name="직사각형 8">
+              <a:extLst>
+                <a:ext uri="{FF2B5EF4-FFF2-40B4-BE49-F238E27FC236}">
+                  <a16:creationId xmlns:a16="http://schemas.microsoft.com/office/drawing/2014/main" id="{530DD480-C8C4-CAE5-A339-3A47422D3707}"/>
+                </a:ext>
+              </a:extLst>
+            </p:cNvPr>
+            <p:cNvSpPr/>
+            <p:nvPr/>
+          </p:nvSpPr>
+          <p:spPr>
+            <a:xfrm>
+              <a:off x="7772400" y="3250406"/>
+              <a:ext cx="1078707" cy="578644"/>
+            </a:xfrm>
+            <a:prstGeom prst="rect">
+              <a:avLst/>
+            </a:prstGeom>
+            <a:solidFill>
+              <a:schemeClr val="tx1"/>
+            </a:solidFill>
+            <a:ln>
+              <a:noFill/>
+            </a:ln>
+          </p:spPr>
+          <p:style>
+            <a:lnRef idx="2">
+              <a:schemeClr val="accent1">
+                <a:shade val="15000"/>
+              </a:schemeClr>
+            </a:lnRef>
+            <a:fillRef idx="1">
+              <a:schemeClr val="accent1"/>
+            </a:fillRef>
+            <a:effectRef idx="0">
+              <a:schemeClr val="accent1"/>
+            </a:effectRef>
+            <a:fontRef idx="minor">
+              <a:schemeClr val="lt1"/>
+            </a:fontRef>
+          </p:style>
+          <p:txBody>
+            <a:bodyPr rtlCol="0" anchor="ctr"/>
+            <a:lstStyle/>
+            <a:p>
+              <a:pPr algn="ctr"/>
+              <a:r>
+                <a:rPr lang="en-US" altLang="ko-KR" sz="1400" b="1" dirty="0">
+                  <a:latin typeface="Roboto" panose="02000000000000000000" pitchFamily="2" charset="0"/>
+                  <a:ea typeface="Roboto" panose="02000000000000000000" pitchFamily="2" charset="0"/>
+                </a:rPr>
+                <a:t>Proxy</a:t>
+              </a:r>
+              <a:endParaRPr lang="ko-KR" altLang="en-US" sz="1400" b="1" dirty="0">
+                <a:latin typeface="Roboto" panose="02000000000000000000" pitchFamily="2" charset="0"/>
+              </a:endParaRPr>
+            </a:p>
+          </p:txBody>
+        </p:sp>
+        <p:sp>
+          <p:nvSpPr>
+            <p:cNvPr id="10" name="직사각형 9">
+              <a:extLst>
+                <a:ext uri="{FF2B5EF4-FFF2-40B4-BE49-F238E27FC236}">
+                  <a16:creationId xmlns:a16="http://schemas.microsoft.com/office/drawing/2014/main" id="{CFFD13F2-FCC5-2984-C780-590B150FAD9B}"/>
+                </a:ext>
+              </a:extLst>
+            </p:cNvPr>
+            <p:cNvSpPr/>
+            <p:nvPr/>
+          </p:nvSpPr>
+          <p:spPr>
+            <a:xfrm>
+              <a:off x="3171823" y="4973683"/>
+              <a:ext cx="550072" cy="842963"/>
+            </a:xfrm>
+            <a:prstGeom prst="rect">
+              <a:avLst/>
+            </a:prstGeom>
+            <a:solidFill>
+              <a:schemeClr val="tx1"/>
+            </a:solidFill>
+            <a:ln>
+              <a:noFill/>
+            </a:ln>
+          </p:spPr>
+          <p:style>
+            <a:lnRef idx="2">
+              <a:schemeClr val="accent1">
+                <a:shade val="15000"/>
+              </a:schemeClr>
+            </a:lnRef>
+            <a:fillRef idx="1">
+              <a:schemeClr val="accent1"/>
+            </a:fillRef>
+            <a:effectRef idx="0">
+              <a:schemeClr val="accent1"/>
+            </a:effectRef>
+            <a:fontRef idx="minor">
+              <a:schemeClr val="lt1"/>
+            </a:fontRef>
+          </p:style>
+          <p:txBody>
+            <a:bodyPr rtlCol="0" anchor="ctr"/>
+            <a:lstStyle/>
+            <a:p>
+              <a:pPr algn="ctr"/>
+              <a:r>
+                <a:rPr lang="en-US" altLang="ko-KR" sz="1400" b="1" dirty="0">
+                  <a:latin typeface="Roboto" panose="02000000000000000000" pitchFamily="2" charset="0"/>
+                  <a:ea typeface="Roboto" panose="02000000000000000000" pitchFamily="2" charset="0"/>
+                </a:rPr>
+                <a:t>UA</a:t>
+              </a:r>
+              <a:endParaRPr lang="ko-KR" altLang="en-US" sz="1400" b="1" dirty="0">
+                <a:latin typeface="Roboto" panose="02000000000000000000" pitchFamily="2" charset="0"/>
+              </a:endParaRPr>
+            </a:p>
+          </p:txBody>
+        </p:sp>
+        <p:sp>
+          <p:nvSpPr>
+            <p:cNvPr id="11" name="직사각형 10">
+              <a:extLst>
+                <a:ext uri="{FF2B5EF4-FFF2-40B4-BE49-F238E27FC236}">
+                  <a16:creationId xmlns:a16="http://schemas.microsoft.com/office/drawing/2014/main" id="{21C43A3B-85B6-7936-2F5E-AD25B7F4F9A5}"/>
+                </a:ext>
+              </a:extLst>
+            </p:cNvPr>
+            <p:cNvSpPr/>
+            <p:nvPr/>
+          </p:nvSpPr>
+          <p:spPr>
+            <a:xfrm>
+              <a:off x="8036717" y="1273221"/>
+              <a:ext cx="550072" cy="842963"/>
+            </a:xfrm>
+            <a:prstGeom prst="rect">
+              <a:avLst/>
+            </a:prstGeom>
+            <a:solidFill>
+              <a:schemeClr val="tx1"/>
+            </a:solidFill>
+            <a:ln>
+              <a:noFill/>
+            </a:ln>
+          </p:spPr>
+          <p:style>
+            <a:lnRef idx="2">
+              <a:schemeClr val="accent1">
+                <a:shade val="15000"/>
+              </a:schemeClr>
+            </a:lnRef>
+            <a:fillRef idx="1">
+              <a:schemeClr val="accent1"/>
+            </a:fillRef>
+            <a:effectRef idx="0">
+              <a:schemeClr val="accent1"/>
+            </a:effectRef>
+            <a:fontRef idx="minor">
+              <a:schemeClr val="lt1"/>
+            </a:fontRef>
+          </p:style>
+          <p:txBody>
+            <a:bodyPr rtlCol="0" anchor="ctr"/>
+            <a:lstStyle/>
+            <a:p>
+              <a:pPr algn="ctr"/>
+              <a:r>
+                <a:rPr lang="en-US" altLang="ko-KR" sz="1400" b="1" dirty="0">
+                  <a:latin typeface="Roboto" panose="02000000000000000000" pitchFamily="2" charset="0"/>
+                  <a:ea typeface="Roboto" panose="02000000000000000000" pitchFamily="2" charset="0"/>
+                </a:rPr>
+                <a:t>UA</a:t>
+              </a:r>
+              <a:endParaRPr lang="ko-KR" altLang="en-US" sz="1400" b="1" dirty="0">
+                <a:latin typeface="Roboto" panose="02000000000000000000" pitchFamily="2" charset="0"/>
+              </a:endParaRPr>
+            </a:p>
+          </p:txBody>
+        </p:sp>
+        <p:sp>
+          <p:nvSpPr>
+            <p:cNvPr id="12" name="직사각형 11">
+              <a:extLst>
+                <a:ext uri="{FF2B5EF4-FFF2-40B4-BE49-F238E27FC236}">
+                  <a16:creationId xmlns:a16="http://schemas.microsoft.com/office/drawing/2014/main" id="{6A81D0AC-412D-4164-CEE9-71E3E245A470}"/>
+                </a:ext>
+              </a:extLst>
+            </p:cNvPr>
+            <p:cNvSpPr/>
+            <p:nvPr/>
+          </p:nvSpPr>
+          <p:spPr>
+            <a:xfrm>
+              <a:off x="5050631" y="3113511"/>
+              <a:ext cx="1657350" cy="850106"/>
+            </a:xfrm>
+            <a:prstGeom prst="rect">
+              <a:avLst/>
+            </a:prstGeom>
+            <a:solidFill>
+              <a:schemeClr val="tx1"/>
+            </a:solidFill>
+            <a:ln>
+              <a:noFill/>
+            </a:ln>
+          </p:spPr>
+          <p:style>
+            <a:lnRef idx="2">
+              <a:schemeClr val="accent1">
+                <a:shade val="15000"/>
+              </a:schemeClr>
+            </a:lnRef>
+            <a:fillRef idx="1">
+              <a:schemeClr val="accent1"/>
+            </a:fillRef>
+            <a:effectRef idx="0">
+              <a:schemeClr val="accent1"/>
+            </a:effectRef>
+            <a:fontRef idx="minor">
+              <a:schemeClr val="lt1"/>
+            </a:fontRef>
+          </p:style>
+          <p:txBody>
+            <a:bodyPr rtlCol="0" anchor="ctr"/>
+            <a:lstStyle/>
+            <a:p>
+              <a:pPr algn="ctr"/>
+              <a:r>
+                <a:rPr lang="en-US" altLang="ko-KR" sz="1200" b="1" dirty="0">
+                  <a:latin typeface="Roboto" panose="02000000000000000000" pitchFamily="2" charset="0"/>
+                  <a:ea typeface="Roboto" panose="02000000000000000000" pitchFamily="2" charset="0"/>
+                </a:rPr>
+                <a:t>Location Service</a:t>
+              </a:r>
+              <a:endParaRPr lang="ko-KR" altLang="en-US" sz="1200" b="1" dirty="0">
+                <a:latin typeface="Roboto" panose="02000000000000000000" pitchFamily="2" charset="0"/>
+              </a:endParaRPr>
+            </a:p>
+          </p:txBody>
+        </p:sp>
+        <p:sp>
+          <p:nvSpPr>
+            <p:cNvPr id="13" name="TextBox 12">
+              <a:extLst>
+                <a:ext uri="{FF2B5EF4-FFF2-40B4-BE49-F238E27FC236}">
+                  <a16:creationId xmlns:a16="http://schemas.microsoft.com/office/drawing/2014/main" id="{34020D7E-F56D-41EE-747B-2CC0CDDF16F4}"/>
+                </a:ext>
+              </a:extLst>
+            </p:cNvPr>
+            <p:cNvSpPr txBox="1"/>
+            <p:nvPr/>
+          </p:nvSpPr>
+          <p:spPr>
+            <a:xfrm>
+              <a:off x="2161699" y="4247478"/>
+              <a:ext cx="1237070" cy="307777"/>
+            </a:xfrm>
+            <a:prstGeom prst="rect">
+              <a:avLst/>
+            </a:prstGeom>
+            <a:noFill/>
+          </p:spPr>
+          <p:txBody>
+            <a:bodyPr wrap="none" rtlCol="0">
+              <a:spAutoFit/>
+            </a:bodyPr>
+            <a:lstStyle/>
+            <a:p>
+              <a:r>
+                <a:rPr lang="en-US" altLang="ko-KR" sz="1400" dirty="0">
+                  <a:latin typeface="+mj-ea"/>
+                  <a:ea typeface="+mj-ea"/>
+                </a:rPr>
+                <a:t>1) REGISTER</a:t>
+              </a:r>
+              <a:endParaRPr lang="ko-KR" altLang="en-US" sz="1400" dirty="0">
+                <a:latin typeface="+mj-ea"/>
+                <a:ea typeface="+mj-ea"/>
+              </a:endParaRPr>
+            </a:p>
+          </p:txBody>
+        </p:sp>
+        <p:sp>
+          <p:nvSpPr>
+            <p:cNvPr id="14" name="TextBox 13">
+              <a:extLst>
+                <a:ext uri="{FF2B5EF4-FFF2-40B4-BE49-F238E27FC236}">
+                  <a16:creationId xmlns:a16="http://schemas.microsoft.com/office/drawing/2014/main" id="{99ADAD88-D386-F715-12FD-5B670407F62E}"/>
+                </a:ext>
+              </a:extLst>
+            </p:cNvPr>
+            <p:cNvSpPr txBox="1"/>
+            <p:nvPr/>
+          </p:nvSpPr>
+          <p:spPr>
+            <a:xfrm>
+              <a:off x="4050676" y="3215397"/>
+              <a:ext cx="846257" cy="307777"/>
+            </a:xfrm>
+            <a:prstGeom prst="rect">
+              <a:avLst/>
+            </a:prstGeom>
+            <a:noFill/>
+          </p:spPr>
+          <p:txBody>
+            <a:bodyPr wrap="none" rtlCol="0">
+              <a:spAutoFit/>
+            </a:bodyPr>
+            <a:lstStyle/>
+            <a:p>
+              <a:r>
+                <a:rPr lang="en-US" altLang="ko-KR" sz="1400" dirty="0">
+                  <a:latin typeface="+mj-ea"/>
+                  <a:ea typeface="+mj-ea"/>
+                </a:rPr>
+                <a:t>2) Store</a:t>
+              </a:r>
+              <a:endParaRPr lang="ko-KR" altLang="en-US" sz="1400" dirty="0">
+                <a:latin typeface="+mj-ea"/>
+                <a:ea typeface="+mj-ea"/>
+              </a:endParaRPr>
+            </a:p>
+          </p:txBody>
+        </p:sp>
+        <p:sp>
+          <p:nvSpPr>
+            <p:cNvPr id="17" name="TextBox 16">
+              <a:extLst>
+                <a:ext uri="{FF2B5EF4-FFF2-40B4-BE49-F238E27FC236}">
+                  <a16:creationId xmlns:a16="http://schemas.microsoft.com/office/drawing/2014/main" id="{35AE4C5D-5F64-2823-2625-9157B103CDA0}"/>
+                </a:ext>
+              </a:extLst>
+            </p:cNvPr>
+            <p:cNvSpPr txBox="1"/>
+            <p:nvPr/>
+          </p:nvSpPr>
+          <p:spPr>
+            <a:xfrm>
+              <a:off x="6812028" y="3052566"/>
+              <a:ext cx="913199" cy="307777"/>
+            </a:xfrm>
+            <a:prstGeom prst="rect">
+              <a:avLst/>
+            </a:prstGeom>
+            <a:noFill/>
+          </p:spPr>
+          <p:txBody>
+            <a:bodyPr wrap="none" rtlCol="0">
+              <a:spAutoFit/>
+            </a:bodyPr>
+            <a:lstStyle/>
+            <a:p>
+              <a:r>
+                <a:rPr lang="en-US" altLang="ko-KR" sz="1400" dirty="0">
+                  <a:latin typeface="+mj-ea"/>
+                  <a:ea typeface="+mj-ea"/>
+                </a:rPr>
+                <a:t>4) Query</a:t>
+              </a:r>
+              <a:endParaRPr lang="ko-KR" altLang="en-US" sz="1400" dirty="0">
+                <a:latin typeface="+mj-ea"/>
+                <a:ea typeface="+mj-ea"/>
+              </a:endParaRPr>
+            </a:p>
+          </p:txBody>
+        </p:sp>
+        <p:sp>
+          <p:nvSpPr>
+            <p:cNvPr id="18" name="TextBox 17">
+              <a:extLst>
+                <a:ext uri="{FF2B5EF4-FFF2-40B4-BE49-F238E27FC236}">
+                  <a16:creationId xmlns:a16="http://schemas.microsoft.com/office/drawing/2014/main" id="{897C6D3E-EA2C-6ED4-9868-F3BA63DC9532}"/>
+                </a:ext>
+              </a:extLst>
+            </p:cNvPr>
+            <p:cNvSpPr txBox="1"/>
+            <p:nvPr/>
+          </p:nvSpPr>
+          <p:spPr>
+            <a:xfrm>
+              <a:off x="6844088" y="3732023"/>
+              <a:ext cx="807850" cy="307777"/>
+            </a:xfrm>
+            <a:prstGeom prst="rect">
+              <a:avLst/>
+            </a:prstGeom>
+            <a:noFill/>
+          </p:spPr>
+          <p:txBody>
+            <a:bodyPr wrap="none" rtlCol="0">
+              <a:spAutoFit/>
+            </a:bodyPr>
+            <a:lstStyle/>
+            <a:p>
+              <a:r>
+                <a:rPr lang="en-US" altLang="ko-KR" sz="1400" dirty="0">
+                  <a:latin typeface="+mj-ea"/>
+                  <a:ea typeface="+mj-ea"/>
+                </a:rPr>
+                <a:t>5) Resp</a:t>
+              </a:r>
+              <a:endParaRPr lang="ko-KR" altLang="en-US" sz="1400" dirty="0">
+                <a:latin typeface="+mj-ea"/>
+                <a:ea typeface="+mj-ea"/>
+              </a:endParaRPr>
+            </a:p>
+          </p:txBody>
+        </p:sp>
+        <p:sp>
+          <p:nvSpPr>
+            <p:cNvPr id="19" name="TextBox 18">
+              <a:extLst>
+                <a:ext uri="{FF2B5EF4-FFF2-40B4-BE49-F238E27FC236}">
+                  <a16:creationId xmlns:a16="http://schemas.microsoft.com/office/drawing/2014/main" id="{28DB4496-1980-54E1-1CE6-11AC7A6AC8B5}"/>
+                </a:ext>
+              </a:extLst>
+            </p:cNvPr>
+            <p:cNvSpPr txBox="1"/>
+            <p:nvPr/>
+          </p:nvSpPr>
+          <p:spPr>
+            <a:xfrm>
+              <a:off x="7301758" y="5459809"/>
+              <a:ext cx="958917" cy="307777"/>
+            </a:xfrm>
+            <a:prstGeom prst="rect">
+              <a:avLst/>
+            </a:prstGeom>
+            <a:noFill/>
+          </p:spPr>
+          <p:txBody>
+            <a:bodyPr wrap="none" rtlCol="0">
+              <a:spAutoFit/>
+            </a:bodyPr>
+            <a:lstStyle/>
+            <a:p>
+              <a:r>
+                <a:rPr lang="en-US" altLang="ko-KR" sz="1400" dirty="0">
+                  <a:latin typeface="+mj-ea"/>
+                  <a:ea typeface="+mj-ea"/>
+                </a:rPr>
+                <a:t>6) INVITE</a:t>
+              </a:r>
+              <a:endParaRPr lang="ko-KR" altLang="en-US" sz="1400" dirty="0">
+                <a:latin typeface="+mj-ea"/>
+                <a:ea typeface="+mj-ea"/>
+              </a:endParaRPr>
+            </a:p>
+          </p:txBody>
+        </p:sp>
+        <p:sp>
+          <p:nvSpPr>
+            <p:cNvPr id="20" name="TextBox 19">
+              <a:extLst>
+                <a:ext uri="{FF2B5EF4-FFF2-40B4-BE49-F238E27FC236}">
+                  <a16:creationId xmlns:a16="http://schemas.microsoft.com/office/drawing/2014/main" id="{80A28D90-FDA2-5F32-955A-36C47CB87418}"/>
+                </a:ext>
+              </a:extLst>
+            </p:cNvPr>
+            <p:cNvSpPr txBox="1"/>
+            <p:nvPr/>
+          </p:nvSpPr>
+          <p:spPr>
+            <a:xfrm>
+              <a:off x="8278758" y="2430548"/>
+              <a:ext cx="958917" cy="307777"/>
+            </a:xfrm>
+            <a:prstGeom prst="rect">
+              <a:avLst/>
+            </a:prstGeom>
+            <a:noFill/>
+          </p:spPr>
+          <p:txBody>
+            <a:bodyPr wrap="none" rtlCol="0">
+              <a:spAutoFit/>
+            </a:bodyPr>
+            <a:lstStyle/>
+            <a:p>
+              <a:r>
+                <a:rPr lang="en-US" altLang="ko-KR" sz="1400" dirty="0">
+                  <a:latin typeface="+mj-ea"/>
+                  <a:ea typeface="+mj-ea"/>
+                </a:rPr>
+                <a:t>3) INVITE</a:t>
+              </a:r>
+              <a:endParaRPr lang="ko-KR" altLang="en-US" sz="1400" dirty="0">
+                <a:latin typeface="+mj-ea"/>
+                <a:ea typeface="+mj-ea"/>
+              </a:endParaRPr>
+            </a:p>
+          </p:txBody>
+        </p:sp>
+        <p:cxnSp>
+          <p:nvCxnSpPr>
+            <p:cNvPr id="21" name="직선 화살표 연결선 20">
+              <a:extLst>
+                <a:ext uri="{FF2B5EF4-FFF2-40B4-BE49-F238E27FC236}">
+                  <a16:creationId xmlns:a16="http://schemas.microsoft.com/office/drawing/2014/main" id="{D5A6C559-5069-1EA5-09E3-EAFF1D5540E8}"/>
+                </a:ext>
+              </a:extLst>
+            </p:cNvPr>
+            <p:cNvCxnSpPr>
+              <a:cxnSpLocks/>
+              <a:endCxn id="12" idx="1"/>
+            </p:cNvCxnSpPr>
+            <p:nvPr/>
+          </p:nvCxnSpPr>
+          <p:spPr>
+            <a:xfrm>
+              <a:off x="3986213" y="3538564"/>
+              <a:ext cx="1064418" cy="0"/>
+            </a:xfrm>
+            <a:prstGeom prst="straightConnector1">
+              <a:avLst/>
+            </a:prstGeom>
+            <a:ln w="19050">
+              <a:solidFill>
+                <a:srgbClr val="0070C0"/>
+              </a:solidFill>
+              <a:prstDash val="dash"/>
+              <a:headEnd w="lg" len="med"/>
+              <a:tailEnd type="triangle" w="lg" len="lg"/>
+            </a:ln>
+          </p:spPr>
+          <p:style>
+            <a:lnRef idx="1">
+              <a:schemeClr val="accent1"/>
+            </a:lnRef>
+            <a:fillRef idx="0">
+              <a:schemeClr val="accent1"/>
+            </a:fillRef>
+            <a:effectRef idx="0">
+              <a:schemeClr val="accent1"/>
+            </a:effectRef>
+            <a:fontRef idx="minor">
+              <a:schemeClr val="tx1"/>
+            </a:fontRef>
+          </p:style>
+        </p:cxnSp>
+        <p:cxnSp>
+          <p:nvCxnSpPr>
+            <p:cNvPr id="24" name="직선 화살표 연결선 23">
+              <a:extLst>
+                <a:ext uri="{FF2B5EF4-FFF2-40B4-BE49-F238E27FC236}">
+                  <a16:creationId xmlns:a16="http://schemas.microsoft.com/office/drawing/2014/main" id="{F48C7AF2-653E-A44C-05BB-8D4E1F9747AB}"/>
+                </a:ext>
+              </a:extLst>
+            </p:cNvPr>
+            <p:cNvCxnSpPr>
+              <a:cxnSpLocks/>
+              <a:endCxn id="6" idx="2"/>
+            </p:cNvCxnSpPr>
+            <p:nvPr/>
+          </p:nvCxnSpPr>
+          <p:spPr>
+            <a:xfrm flipV="1">
+              <a:off x="3443288" y="3829050"/>
+              <a:ext cx="3572" cy="1144633"/>
+            </a:xfrm>
+            <a:prstGeom prst="straightConnector1">
+              <a:avLst/>
+            </a:prstGeom>
+            <a:ln w="19050">
+              <a:solidFill>
+                <a:srgbClr val="0070C0"/>
+              </a:solidFill>
+              <a:headEnd w="lg" len="med"/>
+              <a:tailEnd type="triangle" w="lg" len="lg"/>
+            </a:ln>
+          </p:spPr>
+          <p:style>
+            <a:lnRef idx="1">
+              <a:schemeClr val="accent1"/>
+            </a:lnRef>
+            <a:fillRef idx="0">
+              <a:schemeClr val="accent1"/>
+            </a:fillRef>
+            <a:effectRef idx="0">
+              <a:schemeClr val="accent1"/>
+            </a:effectRef>
+            <a:fontRef idx="minor">
+              <a:schemeClr val="tx1"/>
+            </a:fontRef>
+          </p:style>
+        </p:cxnSp>
+        <p:cxnSp>
+          <p:nvCxnSpPr>
+            <p:cNvPr id="27" name="직선 화살표 연결선 26">
+              <a:extLst>
+                <a:ext uri="{FF2B5EF4-FFF2-40B4-BE49-F238E27FC236}">
+                  <a16:creationId xmlns:a16="http://schemas.microsoft.com/office/drawing/2014/main" id="{860D4A48-D38D-0F04-F5FB-1F0ACB46825E}"/>
+                </a:ext>
+              </a:extLst>
+            </p:cNvPr>
+            <p:cNvCxnSpPr>
+              <a:cxnSpLocks/>
+              <a:stCxn id="11" idx="2"/>
+              <a:endCxn id="9" idx="0"/>
+            </p:cNvCxnSpPr>
+            <p:nvPr/>
+          </p:nvCxnSpPr>
+          <p:spPr>
+            <a:xfrm>
+              <a:off x="8311753" y="2116184"/>
+              <a:ext cx="1" cy="1134222"/>
+            </a:xfrm>
+            <a:prstGeom prst="straightConnector1">
+              <a:avLst/>
+            </a:prstGeom>
+            <a:ln w="19050">
+              <a:solidFill>
+                <a:srgbClr val="0070C0"/>
+              </a:solidFill>
+              <a:headEnd w="lg" len="med"/>
+              <a:tailEnd type="triangle" w="lg" len="lg"/>
+            </a:ln>
+          </p:spPr>
+          <p:style>
+            <a:lnRef idx="1">
+              <a:schemeClr val="accent1"/>
+            </a:lnRef>
+            <a:fillRef idx="0">
+              <a:schemeClr val="accent1"/>
+            </a:fillRef>
+            <a:effectRef idx="0">
+              <a:schemeClr val="accent1"/>
+            </a:effectRef>
+            <a:fontRef idx="minor">
+              <a:schemeClr val="tx1"/>
+            </a:fontRef>
+          </p:style>
+        </p:cxnSp>
+        <p:cxnSp>
+          <p:nvCxnSpPr>
+            <p:cNvPr id="32" name="연결선: 꺾임 31">
+              <a:extLst>
+                <a:ext uri="{FF2B5EF4-FFF2-40B4-BE49-F238E27FC236}">
+                  <a16:creationId xmlns:a16="http://schemas.microsoft.com/office/drawing/2014/main" id="{5732C182-852A-FBBE-3FC7-BB0A9F938102}"/>
+                </a:ext>
+              </a:extLst>
+            </p:cNvPr>
+            <p:cNvCxnSpPr>
+              <a:stCxn id="9" idx="2"/>
+            </p:cNvCxnSpPr>
+            <p:nvPr/>
+          </p:nvCxnSpPr>
+          <p:spPr>
+            <a:xfrm rot="5400000">
+              <a:off x="5233768" y="2317178"/>
+              <a:ext cx="1566114" cy="4589859"/>
+            </a:xfrm>
+            <a:prstGeom prst="bentConnector2">
+              <a:avLst/>
+            </a:prstGeom>
+            <a:ln w="19050">
+              <a:solidFill>
+                <a:srgbClr val="0070C0"/>
+              </a:solidFill>
+              <a:headEnd w="lg" len="lg"/>
+              <a:tailEnd type="triangle" w="lg" len="lg"/>
+            </a:ln>
+          </p:spPr>
+          <p:style>
+            <a:lnRef idx="1">
+              <a:schemeClr val="accent1"/>
+            </a:lnRef>
+            <a:fillRef idx="0">
+              <a:schemeClr val="accent1"/>
+            </a:fillRef>
+            <a:effectRef idx="0">
+              <a:schemeClr val="accent1"/>
+            </a:effectRef>
+            <a:fontRef idx="minor">
+              <a:schemeClr val="tx1"/>
+            </a:fontRef>
+          </p:style>
+        </p:cxnSp>
+        <p:cxnSp>
+          <p:nvCxnSpPr>
+            <p:cNvPr id="33" name="직선 화살표 연결선 32">
+              <a:extLst>
+                <a:ext uri="{FF2B5EF4-FFF2-40B4-BE49-F238E27FC236}">
+                  <a16:creationId xmlns:a16="http://schemas.microsoft.com/office/drawing/2014/main" id="{41679FEE-0580-5E51-9990-3E42F7F1B6A9}"/>
+                </a:ext>
+              </a:extLst>
+            </p:cNvPr>
+            <p:cNvCxnSpPr>
+              <a:cxnSpLocks/>
+            </p:cNvCxnSpPr>
+            <p:nvPr/>
+          </p:nvCxnSpPr>
+          <p:spPr>
+            <a:xfrm flipH="1">
+              <a:off x="6675921" y="3384675"/>
+              <a:ext cx="1096478" cy="0"/>
+            </a:xfrm>
+            <a:prstGeom prst="straightConnector1">
+              <a:avLst/>
+            </a:prstGeom>
+            <a:ln w="19050">
+              <a:solidFill>
+                <a:srgbClr val="0070C0"/>
+              </a:solidFill>
+              <a:prstDash val="dash"/>
+              <a:headEnd w="lg" len="med"/>
+              <a:tailEnd type="triangle" w="lg" len="lg"/>
+            </a:ln>
+          </p:spPr>
+          <p:style>
+            <a:lnRef idx="1">
+              <a:schemeClr val="accent1"/>
+            </a:lnRef>
+            <a:fillRef idx="0">
+              <a:schemeClr val="accent1"/>
+            </a:fillRef>
+            <a:effectRef idx="0">
+              <a:schemeClr val="accent1"/>
+            </a:effectRef>
+            <a:fontRef idx="minor">
+              <a:schemeClr val="tx1"/>
+            </a:fontRef>
+          </p:style>
+        </p:cxnSp>
+        <p:cxnSp>
+          <p:nvCxnSpPr>
+            <p:cNvPr id="36" name="직선 화살표 연결선 35">
+              <a:extLst>
+                <a:ext uri="{FF2B5EF4-FFF2-40B4-BE49-F238E27FC236}">
+                  <a16:creationId xmlns:a16="http://schemas.microsoft.com/office/drawing/2014/main" id="{101676FE-C550-5A4A-AF98-818EE8E22A56}"/>
+                </a:ext>
+              </a:extLst>
+            </p:cNvPr>
+            <p:cNvCxnSpPr>
+              <a:cxnSpLocks/>
+            </p:cNvCxnSpPr>
+            <p:nvPr/>
+          </p:nvCxnSpPr>
+          <p:spPr>
+            <a:xfrm>
+              <a:off x="6707981" y="3698703"/>
+              <a:ext cx="1064418" cy="0"/>
+            </a:xfrm>
+            <a:prstGeom prst="straightConnector1">
+              <a:avLst/>
+            </a:prstGeom>
+            <a:ln w="19050">
+              <a:solidFill>
+                <a:srgbClr val="0070C0"/>
+              </a:solidFill>
+              <a:prstDash val="dash"/>
+              <a:headEnd w="lg" len="med"/>
+              <a:tailEnd type="triangle" w="lg" len="lg"/>
+            </a:ln>
+          </p:spPr>
+          <p:style>
+            <a:lnRef idx="1">
+              <a:schemeClr val="accent1"/>
+            </a:lnRef>
+            <a:fillRef idx="0">
+              <a:schemeClr val="accent1"/>
+            </a:fillRef>
+            <a:effectRef idx="0">
+              <a:schemeClr val="accent1"/>
+            </a:effectRef>
+            <a:fontRef idx="minor">
+              <a:schemeClr val="tx1"/>
+            </a:fontRef>
+          </p:style>
+        </p:cxnSp>
+        <p:sp>
+          <p:nvSpPr>
+            <p:cNvPr id="40" name="TextBox 39">
+              <a:extLst>
+                <a:ext uri="{FF2B5EF4-FFF2-40B4-BE49-F238E27FC236}">
+                  <a16:creationId xmlns:a16="http://schemas.microsoft.com/office/drawing/2014/main" id="{B2A1C012-874C-2D8D-1897-28F72F2AFE26}"/>
+                </a:ext>
+              </a:extLst>
+            </p:cNvPr>
+            <p:cNvSpPr txBox="1"/>
+            <p:nvPr/>
+          </p:nvSpPr>
+          <p:spPr>
+            <a:xfrm>
+              <a:off x="2040813" y="5256664"/>
+              <a:ext cx="947695" cy="276999"/>
+            </a:xfrm>
+            <a:prstGeom prst="rect">
+              <a:avLst/>
+            </a:prstGeom>
+            <a:noFill/>
+          </p:spPr>
+          <p:txBody>
+            <a:bodyPr wrap="none" rtlCol="0">
+              <a:spAutoFit/>
+            </a:bodyPr>
+            <a:lstStyle/>
+            <a:p>
+              <a:r>
+                <a:rPr lang="en-US" altLang="ko-KR" sz="1200" dirty="0">
+                  <a:latin typeface="Roboto" panose="02000000000000000000" pitchFamily="2" charset="0"/>
+                  <a:ea typeface="Roboto" panose="02000000000000000000" pitchFamily="2" charset="0"/>
+                </a:rPr>
+                <a:t>cube2214a</a:t>
+              </a:r>
+              <a:endParaRPr lang="ko-KR" altLang="en-US" sz="1200" dirty="0">
+                <a:latin typeface="Roboto" panose="02000000000000000000" pitchFamily="2" charset="0"/>
+              </a:endParaRPr>
+            </a:p>
+          </p:txBody>
+        </p:sp>
+        <p:sp>
+          <p:nvSpPr>
+            <p:cNvPr id="41" name="TextBox 40">
+              <a:extLst>
+                <a:ext uri="{FF2B5EF4-FFF2-40B4-BE49-F238E27FC236}">
+                  <a16:creationId xmlns:a16="http://schemas.microsoft.com/office/drawing/2014/main" id="{F530D9EA-4921-8299-44DE-3042C48360F7}"/>
+                </a:ext>
+              </a:extLst>
+            </p:cNvPr>
+            <p:cNvSpPr txBox="1"/>
+            <p:nvPr/>
+          </p:nvSpPr>
+          <p:spPr>
+            <a:xfrm>
+              <a:off x="3178156" y="5828641"/>
+              <a:ext cx="543739" cy="276999"/>
+            </a:xfrm>
+            <a:prstGeom prst="rect">
+              <a:avLst/>
+            </a:prstGeom>
+            <a:noFill/>
+          </p:spPr>
+          <p:txBody>
+            <a:bodyPr wrap="none" rtlCol="0">
+              <a:spAutoFit/>
+            </a:bodyPr>
+            <a:lstStyle/>
+            <a:p>
+              <a:r>
+                <a:rPr lang="en-US" altLang="ko-KR" sz="1200" dirty="0">
+                  <a:latin typeface="Roboto" panose="02000000000000000000" pitchFamily="2" charset="0"/>
+                  <a:ea typeface="Roboto" panose="02000000000000000000" pitchFamily="2" charset="0"/>
+                </a:rPr>
+                <a:t>Carol</a:t>
+              </a:r>
+              <a:endParaRPr lang="ko-KR" altLang="en-US" sz="1200" dirty="0">
+                <a:latin typeface="Roboto" panose="02000000000000000000" pitchFamily="2" charset="0"/>
+              </a:endParaRPr>
+            </a:p>
+          </p:txBody>
+        </p:sp>
+        <p:sp>
+          <p:nvSpPr>
+            <p:cNvPr id="42" name="TextBox 41">
+              <a:extLst>
+                <a:ext uri="{FF2B5EF4-FFF2-40B4-BE49-F238E27FC236}">
+                  <a16:creationId xmlns:a16="http://schemas.microsoft.com/office/drawing/2014/main" id="{95F0CCDE-C7C5-9CB6-872B-D34B96611162}"/>
+                </a:ext>
+              </a:extLst>
+            </p:cNvPr>
+            <p:cNvSpPr txBox="1"/>
+            <p:nvPr/>
+          </p:nvSpPr>
+          <p:spPr>
+            <a:xfrm>
+              <a:off x="2936736" y="2970214"/>
+              <a:ext cx="1067921" cy="276999"/>
+            </a:xfrm>
+            <a:prstGeom prst="rect">
+              <a:avLst/>
+            </a:prstGeom>
+            <a:noFill/>
+          </p:spPr>
+          <p:txBody>
+            <a:bodyPr wrap="none" rtlCol="0">
+              <a:spAutoFit/>
+            </a:bodyPr>
+            <a:lstStyle/>
+            <a:p>
+              <a:r>
+                <a:rPr lang="en-US" altLang="ko-KR" sz="1200" dirty="0">
+                  <a:latin typeface="Roboto" panose="02000000000000000000" pitchFamily="2" charset="0"/>
+                  <a:ea typeface="Roboto" panose="02000000000000000000" pitchFamily="2" charset="0"/>
+                </a:rPr>
+                <a:t>chicago.com</a:t>
+              </a:r>
+              <a:endParaRPr lang="ko-KR" altLang="en-US" sz="1200" dirty="0">
+                <a:latin typeface="Roboto" panose="02000000000000000000" pitchFamily="2" charset="0"/>
+              </a:endParaRPr>
+            </a:p>
+          </p:txBody>
+        </p:sp>
+        <p:sp>
+          <p:nvSpPr>
+            <p:cNvPr id="45" name="TextBox 44">
+              <a:extLst>
+                <a:ext uri="{FF2B5EF4-FFF2-40B4-BE49-F238E27FC236}">
+                  <a16:creationId xmlns:a16="http://schemas.microsoft.com/office/drawing/2014/main" id="{5601CC93-5EAD-AB71-A2EE-2A561066C19E}"/>
+                </a:ext>
+              </a:extLst>
+            </p:cNvPr>
+            <p:cNvSpPr txBox="1"/>
+            <p:nvPr/>
+          </p:nvSpPr>
+          <p:spPr>
+            <a:xfrm>
+              <a:off x="8885032" y="3384675"/>
+              <a:ext cx="1308371" cy="276999"/>
+            </a:xfrm>
+            <a:prstGeom prst="rect">
+              <a:avLst/>
+            </a:prstGeom>
+            <a:noFill/>
+          </p:spPr>
+          <p:txBody>
+            <a:bodyPr wrap="none" rtlCol="0">
+              <a:spAutoFit/>
+            </a:bodyPr>
+            <a:lstStyle/>
+            <a:p>
+              <a:r>
+                <a:rPr lang="en-US" altLang="ko-KR" sz="1200" dirty="0">
+                  <a:latin typeface="Roboto" panose="02000000000000000000" pitchFamily="2" charset="0"/>
+                  <a:ea typeface="Roboto" panose="02000000000000000000" pitchFamily="2" charset="0"/>
+                </a:rPr>
+                <a:t>sip.chicago.com</a:t>
+              </a:r>
+              <a:endParaRPr lang="ko-KR" altLang="en-US" sz="1200" dirty="0">
+                <a:latin typeface="Roboto" panose="02000000000000000000" pitchFamily="2" charset="0"/>
+              </a:endParaRPr>
+            </a:p>
+          </p:txBody>
+        </p:sp>
+        <p:sp>
+          <p:nvSpPr>
+            <p:cNvPr id="46" name="TextBox 45">
+              <a:extLst>
+                <a:ext uri="{FF2B5EF4-FFF2-40B4-BE49-F238E27FC236}">
+                  <a16:creationId xmlns:a16="http://schemas.microsoft.com/office/drawing/2014/main" id="{563DBB29-9712-0FE8-2D7D-1C08FB7F6E22}"/>
+                </a:ext>
+              </a:extLst>
+            </p:cNvPr>
+            <p:cNvSpPr txBox="1"/>
+            <p:nvPr/>
+          </p:nvSpPr>
+          <p:spPr>
+            <a:xfrm>
+              <a:off x="8436584" y="2680022"/>
+              <a:ext cx="1545616" cy="276999"/>
+            </a:xfrm>
+            <a:prstGeom prst="rect">
+              <a:avLst/>
+            </a:prstGeom>
+            <a:noFill/>
+          </p:spPr>
+          <p:txBody>
+            <a:bodyPr wrap="none" rtlCol="0">
+              <a:spAutoFit/>
+            </a:bodyPr>
+            <a:lstStyle/>
+            <a:p>
+              <a:r>
+                <a:rPr lang="en-US" altLang="ko-KR" sz="1200" dirty="0">
+                  <a:latin typeface="Roboto" panose="02000000000000000000" pitchFamily="2" charset="0"/>
+                  <a:ea typeface="Roboto" panose="02000000000000000000" pitchFamily="2" charset="0"/>
+                </a:rPr>
+                <a:t>carol@chicago.com</a:t>
+              </a:r>
+              <a:endParaRPr lang="ko-KR" altLang="en-US" sz="1200" dirty="0">
+                <a:latin typeface="Roboto" panose="02000000000000000000" pitchFamily="2" charset="0"/>
+              </a:endParaRPr>
+            </a:p>
+          </p:txBody>
+        </p:sp>
+        <p:sp>
+          <p:nvSpPr>
+            <p:cNvPr id="48" name="TextBox 47">
+              <a:extLst>
+                <a:ext uri="{FF2B5EF4-FFF2-40B4-BE49-F238E27FC236}">
+                  <a16:creationId xmlns:a16="http://schemas.microsoft.com/office/drawing/2014/main" id="{4E932759-EE71-374C-2BBB-4705259D86C4}"/>
+                </a:ext>
+              </a:extLst>
+            </p:cNvPr>
+            <p:cNvSpPr txBox="1"/>
+            <p:nvPr/>
+          </p:nvSpPr>
+          <p:spPr>
+            <a:xfrm>
+              <a:off x="6598039" y="5769580"/>
+              <a:ext cx="2348720" cy="276999"/>
+            </a:xfrm>
+            <a:prstGeom prst="rect">
+              <a:avLst/>
+            </a:prstGeom>
+            <a:noFill/>
+          </p:spPr>
+          <p:txBody>
+            <a:bodyPr wrap="none" rtlCol="0">
+              <a:spAutoFit/>
+            </a:bodyPr>
+            <a:lstStyle/>
+            <a:p>
+              <a:r>
+                <a:rPr lang="en-US" altLang="ko-KR" sz="1200" dirty="0">
+                  <a:latin typeface="Roboto" panose="02000000000000000000" pitchFamily="2" charset="0"/>
+                  <a:ea typeface="Roboto" panose="02000000000000000000" pitchFamily="2" charset="0"/>
+                </a:rPr>
+                <a:t>carol@cube2214a.chicago.com</a:t>
+              </a:r>
+              <a:endParaRPr lang="ko-KR" altLang="en-US" sz="1200" dirty="0">
+                <a:latin typeface="Roboto" panose="02000000000000000000" pitchFamily="2" charset="0"/>
+              </a:endParaRPr>
+            </a:p>
+          </p:txBody>
+        </p:sp>
+        <p:sp>
+          <p:nvSpPr>
+            <p:cNvPr id="49" name="TextBox 48">
+              <a:extLst>
+                <a:ext uri="{FF2B5EF4-FFF2-40B4-BE49-F238E27FC236}">
+                  <a16:creationId xmlns:a16="http://schemas.microsoft.com/office/drawing/2014/main" id="{AD347C15-2202-8C27-E9AC-C2828B0BF26A}"/>
+                </a:ext>
+              </a:extLst>
+            </p:cNvPr>
+            <p:cNvSpPr txBox="1"/>
+            <p:nvPr/>
+          </p:nvSpPr>
+          <p:spPr>
+            <a:xfrm>
+              <a:off x="8083966" y="973134"/>
+              <a:ext cx="455574" cy="276999"/>
+            </a:xfrm>
+            <a:prstGeom prst="rect">
+              <a:avLst/>
+            </a:prstGeom>
+            <a:noFill/>
+          </p:spPr>
+          <p:txBody>
+            <a:bodyPr wrap="none" rtlCol="0">
+              <a:spAutoFit/>
+            </a:bodyPr>
+            <a:lstStyle/>
+            <a:p>
+              <a:r>
+                <a:rPr lang="en-US" altLang="ko-KR" sz="1200" dirty="0">
+                  <a:latin typeface="Roboto" panose="02000000000000000000" pitchFamily="2" charset="0"/>
+                  <a:ea typeface="Roboto" panose="02000000000000000000" pitchFamily="2" charset="0"/>
+                </a:rPr>
+                <a:t>Bob</a:t>
+              </a:r>
+              <a:endParaRPr lang="ko-KR" altLang="en-US" sz="1200" dirty="0">
+                <a:latin typeface="Roboto" panose="02000000000000000000" pitchFamily="2" charset="0"/>
+              </a:endParaRPr>
+            </a:p>
+          </p:txBody>
+        </p:sp>
+      </p:grpSp>
     </p:spTree>
     <p:extLst>
       <p:ext uri="{BB962C8B-B14F-4D97-AF65-F5344CB8AC3E}">
-        <p14:creationId xmlns:p14="http://schemas.microsoft.com/office/powerpoint/2010/main" val="3861246699"/>
+        <p14:creationId xmlns:p14="http://schemas.microsoft.com/office/powerpoint/2010/main" val="4102446595"/>
       </p:ext>
     </p:extLst>
   </p:cSld>
@@ -4442,7 +6102,7 @@
           <a:p>
             <a:r>
               <a:rPr lang="en-US" altLang="ko-KR" dirty="0"/>
-              <a:t>4. Initiating a Session</a:t>
+              <a:t>2. Registrations – Constructing the REGISTER Request</a:t>
             </a:r>
             <a:endParaRPr lang="ko-KR" altLang="en-US" dirty="0"/>
           </a:p>
@@ -4480,7 +6140,7 @@
     </p:spTree>
     <p:extLst>
       <p:ext uri="{BB962C8B-B14F-4D97-AF65-F5344CB8AC3E}">
-        <p14:creationId xmlns:p14="http://schemas.microsoft.com/office/powerpoint/2010/main" val="1584630631"/>
+        <p14:creationId xmlns:p14="http://schemas.microsoft.com/office/powerpoint/2010/main" val="64899320"/>
       </p:ext>
     </p:extLst>
   </p:cSld>
@@ -4535,7 +6195,7 @@
           <a:p>
             <a:r>
               <a:rPr lang="en-US" altLang="ko-KR" dirty="0"/>
-              <a:t>5. Modifying an Existing Session</a:t>
+              <a:t>3. Dialogs</a:t>
             </a:r>
             <a:endParaRPr lang="ko-KR" altLang="en-US" dirty="0"/>
           </a:p>
@@ -4573,7 +6233,7 @@
     </p:spTree>
     <p:extLst>
       <p:ext uri="{BB962C8B-B14F-4D97-AF65-F5344CB8AC3E}">
-        <p14:creationId xmlns:p14="http://schemas.microsoft.com/office/powerpoint/2010/main" val="4134332391"/>
+        <p14:creationId xmlns:p14="http://schemas.microsoft.com/office/powerpoint/2010/main" val="3861246699"/>
       </p:ext>
     </p:extLst>
   </p:cSld>
@@ -4628,7 +6288,7 @@
           <a:p>
             <a:r>
               <a:rPr lang="en-US" altLang="ko-KR" dirty="0"/>
-              <a:t>6. Terminating a Session</a:t>
+              <a:t>4. Initiating a Session</a:t>
             </a:r>
             <a:endParaRPr lang="ko-KR" altLang="en-US" dirty="0"/>
           </a:p>
@@ -4666,7 +6326,100 @@
     </p:spTree>
     <p:extLst>
       <p:ext uri="{BB962C8B-B14F-4D97-AF65-F5344CB8AC3E}">
-        <p14:creationId xmlns:p14="http://schemas.microsoft.com/office/powerpoint/2010/main" val="2569842624"/>
+        <p14:creationId xmlns:p14="http://schemas.microsoft.com/office/powerpoint/2010/main" val="1584630631"/>
+      </p:ext>
+    </p:extLst>
+  </p:cSld>
+  <p:clrMapOvr>
+    <a:masterClrMapping/>
+  </p:clrMapOvr>
+</p:sld>
+</file>
+
+<file path=ppt/slides/slide9.xml><?xml version="1.0" encoding="utf-8"?>
+<p:sld xmlns:a="http://schemas.openxmlformats.org/drawingml/2006/main" xmlns:r="http://schemas.openxmlformats.org/officeDocument/2006/relationships" xmlns:p="http://schemas.openxmlformats.org/presentationml/2006/main">
+  <p:cSld>
+    <p:spTree>
+      <p:nvGrpSpPr>
+        <p:cNvPr id="1" name=""/>
+        <p:cNvGrpSpPr/>
+        <p:nvPr/>
+      </p:nvGrpSpPr>
+      <p:grpSpPr>
+        <a:xfrm>
+          <a:off x="0" y="0"/>
+          <a:ext cx="0" cy="0"/>
+          <a:chOff x="0" y="0"/>
+          <a:chExt cx="0" cy="0"/>
+        </a:xfrm>
+      </p:grpSpPr>
+      <p:sp>
+        <p:nvSpPr>
+          <p:cNvPr id="2" name="제목 1">
+            <a:extLst>
+              <a:ext uri="{FF2B5EF4-FFF2-40B4-BE49-F238E27FC236}">
+                <a16:creationId xmlns:a16="http://schemas.microsoft.com/office/drawing/2014/main" id="{8C9AF931-2C38-43C8-9E3C-AED4EC2E41A6}"/>
+              </a:ext>
+            </a:extLst>
+          </p:cNvPr>
+          <p:cNvSpPr>
+            <a:spLocks noGrp="1"/>
+          </p:cNvSpPr>
+          <p:nvPr>
+            <p:ph type="title"/>
+          </p:nvPr>
+        </p:nvSpPr>
+        <p:spPr>
+          <a:xfrm>
+            <a:off x="0" y="0"/>
+            <a:ext cx="12192000" cy="549275"/>
+          </a:xfrm>
+        </p:spPr>
+        <p:txBody>
+          <a:bodyPr/>
+          <a:lstStyle/>
+          <a:p>
+            <a:r>
+              <a:rPr lang="en-US" altLang="ko-KR" dirty="0"/>
+              <a:t>5. Modifying an Existing Session</a:t>
+            </a:r>
+            <a:endParaRPr lang="ko-KR" altLang="en-US" dirty="0"/>
+          </a:p>
+        </p:txBody>
+      </p:sp>
+      <p:sp>
+        <p:nvSpPr>
+          <p:cNvPr id="4" name="슬라이드 번호 개체 틀 3">
+            <a:extLst>
+              <a:ext uri="{FF2B5EF4-FFF2-40B4-BE49-F238E27FC236}">
+                <a16:creationId xmlns:a16="http://schemas.microsoft.com/office/drawing/2014/main" id="{63151CCF-057C-4F06-8A51-C3671F753532}"/>
+              </a:ext>
+            </a:extLst>
+          </p:cNvPr>
+          <p:cNvSpPr>
+            <a:spLocks noGrp="1"/>
+          </p:cNvSpPr>
+          <p:nvPr>
+            <p:ph type="sldNum" sz="quarter" idx="12"/>
+          </p:nvPr>
+        </p:nvSpPr>
+        <p:spPr/>
+        <p:txBody>
+          <a:bodyPr/>
+          <a:lstStyle/>
+          <a:p>
+            <a:fld id="{A9252A94-CC09-4928-8209-20295AE91AEF}" type="slidenum">
+              <a:rPr lang="ko-KR" altLang="en-US" smtClean="0"/>
+              <a:t>9</a:t>
+            </a:fld>
+            <a:endParaRPr lang="ko-KR" altLang="en-US" dirty="0"/>
+          </a:p>
+        </p:txBody>
+      </p:sp>
+    </p:spTree>
+    <p:extLst>
+      <p:ext uri="{BB962C8B-B14F-4D97-AF65-F5344CB8AC3E}">
+        <p14:creationId xmlns:p14="http://schemas.microsoft.com/office/powerpoint/2010/main" val="4134332391"/>
       </p:ext>
     </p:extLst>
   </p:cSld>

--- a/세미나 2차.pptx
+++ b/세미나 2차.pptx
@@ -5,10 +5,10 @@
     <p:sldMasterId id="2147483648" r:id="rId1"/>
   </p:sldMasterIdLst>
   <p:notesMasterIdLst>
-    <p:notesMasterId r:id="rId12"/>
+    <p:notesMasterId r:id="rId16"/>
   </p:notesMasterIdLst>
   <p:handoutMasterIdLst>
-    <p:handoutMasterId r:id="rId13"/>
+    <p:handoutMasterId r:id="rId17"/>
   </p:handoutMasterIdLst>
   <p:sldIdLst>
     <p:sldId id="264" r:id="rId2"/>
@@ -17,10 +17,14 @@
     <p:sldId id="259" r:id="rId5"/>
     <p:sldId id="266" r:id="rId6"/>
     <p:sldId id="267" r:id="rId7"/>
-    <p:sldId id="260" r:id="rId8"/>
-    <p:sldId id="261" r:id="rId9"/>
-    <p:sldId id="262" r:id="rId10"/>
-    <p:sldId id="263" r:id="rId11"/>
+    <p:sldId id="268" r:id="rId8"/>
+    <p:sldId id="269" r:id="rId9"/>
+    <p:sldId id="270" r:id="rId10"/>
+    <p:sldId id="271" r:id="rId11"/>
+    <p:sldId id="260" r:id="rId12"/>
+    <p:sldId id="261" r:id="rId13"/>
+    <p:sldId id="262" r:id="rId14"/>
+    <p:sldId id="263" r:id="rId15"/>
   </p:sldIdLst>
   <p:sldSz cx="12192000" cy="6858000"/>
   <p:notesSz cx="6858000" cy="9144000"/>
@@ -224,7 +228,7 @@
           <a:p>
             <a:fld id="{8D7A30CD-047B-418C-B390-82335D751AE2}" type="datetimeFigureOut">
               <a:rPr lang="ko-KR" altLang="en-US" smtClean="0"/>
-              <a:t>2023-06-27</a:t>
+              <a:t>2023-06-28</a:t>
             </a:fld>
             <a:endParaRPr lang="ko-KR" altLang="en-US"/>
           </a:p>
@@ -401,7 +405,7 @@
           <a:p>
             <a:fld id="{697B1179-EA2C-4F66-A7B6-E78EE214E3F0}" type="datetimeFigureOut">
               <a:rPr lang="ko-KR" altLang="en-US" smtClean="0"/>
-              <a:t>2023-06-27</a:t>
+              <a:t>2023-06-28</a:t>
             </a:fld>
             <a:endParaRPr lang="ko-KR" altLang="en-US"/>
           </a:p>
@@ -713,72 +717,72 @@
           <a:lstStyle/>
           <a:p>
             <a:r>
-              <a:rPr lang="en-US" altLang="ko-KR" dirty="0"/>
+              <a:rPr lang="en-US" altLang="ko-KR"/>
               <a:t>10 - </a:t>
             </a:r>
             <a:r>
-              <a:rPr lang="ko-KR" altLang="en-US" dirty="0" err="1"/>
+              <a:rPr lang="ko-KR" altLang="en-US" err="1"/>
               <a:t>리디렉션</a:t>
             </a:r>
             <a:r>
-              <a:rPr lang="ko-KR" altLang="en-US" dirty="0"/>
+              <a:rPr lang="ko-KR" altLang="en-US"/>
               <a:t> 서버는 논리적으로 서버 트랜잭션 계층과 특정 종류의 </a:t>
             </a:r>
             <a:r>
-              <a:rPr lang="en-US" altLang="ko-KR" dirty="0"/>
+              <a:rPr lang="en-US" altLang="ko-KR"/>
               <a:t>location service</a:t>
             </a:r>
             <a:r>
-              <a:rPr lang="ko-KR" altLang="en-US" dirty="0"/>
+              <a:rPr lang="ko-KR" altLang="en-US"/>
               <a:t>에 액세스할 수 있는 </a:t>
             </a:r>
             <a:r>
-              <a:rPr lang="en-US" altLang="ko-KR" dirty="0"/>
+              <a:rPr lang="en-US" altLang="ko-KR"/>
               <a:t>TU</a:t>
             </a:r>
             <a:r>
-              <a:rPr lang="ko-KR" altLang="en-US" dirty="0"/>
+              <a:rPr lang="ko-KR" altLang="en-US"/>
               <a:t>로 구성됩니다</a:t>
             </a:r>
             <a:r>
-              <a:rPr lang="en-US" altLang="ko-KR" dirty="0"/>
+              <a:rPr lang="en-US" altLang="ko-KR"/>
               <a:t>. </a:t>
             </a:r>
           </a:p>
           <a:p>
             <a:r>
-              <a:rPr lang="ko-KR" altLang="en-US" dirty="0"/>
+              <a:rPr lang="ko-KR" altLang="en-US"/>
               <a:t>이 </a:t>
             </a:r>
             <a:r>
-              <a:rPr lang="en-US" altLang="ko-KR" dirty="0"/>
+              <a:rPr lang="en-US" altLang="ko-KR"/>
               <a:t>location service</a:t>
             </a:r>
             <a:r>
-              <a:rPr lang="ko-KR" altLang="en-US" dirty="0"/>
+              <a:rPr lang="ko-KR" altLang="en-US"/>
               <a:t>는 사실상 단일 </a:t>
             </a:r>
             <a:r>
-              <a:rPr lang="en-US" altLang="ko-KR" dirty="0"/>
+              <a:rPr lang="en-US" altLang="ko-KR"/>
               <a:t>URI</a:t>
             </a:r>
             <a:r>
-              <a:rPr lang="ko-KR" altLang="en-US" dirty="0"/>
+              <a:rPr lang="ko-KR" altLang="en-US"/>
               <a:t>와 해당 </a:t>
             </a:r>
             <a:r>
-              <a:rPr lang="en-US" altLang="ko-KR" dirty="0"/>
+              <a:rPr lang="en-US" altLang="ko-KR"/>
               <a:t>URI</a:t>
             </a:r>
             <a:r>
-              <a:rPr lang="ko-KR" altLang="en-US" dirty="0"/>
+              <a:rPr lang="ko-KR" altLang="en-US"/>
               <a:t>의 대상을 찾을 수 있는 하나 이상의 대체 위치 집합 간의 매핑을 포함하는 데이터베이스이다</a:t>
             </a:r>
             <a:r>
-              <a:rPr lang="en-US" altLang="ko-KR" dirty="0"/>
+              <a:rPr lang="en-US" altLang="ko-KR"/>
               <a:t>.</a:t>
             </a:r>
-            <a:endParaRPr lang="ko-KR" altLang="en-US" dirty="0"/>
+            <a:endParaRPr lang="ko-KR" altLang="en-US"/>
           </a:p>
         </p:txBody>
       </p:sp>
@@ -862,7 +866,7 @@
           <a:bodyPr/>
           <a:lstStyle/>
           <a:p>
-            <a:endParaRPr lang="ko-KR" altLang="en-US" dirty="0"/>
+            <a:endParaRPr lang="ko-KR" altLang="en-US"/>
           </a:p>
         </p:txBody>
       </p:sp>
@@ -893,6 +897,703 @@
     <p:extLst>
       <p:ext uri="{BB962C8B-B14F-4D97-AF65-F5344CB8AC3E}">
         <p14:creationId xmlns:p14="http://schemas.microsoft.com/office/powerpoint/2010/main" val="1106705060"/>
+      </p:ext>
+    </p:extLst>
+  </p:cSld>
+  <p:clrMapOvr>
+    <a:masterClrMapping/>
+  </p:clrMapOvr>
+</p:notes>
+</file>
+
+<file path=ppt/notesSlides/notesSlide3.xml><?xml version="1.0" encoding="utf-8"?>
+<p:notes xmlns:a="http://schemas.openxmlformats.org/drawingml/2006/main" xmlns:r="http://schemas.openxmlformats.org/officeDocument/2006/relationships" xmlns:p="http://schemas.openxmlformats.org/presentationml/2006/main">
+  <p:cSld>
+    <p:spTree>
+      <p:nvGrpSpPr>
+        <p:cNvPr id="1" name=""/>
+        <p:cNvGrpSpPr/>
+        <p:nvPr/>
+      </p:nvGrpSpPr>
+      <p:grpSpPr>
+        <a:xfrm>
+          <a:off x="0" y="0"/>
+          <a:ext cx="0" cy="0"/>
+          <a:chOff x="0" y="0"/>
+          <a:chExt cx="0" cy="0"/>
+        </a:xfrm>
+      </p:grpSpPr>
+      <p:sp>
+        <p:nvSpPr>
+          <p:cNvPr id="2" name="슬라이드 이미지 개체 틀 1"/>
+          <p:cNvSpPr>
+            <a:spLocks noGrp="1" noRot="1" noChangeAspect="1"/>
+          </p:cNvSpPr>
+          <p:nvPr>
+            <p:ph type="sldImg"/>
+          </p:nvPr>
+        </p:nvSpPr>
+        <p:spPr/>
+      </p:sp>
+      <p:sp>
+        <p:nvSpPr>
+          <p:cNvPr id="3" name="슬라이드 노트 개체 틀 2"/>
+          <p:cNvSpPr>
+            <a:spLocks noGrp="1"/>
+          </p:cNvSpPr>
+          <p:nvPr>
+            <p:ph type="body" idx="1"/>
+          </p:nvPr>
+        </p:nvSpPr>
+        <p:spPr/>
+        <p:txBody>
+          <a:bodyPr/>
+          <a:lstStyle/>
+          <a:p>
+            <a:r>
+              <a:rPr lang="en-US" altLang="ko-KR"/>
+              <a:t>24.1</a:t>
+            </a:r>
+            <a:r>
+              <a:rPr lang="ko-KR" altLang="en-US"/>
+              <a:t>장에서 가져온 예제</a:t>
+            </a:r>
+            <a:endParaRPr lang="en-US" altLang="ko-KR"/>
+          </a:p>
+          <a:p>
+            <a:endParaRPr lang="en-US" altLang="ko-KR"/>
+          </a:p>
+          <a:p>
+            <a:pPr marL="0" marR="0" lvl="0" indent="0" algn="l" defTabSz="914400" rtl="0" eaLnBrk="1" fontAlgn="auto" latinLnBrk="1" hangingPunct="1">
+              <a:lnSpc>
+                <a:spcPct val="100000"/>
+              </a:lnSpc>
+              <a:spcBef>
+                <a:spcPts val="0"/>
+              </a:spcBef>
+              <a:spcAft>
+                <a:spcPts val="0"/>
+              </a:spcAft>
+              <a:buClrTx/>
+              <a:buSzTx/>
+              <a:buFontTx/>
+              <a:buNone/>
+              <a:tabLst/>
+              <a:defRPr/>
+            </a:pPr>
+            <a:r>
+              <a:rPr lang="en-US" altLang="ko-KR"/>
+              <a:t>call-ID : </a:t>
+            </a:r>
+            <a:r>
+              <a:rPr lang="ko-KR" altLang="en-US" sz="1200">
+                <a:latin typeface="+mn-ea"/>
+              </a:rPr>
+              <a:t>동일한 클라이언트가 다른 </a:t>
+            </a:r>
+            <a:r>
+              <a:rPr lang="en-US" altLang="ko-KR" sz="1200">
+                <a:latin typeface="+mn-ea"/>
+              </a:rPr>
+              <a:t>Call-ID </a:t>
+            </a:r>
+            <a:r>
+              <a:rPr lang="ko-KR" altLang="en-US" sz="1200">
+                <a:latin typeface="+mn-ea"/>
+              </a:rPr>
+              <a:t>값을 사용하는 경우</a:t>
+            </a:r>
+            <a:r>
+              <a:rPr lang="en-US" altLang="ko-KR" sz="1200">
+                <a:latin typeface="+mn-ea"/>
+              </a:rPr>
+              <a:t>, registrar</a:t>
+            </a:r>
+            <a:r>
+              <a:rPr lang="ko-KR" altLang="en-US" sz="1200">
+                <a:latin typeface="+mn-ea"/>
+              </a:rPr>
+              <a:t>은 지연된 </a:t>
+            </a:r>
+            <a:br>
+              <a:rPr lang="en-US" altLang="ko-KR" sz="1200">
+                <a:latin typeface="+mn-ea"/>
+              </a:rPr>
+            </a:br>
+            <a:r>
+              <a:rPr lang="en-US" altLang="ko-KR" sz="1200">
+                <a:latin typeface="+mn-ea"/>
+              </a:rPr>
+              <a:t>REGISTER </a:t>
+            </a:r>
+            <a:r>
+              <a:rPr lang="ko-KR" altLang="en-US" sz="1200">
+                <a:latin typeface="+mn-ea"/>
+              </a:rPr>
+              <a:t>요청이 정상적으로 도착했는지 여부를 감지할 수 없다</a:t>
+            </a:r>
+            <a:r>
+              <a:rPr lang="en-US" altLang="ko-KR" sz="1200">
+                <a:latin typeface="+mn-ea"/>
+              </a:rPr>
+              <a:t>.</a:t>
+            </a:r>
+            <a:endParaRPr lang="ko-KR" altLang="en-US" sz="1200">
+              <a:latin typeface="+mn-ea"/>
+            </a:endParaRPr>
+          </a:p>
+          <a:p>
+            <a:endParaRPr lang="en-US" altLang="ko-KR"/>
+          </a:p>
+          <a:p>
+            <a:r>
+              <a:rPr lang="en-US" altLang="ko-KR"/>
+              <a:t>expires: </a:t>
+            </a:r>
+            <a:r>
+              <a:rPr lang="ko-KR" altLang="en-US"/>
+              <a:t>값은 초를 나타내는 숫자다</a:t>
+            </a:r>
+            <a:r>
+              <a:rPr lang="en-US" altLang="ko-KR"/>
+              <a:t>.  </a:t>
+            </a:r>
+            <a:r>
+              <a:rPr lang="ko-KR" altLang="en-US"/>
+              <a:t>이 매개 변수를 제공하지 않으면 </a:t>
+            </a:r>
+            <a:r>
+              <a:rPr lang="en-US" altLang="ko-KR"/>
+              <a:t>Expires </a:t>
+            </a:r>
+            <a:r>
+              <a:rPr lang="ko-KR" altLang="en-US"/>
+              <a:t>헤더 필드의 값이 대신 사용된다</a:t>
+            </a:r>
+            <a:r>
+              <a:rPr lang="en-US" altLang="ko-KR"/>
+              <a:t>. </a:t>
+            </a:r>
+            <a:r>
+              <a:rPr lang="ko-KR" altLang="en-US"/>
+              <a:t>구현에서는 </a:t>
+            </a:r>
+            <a:r>
+              <a:rPr lang="en-US" altLang="ko-KR"/>
+              <a:t>2**32-1(4294967295</a:t>
+            </a:r>
+            <a:r>
+              <a:rPr lang="ko-KR" altLang="en-US"/>
+              <a:t>초 또는 </a:t>
+            </a:r>
+            <a:r>
+              <a:rPr lang="en-US" altLang="ko-KR"/>
+              <a:t>136</a:t>
+            </a:r>
+            <a:r>
+              <a:rPr lang="ko-KR" altLang="en-US"/>
+              <a:t>년</a:t>
+            </a:r>
+            <a:r>
+              <a:rPr lang="en-US" altLang="ko-KR"/>
+              <a:t>)</a:t>
+            </a:r>
+            <a:r>
+              <a:rPr lang="ko-KR" altLang="en-US"/>
+              <a:t>보다 큰 값을 </a:t>
+            </a:r>
+            <a:r>
+              <a:rPr lang="en-US" altLang="ko-KR"/>
+              <a:t>2**32-1</a:t>
+            </a:r>
+            <a:r>
+              <a:rPr lang="ko-KR" altLang="en-US"/>
+              <a:t>에 해당하는 것으로 처리할 수 있다</a:t>
+            </a:r>
+            <a:r>
+              <a:rPr lang="en-US" altLang="ko-KR"/>
+              <a:t>. </a:t>
+            </a:r>
+            <a:r>
+              <a:rPr lang="ko-KR" altLang="en-US"/>
+              <a:t>잘못된 값은 </a:t>
+            </a:r>
+            <a:r>
+              <a:rPr lang="en-US" altLang="ko-KR"/>
+              <a:t>3600</a:t>
+            </a:r>
+            <a:r>
+              <a:rPr lang="ko-KR" altLang="en-US"/>
+              <a:t>에 해당하는 것으로 처리해야 한다</a:t>
+            </a:r>
+            <a:r>
+              <a:rPr lang="en-US" altLang="ko-KR"/>
+              <a:t>.</a:t>
+            </a:r>
+          </a:p>
+          <a:p>
+            <a:endParaRPr lang="en-US" altLang="ko-KR"/>
+          </a:p>
+          <a:p>
+            <a:r>
+              <a:rPr lang="en-US" altLang="ko-KR"/>
+              <a:t>Expires: Contact</a:t>
+            </a:r>
+            <a:r>
+              <a:rPr lang="ko-KR" altLang="en-US"/>
+              <a:t> 에 기술된 모든 </a:t>
+            </a:r>
+            <a:r>
+              <a:rPr lang="en-US" altLang="ko-KR"/>
+              <a:t>contact address </a:t>
+            </a:r>
+            <a:r>
+              <a:rPr lang="ko-KR" altLang="en-US"/>
+              <a:t>에 대해 적용한다</a:t>
+            </a:r>
+            <a:r>
+              <a:rPr lang="en-US" altLang="ko-KR"/>
+              <a:t>.</a:t>
+            </a:r>
+          </a:p>
+          <a:p>
+            <a:endParaRPr lang="en-US" altLang="ko-KR"/>
+          </a:p>
+          <a:p>
+            <a:r>
+              <a:rPr lang="ko-KR" altLang="en-US"/>
+              <a:t>유효기간을 나타내는 만료 시간을 표현하는 메커니즘이 모두 </a:t>
+            </a:r>
+            <a:r>
+              <a:rPr lang="en-US" altLang="ko-KR"/>
+              <a:t>REGISTER </a:t>
+            </a:r>
+            <a:r>
+              <a:rPr lang="ko-KR" altLang="en-US"/>
+              <a:t>에 존재하지 않는 경우 </a:t>
+            </a:r>
+            <a:r>
+              <a:rPr lang="en-US" altLang="ko-KR"/>
+              <a:t>registrar</a:t>
+            </a:r>
+            <a:r>
+              <a:rPr lang="ko-KR" altLang="en-US"/>
+              <a:t> 가 선택하는 것으로 간주한다</a:t>
+            </a:r>
+            <a:r>
+              <a:rPr lang="en-US" altLang="ko-KR"/>
+              <a:t>.</a:t>
+            </a:r>
+          </a:p>
+          <a:p>
+            <a:endParaRPr lang="en-US" altLang="ko-KR"/>
+          </a:p>
+          <a:p>
+            <a:endParaRPr lang="en-US" altLang="ko-KR"/>
+          </a:p>
+          <a:p>
+            <a:endParaRPr lang="en-US" altLang="ko-KR"/>
+          </a:p>
+          <a:p>
+            <a:endParaRPr lang="ko-KR" altLang="en-US"/>
+          </a:p>
+        </p:txBody>
+      </p:sp>
+      <p:sp>
+        <p:nvSpPr>
+          <p:cNvPr id="4" name="슬라이드 번호 개체 틀 3"/>
+          <p:cNvSpPr>
+            <a:spLocks noGrp="1"/>
+          </p:cNvSpPr>
+          <p:nvPr>
+            <p:ph type="sldNum" sz="quarter" idx="5"/>
+          </p:nvPr>
+        </p:nvSpPr>
+        <p:spPr/>
+        <p:txBody>
+          <a:bodyPr/>
+          <a:lstStyle/>
+          <a:p>
+            <a:fld id="{2D0B60B4-4ECC-4229-9A2A-F5A0A39DAA02}" type="slidenum">
+              <a:rPr lang="ko-KR" altLang="en-US" smtClean="0"/>
+              <a:t>6</a:t>
+            </a:fld>
+            <a:endParaRPr lang="ko-KR" altLang="en-US"/>
+          </a:p>
+        </p:txBody>
+      </p:sp>
+    </p:spTree>
+    <p:extLst>
+      <p:ext uri="{BB962C8B-B14F-4D97-AF65-F5344CB8AC3E}">
+        <p14:creationId xmlns:p14="http://schemas.microsoft.com/office/powerpoint/2010/main" val="379566116"/>
+      </p:ext>
+    </p:extLst>
+  </p:cSld>
+  <p:clrMapOvr>
+    <a:masterClrMapping/>
+  </p:clrMapOvr>
+</p:notes>
+</file>
+
+<file path=ppt/notesSlides/notesSlide4.xml><?xml version="1.0" encoding="utf-8"?>
+<p:notes xmlns:a="http://schemas.openxmlformats.org/drawingml/2006/main" xmlns:r="http://schemas.openxmlformats.org/officeDocument/2006/relationships" xmlns:p="http://schemas.openxmlformats.org/presentationml/2006/main">
+  <p:cSld>
+    <p:spTree>
+      <p:nvGrpSpPr>
+        <p:cNvPr id="1" name=""/>
+        <p:cNvGrpSpPr/>
+        <p:nvPr/>
+      </p:nvGrpSpPr>
+      <p:grpSpPr>
+        <a:xfrm>
+          <a:off x="0" y="0"/>
+          <a:ext cx="0" cy="0"/>
+          <a:chOff x="0" y="0"/>
+          <a:chExt cx="0" cy="0"/>
+        </a:xfrm>
+      </p:grpSpPr>
+      <p:sp>
+        <p:nvSpPr>
+          <p:cNvPr id="2" name="슬라이드 이미지 개체 틀 1"/>
+          <p:cNvSpPr>
+            <a:spLocks noGrp="1" noRot="1" noChangeAspect="1"/>
+          </p:cNvSpPr>
+          <p:nvPr>
+            <p:ph type="sldImg"/>
+          </p:nvPr>
+        </p:nvSpPr>
+        <p:spPr/>
+      </p:sp>
+      <p:sp>
+        <p:nvSpPr>
+          <p:cNvPr id="3" name="슬라이드 노트 개체 틀 2"/>
+          <p:cNvSpPr>
+            <a:spLocks noGrp="1"/>
+          </p:cNvSpPr>
+          <p:nvPr>
+            <p:ph type="body" idx="1"/>
+          </p:nvPr>
+        </p:nvSpPr>
+        <p:spPr/>
+        <p:txBody>
+          <a:bodyPr/>
+          <a:lstStyle/>
+          <a:p>
+            <a:r>
+              <a:rPr lang="en-US" altLang="ko-KR"/>
+              <a:t>24.1</a:t>
+            </a:r>
+            <a:r>
+              <a:rPr lang="ko-KR" altLang="en-US"/>
+              <a:t>장에서 가져온 예제</a:t>
+            </a:r>
+            <a:endParaRPr lang="en-US" altLang="ko-KR"/>
+          </a:p>
+        </p:txBody>
+      </p:sp>
+      <p:sp>
+        <p:nvSpPr>
+          <p:cNvPr id="4" name="슬라이드 번호 개체 틀 3"/>
+          <p:cNvSpPr>
+            <a:spLocks noGrp="1"/>
+          </p:cNvSpPr>
+          <p:nvPr>
+            <p:ph type="sldNum" sz="quarter" idx="5"/>
+          </p:nvPr>
+        </p:nvSpPr>
+        <p:spPr/>
+        <p:txBody>
+          <a:bodyPr/>
+          <a:lstStyle/>
+          <a:p>
+            <a:fld id="{2D0B60B4-4ECC-4229-9A2A-F5A0A39DAA02}" type="slidenum">
+              <a:rPr lang="ko-KR" altLang="en-US" smtClean="0"/>
+              <a:t>7</a:t>
+            </a:fld>
+            <a:endParaRPr lang="ko-KR" altLang="en-US"/>
+          </a:p>
+        </p:txBody>
+      </p:sp>
+    </p:spTree>
+    <p:extLst>
+      <p:ext uri="{BB962C8B-B14F-4D97-AF65-F5344CB8AC3E}">
+        <p14:creationId xmlns:p14="http://schemas.microsoft.com/office/powerpoint/2010/main" val="3095795939"/>
+      </p:ext>
+    </p:extLst>
+  </p:cSld>
+  <p:clrMapOvr>
+    <a:masterClrMapping/>
+  </p:clrMapOvr>
+</p:notes>
+</file>
+
+<file path=ppt/notesSlides/notesSlide5.xml><?xml version="1.0" encoding="utf-8"?>
+<p:notes xmlns:a="http://schemas.openxmlformats.org/drawingml/2006/main" xmlns:r="http://schemas.openxmlformats.org/officeDocument/2006/relationships" xmlns:p="http://schemas.openxmlformats.org/presentationml/2006/main">
+  <p:cSld>
+    <p:spTree>
+      <p:nvGrpSpPr>
+        <p:cNvPr id="1" name=""/>
+        <p:cNvGrpSpPr/>
+        <p:nvPr/>
+      </p:nvGrpSpPr>
+      <p:grpSpPr>
+        <a:xfrm>
+          <a:off x="0" y="0"/>
+          <a:ext cx="0" cy="0"/>
+          <a:chOff x="0" y="0"/>
+          <a:chExt cx="0" cy="0"/>
+        </a:xfrm>
+      </p:grpSpPr>
+      <p:sp>
+        <p:nvSpPr>
+          <p:cNvPr id="2" name="슬라이드 이미지 개체 틀 1"/>
+          <p:cNvSpPr>
+            <a:spLocks noGrp="1" noRot="1" noChangeAspect="1"/>
+          </p:cNvSpPr>
+          <p:nvPr>
+            <p:ph type="sldImg"/>
+          </p:nvPr>
+        </p:nvSpPr>
+        <p:spPr/>
+      </p:sp>
+      <p:sp>
+        <p:nvSpPr>
+          <p:cNvPr id="3" name="슬라이드 노트 개체 틀 2"/>
+          <p:cNvSpPr>
+            <a:spLocks noGrp="1"/>
+          </p:cNvSpPr>
+          <p:nvPr>
+            <p:ph type="body" idx="1"/>
+          </p:nvPr>
+        </p:nvSpPr>
+        <p:spPr/>
+        <p:txBody>
+          <a:bodyPr/>
+          <a:lstStyle/>
+          <a:p>
+            <a:r>
+              <a:rPr lang="en-US" altLang="ko-KR"/>
+              <a:t>24.1</a:t>
+            </a:r>
+            <a:r>
+              <a:rPr lang="ko-KR" altLang="en-US"/>
+              <a:t>장에서 가져온 예제</a:t>
+            </a:r>
+            <a:endParaRPr lang="en-US" altLang="ko-KR"/>
+          </a:p>
+        </p:txBody>
+      </p:sp>
+      <p:sp>
+        <p:nvSpPr>
+          <p:cNvPr id="4" name="슬라이드 번호 개체 틀 3"/>
+          <p:cNvSpPr>
+            <a:spLocks noGrp="1"/>
+          </p:cNvSpPr>
+          <p:nvPr>
+            <p:ph type="sldNum" sz="quarter" idx="5"/>
+          </p:nvPr>
+        </p:nvSpPr>
+        <p:spPr/>
+        <p:txBody>
+          <a:bodyPr/>
+          <a:lstStyle/>
+          <a:p>
+            <a:fld id="{2D0B60B4-4ECC-4229-9A2A-F5A0A39DAA02}" type="slidenum">
+              <a:rPr lang="ko-KR" altLang="en-US" smtClean="0"/>
+              <a:t>8</a:t>
+            </a:fld>
+            <a:endParaRPr lang="ko-KR" altLang="en-US"/>
+          </a:p>
+        </p:txBody>
+      </p:sp>
+    </p:spTree>
+    <p:extLst>
+      <p:ext uri="{BB962C8B-B14F-4D97-AF65-F5344CB8AC3E}">
+        <p14:creationId xmlns:p14="http://schemas.microsoft.com/office/powerpoint/2010/main" val="1399160274"/>
+      </p:ext>
+    </p:extLst>
+  </p:cSld>
+  <p:clrMapOvr>
+    <a:masterClrMapping/>
+  </p:clrMapOvr>
+</p:notes>
+</file>
+
+<file path=ppt/notesSlides/notesSlide6.xml><?xml version="1.0" encoding="utf-8"?>
+<p:notes xmlns:a="http://schemas.openxmlformats.org/drawingml/2006/main" xmlns:r="http://schemas.openxmlformats.org/officeDocument/2006/relationships" xmlns:p="http://schemas.openxmlformats.org/presentationml/2006/main">
+  <p:cSld>
+    <p:spTree>
+      <p:nvGrpSpPr>
+        <p:cNvPr id="1" name=""/>
+        <p:cNvGrpSpPr/>
+        <p:nvPr/>
+      </p:nvGrpSpPr>
+      <p:grpSpPr>
+        <a:xfrm>
+          <a:off x="0" y="0"/>
+          <a:ext cx="0" cy="0"/>
+          <a:chOff x="0" y="0"/>
+          <a:chExt cx="0" cy="0"/>
+        </a:xfrm>
+      </p:grpSpPr>
+      <p:sp>
+        <p:nvSpPr>
+          <p:cNvPr id="2" name="슬라이드 이미지 개체 틀 1"/>
+          <p:cNvSpPr>
+            <a:spLocks noGrp="1" noRot="1" noChangeAspect="1"/>
+          </p:cNvSpPr>
+          <p:nvPr>
+            <p:ph type="sldImg"/>
+          </p:nvPr>
+        </p:nvSpPr>
+        <p:spPr/>
+      </p:sp>
+      <p:sp>
+        <p:nvSpPr>
+          <p:cNvPr id="3" name="슬라이드 노트 개체 틀 2"/>
+          <p:cNvSpPr>
+            <a:spLocks noGrp="1"/>
+          </p:cNvSpPr>
+          <p:nvPr>
+            <p:ph type="body" idx="1"/>
+          </p:nvPr>
+        </p:nvSpPr>
+        <p:spPr/>
+        <p:txBody>
+          <a:bodyPr/>
+          <a:lstStyle/>
+          <a:p>
+            <a:r>
+              <a:rPr lang="en-US" altLang="ko-KR"/>
+              <a:t>24.1</a:t>
+            </a:r>
+            <a:r>
+              <a:rPr lang="ko-KR" altLang="en-US"/>
+              <a:t>장에서 가져온 예제</a:t>
+            </a:r>
+            <a:endParaRPr lang="en-US" altLang="ko-KR"/>
+          </a:p>
+        </p:txBody>
+      </p:sp>
+      <p:sp>
+        <p:nvSpPr>
+          <p:cNvPr id="4" name="슬라이드 번호 개체 틀 3"/>
+          <p:cNvSpPr>
+            <a:spLocks noGrp="1"/>
+          </p:cNvSpPr>
+          <p:nvPr>
+            <p:ph type="sldNum" sz="quarter" idx="5"/>
+          </p:nvPr>
+        </p:nvSpPr>
+        <p:spPr/>
+        <p:txBody>
+          <a:bodyPr/>
+          <a:lstStyle/>
+          <a:p>
+            <a:fld id="{2D0B60B4-4ECC-4229-9A2A-F5A0A39DAA02}" type="slidenum">
+              <a:rPr lang="ko-KR" altLang="en-US" smtClean="0"/>
+              <a:t>9</a:t>
+            </a:fld>
+            <a:endParaRPr lang="ko-KR" altLang="en-US"/>
+          </a:p>
+        </p:txBody>
+      </p:sp>
+    </p:spTree>
+    <p:extLst>
+      <p:ext uri="{BB962C8B-B14F-4D97-AF65-F5344CB8AC3E}">
+        <p14:creationId xmlns:p14="http://schemas.microsoft.com/office/powerpoint/2010/main" val="1720764391"/>
+      </p:ext>
+    </p:extLst>
+  </p:cSld>
+  <p:clrMapOvr>
+    <a:masterClrMapping/>
+  </p:clrMapOvr>
+</p:notes>
+</file>
+
+<file path=ppt/notesSlides/notesSlide7.xml><?xml version="1.0" encoding="utf-8"?>
+<p:notes xmlns:a="http://schemas.openxmlformats.org/drawingml/2006/main" xmlns:r="http://schemas.openxmlformats.org/officeDocument/2006/relationships" xmlns:p="http://schemas.openxmlformats.org/presentationml/2006/main">
+  <p:cSld>
+    <p:spTree>
+      <p:nvGrpSpPr>
+        <p:cNvPr id="1" name=""/>
+        <p:cNvGrpSpPr/>
+        <p:nvPr/>
+      </p:nvGrpSpPr>
+      <p:grpSpPr>
+        <a:xfrm>
+          <a:off x="0" y="0"/>
+          <a:ext cx="0" cy="0"/>
+          <a:chOff x="0" y="0"/>
+          <a:chExt cx="0" cy="0"/>
+        </a:xfrm>
+      </p:grpSpPr>
+      <p:sp>
+        <p:nvSpPr>
+          <p:cNvPr id="2" name="슬라이드 이미지 개체 틀 1"/>
+          <p:cNvSpPr>
+            <a:spLocks noGrp="1" noRot="1" noChangeAspect="1"/>
+          </p:cNvSpPr>
+          <p:nvPr>
+            <p:ph type="sldImg"/>
+          </p:nvPr>
+        </p:nvSpPr>
+        <p:spPr/>
+      </p:sp>
+      <p:sp>
+        <p:nvSpPr>
+          <p:cNvPr id="3" name="슬라이드 노트 개체 틀 2"/>
+          <p:cNvSpPr>
+            <a:spLocks noGrp="1"/>
+          </p:cNvSpPr>
+          <p:nvPr>
+            <p:ph type="body" idx="1"/>
+          </p:nvPr>
+        </p:nvSpPr>
+        <p:spPr/>
+        <p:txBody>
+          <a:bodyPr/>
+          <a:lstStyle/>
+          <a:p>
+            <a:r>
+              <a:rPr lang="en-US" altLang="ko-KR"/>
+              <a:t>24.1</a:t>
+            </a:r>
+            <a:r>
+              <a:rPr lang="ko-KR" altLang="en-US"/>
+              <a:t>장에서 가져온 예제</a:t>
+            </a:r>
+            <a:endParaRPr lang="en-US" altLang="ko-KR"/>
+          </a:p>
+        </p:txBody>
+      </p:sp>
+      <p:sp>
+        <p:nvSpPr>
+          <p:cNvPr id="4" name="슬라이드 번호 개체 틀 3"/>
+          <p:cNvSpPr>
+            <a:spLocks noGrp="1"/>
+          </p:cNvSpPr>
+          <p:nvPr>
+            <p:ph type="sldNum" sz="quarter" idx="5"/>
+          </p:nvPr>
+        </p:nvSpPr>
+        <p:spPr/>
+        <p:txBody>
+          <a:bodyPr/>
+          <a:lstStyle/>
+          <a:p>
+            <a:fld id="{2D0B60B4-4ECC-4229-9A2A-F5A0A39DAA02}" type="slidenum">
+              <a:rPr lang="ko-KR" altLang="en-US" smtClean="0"/>
+              <a:t>10</a:t>
+            </a:fld>
+            <a:endParaRPr lang="ko-KR" altLang="en-US"/>
+          </a:p>
+        </p:txBody>
+      </p:sp>
+    </p:spTree>
+    <p:extLst>
+      <p:ext uri="{BB962C8B-B14F-4D97-AF65-F5344CB8AC3E}">
+        <p14:creationId xmlns:p14="http://schemas.microsoft.com/office/powerpoint/2010/main" val="292098234"/>
       </p:ext>
     </p:extLst>
   </p:cSld>
@@ -1055,7 +1756,7 @@
               <a:rPr lang="ko-KR" altLang="en-US" smtClean="0"/>
               <a:t>‹#›</a:t>
             </a:fld>
-            <a:endParaRPr lang="ko-KR" altLang="en-US" dirty="0"/>
+            <a:endParaRPr lang="ko-KR" altLang="en-US"/>
           </a:p>
         </p:txBody>
       </p:sp>
@@ -1165,7 +1866,7 @@
               <a:rPr lang="ko-KR" altLang="en-US" smtClean="0"/>
               <a:t>‹#›</a:t>
             </a:fld>
-            <a:endParaRPr lang="ko-KR" altLang="en-US" dirty="0"/>
+            <a:endParaRPr lang="ko-KR" altLang="en-US"/>
           </a:p>
         </p:txBody>
       </p:sp>
@@ -1777,18 +2478,18 @@
           <a:lstStyle/>
           <a:p>
             <a:r>
-              <a:rPr lang="en-US" altLang="ko-KR" dirty="0"/>
+              <a:rPr lang="en-US" altLang="ko-KR"/>
               <a:t>SIP </a:t>
             </a:r>
             <a:r>
-              <a:rPr lang="ko-KR" altLang="en-US" sz="5400" dirty="0"/>
+              <a:rPr lang="ko-KR" altLang="en-US" sz="5400"/>
               <a:t>세미나 </a:t>
             </a:r>
             <a:r>
-              <a:rPr lang="en-US" altLang="ko-KR" sz="5400" dirty="0"/>
+              <a:rPr lang="en-US" altLang="ko-KR" sz="5400"/>
               <a:t>2.0</a:t>
             </a:r>
-            <a:endParaRPr lang="ko-KR" altLang="en-US" dirty="0"/>
+            <a:endParaRPr lang="ko-KR" altLang="en-US"/>
           </a:p>
         </p:txBody>
       </p:sp>
@@ -1813,7 +2514,7 @@
           <a:bodyPr/>
           <a:lstStyle/>
           <a:p>
-            <a:endParaRPr lang="ko-KR" altLang="en-US" dirty="0"/>
+            <a:endParaRPr lang="ko-KR" altLang="en-US"/>
           </a:p>
         </p:txBody>
       </p:sp>
@@ -1927,7 +2628,7 @@
               <a:buAutoNum type="arabicPeriod"/>
             </a:pPr>
             <a:r>
-              <a:rPr lang="en-US" altLang="ko-KR" sz="1600" dirty="0">
+              <a:rPr lang="en-US" altLang="ko-KR" sz="1600">
                 <a:solidFill>
                   <a:schemeClr val="bg1"/>
                 </a:solidFill>
@@ -1945,7 +2646,7 @@
               <a:buAutoNum type="arabicPeriod"/>
             </a:pPr>
             <a:r>
-              <a:rPr lang="en-US" altLang="ko-KR" sz="1600" dirty="0">
+              <a:rPr lang="en-US" altLang="ko-KR" sz="1600">
                 <a:solidFill>
                   <a:schemeClr val="bg1"/>
                 </a:solidFill>
@@ -1963,7 +2664,7 @@
               <a:buAutoNum type="arabicPeriod"/>
             </a:pPr>
             <a:r>
-              <a:rPr lang="en-US" altLang="ko-KR" sz="1600" dirty="0">
+              <a:rPr lang="en-US" altLang="ko-KR" sz="1600">
                 <a:solidFill>
                   <a:schemeClr val="bg1"/>
                 </a:solidFill>
@@ -1981,7 +2682,7 @@
               <a:buAutoNum type="arabicPeriod"/>
             </a:pPr>
             <a:r>
-              <a:rPr lang="en-US" altLang="ko-KR" sz="1600" dirty="0">
+              <a:rPr lang="en-US" altLang="ko-KR" sz="1600">
                 <a:solidFill>
                   <a:schemeClr val="bg1"/>
                 </a:solidFill>
@@ -1999,7 +2700,7 @@
               <a:buAutoNum type="arabicPeriod"/>
             </a:pPr>
             <a:r>
-              <a:rPr lang="en-US" altLang="ko-KR" sz="1600" dirty="0">
+              <a:rPr lang="en-US" altLang="ko-KR" sz="1600">
                 <a:solidFill>
                   <a:schemeClr val="bg1"/>
                 </a:solidFill>
@@ -2017,7 +2718,7 @@
               <a:buAutoNum type="arabicPeriod"/>
             </a:pPr>
             <a:r>
-              <a:rPr lang="en-US" altLang="ko-KR" sz="1600" dirty="0">
+              <a:rPr lang="en-US" altLang="ko-KR" sz="1600">
                 <a:solidFill>
                   <a:schemeClr val="bg1"/>
                 </a:solidFill>
@@ -2035,7 +2736,7 @@
               <a:buAutoNum type="arabicPeriod"/>
             </a:pPr>
             <a:r>
-              <a:rPr lang="en-US" altLang="ko-KR" sz="1600" dirty="0">
+              <a:rPr lang="en-US" altLang="ko-KR" sz="1600">
                 <a:solidFill>
                   <a:schemeClr val="bg1"/>
                 </a:solidFill>
@@ -2081,7 +2782,7 @@
               </a:lnSpc>
             </a:pPr>
             <a:r>
-              <a:rPr lang="en-US" altLang="ko-KR" dirty="0">
+              <a:rPr lang="en-US" altLang="ko-KR">
                 <a:solidFill>
                   <a:schemeClr val="bg1"/>
                 </a:solidFill>
@@ -2089,14 +2790,14 @@
               <a:t>Data Solution 2 </a:t>
             </a:r>
             <a:r>
-              <a:rPr lang="ko-KR" altLang="en-US" dirty="0">
+              <a:rPr lang="ko-KR" altLang="en-US">
                 <a:solidFill>
                   <a:schemeClr val="bg1"/>
                 </a:solidFill>
               </a:rPr>
               <a:t>팀</a:t>
             </a:r>
-            <a:endParaRPr lang="en-US" altLang="ko-KR" dirty="0">
+            <a:endParaRPr lang="en-US" altLang="ko-KR">
               <a:solidFill>
                 <a:schemeClr val="bg1"/>
               </a:solidFill>
@@ -2109,14 +2810,14 @@
               </a:lnSpc>
             </a:pPr>
             <a:r>
-              <a:rPr lang="ko-KR" altLang="en-US" dirty="0" err="1">
+              <a:rPr lang="ko-KR" altLang="en-US" err="1">
                 <a:solidFill>
                   <a:schemeClr val="bg1"/>
                 </a:solidFill>
               </a:rPr>
               <a:t>김윤겸</a:t>
             </a:r>
-            <a:endParaRPr lang="ko-KR" altLang="en-US" dirty="0">
+            <a:endParaRPr lang="ko-KR" altLang="en-US">
               <a:solidFill>
                 <a:schemeClr val="bg1"/>
               </a:solidFill>
@@ -2181,10 +2882,10 @@
           <a:lstStyle/>
           <a:p>
             <a:r>
-              <a:rPr lang="en-US" altLang="ko-KR" dirty="0"/>
-              <a:t>6. Terminating a Session</a:t>
-            </a:r>
-            <a:endParaRPr lang="ko-KR" altLang="en-US" dirty="0"/>
+              <a:rPr lang="en-US" altLang="ko-KR"/>
+              <a:t>2. Registrations – Processing REGISTER Requests (1)</a:t>
+            </a:r>
+            <a:endParaRPr lang="ko-KR" altLang="en-US"/>
           </a:p>
         </p:txBody>
       </p:sp>
@@ -2213,7 +2914,528 @@
               <a:rPr lang="ko-KR" altLang="en-US" smtClean="0"/>
               <a:t>10</a:t>
             </a:fld>
-            <a:endParaRPr lang="ko-KR" altLang="en-US" dirty="0"/>
+            <a:endParaRPr lang="ko-KR" altLang="en-US"/>
+          </a:p>
+        </p:txBody>
+      </p:sp>
+      <p:sp>
+        <p:nvSpPr>
+          <p:cNvPr id="50" name="직사각형 49">
+            <a:extLst>
+              <a:ext uri="{FF2B5EF4-FFF2-40B4-BE49-F238E27FC236}">
+                <a16:creationId xmlns:a16="http://schemas.microsoft.com/office/drawing/2014/main" id="{6BD71A7F-E7DB-44B6-A054-AC0FCA4BB57F}"/>
+              </a:ext>
+            </a:extLst>
+          </p:cNvPr>
+          <p:cNvSpPr/>
+          <p:nvPr/>
+        </p:nvSpPr>
+        <p:spPr>
+          <a:xfrm>
+            <a:off x="751367" y="865998"/>
+            <a:ext cx="11147556" cy="1655261"/>
+          </a:xfrm>
+          <a:prstGeom prst="rect">
+            <a:avLst/>
+          </a:prstGeom>
+        </p:spPr>
+        <p:txBody>
+          <a:bodyPr wrap="square">
+            <a:spAutoFit/>
+          </a:bodyPr>
+          <a:lstStyle/>
+          <a:p>
+            <a:pPr>
+              <a:lnSpc>
+                <a:spcPct val="150000"/>
+              </a:lnSpc>
+            </a:pPr>
+            <a:r>
+              <a:rPr lang="en-US" altLang="ko-KR" sz="1600" b="1" u="sng">
+                <a:latin typeface="Roboto" panose="02000000000000000000" pitchFamily="2" charset="0"/>
+              </a:rPr>
+              <a:t>Registrar</a:t>
+            </a:r>
+          </a:p>
+          <a:p>
+            <a:pPr marL="285750" indent="-285750">
+              <a:lnSpc>
+                <a:spcPct val="150000"/>
+              </a:lnSpc>
+              <a:buFont typeface="Arial" panose="020B0604020202020204" pitchFamily="34" charset="0"/>
+              <a:buChar char="•"/>
+            </a:pPr>
+            <a:r>
+              <a:rPr lang="en-US" altLang="ko-KR" sz="1400">
+                <a:latin typeface="+mj-ea"/>
+                <a:ea typeface="+mj-ea"/>
+              </a:rPr>
+              <a:t>REGISTER </a:t>
+            </a:r>
+            <a:r>
+              <a:rPr lang="ko-KR" altLang="en-US" sz="1400">
+                <a:latin typeface="+mj-ea"/>
+                <a:ea typeface="+mj-ea"/>
+              </a:rPr>
+              <a:t>요청만 받음</a:t>
+            </a:r>
+            <a:endParaRPr lang="en-US" altLang="ko-KR" sz="1400">
+              <a:latin typeface="+mj-ea"/>
+              <a:ea typeface="+mj-ea"/>
+            </a:endParaRPr>
+          </a:p>
+          <a:p>
+            <a:pPr marL="285750" indent="-285750">
+              <a:lnSpc>
+                <a:spcPct val="150000"/>
+              </a:lnSpc>
+              <a:buFont typeface="Arial" panose="020B0604020202020204" pitchFamily="34" charset="0"/>
+              <a:buChar char="•"/>
+            </a:pPr>
+            <a:r>
+              <a:rPr lang="en-US" altLang="ko-KR" sz="1400">
+                <a:latin typeface="+mj-ea"/>
+                <a:ea typeface="+mj-ea"/>
+              </a:rPr>
+              <a:t>6xx</a:t>
+            </a:r>
+            <a:r>
+              <a:rPr lang="ko-KR" altLang="en-US" sz="1400">
+                <a:latin typeface="+mj-ea"/>
+                <a:ea typeface="+mj-ea"/>
+              </a:rPr>
+              <a:t> 응답은 생성하면 안됨</a:t>
+            </a:r>
+            <a:endParaRPr lang="en-US" altLang="ko-KR" sz="1400">
+              <a:latin typeface="+mj-ea"/>
+              <a:ea typeface="+mj-ea"/>
+            </a:endParaRPr>
+          </a:p>
+          <a:p>
+            <a:pPr marL="285750" indent="-285750">
+              <a:lnSpc>
+                <a:spcPct val="150000"/>
+              </a:lnSpc>
+              <a:buFont typeface="Arial" panose="020B0604020202020204" pitchFamily="34" charset="0"/>
+              <a:buChar char="•"/>
+            </a:pPr>
+            <a:r>
+              <a:rPr lang="en-US" altLang="ko-KR" sz="1400">
+                <a:latin typeface="+mj-ea"/>
+                <a:ea typeface="+mj-ea"/>
+              </a:rPr>
+              <a:t>REGISTER </a:t>
+            </a:r>
+            <a:r>
+              <a:rPr lang="ko-KR" altLang="en-US" sz="1400">
+                <a:latin typeface="+mj-ea"/>
+                <a:ea typeface="+mj-ea"/>
+              </a:rPr>
+              <a:t>요청을 </a:t>
+            </a:r>
+            <a:r>
+              <a:rPr lang="en-US" altLang="ko-KR" sz="1400">
+                <a:latin typeface="+mj-ea"/>
+                <a:ea typeface="+mj-ea"/>
+              </a:rPr>
+              <a:t>redirect </a:t>
+            </a:r>
+            <a:r>
+              <a:rPr lang="ko-KR" altLang="en-US" sz="1400">
+                <a:latin typeface="+mj-ea"/>
+                <a:ea typeface="+mj-ea"/>
+              </a:rPr>
+              <a:t>가능</a:t>
+            </a:r>
+            <a:endParaRPr lang="en-US" altLang="ko-KR" sz="1400">
+              <a:latin typeface="+mj-ea"/>
+              <a:ea typeface="+mj-ea"/>
+            </a:endParaRPr>
+          </a:p>
+          <a:p>
+            <a:pPr marL="285750" indent="-285750">
+              <a:lnSpc>
+                <a:spcPct val="150000"/>
+              </a:lnSpc>
+              <a:buFont typeface="Arial" panose="020B0604020202020204" pitchFamily="34" charset="0"/>
+              <a:buChar char="•"/>
+            </a:pPr>
+            <a:endParaRPr lang="en-US" altLang="ko-KR" sz="1100">
+              <a:latin typeface="+mj-ea"/>
+              <a:ea typeface="+mj-ea"/>
+            </a:endParaRPr>
+          </a:p>
+        </p:txBody>
+      </p:sp>
+    </p:spTree>
+    <p:extLst>
+      <p:ext uri="{BB962C8B-B14F-4D97-AF65-F5344CB8AC3E}">
+        <p14:creationId xmlns:p14="http://schemas.microsoft.com/office/powerpoint/2010/main" val="3533048442"/>
+      </p:ext>
+    </p:extLst>
+  </p:cSld>
+  <p:clrMapOvr>
+    <a:masterClrMapping/>
+  </p:clrMapOvr>
+</p:sld>
+</file>
+
+<file path=ppt/slides/slide11.xml><?xml version="1.0" encoding="utf-8"?>
+<p:sld xmlns:a="http://schemas.openxmlformats.org/drawingml/2006/main" xmlns:r="http://schemas.openxmlformats.org/officeDocument/2006/relationships" xmlns:p="http://schemas.openxmlformats.org/presentationml/2006/main">
+  <p:cSld>
+    <p:spTree>
+      <p:nvGrpSpPr>
+        <p:cNvPr id="1" name=""/>
+        <p:cNvGrpSpPr/>
+        <p:nvPr/>
+      </p:nvGrpSpPr>
+      <p:grpSpPr>
+        <a:xfrm>
+          <a:off x="0" y="0"/>
+          <a:ext cx="0" cy="0"/>
+          <a:chOff x="0" y="0"/>
+          <a:chExt cx="0" cy="0"/>
+        </a:xfrm>
+      </p:grpSpPr>
+      <p:sp>
+        <p:nvSpPr>
+          <p:cNvPr id="2" name="제목 1">
+            <a:extLst>
+              <a:ext uri="{FF2B5EF4-FFF2-40B4-BE49-F238E27FC236}">
+                <a16:creationId xmlns:a16="http://schemas.microsoft.com/office/drawing/2014/main" id="{8C9AF931-2C38-43C8-9E3C-AED4EC2E41A6}"/>
+              </a:ext>
+            </a:extLst>
+          </p:cNvPr>
+          <p:cNvSpPr>
+            <a:spLocks noGrp="1"/>
+          </p:cNvSpPr>
+          <p:nvPr>
+            <p:ph type="title"/>
+          </p:nvPr>
+        </p:nvSpPr>
+        <p:spPr>
+          <a:xfrm>
+            <a:off x="0" y="0"/>
+            <a:ext cx="12192000" cy="549275"/>
+          </a:xfrm>
+        </p:spPr>
+        <p:txBody>
+          <a:bodyPr/>
+          <a:lstStyle/>
+          <a:p>
+            <a:r>
+              <a:rPr lang="en-US" altLang="ko-KR"/>
+              <a:t>3. Dialogs</a:t>
+            </a:r>
+            <a:endParaRPr lang="ko-KR" altLang="en-US"/>
+          </a:p>
+        </p:txBody>
+      </p:sp>
+      <p:sp>
+        <p:nvSpPr>
+          <p:cNvPr id="4" name="슬라이드 번호 개체 틀 3">
+            <a:extLst>
+              <a:ext uri="{FF2B5EF4-FFF2-40B4-BE49-F238E27FC236}">
+                <a16:creationId xmlns:a16="http://schemas.microsoft.com/office/drawing/2014/main" id="{63151CCF-057C-4F06-8A51-C3671F753532}"/>
+              </a:ext>
+            </a:extLst>
+          </p:cNvPr>
+          <p:cNvSpPr>
+            <a:spLocks noGrp="1"/>
+          </p:cNvSpPr>
+          <p:nvPr>
+            <p:ph type="sldNum" sz="quarter" idx="12"/>
+          </p:nvPr>
+        </p:nvSpPr>
+        <p:spPr/>
+        <p:txBody>
+          <a:bodyPr/>
+          <a:lstStyle/>
+          <a:p>
+            <a:fld id="{A9252A94-CC09-4928-8209-20295AE91AEF}" type="slidenum">
+              <a:rPr lang="ko-KR" altLang="en-US" smtClean="0"/>
+              <a:t>11</a:t>
+            </a:fld>
+            <a:endParaRPr lang="ko-KR" altLang="en-US"/>
+          </a:p>
+        </p:txBody>
+      </p:sp>
+    </p:spTree>
+    <p:extLst>
+      <p:ext uri="{BB962C8B-B14F-4D97-AF65-F5344CB8AC3E}">
+        <p14:creationId xmlns:p14="http://schemas.microsoft.com/office/powerpoint/2010/main" val="3861246699"/>
+      </p:ext>
+    </p:extLst>
+  </p:cSld>
+  <p:clrMapOvr>
+    <a:masterClrMapping/>
+  </p:clrMapOvr>
+</p:sld>
+</file>
+
+<file path=ppt/slides/slide12.xml><?xml version="1.0" encoding="utf-8"?>
+<p:sld xmlns:a="http://schemas.openxmlformats.org/drawingml/2006/main" xmlns:r="http://schemas.openxmlformats.org/officeDocument/2006/relationships" xmlns:p="http://schemas.openxmlformats.org/presentationml/2006/main">
+  <p:cSld>
+    <p:spTree>
+      <p:nvGrpSpPr>
+        <p:cNvPr id="1" name=""/>
+        <p:cNvGrpSpPr/>
+        <p:nvPr/>
+      </p:nvGrpSpPr>
+      <p:grpSpPr>
+        <a:xfrm>
+          <a:off x="0" y="0"/>
+          <a:ext cx="0" cy="0"/>
+          <a:chOff x="0" y="0"/>
+          <a:chExt cx="0" cy="0"/>
+        </a:xfrm>
+      </p:grpSpPr>
+      <p:sp>
+        <p:nvSpPr>
+          <p:cNvPr id="2" name="제목 1">
+            <a:extLst>
+              <a:ext uri="{FF2B5EF4-FFF2-40B4-BE49-F238E27FC236}">
+                <a16:creationId xmlns:a16="http://schemas.microsoft.com/office/drawing/2014/main" id="{8C9AF931-2C38-43C8-9E3C-AED4EC2E41A6}"/>
+              </a:ext>
+            </a:extLst>
+          </p:cNvPr>
+          <p:cNvSpPr>
+            <a:spLocks noGrp="1"/>
+          </p:cNvSpPr>
+          <p:nvPr>
+            <p:ph type="title"/>
+          </p:nvPr>
+        </p:nvSpPr>
+        <p:spPr>
+          <a:xfrm>
+            <a:off x="0" y="0"/>
+            <a:ext cx="12192000" cy="549275"/>
+          </a:xfrm>
+        </p:spPr>
+        <p:txBody>
+          <a:bodyPr/>
+          <a:lstStyle/>
+          <a:p>
+            <a:r>
+              <a:rPr lang="en-US" altLang="ko-KR"/>
+              <a:t>4. Initiating a Session</a:t>
+            </a:r>
+            <a:endParaRPr lang="ko-KR" altLang="en-US"/>
+          </a:p>
+        </p:txBody>
+      </p:sp>
+      <p:sp>
+        <p:nvSpPr>
+          <p:cNvPr id="4" name="슬라이드 번호 개체 틀 3">
+            <a:extLst>
+              <a:ext uri="{FF2B5EF4-FFF2-40B4-BE49-F238E27FC236}">
+                <a16:creationId xmlns:a16="http://schemas.microsoft.com/office/drawing/2014/main" id="{63151CCF-057C-4F06-8A51-C3671F753532}"/>
+              </a:ext>
+            </a:extLst>
+          </p:cNvPr>
+          <p:cNvSpPr>
+            <a:spLocks noGrp="1"/>
+          </p:cNvSpPr>
+          <p:nvPr>
+            <p:ph type="sldNum" sz="quarter" idx="12"/>
+          </p:nvPr>
+        </p:nvSpPr>
+        <p:spPr/>
+        <p:txBody>
+          <a:bodyPr/>
+          <a:lstStyle/>
+          <a:p>
+            <a:fld id="{A9252A94-CC09-4928-8209-20295AE91AEF}" type="slidenum">
+              <a:rPr lang="ko-KR" altLang="en-US" smtClean="0"/>
+              <a:t>12</a:t>
+            </a:fld>
+            <a:endParaRPr lang="ko-KR" altLang="en-US"/>
+          </a:p>
+        </p:txBody>
+      </p:sp>
+    </p:spTree>
+    <p:extLst>
+      <p:ext uri="{BB962C8B-B14F-4D97-AF65-F5344CB8AC3E}">
+        <p14:creationId xmlns:p14="http://schemas.microsoft.com/office/powerpoint/2010/main" val="1584630631"/>
+      </p:ext>
+    </p:extLst>
+  </p:cSld>
+  <p:clrMapOvr>
+    <a:masterClrMapping/>
+  </p:clrMapOvr>
+</p:sld>
+</file>
+
+<file path=ppt/slides/slide13.xml><?xml version="1.0" encoding="utf-8"?>
+<p:sld xmlns:a="http://schemas.openxmlformats.org/drawingml/2006/main" xmlns:r="http://schemas.openxmlformats.org/officeDocument/2006/relationships" xmlns:p="http://schemas.openxmlformats.org/presentationml/2006/main">
+  <p:cSld>
+    <p:spTree>
+      <p:nvGrpSpPr>
+        <p:cNvPr id="1" name=""/>
+        <p:cNvGrpSpPr/>
+        <p:nvPr/>
+      </p:nvGrpSpPr>
+      <p:grpSpPr>
+        <a:xfrm>
+          <a:off x="0" y="0"/>
+          <a:ext cx="0" cy="0"/>
+          <a:chOff x="0" y="0"/>
+          <a:chExt cx="0" cy="0"/>
+        </a:xfrm>
+      </p:grpSpPr>
+      <p:sp>
+        <p:nvSpPr>
+          <p:cNvPr id="2" name="제목 1">
+            <a:extLst>
+              <a:ext uri="{FF2B5EF4-FFF2-40B4-BE49-F238E27FC236}">
+                <a16:creationId xmlns:a16="http://schemas.microsoft.com/office/drawing/2014/main" id="{8C9AF931-2C38-43C8-9E3C-AED4EC2E41A6}"/>
+              </a:ext>
+            </a:extLst>
+          </p:cNvPr>
+          <p:cNvSpPr>
+            <a:spLocks noGrp="1"/>
+          </p:cNvSpPr>
+          <p:nvPr>
+            <p:ph type="title"/>
+          </p:nvPr>
+        </p:nvSpPr>
+        <p:spPr>
+          <a:xfrm>
+            <a:off x="0" y="0"/>
+            <a:ext cx="12192000" cy="549275"/>
+          </a:xfrm>
+        </p:spPr>
+        <p:txBody>
+          <a:bodyPr/>
+          <a:lstStyle/>
+          <a:p>
+            <a:r>
+              <a:rPr lang="en-US" altLang="ko-KR"/>
+              <a:t>5. Modifying an Existing Session</a:t>
+            </a:r>
+            <a:endParaRPr lang="ko-KR" altLang="en-US"/>
+          </a:p>
+        </p:txBody>
+      </p:sp>
+      <p:sp>
+        <p:nvSpPr>
+          <p:cNvPr id="4" name="슬라이드 번호 개체 틀 3">
+            <a:extLst>
+              <a:ext uri="{FF2B5EF4-FFF2-40B4-BE49-F238E27FC236}">
+                <a16:creationId xmlns:a16="http://schemas.microsoft.com/office/drawing/2014/main" id="{63151CCF-057C-4F06-8A51-C3671F753532}"/>
+              </a:ext>
+            </a:extLst>
+          </p:cNvPr>
+          <p:cNvSpPr>
+            <a:spLocks noGrp="1"/>
+          </p:cNvSpPr>
+          <p:nvPr>
+            <p:ph type="sldNum" sz="quarter" idx="12"/>
+          </p:nvPr>
+        </p:nvSpPr>
+        <p:spPr/>
+        <p:txBody>
+          <a:bodyPr/>
+          <a:lstStyle/>
+          <a:p>
+            <a:fld id="{A9252A94-CC09-4928-8209-20295AE91AEF}" type="slidenum">
+              <a:rPr lang="ko-KR" altLang="en-US" smtClean="0"/>
+              <a:t>13</a:t>
+            </a:fld>
+            <a:endParaRPr lang="ko-KR" altLang="en-US"/>
+          </a:p>
+        </p:txBody>
+      </p:sp>
+    </p:spTree>
+    <p:extLst>
+      <p:ext uri="{BB962C8B-B14F-4D97-AF65-F5344CB8AC3E}">
+        <p14:creationId xmlns:p14="http://schemas.microsoft.com/office/powerpoint/2010/main" val="4134332391"/>
+      </p:ext>
+    </p:extLst>
+  </p:cSld>
+  <p:clrMapOvr>
+    <a:masterClrMapping/>
+  </p:clrMapOvr>
+</p:sld>
+</file>
+
+<file path=ppt/slides/slide14.xml><?xml version="1.0" encoding="utf-8"?>
+<p:sld xmlns:a="http://schemas.openxmlformats.org/drawingml/2006/main" xmlns:r="http://schemas.openxmlformats.org/officeDocument/2006/relationships" xmlns:p="http://schemas.openxmlformats.org/presentationml/2006/main">
+  <p:cSld>
+    <p:spTree>
+      <p:nvGrpSpPr>
+        <p:cNvPr id="1" name=""/>
+        <p:cNvGrpSpPr/>
+        <p:nvPr/>
+      </p:nvGrpSpPr>
+      <p:grpSpPr>
+        <a:xfrm>
+          <a:off x="0" y="0"/>
+          <a:ext cx="0" cy="0"/>
+          <a:chOff x="0" y="0"/>
+          <a:chExt cx="0" cy="0"/>
+        </a:xfrm>
+      </p:grpSpPr>
+      <p:sp>
+        <p:nvSpPr>
+          <p:cNvPr id="2" name="제목 1">
+            <a:extLst>
+              <a:ext uri="{FF2B5EF4-FFF2-40B4-BE49-F238E27FC236}">
+                <a16:creationId xmlns:a16="http://schemas.microsoft.com/office/drawing/2014/main" id="{8C9AF931-2C38-43C8-9E3C-AED4EC2E41A6}"/>
+              </a:ext>
+            </a:extLst>
+          </p:cNvPr>
+          <p:cNvSpPr>
+            <a:spLocks noGrp="1"/>
+          </p:cNvSpPr>
+          <p:nvPr>
+            <p:ph type="title"/>
+          </p:nvPr>
+        </p:nvSpPr>
+        <p:spPr>
+          <a:xfrm>
+            <a:off x="0" y="0"/>
+            <a:ext cx="12192000" cy="549275"/>
+          </a:xfrm>
+        </p:spPr>
+        <p:txBody>
+          <a:bodyPr/>
+          <a:lstStyle/>
+          <a:p>
+            <a:r>
+              <a:rPr lang="en-US" altLang="ko-KR"/>
+              <a:t>6. Terminating a Session</a:t>
+            </a:r>
+            <a:endParaRPr lang="ko-KR" altLang="en-US"/>
+          </a:p>
+        </p:txBody>
+      </p:sp>
+      <p:sp>
+        <p:nvSpPr>
+          <p:cNvPr id="4" name="슬라이드 번호 개체 틀 3">
+            <a:extLst>
+              <a:ext uri="{FF2B5EF4-FFF2-40B4-BE49-F238E27FC236}">
+                <a16:creationId xmlns:a16="http://schemas.microsoft.com/office/drawing/2014/main" id="{63151CCF-057C-4F06-8A51-C3671F753532}"/>
+              </a:ext>
+            </a:extLst>
+          </p:cNvPr>
+          <p:cNvSpPr>
+            <a:spLocks noGrp="1"/>
+          </p:cNvSpPr>
+          <p:nvPr>
+            <p:ph type="sldNum" sz="quarter" idx="12"/>
+          </p:nvPr>
+        </p:nvSpPr>
+        <p:spPr/>
+        <p:txBody>
+          <a:bodyPr/>
+          <a:lstStyle/>
+          <a:p>
+            <a:fld id="{A9252A94-CC09-4928-8209-20295AE91AEF}" type="slidenum">
+              <a:rPr lang="ko-KR" altLang="en-US" smtClean="0"/>
+              <a:t>14</a:t>
+            </a:fld>
+            <a:endParaRPr lang="ko-KR" altLang="en-US"/>
           </a:p>
         </p:txBody>
       </p:sp>
@@ -2274,26 +3496,26 @@
           <a:lstStyle/>
           <a:p>
             <a:r>
-              <a:rPr lang="en-US" altLang="ko-KR" dirty="0"/>
+              <a:rPr lang="en-US" altLang="ko-KR"/>
               <a:t>1.</a:t>
             </a:r>
             <a:r>
-              <a:rPr lang="ko-KR" altLang="en-US" dirty="0"/>
+              <a:rPr lang="ko-KR" altLang="en-US"/>
               <a:t> </a:t>
             </a:r>
             <a:r>
-              <a:rPr lang="en-US" altLang="ko-KR" dirty="0"/>
+              <a:rPr lang="en-US" altLang="ko-KR"/>
               <a:t>Redirect</a:t>
             </a:r>
             <a:r>
-              <a:rPr lang="ko-KR" altLang="en-US" dirty="0"/>
+              <a:rPr lang="ko-KR" altLang="en-US"/>
               <a:t> </a:t>
             </a:r>
             <a:r>
-              <a:rPr lang="en-US" altLang="ko-KR" dirty="0"/>
+              <a:rPr lang="en-US" altLang="ko-KR"/>
               <a:t>Servers (1/2)</a:t>
             </a:r>
-            <a:endParaRPr lang="ko-KR" altLang="en-US" dirty="0"/>
+            <a:endParaRPr lang="ko-KR" altLang="en-US"/>
           </a:p>
         </p:txBody>
       </p:sp>
@@ -2322,7 +3544,7 @@
               <a:rPr lang="ko-KR" altLang="en-US" smtClean="0"/>
               <a:t>2</a:t>
             </a:fld>
-            <a:endParaRPr lang="ko-KR" altLang="en-US" dirty="0"/>
+            <a:endParaRPr lang="ko-KR" altLang="en-US"/>
           </a:p>
         </p:txBody>
       </p:sp>
@@ -2355,56 +3577,56 @@
           <a:lstStyle/>
           <a:p>
             <a:r>
-              <a:rPr lang="en-US" altLang="ko-KR" sz="1400" b="1" dirty="0">
+              <a:rPr lang="en-US" altLang="ko-KR" sz="1400" b="1">
                 <a:latin typeface="Roboto" panose="02000000000000000000" pitchFamily="2" charset="0"/>
                 <a:ea typeface="Roboto" panose="02000000000000000000" pitchFamily="2" charset="0"/>
               </a:rPr>
               <a:t>Redirection</a:t>
             </a:r>
             <a:r>
-              <a:rPr lang="ko-KR" altLang="en-US" sz="1400" b="1" dirty="0"/>
+              <a:rPr lang="ko-KR" altLang="en-US" sz="1400" b="1"/>
               <a:t> 사용 목적</a:t>
             </a:r>
             <a:r>
-              <a:rPr lang="en-US" altLang="ko-KR" sz="1400" dirty="0"/>
+              <a:rPr lang="en-US" altLang="ko-KR" sz="1400"/>
               <a:t>:</a:t>
             </a:r>
           </a:p>
           <a:p>
-            <a:endParaRPr lang="en-US" altLang="ko-KR" sz="1400" dirty="0"/>
-          </a:p>
-          <a:p>
-            <a:r>
-              <a:rPr lang="ko-KR" altLang="en-US" sz="1400" dirty="0"/>
+            <a:endParaRPr lang="en-US" altLang="ko-KR" sz="1400"/>
+          </a:p>
+          <a:p>
+            <a:r>
+              <a:rPr lang="ko-KR" altLang="en-US" sz="1400"/>
               <a:t>프록시 서버의 처리 부하를 줄이고 시그널링 경로의 견고성을 개선하기 위해 사용</a:t>
             </a:r>
             <a:r>
-              <a:rPr lang="en-US" altLang="ko-KR" sz="1400" dirty="0"/>
+              <a:rPr lang="en-US" altLang="ko-KR" sz="1400"/>
               <a:t>.</a:t>
             </a:r>
           </a:p>
           <a:p>
-            <a:endParaRPr lang="en-US" altLang="ko-KR" sz="1400" dirty="0"/>
-          </a:p>
-          <a:p>
-            <a:r>
-              <a:rPr lang="en-US" altLang="ko-KR" sz="1400" dirty="0"/>
+            <a:endParaRPr lang="en-US" altLang="ko-KR" sz="1400"/>
+          </a:p>
+          <a:p>
+            <a:r>
+              <a:rPr lang="en-US" altLang="ko-KR" sz="1400"/>
               <a:t>request</a:t>
             </a:r>
             <a:r>
-              <a:rPr lang="ko-KR" altLang="en-US" sz="1400" dirty="0"/>
+              <a:rPr lang="ko-KR" altLang="en-US" sz="1400"/>
               <a:t>에 대한 라우팅 정보를 클라이언트에게 보내는 </a:t>
             </a:r>
             <a:r>
-              <a:rPr lang="en-US" altLang="ko-KR" sz="1400" dirty="0"/>
+              <a:rPr lang="en-US" altLang="ko-KR" sz="1400"/>
               <a:t>response</a:t>
             </a:r>
             <a:r>
-              <a:rPr lang="ko-KR" altLang="en-US" sz="1400" dirty="0"/>
+              <a:rPr lang="ko-KR" altLang="en-US" sz="1400"/>
               <a:t>에 넣어 보낼 수 있게 함</a:t>
             </a:r>
             <a:r>
-              <a:rPr lang="en-US" altLang="ko-KR" sz="1400" dirty="0"/>
+              <a:rPr lang="en-US" altLang="ko-KR" sz="1400"/>
               <a:t>.</a:t>
             </a:r>
           </a:p>
@@ -2534,7 +3756,7 @@
               <a:p>
                 <a:pPr algn="ctr"/>
                 <a:r>
-                  <a:rPr lang="en-US" altLang="ko-KR" dirty="0">
+                  <a:rPr lang="en-US" altLang="ko-KR">
                     <a:solidFill>
                       <a:schemeClr val="bg1"/>
                     </a:solidFill>
@@ -2544,7 +3766,7 @@
                   <a:t>redirect server</a:t>
                 </a:r>
                 <a:r>
-                  <a:rPr lang="ko-KR" altLang="en-US" dirty="0">
+                  <a:rPr lang="ko-KR" altLang="en-US">
                     <a:solidFill>
                       <a:schemeClr val="bg1"/>
                     </a:solidFill>
@@ -2588,7 +3810,7 @@
             <a:p>
               <a:pPr algn="ctr"/>
               <a:r>
-                <a:rPr lang="en-US" altLang="ko-KR" sz="1600" dirty="0">
+                <a:rPr lang="en-US" altLang="ko-KR" sz="1600">
                   <a:solidFill>
                     <a:schemeClr val="bg1"/>
                   </a:solidFill>
@@ -2598,7 +3820,7 @@
                 <a:t>(</a:t>
               </a:r>
               <a:r>
-                <a:rPr lang="en-US" altLang="ko-KR" sz="1600" dirty="0">
+                <a:rPr lang="en-US" altLang="ko-KR" sz="1600">
                   <a:solidFill>
                     <a:srgbClr val="FFC000"/>
                   </a:solidFill>
@@ -2608,7 +3830,7 @@
                 <a:t>server</a:t>
               </a:r>
               <a:r>
-                <a:rPr lang="en-US" altLang="ko-KR" sz="1600" dirty="0">
+                <a:rPr lang="en-US" altLang="ko-KR" sz="1600">
                   <a:solidFill>
                     <a:schemeClr val="bg1"/>
                   </a:solidFill>
@@ -2618,7 +3840,7 @@
                 <a:t>) </a:t>
               </a:r>
               <a:r>
-                <a:rPr lang="en-US" altLang="ko-KR" dirty="0">
+                <a:rPr lang="en-US" altLang="ko-KR">
                   <a:solidFill>
                     <a:schemeClr val="bg1"/>
                   </a:solidFill>
@@ -2627,7 +3849,7 @@
                 </a:rPr>
                 <a:t>Transaction layer</a:t>
               </a:r>
-              <a:endParaRPr lang="ko-KR" altLang="en-US" dirty="0">
+              <a:endParaRPr lang="ko-KR" altLang="en-US">
                 <a:solidFill>
                   <a:schemeClr val="bg1"/>
                 </a:solidFill>
@@ -2668,7 +3890,7 @@
             <a:p>
               <a:pPr algn="ctr"/>
               <a:r>
-                <a:rPr lang="en-US" altLang="ko-KR" b="1" dirty="0">
+                <a:rPr lang="en-US" altLang="ko-KR" b="1">
                   <a:solidFill>
                     <a:srgbClr val="FFC000"/>
                   </a:solidFill>
@@ -2678,7 +3900,7 @@
                 <a:t>T</a:t>
               </a:r>
               <a:r>
-                <a:rPr lang="en-US" altLang="ko-KR" dirty="0">
+                <a:rPr lang="en-US" altLang="ko-KR">
                   <a:solidFill>
                     <a:schemeClr val="bg1"/>
                   </a:solidFill>
@@ -2688,7 +3910,7 @@
                 <a:t>ransaction </a:t>
               </a:r>
               <a:r>
-                <a:rPr lang="en-US" altLang="ko-KR" b="1" dirty="0">
+                <a:rPr lang="en-US" altLang="ko-KR" b="1">
                   <a:solidFill>
                     <a:srgbClr val="FFC000"/>
                   </a:solidFill>
@@ -2698,7 +3920,7 @@
                 <a:t>U</a:t>
               </a:r>
               <a:r>
-                <a:rPr lang="en-US" altLang="ko-KR" dirty="0">
+                <a:rPr lang="en-US" altLang="ko-KR">
                   <a:solidFill>
                     <a:schemeClr val="bg1"/>
                   </a:solidFill>
@@ -2707,7 +3929,7 @@
                 </a:rPr>
                 <a:t>ser</a:t>
               </a:r>
-              <a:endParaRPr lang="ko-KR" altLang="en-US" b="1" dirty="0">
+              <a:endParaRPr lang="ko-KR" altLang="en-US" b="1">
                 <a:solidFill>
                   <a:schemeClr val="bg1"/>
                 </a:solidFill>
@@ -2777,7 +3999,7 @@
             <a:lstStyle/>
             <a:p>
               <a:r>
-                <a:rPr lang="en-US" altLang="ko-KR" sz="1200" dirty="0">
+                <a:rPr lang="en-US" altLang="ko-KR" sz="1200">
                   <a:solidFill>
                     <a:schemeClr val="bg1"/>
                   </a:solidFill>
@@ -2786,7 +4008,7 @@
                 </a:rPr>
                 <a:t>location service</a:t>
               </a:r>
-              <a:endParaRPr lang="ko-KR" altLang="en-US" sz="1200" dirty="0">
+              <a:endParaRPr lang="ko-KR" altLang="en-US" sz="1200">
                 <a:solidFill>
                   <a:schemeClr val="bg1"/>
                 </a:solidFill>
@@ -2871,13 +4093,13 @@
             <a:lstStyle/>
             <a:p>
               <a:r>
-                <a:rPr lang="en-US" altLang="ko-KR" sz="1400" dirty="0">
+                <a:rPr lang="en-US" altLang="ko-KR" sz="1400">
                   <a:latin typeface="Roboto" panose="02000000000000000000" pitchFamily="2" charset="0"/>
                   <a:ea typeface="Roboto" panose="02000000000000000000" pitchFamily="2" charset="0"/>
                 </a:rPr>
                 <a:t>access</a:t>
               </a:r>
-              <a:endParaRPr lang="ko-KR" altLang="en-US" sz="1400" dirty="0">
+              <a:endParaRPr lang="ko-KR" altLang="en-US" sz="1400">
                 <a:latin typeface="Roboto" panose="02000000000000000000" pitchFamily="2" charset="0"/>
               </a:endParaRPr>
             </a:p>
@@ -2913,23 +4135,23 @@
           <a:lstStyle/>
           <a:p>
             <a:r>
-              <a:rPr lang="en-US" altLang="ko-KR" sz="1400" b="1" dirty="0">
+              <a:rPr lang="en-US" altLang="ko-KR" sz="1400" b="1">
                 <a:latin typeface="Roboto" panose="02000000000000000000" pitchFamily="2" charset="0"/>
                 <a:ea typeface="Roboto" panose="02000000000000000000" pitchFamily="2" charset="0"/>
               </a:rPr>
               <a:t>Redirect Server </a:t>
             </a:r>
             <a:r>
-              <a:rPr lang="ko-KR" altLang="en-US" sz="1400" b="1" dirty="0"/>
+              <a:rPr lang="ko-KR" altLang="en-US" sz="1400" b="1"/>
               <a:t>특징</a:t>
             </a:r>
             <a:r>
-              <a:rPr lang="en-US" altLang="ko-KR" sz="1400" dirty="0"/>
+              <a:rPr lang="en-US" altLang="ko-KR" sz="1400"/>
               <a:t>:</a:t>
             </a:r>
           </a:p>
           <a:p>
-            <a:endParaRPr lang="en-US" altLang="ko-KR" sz="1400" dirty="0"/>
+            <a:endParaRPr lang="en-US" altLang="ko-KR" sz="1400"/>
           </a:p>
           <a:p>
             <a:pPr marL="285750" indent="-285750">
@@ -2937,19 +4159,19 @@
               <a:buChar char="•"/>
             </a:pPr>
             <a:r>
-              <a:rPr lang="ko-KR" altLang="en-US" sz="1400" dirty="0"/>
+              <a:rPr lang="ko-KR" altLang="en-US" sz="1400"/>
               <a:t>자체적으로 </a:t>
             </a:r>
             <a:r>
-              <a:rPr lang="en-US" altLang="ko-KR" sz="1400" dirty="0"/>
+              <a:rPr lang="en-US" altLang="ko-KR" sz="1400"/>
               <a:t>SIP </a:t>
             </a:r>
             <a:r>
-              <a:rPr lang="ko-KR" altLang="en-US" sz="1400" dirty="0"/>
+              <a:rPr lang="ko-KR" altLang="en-US" sz="1400"/>
               <a:t>요청을 발행하지 않음</a:t>
             </a:r>
             <a:r>
-              <a:rPr lang="en-US" altLang="ko-KR" sz="1400" dirty="0"/>
+              <a:rPr lang="en-US" altLang="ko-KR" sz="1400"/>
               <a:t>.</a:t>
             </a:r>
           </a:p>
@@ -2958,7 +4180,7 @@
               <a:buFont typeface="Arial" panose="020B0604020202020204" pitchFamily="34" charset="0"/>
               <a:buChar char="•"/>
             </a:pPr>
-            <a:endParaRPr lang="en-US" altLang="ko-KR" sz="1400" dirty="0"/>
+            <a:endParaRPr lang="en-US" altLang="ko-KR" sz="1400"/>
           </a:p>
           <a:p>
             <a:pPr marL="285750" indent="-285750">
@@ -2966,31 +4188,31 @@
               <a:buChar char="•"/>
             </a:pPr>
             <a:r>
-              <a:rPr lang="en-US" altLang="ko-KR" sz="1400" dirty="0"/>
+              <a:rPr lang="en-US" altLang="ko-KR" sz="1400"/>
               <a:t>CANCEL </a:t>
             </a:r>
             <a:r>
-              <a:rPr lang="ko-KR" altLang="en-US" sz="1400" dirty="0"/>
+              <a:rPr lang="ko-KR" altLang="en-US" sz="1400"/>
               <a:t>이외의 요청을 수신한 후 거부하거나 </a:t>
             </a:r>
             <a:r>
-              <a:rPr lang="en-US" altLang="ko-KR" sz="1400" dirty="0"/>
+              <a:rPr lang="en-US" altLang="ko-KR" sz="1400"/>
               <a:t>location service</a:t>
             </a:r>
             <a:r>
-              <a:rPr lang="ko-KR" altLang="en-US" sz="1400" dirty="0"/>
+              <a:rPr lang="ko-KR" altLang="en-US" sz="1400"/>
               <a:t>로 부터 데이터를 수집하여 </a:t>
             </a:r>
             <a:r>
-              <a:rPr lang="en-US" altLang="ko-KR" sz="1400" dirty="0"/>
+              <a:rPr lang="en-US" altLang="ko-KR" sz="1400"/>
               <a:t>3xx</a:t>
             </a:r>
             <a:r>
-              <a:rPr lang="ko-KR" altLang="en-US" sz="1400" dirty="0"/>
+              <a:rPr lang="ko-KR" altLang="en-US" sz="1400"/>
               <a:t> 최종 응답을 반환</a:t>
             </a:r>
             <a:r>
-              <a:rPr lang="en-US" altLang="ko-KR" sz="1400" dirty="0"/>
+              <a:rPr lang="en-US" altLang="ko-KR" sz="1400"/>
               <a:t>.</a:t>
             </a:r>
           </a:p>
@@ -2999,7 +4221,7 @@
               <a:buFont typeface="Arial" panose="020B0604020202020204" pitchFamily="34" charset="0"/>
               <a:buChar char="•"/>
             </a:pPr>
-            <a:endParaRPr lang="en-US" altLang="ko-KR" sz="1400" dirty="0"/>
+            <a:endParaRPr lang="en-US" altLang="ko-KR" sz="1400"/>
           </a:p>
           <a:p>
             <a:pPr marL="285750" indent="-285750">
@@ -3007,19 +4229,19 @@
               <a:buChar char="•"/>
             </a:pPr>
             <a:r>
-              <a:rPr lang="ko-KR" altLang="en-US" sz="1400" dirty="0"/>
+              <a:rPr lang="ko-KR" altLang="en-US" sz="1400"/>
               <a:t>인식할 수 없는 헤더 필드는 무시하고 해당 </a:t>
             </a:r>
             <a:r>
-              <a:rPr lang="ko-KR" altLang="en-US" sz="1400" dirty="0" err="1"/>
+              <a:rPr lang="ko-KR" altLang="en-US" sz="1400" err="1"/>
               <a:t>리디렉션</a:t>
             </a:r>
             <a:r>
-              <a:rPr lang="ko-KR" altLang="en-US" sz="1400" dirty="0"/>
+              <a:rPr lang="ko-KR" altLang="en-US" sz="1400"/>
               <a:t> 진행</a:t>
             </a:r>
             <a:r>
-              <a:rPr lang="en-US" altLang="ko-KR" sz="1400" dirty="0"/>
+              <a:rPr lang="en-US" altLang="ko-KR" sz="1400"/>
               <a:t>.</a:t>
             </a:r>
           </a:p>
@@ -3127,26 +4349,26 @@
           <a:lstStyle/>
           <a:p>
             <a:r>
-              <a:rPr lang="en-US" altLang="ko-KR" dirty="0"/>
+              <a:rPr lang="en-US" altLang="ko-KR"/>
               <a:t>1.</a:t>
             </a:r>
             <a:r>
-              <a:rPr lang="ko-KR" altLang="en-US" dirty="0"/>
+              <a:rPr lang="ko-KR" altLang="en-US"/>
               <a:t> </a:t>
             </a:r>
             <a:r>
-              <a:rPr lang="en-US" altLang="ko-KR" dirty="0"/>
+              <a:rPr lang="en-US" altLang="ko-KR"/>
               <a:t>Redirect</a:t>
             </a:r>
             <a:r>
-              <a:rPr lang="ko-KR" altLang="en-US" dirty="0"/>
+              <a:rPr lang="ko-KR" altLang="en-US"/>
               <a:t> </a:t>
             </a:r>
             <a:r>
-              <a:rPr lang="en-US" altLang="ko-KR" dirty="0"/>
+              <a:rPr lang="en-US" altLang="ko-KR"/>
               <a:t>Servers (2/2)</a:t>
             </a:r>
-            <a:endParaRPr lang="ko-KR" altLang="en-US" dirty="0"/>
+            <a:endParaRPr lang="ko-KR" altLang="en-US"/>
           </a:p>
         </p:txBody>
       </p:sp>
@@ -3180,7 +4402,7 @@
               <a:rPr lang="ko-KR" altLang="en-US" smtClean="0"/>
               <a:t>3</a:t>
             </a:fld>
-            <a:endParaRPr lang="ko-KR" altLang="en-US" dirty="0"/>
+            <a:endParaRPr lang="ko-KR" altLang="en-US"/>
           </a:p>
         </p:txBody>
       </p:sp>
@@ -3214,27 +4436,27 @@
           <a:p>
             <a:pPr defTabSz="360000"/>
             <a:r>
-              <a:rPr lang="en-US" altLang="ko-KR" sz="1400" b="1" dirty="0">
+              <a:rPr lang="en-US" altLang="ko-KR" sz="1400" b="1">
                 <a:latin typeface="Roboto" panose="02000000000000000000" pitchFamily="2" charset="0"/>
                 <a:ea typeface="Roboto" panose="02000000000000000000" pitchFamily="2" charset="0"/>
               </a:rPr>
               <a:t>Redirect Server</a:t>
             </a:r>
             <a:r>
-              <a:rPr lang="ko-KR" altLang="en-US" sz="1400" b="1" dirty="0">
+              <a:rPr lang="ko-KR" altLang="en-US" sz="1400" b="1">
                 <a:latin typeface="Roboto" panose="02000000000000000000" pitchFamily="2" charset="0"/>
               </a:rPr>
               <a:t> </a:t>
             </a:r>
             <a:r>
-              <a:rPr lang="ko-KR" altLang="en-US" sz="1400" b="1" dirty="0"/>
+              <a:rPr lang="ko-KR" altLang="en-US" sz="1400" b="1"/>
               <a:t>규칙</a:t>
             </a:r>
-            <a:endParaRPr lang="en-US" altLang="ko-KR" sz="1400" b="1" dirty="0"/>
+            <a:endParaRPr lang="en-US" altLang="ko-KR" sz="1400" b="1"/>
           </a:p>
           <a:p>
             <a:pPr defTabSz="360000"/>
-            <a:endParaRPr lang="en-US" altLang="ko-KR" sz="1400" dirty="0"/>
+            <a:endParaRPr lang="en-US" altLang="ko-KR" sz="1400"/>
           </a:p>
           <a:p>
             <a:pPr marL="285750" indent="-285750" defTabSz="360000">
@@ -3242,23 +4464,23 @@
               <a:buChar char="•"/>
             </a:pPr>
             <a:r>
-              <a:rPr lang="en-US" altLang="ko-KR" sz="1400" dirty="0"/>
+              <a:rPr lang="en-US" altLang="ko-KR" sz="1400"/>
               <a:t>3xx </a:t>
             </a:r>
             <a:r>
-              <a:rPr lang="ko-KR" altLang="en-US" sz="1400" dirty="0"/>
+              <a:rPr lang="ko-KR" altLang="en-US" sz="1400"/>
               <a:t>응답을 반환하면 </a:t>
             </a:r>
             <a:r>
-              <a:rPr lang="en-US" altLang="ko-KR" sz="1400" dirty="0"/>
+              <a:rPr lang="en-US" altLang="ko-KR" sz="1400"/>
               <a:t>Contact </a:t>
             </a:r>
             <a:r>
-              <a:rPr lang="ko-KR" altLang="en-US" sz="1400" dirty="0"/>
+              <a:rPr lang="ko-KR" altLang="en-US" sz="1400"/>
               <a:t>헤더에 하나 이상의 대체 가능한 위치 집합을 포함시킴</a:t>
             </a:r>
             <a:r>
-              <a:rPr lang="en-US" altLang="ko-KR" sz="1400" dirty="0"/>
+              <a:rPr lang="en-US" altLang="ko-KR" sz="1400"/>
               <a:t>.</a:t>
             </a:r>
           </a:p>
@@ -3267,87 +4489,87 @@
               <a:buFont typeface="Arial" panose="020B0604020202020204" pitchFamily="34" charset="0"/>
               <a:buChar char="•"/>
             </a:pPr>
-            <a:endParaRPr lang="en-US" altLang="ko-KR" sz="1400" dirty="0"/>
+            <a:endParaRPr lang="en-US" altLang="ko-KR" sz="1400"/>
           </a:p>
           <a:p>
             <a:pPr defTabSz="360000"/>
             <a:r>
-              <a:rPr lang="en-US" altLang="ko-KR" sz="1200" dirty="0"/>
+              <a:rPr lang="en-US" altLang="ko-KR" sz="1200"/>
               <a:t>	- Contact </a:t>
             </a:r>
             <a:r>
-              <a:rPr lang="ko-KR" altLang="en-US" sz="1200" dirty="0"/>
+              <a:rPr lang="ko-KR" altLang="en-US" sz="1200"/>
               <a:t>데이터 수명을 나타내기 위해 </a:t>
             </a:r>
             <a:r>
-              <a:rPr lang="en-US" altLang="ko-KR" sz="1200" dirty="0"/>
+              <a:rPr lang="en-US" altLang="ko-KR" sz="1200"/>
               <a:t>“expires” </a:t>
             </a:r>
             <a:r>
-              <a:rPr lang="ko-KR" altLang="en-US" sz="1200" dirty="0"/>
+              <a:rPr lang="ko-KR" altLang="en-US" sz="1200"/>
               <a:t>매개 변수를 제공할 수 있음</a:t>
             </a:r>
             <a:r>
-              <a:rPr lang="en-US" altLang="ko-KR" sz="1200" dirty="0"/>
+              <a:rPr lang="en-US" altLang="ko-KR" sz="1200"/>
               <a:t>.</a:t>
             </a:r>
             <a:r>
-              <a:rPr lang="ko-KR" altLang="en-US" sz="1200" dirty="0"/>
+              <a:rPr lang="ko-KR" altLang="en-US" sz="1200"/>
               <a:t> </a:t>
             </a:r>
-            <a:endParaRPr lang="en-US" altLang="ko-KR" sz="1200" dirty="0"/>
+            <a:endParaRPr lang="en-US" altLang="ko-KR" sz="1200"/>
           </a:p>
           <a:p>
             <a:pPr defTabSz="360000"/>
             <a:r>
-              <a:rPr lang="en-US" altLang="ko-KR" sz="1200" dirty="0"/>
+              <a:rPr lang="en-US" altLang="ko-KR" sz="1200"/>
               <a:t>	</a:t>
             </a:r>
           </a:p>
           <a:p>
             <a:pPr defTabSz="360000"/>
             <a:r>
-              <a:rPr lang="en-US" altLang="ko-KR" sz="1200" dirty="0"/>
+              <a:rPr lang="en-US" altLang="ko-KR" sz="1200"/>
               <a:t>	- Contact </a:t>
             </a:r>
             <a:r>
-              <a:rPr lang="ko-KR" altLang="en-US" sz="1200" dirty="0"/>
+              <a:rPr lang="ko-KR" altLang="en-US" sz="1200"/>
               <a:t>헤더에 들어가는 값은 </a:t>
             </a:r>
             <a:r>
-              <a:rPr lang="en-US" altLang="ko-KR" sz="1200" dirty="0"/>
+              <a:rPr lang="en-US" altLang="ko-KR" sz="1200"/>
               <a:t>SIP, SIPS </a:t>
             </a:r>
             <a:r>
-              <a:rPr lang="ko-KR" altLang="en-US" sz="1200" dirty="0"/>
+              <a:rPr lang="ko-KR" altLang="en-US" sz="1200"/>
               <a:t>뿐만 아니라 </a:t>
             </a:r>
             <a:r>
-              <a:rPr lang="en-US" altLang="ko-KR" sz="1200" dirty="0"/>
+              <a:rPr lang="en-US" altLang="ko-KR" sz="1200"/>
               <a:t>phone, fax, </a:t>
             </a:r>
             <a:r>
-              <a:rPr lang="en-US" altLang="ko-KR" sz="1200" dirty="0" err="1"/>
+              <a:rPr lang="en-US" altLang="ko-KR" sz="1200" err="1"/>
               <a:t>mailto</a:t>
             </a:r>
             <a:r>
-              <a:rPr lang="en-US" altLang="ko-KR" sz="1200" dirty="0"/>
+              <a:rPr lang="en-US" altLang="ko-KR" sz="1200"/>
               <a:t> </a:t>
             </a:r>
             <a:r>
-              <a:rPr lang="ko-KR" altLang="en-US" sz="1200" dirty="0"/>
+              <a:rPr lang="ko-KR" altLang="en-US" sz="1200"/>
               <a:t>등 </a:t>
             </a:r>
             <a:r>
-              <a:rPr lang="en-US" altLang="ko-KR" sz="1200" dirty="0"/>
+              <a:rPr lang="en-US" altLang="ko-KR" sz="1200"/>
               <a:t>URL</a:t>
             </a:r>
             <a:r>
-              <a:rPr lang="ko-KR" altLang="en-US" sz="1200" dirty="0"/>
+              <a:rPr lang="ko-KR" altLang="en-US" sz="1200"/>
               <a:t>을 포함 가능</a:t>
             </a:r>
             <a:r>
-              <a:rPr lang="en-US" altLang="ko-KR" sz="1200" dirty="0"/>
+              <a:rPr lang="en-US" altLang="ko-KR" sz="1200"/>
               <a:t>.</a:t>
             </a:r>
           </a:p>
@@ -3356,7 +4578,7 @@
               <a:buFont typeface="Arial" panose="020B0604020202020204" pitchFamily="34" charset="0"/>
               <a:buChar char="•"/>
             </a:pPr>
-            <a:endParaRPr lang="en-US" altLang="ko-KR" sz="1400" dirty="0"/>
+            <a:endParaRPr lang="en-US" altLang="ko-KR" sz="1400"/>
           </a:p>
           <a:p>
             <a:pPr marL="285750" indent="-285750" defTabSz="360000">
@@ -3364,61 +4586,61 @@
               <a:buChar char="•"/>
             </a:pPr>
             <a:r>
-              <a:rPr lang="en-US" altLang="ko-KR" sz="1400" dirty="0"/>
+              <a:rPr lang="en-US" altLang="ko-KR" sz="1400"/>
               <a:t>redirect </a:t>
             </a:r>
             <a:r>
-              <a:rPr lang="ko-KR" altLang="en-US" sz="1400" dirty="0"/>
+              <a:rPr lang="ko-KR" altLang="en-US" sz="1400"/>
               <a:t>서버는 </a:t>
             </a:r>
             <a:r>
-              <a:rPr lang="en-US" altLang="ko-KR" sz="1400" dirty="0"/>
+              <a:rPr lang="en-US" altLang="ko-KR" sz="1400"/>
               <a:t>Request-URI</a:t>
             </a:r>
             <a:r>
-              <a:rPr lang="ko-KR" altLang="en-US" sz="1400" dirty="0"/>
+              <a:rPr lang="ko-KR" altLang="en-US" sz="1400"/>
               <a:t>와 동일한 </a:t>
             </a:r>
             <a:r>
-              <a:rPr lang="en-US" altLang="ko-KR" sz="1400" dirty="0"/>
+              <a:rPr lang="en-US" altLang="ko-KR" sz="1400"/>
               <a:t>URI</a:t>
             </a:r>
             <a:r>
-              <a:rPr lang="ko-KR" altLang="en-US" sz="1400" dirty="0"/>
+              <a:rPr lang="ko-KR" altLang="en-US" sz="1400"/>
               <a:t>로 요청을 리디렉션해선 안됨</a:t>
             </a:r>
             <a:r>
-              <a:rPr lang="en-US" altLang="ko-KR" sz="1400" dirty="0"/>
+              <a:rPr lang="en-US" altLang="ko-KR" sz="1400"/>
               <a:t>.</a:t>
             </a:r>
           </a:p>
           <a:p>
             <a:pPr defTabSz="360000"/>
             <a:r>
-              <a:rPr lang="en-US" altLang="ko-KR" sz="1400" dirty="0"/>
+              <a:rPr lang="en-US" altLang="ko-KR" sz="1400"/>
               <a:t>		</a:t>
             </a:r>
           </a:p>
           <a:p>
             <a:pPr defTabSz="360000"/>
             <a:r>
-              <a:rPr lang="en-US" altLang="ko-KR" sz="1200" dirty="0"/>
+              <a:rPr lang="en-US" altLang="ko-KR" sz="1200"/>
               <a:t>	- </a:t>
             </a:r>
             <a:r>
-              <a:rPr lang="ko-KR" altLang="en-US" sz="1200" dirty="0"/>
+              <a:rPr lang="ko-KR" altLang="en-US" sz="1200"/>
               <a:t>요청이 원래 주소로 다시 돌아가는 무한 </a:t>
             </a:r>
             <a:r>
-              <a:rPr lang="ko-KR" altLang="en-US" sz="1200" dirty="0" err="1"/>
+              <a:rPr lang="ko-KR" altLang="en-US" sz="1200" err="1"/>
               <a:t>리디렉션을</a:t>
             </a:r>
             <a:r>
-              <a:rPr lang="ko-KR" altLang="en-US" sz="1200" dirty="0"/>
+              <a:rPr lang="ko-KR" altLang="en-US" sz="1200"/>
               <a:t> 방지하기 위한 제약 조건</a:t>
             </a:r>
             <a:r>
-              <a:rPr lang="en-US" altLang="ko-KR" sz="1200" dirty="0"/>
+              <a:rPr lang="en-US" altLang="ko-KR" sz="1200"/>
               <a:t>.</a:t>
             </a:r>
           </a:p>
@@ -3465,23 +4687,23 @@
               </a:lnSpc>
             </a:pPr>
             <a:r>
-              <a:rPr lang="en-US" altLang="ko-KR" sz="1050" dirty="0"/>
+              <a:rPr lang="en-US" altLang="ko-KR" sz="1050"/>
               <a:t>“expires” </a:t>
             </a:r>
             <a:r>
-              <a:rPr lang="ko-KR" altLang="en-US" sz="1050" dirty="0"/>
+              <a:rPr lang="ko-KR" altLang="en-US" sz="1050"/>
               <a:t>매개변수는 </a:t>
             </a:r>
             <a:r>
-              <a:rPr lang="en-US" altLang="ko-KR" sz="1050" dirty="0"/>
+              <a:rPr lang="en-US" altLang="ko-KR" sz="1050"/>
               <a:t>URI</a:t>
             </a:r>
             <a:r>
-              <a:rPr lang="ko-KR" altLang="en-US" sz="1050" dirty="0"/>
+              <a:rPr lang="ko-KR" altLang="en-US" sz="1050"/>
               <a:t>가 얼마나 오래 유효한지를 나타내는 데 사용된다</a:t>
             </a:r>
             <a:r>
-              <a:rPr lang="en-US" altLang="ko-KR" sz="1050" dirty="0"/>
+              <a:rPr lang="en-US" altLang="ko-KR" sz="1050"/>
               <a:t>.</a:t>
             </a:r>
           </a:p>
@@ -3492,33 +4714,33 @@
               </a:lnSpc>
             </a:pPr>
             <a:r>
-              <a:rPr lang="ko-KR" altLang="en-US" sz="1050" dirty="0"/>
+              <a:rPr lang="ko-KR" altLang="en-US" sz="1050"/>
               <a:t>이 매개변수의 값은 초를 나타내는 숫자이며</a:t>
             </a:r>
             <a:r>
-              <a:rPr lang="en-US" altLang="ko-KR" sz="1050" dirty="0"/>
+              <a:rPr lang="en-US" altLang="ko-KR" sz="1050"/>
               <a:t>, </a:t>
             </a:r>
             <a:r>
-              <a:rPr lang="ko-KR" altLang="en-US" sz="1050" dirty="0"/>
+              <a:rPr lang="ko-KR" altLang="en-US" sz="1050"/>
               <a:t>제공하지 않으면 </a:t>
             </a:r>
             <a:r>
-              <a:rPr lang="en-US" altLang="ko-KR" sz="1050" b="1" dirty="0">
+              <a:rPr lang="en-US" altLang="ko-KR" sz="1050" b="1">
                 <a:latin typeface="Roboto" panose="02000000000000000000" pitchFamily="2" charset="0"/>
                 <a:ea typeface="Roboto" panose="02000000000000000000" pitchFamily="2" charset="0"/>
               </a:rPr>
               <a:t>Expires</a:t>
             </a:r>
             <a:r>
-              <a:rPr lang="en-US" altLang="ko-KR" sz="1050" dirty="0"/>
+              <a:rPr lang="en-US" altLang="ko-KR" sz="1050"/>
               <a:t> </a:t>
             </a:r>
             <a:r>
-              <a:rPr lang="ko-KR" altLang="en-US" sz="1050" dirty="0"/>
+              <a:rPr lang="ko-KR" altLang="en-US" sz="1050"/>
               <a:t>헤더 필드 값에 따라 </a:t>
             </a:r>
-            <a:endParaRPr lang="en-US" altLang="ko-KR" sz="1050" dirty="0"/>
+            <a:endParaRPr lang="en-US" altLang="ko-KR" sz="1050"/>
           </a:p>
           <a:p>
             <a:pPr>
@@ -3527,30 +4749,30 @@
               </a:lnSpc>
             </a:pPr>
             <a:r>
-              <a:rPr lang="ko-KR" altLang="en-US" sz="1050" dirty="0"/>
+              <a:rPr lang="ko-KR" altLang="en-US" sz="1050"/>
               <a:t>유효기간이 결정된다</a:t>
             </a:r>
             <a:r>
-              <a:rPr lang="en-US" altLang="ko-KR" sz="1050" dirty="0"/>
+              <a:rPr lang="en-US" altLang="ko-KR" sz="1050"/>
               <a:t>. </a:t>
             </a:r>
             <a:r>
-              <a:rPr lang="ko-KR" altLang="en-US" sz="1050" dirty="0"/>
+              <a:rPr lang="ko-KR" altLang="en-US" sz="1050"/>
               <a:t>잘못된 값은 </a:t>
             </a:r>
             <a:r>
-              <a:rPr lang="en-US" altLang="ko-KR" sz="1050" dirty="0"/>
+              <a:rPr lang="en-US" altLang="ko-KR" sz="1050"/>
               <a:t>3600</a:t>
             </a:r>
             <a:r>
-              <a:rPr lang="ko-KR" altLang="en-US" sz="1050" dirty="0"/>
+              <a:rPr lang="ko-KR" altLang="en-US" sz="1050"/>
               <a:t>초로 처리해야 한다</a:t>
             </a:r>
             <a:r>
-              <a:rPr lang="en-US" altLang="ko-KR" sz="1050" dirty="0"/>
+              <a:rPr lang="en-US" altLang="ko-KR" sz="1050"/>
               <a:t>.</a:t>
             </a:r>
-            <a:endParaRPr lang="ko-KR" altLang="en-US" sz="1050" dirty="0"/>
+            <a:endParaRPr lang="ko-KR" altLang="en-US" sz="1050"/>
           </a:p>
         </p:txBody>
       </p:sp>
@@ -3571,8 +4793,8 @@
         </p:nvCxnSpPr>
         <p:spPr>
           <a:xfrm>
-            <a:off x="6350794" y="2214563"/>
-            <a:ext cx="2050662" cy="1791558"/>
+            <a:off x="6482862" y="2239108"/>
+            <a:ext cx="1918594" cy="1767013"/>
           </a:xfrm>
           <a:prstGeom prst="bentConnector2">
             <a:avLst/>
@@ -3669,10 +4891,10 @@
             <a:p>
               <a:pPr algn="ctr"/>
               <a:r>
-                <a:rPr lang="en-US" altLang="ko-KR" dirty="0"/>
+                <a:rPr lang="en-US" altLang="ko-KR"/>
                 <a:t>A</a:t>
               </a:r>
-              <a:endParaRPr lang="ko-KR" altLang="en-US" dirty="0"/>
+              <a:endParaRPr lang="ko-KR" altLang="en-US"/>
             </a:p>
           </p:txBody>
         </p:sp>
@@ -3727,10 +4949,10 @@
             <a:p>
               <a:pPr algn="ctr"/>
               <a:r>
-                <a:rPr lang="en-US" altLang="ko-KR" dirty="0"/>
+                <a:rPr lang="en-US" altLang="ko-KR"/>
                 <a:t>B</a:t>
               </a:r>
-              <a:endParaRPr lang="ko-KR" altLang="en-US" dirty="0"/>
+              <a:endParaRPr lang="ko-KR" altLang="en-US"/>
             </a:p>
           </p:txBody>
         </p:sp>
@@ -3926,11 +5148,11 @@
             <a:lstStyle/>
             <a:p>
               <a:r>
-                <a:rPr lang="en-US" altLang="ko-KR" sz="1400" dirty="0"/>
+                <a:rPr lang="en-US" altLang="ko-KR" sz="1400"/>
                 <a:t>B </a:t>
               </a:r>
               <a:r>
-                <a:rPr lang="ko-KR" altLang="en-US" sz="1400" dirty="0"/>
+                <a:rPr lang="ko-KR" altLang="en-US" sz="1400"/>
                 <a:t>에게</a:t>
               </a:r>
             </a:p>
@@ -3965,19 +5187,19 @@
             <a:lstStyle/>
             <a:p>
               <a:r>
-                <a:rPr lang="en-US" altLang="ko-KR" sz="1400" dirty="0"/>
+                <a:rPr lang="en-US" altLang="ko-KR" sz="1400"/>
                 <a:t>B </a:t>
               </a:r>
               <a:r>
-                <a:rPr lang="ko-KR" altLang="en-US" sz="1400" dirty="0"/>
+                <a:rPr lang="ko-KR" altLang="en-US" sz="1400"/>
                 <a:t>에게 </a:t>
               </a:r>
               <a:r>
-                <a:rPr lang="en-US" altLang="ko-KR" sz="1400" dirty="0"/>
+                <a:rPr lang="en-US" altLang="ko-KR" sz="1400"/>
                 <a:t>redirect </a:t>
               </a:r>
               <a:r>
-                <a:rPr lang="ko-KR" altLang="en-US" sz="1400" dirty="0"/>
+                <a:rPr lang="ko-KR" altLang="en-US" sz="1400"/>
                 <a:t>해</a:t>
               </a:r>
             </a:p>
@@ -4020,28 +5242,28 @@
           <a:lstStyle/>
           <a:p>
             <a:r>
-              <a:rPr lang="en-US" altLang="ko-KR" sz="1300" dirty="0">
+              <a:rPr lang="en-US" altLang="ko-KR" sz="1300">
                 <a:latin typeface="Roboto" panose="02000000000000000000" pitchFamily="2" charset="0"/>
                 <a:ea typeface="Roboto" panose="02000000000000000000" pitchFamily="2" charset="0"/>
               </a:rPr>
               <a:t>Contact: &lt;</a:t>
             </a:r>
             <a:r>
-              <a:rPr lang="en-US" altLang="ko-KR" sz="1300" dirty="0" err="1">
+              <a:rPr lang="en-US" altLang="ko-KR" sz="1300" err="1">
                 <a:latin typeface="Roboto" panose="02000000000000000000" pitchFamily="2" charset="0"/>
                 <a:ea typeface="Roboto" panose="02000000000000000000" pitchFamily="2" charset="0"/>
               </a:rPr>
               <a:t>sip:alice@example.com</a:t>
             </a:r>
             <a:r>
-              <a:rPr lang="en-US" altLang="ko-KR" sz="1300" dirty="0">
+              <a:rPr lang="en-US" altLang="ko-KR" sz="1300">
                 <a:latin typeface="Roboto" panose="02000000000000000000" pitchFamily="2" charset="0"/>
                 <a:ea typeface="Roboto" panose="02000000000000000000" pitchFamily="2" charset="0"/>
               </a:rPr>
               <a:t>&gt;;</a:t>
             </a:r>
             <a:r>
-              <a:rPr lang="en-US" altLang="ko-KR" sz="1300" dirty="0">
+              <a:rPr lang="en-US" altLang="ko-KR" sz="1300">
                 <a:solidFill>
                   <a:srgbClr val="0000FF"/>
                 </a:solidFill>
@@ -4051,28 +5273,28 @@
               <a:t>expires=3600</a:t>
             </a:r>
             <a:r>
-              <a:rPr lang="en-US" altLang="ko-KR" sz="1300" dirty="0">
+              <a:rPr lang="en-US" altLang="ko-KR" sz="1300">
                 <a:latin typeface="Roboto" panose="02000000000000000000" pitchFamily="2" charset="0"/>
                 <a:ea typeface="Roboto" panose="02000000000000000000" pitchFamily="2" charset="0"/>
               </a:rPr>
               <a:t>, &lt;</a:t>
             </a:r>
             <a:r>
-              <a:rPr lang="en-US" altLang="ko-KR" sz="1300" dirty="0" err="1">
+              <a:rPr lang="en-US" altLang="ko-KR" sz="1300" err="1">
                 <a:latin typeface="Roboto" panose="02000000000000000000" pitchFamily="2" charset="0"/>
                 <a:ea typeface="Roboto" panose="02000000000000000000" pitchFamily="2" charset="0"/>
               </a:rPr>
               <a:t>sip:bob@example.com</a:t>
             </a:r>
             <a:r>
-              <a:rPr lang="en-US" altLang="ko-KR" sz="1300" dirty="0">
+              <a:rPr lang="en-US" altLang="ko-KR" sz="1300">
                 <a:latin typeface="Roboto" panose="02000000000000000000" pitchFamily="2" charset="0"/>
                 <a:ea typeface="Roboto" panose="02000000000000000000" pitchFamily="2" charset="0"/>
               </a:rPr>
               <a:t>&gt;;</a:t>
             </a:r>
             <a:r>
-              <a:rPr lang="en-US" altLang="ko-KR" sz="1300" dirty="0">
+              <a:rPr lang="en-US" altLang="ko-KR" sz="1300">
                 <a:solidFill>
                   <a:srgbClr val="0000FF"/>
                 </a:solidFill>
@@ -4081,7 +5303,7 @@
               </a:rPr>
               <a:t>expires=7200</a:t>
             </a:r>
-            <a:endParaRPr lang="ko-KR" altLang="en-US" sz="1300" dirty="0">
+            <a:endParaRPr lang="ko-KR" altLang="en-US" sz="1300">
               <a:solidFill>
                 <a:srgbClr val="0000FF"/>
               </a:solidFill>
@@ -4147,11 +5369,11 @@
           <a:lstStyle/>
           <a:p>
             <a:r>
-              <a:rPr lang="en-US" altLang="ko-KR" dirty="0"/>
+              <a:rPr lang="en-US" altLang="ko-KR"/>
               <a:t>2. Registrations – </a:t>
             </a:r>
             <a:r>
-              <a:rPr lang="ko-KR" altLang="en-US" dirty="0"/>
+              <a:rPr lang="ko-KR" altLang="en-US"/>
               <a:t>용어 정리</a:t>
             </a:r>
           </a:p>
@@ -4182,7 +5404,7 @@
               <a:rPr lang="ko-KR" altLang="en-US" smtClean="0"/>
               <a:t>4</a:t>
             </a:fld>
-            <a:endParaRPr lang="ko-KR" altLang="en-US" dirty="0"/>
+            <a:endParaRPr lang="ko-KR" altLang="en-US"/>
           </a:p>
         </p:txBody>
       </p:sp>
@@ -4220,7 +5442,7 @@
               </a:lnSpc>
             </a:pPr>
             <a:r>
-              <a:rPr lang="en-US" altLang="ko-KR" sz="1400" b="1" u="sng" dirty="0">
+              <a:rPr lang="en-US" altLang="ko-KR" sz="1400" b="1" u="sng">
                 <a:latin typeface="Roboto" panose="02000000000000000000" pitchFamily="2" charset="0"/>
                 <a:ea typeface="Roboto" panose="02000000000000000000" pitchFamily="2" charset="0"/>
               </a:rPr>
@@ -4236,24 +5458,24 @@
               <a:buChar char="•"/>
             </a:pPr>
             <a:r>
-              <a:rPr lang="ko-KR" altLang="en-US" sz="1200" dirty="0">
+              <a:rPr lang="ko-KR" altLang="en-US" sz="1200">
                 <a:latin typeface="+mn-ea"/>
               </a:rPr>
               <a:t>사용자의 공개 주소 </a:t>
             </a:r>
             <a:r>
-              <a:rPr lang="en-US" altLang="ko-KR" sz="1200" dirty="0">
+              <a:rPr lang="en-US" altLang="ko-KR" sz="1200">
                 <a:latin typeface="+mn-ea"/>
               </a:rPr>
               <a:t>(public address)</a:t>
             </a:r>
             <a:r>
-              <a:rPr lang="ko-KR" altLang="en-US" sz="1200" dirty="0">
+              <a:rPr lang="ko-KR" altLang="en-US" sz="1200">
                 <a:latin typeface="+mn-ea"/>
               </a:rPr>
               <a:t>로 간주</a:t>
             </a:r>
-            <a:endParaRPr lang="en-US" altLang="ko-KR" sz="1200" dirty="0">
+            <a:endParaRPr lang="en-US" altLang="ko-KR" sz="1200">
               <a:latin typeface="+mn-ea"/>
             </a:endParaRPr>
           </a:p>
@@ -4266,12 +5488,12 @@
               <a:buChar char="•"/>
             </a:pPr>
             <a:r>
-              <a:rPr lang="ko-KR" altLang="en-US" sz="1200" dirty="0">
+              <a:rPr lang="ko-KR" altLang="en-US" sz="1200">
                 <a:latin typeface="+mn-ea"/>
               </a:rPr>
               <a:t>사용자를 식별하기 위한 주소로 사용</a:t>
             </a:r>
-            <a:endParaRPr lang="en-US" altLang="ko-KR" sz="1200" dirty="0">
+            <a:endParaRPr lang="en-US" altLang="ko-KR" sz="1200">
               <a:latin typeface="+mn-ea"/>
             </a:endParaRPr>
           </a:p>
@@ -4284,36 +5506,36 @@
               <a:buChar char="•"/>
             </a:pPr>
             <a:r>
-              <a:rPr lang="ko-KR" altLang="en-US" sz="1200" dirty="0">
+              <a:rPr lang="ko-KR" altLang="en-US" sz="1200">
                 <a:latin typeface="+mn-ea"/>
               </a:rPr>
               <a:t>일반적으로 </a:t>
             </a:r>
             <a:r>
-              <a:rPr lang="en-US" altLang="ko-KR" sz="1200" dirty="0">
+              <a:rPr lang="en-US" altLang="ko-KR" sz="1200">
                 <a:latin typeface="+mn-ea"/>
               </a:rPr>
               <a:t>SIP or SIPS URI </a:t>
             </a:r>
             <a:r>
-              <a:rPr lang="ko-KR" altLang="en-US" sz="1200" dirty="0">
+              <a:rPr lang="ko-KR" altLang="en-US" sz="1200">
                 <a:latin typeface="+mn-ea"/>
               </a:rPr>
               <a:t>형식이며</a:t>
             </a:r>
             <a:r>
-              <a:rPr lang="en-US" altLang="ko-KR" sz="1200" dirty="0">
+              <a:rPr lang="en-US" altLang="ko-KR" sz="1200">
                 <a:latin typeface="+mn-ea"/>
               </a:rPr>
               <a:t>, </a:t>
             </a:r>
             <a:r>
-              <a:rPr lang="ko-KR" altLang="en-US" sz="1200" dirty="0">
+              <a:rPr lang="ko-KR" altLang="en-US" sz="1200">
                 <a:latin typeface="+mn-ea"/>
               </a:rPr>
               <a:t>도메인을 포함</a:t>
             </a:r>
-            <a:endParaRPr lang="en-US" altLang="ko-KR" sz="1200" dirty="0">
+            <a:endParaRPr lang="en-US" altLang="ko-KR" sz="1200">
               <a:latin typeface="+mn-ea"/>
             </a:endParaRPr>
           </a:p>
@@ -4326,37 +5548,37 @@
               <a:buChar char="•"/>
             </a:pPr>
             <a:r>
-              <a:rPr lang="en-US" altLang="ko-KR" sz="1200" dirty="0">
+              <a:rPr lang="en-US" altLang="ko-KR" sz="1200">
                 <a:latin typeface="Roboto" panose="02000000000000000000" pitchFamily="2" charset="0"/>
                 <a:ea typeface="Roboto" panose="02000000000000000000" pitchFamily="2" charset="0"/>
               </a:rPr>
               <a:t>ex)</a:t>
             </a:r>
             <a:r>
-              <a:rPr lang="ko-KR" altLang="en-US" sz="1200" dirty="0">
+              <a:rPr lang="ko-KR" altLang="en-US" sz="1200">
                 <a:latin typeface="Roboto" panose="02000000000000000000" pitchFamily="2" charset="0"/>
               </a:rPr>
               <a:t> </a:t>
             </a:r>
             <a:r>
-              <a:rPr lang="en-US" altLang="ko-KR" sz="1200" dirty="0" err="1">
+              <a:rPr lang="en-US" altLang="ko-KR" sz="1200" err="1">
                 <a:latin typeface="Roboto" panose="02000000000000000000" pitchFamily="2" charset="0"/>
                 <a:ea typeface="Roboto" panose="02000000000000000000" pitchFamily="2" charset="0"/>
               </a:rPr>
               <a:t>sip:alice@example.com</a:t>
             </a:r>
-            <a:endParaRPr lang="en-US" altLang="ko-KR" sz="1200" dirty="0">
+            <a:endParaRPr lang="en-US" altLang="ko-KR" sz="1200">
               <a:latin typeface="Roboto" panose="02000000000000000000" pitchFamily="2" charset="0"/>
               <a:ea typeface="Roboto" panose="02000000000000000000" pitchFamily="2" charset="0"/>
             </a:endParaRPr>
           </a:p>
           <a:p>
             <a:pPr defTabSz="360000"/>
-            <a:endParaRPr lang="en-US" altLang="ko-KR" sz="1400" b="1" dirty="0"/>
+            <a:endParaRPr lang="en-US" altLang="ko-KR" sz="1400" b="1"/>
           </a:p>
           <a:p>
             <a:pPr defTabSz="360000"/>
-            <a:endParaRPr lang="en-US" altLang="ko-KR" sz="1400" b="1" dirty="0"/>
+            <a:endParaRPr lang="en-US" altLang="ko-KR" sz="1400" b="1"/>
           </a:p>
           <a:p>
             <a:pPr defTabSz="360000">
@@ -4365,20 +5587,20 @@
               </a:lnSpc>
             </a:pPr>
             <a:r>
-              <a:rPr lang="en-US" altLang="ko-KR" sz="1400" b="1" u="sng" dirty="0">
+              <a:rPr lang="en-US" altLang="ko-KR" sz="1400" b="1" u="sng">
                 <a:latin typeface="Roboto" panose="02000000000000000000" pitchFamily="2" charset="0"/>
                 <a:ea typeface="Roboto" panose="02000000000000000000" pitchFamily="2" charset="0"/>
               </a:rPr>
               <a:t>Location</a:t>
             </a:r>
             <a:r>
-              <a:rPr lang="ko-KR" altLang="en-US" sz="1400" b="1" u="sng" dirty="0">
+              <a:rPr lang="ko-KR" altLang="en-US" sz="1400" b="1" u="sng">
                 <a:latin typeface="Roboto" panose="02000000000000000000" pitchFamily="2" charset="0"/>
               </a:rPr>
               <a:t> </a:t>
             </a:r>
             <a:r>
-              <a:rPr lang="en-US" altLang="ko-KR" sz="1400" b="1" u="sng" dirty="0">
+              <a:rPr lang="en-US" altLang="ko-KR" sz="1400" b="1" u="sng">
                 <a:latin typeface="Roboto" panose="02000000000000000000" pitchFamily="2" charset="0"/>
                 <a:ea typeface="Roboto" panose="02000000000000000000" pitchFamily="2" charset="0"/>
               </a:rPr>
@@ -4394,22 +5616,22 @@
               <a:buChar char="•"/>
             </a:pPr>
             <a:r>
-              <a:rPr lang="en-US" altLang="ko-KR" sz="1200" dirty="0"/>
+              <a:rPr lang="en-US" altLang="ko-KR" sz="1200"/>
               <a:t>address-of-record</a:t>
             </a:r>
             <a:r>
-              <a:rPr lang="ko-KR" altLang="en-US" sz="1200" dirty="0"/>
+              <a:rPr lang="ko-KR" altLang="en-US" sz="1200"/>
               <a:t>의 </a:t>
             </a:r>
             <a:r>
-              <a:rPr lang="en-US" altLang="ko-KR" sz="1200" dirty="0"/>
+              <a:rPr lang="en-US" altLang="ko-KR" sz="1200"/>
               <a:t>contact address binding </a:t>
             </a:r>
             <a:r>
-              <a:rPr lang="ko-KR" altLang="en-US" sz="1200" dirty="0"/>
+              <a:rPr lang="ko-KR" altLang="en-US" sz="1200"/>
               <a:t>정보를 저장하고 있는 데이터 베이스</a:t>
             </a:r>
-            <a:endParaRPr lang="en-US" altLang="ko-KR" sz="1200" dirty="0"/>
+            <a:endParaRPr lang="en-US" altLang="ko-KR" sz="1200"/>
           </a:p>
           <a:p>
             <a:pPr marL="171450" indent="-171450" defTabSz="360000">
@@ -4420,40 +5642,40 @@
               <a:buChar char="•"/>
             </a:pPr>
             <a:r>
-              <a:rPr lang="en-US" altLang="ko-KR" sz="1200" dirty="0"/>
+              <a:rPr lang="en-US" altLang="ko-KR" sz="1200"/>
               <a:t>callee</a:t>
             </a:r>
             <a:r>
-              <a:rPr lang="ko-KR" altLang="en-US" sz="1200" dirty="0"/>
+              <a:rPr lang="ko-KR" altLang="en-US" sz="1200"/>
               <a:t>의 위치 정보를 얻기 위해 </a:t>
             </a:r>
             <a:r>
-              <a:rPr lang="en-US" altLang="ko-KR" sz="1200" dirty="0"/>
+              <a:rPr lang="en-US" altLang="ko-KR" sz="1200"/>
               <a:t>SIP redirect</a:t>
             </a:r>
             <a:r>
-              <a:rPr lang="ko-KR" altLang="en-US" sz="1200" dirty="0"/>
+              <a:rPr lang="ko-KR" altLang="en-US" sz="1200"/>
               <a:t> 또는 </a:t>
             </a:r>
             <a:r>
-              <a:rPr lang="en-US" altLang="ko-KR" sz="1200" dirty="0"/>
+              <a:rPr lang="en-US" altLang="ko-KR" sz="1200"/>
               <a:t>Proxy </a:t>
             </a:r>
             <a:r>
-              <a:rPr lang="ko-KR" altLang="en-US" sz="1200" dirty="0"/>
+              <a:rPr lang="ko-KR" altLang="en-US" sz="1200"/>
               <a:t>서버가 사용</a:t>
             </a:r>
-            <a:endParaRPr lang="en-US" altLang="ko-KR" sz="1200" dirty="0"/>
+            <a:endParaRPr lang="en-US" altLang="ko-KR" sz="1200"/>
           </a:p>
           <a:p>
             <a:pPr defTabSz="360000"/>
-            <a:endParaRPr lang="en-US" altLang="ko-KR" sz="1400" dirty="0">
+            <a:endParaRPr lang="en-US" altLang="ko-KR" sz="1400">
               <a:latin typeface="+mn-ea"/>
             </a:endParaRPr>
           </a:p>
           <a:p>
             <a:pPr defTabSz="360000"/>
-            <a:endParaRPr lang="en-US" altLang="ko-KR" sz="1400" dirty="0">
+            <a:endParaRPr lang="en-US" altLang="ko-KR" sz="1400">
               <a:latin typeface="+mn-ea"/>
             </a:endParaRPr>
           </a:p>
@@ -4464,32 +5686,32 @@
               </a:lnSpc>
             </a:pPr>
             <a:r>
-              <a:rPr lang="en-US" altLang="ko-KR" sz="1400" b="1" u="sng" dirty="0">
+              <a:rPr lang="en-US" altLang="ko-KR" sz="1400" b="1" u="sng">
                 <a:latin typeface="Roboto" panose="02000000000000000000" pitchFamily="2" charset="0"/>
                 <a:ea typeface="Roboto" panose="02000000000000000000" pitchFamily="2" charset="0"/>
               </a:rPr>
               <a:t>Registration</a:t>
             </a:r>
             <a:r>
-              <a:rPr lang="en-US" altLang="ko-KR" sz="1400" b="1" dirty="0">
+              <a:rPr lang="en-US" altLang="ko-KR" sz="1400" b="1">
                 <a:latin typeface="+mj-lt"/>
               </a:rPr>
               <a:t> </a:t>
             </a:r>
             <a:r>
-              <a:rPr lang="en-US" altLang="ko-KR" sz="1200" dirty="0">
+              <a:rPr lang="en-US" altLang="ko-KR" sz="1200">
                 <a:latin typeface="+mj-lt"/>
               </a:rPr>
               <a:t>(</a:t>
             </a:r>
             <a:r>
-              <a:rPr lang="ko-KR" altLang="en-US" sz="1200" dirty="0">
+              <a:rPr lang="ko-KR" altLang="en-US" sz="1200">
                 <a:latin typeface="+mj-lt"/>
               </a:rPr>
               <a:t>등록 절차</a:t>
             </a:r>
             <a:r>
-              <a:rPr lang="en-US" altLang="ko-KR" sz="1200" dirty="0">
+              <a:rPr lang="en-US" altLang="ko-KR" sz="1200">
                 <a:latin typeface="+mj-lt"/>
               </a:rPr>
               <a:t>)</a:t>
@@ -4502,60 +5724,60 @@
               </a:lnSpc>
             </a:pPr>
             <a:r>
-              <a:rPr lang="ko-KR" altLang="en-US" sz="1200" dirty="0">
+              <a:rPr lang="ko-KR" altLang="en-US" sz="1200">
                 <a:latin typeface="+mn-ea"/>
               </a:rPr>
               <a:t>특정 도메인에 대한 </a:t>
             </a:r>
             <a:r>
-              <a:rPr lang="en-US" altLang="ko-KR" sz="1200" dirty="0">
+              <a:rPr lang="en-US" altLang="ko-KR" sz="1200">
                 <a:latin typeface="+mn-ea"/>
               </a:rPr>
               <a:t>address-of-record</a:t>
             </a:r>
             <a:r>
-              <a:rPr lang="ko-KR" altLang="en-US" sz="1200" dirty="0">
+              <a:rPr lang="ko-KR" altLang="en-US" sz="1200">
                 <a:latin typeface="+mn-ea"/>
               </a:rPr>
               <a:t>와 </a:t>
             </a:r>
             <a:r>
-              <a:rPr lang="en-US" altLang="ko-KR" sz="1200" dirty="0">
+              <a:rPr lang="en-US" altLang="ko-KR" sz="1200">
                 <a:latin typeface="+mn-ea"/>
               </a:rPr>
               <a:t>contact address</a:t>
             </a:r>
             <a:r>
-              <a:rPr lang="ko-KR" altLang="en-US" sz="1200" dirty="0">
+              <a:rPr lang="ko-KR" altLang="en-US" sz="1200">
                 <a:latin typeface="+mn-ea"/>
               </a:rPr>
               <a:t>간 </a:t>
             </a:r>
             <a:r>
-              <a:rPr lang="en-US" altLang="ko-KR" sz="1200" dirty="0">
+              <a:rPr lang="en-US" altLang="ko-KR" sz="1200">
                 <a:latin typeface="+mn-ea"/>
               </a:rPr>
               <a:t>binding </a:t>
             </a:r>
             <a:r>
-              <a:rPr lang="ko-KR" altLang="en-US" sz="1200" dirty="0">
+              <a:rPr lang="ko-KR" altLang="en-US" sz="1200">
                 <a:latin typeface="+mn-ea"/>
               </a:rPr>
               <a:t>을 </a:t>
             </a:r>
             <a:r>
-              <a:rPr lang="en-US" altLang="ko-KR" sz="1200" dirty="0">
+              <a:rPr lang="en-US" altLang="ko-KR" sz="1200">
                 <a:latin typeface="+mn-ea"/>
               </a:rPr>
               <a:t>location service</a:t>
             </a:r>
             <a:r>
-              <a:rPr lang="ko-KR" altLang="en-US" sz="1200" dirty="0">
+              <a:rPr lang="ko-KR" altLang="en-US" sz="1200">
                 <a:latin typeface="+mn-ea"/>
               </a:rPr>
               <a:t>에 생성하는 절차</a:t>
             </a:r>
-            <a:endParaRPr lang="en-US" altLang="ko-KR" sz="1200" dirty="0">
+            <a:endParaRPr lang="en-US" altLang="ko-KR" sz="1200">
               <a:latin typeface="+mn-ea"/>
             </a:endParaRPr>
           </a:p>
@@ -4565,7 +5787,7 @@
                 <a:spcPct val="150000"/>
               </a:lnSpc>
             </a:pPr>
-            <a:endParaRPr lang="en-US" altLang="ko-KR" sz="1200" dirty="0">
+            <a:endParaRPr lang="en-US" altLang="ko-KR" sz="1200">
               <a:latin typeface="+mn-ea"/>
             </a:endParaRPr>
           </a:p>
@@ -4575,7 +5797,7 @@
                 <a:spcPct val="150000"/>
               </a:lnSpc>
             </a:pPr>
-            <a:endParaRPr lang="en-US" altLang="ko-KR" sz="1200" dirty="0">
+            <a:endParaRPr lang="en-US" altLang="ko-KR" sz="1200">
               <a:latin typeface="+mn-ea"/>
             </a:endParaRPr>
           </a:p>
@@ -4586,13 +5808,13 @@
               </a:lnSpc>
             </a:pPr>
             <a:r>
-              <a:rPr lang="en-US" altLang="ko-KR" sz="1400" b="1" u="sng" dirty="0">
+              <a:rPr lang="en-US" altLang="ko-KR" sz="1400" b="1" u="sng">
                 <a:latin typeface="Roboto" panose="02000000000000000000" pitchFamily="2" charset="0"/>
                 <a:ea typeface="Roboto" panose="02000000000000000000" pitchFamily="2" charset="0"/>
               </a:rPr>
               <a:t>Registrar</a:t>
             </a:r>
-            <a:endParaRPr lang="en-US" altLang="ko-KR" sz="1200" b="1" u="sng" dirty="0">
+            <a:endParaRPr lang="en-US" altLang="ko-KR" sz="1200" b="1" u="sng">
               <a:latin typeface="Roboto" panose="02000000000000000000" pitchFamily="2" charset="0"/>
               <a:ea typeface="Roboto" panose="02000000000000000000" pitchFamily="2" charset="0"/>
             </a:endParaRPr>
@@ -4606,66 +5828,66 @@
               <a:buChar char="•"/>
             </a:pPr>
             <a:r>
-              <a:rPr lang="en-US" altLang="ko-KR" sz="1200" dirty="0">
+              <a:rPr lang="en-US" altLang="ko-KR" sz="1200">
                 <a:latin typeface="+mn-ea"/>
               </a:rPr>
               <a:t>REGISTER </a:t>
             </a:r>
             <a:r>
-              <a:rPr lang="ko-KR" altLang="en-US" sz="1200" dirty="0">
+              <a:rPr lang="ko-KR" altLang="en-US" sz="1200">
                 <a:latin typeface="+mn-ea"/>
               </a:rPr>
               <a:t>요청을 받고</a:t>
             </a:r>
             <a:r>
-              <a:rPr lang="en-US" altLang="ko-KR" sz="1200" dirty="0">
+              <a:rPr lang="en-US" altLang="ko-KR" sz="1200">
                 <a:latin typeface="+mn-ea"/>
               </a:rPr>
               <a:t>, </a:t>
             </a:r>
             <a:r>
-              <a:rPr lang="ko-KR" altLang="en-US" sz="1200" dirty="0">
+              <a:rPr lang="ko-KR" altLang="en-US" sz="1200">
                 <a:latin typeface="+mn-ea"/>
               </a:rPr>
               <a:t>그 요청에서 받은 정보를 </a:t>
             </a:r>
             <a:r>
-              <a:rPr lang="en-US" altLang="ko-KR" sz="1200" dirty="0">
+              <a:rPr lang="en-US" altLang="ko-KR" sz="1200">
                 <a:latin typeface="+mn-ea"/>
               </a:rPr>
               <a:t>registrar</a:t>
             </a:r>
             <a:r>
-              <a:rPr lang="ko-KR" altLang="en-US" sz="1200" dirty="0">
+              <a:rPr lang="ko-KR" altLang="en-US" sz="1200">
                 <a:latin typeface="+mn-ea"/>
               </a:rPr>
               <a:t>가 다루는 도메인을 위한 </a:t>
             </a:r>
             <a:r>
-              <a:rPr lang="en-US" altLang="ko-KR" sz="1200" dirty="0">
+              <a:rPr lang="en-US" altLang="ko-KR" sz="1200">
                 <a:latin typeface="+mn-ea"/>
               </a:rPr>
               <a:t>location service</a:t>
             </a:r>
             <a:r>
-              <a:rPr lang="ko-KR" altLang="en-US" sz="1200" dirty="0">
+              <a:rPr lang="ko-KR" altLang="en-US" sz="1200">
                 <a:latin typeface="+mn-ea"/>
               </a:rPr>
               <a:t> 에 저장</a:t>
             </a:r>
             <a:br>
-              <a:rPr lang="en-US" altLang="ko-KR" sz="1200" dirty="0">
+              <a:rPr lang="en-US" altLang="ko-KR" sz="1200">
                 <a:latin typeface="+mn-ea"/>
               </a:rPr>
             </a:br>
             <a:r>
-              <a:rPr lang="ko-KR" altLang="en-US" sz="1200" dirty="0">
+              <a:rPr lang="ko-KR" altLang="en-US" sz="1200">
                 <a:latin typeface="+mn-ea"/>
               </a:rPr>
               <a:t>하는 특수한 유형의 </a:t>
             </a:r>
             <a:r>
-              <a:rPr lang="en-US" altLang="ko-KR" sz="1200" dirty="0">
+              <a:rPr lang="en-US" altLang="ko-KR" sz="1200">
                 <a:latin typeface="+mn-ea"/>
               </a:rPr>
               <a:t>UAS</a:t>
@@ -4680,42 +5902,42 @@
               <a:buChar char="•"/>
             </a:pPr>
             <a:r>
-              <a:rPr lang="en-US" altLang="ko-KR" sz="1200" dirty="0">
+              <a:rPr lang="en-US" altLang="ko-KR" sz="1200">
                 <a:latin typeface="+mn-ea"/>
               </a:rPr>
               <a:t>location service </a:t>
             </a:r>
             <a:r>
-              <a:rPr lang="ko-KR" altLang="en-US" sz="1200" dirty="0">
+              <a:rPr lang="ko-KR" altLang="en-US" sz="1200">
                 <a:latin typeface="+mn-ea"/>
               </a:rPr>
               <a:t>의 프론트 엔드 역할로</a:t>
             </a:r>
             <a:r>
-              <a:rPr lang="en-US" altLang="ko-KR" sz="1200" dirty="0">
+              <a:rPr lang="en-US" altLang="ko-KR" sz="1200">
                 <a:latin typeface="+mn-ea"/>
               </a:rPr>
               <a:t>, REGISTER </a:t>
             </a:r>
             <a:r>
-              <a:rPr lang="ko-KR" altLang="en-US" sz="1200" dirty="0">
+              <a:rPr lang="ko-KR" altLang="en-US" sz="1200">
                 <a:latin typeface="+mn-ea"/>
               </a:rPr>
               <a:t>내용을 기반으로 매핑하고 읽고</a:t>
             </a:r>
             <a:r>
-              <a:rPr lang="en-US" altLang="ko-KR" sz="1200" dirty="0">
+              <a:rPr lang="en-US" altLang="ko-KR" sz="1200">
                 <a:latin typeface="+mn-ea"/>
               </a:rPr>
               <a:t>, </a:t>
             </a:r>
             <a:r>
-              <a:rPr lang="ko-KR" altLang="en-US" sz="1200" dirty="0">
+              <a:rPr lang="ko-KR" altLang="en-US" sz="1200">
                 <a:latin typeface="+mn-ea"/>
               </a:rPr>
               <a:t>쓰기 가능</a:t>
             </a:r>
-            <a:endParaRPr lang="en-US" altLang="ko-KR" sz="1200" dirty="0">
+            <a:endParaRPr lang="en-US" altLang="ko-KR" sz="1200">
               <a:latin typeface="+mn-ea"/>
             </a:endParaRPr>
           </a:p>
@@ -4755,7 +5977,7 @@
               </a:lnSpc>
             </a:pPr>
             <a:r>
-              <a:rPr lang="en-US" altLang="ko-KR" sz="1400" b="1" u="sng" dirty="0">
+              <a:rPr lang="en-US" altLang="ko-KR" sz="1400" b="1" u="sng">
                 <a:latin typeface="Roboto" panose="02000000000000000000" pitchFamily="2" charset="0"/>
                 <a:ea typeface="Roboto" panose="02000000000000000000" pitchFamily="2" charset="0"/>
               </a:rPr>
@@ -4771,12 +5993,12 @@
               <a:buChar char="•"/>
             </a:pPr>
             <a:r>
-              <a:rPr lang="ko-KR" altLang="en-US" sz="1200" dirty="0">
+              <a:rPr lang="ko-KR" altLang="en-US" sz="1200">
                 <a:latin typeface="+mn-ea"/>
               </a:rPr>
               <a:t>사용자의 실제 위치 정보를 나타냄</a:t>
             </a:r>
-            <a:endParaRPr lang="en-US" altLang="ko-KR" sz="1200" dirty="0">
+            <a:endParaRPr lang="en-US" altLang="ko-KR" sz="1200">
               <a:latin typeface="+mn-ea"/>
             </a:endParaRPr>
           </a:p>
@@ -4789,18 +6011,18 @@
               <a:buChar char="•"/>
             </a:pPr>
             <a:r>
-              <a:rPr lang="en-US" altLang="ko-KR" sz="1200" dirty="0">
+              <a:rPr lang="en-US" altLang="ko-KR" sz="1200">
                 <a:latin typeface="+mn-ea"/>
               </a:rPr>
               <a:t>Contact </a:t>
             </a:r>
             <a:r>
-              <a:rPr lang="ko-KR" altLang="en-US" sz="1200" dirty="0">
+              <a:rPr lang="ko-KR" altLang="en-US" sz="1200">
                 <a:latin typeface="+mn-ea"/>
               </a:rPr>
               <a:t>헤더 필드에 포함되어 다른 사용자가 해당 사용자에게 연락할 수 있는 주소를 제공</a:t>
             </a:r>
-            <a:endParaRPr lang="en-US" altLang="ko-KR" sz="1200" dirty="0">
+            <a:endParaRPr lang="en-US" altLang="ko-KR" sz="1200">
               <a:latin typeface="+mn-ea"/>
             </a:endParaRPr>
           </a:p>
@@ -4863,11 +6085,11 @@
           <a:lstStyle/>
           <a:p>
             <a:r>
-              <a:rPr lang="en-US" altLang="ko-KR" dirty="0"/>
+              <a:rPr lang="en-US" altLang="ko-KR"/>
               <a:t>2. Registrations - </a:t>
             </a:r>
             <a:r>
-              <a:rPr lang="ko-KR" altLang="en-US" dirty="0"/>
+              <a:rPr lang="ko-KR" altLang="en-US"/>
               <a:t>프로세스</a:t>
             </a:r>
           </a:p>
@@ -4898,7 +6120,7 @@
               <a:rPr lang="ko-KR" altLang="en-US" smtClean="0"/>
               <a:t>5</a:t>
             </a:fld>
-            <a:endParaRPr lang="ko-KR" altLang="en-US" dirty="0"/>
+            <a:endParaRPr lang="ko-KR" altLang="en-US"/>
           </a:p>
         </p:txBody>
       </p:sp>
@@ -4971,13 +6193,13 @@
             <a:p>
               <a:pPr algn="ctr"/>
               <a:r>
-                <a:rPr lang="en-US" altLang="ko-KR" sz="1400" b="1" dirty="0">
+                <a:rPr lang="en-US" altLang="ko-KR" sz="1400" b="1">
                   <a:latin typeface="Roboto" panose="02000000000000000000" pitchFamily="2" charset="0"/>
                   <a:ea typeface="Roboto" panose="02000000000000000000" pitchFamily="2" charset="0"/>
                 </a:rPr>
                 <a:t>Registrar</a:t>
               </a:r>
-              <a:endParaRPr lang="ko-KR" altLang="en-US" sz="1400" b="1" dirty="0">
+              <a:endParaRPr lang="ko-KR" altLang="en-US" sz="1400" b="1">
                 <a:latin typeface="Roboto" panose="02000000000000000000" pitchFamily="2" charset="0"/>
               </a:endParaRPr>
             </a:p>
@@ -5032,13 +6254,13 @@
             <a:p>
               <a:pPr algn="ctr"/>
               <a:r>
-                <a:rPr lang="en-US" altLang="ko-KR" sz="1400" b="1" dirty="0">
+                <a:rPr lang="en-US" altLang="ko-KR" sz="1400" b="1">
                   <a:latin typeface="Roboto" panose="02000000000000000000" pitchFamily="2" charset="0"/>
                   <a:ea typeface="Roboto" panose="02000000000000000000" pitchFamily="2" charset="0"/>
                 </a:rPr>
                 <a:t>Proxy</a:t>
               </a:r>
-              <a:endParaRPr lang="ko-KR" altLang="en-US" sz="1400" b="1" dirty="0">
+              <a:endParaRPr lang="ko-KR" altLang="en-US" sz="1400" b="1">
                 <a:latin typeface="Roboto" panose="02000000000000000000" pitchFamily="2" charset="0"/>
               </a:endParaRPr>
             </a:p>
@@ -5093,13 +6315,13 @@
             <a:p>
               <a:pPr algn="ctr"/>
               <a:r>
-                <a:rPr lang="en-US" altLang="ko-KR" sz="1400" b="1" dirty="0">
+                <a:rPr lang="en-US" altLang="ko-KR" sz="1400" b="1">
                   <a:latin typeface="Roboto" panose="02000000000000000000" pitchFamily="2" charset="0"/>
                   <a:ea typeface="Roboto" panose="02000000000000000000" pitchFamily="2" charset="0"/>
                 </a:rPr>
                 <a:t>UA</a:t>
               </a:r>
-              <a:endParaRPr lang="ko-KR" altLang="en-US" sz="1400" b="1" dirty="0">
+              <a:endParaRPr lang="ko-KR" altLang="en-US" sz="1400" b="1">
                 <a:latin typeface="Roboto" panose="02000000000000000000" pitchFamily="2" charset="0"/>
               </a:endParaRPr>
             </a:p>
@@ -5154,13 +6376,13 @@
             <a:p>
               <a:pPr algn="ctr"/>
               <a:r>
-                <a:rPr lang="en-US" altLang="ko-KR" sz="1400" b="1" dirty="0">
+                <a:rPr lang="en-US" altLang="ko-KR" sz="1400" b="1">
                   <a:latin typeface="Roboto" panose="02000000000000000000" pitchFamily="2" charset="0"/>
                   <a:ea typeface="Roboto" panose="02000000000000000000" pitchFamily="2" charset="0"/>
                 </a:rPr>
                 <a:t>UA</a:t>
               </a:r>
-              <a:endParaRPr lang="ko-KR" altLang="en-US" sz="1400" b="1" dirty="0">
+              <a:endParaRPr lang="ko-KR" altLang="en-US" sz="1400" b="1">
                 <a:latin typeface="Roboto" panose="02000000000000000000" pitchFamily="2" charset="0"/>
               </a:endParaRPr>
             </a:p>
@@ -5215,13 +6437,13 @@
             <a:p>
               <a:pPr algn="ctr"/>
               <a:r>
-                <a:rPr lang="en-US" altLang="ko-KR" sz="1200" b="1" dirty="0">
+                <a:rPr lang="en-US" altLang="ko-KR" sz="1200" b="1">
                   <a:latin typeface="Roboto" panose="02000000000000000000" pitchFamily="2" charset="0"/>
                   <a:ea typeface="Roboto" panose="02000000000000000000" pitchFamily="2" charset="0"/>
                 </a:rPr>
                 <a:t>Location Service</a:t>
               </a:r>
-              <a:endParaRPr lang="ko-KR" altLang="en-US" sz="1200" b="1" dirty="0">
+              <a:endParaRPr lang="ko-KR" altLang="en-US" sz="1200" b="1">
                 <a:latin typeface="Roboto" panose="02000000000000000000" pitchFamily="2" charset="0"/>
               </a:endParaRPr>
             </a:p>
@@ -5256,13 +6478,13 @@
             <a:lstStyle/>
             <a:p>
               <a:r>
-                <a:rPr lang="en-US" altLang="ko-KR" sz="1400" dirty="0">
+                <a:rPr lang="en-US" altLang="ko-KR" sz="1400">
                   <a:latin typeface="+mj-ea"/>
                   <a:ea typeface="+mj-ea"/>
                 </a:rPr>
                 <a:t>1) REGISTER</a:t>
               </a:r>
-              <a:endParaRPr lang="ko-KR" altLang="en-US" sz="1400" dirty="0">
+              <a:endParaRPr lang="ko-KR" altLang="en-US" sz="1400">
                 <a:latin typeface="+mj-ea"/>
                 <a:ea typeface="+mj-ea"/>
               </a:endParaRPr>
@@ -5298,13 +6520,13 @@
             <a:lstStyle/>
             <a:p>
               <a:r>
-                <a:rPr lang="en-US" altLang="ko-KR" sz="1400" dirty="0">
+                <a:rPr lang="en-US" altLang="ko-KR" sz="1400">
                   <a:latin typeface="+mj-ea"/>
                   <a:ea typeface="+mj-ea"/>
                 </a:rPr>
                 <a:t>2) Store</a:t>
               </a:r>
-              <a:endParaRPr lang="ko-KR" altLang="en-US" sz="1400" dirty="0">
+              <a:endParaRPr lang="ko-KR" altLang="en-US" sz="1400">
                 <a:latin typeface="+mj-ea"/>
                 <a:ea typeface="+mj-ea"/>
               </a:endParaRPr>
@@ -5340,13 +6562,13 @@
             <a:lstStyle/>
             <a:p>
               <a:r>
-                <a:rPr lang="en-US" altLang="ko-KR" sz="1400" dirty="0">
+                <a:rPr lang="en-US" altLang="ko-KR" sz="1400">
                   <a:latin typeface="+mj-ea"/>
                   <a:ea typeface="+mj-ea"/>
                 </a:rPr>
                 <a:t>4) Query</a:t>
               </a:r>
-              <a:endParaRPr lang="ko-KR" altLang="en-US" sz="1400" dirty="0">
+              <a:endParaRPr lang="ko-KR" altLang="en-US" sz="1400">
                 <a:latin typeface="+mj-ea"/>
                 <a:ea typeface="+mj-ea"/>
               </a:endParaRPr>
@@ -5382,13 +6604,13 @@
             <a:lstStyle/>
             <a:p>
               <a:r>
-                <a:rPr lang="en-US" altLang="ko-KR" sz="1400" dirty="0">
+                <a:rPr lang="en-US" altLang="ko-KR" sz="1400">
                   <a:latin typeface="+mj-ea"/>
                   <a:ea typeface="+mj-ea"/>
                 </a:rPr>
                 <a:t>5) Resp</a:t>
               </a:r>
-              <a:endParaRPr lang="ko-KR" altLang="en-US" sz="1400" dirty="0">
+              <a:endParaRPr lang="ko-KR" altLang="en-US" sz="1400">
                 <a:latin typeface="+mj-ea"/>
                 <a:ea typeface="+mj-ea"/>
               </a:endParaRPr>
@@ -5424,13 +6646,13 @@
             <a:lstStyle/>
             <a:p>
               <a:r>
-                <a:rPr lang="en-US" altLang="ko-KR" sz="1400" dirty="0">
+                <a:rPr lang="en-US" altLang="ko-KR" sz="1400">
                   <a:latin typeface="+mj-ea"/>
                   <a:ea typeface="+mj-ea"/>
                 </a:rPr>
                 <a:t>6) INVITE</a:t>
               </a:r>
-              <a:endParaRPr lang="ko-KR" altLang="en-US" sz="1400" dirty="0">
+              <a:endParaRPr lang="ko-KR" altLang="en-US" sz="1400">
                 <a:latin typeface="+mj-ea"/>
                 <a:ea typeface="+mj-ea"/>
               </a:endParaRPr>
@@ -5466,13 +6688,13 @@
             <a:lstStyle/>
             <a:p>
               <a:r>
-                <a:rPr lang="en-US" altLang="ko-KR" sz="1400" dirty="0">
+                <a:rPr lang="en-US" altLang="ko-KR" sz="1400">
                   <a:latin typeface="+mj-ea"/>
                   <a:ea typeface="+mj-ea"/>
                 </a:rPr>
                 <a:t>3) INVITE</a:t>
               </a:r>
-              <a:endParaRPr lang="ko-KR" altLang="en-US" sz="1400" dirty="0">
+              <a:endParaRPr lang="ko-KR" altLang="en-US" sz="1400">
                 <a:latin typeface="+mj-ea"/>
                 <a:ea typeface="+mj-ea"/>
               </a:endParaRPr>
@@ -5785,13 +7007,13 @@
             <a:lstStyle/>
             <a:p>
               <a:r>
-                <a:rPr lang="en-US" altLang="ko-KR" sz="1200" dirty="0">
+                <a:rPr lang="en-US" altLang="ko-KR" sz="1200">
                   <a:latin typeface="Roboto" panose="02000000000000000000" pitchFamily="2" charset="0"/>
                   <a:ea typeface="Roboto" panose="02000000000000000000" pitchFamily="2" charset="0"/>
                 </a:rPr>
                 <a:t>cube2214a</a:t>
               </a:r>
-              <a:endParaRPr lang="ko-KR" altLang="en-US" sz="1200" dirty="0">
+              <a:endParaRPr lang="ko-KR" altLang="en-US" sz="1200">
                 <a:latin typeface="Roboto" panose="02000000000000000000" pitchFamily="2" charset="0"/>
               </a:endParaRPr>
             </a:p>
@@ -5826,13 +7048,13 @@
             <a:lstStyle/>
             <a:p>
               <a:r>
-                <a:rPr lang="en-US" altLang="ko-KR" sz="1200" dirty="0">
+                <a:rPr lang="en-US" altLang="ko-KR" sz="1200">
                   <a:latin typeface="Roboto" panose="02000000000000000000" pitchFamily="2" charset="0"/>
                   <a:ea typeface="Roboto" panose="02000000000000000000" pitchFamily="2" charset="0"/>
                 </a:rPr>
                 <a:t>Carol</a:t>
               </a:r>
-              <a:endParaRPr lang="ko-KR" altLang="en-US" sz="1200" dirty="0">
+              <a:endParaRPr lang="ko-KR" altLang="en-US" sz="1200">
                 <a:latin typeface="Roboto" panose="02000000000000000000" pitchFamily="2" charset="0"/>
               </a:endParaRPr>
             </a:p>
@@ -5867,13 +7089,13 @@
             <a:lstStyle/>
             <a:p>
               <a:r>
-                <a:rPr lang="en-US" altLang="ko-KR" sz="1200" dirty="0">
+                <a:rPr lang="en-US" altLang="ko-KR" sz="1200">
                   <a:latin typeface="Roboto" panose="02000000000000000000" pitchFamily="2" charset="0"/>
                   <a:ea typeface="Roboto" panose="02000000000000000000" pitchFamily="2" charset="0"/>
                 </a:rPr>
                 <a:t>chicago.com</a:t>
               </a:r>
-              <a:endParaRPr lang="ko-KR" altLang="en-US" sz="1200" dirty="0">
+              <a:endParaRPr lang="ko-KR" altLang="en-US" sz="1200">
                 <a:latin typeface="Roboto" panose="02000000000000000000" pitchFamily="2" charset="0"/>
               </a:endParaRPr>
             </a:p>
@@ -5908,13 +7130,13 @@
             <a:lstStyle/>
             <a:p>
               <a:r>
-                <a:rPr lang="en-US" altLang="ko-KR" sz="1200" dirty="0">
+                <a:rPr lang="en-US" altLang="ko-KR" sz="1200">
                   <a:latin typeface="Roboto" panose="02000000000000000000" pitchFamily="2" charset="0"/>
                   <a:ea typeface="Roboto" panose="02000000000000000000" pitchFamily="2" charset="0"/>
                 </a:rPr>
                 <a:t>sip.chicago.com</a:t>
               </a:r>
-              <a:endParaRPr lang="ko-KR" altLang="en-US" sz="1200" dirty="0">
+              <a:endParaRPr lang="ko-KR" altLang="en-US" sz="1200">
                 <a:latin typeface="Roboto" panose="02000000000000000000" pitchFamily="2" charset="0"/>
               </a:endParaRPr>
             </a:p>
@@ -5949,13 +7171,13 @@
             <a:lstStyle/>
             <a:p>
               <a:r>
-                <a:rPr lang="en-US" altLang="ko-KR" sz="1200" dirty="0">
+                <a:rPr lang="en-US" altLang="ko-KR" sz="1200">
                   <a:latin typeface="Roboto" panose="02000000000000000000" pitchFamily="2" charset="0"/>
                   <a:ea typeface="Roboto" panose="02000000000000000000" pitchFamily="2" charset="0"/>
                 </a:rPr>
                 <a:t>carol@chicago.com</a:t>
               </a:r>
-              <a:endParaRPr lang="ko-KR" altLang="en-US" sz="1200" dirty="0">
+              <a:endParaRPr lang="ko-KR" altLang="en-US" sz="1200">
                 <a:latin typeface="Roboto" panose="02000000000000000000" pitchFamily="2" charset="0"/>
               </a:endParaRPr>
             </a:p>
@@ -5990,13 +7212,13 @@
             <a:lstStyle/>
             <a:p>
               <a:r>
-                <a:rPr lang="en-US" altLang="ko-KR" sz="1200" dirty="0">
+                <a:rPr lang="en-US" altLang="ko-KR" sz="1200">
                   <a:latin typeface="Roboto" panose="02000000000000000000" pitchFamily="2" charset="0"/>
                   <a:ea typeface="Roboto" panose="02000000000000000000" pitchFamily="2" charset="0"/>
                 </a:rPr>
                 <a:t>carol@cube2214a.chicago.com</a:t>
               </a:r>
-              <a:endParaRPr lang="ko-KR" altLang="en-US" sz="1200" dirty="0">
+              <a:endParaRPr lang="ko-KR" altLang="en-US" sz="1200">
                 <a:latin typeface="Roboto" panose="02000000000000000000" pitchFamily="2" charset="0"/>
               </a:endParaRPr>
             </a:p>
@@ -6031,13 +7253,13 @@
             <a:lstStyle/>
             <a:p>
               <a:r>
-                <a:rPr lang="en-US" altLang="ko-KR" sz="1200" dirty="0">
+                <a:rPr lang="en-US" altLang="ko-KR" sz="1200">
                   <a:latin typeface="Roboto" panose="02000000000000000000" pitchFamily="2" charset="0"/>
                   <a:ea typeface="Roboto" panose="02000000000000000000" pitchFamily="2" charset="0"/>
                 </a:rPr>
                 <a:t>Bob</a:t>
               </a:r>
-              <a:endParaRPr lang="ko-KR" altLang="en-US" sz="1200" dirty="0">
+              <a:endParaRPr lang="ko-KR" altLang="en-US" sz="1200">
                 <a:latin typeface="Roboto" panose="02000000000000000000" pitchFamily="2" charset="0"/>
               </a:endParaRPr>
             </a:p>
@@ -6101,10 +7323,10 @@
           <a:lstStyle/>
           <a:p>
             <a:r>
-              <a:rPr lang="en-US" altLang="ko-KR" dirty="0"/>
-              <a:t>2. Registrations – Constructing the REGISTER Request</a:t>
-            </a:r>
-            <a:endParaRPr lang="ko-KR" altLang="en-US" dirty="0"/>
+              <a:rPr lang="en-US" altLang="ko-KR"/>
+              <a:t>2. Registrations – Constructing the REGISTER Request (1)</a:t>
+            </a:r>
+            <a:endParaRPr lang="ko-KR" altLang="en-US"/>
           </a:p>
         </p:txBody>
       </p:sp>
@@ -6133,7 +7355,1589 @@
               <a:rPr lang="ko-KR" altLang="en-US" smtClean="0"/>
               <a:t>6</a:t>
             </a:fld>
-            <a:endParaRPr lang="ko-KR" altLang="en-US" dirty="0"/>
+            <a:endParaRPr lang="ko-KR" altLang="en-US"/>
+          </a:p>
+        </p:txBody>
+      </p:sp>
+      <p:sp>
+        <p:nvSpPr>
+          <p:cNvPr id="3" name="직사각형 2">
+            <a:extLst>
+              <a:ext uri="{FF2B5EF4-FFF2-40B4-BE49-F238E27FC236}">
+                <a16:creationId xmlns:a16="http://schemas.microsoft.com/office/drawing/2014/main" id="{4BCC5324-8B6F-40E2-B936-02B8A4F46A17}"/>
+              </a:ext>
+            </a:extLst>
+          </p:cNvPr>
+          <p:cNvSpPr/>
+          <p:nvPr/>
+        </p:nvSpPr>
+        <p:spPr>
+          <a:xfrm>
+            <a:off x="751368" y="2614043"/>
+            <a:ext cx="6581823" cy="3742307"/>
+          </a:xfrm>
+          <a:prstGeom prst="rect">
+            <a:avLst/>
+          </a:prstGeom>
+          <a:solidFill>
+            <a:schemeClr val="accent6">
+              <a:lumMod val="20000"/>
+              <a:lumOff val="80000"/>
+            </a:schemeClr>
+          </a:solidFill>
+        </p:spPr>
+        <p:txBody>
+          <a:bodyPr wrap="square">
+            <a:spAutoFit/>
+          </a:bodyPr>
+          <a:lstStyle/>
+          <a:p>
+            <a:pPr>
+              <a:lnSpc>
+                <a:spcPct val="150000"/>
+              </a:lnSpc>
+            </a:pPr>
+            <a:r>
+              <a:rPr lang="ko-KR" altLang="en-US" sz="1600">
+                <a:latin typeface="Roboto" panose="02000000000000000000" pitchFamily="2" charset="0"/>
+              </a:rPr>
+              <a:t>REGISTER </a:t>
+            </a:r>
+            <a:r>
+              <a:rPr lang="ko-KR" altLang="en-US" sz="1600" err="1">
+                <a:latin typeface="Roboto" panose="02000000000000000000" pitchFamily="2" charset="0"/>
+              </a:rPr>
+              <a:t>sip:registrar.biloxi.com</a:t>
+            </a:r>
+            <a:r>
+              <a:rPr lang="ko-KR" altLang="en-US" sz="1600">
+                <a:latin typeface="Roboto" panose="02000000000000000000" pitchFamily="2" charset="0"/>
+              </a:rPr>
+              <a:t> SIP/2.0</a:t>
+            </a:r>
+          </a:p>
+          <a:p>
+            <a:pPr>
+              <a:lnSpc>
+                <a:spcPct val="150000"/>
+              </a:lnSpc>
+            </a:pPr>
+            <a:r>
+              <a:rPr lang="ko-KR" altLang="en-US" sz="1600" err="1">
+                <a:latin typeface="Roboto" panose="02000000000000000000" pitchFamily="2" charset="0"/>
+              </a:rPr>
+              <a:t>Via</a:t>
+            </a:r>
+            <a:r>
+              <a:rPr lang="ko-KR" altLang="en-US" sz="1600">
+                <a:latin typeface="Roboto" panose="02000000000000000000" pitchFamily="2" charset="0"/>
+              </a:rPr>
+              <a:t>: SIP/2.0/UDP bobspc.biloxi.com:5060;branch=z9hG4bKnashds7</a:t>
+            </a:r>
+          </a:p>
+          <a:p>
+            <a:pPr>
+              <a:lnSpc>
+                <a:spcPct val="150000"/>
+              </a:lnSpc>
+            </a:pPr>
+            <a:r>
+              <a:rPr lang="ko-KR" altLang="en-US" sz="1600" err="1">
+                <a:latin typeface="Roboto" panose="02000000000000000000" pitchFamily="2" charset="0"/>
+              </a:rPr>
+              <a:t>Max-Forwards</a:t>
+            </a:r>
+            <a:r>
+              <a:rPr lang="ko-KR" altLang="en-US" sz="1600">
+                <a:latin typeface="Roboto" panose="02000000000000000000" pitchFamily="2" charset="0"/>
+              </a:rPr>
+              <a:t>: 70</a:t>
+            </a:r>
+          </a:p>
+          <a:p>
+            <a:pPr>
+              <a:lnSpc>
+                <a:spcPct val="150000"/>
+              </a:lnSpc>
+            </a:pPr>
+            <a:r>
+              <a:rPr lang="ko-KR" altLang="en-US" sz="1600" err="1">
+                <a:latin typeface="Roboto" panose="02000000000000000000" pitchFamily="2" charset="0"/>
+              </a:rPr>
+              <a:t>To</a:t>
+            </a:r>
+            <a:r>
+              <a:rPr lang="ko-KR" altLang="en-US" sz="1600">
+                <a:latin typeface="Roboto" panose="02000000000000000000" pitchFamily="2" charset="0"/>
+              </a:rPr>
+              <a:t>: </a:t>
+            </a:r>
+            <a:r>
+              <a:rPr lang="ko-KR" altLang="en-US" sz="1600" err="1">
+                <a:latin typeface="Roboto" panose="02000000000000000000" pitchFamily="2" charset="0"/>
+              </a:rPr>
+              <a:t>Bob</a:t>
+            </a:r>
+            <a:r>
+              <a:rPr lang="ko-KR" altLang="en-US" sz="1600">
+                <a:latin typeface="Roboto" panose="02000000000000000000" pitchFamily="2" charset="0"/>
+              </a:rPr>
+              <a:t> &lt;</a:t>
+            </a:r>
+            <a:r>
+              <a:rPr lang="ko-KR" altLang="en-US" sz="1600" err="1">
+                <a:latin typeface="Roboto" panose="02000000000000000000" pitchFamily="2" charset="0"/>
+              </a:rPr>
+              <a:t>sip:bob@biloxi.com</a:t>
+            </a:r>
+            <a:r>
+              <a:rPr lang="ko-KR" altLang="en-US" sz="1600">
+                <a:latin typeface="Roboto" panose="02000000000000000000" pitchFamily="2" charset="0"/>
+              </a:rPr>
+              <a:t>&gt;</a:t>
+            </a:r>
+          </a:p>
+          <a:p>
+            <a:pPr>
+              <a:lnSpc>
+                <a:spcPct val="150000"/>
+              </a:lnSpc>
+            </a:pPr>
+            <a:r>
+              <a:rPr lang="ko-KR" altLang="en-US" sz="1600" err="1">
+                <a:latin typeface="Roboto" panose="02000000000000000000" pitchFamily="2" charset="0"/>
+              </a:rPr>
+              <a:t>From</a:t>
+            </a:r>
+            <a:r>
+              <a:rPr lang="ko-KR" altLang="en-US" sz="1600">
+                <a:latin typeface="Roboto" panose="02000000000000000000" pitchFamily="2" charset="0"/>
+              </a:rPr>
+              <a:t>: </a:t>
+            </a:r>
+            <a:r>
+              <a:rPr lang="ko-KR" altLang="en-US" sz="1600" err="1">
+                <a:latin typeface="Roboto" panose="02000000000000000000" pitchFamily="2" charset="0"/>
+              </a:rPr>
+              <a:t>Bob</a:t>
+            </a:r>
+            <a:r>
+              <a:rPr lang="ko-KR" altLang="en-US" sz="1600">
+                <a:latin typeface="Roboto" panose="02000000000000000000" pitchFamily="2" charset="0"/>
+              </a:rPr>
+              <a:t> &lt;</a:t>
+            </a:r>
+            <a:r>
+              <a:rPr lang="ko-KR" altLang="en-US" sz="1600" err="1">
+                <a:latin typeface="Roboto" panose="02000000000000000000" pitchFamily="2" charset="0"/>
+              </a:rPr>
+              <a:t>sip:bob@biloxi.com</a:t>
+            </a:r>
+            <a:r>
+              <a:rPr lang="ko-KR" altLang="en-US" sz="1600">
+                <a:latin typeface="Roboto" panose="02000000000000000000" pitchFamily="2" charset="0"/>
+              </a:rPr>
+              <a:t>&gt;;</a:t>
+            </a:r>
+            <a:r>
+              <a:rPr lang="ko-KR" altLang="en-US" sz="1600" err="1">
+                <a:latin typeface="Roboto" panose="02000000000000000000" pitchFamily="2" charset="0"/>
+              </a:rPr>
+              <a:t>tag</a:t>
+            </a:r>
+            <a:r>
+              <a:rPr lang="ko-KR" altLang="en-US" sz="1600">
+                <a:latin typeface="Roboto" panose="02000000000000000000" pitchFamily="2" charset="0"/>
+              </a:rPr>
+              <a:t>=456248</a:t>
+            </a:r>
+          </a:p>
+          <a:p>
+            <a:pPr>
+              <a:lnSpc>
+                <a:spcPct val="150000"/>
+              </a:lnSpc>
+            </a:pPr>
+            <a:r>
+              <a:rPr lang="ko-KR" altLang="en-US" sz="1600" err="1">
+                <a:latin typeface="Roboto" panose="02000000000000000000" pitchFamily="2" charset="0"/>
+              </a:rPr>
+              <a:t>Call</a:t>
+            </a:r>
+            <a:r>
+              <a:rPr lang="ko-KR" altLang="en-US" sz="1600">
+                <a:latin typeface="Roboto" panose="02000000000000000000" pitchFamily="2" charset="0"/>
+              </a:rPr>
+              <a:t>-ID: 843817637684230@998sdasdh09</a:t>
+            </a:r>
+          </a:p>
+          <a:p>
+            <a:pPr>
+              <a:lnSpc>
+                <a:spcPct val="150000"/>
+              </a:lnSpc>
+            </a:pPr>
+            <a:r>
+              <a:rPr lang="ko-KR" altLang="en-US" sz="1600" err="1">
+                <a:latin typeface="Roboto" panose="02000000000000000000" pitchFamily="2" charset="0"/>
+              </a:rPr>
+              <a:t>CSeq</a:t>
+            </a:r>
+            <a:r>
+              <a:rPr lang="ko-KR" altLang="en-US" sz="1600">
+                <a:latin typeface="Roboto" panose="02000000000000000000" pitchFamily="2" charset="0"/>
+              </a:rPr>
+              <a:t>: 1826 REGISTER</a:t>
+            </a:r>
+          </a:p>
+          <a:p>
+            <a:pPr>
+              <a:lnSpc>
+                <a:spcPct val="150000"/>
+              </a:lnSpc>
+            </a:pPr>
+            <a:r>
+              <a:rPr lang="ko-KR" altLang="en-US" sz="1600" err="1">
+                <a:latin typeface="Roboto" panose="02000000000000000000" pitchFamily="2" charset="0"/>
+              </a:rPr>
+              <a:t>Contact</a:t>
+            </a:r>
+            <a:r>
+              <a:rPr lang="ko-KR" altLang="en-US" sz="1600">
+                <a:latin typeface="Roboto" panose="02000000000000000000" pitchFamily="2" charset="0"/>
+              </a:rPr>
+              <a:t>: &lt;sip:bob@192.0.2.4&gt;</a:t>
+            </a:r>
+          </a:p>
+          <a:p>
+            <a:pPr>
+              <a:lnSpc>
+                <a:spcPct val="150000"/>
+              </a:lnSpc>
+            </a:pPr>
+            <a:r>
+              <a:rPr lang="ko-KR" altLang="en-US" sz="1600" err="1">
+                <a:latin typeface="Roboto" panose="02000000000000000000" pitchFamily="2" charset="0"/>
+              </a:rPr>
+              <a:t>Expires</a:t>
+            </a:r>
+            <a:r>
+              <a:rPr lang="ko-KR" altLang="en-US" sz="1600">
+                <a:latin typeface="Roboto" panose="02000000000000000000" pitchFamily="2" charset="0"/>
+              </a:rPr>
+              <a:t>: 7200</a:t>
+            </a:r>
+          </a:p>
+          <a:p>
+            <a:pPr>
+              <a:lnSpc>
+                <a:spcPct val="150000"/>
+              </a:lnSpc>
+            </a:pPr>
+            <a:r>
+              <a:rPr lang="ko-KR" altLang="en-US" sz="1600" err="1">
+                <a:latin typeface="Roboto" panose="02000000000000000000" pitchFamily="2" charset="0"/>
+              </a:rPr>
+              <a:t>Content-Length</a:t>
+            </a:r>
+            <a:r>
+              <a:rPr lang="ko-KR" altLang="en-US" sz="1600">
+                <a:latin typeface="Roboto" panose="02000000000000000000" pitchFamily="2" charset="0"/>
+              </a:rPr>
+              <a:t>: 0</a:t>
+            </a:r>
+          </a:p>
+        </p:txBody>
+      </p:sp>
+      <p:cxnSp>
+        <p:nvCxnSpPr>
+          <p:cNvPr id="6" name="연결선: 꺾임 5">
+            <a:extLst>
+              <a:ext uri="{FF2B5EF4-FFF2-40B4-BE49-F238E27FC236}">
+                <a16:creationId xmlns:a16="http://schemas.microsoft.com/office/drawing/2014/main" id="{D66F331E-0ED3-4D97-845D-0C5BB0C14B07}"/>
+              </a:ext>
+            </a:extLst>
+          </p:cNvPr>
+          <p:cNvCxnSpPr>
+            <a:cxnSpLocks/>
+            <a:stCxn id="15" idx="0"/>
+            <a:endCxn id="8" idx="1"/>
+          </p:cNvCxnSpPr>
+          <p:nvPr/>
+        </p:nvCxnSpPr>
+        <p:spPr>
+          <a:xfrm rot="5400000" flipH="1" flipV="1">
+            <a:off x="4925740" y="414351"/>
+            <a:ext cx="207749" cy="4379788"/>
+          </a:xfrm>
+          <a:prstGeom prst="bentConnector2">
+            <a:avLst/>
+          </a:prstGeom>
+          <a:ln>
+            <a:solidFill>
+              <a:schemeClr val="tx1"/>
+            </a:solidFill>
+          </a:ln>
+        </p:spPr>
+        <p:style>
+          <a:lnRef idx="1">
+            <a:schemeClr val="accent1"/>
+          </a:lnRef>
+          <a:fillRef idx="0">
+            <a:schemeClr val="accent1"/>
+          </a:fillRef>
+          <a:effectRef idx="0">
+            <a:schemeClr val="accent1"/>
+          </a:effectRef>
+          <a:fontRef idx="minor">
+            <a:schemeClr val="tx1"/>
+          </a:fontRef>
+        </p:style>
+      </p:cxnSp>
+      <p:sp>
+        <p:nvSpPr>
+          <p:cNvPr id="8" name="TextBox 7">
+            <a:extLst>
+              <a:ext uri="{FF2B5EF4-FFF2-40B4-BE49-F238E27FC236}">
+                <a16:creationId xmlns:a16="http://schemas.microsoft.com/office/drawing/2014/main" id="{0F73CBAF-30D9-46B6-B28A-A72D20B042BA}"/>
+              </a:ext>
+            </a:extLst>
+          </p:cNvPr>
+          <p:cNvSpPr txBox="1"/>
+          <p:nvPr/>
+        </p:nvSpPr>
+        <p:spPr>
+          <a:xfrm>
+            <a:off x="7219508" y="2292621"/>
+            <a:ext cx="4051109" cy="415498"/>
+          </a:xfrm>
+          <a:prstGeom prst="rect">
+            <a:avLst/>
+          </a:prstGeom>
+          <a:solidFill>
+            <a:schemeClr val="bg1"/>
+          </a:solidFill>
+          <a:ln>
+            <a:solidFill>
+              <a:schemeClr val="tx1"/>
+            </a:solidFill>
+          </a:ln>
+        </p:spPr>
+        <p:txBody>
+          <a:bodyPr wrap="none" rtlCol="0">
+            <a:spAutoFit/>
+          </a:bodyPr>
+          <a:lstStyle/>
+          <a:p>
+            <a:r>
+              <a:rPr lang="en-US" altLang="ko-KR" sz="1050" b="1">
+                <a:latin typeface="+mn-ea"/>
+              </a:rPr>
+              <a:t>Request-URI</a:t>
+            </a:r>
+            <a:r>
+              <a:rPr lang="en-US" altLang="ko-KR" sz="1050">
+                <a:latin typeface="+mn-ea"/>
+              </a:rPr>
+              <a:t>: registration</a:t>
+            </a:r>
+            <a:r>
+              <a:rPr lang="ko-KR" altLang="en-US" sz="1050">
+                <a:latin typeface="+mn-ea"/>
+              </a:rPr>
+              <a:t>을 위한 </a:t>
+            </a:r>
+            <a:r>
+              <a:rPr lang="en-US" altLang="ko-KR" sz="1050">
+                <a:latin typeface="+mn-ea"/>
+              </a:rPr>
+              <a:t>location service</a:t>
+            </a:r>
+            <a:r>
+              <a:rPr lang="ko-KR" altLang="en-US" sz="1050">
+                <a:latin typeface="+mn-ea"/>
+              </a:rPr>
+              <a:t>의 도메인 이름</a:t>
+            </a:r>
+            <a:endParaRPr lang="en-US" altLang="ko-KR" sz="1050">
+              <a:latin typeface="+mn-ea"/>
+            </a:endParaRPr>
+          </a:p>
+          <a:p>
+            <a:r>
+              <a:rPr lang="ko-KR" altLang="en-US" sz="1050">
+                <a:latin typeface="+mn-ea"/>
+              </a:rPr>
+              <a:t>“</a:t>
+            </a:r>
+            <a:r>
+              <a:rPr lang="en-US" altLang="ko-KR" sz="1050" err="1">
+                <a:latin typeface="+mn-ea"/>
+              </a:rPr>
+              <a:t>userinfo</a:t>
+            </a:r>
+            <a:r>
+              <a:rPr lang="en-US" altLang="ko-KR" sz="1050">
+                <a:latin typeface="+mn-ea"/>
+              </a:rPr>
+              <a:t>” </a:t>
+            </a:r>
+            <a:r>
+              <a:rPr lang="ko-KR" altLang="en-US" sz="1050">
+                <a:latin typeface="+mn-ea"/>
+              </a:rPr>
+              <a:t>및 </a:t>
+            </a:r>
+            <a:r>
+              <a:rPr lang="en-US" altLang="ko-KR" sz="1050">
+                <a:latin typeface="+mn-ea"/>
+              </a:rPr>
+              <a:t>“@” </a:t>
+            </a:r>
+            <a:r>
+              <a:rPr lang="ko-KR" altLang="en-US" sz="1050">
+                <a:latin typeface="+mn-ea"/>
+              </a:rPr>
+              <a:t>구성 요소는 없어야 한다</a:t>
+            </a:r>
+            <a:r>
+              <a:rPr lang="en-US" altLang="ko-KR" sz="1050">
+                <a:latin typeface="+mn-ea"/>
+              </a:rPr>
+              <a:t>.</a:t>
+            </a:r>
+            <a:endParaRPr lang="ko-KR" altLang="en-US" sz="1050">
+              <a:latin typeface="+mn-ea"/>
+            </a:endParaRPr>
+          </a:p>
+        </p:txBody>
+      </p:sp>
+      <p:sp>
+        <p:nvSpPr>
+          <p:cNvPr id="11" name="TextBox 10">
+            <a:extLst>
+              <a:ext uri="{FF2B5EF4-FFF2-40B4-BE49-F238E27FC236}">
+                <a16:creationId xmlns:a16="http://schemas.microsoft.com/office/drawing/2014/main" id="{5FA45DEE-F567-4F58-96BA-75172E907A53}"/>
+              </a:ext>
+            </a:extLst>
+          </p:cNvPr>
+          <p:cNvSpPr txBox="1"/>
+          <p:nvPr/>
+        </p:nvSpPr>
+        <p:spPr>
+          <a:xfrm>
+            <a:off x="7224588" y="3093910"/>
+            <a:ext cx="4483920" cy="900246"/>
+          </a:xfrm>
+          <a:prstGeom prst="rect">
+            <a:avLst/>
+          </a:prstGeom>
+          <a:solidFill>
+            <a:schemeClr val="bg1"/>
+          </a:solidFill>
+          <a:ln>
+            <a:solidFill>
+              <a:schemeClr val="tx1"/>
+            </a:solidFill>
+          </a:ln>
+        </p:spPr>
+        <p:txBody>
+          <a:bodyPr wrap="none" rtlCol="0">
+            <a:spAutoFit/>
+          </a:bodyPr>
+          <a:lstStyle/>
+          <a:p>
+            <a:r>
+              <a:rPr lang="en-US" altLang="ko-KR" sz="1050" b="1">
+                <a:latin typeface="+mn-ea"/>
+              </a:rPr>
+              <a:t>To</a:t>
+            </a:r>
+            <a:r>
+              <a:rPr lang="en-US" altLang="ko-KR" sz="1050">
+                <a:latin typeface="+mn-ea"/>
+              </a:rPr>
+              <a:t>: registration </a:t>
+            </a:r>
+            <a:r>
+              <a:rPr lang="ko-KR" altLang="en-US" sz="1050">
+                <a:latin typeface="+mn-ea"/>
+              </a:rPr>
+              <a:t>을 생성</a:t>
+            </a:r>
+            <a:r>
+              <a:rPr lang="en-US" altLang="ko-KR" sz="1050">
+                <a:latin typeface="+mn-ea"/>
+              </a:rPr>
+              <a:t>, </a:t>
+            </a:r>
+            <a:r>
+              <a:rPr lang="ko-KR" altLang="en-US" sz="1050">
+                <a:latin typeface="+mn-ea"/>
+              </a:rPr>
+              <a:t>수정</a:t>
+            </a:r>
+            <a:r>
+              <a:rPr lang="en-US" altLang="ko-KR" sz="1050">
+                <a:latin typeface="+mn-ea"/>
+              </a:rPr>
+              <a:t>, </a:t>
+            </a:r>
+            <a:r>
+              <a:rPr lang="ko-KR" altLang="en-US" sz="1050">
+                <a:latin typeface="+mn-ea"/>
+              </a:rPr>
+              <a:t>쿼리할 </a:t>
+            </a:r>
+            <a:r>
+              <a:rPr lang="en-US" altLang="ko-KR" sz="1050">
+                <a:latin typeface="+mn-ea"/>
+              </a:rPr>
+              <a:t>address-of-record </a:t>
+            </a:r>
+            <a:r>
+              <a:rPr lang="ko-KR" altLang="en-US" sz="1050">
+                <a:latin typeface="+mn-ea"/>
+              </a:rPr>
+              <a:t>가 포함된다</a:t>
+            </a:r>
+            <a:r>
+              <a:rPr lang="en-US" altLang="ko-KR" sz="1050">
+                <a:latin typeface="+mn-ea"/>
+              </a:rPr>
+              <a:t>.</a:t>
+            </a:r>
+            <a:br>
+              <a:rPr lang="en-US" altLang="ko-KR" sz="1050">
+                <a:latin typeface="+mn-ea"/>
+              </a:rPr>
+            </a:br>
+            <a:r>
+              <a:rPr lang="ko-KR" altLang="en-US" sz="1050">
+                <a:latin typeface="+mn-ea"/>
+              </a:rPr>
+              <a:t>반드시 </a:t>
+            </a:r>
+            <a:r>
+              <a:rPr lang="en-US" altLang="ko-KR" sz="1050">
+                <a:latin typeface="+mn-ea"/>
+              </a:rPr>
+              <a:t>SIP </a:t>
+            </a:r>
+            <a:r>
+              <a:rPr lang="ko-KR" altLang="en-US" sz="1050">
+                <a:latin typeface="+mn-ea"/>
+              </a:rPr>
+              <a:t>또는 </a:t>
+            </a:r>
+            <a:r>
+              <a:rPr lang="en-US" altLang="ko-KR" sz="1050">
+                <a:latin typeface="+mn-ea"/>
+              </a:rPr>
+              <a:t>SIPS URI</a:t>
+            </a:r>
+            <a:r>
+              <a:rPr lang="ko-KR" altLang="en-US" sz="1050">
+                <a:latin typeface="+mn-ea"/>
+              </a:rPr>
+              <a:t>여야 한다</a:t>
+            </a:r>
+            <a:r>
+              <a:rPr lang="en-US" altLang="ko-KR" sz="1050">
+                <a:latin typeface="+mn-ea"/>
+              </a:rPr>
+              <a:t>.</a:t>
+            </a:r>
+          </a:p>
+          <a:p>
+            <a:endParaRPr lang="en-US" altLang="ko-KR" sz="1050">
+              <a:latin typeface="+mn-ea"/>
+            </a:endParaRPr>
+          </a:p>
+          <a:p>
+            <a:r>
+              <a:rPr lang="en-US" altLang="ko-KR" sz="1050" b="1">
+                <a:latin typeface="+mn-ea"/>
+              </a:rPr>
+              <a:t>From</a:t>
+            </a:r>
+            <a:r>
+              <a:rPr lang="en-US" altLang="ko-KR" sz="1050">
+                <a:latin typeface="+mn-ea"/>
+              </a:rPr>
+              <a:t>: registration</a:t>
+            </a:r>
+            <a:r>
+              <a:rPr lang="ko-KR" altLang="en-US" sz="1050">
+                <a:latin typeface="+mn-ea"/>
+              </a:rPr>
+              <a:t>을 담당한 사람의 </a:t>
+            </a:r>
+            <a:r>
+              <a:rPr lang="en-US" altLang="ko-KR" sz="1050">
+                <a:latin typeface="+mn-ea"/>
+              </a:rPr>
+              <a:t>address-of-record</a:t>
+            </a:r>
+            <a:r>
+              <a:rPr lang="ko-KR" altLang="en-US" sz="1050">
+                <a:latin typeface="+mn-ea"/>
+              </a:rPr>
+              <a:t>가 포함된다</a:t>
+            </a:r>
+            <a:r>
+              <a:rPr lang="en-US" altLang="ko-KR" sz="1050">
+                <a:latin typeface="+mn-ea"/>
+              </a:rPr>
+              <a:t>.  </a:t>
+            </a:r>
+          </a:p>
+          <a:p>
+            <a:r>
+              <a:rPr lang="ko-KR" altLang="en-US" sz="1050">
+                <a:latin typeface="+mn-ea"/>
+              </a:rPr>
+              <a:t>이 값은 요청이 </a:t>
+            </a:r>
+            <a:r>
+              <a:rPr lang="en-US" altLang="ko-KR" sz="1050">
+                <a:latin typeface="+mn-ea"/>
+              </a:rPr>
+              <a:t>third- party registration</a:t>
+            </a:r>
+            <a:r>
+              <a:rPr lang="ko-KR" altLang="en-US" sz="1050">
+                <a:latin typeface="+mn-ea"/>
+              </a:rPr>
+              <a:t>이 아닌 한 </a:t>
+            </a:r>
+            <a:r>
+              <a:rPr lang="en-US" altLang="ko-KR" sz="1050">
+                <a:latin typeface="+mn-ea"/>
+              </a:rPr>
+              <a:t>To </a:t>
+            </a:r>
+            <a:r>
+              <a:rPr lang="ko-KR" altLang="en-US" sz="1050">
+                <a:latin typeface="+mn-ea"/>
+              </a:rPr>
+              <a:t>헤더 필드와 동일하다</a:t>
+            </a:r>
+            <a:r>
+              <a:rPr lang="en-US" altLang="ko-KR" sz="1050">
+                <a:latin typeface="+mn-ea"/>
+              </a:rPr>
+              <a:t>.</a:t>
+            </a:r>
+            <a:endParaRPr lang="ko-KR" altLang="en-US" sz="1050">
+              <a:latin typeface="+mn-ea"/>
+            </a:endParaRPr>
+          </a:p>
+        </p:txBody>
+      </p:sp>
+      <p:cxnSp>
+        <p:nvCxnSpPr>
+          <p:cNvPr id="12" name="연결선: 꺾임 11">
+            <a:extLst>
+              <a:ext uri="{FF2B5EF4-FFF2-40B4-BE49-F238E27FC236}">
+                <a16:creationId xmlns:a16="http://schemas.microsoft.com/office/drawing/2014/main" id="{54442D91-C8A3-4D5D-A683-5C4C4B944621}"/>
+              </a:ext>
+            </a:extLst>
+          </p:cNvPr>
+          <p:cNvCxnSpPr>
+            <a:cxnSpLocks/>
+          </p:cNvCxnSpPr>
+          <p:nvPr/>
+        </p:nvCxnSpPr>
+        <p:spPr>
+          <a:xfrm>
+            <a:off x="3728720" y="3942134"/>
+            <a:ext cx="1300893" cy="375866"/>
+          </a:xfrm>
+          <a:prstGeom prst="bentConnector3">
+            <a:avLst>
+              <a:gd name="adj1" fmla="val 146063"/>
+            </a:avLst>
+          </a:prstGeom>
+          <a:ln w="9525">
+            <a:solidFill>
+              <a:schemeClr val="tx1"/>
+            </a:solidFill>
+          </a:ln>
+        </p:spPr>
+        <p:style>
+          <a:lnRef idx="1">
+            <a:schemeClr val="accent1"/>
+          </a:lnRef>
+          <a:fillRef idx="0">
+            <a:schemeClr val="accent1"/>
+          </a:fillRef>
+          <a:effectRef idx="0">
+            <a:schemeClr val="accent1"/>
+          </a:effectRef>
+          <a:fontRef idx="minor">
+            <a:schemeClr val="tx1"/>
+          </a:fontRef>
+        </p:style>
+      </p:cxnSp>
+      <p:sp>
+        <p:nvSpPr>
+          <p:cNvPr id="15" name="직사각형 14">
+            <a:extLst>
+              <a:ext uri="{FF2B5EF4-FFF2-40B4-BE49-F238E27FC236}">
+                <a16:creationId xmlns:a16="http://schemas.microsoft.com/office/drawing/2014/main" id="{7B761165-4271-4444-992D-3F7593CC93CD}"/>
+              </a:ext>
+            </a:extLst>
+          </p:cNvPr>
+          <p:cNvSpPr/>
+          <p:nvPr/>
+        </p:nvSpPr>
+        <p:spPr>
+          <a:xfrm>
+            <a:off x="1778000" y="2708119"/>
+            <a:ext cx="2123440" cy="317760"/>
+          </a:xfrm>
+          <a:prstGeom prst="rect">
+            <a:avLst/>
+          </a:prstGeom>
+          <a:noFill/>
+          <a:ln w="19050">
+            <a:solidFill>
+              <a:srgbClr val="FF0000"/>
+            </a:solidFill>
+          </a:ln>
+        </p:spPr>
+        <p:style>
+          <a:lnRef idx="2">
+            <a:schemeClr val="accent1">
+              <a:shade val="50000"/>
+            </a:schemeClr>
+          </a:lnRef>
+          <a:fillRef idx="1">
+            <a:schemeClr val="accent1"/>
+          </a:fillRef>
+          <a:effectRef idx="0">
+            <a:schemeClr val="accent1"/>
+          </a:effectRef>
+          <a:fontRef idx="minor">
+            <a:schemeClr val="lt1"/>
+          </a:fontRef>
+        </p:style>
+        <p:txBody>
+          <a:bodyPr rtlCol="0" anchor="ctr"/>
+          <a:lstStyle/>
+          <a:p>
+            <a:pPr algn="ctr"/>
+            <a:endParaRPr lang="ko-KR" altLang="en-US"/>
+          </a:p>
+        </p:txBody>
+      </p:sp>
+      <p:sp>
+        <p:nvSpPr>
+          <p:cNvPr id="32" name="TextBox 31">
+            <a:extLst>
+              <a:ext uri="{FF2B5EF4-FFF2-40B4-BE49-F238E27FC236}">
+                <a16:creationId xmlns:a16="http://schemas.microsoft.com/office/drawing/2014/main" id="{BC7C56E3-2266-4C83-8905-71BA7CD44F43}"/>
+              </a:ext>
+            </a:extLst>
+          </p:cNvPr>
+          <p:cNvSpPr txBox="1"/>
+          <p:nvPr/>
+        </p:nvSpPr>
+        <p:spPr>
+          <a:xfrm>
+            <a:off x="6781984" y="4374900"/>
+            <a:ext cx="4658648" cy="415498"/>
+          </a:xfrm>
+          <a:prstGeom prst="rect">
+            <a:avLst/>
+          </a:prstGeom>
+          <a:solidFill>
+            <a:schemeClr val="bg1"/>
+          </a:solidFill>
+          <a:ln>
+            <a:solidFill>
+              <a:schemeClr val="tx1"/>
+            </a:solidFill>
+          </a:ln>
+        </p:spPr>
+        <p:txBody>
+          <a:bodyPr wrap="none" rtlCol="0">
+            <a:spAutoFit/>
+          </a:bodyPr>
+          <a:lstStyle/>
+          <a:p>
+            <a:r>
+              <a:rPr lang="en-US" altLang="ko-KR" sz="1050" b="1">
+                <a:latin typeface="+mn-ea"/>
+              </a:rPr>
+              <a:t>Call-ID</a:t>
+            </a:r>
+            <a:r>
+              <a:rPr lang="en-US" altLang="ko-KR" sz="1050">
+                <a:latin typeface="+mn-ea"/>
+              </a:rPr>
+              <a:t>: UAC</a:t>
+            </a:r>
+            <a:r>
+              <a:rPr lang="ko-KR" altLang="en-US" sz="1050">
+                <a:latin typeface="+mn-ea"/>
+              </a:rPr>
+              <a:t>의 모든 </a:t>
+            </a:r>
+            <a:r>
+              <a:rPr lang="en-US" altLang="ko-KR" sz="1050">
+                <a:latin typeface="+mn-ea"/>
+              </a:rPr>
+              <a:t>registration</a:t>
+            </a:r>
+            <a:r>
+              <a:rPr lang="ko-KR" altLang="en-US" sz="1050">
+                <a:latin typeface="+mn-ea"/>
+              </a:rPr>
+              <a:t>은 특정 </a:t>
+            </a:r>
+            <a:r>
+              <a:rPr lang="en-US" altLang="ko-KR" sz="1050">
+                <a:latin typeface="+mn-ea"/>
+              </a:rPr>
+              <a:t>registrar</a:t>
+            </a:r>
+            <a:r>
+              <a:rPr lang="ko-KR" altLang="en-US" sz="1050">
+                <a:latin typeface="+mn-ea"/>
+              </a:rPr>
+              <a:t>로 전송되는 </a:t>
+            </a:r>
+            <a:r>
+              <a:rPr lang="en-US" altLang="ko-KR" sz="1050">
+                <a:latin typeface="+mn-ea"/>
+              </a:rPr>
+              <a:t>registration</a:t>
+            </a:r>
+            <a:r>
+              <a:rPr lang="ko-KR" altLang="en-US" sz="1050">
+                <a:latin typeface="+mn-ea"/>
+              </a:rPr>
+              <a:t>에 </a:t>
+            </a:r>
+            <a:br>
+              <a:rPr lang="en-US" altLang="ko-KR" sz="1050">
+                <a:latin typeface="+mn-ea"/>
+              </a:rPr>
+            </a:br>
+            <a:r>
+              <a:rPr lang="ko-KR" altLang="en-US" sz="1050">
+                <a:latin typeface="+mn-ea"/>
+              </a:rPr>
+              <a:t>동일한 </a:t>
+            </a:r>
+            <a:r>
+              <a:rPr lang="en-US" altLang="ko-KR" sz="1050">
+                <a:latin typeface="+mn-ea"/>
+              </a:rPr>
+              <a:t>Call-ID </a:t>
+            </a:r>
+            <a:r>
+              <a:rPr lang="ko-KR" altLang="en-US" sz="1050">
+                <a:latin typeface="+mn-ea"/>
+              </a:rPr>
+              <a:t>헤더 필드 값을 사용해야 한다</a:t>
+            </a:r>
+            <a:r>
+              <a:rPr lang="en-US" altLang="ko-KR" sz="1050">
+                <a:latin typeface="+mn-ea"/>
+              </a:rPr>
+              <a:t>. </a:t>
+            </a:r>
+          </a:p>
+        </p:txBody>
+      </p:sp>
+      <p:sp>
+        <p:nvSpPr>
+          <p:cNvPr id="33" name="TextBox 32">
+            <a:extLst>
+              <a:ext uri="{FF2B5EF4-FFF2-40B4-BE49-F238E27FC236}">
+                <a16:creationId xmlns:a16="http://schemas.microsoft.com/office/drawing/2014/main" id="{261C67EC-F157-4DD4-AA8F-775ACC42B867}"/>
+              </a:ext>
+            </a:extLst>
+          </p:cNvPr>
+          <p:cNvSpPr txBox="1"/>
+          <p:nvPr/>
+        </p:nvSpPr>
+        <p:spPr>
+          <a:xfrm>
+            <a:off x="7100982" y="5069459"/>
+            <a:ext cx="4339650" cy="415498"/>
+          </a:xfrm>
+          <a:prstGeom prst="rect">
+            <a:avLst/>
+          </a:prstGeom>
+          <a:solidFill>
+            <a:schemeClr val="bg1"/>
+          </a:solidFill>
+          <a:ln>
+            <a:solidFill>
+              <a:schemeClr val="tx1"/>
+            </a:solidFill>
+          </a:ln>
+        </p:spPr>
+        <p:txBody>
+          <a:bodyPr wrap="none" rtlCol="0">
+            <a:spAutoFit/>
+          </a:bodyPr>
+          <a:lstStyle/>
+          <a:p>
+            <a:r>
+              <a:rPr lang="en-US" altLang="ko-KR" sz="1050" b="1" err="1">
+                <a:latin typeface="+mn-ea"/>
+              </a:rPr>
+              <a:t>CSeq</a:t>
+            </a:r>
+            <a:r>
+              <a:rPr lang="en-US" altLang="ko-KR" sz="1050">
+                <a:latin typeface="+mn-ea"/>
+              </a:rPr>
+              <a:t>: REGISTER </a:t>
+            </a:r>
+            <a:r>
+              <a:rPr lang="ko-KR" altLang="en-US" sz="1050">
+                <a:latin typeface="+mn-ea"/>
+              </a:rPr>
+              <a:t>요청의 적절한 순서를 보장한다</a:t>
+            </a:r>
+            <a:r>
+              <a:rPr lang="en-US" altLang="ko-KR" sz="1050">
+                <a:latin typeface="+mn-ea"/>
+              </a:rPr>
+              <a:t>.  UA</a:t>
+            </a:r>
+            <a:r>
+              <a:rPr lang="ko-KR" altLang="en-US" sz="1050">
+                <a:latin typeface="+mn-ea"/>
+              </a:rPr>
+              <a:t>는 동일한 </a:t>
+            </a:r>
+            <a:r>
+              <a:rPr lang="en-US" altLang="ko-KR" sz="1050">
+                <a:latin typeface="+mn-ea"/>
+              </a:rPr>
+              <a:t>Call-ID</a:t>
+            </a:r>
+            <a:r>
+              <a:rPr lang="ko-KR" altLang="en-US" sz="1050">
+                <a:latin typeface="+mn-ea"/>
+              </a:rPr>
+              <a:t>를 </a:t>
+            </a:r>
+            <a:br>
+              <a:rPr lang="en-US" altLang="ko-KR" sz="1050">
+                <a:latin typeface="+mn-ea"/>
+              </a:rPr>
+            </a:br>
+            <a:r>
+              <a:rPr lang="ko-KR" altLang="en-US" sz="1050">
+                <a:latin typeface="+mn-ea"/>
+              </a:rPr>
+              <a:t>가진 각 </a:t>
+            </a:r>
+            <a:r>
+              <a:rPr lang="en-US" altLang="ko-KR" sz="1050">
+                <a:latin typeface="+mn-ea"/>
+              </a:rPr>
+              <a:t>REGISTER </a:t>
+            </a:r>
+            <a:r>
+              <a:rPr lang="ko-KR" altLang="en-US" sz="1050">
+                <a:latin typeface="+mn-ea"/>
+              </a:rPr>
+              <a:t>요청에 대해 </a:t>
+            </a:r>
+            <a:r>
+              <a:rPr lang="en-US" altLang="ko-KR" sz="1050" err="1">
+                <a:latin typeface="+mn-ea"/>
+              </a:rPr>
+              <a:t>CSeq</a:t>
+            </a:r>
+            <a:r>
+              <a:rPr lang="en-US" altLang="ko-KR" sz="1050">
+                <a:latin typeface="+mn-ea"/>
+              </a:rPr>
+              <a:t> </a:t>
+            </a:r>
+            <a:r>
+              <a:rPr lang="ko-KR" altLang="en-US" sz="1050">
+                <a:latin typeface="+mn-ea"/>
+              </a:rPr>
+              <a:t>값을 </a:t>
+            </a:r>
+            <a:r>
+              <a:rPr lang="en-US" altLang="ko-KR" sz="1050">
+                <a:latin typeface="+mn-ea"/>
+              </a:rPr>
+              <a:t>1</a:t>
+            </a:r>
+            <a:r>
+              <a:rPr lang="ko-KR" altLang="en-US" sz="1050">
+                <a:latin typeface="+mn-ea"/>
+              </a:rPr>
+              <a:t>씩 증가시켜야 한다</a:t>
+            </a:r>
+            <a:r>
+              <a:rPr lang="en-US" altLang="ko-KR" sz="1050">
+                <a:latin typeface="+mn-ea"/>
+              </a:rPr>
+              <a:t>.</a:t>
+            </a:r>
+          </a:p>
+        </p:txBody>
+      </p:sp>
+      <p:cxnSp>
+        <p:nvCxnSpPr>
+          <p:cNvPr id="36" name="연결선: 꺾임 35">
+            <a:extLst>
+              <a:ext uri="{FF2B5EF4-FFF2-40B4-BE49-F238E27FC236}">
+                <a16:creationId xmlns:a16="http://schemas.microsoft.com/office/drawing/2014/main" id="{364FBCB5-25B4-4EAC-A0A9-BD41E41B3FAB}"/>
+              </a:ext>
+            </a:extLst>
+          </p:cNvPr>
+          <p:cNvCxnSpPr>
+            <a:stCxn id="11" idx="1"/>
+          </p:cNvCxnSpPr>
+          <p:nvPr/>
+        </p:nvCxnSpPr>
+        <p:spPr>
+          <a:xfrm rot="10800000" flipV="1">
+            <a:off x="5628640" y="3544032"/>
+            <a:ext cx="1595948" cy="580927"/>
+          </a:xfrm>
+          <a:prstGeom prst="bentConnector3">
+            <a:avLst/>
+          </a:prstGeom>
+          <a:ln>
+            <a:solidFill>
+              <a:schemeClr val="tx1"/>
+            </a:solidFill>
+          </a:ln>
+        </p:spPr>
+        <p:style>
+          <a:lnRef idx="1">
+            <a:schemeClr val="accent1"/>
+          </a:lnRef>
+          <a:fillRef idx="0">
+            <a:schemeClr val="accent1"/>
+          </a:fillRef>
+          <a:effectRef idx="0">
+            <a:schemeClr val="accent1"/>
+          </a:effectRef>
+          <a:fontRef idx="minor">
+            <a:schemeClr val="tx1"/>
+          </a:fontRef>
+        </p:style>
+      </p:cxnSp>
+      <p:cxnSp>
+        <p:nvCxnSpPr>
+          <p:cNvPr id="38" name="연결선: 꺾임 37">
+            <a:extLst>
+              <a:ext uri="{FF2B5EF4-FFF2-40B4-BE49-F238E27FC236}">
+                <a16:creationId xmlns:a16="http://schemas.microsoft.com/office/drawing/2014/main" id="{DD7C7AE8-3432-461F-983D-D877A2A4443F}"/>
+              </a:ext>
+            </a:extLst>
+          </p:cNvPr>
+          <p:cNvCxnSpPr>
+            <a:endCxn id="32" idx="1"/>
+          </p:cNvCxnSpPr>
+          <p:nvPr/>
+        </p:nvCxnSpPr>
+        <p:spPr>
+          <a:xfrm flipV="1">
+            <a:off x="4754880" y="4582649"/>
+            <a:ext cx="2027104" cy="111271"/>
+          </a:xfrm>
+          <a:prstGeom prst="bentConnector3">
+            <a:avLst/>
+          </a:prstGeom>
+          <a:ln>
+            <a:solidFill>
+              <a:schemeClr val="tx1"/>
+            </a:solidFill>
+          </a:ln>
+        </p:spPr>
+        <p:style>
+          <a:lnRef idx="1">
+            <a:schemeClr val="accent1"/>
+          </a:lnRef>
+          <a:fillRef idx="0">
+            <a:schemeClr val="accent1"/>
+          </a:fillRef>
+          <a:effectRef idx="0">
+            <a:schemeClr val="accent1"/>
+          </a:effectRef>
+          <a:fontRef idx="minor">
+            <a:schemeClr val="tx1"/>
+          </a:fontRef>
+        </p:style>
+      </p:cxnSp>
+      <p:cxnSp>
+        <p:nvCxnSpPr>
+          <p:cNvPr id="40" name="연결선: 꺾임 39">
+            <a:extLst>
+              <a:ext uri="{FF2B5EF4-FFF2-40B4-BE49-F238E27FC236}">
+                <a16:creationId xmlns:a16="http://schemas.microsoft.com/office/drawing/2014/main" id="{0D187908-DA07-4986-8ABD-DB973CC8D39C}"/>
+              </a:ext>
+            </a:extLst>
+          </p:cNvPr>
+          <p:cNvCxnSpPr>
+            <a:endCxn id="33" idx="1"/>
+          </p:cNvCxnSpPr>
+          <p:nvPr/>
+        </p:nvCxnSpPr>
+        <p:spPr>
+          <a:xfrm>
+            <a:off x="2976880" y="5069459"/>
+            <a:ext cx="4124102" cy="207749"/>
+          </a:xfrm>
+          <a:prstGeom prst="bentConnector3">
+            <a:avLst/>
+          </a:prstGeom>
+          <a:ln>
+            <a:solidFill>
+              <a:schemeClr val="tx1"/>
+            </a:solidFill>
+          </a:ln>
+        </p:spPr>
+        <p:style>
+          <a:lnRef idx="1">
+            <a:schemeClr val="accent1"/>
+          </a:lnRef>
+          <a:fillRef idx="0">
+            <a:schemeClr val="accent1"/>
+          </a:fillRef>
+          <a:effectRef idx="0">
+            <a:schemeClr val="accent1"/>
+          </a:effectRef>
+          <a:fontRef idx="minor">
+            <a:schemeClr val="tx1"/>
+          </a:fontRef>
+        </p:style>
+      </p:cxnSp>
+      <p:sp>
+        <p:nvSpPr>
+          <p:cNvPr id="41" name="TextBox 40">
+            <a:extLst>
+              <a:ext uri="{FF2B5EF4-FFF2-40B4-BE49-F238E27FC236}">
+                <a16:creationId xmlns:a16="http://schemas.microsoft.com/office/drawing/2014/main" id="{96E43B37-0F30-4E3E-8AC8-1D91F524D638}"/>
+              </a:ext>
+            </a:extLst>
+          </p:cNvPr>
+          <p:cNvSpPr txBox="1"/>
+          <p:nvPr/>
+        </p:nvSpPr>
+        <p:spPr>
+          <a:xfrm>
+            <a:off x="5659797" y="5724051"/>
+            <a:ext cx="4416594" cy="900246"/>
+          </a:xfrm>
+          <a:prstGeom prst="rect">
+            <a:avLst/>
+          </a:prstGeom>
+          <a:solidFill>
+            <a:schemeClr val="bg1"/>
+          </a:solidFill>
+          <a:ln>
+            <a:solidFill>
+              <a:schemeClr val="tx1"/>
+            </a:solidFill>
+          </a:ln>
+        </p:spPr>
+        <p:txBody>
+          <a:bodyPr wrap="none" rtlCol="0">
+            <a:spAutoFit/>
+          </a:bodyPr>
+          <a:lstStyle/>
+          <a:p>
+            <a:r>
+              <a:rPr lang="en-US" altLang="ko-KR" sz="1050" b="1">
+                <a:latin typeface="+mn-ea"/>
+              </a:rPr>
+              <a:t>Contact</a:t>
+            </a:r>
+            <a:r>
+              <a:rPr lang="en-US" altLang="ko-KR" sz="1050">
+                <a:latin typeface="+mn-ea"/>
+              </a:rPr>
+              <a:t>: REGISTER </a:t>
+            </a:r>
+            <a:r>
+              <a:rPr lang="ko-KR" altLang="en-US" sz="1050">
+                <a:latin typeface="+mn-ea"/>
+              </a:rPr>
+              <a:t>요청에는 </a:t>
+            </a:r>
+            <a:r>
+              <a:rPr lang="en-US" altLang="ko-KR" sz="1050">
+                <a:latin typeface="+mn-ea"/>
+              </a:rPr>
+              <a:t>address binding</a:t>
+            </a:r>
+            <a:r>
+              <a:rPr lang="ko-KR" altLang="en-US" sz="1050">
+                <a:latin typeface="+mn-ea"/>
+              </a:rPr>
+              <a:t>이 포함된 값이 </a:t>
+            </a:r>
+            <a:r>
+              <a:rPr lang="en-US" altLang="ko-KR" sz="1050">
+                <a:latin typeface="+mn-ea"/>
+              </a:rPr>
+              <a:t>0</a:t>
+            </a:r>
+            <a:r>
+              <a:rPr lang="ko-KR" altLang="en-US" sz="1050">
+                <a:latin typeface="+mn-ea"/>
+              </a:rPr>
+              <a:t>개 이상인 </a:t>
+            </a:r>
+            <a:br>
+              <a:rPr lang="en-US" altLang="ko-KR" sz="1050">
+                <a:latin typeface="+mn-ea"/>
+              </a:rPr>
+            </a:br>
+            <a:r>
+              <a:rPr lang="en-US" altLang="ko-KR" sz="1050">
+                <a:latin typeface="+mn-ea"/>
+              </a:rPr>
+              <a:t>Contact </a:t>
+            </a:r>
+            <a:r>
+              <a:rPr lang="ko-KR" altLang="en-US" sz="1050">
+                <a:latin typeface="+mn-ea"/>
+              </a:rPr>
+              <a:t>헤더 필드가 포함될 수 있다</a:t>
+            </a:r>
+            <a:r>
+              <a:rPr lang="en-US" altLang="ko-KR" sz="1050">
+                <a:latin typeface="+mn-ea"/>
+              </a:rPr>
+              <a:t>. (optional)</a:t>
+            </a:r>
+          </a:p>
+          <a:p>
+            <a:endParaRPr lang="en-US" altLang="ko-KR" sz="1050">
+              <a:latin typeface="+mn-ea"/>
+            </a:endParaRPr>
+          </a:p>
+          <a:p>
+            <a:r>
+              <a:rPr lang="en-US" altLang="ko-KR" sz="1050">
+                <a:latin typeface="+mn-ea"/>
+              </a:rPr>
+              <a:t>“</a:t>
+            </a:r>
+            <a:r>
+              <a:rPr lang="en-US" altLang="ko-KR" sz="1050" b="1">
+                <a:latin typeface="+mn-ea"/>
+              </a:rPr>
+              <a:t>expires</a:t>
+            </a:r>
+            <a:r>
+              <a:rPr lang="en-US" altLang="ko-KR" sz="1050">
+                <a:latin typeface="+mn-ea"/>
+              </a:rPr>
+              <a:t>” </a:t>
+            </a:r>
+            <a:r>
+              <a:rPr lang="ko-KR" altLang="en-US" sz="1050">
+                <a:latin typeface="+mn-ea"/>
+              </a:rPr>
+              <a:t>매개변수를 사용하면 </a:t>
+            </a:r>
+            <a:r>
+              <a:rPr lang="en-US" altLang="ko-KR" sz="1050">
+                <a:latin typeface="+mn-ea"/>
+              </a:rPr>
+              <a:t>UA</a:t>
+            </a:r>
+            <a:r>
+              <a:rPr lang="ko-KR" altLang="en-US" sz="1050">
+                <a:latin typeface="+mn-ea"/>
+              </a:rPr>
+              <a:t>가 바인딩을 유효하게 유지하려는 기간을</a:t>
+            </a:r>
+            <a:br>
+              <a:rPr lang="en-US" altLang="ko-KR" sz="1050">
+                <a:latin typeface="+mn-ea"/>
+              </a:rPr>
+            </a:br>
+            <a:r>
+              <a:rPr lang="ko-KR" altLang="en-US" sz="1050">
+                <a:latin typeface="+mn-ea"/>
+              </a:rPr>
+              <a:t>나타낸다</a:t>
+            </a:r>
+            <a:r>
+              <a:rPr lang="en-US" altLang="ko-KR" sz="1050">
+                <a:latin typeface="+mn-ea"/>
+              </a:rPr>
+              <a:t>. </a:t>
+            </a:r>
+            <a:r>
+              <a:rPr lang="ko-KR" altLang="en-US" sz="1050">
+                <a:latin typeface="+mn-ea"/>
+              </a:rPr>
+              <a:t>제공되지 않으면 </a:t>
+            </a:r>
+            <a:r>
+              <a:rPr lang="en-US" altLang="ko-KR" sz="1050">
+                <a:latin typeface="+mn-ea"/>
+              </a:rPr>
+              <a:t>Expires </a:t>
+            </a:r>
+            <a:r>
+              <a:rPr lang="ko-KR" altLang="en-US" sz="1050">
+                <a:latin typeface="+mn-ea"/>
+              </a:rPr>
+              <a:t>헤더 값이 대신 사용</a:t>
+            </a:r>
+            <a:endParaRPr lang="en-US" altLang="ko-KR" sz="1050">
+              <a:latin typeface="+mn-ea"/>
+            </a:endParaRPr>
+          </a:p>
+        </p:txBody>
+      </p:sp>
+      <p:cxnSp>
+        <p:nvCxnSpPr>
+          <p:cNvPr id="43" name="연결선: 꺾임 42">
+            <a:extLst>
+              <a:ext uri="{FF2B5EF4-FFF2-40B4-BE49-F238E27FC236}">
+                <a16:creationId xmlns:a16="http://schemas.microsoft.com/office/drawing/2014/main" id="{71812226-23ED-4F18-8A08-D598009B549A}"/>
+              </a:ext>
+            </a:extLst>
+          </p:cNvPr>
+          <p:cNvCxnSpPr>
+            <a:cxnSpLocks/>
+            <a:stCxn id="41" idx="1"/>
+          </p:cNvCxnSpPr>
+          <p:nvPr/>
+        </p:nvCxnSpPr>
+        <p:spPr>
+          <a:xfrm rot="10800000">
+            <a:off x="3747527" y="5390882"/>
+            <a:ext cx="1912270" cy="783293"/>
+          </a:xfrm>
+          <a:prstGeom prst="bentConnector3">
+            <a:avLst>
+              <a:gd name="adj1" fmla="val 50000"/>
+            </a:avLst>
+          </a:prstGeom>
+          <a:ln>
+            <a:solidFill>
+              <a:schemeClr val="tx1"/>
+            </a:solidFill>
+          </a:ln>
+        </p:spPr>
+        <p:style>
+          <a:lnRef idx="1">
+            <a:schemeClr val="accent1"/>
+          </a:lnRef>
+          <a:fillRef idx="0">
+            <a:schemeClr val="accent1"/>
+          </a:fillRef>
+          <a:effectRef idx="0">
+            <a:schemeClr val="accent1"/>
+          </a:effectRef>
+          <a:fontRef idx="minor">
+            <a:schemeClr val="tx1"/>
+          </a:fontRef>
+        </p:style>
+      </p:cxnSp>
+      <p:sp>
+        <p:nvSpPr>
+          <p:cNvPr id="50" name="직사각형 49">
+            <a:extLst>
+              <a:ext uri="{FF2B5EF4-FFF2-40B4-BE49-F238E27FC236}">
+                <a16:creationId xmlns:a16="http://schemas.microsoft.com/office/drawing/2014/main" id="{6BD71A7F-E7DB-44B6-A054-AC0FCA4BB57F}"/>
+              </a:ext>
+            </a:extLst>
+          </p:cNvPr>
+          <p:cNvSpPr/>
+          <p:nvPr/>
+        </p:nvSpPr>
+        <p:spPr>
+          <a:xfrm>
+            <a:off x="751367" y="923065"/>
+            <a:ext cx="11147556" cy="1025474"/>
+          </a:xfrm>
+          <a:prstGeom prst="rect">
+            <a:avLst/>
+          </a:prstGeom>
+        </p:spPr>
+        <p:txBody>
+          <a:bodyPr wrap="square">
+            <a:spAutoFit/>
+          </a:bodyPr>
+          <a:lstStyle/>
+          <a:p>
+            <a:pPr marL="285750" indent="-285750">
+              <a:lnSpc>
+                <a:spcPct val="150000"/>
+              </a:lnSpc>
+              <a:buFont typeface="Arial" panose="020B0604020202020204" pitchFamily="34" charset="0"/>
+              <a:buChar char="•"/>
+            </a:pPr>
+            <a:r>
+              <a:rPr lang="ko-KR" altLang="en-US" sz="1400" err="1">
+                <a:latin typeface="Roboto" panose="02000000000000000000" pitchFamily="2" charset="0"/>
+              </a:rPr>
+              <a:t>REGISTER는</a:t>
+            </a:r>
+            <a:r>
+              <a:rPr lang="ko-KR" altLang="en-US" sz="1400">
+                <a:latin typeface="Roboto" panose="02000000000000000000" pitchFamily="2" charset="0"/>
+              </a:rPr>
+              <a:t> 다이얼로그를 생성하지 않음</a:t>
+            </a:r>
+            <a:r>
+              <a:rPr lang="en-US" altLang="ko-KR" sz="1400">
+                <a:latin typeface="Roboto" panose="02000000000000000000" pitchFamily="2" charset="0"/>
+              </a:rPr>
+              <a:t>.</a:t>
+            </a:r>
+          </a:p>
+          <a:p>
+            <a:pPr marL="285750" indent="-285750">
+              <a:lnSpc>
+                <a:spcPct val="150000"/>
+              </a:lnSpc>
+              <a:buFont typeface="Arial" panose="020B0604020202020204" pitchFamily="34" charset="0"/>
+              <a:buChar char="•"/>
+            </a:pPr>
+            <a:r>
+              <a:rPr lang="en-US" altLang="ko-KR" sz="1400">
+                <a:latin typeface="Roboto" panose="02000000000000000000" pitchFamily="2" charset="0"/>
+              </a:rPr>
+              <a:t>Record-Route </a:t>
+            </a:r>
+            <a:r>
+              <a:rPr lang="ko-KR" altLang="en-US" sz="1400">
+                <a:latin typeface="Roboto" panose="02000000000000000000" pitchFamily="2" charset="0"/>
+              </a:rPr>
+              <a:t>헤더 필드는 </a:t>
+            </a:r>
+            <a:r>
+              <a:rPr lang="en-US" altLang="ko-KR" sz="1400">
+                <a:latin typeface="Roboto" panose="02000000000000000000" pitchFamily="2" charset="0"/>
+              </a:rPr>
+              <a:t>REGISTER </a:t>
+            </a:r>
+            <a:r>
+              <a:rPr lang="ko-KR" altLang="en-US" sz="1400">
+                <a:latin typeface="Roboto" panose="02000000000000000000" pitchFamily="2" charset="0"/>
+              </a:rPr>
+              <a:t>요청이나 응답에서 아무런 의미가 없으며</a:t>
+            </a:r>
+            <a:r>
+              <a:rPr lang="en-US" altLang="ko-KR" sz="1400">
+                <a:latin typeface="Roboto" panose="02000000000000000000" pitchFamily="2" charset="0"/>
+              </a:rPr>
+              <a:t>, </a:t>
+            </a:r>
+            <a:r>
+              <a:rPr lang="ko-KR" altLang="en-US" sz="1400">
+                <a:latin typeface="Roboto" panose="02000000000000000000" pitchFamily="2" charset="0"/>
+              </a:rPr>
+              <a:t>존재할 경우 무시해야 함</a:t>
+            </a:r>
+            <a:r>
+              <a:rPr lang="en-US" altLang="ko-KR" sz="1400">
+                <a:latin typeface="Roboto" panose="02000000000000000000" pitchFamily="2" charset="0"/>
+              </a:rPr>
+              <a:t>.</a:t>
+            </a:r>
+          </a:p>
+          <a:p>
+            <a:pPr marL="285750" indent="-285750">
+              <a:lnSpc>
+                <a:spcPct val="150000"/>
+              </a:lnSpc>
+              <a:buFont typeface="Arial" panose="020B0604020202020204" pitchFamily="34" charset="0"/>
+              <a:buChar char="•"/>
+            </a:pPr>
+            <a:r>
+              <a:rPr lang="en-US" altLang="ko-KR" sz="1400">
+                <a:latin typeface="Roboto" panose="02000000000000000000" pitchFamily="2" charset="0"/>
+              </a:rPr>
+              <a:t>UA</a:t>
+            </a:r>
+            <a:r>
+              <a:rPr lang="ko-KR" altLang="en-US" sz="1400">
+                <a:latin typeface="Roboto" panose="02000000000000000000" pitchFamily="2" charset="0"/>
+              </a:rPr>
+              <a:t>는 이전 </a:t>
+            </a:r>
+            <a:r>
+              <a:rPr lang="en-US" altLang="ko-KR" sz="1400">
+                <a:latin typeface="Roboto" panose="02000000000000000000" pitchFamily="2" charset="0"/>
+              </a:rPr>
+              <a:t>REGISTER</a:t>
+            </a:r>
+            <a:r>
+              <a:rPr lang="ko-KR" altLang="en-US" sz="1400">
+                <a:latin typeface="Roboto" panose="02000000000000000000" pitchFamily="2" charset="0"/>
+              </a:rPr>
+              <a:t>에 대한 </a:t>
+            </a:r>
+            <a:r>
+              <a:rPr lang="en-US" altLang="ko-KR" sz="1400">
+                <a:latin typeface="Roboto" panose="02000000000000000000" pitchFamily="2" charset="0"/>
+              </a:rPr>
+              <a:t>registrar</a:t>
+            </a:r>
+            <a:r>
+              <a:rPr lang="ko-KR" altLang="en-US" sz="1400">
+                <a:latin typeface="Roboto" panose="02000000000000000000" pitchFamily="2" charset="0"/>
+              </a:rPr>
+              <a:t>의 최종 응답을 받거나 이전 </a:t>
+            </a:r>
+            <a:r>
+              <a:rPr lang="en-US" altLang="ko-KR" sz="1400">
+                <a:latin typeface="Roboto" panose="02000000000000000000" pitchFamily="2" charset="0"/>
+              </a:rPr>
+              <a:t>REGISTER </a:t>
+            </a:r>
+            <a:r>
+              <a:rPr lang="ko-KR" altLang="en-US" sz="1400">
+                <a:latin typeface="Roboto" panose="02000000000000000000" pitchFamily="2" charset="0"/>
+              </a:rPr>
+              <a:t>요청이 </a:t>
+            </a:r>
+            <a:r>
+              <a:rPr lang="en-US" altLang="ko-KR" sz="1400">
+                <a:latin typeface="Roboto" panose="02000000000000000000" pitchFamily="2" charset="0"/>
+              </a:rPr>
+              <a:t>timeout</a:t>
+            </a:r>
+            <a:r>
+              <a:rPr lang="ko-KR" altLang="en-US" sz="1400">
+                <a:latin typeface="Roboto" panose="02000000000000000000" pitchFamily="2" charset="0"/>
+              </a:rPr>
+              <a:t>될 때까지 새 </a:t>
+            </a:r>
+            <a:r>
+              <a:rPr lang="en-US" altLang="ko-KR" sz="1400">
+                <a:latin typeface="Roboto" panose="02000000000000000000" pitchFamily="2" charset="0"/>
+              </a:rPr>
+              <a:t>registration</a:t>
+            </a:r>
+            <a:r>
+              <a:rPr lang="ko-KR" altLang="en-US" sz="1400">
+                <a:latin typeface="Roboto" panose="02000000000000000000" pitchFamily="2" charset="0"/>
+              </a:rPr>
+              <a:t>을 전송해서는 안됨</a:t>
+            </a:r>
+            <a:endParaRPr lang="en-US" altLang="ko-KR" sz="1400">
+              <a:latin typeface="Roboto" panose="02000000000000000000" pitchFamily="2" charset="0"/>
+            </a:endParaRPr>
           </a:p>
         </p:txBody>
       </p:sp>
@@ -6194,10 +8998,10 @@
           <a:lstStyle/>
           <a:p>
             <a:r>
-              <a:rPr lang="en-US" altLang="ko-KR" dirty="0"/>
-              <a:t>3. Dialogs</a:t>
-            </a:r>
-            <a:endParaRPr lang="ko-KR" altLang="en-US" dirty="0"/>
+              <a:rPr lang="en-US" altLang="ko-KR"/>
+              <a:t>2. Registrations – Constructing the REGISTER Request (2)</a:t>
+            </a:r>
+            <a:endParaRPr lang="ko-KR" altLang="en-US"/>
           </a:p>
         </p:txBody>
       </p:sp>
@@ -6226,14 +9030,1002 @@
               <a:rPr lang="ko-KR" altLang="en-US" smtClean="0"/>
               <a:t>7</a:t>
             </a:fld>
-            <a:endParaRPr lang="ko-KR" altLang="en-US" dirty="0"/>
+            <a:endParaRPr lang="ko-KR" altLang="en-US"/>
           </a:p>
         </p:txBody>
       </p:sp>
+      <p:sp>
+        <p:nvSpPr>
+          <p:cNvPr id="50" name="직사각형 49">
+            <a:extLst>
+              <a:ext uri="{FF2B5EF4-FFF2-40B4-BE49-F238E27FC236}">
+                <a16:creationId xmlns:a16="http://schemas.microsoft.com/office/drawing/2014/main" id="{6BD71A7F-E7DB-44B6-A054-AC0FCA4BB57F}"/>
+              </a:ext>
+            </a:extLst>
+          </p:cNvPr>
+          <p:cNvSpPr/>
+          <p:nvPr/>
+        </p:nvSpPr>
+        <p:spPr>
+          <a:xfrm>
+            <a:off x="751367" y="683824"/>
+            <a:ext cx="11147556" cy="2687467"/>
+          </a:xfrm>
+          <a:prstGeom prst="rect">
+            <a:avLst/>
+          </a:prstGeom>
+        </p:spPr>
+        <p:txBody>
+          <a:bodyPr wrap="square">
+            <a:spAutoFit/>
+          </a:bodyPr>
+          <a:lstStyle/>
+          <a:p>
+            <a:pPr>
+              <a:lnSpc>
+                <a:spcPct val="150000"/>
+              </a:lnSpc>
+            </a:pPr>
+            <a:r>
+              <a:rPr lang="en-US" altLang="ko-KR" sz="1600" b="1" u="sng">
+                <a:latin typeface="Roboto" panose="02000000000000000000" pitchFamily="2" charset="0"/>
+              </a:rPr>
+              <a:t>Adding Bindings</a:t>
+            </a:r>
+          </a:p>
+          <a:p>
+            <a:pPr marL="285750" indent="-285750">
+              <a:lnSpc>
+                <a:spcPct val="150000"/>
+              </a:lnSpc>
+              <a:buFont typeface="Arial" panose="020B0604020202020204" pitchFamily="34" charset="0"/>
+              <a:buChar char="•"/>
+            </a:pPr>
+            <a:r>
+              <a:rPr lang="en-US" altLang="ko-KR" sz="1400">
+                <a:latin typeface="Roboto" panose="02000000000000000000" pitchFamily="2" charset="0"/>
+              </a:rPr>
+              <a:t>registrar</a:t>
+            </a:r>
+            <a:r>
+              <a:rPr lang="ko-KR" altLang="en-US" sz="1400">
+                <a:latin typeface="Roboto" panose="02000000000000000000" pitchFamily="2" charset="0"/>
+              </a:rPr>
+              <a:t>에 전송된 </a:t>
+            </a:r>
+            <a:r>
+              <a:rPr lang="en-US" altLang="ko-KR" sz="1400">
+                <a:latin typeface="Roboto" panose="02000000000000000000" pitchFamily="2" charset="0"/>
+              </a:rPr>
+              <a:t>REGISTER </a:t>
+            </a:r>
+            <a:r>
+              <a:rPr lang="ko-KR" altLang="en-US" sz="1400">
+                <a:latin typeface="Roboto" panose="02000000000000000000" pitchFamily="2" charset="0"/>
+              </a:rPr>
+              <a:t>요청에는 </a:t>
+            </a:r>
+            <a:r>
+              <a:rPr lang="en-US" altLang="ko-KR" sz="1400">
+                <a:latin typeface="Roboto" panose="02000000000000000000" pitchFamily="2" charset="0"/>
+              </a:rPr>
+              <a:t>address-of-record</a:t>
+            </a:r>
+            <a:r>
+              <a:rPr lang="ko-KR" altLang="en-US" sz="1400">
+                <a:latin typeface="Roboto" panose="02000000000000000000" pitchFamily="2" charset="0"/>
+              </a:rPr>
+              <a:t>에 대한 </a:t>
+            </a:r>
+            <a:r>
+              <a:rPr lang="en-US" altLang="ko-KR" sz="1400">
+                <a:latin typeface="Roboto" panose="02000000000000000000" pitchFamily="2" charset="0"/>
+              </a:rPr>
+              <a:t>SIP </a:t>
+            </a:r>
+            <a:r>
+              <a:rPr lang="ko-KR" altLang="en-US" sz="1400">
+                <a:latin typeface="Roboto" panose="02000000000000000000" pitchFamily="2" charset="0"/>
+              </a:rPr>
+              <a:t>요청을</a:t>
+            </a:r>
+            <a:r>
+              <a:rPr lang="en-US" altLang="ko-KR" sz="1400">
+                <a:latin typeface="Roboto" panose="02000000000000000000" pitchFamily="2" charset="0"/>
+              </a:rPr>
+              <a:t> </a:t>
+            </a:r>
+            <a:r>
+              <a:rPr lang="ko-KR" altLang="en-US" sz="1400">
+                <a:latin typeface="Roboto" panose="02000000000000000000" pitchFamily="2" charset="0"/>
+              </a:rPr>
+              <a:t>전달해야 하는 </a:t>
+            </a:r>
+            <a:r>
+              <a:rPr lang="en-US" altLang="ko-KR" sz="1400">
+                <a:latin typeface="Roboto" panose="02000000000000000000" pitchFamily="2" charset="0"/>
+              </a:rPr>
+              <a:t>contact address</a:t>
+            </a:r>
+            <a:r>
+              <a:rPr lang="ko-KR" altLang="en-US" sz="1400">
+                <a:latin typeface="Roboto" panose="02000000000000000000" pitchFamily="2" charset="0"/>
+              </a:rPr>
+              <a:t>가 포함</a:t>
+            </a:r>
+            <a:endParaRPr lang="en-US" altLang="ko-KR" sz="1400">
+              <a:latin typeface="Roboto" panose="02000000000000000000" pitchFamily="2" charset="0"/>
+            </a:endParaRPr>
+          </a:p>
+          <a:p>
+            <a:pPr marL="285750" indent="-285750">
+              <a:lnSpc>
+                <a:spcPct val="150000"/>
+              </a:lnSpc>
+              <a:buFont typeface="Arial" panose="020B0604020202020204" pitchFamily="34" charset="0"/>
+              <a:buChar char="•"/>
+            </a:pPr>
+            <a:r>
+              <a:rPr lang="en-US" altLang="ko-KR" sz="1400">
+                <a:latin typeface="Roboto" panose="02000000000000000000" pitchFamily="2" charset="0"/>
+              </a:rPr>
+              <a:t>address-of-record</a:t>
+            </a:r>
+            <a:r>
+              <a:rPr lang="ko-KR" altLang="en-US" sz="1400">
+                <a:latin typeface="Roboto" panose="02000000000000000000" pitchFamily="2" charset="0"/>
+              </a:rPr>
+              <a:t> 는 </a:t>
+            </a:r>
+            <a:r>
+              <a:rPr lang="en-US" altLang="ko-KR" sz="1400">
+                <a:latin typeface="Roboto" panose="02000000000000000000" pitchFamily="2" charset="0"/>
+              </a:rPr>
+              <a:t>To </a:t>
+            </a:r>
+            <a:r>
+              <a:rPr lang="ko-KR" altLang="en-US" sz="1400">
+                <a:latin typeface="Roboto" panose="02000000000000000000" pitchFamily="2" charset="0"/>
+              </a:rPr>
+              <a:t>헤더에 포함</a:t>
+            </a:r>
+            <a:endParaRPr lang="en-US" altLang="ko-KR" sz="1400">
+              <a:latin typeface="Roboto" panose="02000000000000000000" pitchFamily="2" charset="0"/>
+            </a:endParaRPr>
+          </a:p>
+          <a:p>
+            <a:pPr marL="742950" lvl="1" indent="-285750">
+              <a:lnSpc>
+                <a:spcPct val="150000"/>
+              </a:lnSpc>
+              <a:buFont typeface="Arial" panose="020B0604020202020204" pitchFamily="34" charset="0"/>
+              <a:buChar char="•"/>
+            </a:pPr>
+            <a:r>
+              <a:rPr lang="en-US" altLang="ko-KR" sz="1200">
+                <a:latin typeface="+mn-ea"/>
+              </a:rPr>
+              <a:t>To</a:t>
+            </a:r>
+            <a:r>
+              <a:rPr lang="ko-KR" altLang="en-US" sz="1200">
+                <a:latin typeface="+mn-ea"/>
+              </a:rPr>
+              <a:t> 헤더에 </a:t>
+            </a:r>
+            <a:r>
+              <a:rPr lang="en-US" altLang="ko-KR" sz="1200">
+                <a:latin typeface="+mn-ea"/>
+              </a:rPr>
+              <a:t>address-of-record </a:t>
+            </a:r>
+            <a:r>
+              <a:rPr lang="ko-KR" altLang="en-US" sz="1200">
+                <a:latin typeface="+mn-ea"/>
+              </a:rPr>
+              <a:t>가 </a:t>
+            </a:r>
+            <a:r>
+              <a:rPr lang="en-US" altLang="ko-KR" sz="1200">
+                <a:latin typeface="+mn-ea"/>
+              </a:rPr>
+              <a:t>SIPS URI</a:t>
+            </a:r>
+            <a:r>
+              <a:rPr lang="ko-KR" altLang="en-US" sz="1200">
+                <a:latin typeface="+mn-ea"/>
+              </a:rPr>
+              <a:t>라면 </a:t>
+            </a:r>
+            <a:r>
+              <a:rPr lang="en-US" altLang="ko-KR" sz="1200">
+                <a:latin typeface="+mn-ea"/>
+              </a:rPr>
+              <a:t>Contact </a:t>
+            </a:r>
+            <a:r>
+              <a:rPr lang="ko-KR" altLang="en-US" sz="1200">
+                <a:latin typeface="+mn-ea"/>
+              </a:rPr>
+              <a:t>헤더의 값도 </a:t>
+            </a:r>
+            <a:r>
+              <a:rPr lang="en-US" altLang="ko-KR" sz="1200">
+                <a:latin typeface="+mn-ea"/>
+              </a:rPr>
+              <a:t>SIPS URI </a:t>
+            </a:r>
+            <a:r>
+              <a:rPr lang="ko-KR" altLang="en-US" sz="1200">
+                <a:latin typeface="+mn-ea"/>
+              </a:rPr>
+              <a:t>여야 함</a:t>
+            </a:r>
+            <a:r>
+              <a:rPr lang="en-US" altLang="ko-KR" sz="1200">
+                <a:latin typeface="+mn-ea"/>
+              </a:rPr>
+              <a:t>.</a:t>
+            </a:r>
+          </a:p>
+          <a:p>
+            <a:pPr marL="285750" indent="-285750">
+              <a:lnSpc>
+                <a:spcPct val="150000"/>
+              </a:lnSpc>
+              <a:buFont typeface="Arial" panose="020B0604020202020204" pitchFamily="34" charset="0"/>
+              <a:buChar char="•"/>
+            </a:pPr>
+            <a:r>
+              <a:rPr lang="en-US" altLang="ko-KR" sz="1400">
+                <a:latin typeface="Roboto" panose="02000000000000000000" pitchFamily="2" charset="0"/>
+              </a:rPr>
+              <a:t>200 </a:t>
+            </a:r>
+            <a:r>
+              <a:rPr lang="ko-KR" altLang="en-US" sz="1400">
+                <a:latin typeface="Roboto" panose="02000000000000000000" pitchFamily="2" charset="0"/>
+              </a:rPr>
+              <a:t>응답의 </a:t>
+            </a:r>
+            <a:r>
+              <a:rPr lang="en-US" altLang="ko-KR" sz="1400">
+                <a:latin typeface="Roboto" panose="02000000000000000000" pitchFamily="2" charset="0"/>
+              </a:rPr>
+              <a:t>Contact </a:t>
+            </a:r>
+            <a:r>
+              <a:rPr lang="ko-KR" altLang="en-US" sz="1400">
+                <a:latin typeface="Roboto" panose="02000000000000000000" pitchFamily="2" charset="0"/>
+              </a:rPr>
+              <a:t>헤더에는 해당 </a:t>
+            </a:r>
+            <a:r>
+              <a:rPr lang="en-US" altLang="ko-KR" sz="1400">
+                <a:latin typeface="Roboto" panose="02000000000000000000" pitchFamily="2" charset="0"/>
+              </a:rPr>
+              <a:t>address-of-record</a:t>
+            </a:r>
+            <a:r>
+              <a:rPr lang="ko-KR" altLang="en-US" sz="1400">
+                <a:latin typeface="Roboto" panose="02000000000000000000" pitchFamily="2" charset="0"/>
+              </a:rPr>
+              <a:t> 에 등록된 모든 </a:t>
+            </a:r>
+            <a:r>
+              <a:rPr lang="en-US" altLang="ko-KR" sz="1400">
+                <a:latin typeface="Roboto" panose="02000000000000000000" pitchFamily="2" charset="0"/>
+              </a:rPr>
+              <a:t>contact address list</a:t>
+            </a:r>
+            <a:r>
+              <a:rPr lang="ko-KR" altLang="en-US" sz="1400">
+                <a:latin typeface="Roboto" panose="02000000000000000000" pitchFamily="2" charset="0"/>
+              </a:rPr>
+              <a:t>가 포함되어야 함</a:t>
+            </a:r>
+            <a:endParaRPr lang="en-US" altLang="ko-KR" sz="1400">
+              <a:latin typeface="Roboto" panose="02000000000000000000" pitchFamily="2" charset="0"/>
+            </a:endParaRPr>
+          </a:p>
+          <a:p>
+            <a:pPr marL="285750" indent="-285750">
+              <a:lnSpc>
+                <a:spcPct val="150000"/>
+              </a:lnSpc>
+              <a:buFont typeface="Arial" panose="020B0604020202020204" pitchFamily="34" charset="0"/>
+              <a:buChar char="•"/>
+            </a:pPr>
+            <a:endParaRPr lang="en-US" altLang="ko-KR" sz="1400">
+              <a:latin typeface="Roboto" panose="02000000000000000000" pitchFamily="2" charset="0"/>
+            </a:endParaRPr>
+          </a:p>
+          <a:p>
+            <a:pPr marL="285750" indent="-285750">
+              <a:lnSpc>
+                <a:spcPct val="150000"/>
+              </a:lnSpc>
+              <a:buFont typeface="Arial" panose="020B0604020202020204" pitchFamily="34" charset="0"/>
+              <a:buChar char="•"/>
+            </a:pPr>
+            <a:r>
+              <a:rPr lang="en-US" altLang="ko-KR" sz="1400">
+                <a:latin typeface="Roboto" panose="02000000000000000000" pitchFamily="2" charset="0"/>
+              </a:rPr>
+              <a:t>REGISTER</a:t>
+            </a:r>
+            <a:r>
+              <a:rPr lang="ko-KR" altLang="en-US" sz="1400">
+                <a:latin typeface="Roboto" panose="02000000000000000000" pitchFamily="2" charset="0"/>
+              </a:rPr>
+              <a:t> 요청에 두 개 이상의 </a:t>
+            </a:r>
+            <a:r>
+              <a:rPr lang="en-US" altLang="ko-KR" sz="1400">
+                <a:latin typeface="Roboto" panose="02000000000000000000" pitchFamily="2" charset="0"/>
+              </a:rPr>
+              <a:t>Contact </a:t>
+            </a:r>
+            <a:r>
+              <a:rPr lang="ko-KR" altLang="en-US" sz="1400">
+                <a:latin typeface="Roboto" panose="02000000000000000000" pitchFamily="2" charset="0"/>
+              </a:rPr>
+              <a:t>가 전송되는 경우</a:t>
+            </a:r>
+            <a:r>
+              <a:rPr lang="en-US" altLang="ko-KR" sz="1400">
+                <a:latin typeface="Roboto" panose="02000000000000000000" pitchFamily="2" charset="0"/>
+              </a:rPr>
+              <a:t>, </a:t>
+            </a:r>
+            <a:r>
+              <a:rPr lang="ko-KR" altLang="en-US" sz="1400">
+                <a:latin typeface="Roboto" panose="02000000000000000000" pitchFamily="2" charset="0"/>
+              </a:rPr>
+              <a:t>이 목록은 </a:t>
+            </a:r>
+            <a:r>
+              <a:rPr lang="en-US" altLang="ko-KR" sz="1400">
+                <a:latin typeface="Roboto" panose="02000000000000000000" pitchFamily="2" charset="0"/>
+              </a:rPr>
+              <a:t>Contact </a:t>
+            </a:r>
+            <a:r>
+              <a:rPr lang="ko-KR" altLang="en-US" sz="1400">
+                <a:latin typeface="Roboto" panose="02000000000000000000" pitchFamily="2" charset="0"/>
+              </a:rPr>
+              <a:t>헤더의 </a:t>
+            </a:r>
+            <a:r>
+              <a:rPr lang="en-US" altLang="ko-KR" sz="1400">
+                <a:latin typeface="Roboto" panose="02000000000000000000" pitchFamily="2" charset="0"/>
+              </a:rPr>
+              <a:t>“q”</a:t>
+            </a:r>
+            <a:r>
+              <a:rPr lang="ko-KR" altLang="en-US" sz="1400">
+                <a:latin typeface="Roboto" panose="02000000000000000000" pitchFamily="2" charset="0"/>
+              </a:rPr>
+              <a:t> 매개변수를 사용하여 우선순위를 지정할 수 있음</a:t>
+            </a:r>
+            <a:endParaRPr lang="en-US" altLang="ko-KR" sz="1400">
+              <a:latin typeface="Roboto" panose="02000000000000000000" pitchFamily="2" charset="0"/>
+            </a:endParaRPr>
+          </a:p>
+          <a:p>
+            <a:pPr marL="742950" lvl="1" indent="-285750">
+              <a:lnSpc>
+                <a:spcPct val="150000"/>
+              </a:lnSpc>
+              <a:buFont typeface="Arial" panose="020B0604020202020204" pitchFamily="34" charset="0"/>
+              <a:buChar char="•"/>
+            </a:pPr>
+            <a:r>
+              <a:rPr lang="en-US" altLang="ko-KR" sz="1200">
+                <a:latin typeface="+mn-ea"/>
+              </a:rPr>
+              <a:t>“q” </a:t>
+            </a:r>
+            <a:r>
+              <a:rPr lang="ko-KR" altLang="en-US" sz="1200">
+                <a:latin typeface="+mn-ea"/>
+              </a:rPr>
+              <a:t>매개변수는 </a:t>
+            </a:r>
+            <a:r>
+              <a:rPr lang="en-US" altLang="ko-KR" sz="1200">
+                <a:latin typeface="+mn-ea"/>
+              </a:rPr>
+              <a:t>address-of-record </a:t>
+            </a:r>
+            <a:r>
+              <a:rPr lang="ko-KR" altLang="en-US" sz="1200">
+                <a:latin typeface="+mn-ea"/>
+              </a:rPr>
+              <a:t>에 대한 다른 바인딩과 비교하여 특정 </a:t>
+            </a:r>
+            <a:r>
+              <a:rPr lang="en-US" altLang="ko-KR" sz="1200">
+                <a:latin typeface="+mn-ea"/>
+              </a:rPr>
+              <a:t>Contact </a:t>
+            </a:r>
+            <a:r>
+              <a:rPr lang="ko-KR" altLang="en-US" sz="1200">
+                <a:latin typeface="+mn-ea"/>
+              </a:rPr>
+              <a:t>헤더 필드에 대한 상대적인 선호도를 나타냄</a:t>
+            </a:r>
+            <a:endParaRPr lang="en-US" altLang="ko-KR" sz="1200">
+              <a:latin typeface="+mn-ea"/>
+            </a:endParaRPr>
+          </a:p>
+        </p:txBody>
+      </p:sp>
+      <p:sp>
+        <p:nvSpPr>
+          <p:cNvPr id="20" name="TextBox 19">
+            <a:extLst>
+              <a:ext uri="{FF2B5EF4-FFF2-40B4-BE49-F238E27FC236}">
+                <a16:creationId xmlns:a16="http://schemas.microsoft.com/office/drawing/2014/main" id="{19D6FDC3-916C-4A53-A931-CCF39B8901B3}"/>
+              </a:ext>
+            </a:extLst>
+          </p:cNvPr>
+          <p:cNvSpPr txBox="1"/>
+          <p:nvPr/>
+        </p:nvSpPr>
+        <p:spPr>
+          <a:xfrm>
+            <a:off x="1310167" y="3505840"/>
+            <a:ext cx="5328703" cy="461665"/>
+          </a:xfrm>
+          <a:prstGeom prst="rect">
+            <a:avLst/>
+          </a:prstGeom>
+          <a:solidFill>
+            <a:schemeClr val="bg1"/>
+          </a:solidFill>
+          <a:ln>
+            <a:solidFill>
+              <a:schemeClr val="tx1"/>
+            </a:solidFill>
+          </a:ln>
+        </p:spPr>
+        <p:txBody>
+          <a:bodyPr wrap="none" rtlCol="0">
+            <a:spAutoFit/>
+          </a:bodyPr>
+          <a:lstStyle/>
+          <a:p>
+            <a:r>
+              <a:rPr lang="en-US" altLang="ko-KR" sz="1200" b="1">
+                <a:latin typeface="Roboto" panose="02000000000000000000" pitchFamily="2" charset="0"/>
+                <a:ea typeface="Roboto" panose="02000000000000000000" pitchFamily="2" charset="0"/>
+              </a:rPr>
+              <a:t>Contact</a:t>
+            </a:r>
+            <a:r>
+              <a:rPr lang="en-US" altLang="ko-KR" sz="1200">
+                <a:latin typeface="Roboto" panose="02000000000000000000" pitchFamily="2" charset="0"/>
+                <a:ea typeface="Roboto" panose="02000000000000000000" pitchFamily="2" charset="0"/>
+              </a:rPr>
+              <a:t>: “Carol” &lt;sip;carol@cube2213a.chicago.com&gt;;</a:t>
+            </a:r>
+            <a:r>
+              <a:rPr lang="en-US" altLang="ko-KR" sz="1200">
+                <a:solidFill>
+                  <a:srgbClr val="0000FF"/>
+                </a:solidFill>
+                <a:latin typeface="Roboto" panose="02000000000000000000" pitchFamily="2" charset="0"/>
+                <a:ea typeface="Roboto" panose="02000000000000000000" pitchFamily="2" charset="0"/>
+              </a:rPr>
+              <a:t>q=0.7</a:t>
+            </a:r>
+            <a:r>
+              <a:rPr lang="en-US" altLang="ko-KR" sz="1200">
+                <a:latin typeface="Roboto" panose="02000000000000000000" pitchFamily="2" charset="0"/>
+                <a:ea typeface="Roboto" panose="02000000000000000000" pitchFamily="2" charset="0"/>
+              </a:rPr>
+              <a:t>;expires=3600, </a:t>
+            </a:r>
+          </a:p>
+          <a:p>
+            <a:r>
+              <a:rPr lang="en-US" altLang="ko-KR" sz="1200">
+                <a:latin typeface="Roboto" panose="02000000000000000000" pitchFamily="2" charset="0"/>
+                <a:ea typeface="Roboto" panose="02000000000000000000" pitchFamily="2" charset="0"/>
+              </a:rPr>
+              <a:t>                “Carol” &lt;</a:t>
+            </a:r>
+            <a:r>
+              <a:rPr lang="en-US" altLang="ko-KR" sz="1200" err="1">
+                <a:latin typeface="Roboto" panose="02000000000000000000" pitchFamily="2" charset="0"/>
+                <a:ea typeface="Roboto" panose="02000000000000000000" pitchFamily="2" charset="0"/>
+              </a:rPr>
+              <a:t>mailto:carol@chicago.com</a:t>
+            </a:r>
+            <a:r>
+              <a:rPr lang="en-US" altLang="ko-KR" sz="1200">
+                <a:latin typeface="Roboto" panose="02000000000000000000" pitchFamily="2" charset="0"/>
+                <a:ea typeface="Roboto" panose="02000000000000000000" pitchFamily="2" charset="0"/>
+              </a:rPr>
+              <a:t>&gt;;</a:t>
+            </a:r>
+            <a:r>
+              <a:rPr lang="en-US" altLang="ko-KR" sz="1200">
+                <a:solidFill>
+                  <a:srgbClr val="0000FF"/>
+                </a:solidFill>
+                <a:latin typeface="Roboto" panose="02000000000000000000" pitchFamily="2" charset="0"/>
+                <a:ea typeface="Roboto" panose="02000000000000000000" pitchFamily="2" charset="0"/>
+              </a:rPr>
+              <a:t>q=0.1</a:t>
+            </a:r>
+          </a:p>
+        </p:txBody>
+      </p:sp>
+      <p:grpSp>
+        <p:nvGrpSpPr>
+          <p:cNvPr id="37" name="그룹 36">
+            <a:extLst>
+              <a:ext uri="{FF2B5EF4-FFF2-40B4-BE49-F238E27FC236}">
+                <a16:creationId xmlns:a16="http://schemas.microsoft.com/office/drawing/2014/main" id="{07BE57EF-2DC1-4F81-AFA2-5EF6E4F34540}"/>
+              </a:ext>
+            </a:extLst>
+          </p:cNvPr>
+          <p:cNvGrpSpPr/>
+          <p:nvPr/>
+        </p:nvGrpSpPr>
+        <p:grpSpPr>
+          <a:xfrm>
+            <a:off x="1310167" y="4494619"/>
+            <a:ext cx="7611038" cy="1833070"/>
+            <a:chOff x="1803189" y="4494619"/>
+            <a:chExt cx="7611038" cy="1833070"/>
+          </a:xfrm>
+        </p:grpSpPr>
+        <p:grpSp>
+          <p:nvGrpSpPr>
+            <p:cNvPr id="34" name="그룹 33">
+              <a:extLst>
+                <a:ext uri="{FF2B5EF4-FFF2-40B4-BE49-F238E27FC236}">
+                  <a16:creationId xmlns:a16="http://schemas.microsoft.com/office/drawing/2014/main" id="{953834D2-DFCC-44DD-95F8-4B6E5A4F9576}"/>
+                </a:ext>
+              </a:extLst>
+            </p:cNvPr>
+            <p:cNvGrpSpPr/>
+            <p:nvPr/>
+          </p:nvGrpSpPr>
+          <p:grpSpPr>
+            <a:xfrm>
+              <a:off x="1803189" y="4791998"/>
+              <a:ext cx="7611038" cy="1535691"/>
+              <a:chOff x="2034289" y="4600397"/>
+              <a:chExt cx="7611038" cy="1535691"/>
+            </a:xfrm>
+          </p:grpSpPr>
+          <p:sp>
+            <p:nvSpPr>
+              <p:cNvPr id="7" name="TextBox 6">
+                <a:extLst>
+                  <a:ext uri="{FF2B5EF4-FFF2-40B4-BE49-F238E27FC236}">
+                    <a16:creationId xmlns:a16="http://schemas.microsoft.com/office/drawing/2014/main" id="{5934A446-BB56-42F6-9463-8D11A2BC7F39}"/>
+                  </a:ext>
+                </a:extLst>
+              </p:cNvPr>
+              <p:cNvSpPr txBox="1"/>
+              <p:nvPr/>
+            </p:nvSpPr>
+            <p:spPr>
+              <a:xfrm>
+                <a:off x="2034289" y="4600397"/>
+                <a:ext cx="2594365" cy="338554"/>
+              </a:xfrm>
+              <a:prstGeom prst="rect">
+                <a:avLst/>
+              </a:prstGeom>
+              <a:noFill/>
+            </p:spPr>
+            <p:txBody>
+              <a:bodyPr wrap="none" rtlCol="0">
+                <a:spAutoFit/>
+              </a:bodyPr>
+              <a:lstStyle/>
+              <a:p>
+                <a:r>
+                  <a:rPr lang="en-US" altLang="ko-KR" sz="1600"/>
+                  <a:t>sip:</a:t>
+                </a:r>
+                <a:r>
+                  <a:rPr lang="ko-KR" altLang="en-US" sz="1600"/>
+                  <a:t> </a:t>
+                </a:r>
+                <a:r>
+                  <a:rPr lang="ko-KR" altLang="en-US" sz="1600" err="1"/>
+                  <a:t>carol</a:t>
+                </a:r>
+                <a:r>
+                  <a:rPr lang="ko-KR" altLang="en-US" sz="1600"/>
+                  <a:t> </a:t>
+                </a:r>
+                <a:r>
+                  <a:rPr lang="en-US" altLang="ko-KR" sz="1600"/>
+                  <a:t>@</a:t>
+                </a:r>
+                <a:r>
+                  <a:rPr lang="ko-KR" altLang="en-US" sz="1600"/>
+                  <a:t> </a:t>
+                </a:r>
+                <a:r>
+                  <a:rPr lang="ko-KR" altLang="en-US" sz="1600" err="1"/>
+                  <a:t>chicago</a:t>
+                </a:r>
+                <a:r>
+                  <a:rPr lang="en-US" altLang="ko-KR" sz="1600"/>
+                  <a:t>.com</a:t>
+                </a:r>
+                <a:endParaRPr lang="ko-KR" altLang="en-US" sz="1600"/>
+              </a:p>
+            </p:txBody>
+          </p:sp>
+          <p:sp>
+            <p:nvSpPr>
+              <p:cNvPr id="22" name="TextBox 21">
+                <a:extLst>
+                  <a:ext uri="{FF2B5EF4-FFF2-40B4-BE49-F238E27FC236}">
+                    <a16:creationId xmlns:a16="http://schemas.microsoft.com/office/drawing/2014/main" id="{1EE99806-1644-487F-9052-72ED6FDBB0E7}"/>
+                  </a:ext>
+                </a:extLst>
+              </p:cNvPr>
+              <p:cNvSpPr txBox="1"/>
+              <p:nvPr/>
+            </p:nvSpPr>
+            <p:spPr>
+              <a:xfrm>
+                <a:off x="6096000" y="5797534"/>
+                <a:ext cx="1904432" cy="338554"/>
+              </a:xfrm>
+              <a:prstGeom prst="rect">
+                <a:avLst/>
+              </a:prstGeom>
+              <a:noFill/>
+            </p:spPr>
+            <p:txBody>
+              <a:bodyPr wrap="none" rtlCol="0">
+                <a:spAutoFit/>
+              </a:bodyPr>
+              <a:lstStyle/>
+              <a:p>
+                <a:r>
+                  <a:rPr lang="en-US" altLang="ko-KR" sz="1600" err="1"/>
+                  <a:t>tel</a:t>
+                </a:r>
+                <a:r>
+                  <a:rPr lang="en-US" altLang="ko-KR" sz="1600"/>
+                  <a:t>:+11234567890</a:t>
+                </a:r>
+                <a:endParaRPr lang="ko-KR" altLang="en-US" sz="1600"/>
+              </a:p>
+            </p:txBody>
+          </p:sp>
+          <p:sp>
+            <p:nvSpPr>
+              <p:cNvPr id="14" name="직사각형 13">
+                <a:extLst>
+                  <a:ext uri="{FF2B5EF4-FFF2-40B4-BE49-F238E27FC236}">
+                    <a16:creationId xmlns:a16="http://schemas.microsoft.com/office/drawing/2014/main" id="{22773C46-02BC-4E72-8846-E7BEB47EEE90}"/>
+                  </a:ext>
+                </a:extLst>
+              </p:cNvPr>
+              <p:cNvSpPr/>
+              <p:nvPr/>
+            </p:nvSpPr>
+            <p:spPr>
+              <a:xfrm>
+                <a:off x="6067809" y="4600397"/>
+                <a:ext cx="3577518" cy="338554"/>
+              </a:xfrm>
+              <a:prstGeom prst="rect">
+                <a:avLst/>
+              </a:prstGeom>
+            </p:spPr>
+            <p:txBody>
+              <a:bodyPr wrap="none">
+                <a:spAutoFit/>
+              </a:bodyPr>
+              <a:lstStyle/>
+              <a:p>
+                <a:r>
+                  <a:rPr lang="ko-KR" altLang="en-US" sz="1600"/>
+                  <a:t>sip:carol@cube2214a.chicago.com</a:t>
+                </a:r>
+              </a:p>
+            </p:txBody>
+          </p:sp>
+          <p:sp>
+            <p:nvSpPr>
+              <p:cNvPr id="27" name="직사각형 26">
+                <a:extLst>
+                  <a:ext uri="{FF2B5EF4-FFF2-40B4-BE49-F238E27FC236}">
+                    <a16:creationId xmlns:a16="http://schemas.microsoft.com/office/drawing/2014/main" id="{E0D016E2-67ED-42A1-A36E-F87895B143AB}"/>
+                  </a:ext>
+                </a:extLst>
+              </p:cNvPr>
+              <p:cNvSpPr/>
+              <p:nvPr/>
+            </p:nvSpPr>
+            <p:spPr>
+              <a:xfrm>
+                <a:off x="6067809" y="5201320"/>
+                <a:ext cx="2805704" cy="338554"/>
+              </a:xfrm>
+              <a:prstGeom prst="rect">
+                <a:avLst/>
+              </a:prstGeom>
+            </p:spPr>
+            <p:txBody>
+              <a:bodyPr wrap="none">
+                <a:spAutoFit/>
+              </a:bodyPr>
+              <a:lstStyle/>
+              <a:p>
+                <a:r>
+                  <a:rPr lang="en-US" altLang="ko-KR" sz="1600" err="1"/>
+                  <a:t>mailto</a:t>
+                </a:r>
+                <a:r>
+                  <a:rPr lang="ko-KR" altLang="en-US" sz="1600"/>
+                  <a:t>:</a:t>
+                </a:r>
+                <a:r>
+                  <a:rPr lang="ko-KR" altLang="en-US" sz="1600" err="1"/>
+                  <a:t>carol@chicago.com</a:t>
+                </a:r>
+                <a:endParaRPr lang="ko-KR" altLang="en-US" sz="1600"/>
+              </a:p>
+            </p:txBody>
+          </p:sp>
+          <p:cxnSp>
+            <p:nvCxnSpPr>
+              <p:cNvPr id="17" name="연결선: 꺾임 16">
+                <a:extLst>
+                  <a:ext uri="{FF2B5EF4-FFF2-40B4-BE49-F238E27FC236}">
+                    <a16:creationId xmlns:a16="http://schemas.microsoft.com/office/drawing/2014/main" id="{D951FBD0-CB86-4920-A3F5-04FB68B44AE0}"/>
+                  </a:ext>
+                </a:extLst>
+              </p:cNvPr>
+              <p:cNvCxnSpPr>
+                <a:cxnSpLocks/>
+                <a:stCxn id="7" idx="3"/>
+                <a:endCxn id="27" idx="1"/>
+              </p:cNvCxnSpPr>
+              <p:nvPr/>
+            </p:nvCxnSpPr>
+            <p:spPr>
+              <a:xfrm>
+                <a:off x="4628654" y="4769674"/>
+                <a:ext cx="1439155" cy="600923"/>
+              </a:xfrm>
+              <a:prstGeom prst="bentConnector3">
+                <a:avLst/>
+              </a:prstGeom>
+              <a:ln w="19050">
+                <a:solidFill>
+                  <a:schemeClr val="tx1"/>
+                </a:solidFill>
+              </a:ln>
+            </p:spPr>
+            <p:style>
+              <a:lnRef idx="1">
+                <a:schemeClr val="accent1"/>
+              </a:lnRef>
+              <a:fillRef idx="0">
+                <a:schemeClr val="accent1"/>
+              </a:fillRef>
+              <a:effectRef idx="0">
+                <a:schemeClr val="accent1"/>
+              </a:effectRef>
+              <a:fontRef idx="minor">
+                <a:schemeClr val="tx1"/>
+              </a:fontRef>
+            </p:style>
+          </p:cxnSp>
+          <p:cxnSp>
+            <p:nvCxnSpPr>
+              <p:cNvPr id="23" name="연결선: 꺾임 22">
+                <a:extLst>
+                  <a:ext uri="{FF2B5EF4-FFF2-40B4-BE49-F238E27FC236}">
+                    <a16:creationId xmlns:a16="http://schemas.microsoft.com/office/drawing/2014/main" id="{77A79253-9D48-4CB7-8F6D-C0F943F5854C}"/>
+                  </a:ext>
+                </a:extLst>
+              </p:cNvPr>
+              <p:cNvCxnSpPr>
+                <a:stCxn id="7" idx="3"/>
+                <a:endCxn id="22" idx="1"/>
+              </p:cNvCxnSpPr>
+              <p:nvPr/>
+            </p:nvCxnSpPr>
+            <p:spPr>
+              <a:xfrm>
+                <a:off x="4628654" y="4769674"/>
+                <a:ext cx="1467346" cy="1197137"/>
+              </a:xfrm>
+              <a:prstGeom prst="bentConnector3">
+                <a:avLst>
+                  <a:gd name="adj1" fmla="val 49169"/>
+                </a:avLst>
+              </a:prstGeom>
+              <a:ln w="19050">
+                <a:solidFill>
+                  <a:schemeClr val="tx1"/>
+                </a:solidFill>
+              </a:ln>
+            </p:spPr>
+            <p:style>
+              <a:lnRef idx="1">
+                <a:schemeClr val="accent1"/>
+              </a:lnRef>
+              <a:fillRef idx="0">
+                <a:schemeClr val="accent1"/>
+              </a:fillRef>
+              <a:effectRef idx="0">
+                <a:schemeClr val="accent1"/>
+              </a:effectRef>
+              <a:fontRef idx="minor">
+                <a:schemeClr val="tx1"/>
+              </a:fontRef>
+            </p:style>
+          </p:cxnSp>
+          <p:cxnSp>
+            <p:nvCxnSpPr>
+              <p:cNvPr id="25" name="직선 연결선 24">
+                <a:extLst>
+                  <a:ext uri="{FF2B5EF4-FFF2-40B4-BE49-F238E27FC236}">
+                    <a16:creationId xmlns:a16="http://schemas.microsoft.com/office/drawing/2014/main" id="{C6E37F0C-BD59-4889-8ED1-B320EE28D1AF}"/>
+                  </a:ext>
+                </a:extLst>
+              </p:cNvPr>
+              <p:cNvCxnSpPr>
+                <a:stCxn id="7" idx="3"/>
+                <a:endCxn id="14" idx="1"/>
+              </p:cNvCxnSpPr>
+              <p:nvPr/>
+            </p:nvCxnSpPr>
+            <p:spPr>
+              <a:xfrm>
+                <a:off x="4628654" y="4769674"/>
+                <a:ext cx="1439155" cy="0"/>
+              </a:xfrm>
+              <a:prstGeom prst="line">
+                <a:avLst/>
+              </a:prstGeom>
+              <a:ln w="19050">
+                <a:solidFill>
+                  <a:schemeClr val="tx1"/>
+                </a:solidFill>
+              </a:ln>
+            </p:spPr>
+            <p:style>
+              <a:lnRef idx="1">
+                <a:schemeClr val="accent1"/>
+              </a:lnRef>
+              <a:fillRef idx="0">
+                <a:schemeClr val="accent1"/>
+              </a:fillRef>
+              <a:effectRef idx="0">
+                <a:schemeClr val="accent1"/>
+              </a:effectRef>
+              <a:fontRef idx="minor">
+                <a:schemeClr val="tx1"/>
+              </a:fontRef>
+            </p:style>
+          </p:cxnSp>
+        </p:grpSp>
+        <p:sp>
+          <p:nvSpPr>
+            <p:cNvPr id="35" name="TextBox 34">
+              <a:extLst>
+                <a:ext uri="{FF2B5EF4-FFF2-40B4-BE49-F238E27FC236}">
+                  <a16:creationId xmlns:a16="http://schemas.microsoft.com/office/drawing/2014/main" id="{A9F15F87-87AF-4BD0-A49E-921ACA9D66C2}"/>
+                </a:ext>
+              </a:extLst>
+            </p:cNvPr>
+            <p:cNvSpPr txBox="1"/>
+            <p:nvPr/>
+          </p:nvSpPr>
+          <p:spPr>
+            <a:xfrm>
+              <a:off x="2369113" y="4494619"/>
+              <a:ext cx="1462516" cy="276999"/>
+            </a:xfrm>
+            <a:prstGeom prst="rect">
+              <a:avLst/>
+            </a:prstGeom>
+            <a:noFill/>
+          </p:spPr>
+          <p:txBody>
+            <a:bodyPr wrap="none" rtlCol="0">
+              <a:spAutoFit/>
+            </a:bodyPr>
+            <a:lstStyle/>
+            <a:p>
+              <a:r>
+                <a:rPr lang="en-US" altLang="ko-KR" sz="1200">
+                  <a:solidFill>
+                    <a:schemeClr val="bg2">
+                      <a:lumMod val="50000"/>
+                    </a:schemeClr>
+                  </a:solidFill>
+                  <a:latin typeface="+mn-ea"/>
+                </a:rPr>
+                <a:t>address-of-record</a:t>
+              </a:r>
+              <a:endParaRPr lang="ko-KR" altLang="en-US" sz="1200">
+                <a:solidFill>
+                  <a:schemeClr val="bg2">
+                    <a:lumMod val="50000"/>
+                  </a:schemeClr>
+                </a:solidFill>
+                <a:latin typeface="+mn-ea"/>
+              </a:endParaRPr>
+            </a:p>
+          </p:txBody>
+        </p:sp>
+        <p:sp>
+          <p:nvSpPr>
+            <p:cNvPr id="42" name="TextBox 41">
+              <a:extLst>
+                <a:ext uri="{FF2B5EF4-FFF2-40B4-BE49-F238E27FC236}">
+                  <a16:creationId xmlns:a16="http://schemas.microsoft.com/office/drawing/2014/main" id="{808CD7FB-7950-48D7-9632-A3AEACF4B987}"/>
+                </a:ext>
+              </a:extLst>
+            </p:cNvPr>
+            <p:cNvSpPr txBox="1"/>
+            <p:nvPr/>
+          </p:nvSpPr>
+          <p:spPr>
+            <a:xfrm>
+              <a:off x="6508303" y="4494619"/>
+              <a:ext cx="1569917" cy="276999"/>
+            </a:xfrm>
+            <a:prstGeom prst="rect">
+              <a:avLst/>
+            </a:prstGeom>
+            <a:noFill/>
+          </p:spPr>
+          <p:txBody>
+            <a:bodyPr wrap="none" rtlCol="0">
+              <a:spAutoFit/>
+            </a:bodyPr>
+            <a:lstStyle/>
+            <a:p>
+              <a:r>
+                <a:rPr lang="en-US" altLang="ko-KR" sz="1200">
+                  <a:solidFill>
+                    <a:schemeClr val="bg2">
+                      <a:lumMod val="50000"/>
+                    </a:schemeClr>
+                  </a:solidFill>
+                  <a:latin typeface="+mn-ea"/>
+                </a:rPr>
+                <a:t>contact address list</a:t>
+              </a:r>
+              <a:endParaRPr lang="ko-KR" altLang="en-US" sz="1200">
+                <a:solidFill>
+                  <a:schemeClr val="bg2">
+                    <a:lumMod val="50000"/>
+                  </a:schemeClr>
+                </a:solidFill>
+                <a:latin typeface="+mn-ea"/>
+              </a:endParaRPr>
+            </a:p>
+          </p:txBody>
+        </p:sp>
+      </p:grpSp>
     </p:spTree>
     <p:extLst>
       <p:ext uri="{BB962C8B-B14F-4D97-AF65-F5344CB8AC3E}">
-        <p14:creationId xmlns:p14="http://schemas.microsoft.com/office/powerpoint/2010/main" val="3861246699"/>
+        <p14:creationId xmlns:p14="http://schemas.microsoft.com/office/powerpoint/2010/main" val="2849905893"/>
       </p:ext>
     </p:extLst>
   </p:cSld>
@@ -6287,10 +10079,10 @@
           <a:lstStyle/>
           <a:p>
             <a:r>
-              <a:rPr lang="en-US" altLang="ko-KR" dirty="0"/>
-              <a:t>4. Initiating a Session</a:t>
-            </a:r>
-            <a:endParaRPr lang="ko-KR" altLang="en-US" dirty="0"/>
+              <a:rPr lang="en-US" altLang="ko-KR"/>
+              <a:t>2. Registrations – Constructing the REGISTER Request (3)</a:t>
+            </a:r>
+            <a:endParaRPr lang="ko-KR" altLang="en-US"/>
           </a:p>
         </p:txBody>
       </p:sp>
@@ -6319,14 +10111,704 @@
               <a:rPr lang="ko-KR" altLang="en-US" smtClean="0"/>
               <a:t>8</a:t>
             </a:fld>
-            <a:endParaRPr lang="ko-KR" altLang="en-US" dirty="0"/>
+            <a:endParaRPr lang="ko-KR" altLang="en-US"/>
+          </a:p>
+        </p:txBody>
+      </p:sp>
+      <p:sp>
+        <p:nvSpPr>
+          <p:cNvPr id="50" name="직사각형 49">
+            <a:extLst>
+              <a:ext uri="{FF2B5EF4-FFF2-40B4-BE49-F238E27FC236}">
+                <a16:creationId xmlns:a16="http://schemas.microsoft.com/office/drawing/2014/main" id="{6BD71A7F-E7DB-44B6-A054-AC0FCA4BB57F}"/>
+              </a:ext>
+            </a:extLst>
+          </p:cNvPr>
+          <p:cNvSpPr/>
+          <p:nvPr/>
+        </p:nvSpPr>
+        <p:spPr>
+          <a:xfrm>
+            <a:off x="751367" y="865998"/>
+            <a:ext cx="11147556" cy="1537152"/>
+          </a:xfrm>
+          <a:prstGeom prst="rect">
+            <a:avLst/>
+          </a:prstGeom>
+        </p:spPr>
+        <p:txBody>
+          <a:bodyPr wrap="square">
+            <a:spAutoFit/>
+          </a:bodyPr>
+          <a:lstStyle/>
+          <a:p>
+            <a:pPr>
+              <a:lnSpc>
+                <a:spcPct val="150000"/>
+              </a:lnSpc>
+            </a:pPr>
+            <a:r>
+              <a:rPr lang="en-US" altLang="ko-KR" sz="1600" b="1" u="sng">
+                <a:latin typeface="Roboto" panose="02000000000000000000" pitchFamily="2" charset="0"/>
+              </a:rPr>
+              <a:t>Removing Bindings</a:t>
+            </a:r>
+          </a:p>
+          <a:p>
+            <a:pPr marL="285750" indent="-285750">
+              <a:lnSpc>
+                <a:spcPct val="150000"/>
+              </a:lnSpc>
+              <a:buFont typeface="Arial" panose="020B0604020202020204" pitchFamily="34" charset="0"/>
+              <a:buChar char="•"/>
+            </a:pPr>
+            <a:r>
+              <a:rPr lang="en-US" altLang="ko-KR" sz="1200">
+                <a:latin typeface="+mn-ea"/>
+              </a:rPr>
+              <a:t>Binding </a:t>
+            </a:r>
+            <a:r>
+              <a:rPr lang="ko-KR" altLang="en-US" sz="1200">
+                <a:latin typeface="+mn-ea"/>
+              </a:rPr>
+              <a:t>정보는 만료시간이 경과하면 삭제</a:t>
+            </a:r>
+            <a:endParaRPr lang="en-US" altLang="ko-KR" sz="1200">
+              <a:latin typeface="+mn-ea"/>
+            </a:endParaRPr>
+          </a:p>
+          <a:p>
+            <a:pPr marL="285750" indent="-285750">
+              <a:lnSpc>
+                <a:spcPct val="150000"/>
+              </a:lnSpc>
+              <a:buFont typeface="Arial" panose="020B0604020202020204" pitchFamily="34" charset="0"/>
+              <a:buChar char="•"/>
+            </a:pPr>
+            <a:r>
+              <a:rPr lang="en-US" altLang="ko-KR" sz="1200">
+                <a:latin typeface="+mn-ea"/>
+              </a:rPr>
+              <a:t>UA</a:t>
+            </a:r>
+            <a:r>
+              <a:rPr lang="ko-KR" altLang="en-US" sz="1200">
+                <a:latin typeface="+mn-ea"/>
+              </a:rPr>
+              <a:t>는 </a:t>
+            </a:r>
+            <a:r>
+              <a:rPr lang="en-US" altLang="ko-KR" sz="1200">
+                <a:latin typeface="+mn-ea"/>
+              </a:rPr>
+              <a:t>REGISTER </a:t>
+            </a:r>
+            <a:r>
+              <a:rPr lang="ko-KR" altLang="en-US" sz="1200">
+                <a:latin typeface="+mn-ea"/>
+              </a:rPr>
+              <a:t>요청에서 해당 </a:t>
+            </a:r>
+            <a:r>
+              <a:rPr lang="en-US" altLang="ko-KR" sz="1200">
+                <a:latin typeface="+mn-ea"/>
+              </a:rPr>
+              <a:t>contact address </a:t>
+            </a:r>
+            <a:r>
+              <a:rPr lang="ko-KR" altLang="en-US" sz="1200">
+                <a:latin typeface="+mn-ea"/>
+              </a:rPr>
+              <a:t>에 대해 만료 간격을 </a:t>
+            </a:r>
+            <a:r>
+              <a:rPr lang="en-US" altLang="ko-KR" sz="1200">
+                <a:latin typeface="+mn-ea"/>
+              </a:rPr>
+              <a:t>“0”</a:t>
+            </a:r>
+            <a:r>
+              <a:rPr lang="ko-KR" altLang="en-US" sz="1200">
+                <a:latin typeface="+mn-ea"/>
+              </a:rPr>
+              <a:t>으로 지정하여 즉각적으로 바인딩 제거를 요청할 수 있음</a:t>
+            </a:r>
+            <a:endParaRPr lang="en-US" altLang="ko-KR" sz="1200">
+              <a:latin typeface="+mn-ea"/>
+            </a:endParaRPr>
+          </a:p>
+          <a:p>
+            <a:pPr marL="285750" indent="-285750">
+              <a:lnSpc>
+                <a:spcPct val="150000"/>
+              </a:lnSpc>
+              <a:buFont typeface="Arial" panose="020B0604020202020204" pitchFamily="34" charset="0"/>
+              <a:buChar char="•"/>
+            </a:pPr>
+            <a:r>
+              <a:rPr lang="en-US" altLang="ko-KR" sz="1200">
+                <a:latin typeface="+mn-ea"/>
+              </a:rPr>
+              <a:t>Contact </a:t>
+            </a:r>
+            <a:r>
+              <a:rPr lang="ko-KR" altLang="en-US" sz="1200">
+                <a:latin typeface="+mn-ea"/>
+              </a:rPr>
+              <a:t>헤더 값이 </a:t>
+            </a:r>
+            <a:r>
+              <a:rPr lang="ko-KR" altLang="en-US" sz="1200">
+                <a:solidFill>
+                  <a:srgbClr val="0000FF"/>
+                </a:solidFill>
+                <a:latin typeface="+mn-ea"/>
+              </a:rPr>
+              <a:t>＂*</a:t>
+            </a:r>
+            <a:r>
+              <a:rPr lang="en-US" altLang="ko-KR" sz="1200">
+                <a:solidFill>
+                  <a:srgbClr val="0000FF"/>
+                </a:solidFill>
+                <a:latin typeface="+mn-ea"/>
+              </a:rPr>
+              <a:t>” </a:t>
+            </a:r>
+            <a:r>
+              <a:rPr lang="ko-KR" altLang="en-US" sz="1200">
+                <a:latin typeface="+mn-ea"/>
+              </a:rPr>
+              <a:t>이면 </a:t>
+            </a:r>
+            <a:r>
+              <a:rPr lang="en-US" altLang="ko-KR" sz="1200">
+                <a:latin typeface="+mn-ea"/>
+              </a:rPr>
+              <a:t>UA</a:t>
+            </a:r>
+            <a:r>
+              <a:rPr lang="ko-KR" altLang="en-US" sz="1200">
+                <a:latin typeface="+mn-ea"/>
+              </a:rPr>
+              <a:t>가 정확한 값을 몰라도 </a:t>
+            </a:r>
+            <a:r>
+              <a:rPr lang="en-US" altLang="ko-KR" sz="1200">
+                <a:latin typeface="+mn-ea"/>
+              </a:rPr>
+              <a:t>address-of-record </a:t>
+            </a:r>
+            <a:r>
+              <a:rPr lang="ko-KR" altLang="en-US" sz="1200">
+                <a:latin typeface="+mn-ea"/>
+              </a:rPr>
+              <a:t>와 연관된 모든 </a:t>
+            </a:r>
+            <a:r>
+              <a:rPr lang="en-US" altLang="ko-KR" sz="1200">
+                <a:latin typeface="+mn-ea"/>
+              </a:rPr>
+              <a:t>bindings </a:t>
+            </a:r>
+            <a:r>
+              <a:rPr lang="ko-KR" altLang="en-US" sz="1200">
+                <a:latin typeface="+mn-ea"/>
+              </a:rPr>
+              <a:t>를 제거</a:t>
+            </a:r>
+            <a:endParaRPr lang="en-US" altLang="ko-KR" sz="1200">
+              <a:latin typeface="+mn-ea"/>
+            </a:endParaRPr>
+          </a:p>
+          <a:p>
+            <a:pPr marL="742950" lvl="1" indent="-285750">
+              <a:lnSpc>
+                <a:spcPct val="150000"/>
+              </a:lnSpc>
+              <a:buFont typeface="Arial" panose="020B0604020202020204" pitchFamily="34" charset="0"/>
+              <a:buChar char="•"/>
+            </a:pPr>
+            <a:r>
+              <a:rPr lang="ko-KR" altLang="en-US" sz="1200">
+                <a:latin typeface="+mn-ea"/>
+              </a:rPr>
+              <a:t>단</a:t>
+            </a:r>
+            <a:r>
+              <a:rPr lang="en-US" altLang="ko-KR" sz="1200">
+                <a:latin typeface="+mn-ea"/>
+              </a:rPr>
+              <a:t>, Expires </a:t>
+            </a:r>
+            <a:r>
+              <a:rPr lang="ko-KR" altLang="en-US" sz="1200">
+                <a:latin typeface="+mn-ea"/>
+              </a:rPr>
+              <a:t>헤더 값이 </a:t>
+            </a:r>
+            <a:r>
+              <a:rPr lang="ko-KR" altLang="en-US" sz="1200" b="1">
+                <a:solidFill>
+                  <a:srgbClr val="0000FF"/>
+                </a:solidFill>
+                <a:latin typeface="+mn-ea"/>
+              </a:rPr>
+              <a:t>＂</a:t>
+            </a:r>
+            <a:r>
+              <a:rPr lang="en-US" altLang="ko-KR" sz="1200" b="1">
+                <a:solidFill>
+                  <a:srgbClr val="0000FF"/>
+                </a:solidFill>
+                <a:latin typeface="+mn-ea"/>
+              </a:rPr>
+              <a:t>0”</a:t>
+            </a:r>
+            <a:r>
+              <a:rPr lang="ko-KR" altLang="en-US" sz="1200">
+                <a:latin typeface="+mn-ea"/>
+              </a:rPr>
+              <a:t>인 경우에만 사용 가능</a:t>
+            </a:r>
+            <a:r>
+              <a:rPr lang="en-US" altLang="ko-KR" sz="1200">
+                <a:latin typeface="+mn-ea"/>
+              </a:rPr>
+              <a:t> </a:t>
+            </a:r>
+          </a:p>
+        </p:txBody>
+      </p:sp>
+      <p:sp>
+        <p:nvSpPr>
+          <p:cNvPr id="18" name="직사각형 17">
+            <a:extLst>
+              <a:ext uri="{FF2B5EF4-FFF2-40B4-BE49-F238E27FC236}">
+                <a16:creationId xmlns:a16="http://schemas.microsoft.com/office/drawing/2014/main" id="{C4B49006-FDDE-420A-A5C9-D0BF743B4324}"/>
+              </a:ext>
+            </a:extLst>
+          </p:cNvPr>
+          <p:cNvSpPr/>
+          <p:nvPr/>
+        </p:nvSpPr>
+        <p:spPr>
+          <a:xfrm>
+            <a:off x="751367" y="2981097"/>
+            <a:ext cx="11147556" cy="983154"/>
+          </a:xfrm>
+          <a:prstGeom prst="rect">
+            <a:avLst/>
+          </a:prstGeom>
+        </p:spPr>
+        <p:txBody>
+          <a:bodyPr wrap="square">
+            <a:spAutoFit/>
+          </a:bodyPr>
+          <a:lstStyle/>
+          <a:p>
+            <a:pPr>
+              <a:lnSpc>
+                <a:spcPct val="150000"/>
+              </a:lnSpc>
+            </a:pPr>
+            <a:r>
+              <a:rPr lang="en-US" altLang="ko-KR" sz="1600" b="1" u="sng">
+                <a:latin typeface="Roboto" panose="02000000000000000000" pitchFamily="2" charset="0"/>
+              </a:rPr>
+              <a:t>Fetching Bindings</a:t>
+            </a:r>
+          </a:p>
+          <a:p>
+            <a:pPr marL="285750" indent="-285750">
+              <a:lnSpc>
+                <a:spcPct val="150000"/>
+              </a:lnSpc>
+              <a:buFont typeface="Arial" panose="020B0604020202020204" pitchFamily="34" charset="0"/>
+              <a:buChar char="•"/>
+            </a:pPr>
+            <a:r>
+              <a:rPr lang="en-US" altLang="ko-KR" sz="1200">
+                <a:latin typeface="+mn-ea"/>
+              </a:rPr>
+              <a:t>REGISTER </a:t>
+            </a:r>
+            <a:r>
+              <a:rPr lang="ko-KR" altLang="en-US" sz="1200">
+                <a:latin typeface="+mn-ea"/>
+              </a:rPr>
+              <a:t>요청에 대한 </a:t>
+            </a:r>
+            <a:r>
+              <a:rPr lang="en-US" altLang="ko-KR" sz="1200">
+                <a:latin typeface="+mn-ea"/>
+              </a:rPr>
+              <a:t>success </a:t>
+            </a:r>
+            <a:r>
+              <a:rPr lang="ko-KR" altLang="en-US" sz="1200">
+                <a:latin typeface="+mn-ea"/>
+              </a:rPr>
+              <a:t>응답에는 </a:t>
+            </a:r>
+            <a:r>
+              <a:rPr lang="en-US" altLang="ko-KR" sz="1200">
+                <a:latin typeface="+mn-ea"/>
+              </a:rPr>
+              <a:t>Contact </a:t>
+            </a:r>
+            <a:r>
+              <a:rPr lang="ko-KR" altLang="en-US" sz="1200">
+                <a:latin typeface="+mn-ea"/>
+              </a:rPr>
+              <a:t>헤더의 유무에 관계없이 기존 </a:t>
+            </a:r>
+            <a:r>
+              <a:rPr lang="en-US" altLang="ko-KR" sz="1200">
+                <a:latin typeface="+mn-ea"/>
+              </a:rPr>
+              <a:t>binding </a:t>
+            </a:r>
+            <a:r>
+              <a:rPr lang="ko-KR" altLang="en-US" sz="1200">
+                <a:latin typeface="+mn-ea"/>
+              </a:rPr>
+              <a:t>의 전체 목록이 포함</a:t>
+            </a:r>
+            <a:endParaRPr lang="en-US" altLang="ko-KR" sz="1200">
+              <a:latin typeface="+mn-ea"/>
+            </a:endParaRPr>
+          </a:p>
+          <a:p>
+            <a:pPr marL="285750" indent="-285750">
+              <a:lnSpc>
+                <a:spcPct val="150000"/>
+              </a:lnSpc>
+              <a:buFont typeface="Arial" panose="020B0604020202020204" pitchFamily="34" charset="0"/>
+              <a:buChar char="•"/>
+            </a:pPr>
+            <a:r>
+              <a:rPr lang="en-US" altLang="ko-KR" sz="1200">
+                <a:latin typeface="+mn-ea"/>
+              </a:rPr>
+              <a:t>REGISTER </a:t>
+            </a:r>
+            <a:r>
+              <a:rPr lang="ko-KR" altLang="en-US" sz="1200">
+                <a:latin typeface="+mn-ea"/>
+              </a:rPr>
+              <a:t>요청에 </a:t>
+            </a:r>
+            <a:r>
+              <a:rPr lang="en-US" altLang="ko-KR" sz="1200">
+                <a:latin typeface="+mn-ea"/>
+              </a:rPr>
+              <a:t>Contact </a:t>
+            </a:r>
+            <a:r>
+              <a:rPr lang="ko-KR" altLang="en-US" sz="1200">
+                <a:latin typeface="+mn-ea"/>
+              </a:rPr>
+              <a:t>헤더 필드가 없는 경우 바인딩 목록은 변경되지 않음</a:t>
+            </a:r>
+            <a:endParaRPr lang="en-US" altLang="ko-KR" sz="1200">
+              <a:latin typeface="+mn-ea"/>
+            </a:endParaRPr>
+          </a:p>
+        </p:txBody>
+      </p:sp>
+      <p:sp>
+        <p:nvSpPr>
+          <p:cNvPr id="19" name="직사각형 18">
+            <a:extLst>
+              <a:ext uri="{FF2B5EF4-FFF2-40B4-BE49-F238E27FC236}">
+                <a16:creationId xmlns:a16="http://schemas.microsoft.com/office/drawing/2014/main" id="{73ACE469-C4F3-4781-ADA9-FA9CD0942244}"/>
+              </a:ext>
+            </a:extLst>
+          </p:cNvPr>
+          <p:cNvSpPr/>
+          <p:nvPr/>
+        </p:nvSpPr>
+        <p:spPr>
+          <a:xfrm>
+            <a:off x="751367" y="4542199"/>
+            <a:ext cx="11147556" cy="1814151"/>
+          </a:xfrm>
+          <a:prstGeom prst="rect">
+            <a:avLst/>
+          </a:prstGeom>
+        </p:spPr>
+        <p:txBody>
+          <a:bodyPr wrap="square">
+            <a:spAutoFit/>
+          </a:bodyPr>
+          <a:lstStyle/>
+          <a:p>
+            <a:pPr>
+              <a:lnSpc>
+                <a:spcPct val="150000"/>
+              </a:lnSpc>
+            </a:pPr>
+            <a:r>
+              <a:rPr lang="en-US" altLang="ko-KR" sz="1600" b="1" u="sng">
+                <a:latin typeface="Roboto" panose="02000000000000000000" pitchFamily="2" charset="0"/>
+              </a:rPr>
+              <a:t>Refreshing Bindings</a:t>
+            </a:r>
+          </a:p>
+          <a:p>
+            <a:pPr marL="285750" indent="-285750">
+              <a:lnSpc>
+                <a:spcPct val="150000"/>
+              </a:lnSpc>
+              <a:buFont typeface="Arial" panose="020B0604020202020204" pitchFamily="34" charset="0"/>
+              <a:buChar char="•"/>
+            </a:pPr>
+            <a:r>
+              <a:rPr lang="ko-KR" altLang="en-US" sz="1200">
+                <a:latin typeface="+mn-ea"/>
+              </a:rPr>
+              <a:t>서로 다른 </a:t>
+            </a:r>
+            <a:r>
+              <a:rPr lang="en-US" altLang="ko-KR" sz="1200">
+                <a:latin typeface="+mn-ea"/>
+              </a:rPr>
+              <a:t>UA </a:t>
+            </a:r>
+            <a:r>
+              <a:rPr lang="ko-KR" altLang="en-US" sz="1200">
+                <a:latin typeface="+mn-ea"/>
+              </a:rPr>
+              <a:t>간에는 설정된 </a:t>
+            </a:r>
+            <a:r>
+              <a:rPr lang="en-US" altLang="ko-KR" sz="1200">
+                <a:latin typeface="+mn-ea"/>
+              </a:rPr>
+              <a:t>binding</a:t>
+            </a:r>
+            <a:r>
+              <a:rPr lang="ko-KR" altLang="en-US" sz="1200">
+                <a:latin typeface="+mn-ea"/>
+              </a:rPr>
+              <a:t> 을 </a:t>
+            </a:r>
+            <a:r>
+              <a:rPr lang="en-US" altLang="ko-KR" sz="1200">
+                <a:latin typeface="+mn-ea"/>
+              </a:rPr>
+              <a:t>refresh </a:t>
+            </a:r>
+            <a:r>
+              <a:rPr lang="ko-KR" altLang="en-US" sz="1200">
+                <a:latin typeface="+mn-ea"/>
+              </a:rPr>
+              <a:t>할 수 없음</a:t>
+            </a:r>
+            <a:endParaRPr lang="en-US" altLang="ko-KR" sz="1200">
+              <a:latin typeface="+mn-ea"/>
+            </a:endParaRPr>
+          </a:p>
+          <a:p>
+            <a:pPr marL="285750" indent="-285750">
+              <a:lnSpc>
+                <a:spcPct val="150000"/>
+              </a:lnSpc>
+              <a:buFont typeface="Arial" panose="020B0604020202020204" pitchFamily="34" charset="0"/>
+              <a:buChar char="•"/>
+            </a:pPr>
+            <a:r>
+              <a:rPr lang="en-US" altLang="ko-KR" sz="1200">
+                <a:latin typeface="+mn-ea"/>
+              </a:rPr>
+              <a:t>registrar</a:t>
+            </a:r>
+            <a:r>
+              <a:rPr lang="ko-KR" altLang="en-US" sz="1200">
+                <a:latin typeface="+mn-ea"/>
+              </a:rPr>
+              <a:t>의 </a:t>
+            </a:r>
+            <a:r>
+              <a:rPr lang="en-US" altLang="ko-KR" sz="1200">
+                <a:latin typeface="+mn-ea"/>
+              </a:rPr>
+              <a:t>200 OK </a:t>
+            </a:r>
+            <a:r>
+              <a:rPr lang="ko-KR" altLang="en-US" sz="1200">
+                <a:latin typeface="+mn-ea"/>
+              </a:rPr>
+              <a:t>응답에는 현재 모든 </a:t>
+            </a:r>
+            <a:r>
+              <a:rPr lang="en-US" altLang="ko-KR" sz="1200">
+                <a:latin typeface="+mn-ea"/>
+              </a:rPr>
+              <a:t>binding</a:t>
+            </a:r>
+            <a:r>
+              <a:rPr lang="ko-KR" altLang="en-US" sz="1200">
+                <a:latin typeface="+mn-ea"/>
+              </a:rPr>
+              <a:t> 을 열거하는 각 </a:t>
+            </a:r>
+            <a:r>
+              <a:rPr lang="en-US" altLang="ko-KR" sz="1200">
+                <a:latin typeface="+mn-ea"/>
+              </a:rPr>
+              <a:t>contact address </a:t>
+            </a:r>
+            <a:r>
+              <a:rPr lang="ko-KR" altLang="en-US" sz="1200">
+                <a:latin typeface="+mn-ea"/>
+              </a:rPr>
+              <a:t>를 비교하여 </a:t>
+            </a:r>
+            <a:r>
+              <a:rPr lang="en-US" altLang="ko-KR" sz="1200">
+                <a:latin typeface="+mn-ea"/>
+              </a:rPr>
+              <a:t>“expires” </a:t>
+            </a:r>
+            <a:r>
+              <a:rPr lang="ko-KR" altLang="en-US" sz="1200">
+                <a:latin typeface="+mn-ea"/>
+              </a:rPr>
+              <a:t>매개변수 또는 </a:t>
+            </a:r>
+            <a:r>
+              <a:rPr lang="en-US" altLang="ko-KR" sz="1200">
+                <a:latin typeface="+mn-ea"/>
+              </a:rPr>
+              <a:t>Expires </a:t>
+            </a:r>
+            <a:r>
+              <a:rPr lang="ko-KR" altLang="en-US" sz="1200">
+                <a:latin typeface="+mn-ea"/>
+              </a:rPr>
+              <a:t>헤더 값에 따라 </a:t>
+            </a:r>
+            <a:r>
+              <a:rPr lang="en-US" altLang="ko-KR" sz="1200">
+                <a:latin typeface="+mn-ea"/>
+              </a:rPr>
+              <a:t>expiration time interval </a:t>
+            </a:r>
+            <a:r>
+              <a:rPr lang="ko-KR" altLang="en-US" sz="1200">
+                <a:latin typeface="+mn-ea"/>
+              </a:rPr>
+              <a:t>을 갱신</a:t>
+            </a:r>
+            <a:endParaRPr lang="en-US" altLang="ko-KR" sz="1200">
+              <a:latin typeface="+mn-ea"/>
+            </a:endParaRPr>
+          </a:p>
+          <a:p>
+            <a:pPr marL="285750" indent="-285750">
+              <a:lnSpc>
+                <a:spcPct val="150000"/>
+              </a:lnSpc>
+              <a:buFont typeface="Arial" panose="020B0604020202020204" pitchFamily="34" charset="0"/>
+              <a:buChar char="•"/>
+            </a:pPr>
+            <a:r>
+              <a:rPr lang="ko-KR" altLang="en-US" sz="1200">
+                <a:latin typeface="+mn-ea"/>
+              </a:rPr>
+              <a:t>그런 다음 </a:t>
+            </a:r>
+            <a:r>
+              <a:rPr lang="en-US" altLang="ko-KR" sz="1200">
+                <a:latin typeface="+mn-ea"/>
+              </a:rPr>
+              <a:t>UA</a:t>
+            </a:r>
+            <a:r>
+              <a:rPr lang="ko-KR" altLang="en-US" sz="1200">
+                <a:latin typeface="+mn-ea"/>
+              </a:rPr>
+              <a:t> 는 만료되기 전에 각 </a:t>
+            </a:r>
+            <a:r>
+              <a:rPr lang="en-US" altLang="ko-KR" sz="1200">
+                <a:latin typeface="+mn-ea"/>
+              </a:rPr>
+              <a:t>binding </a:t>
+            </a:r>
+            <a:r>
+              <a:rPr lang="ko-KR" altLang="en-US" sz="1200">
+                <a:latin typeface="+mn-ea"/>
+              </a:rPr>
+              <a:t>에 대해 </a:t>
+            </a:r>
+            <a:r>
+              <a:rPr lang="en-US" altLang="ko-KR" sz="1200">
+                <a:latin typeface="+mn-ea"/>
+              </a:rPr>
+              <a:t>REGISTER </a:t>
+            </a:r>
+            <a:r>
+              <a:rPr lang="ko-KR" altLang="en-US" sz="1200">
+                <a:latin typeface="+mn-ea"/>
+              </a:rPr>
+              <a:t>요청을 발행</a:t>
+            </a:r>
+            <a:endParaRPr lang="en-US" altLang="ko-KR" sz="1200">
+              <a:latin typeface="+mn-ea"/>
+            </a:endParaRPr>
+          </a:p>
+          <a:p>
+            <a:pPr marL="285750" indent="-285750">
+              <a:lnSpc>
+                <a:spcPct val="150000"/>
+              </a:lnSpc>
+              <a:buFont typeface="Arial" panose="020B0604020202020204" pitchFamily="34" charset="0"/>
+              <a:buChar char="•"/>
+            </a:pPr>
+            <a:r>
+              <a:rPr lang="ko-KR" altLang="en-US" sz="1200">
+                <a:latin typeface="+mn-ea"/>
+              </a:rPr>
+              <a:t>하나의 요청으로 여러 개의 </a:t>
+            </a:r>
+            <a:r>
+              <a:rPr lang="en-US" altLang="ko-KR" sz="1200">
+                <a:latin typeface="+mn-ea"/>
+              </a:rPr>
+              <a:t>contact address </a:t>
+            </a:r>
+            <a:r>
+              <a:rPr lang="ko-KR" altLang="en-US" sz="1200">
+                <a:latin typeface="+mn-ea"/>
+              </a:rPr>
+              <a:t>에 대해 </a:t>
+            </a:r>
+            <a:r>
+              <a:rPr lang="en-US" altLang="ko-KR" sz="1200">
+                <a:latin typeface="+mn-ea"/>
+              </a:rPr>
+              <a:t>refresh </a:t>
+            </a:r>
+            <a:r>
+              <a:rPr lang="ko-KR" altLang="en-US" sz="1200">
+                <a:latin typeface="+mn-ea"/>
+              </a:rPr>
+              <a:t>할 수 있음</a:t>
+            </a:r>
+            <a:endParaRPr lang="en-US" altLang="ko-KR" sz="1200">
+              <a:latin typeface="+mn-ea"/>
+            </a:endParaRPr>
           </a:p>
         </p:txBody>
       </p:sp>
     </p:spTree>
     <p:extLst>
       <p:ext uri="{BB962C8B-B14F-4D97-AF65-F5344CB8AC3E}">
-        <p14:creationId xmlns:p14="http://schemas.microsoft.com/office/powerpoint/2010/main" val="1584630631"/>
+        <p14:creationId xmlns:p14="http://schemas.microsoft.com/office/powerpoint/2010/main" val="255426657"/>
       </p:ext>
     </p:extLst>
   </p:cSld>
@@ -6380,10 +10862,10 @@
           <a:lstStyle/>
           <a:p>
             <a:r>
-              <a:rPr lang="en-US" altLang="ko-KR" dirty="0"/>
-              <a:t>5. Modifying an Existing Session</a:t>
-            </a:r>
-            <a:endParaRPr lang="ko-KR" altLang="en-US" dirty="0"/>
+              <a:rPr lang="en-US" altLang="ko-KR"/>
+              <a:t>2. Registrations – Constructing the REGISTER Request (4)</a:t>
+            </a:r>
+            <a:endParaRPr lang="ko-KR" altLang="en-US"/>
           </a:p>
         </p:txBody>
       </p:sp>
@@ -6412,14 +10894,924 @@
               <a:rPr lang="ko-KR" altLang="en-US" smtClean="0"/>
               <a:t>9</a:t>
             </a:fld>
-            <a:endParaRPr lang="ko-KR" altLang="en-US" dirty="0"/>
+            <a:endParaRPr lang="ko-KR" altLang="en-US"/>
+          </a:p>
+        </p:txBody>
+      </p:sp>
+      <p:sp>
+        <p:nvSpPr>
+          <p:cNvPr id="50" name="직사각형 49">
+            <a:extLst>
+              <a:ext uri="{FF2B5EF4-FFF2-40B4-BE49-F238E27FC236}">
+                <a16:creationId xmlns:a16="http://schemas.microsoft.com/office/drawing/2014/main" id="{6BD71A7F-E7DB-44B6-A054-AC0FCA4BB57F}"/>
+              </a:ext>
+            </a:extLst>
+          </p:cNvPr>
+          <p:cNvSpPr/>
+          <p:nvPr/>
+        </p:nvSpPr>
+        <p:spPr>
+          <a:xfrm>
+            <a:off x="751367" y="865998"/>
+            <a:ext cx="11147556" cy="706155"/>
+          </a:xfrm>
+          <a:prstGeom prst="rect">
+            <a:avLst/>
+          </a:prstGeom>
+        </p:spPr>
+        <p:txBody>
+          <a:bodyPr wrap="square">
+            <a:spAutoFit/>
+          </a:bodyPr>
+          <a:lstStyle/>
+          <a:p>
+            <a:pPr>
+              <a:lnSpc>
+                <a:spcPct val="150000"/>
+              </a:lnSpc>
+            </a:pPr>
+            <a:r>
+              <a:rPr lang="en-US" altLang="ko-KR" sz="1600" b="1" u="sng">
+                <a:latin typeface="Roboto" panose="02000000000000000000" pitchFamily="2" charset="0"/>
+              </a:rPr>
+              <a:t>Setting the Interval Clock</a:t>
+            </a:r>
+          </a:p>
+          <a:p>
+            <a:pPr marL="285750" indent="-285750">
+              <a:lnSpc>
+                <a:spcPct val="150000"/>
+              </a:lnSpc>
+              <a:buFont typeface="Arial" panose="020B0604020202020204" pitchFamily="34" charset="0"/>
+              <a:buChar char="•"/>
+            </a:pPr>
+            <a:r>
+              <a:rPr lang="en-US" altLang="ko-KR" sz="1200" b="1">
+                <a:latin typeface="+mn-ea"/>
+              </a:rPr>
+              <a:t>RETGISTER</a:t>
+            </a:r>
+            <a:r>
+              <a:rPr lang="en-US" altLang="ko-KR" sz="1200">
+                <a:latin typeface="+mn-ea"/>
+              </a:rPr>
+              <a:t> </a:t>
+            </a:r>
+            <a:r>
+              <a:rPr lang="ko-KR" altLang="en-US" sz="1200">
+                <a:latin typeface="+mn-ea"/>
+              </a:rPr>
+              <a:t>요청에 대한 응답에 </a:t>
+            </a:r>
+            <a:r>
+              <a:rPr lang="en-US" altLang="ko-KR" sz="1200" b="1">
+                <a:latin typeface="+mn-ea"/>
+              </a:rPr>
+              <a:t>Date</a:t>
+            </a:r>
+            <a:r>
+              <a:rPr lang="en-US" altLang="ko-KR" sz="1200">
+                <a:latin typeface="+mn-ea"/>
+              </a:rPr>
+              <a:t> </a:t>
+            </a:r>
+            <a:r>
+              <a:rPr lang="ko-KR" altLang="en-US" sz="1200">
+                <a:latin typeface="+mn-ea"/>
+              </a:rPr>
+              <a:t>헤더가 포함된 경우 클라이언트는 </a:t>
+            </a:r>
+            <a:r>
+              <a:rPr lang="en-US" altLang="ko-KR" sz="1200" b="1">
+                <a:latin typeface="+mn-ea"/>
+              </a:rPr>
+              <a:t>internal clock</a:t>
+            </a:r>
+            <a:r>
+              <a:rPr lang="en-US" altLang="ko-KR" sz="1200">
+                <a:latin typeface="+mn-ea"/>
+              </a:rPr>
+              <a:t> </a:t>
+            </a:r>
+            <a:r>
+              <a:rPr lang="ko-KR" altLang="en-US" sz="1200">
+                <a:latin typeface="+mn-ea"/>
+              </a:rPr>
+              <a:t>을 설정하기 위해  이 헤더 값을 사용하여 </a:t>
+            </a:r>
+            <a:r>
+              <a:rPr lang="ko-KR" altLang="en-US" sz="1200" b="1">
+                <a:latin typeface="+mn-ea"/>
+              </a:rPr>
+              <a:t>현재 시간</a:t>
+            </a:r>
+            <a:r>
+              <a:rPr lang="ko-KR" altLang="en-US" sz="1200">
+                <a:latin typeface="+mn-ea"/>
+              </a:rPr>
+              <a:t>을 계산</a:t>
+            </a:r>
+            <a:endParaRPr lang="en-US" altLang="ko-KR" sz="1200">
+              <a:latin typeface="+mn-ea"/>
+            </a:endParaRPr>
+          </a:p>
+        </p:txBody>
+      </p:sp>
+      <p:sp>
+        <p:nvSpPr>
+          <p:cNvPr id="7" name="직사각형 6">
+            <a:extLst>
+              <a:ext uri="{FF2B5EF4-FFF2-40B4-BE49-F238E27FC236}">
+                <a16:creationId xmlns:a16="http://schemas.microsoft.com/office/drawing/2014/main" id="{97377417-5F87-4DEB-90FC-5E19A79E33AF}"/>
+              </a:ext>
+            </a:extLst>
+          </p:cNvPr>
+          <p:cNvSpPr/>
+          <p:nvPr/>
+        </p:nvSpPr>
+        <p:spPr>
+          <a:xfrm>
+            <a:off x="751367" y="1888876"/>
+            <a:ext cx="11147556" cy="1537152"/>
+          </a:xfrm>
+          <a:prstGeom prst="rect">
+            <a:avLst/>
+          </a:prstGeom>
+        </p:spPr>
+        <p:txBody>
+          <a:bodyPr wrap="square">
+            <a:spAutoFit/>
+          </a:bodyPr>
+          <a:lstStyle/>
+          <a:p>
+            <a:pPr>
+              <a:lnSpc>
+                <a:spcPct val="150000"/>
+              </a:lnSpc>
+            </a:pPr>
+            <a:r>
+              <a:rPr lang="en-US" altLang="ko-KR" sz="1600" b="1" u="sng">
+                <a:latin typeface="Roboto" panose="02000000000000000000" pitchFamily="2" charset="0"/>
+              </a:rPr>
+              <a:t>Discovering a Registrar</a:t>
+            </a:r>
+          </a:p>
+          <a:p>
+            <a:pPr marL="285750" indent="-285750">
+              <a:lnSpc>
+                <a:spcPct val="150000"/>
+              </a:lnSpc>
+              <a:buFont typeface="Arial" panose="020B0604020202020204" pitchFamily="34" charset="0"/>
+              <a:buChar char="•"/>
+            </a:pPr>
+            <a:r>
+              <a:rPr lang="en-US" altLang="ko-KR" sz="1200">
+                <a:latin typeface="+mn-ea"/>
+              </a:rPr>
+              <a:t>UA</a:t>
+            </a:r>
+            <a:r>
+              <a:rPr lang="ko-KR" altLang="en-US" sz="1200">
+                <a:latin typeface="+mn-ea"/>
+              </a:rPr>
+              <a:t> 가 </a:t>
+            </a:r>
+            <a:r>
+              <a:rPr lang="en-US" altLang="ko-KR" sz="1200">
+                <a:latin typeface="+mn-ea"/>
+              </a:rPr>
+              <a:t>registration </a:t>
+            </a:r>
+            <a:r>
+              <a:rPr lang="ko-KR" altLang="en-US" sz="1200">
+                <a:latin typeface="+mn-ea"/>
+              </a:rPr>
+              <a:t>을 보낼 주소를 결정하는 방법</a:t>
+            </a:r>
+            <a:endParaRPr lang="en-US" altLang="ko-KR" sz="1200">
+              <a:latin typeface="+mn-ea"/>
+            </a:endParaRPr>
+          </a:p>
+          <a:p>
+            <a:pPr marL="685800" lvl="1" indent="-228600">
+              <a:lnSpc>
+                <a:spcPct val="150000"/>
+              </a:lnSpc>
+              <a:buAutoNum type="arabicPeriod"/>
+            </a:pPr>
+            <a:r>
+              <a:rPr lang="en-US" altLang="ko-KR" sz="1200" b="1">
+                <a:latin typeface="+mn-ea"/>
+              </a:rPr>
+              <a:t>configured</a:t>
+            </a:r>
+            <a:r>
+              <a:rPr lang="en-US" altLang="ko-KR" sz="1200">
+                <a:latin typeface="+mn-ea"/>
+              </a:rPr>
+              <a:t> </a:t>
+            </a:r>
+            <a:r>
+              <a:rPr lang="ko-KR" altLang="en-US" sz="1200">
+                <a:latin typeface="+mn-ea"/>
+              </a:rPr>
+              <a:t>된 </a:t>
+            </a:r>
+            <a:r>
+              <a:rPr lang="en-US" altLang="ko-KR" sz="1200">
+                <a:latin typeface="+mn-ea"/>
+              </a:rPr>
+              <a:t>registrar address </a:t>
+            </a:r>
+            <a:r>
+              <a:rPr lang="ko-KR" altLang="en-US" sz="1200">
+                <a:latin typeface="+mn-ea"/>
+              </a:rPr>
+              <a:t>사용</a:t>
+            </a:r>
+            <a:endParaRPr lang="en-US" altLang="ko-KR" sz="1200">
+              <a:latin typeface="+mn-ea"/>
+            </a:endParaRPr>
+          </a:p>
+          <a:p>
+            <a:pPr marL="685800" lvl="1" indent="-228600">
+              <a:lnSpc>
+                <a:spcPct val="150000"/>
+              </a:lnSpc>
+              <a:buAutoNum type="arabicPeriod"/>
+            </a:pPr>
+            <a:r>
+              <a:rPr lang="en-US" altLang="ko-KR" sz="1200">
+                <a:latin typeface="+mn-ea"/>
+              </a:rPr>
+              <a:t>address-of-record</a:t>
+            </a:r>
+            <a:r>
+              <a:rPr lang="ko-KR" altLang="en-US" sz="1200">
+                <a:latin typeface="+mn-ea"/>
+              </a:rPr>
+              <a:t> 의 </a:t>
+            </a:r>
+            <a:r>
+              <a:rPr lang="en-US" altLang="ko-KR" sz="1200" b="1">
+                <a:latin typeface="+mn-ea"/>
+              </a:rPr>
+              <a:t>host</a:t>
+            </a:r>
+            <a:r>
+              <a:rPr lang="en-US" altLang="ko-KR" sz="1200">
+                <a:latin typeface="+mn-ea"/>
+              </a:rPr>
+              <a:t> </a:t>
+            </a:r>
+            <a:r>
+              <a:rPr lang="ko-KR" altLang="en-US" sz="1200">
+                <a:latin typeface="+mn-ea"/>
+              </a:rPr>
+              <a:t>사용 </a:t>
+            </a:r>
+            <a:r>
+              <a:rPr lang="en-US" altLang="ko-KR" sz="1200">
+                <a:latin typeface="+mn-ea"/>
+              </a:rPr>
+              <a:t>(configured</a:t>
+            </a:r>
+            <a:r>
+              <a:rPr lang="ko-KR" altLang="en-US" sz="1200">
+                <a:latin typeface="+mn-ea"/>
+              </a:rPr>
+              <a:t> 된 </a:t>
+            </a:r>
+            <a:r>
+              <a:rPr lang="en-US" altLang="ko-KR" sz="1200">
+                <a:latin typeface="+mn-ea"/>
+              </a:rPr>
+              <a:t>registrar address </a:t>
+            </a:r>
+            <a:r>
+              <a:rPr lang="ko-KR" altLang="en-US" sz="1200">
+                <a:latin typeface="+mn-ea"/>
+              </a:rPr>
+              <a:t>가 없는 경우 사용되는 일반적인 </a:t>
+            </a:r>
+            <a:r>
+              <a:rPr lang="en-US" altLang="ko-KR" sz="1200">
+                <a:latin typeface="+mn-ea"/>
+              </a:rPr>
+              <a:t>SIP server location </a:t>
+            </a:r>
+            <a:r>
+              <a:rPr lang="ko-KR" altLang="en-US" sz="1200">
+                <a:latin typeface="+mn-ea"/>
+              </a:rPr>
+              <a:t>메커니즘</a:t>
+            </a:r>
+            <a:r>
+              <a:rPr lang="en-US" altLang="ko-KR" sz="1200">
+                <a:latin typeface="+mn-ea"/>
+              </a:rPr>
+              <a:t>)</a:t>
+            </a:r>
+          </a:p>
+          <a:p>
+            <a:pPr marL="685800" lvl="1" indent="-228600">
+              <a:lnSpc>
+                <a:spcPct val="150000"/>
+              </a:lnSpc>
+              <a:buAutoNum type="arabicPeriod"/>
+            </a:pPr>
+            <a:r>
+              <a:rPr lang="ko-KR" altLang="en-US" sz="1200">
+                <a:latin typeface="+mn-ea"/>
+              </a:rPr>
+              <a:t>멀티 캐스트 사용</a:t>
+            </a:r>
+            <a:endParaRPr lang="en-US" altLang="ko-KR" sz="1200">
+              <a:latin typeface="+mn-ea"/>
+            </a:endParaRPr>
+          </a:p>
+        </p:txBody>
+      </p:sp>
+      <p:grpSp>
+        <p:nvGrpSpPr>
+          <p:cNvPr id="13" name="그룹 12">
+            <a:extLst>
+              <a:ext uri="{FF2B5EF4-FFF2-40B4-BE49-F238E27FC236}">
+                <a16:creationId xmlns:a16="http://schemas.microsoft.com/office/drawing/2014/main" id="{D21A440B-80FA-4C21-915F-1BF1D7F81073}"/>
+              </a:ext>
+            </a:extLst>
+          </p:cNvPr>
+          <p:cNvGrpSpPr/>
+          <p:nvPr/>
+        </p:nvGrpSpPr>
+        <p:grpSpPr>
+          <a:xfrm>
+            <a:off x="8024779" y="3365524"/>
+            <a:ext cx="3500061" cy="830997"/>
+            <a:chOff x="5436124" y="4092427"/>
+            <a:chExt cx="3500061" cy="830997"/>
+          </a:xfrm>
+        </p:grpSpPr>
+        <p:sp>
+          <p:nvSpPr>
+            <p:cNvPr id="3" name="TextBox 2">
+              <a:extLst>
+                <a:ext uri="{FF2B5EF4-FFF2-40B4-BE49-F238E27FC236}">
+                  <a16:creationId xmlns:a16="http://schemas.microsoft.com/office/drawing/2014/main" id="{FE5C7D67-9C9B-4E06-9C72-DB86252B71DA}"/>
+                </a:ext>
+              </a:extLst>
+            </p:cNvPr>
+            <p:cNvSpPr txBox="1"/>
+            <p:nvPr/>
+          </p:nvSpPr>
+          <p:spPr>
+            <a:xfrm>
+              <a:off x="5436124" y="4092427"/>
+              <a:ext cx="3500061" cy="830997"/>
+            </a:xfrm>
+            <a:prstGeom prst="rect">
+              <a:avLst/>
+            </a:prstGeom>
+            <a:noFill/>
+            <a:ln>
+              <a:solidFill>
+                <a:schemeClr val="tx1"/>
+              </a:solidFill>
+            </a:ln>
+          </p:spPr>
+          <p:txBody>
+            <a:bodyPr wrap="none" rtlCol="0">
+              <a:spAutoFit/>
+            </a:bodyPr>
+            <a:lstStyle/>
+            <a:p>
+              <a:r>
+                <a:rPr lang="en-US" altLang="ko-KR" sz="1200"/>
+                <a:t>ex) sip</a:t>
+              </a:r>
+              <a:r>
+                <a:rPr lang="en-US" altLang="ko-KR" sz="1200" err="1"/>
+                <a:t>:carol@</a:t>
+              </a:r>
+              <a:r>
+                <a:rPr lang="en-US" altLang="ko-KR" sz="1200" u="sng" err="1"/>
+                <a:t>chicago.</a:t>
+              </a:r>
+              <a:r>
+                <a:rPr lang="en-US" altLang="ko-KR" sz="1200" u="sng"/>
+                <a:t>com</a:t>
+              </a:r>
+              <a:r>
+                <a:rPr lang="en-US" altLang="ko-KR" sz="1200"/>
+                <a:t> </a:t>
+              </a:r>
+              <a:r>
+                <a:rPr lang="ko-KR" altLang="en-US" sz="1200"/>
+                <a:t>인 경우 </a:t>
+              </a:r>
+              <a:endParaRPr lang="en-US" altLang="ko-KR" sz="1200"/>
+            </a:p>
+            <a:p>
+              <a:endParaRPr lang="en-US" altLang="ko-KR" sz="1200"/>
+            </a:p>
+            <a:p>
+              <a:endParaRPr lang="en-US" altLang="ko-KR" sz="1200"/>
+            </a:p>
+            <a:p>
+              <a:r>
+                <a:rPr lang="en-US" altLang="ko-KR" sz="1200"/>
+                <a:t>Request-URI: </a:t>
+              </a:r>
+              <a:r>
+                <a:rPr lang="en-US" altLang="ko-KR" sz="1200" err="1"/>
+                <a:t>sip:</a:t>
+              </a:r>
+              <a:r>
+                <a:rPr lang="en-US" altLang="ko-KR" sz="1200" err="1">
+                  <a:solidFill>
+                    <a:srgbClr val="0000FF"/>
+                  </a:solidFill>
+                </a:rPr>
+                <a:t>chicago.com</a:t>
+              </a:r>
+              <a:r>
+                <a:rPr lang="ko-KR" altLang="en-US" sz="1200">
+                  <a:solidFill>
+                    <a:srgbClr val="0000FF"/>
+                  </a:solidFill>
+                </a:rPr>
+                <a:t> </a:t>
+              </a:r>
+              <a:r>
+                <a:rPr lang="ko-KR" altLang="en-US" sz="1200"/>
+                <a:t>로 주소 지정한다</a:t>
+              </a:r>
+              <a:r>
+                <a:rPr lang="en-US" altLang="ko-KR" sz="1200"/>
+                <a:t>.</a:t>
+              </a:r>
+              <a:endParaRPr lang="ko-KR" altLang="en-US" sz="1200"/>
+            </a:p>
+          </p:txBody>
+        </p:sp>
+        <p:cxnSp>
+          <p:nvCxnSpPr>
+            <p:cNvPr id="9" name="직선 화살표 연결선 8">
+              <a:extLst>
+                <a:ext uri="{FF2B5EF4-FFF2-40B4-BE49-F238E27FC236}">
+                  <a16:creationId xmlns:a16="http://schemas.microsoft.com/office/drawing/2014/main" id="{52CFE1ED-1419-4504-BFED-CE93064E9F8F}"/>
+                </a:ext>
+              </a:extLst>
+            </p:cNvPr>
+            <p:cNvCxnSpPr>
+              <a:cxnSpLocks/>
+            </p:cNvCxnSpPr>
+            <p:nvPr/>
+          </p:nvCxnSpPr>
+          <p:spPr>
+            <a:xfrm>
+              <a:off x="7082459" y="4313415"/>
+              <a:ext cx="103695" cy="389019"/>
+            </a:xfrm>
+            <a:prstGeom prst="straightConnector1">
+              <a:avLst/>
+            </a:prstGeom>
+            <a:ln w="12700">
+              <a:solidFill>
+                <a:srgbClr val="0000FF"/>
+              </a:solidFill>
+              <a:tailEnd type="triangle"/>
+            </a:ln>
+          </p:spPr>
+          <p:style>
+            <a:lnRef idx="1">
+              <a:schemeClr val="accent1"/>
+            </a:lnRef>
+            <a:fillRef idx="0">
+              <a:schemeClr val="accent1"/>
+            </a:fillRef>
+            <a:effectRef idx="0">
+              <a:schemeClr val="accent1"/>
+            </a:effectRef>
+            <a:fontRef idx="minor">
+              <a:schemeClr val="tx1"/>
+            </a:fontRef>
+          </p:style>
+        </p:cxnSp>
+      </p:grpSp>
+      <p:cxnSp>
+        <p:nvCxnSpPr>
+          <p:cNvPr id="15" name="연결선: 꺾임 14">
+            <a:extLst>
+              <a:ext uri="{FF2B5EF4-FFF2-40B4-BE49-F238E27FC236}">
+                <a16:creationId xmlns:a16="http://schemas.microsoft.com/office/drawing/2014/main" id="{3439971F-68D0-464D-84AE-1E4748A98175}"/>
+              </a:ext>
+            </a:extLst>
+          </p:cNvPr>
+          <p:cNvCxnSpPr>
+            <a:cxnSpLocks/>
+          </p:cNvCxnSpPr>
+          <p:nvPr/>
+        </p:nvCxnSpPr>
+        <p:spPr>
+          <a:xfrm>
+            <a:off x="9982200" y="2988297"/>
+            <a:ext cx="1207416" cy="377227"/>
+          </a:xfrm>
+          <a:prstGeom prst="bentConnector3">
+            <a:avLst>
+              <a:gd name="adj1" fmla="val 37508"/>
+            </a:avLst>
+          </a:prstGeom>
+          <a:ln>
+            <a:solidFill>
+              <a:schemeClr val="tx1"/>
+            </a:solidFill>
+          </a:ln>
+        </p:spPr>
+        <p:style>
+          <a:lnRef idx="1">
+            <a:schemeClr val="accent1"/>
+          </a:lnRef>
+          <a:fillRef idx="0">
+            <a:schemeClr val="accent1"/>
+          </a:fillRef>
+          <a:effectRef idx="0">
+            <a:schemeClr val="accent1"/>
+          </a:effectRef>
+          <a:fontRef idx="minor">
+            <a:schemeClr val="tx1"/>
+          </a:fontRef>
+        </p:style>
+      </p:cxnSp>
+      <p:sp>
+        <p:nvSpPr>
+          <p:cNvPr id="21" name="직사각형 20">
+            <a:extLst>
+              <a:ext uri="{FF2B5EF4-FFF2-40B4-BE49-F238E27FC236}">
+                <a16:creationId xmlns:a16="http://schemas.microsoft.com/office/drawing/2014/main" id="{59EC0E14-E23B-4034-9B4A-9B96DFD26B41}"/>
+              </a:ext>
+            </a:extLst>
+          </p:cNvPr>
+          <p:cNvSpPr/>
+          <p:nvPr/>
+        </p:nvSpPr>
+        <p:spPr>
+          <a:xfrm>
+            <a:off x="751367" y="3742751"/>
+            <a:ext cx="11147556" cy="1260153"/>
+          </a:xfrm>
+          <a:prstGeom prst="rect">
+            <a:avLst/>
+          </a:prstGeom>
+        </p:spPr>
+        <p:txBody>
+          <a:bodyPr wrap="square">
+            <a:spAutoFit/>
+          </a:bodyPr>
+          <a:lstStyle/>
+          <a:p>
+            <a:pPr>
+              <a:lnSpc>
+                <a:spcPct val="150000"/>
+              </a:lnSpc>
+            </a:pPr>
+            <a:r>
+              <a:rPr lang="en-US" altLang="ko-KR" sz="1600" b="1" u="sng">
+                <a:latin typeface="Roboto" panose="02000000000000000000" pitchFamily="2" charset="0"/>
+              </a:rPr>
+              <a:t>Trasmitting a Request</a:t>
+            </a:r>
+          </a:p>
+          <a:p>
+            <a:pPr marL="285750" indent="-285750">
+              <a:lnSpc>
+                <a:spcPct val="150000"/>
+              </a:lnSpc>
+              <a:buFont typeface="Arial" panose="020B0604020202020204" pitchFamily="34" charset="0"/>
+              <a:buChar char="•"/>
+            </a:pPr>
+            <a:r>
+              <a:rPr lang="en-US" altLang="ko-KR" sz="1200">
+                <a:latin typeface="+mn-ea"/>
+              </a:rPr>
+              <a:t>REGISTER </a:t>
+            </a:r>
+            <a:r>
+              <a:rPr lang="ko-KR" altLang="en-US" sz="1200">
+                <a:latin typeface="+mn-ea"/>
+              </a:rPr>
+              <a:t>메서드가 구성되고 목적지가 식별되면 </a:t>
+            </a:r>
+            <a:r>
+              <a:rPr lang="en-US" altLang="ko-KR" sz="1200">
+                <a:latin typeface="+mn-ea"/>
+              </a:rPr>
+              <a:t>transaction layer</a:t>
+            </a:r>
+            <a:r>
+              <a:rPr lang="ko-KR" altLang="en-US" sz="1200">
+                <a:latin typeface="+mn-ea"/>
+              </a:rPr>
+              <a:t> 로 넘김</a:t>
+            </a:r>
+            <a:endParaRPr lang="en-US" altLang="ko-KR" sz="1200">
+              <a:latin typeface="+mn-ea"/>
+            </a:endParaRPr>
+          </a:p>
+          <a:p>
+            <a:pPr marL="285750" indent="-285750">
+              <a:lnSpc>
+                <a:spcPct val="150000"/>
+              </a:lnSpc>
+              <a:buFont typeface="Arial" panose="020B0604020202020204" pitchFamily="34" charset="0"/>
+              <a:buChar char="•"/>
+            </a:pPr>
+            <a:r>
+              <a:rPr lang="en-US" altLang="ko-KR" sz="1200">
+                <a:latin typeface="+mn-ea"/>
+              </a:rPr>
+              <a:t>transaction layer </a:t>
+            </a:r>
+            <a:r>
+              <a:rPr lang="ko-KR" altLang="en-US" sz="1200">
+                <a:latin typeface="+mn-ea"/>
+              </a:rPr>
+              <a:t>에서 응답 없이 </a:t>
+            </a:r>
+            <a:r>
+              <a:rPr lang="en-US" altLang="ko-KR" sz="1200" b="1">
+                <a:latin typeface="+mn-ea"/>
+              </a:rPr>
+              <a:t>timeout error</a:t>
+            </a:r>
+            <a:r>
+              <a:rPr lang="ko-KR" altLang="en-US" sz="1200">
+                <a:latin typeface="+mn-ea"/>
+              </a:rPr>
+              <a:t>를 반환하면</a:t>
+            </a:r>
+            <a:r>
+              <a:rPr lang="en-US" altLang="ko-KR" sz="1200">
+                <a:latin typeface="+mn-ea"/>
+              </a:rPr>
+              <a:t> UAC </a:t>
+            </a:r>
+            <a:r>
+              <a:rPr lang="ko-KR" altLang="en-US" sz="1200">
+                <a:latin typeface="+mn-ea"/>
+              </a:rPr>
+              <a:t>는 같은 </a:t>
+            </a:r>
+            <a:r>
+              <a:rPr lang="en-US" altLang="ko-KR" sz="1200">
+                <a:latin typeface="+mn-ea"/>
+              </a:rPr>
+              <a:t>registrar </a:t>
+            </a:r>
+            <a:r>
+              <a:rPr lang="ko-KR" altLang="en-US" sz="1200">
+                <a:latin typeface="+mn-ea"/>
+              </a:rPr>
+              <a:t>로 </a:t>
+            </a:r>
+            <a:r>
+              <a:rPr lang="en-US" altLang="ko-KR" sz="1200">
+                <a:latin typeface="+mn-ea"/>
+              </a:rPr>
+              <a:t>registration </a:t>
+            </a:r>
+            <a:r>
+              <a:rPr lang="ko-KR" altLang="en-US" sz="1200">
+                <a:latin typeface="+mn-ea"/>
+              </a:rPr>
+              <a:t>을 즉시</a:t>
+            </a:r>
+            <a:r>
+              <a:rPr lang="en-US" altLang="ko-KR" sz="1200">
+                <a:latin typeface="+mn-ea"/>
+              </a:rPr>
+              <a:t> </a:t>
+            </a:r>
+            <a:r>
+              <a:rPr lang="ko-KR" altLang="en-US" sz="1200" b="1">
+                <a:latin typeface="+mn-ea"/>
+              </a:rPr>
+              <a:t>재시도 하면 안됨</a:t>
+            </a:r>
+            <a:endParaRPr lang="en-US" altLang="ko-KR" sz="1200" b="1">
+              <a:latin typeface="+mn-ea"/>
+            </a:endParaRPr>
+          </a:p>
+          <a:p>
+            <a:pPr marL="742950" lvl="1" indent="-285750">
+              <a:lnSpc>
+                <a:spcPct val="150000"/>
+              </a:lnSpc>
+              <a:buFont typeface="Arial" panose="020B0604020202020204" pitchFamily="34" charset="0"/>
+              <a:buChar char="•"/>
+            </a:pPr>
+            <a:r>
+              <a:rPr lang="ko-KR" altLang="en-US" sz="1100">
+                <a:latin typeface="+mn-ea"/>
+              </a:rPr>
+              <a:t>즉시 재시도하는 경우에도 </a:t>
+            </a:r>
+            <a:r>
+              <a:rPr lang="en-US" altLang="ko-KR" sz="1100">
+                <a:latin typeface="+mn-ea"/>
+              </a:rPr>
+              <a:t>timeout</a:t>
+            </a:r>
+            <a:r>
+              <a:rPr lang="ko-KR" altLang="en-US" sz="1100">
+                <a:latin typeface="+mn-ea"/>
+              </a:rPr>
+              <a:t> 이 발생할 수 있어</a:t>
+            </a:r>
+            <a:r>
+              <a:rPr lang="en-US" altLang="ko-KR" sz="1100">
+                <a:latin typeface="+mn-ea"/>
+              </a:rPr>
+              <a:t> timout </a:t>
+            </a:r>
+            <a:r>
+              <a:rPr lang="ko-KR" altLang="en-US" sz="1100">
+                <a:latin typeface="+mn-ea"/>
+              </a:rPr>
+              <a:t>을 유발하는 조건이 수정될 때까지 적당한 시간 간격을 두고 기다림</a:t>
+            </a:r>
+            <a:r>
+              <a:rPr lang="ko-KR" altLang="en-US" sz="1200">
+                <a:latin typeface="+mn-ea"/>
+              </a:rPr>
+              <a:t> </a:t>
+            </a:r>
+            <a:endParaRPr lang="en-US" altLang="ko-KR" sz="1200">
+              <a:latin typeface="+mn-ea"/>
+            </a:endParaRPr>
+          </a:p>
+        </p:txBody>
+      </p:sp>
+      <p:sp>
+        <p:nvSpPr>
+          <p:cNvPr id="25" name="직사각형 24">
+            <a:extLst>
+              <a:ext uri="{FF2B5EF4-FFF2-40B4-BE49-F238E27FC236}">
+                <a16:creationId xmlns:a16="http://schemas.microsoft.com/office/drawing/2014/main" id="{88B774C8-B69C-49CF-BB87-23C23328B2B9}"/>
+              </a:ext>
+            </a:extLst>
+          </p:cNvPr>
+          <p:cNvSpPr/>
+          <p:nvPr/>
+        </p:nvSpPr>
+        <p:spPr>
+          <a:xfrm>
+            <a:off x="751367" y="5247295"/>
+            <a:ext cx="11147556" cy="983154"/>
+          </a:xfrm>
+          <a:prstGeom prst="rect">
+            <a:avLst/>
+          </a:prstGeom>
+        </p:spPr>
+        <p:txBody>
+          <a:bodyPr wrap="square">
+            <a:spAutoFit/>
+          </a:bodyPr>
+          <a:lstStyle/>
+          <a:p>
+            <a:pPr>
+              <a:lnSpc>
+                <a:spcPct val="150000"/>
+              </a:lnSpc>
+            </a:pPr>
+            <a:r>
+              <a:rPr lang="en-US" altLang="ko-KR" sz="1600" b="1" u="sng">
+                <a:latin typeface="Roboto" panose="02000000000000000000" pitchFamily="2" charset="0"/>
+              </a:rPr>
+              <a:t>Error Responses</a:t>
+            </a:r>
+          </a:p>
+          <a:p>
+            <a:pPr marL="285750" indent="-285750">
+              <a:lnSpc>
+                <a:spcPct val="150000"/>
+              </a:lnSpc>
+              <a:buFont typeface="Arial" panose="020B0604020202020204" pitchFamily="34" charset="0"/>
+              <a:buChar char="•"/>
+            </a:pPr>
+            <a:r>
+              <a:rPr lang="en-US" altLang="ko-KR" sz="1200">
+                <a:latin typeface="+mn-ea"/>
+              </a:rPr>
+              <a:t>UA</a:t>
+            </a:r>
+            <a:r>
+              <a:rPr lang="ko-KR" altLang="en-US" sz="1200">
+                <a:latin typeface="+mn-ea"/>
+              </a:rPr>
+              <a:t> 가 </a:t>
+            </a:r>
+            <a:r>
+              <a:rPr lang="en-US" altLang="ko-KR" sz="1200" b="1">
+                <a:latin typeface="+mn-ea"/>
+              </a:rPr>
+              <a:t>423 (Interval Too Brief) </a:t>
+            </a:r>
+            <a:r>
+              <a:rPr lang="ko-KR" altLang="en-US" sz="1200">
+                <a:latin typeface="+mn-ea"/>
+              </a:rPr>
+              <a:t>응답을 수신하는 경우</a:t>
+            </a:r>
+            <a:r>
+              <a:rPr lang="en-US" altLang="ko-KR" sz="1200">
+                <a:latin typeface="+mn-ea"/>
+              </a:rPr>
+              <a:t>, REGISTER </a:t>
+            </a:r>
+            <a:r>
+              <a:rPr lang="ko-KR" altLang="en-US" sz="1200">
+                <a:latin typeface="+mn-ea"/>
+              </a:rPr>
+              <a:t>요청에 포함된 모든 </a:t>
+            </a:r>
+            <a:r>
+              <a:rPr lang="en-US" altLang="ko-KR" sz="1200">
+                <a:latin typeface="+mn-ea"/>
+              </a:rPr>
+              <a:t>contact address </a:t>
+            </a:r>
+            <a:r>
+              <a:rPr lang="ko-KR" altLang="en-US" sz="1200">
+                <a:latin typeface="+mn-ea"/>
+              </a:rPr>
+              <a:t>의 </a:t>
+            </a:r>
+            <a:r>
+              <a:rPr lang="en-US" altLang="ko-KR" sz="1200" b="1">
+                <a:latin typeface="+mn-ea"/>
+              </a:rPr>
+              <a:t>expiration interval</a:t>
+            </a:r>
+            <a:r>
+              <a:rPr lang="en-US" altLang="ko-KR" sz="1200">
+                <a:latin typeface="+mn-ea"/>
+              </a:rPr>
+              <a:t> </a:t>
+            </a:r>
+            <a:r>
+              <a:rPr lang="ko-KR" altLang="en-US" sz="1200">
+                <a:latin typeface="+mn-ea"/>
+              </a:rPr>
+              <a:t>을 </a:t>
+            </a:r>
+            <a:r>
+              <a:rPr lang="en-US" altLang="ko-KR" sz="1200">
+                <a:latin typeface="+mn-ea"/>
+              </a:rPr>
+              <a:t>423 </a:t>
+            </a:r>
+            <a:r>
+              <a:rPr lang="ko-KR" altLang="en-US" sz="1200">
+                <a:latin typeface="+mn-ea"/>
+              </a:rPr>
+              <a:t>응답의 </a:t>
+            </a:r>
+            <a:r>
+              <a:rPr lang="en-US" altLang="ko-KR" sz="1200" b="1">
+                <a:latin typeface="+mn-ea"/>
+              </a:rPr>
+              <a:t>Min-Expires </a:t>
+            </a:r>
+            <a:r>
+              <a:rPr lang="ko-KR" altLang="en-US" sz="1200">
+                <a:latin typeface="+mn-ea"/>
+              </a:rPr>
+              <a:t>헤더 값보다 크게 설정한 후 </a:t>
+            </a:r>
+            <a:r>
+              <a:rPr lang="en-US" altLang="ko-KR" sz="1200">
+                <a:latin typeface="+mn-ea"/>
+              </a:rPr>
+              <a:t>registration </a:t>
+            </a:r>
+            <a:r>
+              <a:rPr lang="ko-KR" altLang="en-US" sz="1200">
+                <a:latin typeface="+mn-ea"/>
+              </a:rPr>
+              <a:t>을 재시도할 수 있음</a:t>
+            </a:r>
+            <a:endParaRPr lang="en-US" altLang="ko-KR" sz="1200">
+              <a:latin typeface="+mn-ea"/>
+            </a:endParaRPr>
           </a:p>
         </p:txBody>
       </p:sp>
     </p:spTree>
     <p:extLst>
       <p:ext uri="{BB962C8B-B14F-4D97-AF65-F5344CB8AC3E}">
-        <p14:creationId xmlns:p14="http://schemas.microsoft.com/office/powerpoint/2010/main" val="4134332391"/>
+        <p14:creationId xmlns:p14="http://schemas.microsoft.com/office/powerpoint/2010/main" val="355359204"/>
       </p:ext>
     </p:extLst>
   </p:cSld>

--- a/세미나 2차.pptx
+++ b/세미나 2차.pptx
@@ -5,10 +5,10 @@
     <p:sldMasterId id="2147483648" r:id="rId1"/>
   </p:sldMasterIdLst>
   <p:notesMasterIdLst>
-    <p:notesMasterId r:id="rId26"/>
+    <p:notesMasterId r:id="rId30"/>
   </p:notesMasterIdLst>
   <p:handoutMasterIdLst>
-    <p:handoutMasterId r:id="rId27"/>
+    <p:handoutMasterId r:id="rId31"/>
   </p:handoutMasterIdLst>
   <p:sldIdLst>
     <p:sldId id="264" r:id="rId2"/>
@@ -32,9 +32,13 @@
     <p:sldId id="280" r:id="rId20"/>
     <p:sldId id="281" r:id="rId21"/>
     <p:sldId id="282" r:id="rId22"/>
-    <p:sldId id="261" r:id="rId23"/>
-    <p:sldId id="262" r:id="rId24"/>
-    <p:sldId id="263" r:id="rId25"/>
+    <p:sldId id="283" r:id="rId23"/>
+    <p:sldId id="284" r:id="rId24"/>
+    <p:sldId id="285" r:id="rId25"/>
+    <p:sldId id="286" r:id="rId26"/>
+    <p:sldId id="261" r:id="rId27"/>
+    <p:sldId id="262" r:id="rId28"/>
+    <p:sldId id="263" r:id="rId29"/>
   </p:sldIdLst>
   <p:sldSz cx="12192000" cy="6858000"/>
   <p:notesSz cx="6858000" cy="9144000"/>
@@ -1169,6 +1173,498 @@
     <p:extLst>
       <p:ext uri="{BB962C8B-B14F-4D97-AF65-F5344CB8AC3E}">
         <p14:creationId xmlns:p14="http://schemas.microsoft.com/office/powerpoint/2010/main" val="2003853235"/>
+      </p:ext>
+    </p:extLst>
+  </p:cSld>
+  <p:clrMapOvr>
+    <a:masterClrMapping/>
+  </p:clrMapOvr>
+</p:notes>
+</file>
+
+<file path=ppt/notesSlides/notesSlide13.xml><?xml version="1.0" encoding="utf-8"?>
+<p:notes xmlns:a="http://schemas.openxmlformats.org/drawingml/2006/main" xmlns:r="http://schemas.openxmlformats.org/officeDocument/2006/relationships" xmlns:p="http://schemas.openxmlformats.org/presentationml/2006/main">
+  <p:cSld>
+    <p:spTree>
+      <p:nvGrpSpPr>
+        <p:cNvPr id="1" name=""/>
+        <p:cNvGrpSpPr/>
+        <p:nvPr/>
+      </p:nvGrpSpPr>
+      <p:grpSpPr>
+        <a:xfrm>
+          <a:off x="0" y="0"/>
+          <a:ext cx="0" cy="0"/>
+          <a:chOff x="0" y="0"/>
+          <a:chExt cx="0" cy="0"/>
+        </a:xfrm>
+      </p:grpSpPr>
+      <p:sp>
+        <p:nvSpPr>
+          <p:cNvPr id="2" name="슬라이드 이미지 개체 틀 1"/>
+          <p:cNvSpPr>
+            <a:spLocks noGrp="1" noRot="1" noChangeAspect="1"/>
+          </p:cNvSpPr>
+          <p:nvPr>
+            <p:ph type="sldImg"/>
+          </p:nvPr>
+        </p:nvSpPr>
+        <p:spPr/>
+      </p:sp>
+      <p:sp>
+        <p:nvSpPr>
+          <p:cNvPr id="3" name="슬라이드 노트 개체 틀 2"/>
+          <p:cNvSpPr>
+            <a:spLocks noGrp="1"/>
+          </p:cNvSpPr>
+          <p:nvPr>
+            <p:ph type="body" idx="1"/>
+          </p:nvPr>
+        </p:nvSpPr>
+        <p:spPr/>
+        <p:txBody>
+          <a:bodyPr/>
+          <a:lstStyle/>
+          <a:p>
+            <a:r>
+              <a:rPr lang="ko-KR" altLang="en-US" dirty="0"/>
+              <a:t>요청은 일반적으로 최상위 </a:t>
+            </a:r>
+            <a:r>
+              <a:rPr lang="en-US" altLang="ko-KR" dirty="0"/>
+              <a:t>Route </a:t>
+            </a:r>
+            <a:r>
+              <a:rPr lang="ko-KR" altLang="en-US" dirty="0"/>
+              <a:t>헤더 필드 값으로 표시된 주소로 전송되거나 </a:t>
+            </a:r>
+            <a:r>
+              <a:rPr lang="en-US" altLang="ko-KR" dirty="0"/>
+              <a:t>Route </a:t>
+            </a:r>
+            <a:r>
+              <a:rPr lang="ko-KR" altLang="en-US" dirty="0"/>
+              <a:t>헤더 필드가 없는 경우 </a:t>
+            </a:r>
+            <a:r>
+              <a:rPr lang="en-US" altLang="ko-KR" dirty="0"/>
+              <a:t>Request-URI</a:t>
+            </a:r>
+            <a:r>
+              <a:rPr lang="ko-KR" altLang="en-US" dirty="0"/>
+              <a:t>로 전송된다</a:t>
+            </a:r>
+            <a:r>
+              <a:rPr lang="en-US" altLang="ko-KR" dirty="0"/>
+              <a:t>. </a:t>
+            </a:r>
+            <a:r>
+              <a:rPr lang="ko-KR" altLang="en-US" dirty="0"/>
+              <a:t>특정 제한 사항에 따라 요청을 대체 주소</a:t>
+            </a:r>
+            <a:r>
+              <a:rPr lang="en-US" altLang="ko-KR" dirty="0"/>
+              <a:t>(</a:t>
+            </a:r>
+            <a:r>
+              <a:rPr lang="ko-KR" altLang="en-US" dirty="0"/>
+              <a:t>예</a:t>
+            </a:r>
+            <a:r>
+              <a:rPr lang="en-US" altLang="ko-KR" dirty="0"/>
+              <a:t>: route set</a:t>
+            </a:r>
+            <a:r>
+              <a:rPr lang="ko-KR" altLang="en-US" dirty="0"/>
+              <a:t>에 표시되지 않은 기본 </a:t>
+            </a:r>
+            <a:r>
+              <a:rPr lang="ko-KR" altLang="en-US" dirty="0" err="1"/>
+              <a:t>아웃바운드</a:t>
+            </a:r>
+            <a:r>
+              <a:rPr lang="ko-KR" altLang="en-US" dirty="0"/>
+              <a:t> 프록시</a:t>
+            </a:r>
+            <a:r>
+              <a:rPr lang="en-US" altLang="ko-KR" dirty="0"/>
+              <a:t>)</a:t>
+            </a:r>
+            <a:r>
+              <a:rPr lang="ko-KR" altLang="en-US" dirty="0"/>
+              <a:t>로 전송할 수 있다</a:t>
+            </a:r>
+            <a:r>
+              <a:rPr lang="en-US" altLang="ko-KR" dirty="0"/>
+              <a:t>.</a:t>
+            </a:r>
+            <a:endParaRPr lang="ko-KR" altLang="en-US" dirty="0"/>
+          </a:p>
+        </p:txBody>
+      </p:sp>
+      <p:sp>
+        <p:nvSpPr>
+          <p:cNvPr id="4" name="슬라이드 번호 개체 틀 3"/>
+          <p:cNvSpPr>
+            <a:spLocks noGrp="1"/>
+          </p:cNvSpPr>
+          <p:nvPr>
+            <p:ph type="sldNum" sz="quarter" idx="5"/>
+          </p:nvPr>
+        </p:nvSpPr>
+        <p:spPr/>
+        <p:txBody>
+          <a:bodyPr/>
+          <a:lstStyle/>
+          <a:p>
+            <a:fld id="{2D0B60B4-4ECC-4229-9A2A-F5A0A39DAA02}" type="slidenum">
+              <a:rPr lang="ko-KR" altLang="en-US" smtClean="0"/>
+              <a:t>21</a:t>
+            </a:fld>
+            <a:endParaRPr lang="ko-KR" altLang="en-US"/>
+          </a:p>
+        </p:txBody>
+      </p:sp>
+    </p:spTree>
+    <p:extLst>
+      <p:ext uri="{BB962C8B-B14F-4D97-AF65-F5344CB8AC3E}">
+        <p14:creationId xmlns:p14="http://schemas.microsoft.com/office/powerpoint/2010/main" val="3156924610"/>
+      </p:ext>
+    </p:extLst>
+  </p:cSld>
+  <p:clrMapOvr>
+    <a:masterClrMapping/>
+  </p:clrMapOvr>
+</p:notes>
+</file>
+
+<file path=ppt/notesSlides/notesSlide14.xml><?xml version="1.0" encoding="utf-8"?>
+<p:notes xmlns:a="http://schemas.openxmlformats.org/drawingml/2006/main" xmlns:r="http://schemas.openxmlformats.org/officeDocument/2006/relationships" xmlns:p="http://schemas.openxmlformats.org/presentationml/2006/main">
+  <p:cSld>
+    <p:spTree>
+      <p:nvGrpSpPr>
+        <p:cNvPr id="1" name=""/>
+        <p:cNvGrpSpPr/>
+        <p:nvPr/>
+      </p:nvGrpSpPr>
+      <p:grpSpPr>
+        <a:xfrm>
+          <a:off x="0" y="0"/>
+          <a:ext cx="0" cy="0"/>
+          <a:chOff x="0" y="0"/>
+          <a:chExt cx="0" cy="0"/>
+        </a:xfrm>
+      </p:grpSpPr>
+      <p:sp>
+        <p:nvSpPr>
+          <p:cNvPr id="2" name="슬라이드 이미지 개체 틀 1"/>
+          <p:cNvSpPr>
+            <a:spLocks noGrp="1" noRot="1" noChangeAspect="1"/>
+          </p:cNvSpPr>
+          <p:nvPr>
+            <p:ph type="sldImg"/>
+          </p:nvPr>
+        </p:nvSpPr>
+        <p:spPr/>
+      </p:sp>
+      <p:sp>
+        <p:nvSpPr>
+          <p:cNvPr id="3" name="슬라이드 노트 개체 틀 2"/>
+          <p:cNvSpPr>
+            <a:spLocks noGrp="1"/>
+          </p:cNvSpPr>
+          <p:nvPr>
+            <p:ph type="body" idx="1"/>
+          </p:nvPr>
+        </p:nvSpPr>
+        <p:spPr/>
+        <p:txBody>
+          <a:bodyPr/>
+          <a:lstStyle/>
+          <a:p>
+            <a:endParaRPr lang="ko-KR" altLang="en-US" dirty="0"/>
+          </a:p>
+        </p:txBody>
+      </p:sp>
+      <p:sp>
+        <p:nvSpPr>
+          <p:cNvPr id="4" name="슬라이드 번호 개체 틀 3"/>
+          <p:cNvSpPr>
+            <a:spLocks noGrp="1"/>
+          </p:cNvSpPr>
+          <p:nvPr>
+            <p:ph type="sldNum" sz="quarter" idx="5"/>
+          </p:nvPr>
+        </p:nvSpPr>
+        <p:spPr/>
+        <p:txBody>
+          <a:bodyPr/>
+          <a:lstStyle/>
+          <a:p>
+            <a:fld id="{2D0B60B4-4ECC-4229-9A2A-F5A0A39DAA02}" type="slidenum">
+              <a:rPr lang="ko-KR" altLang="en-US" smtClean="0"/>
+              <a:t>22</a:t>
+            </a:fld>
+            <a:endParaRPr lang="ko-KR" altLang="en-US"/>
+          </a:p>
+        </p:txBody>
+      </p:sp>
+    </p:spTree>
+    <p:extLst>
+      <p:ext uri="{BB962C8B-B14F-4D97-AF65-F5344CB8AC3E}">
+        <p14:creationId xmlns:p14="http://schemas.microsoft.com/office/powerpoint/2010/main" val="45488353"/>
+      </p:ext>
+    </p:extLst>
+  </p:cSld>
+  <p:clrMapOvr>
+    <a:masterClrMapping/>
+  </p:clrMapOvr>
+</p:notes>
+</file>
+
+<file path=ppt/notesSlides/notesSlide15.xml><?xml version="1.0" encoding="utf-8"?>
+<p:notes xmlns:a="http://schemas.openxmlformats.org/drawingml/2006/main" xmlns:r="http://schemas.openxmlformats.org/officeDocument/2006/relationships" xmlns:p="http://schemas.openxmlformats.org/presentationml/2006/main">
+  <p:cSld>
+    <p:spTree>
+      <p:nvGrpSpPr>
+        <p:cNvPr id="1" name=""/>
+        <p:cNvGrpSpPr/>
+        <p:nvPr/>
+      </p:nvGrpSpPr>
+      <p:grpSpPr>
+        <a:xfrm>
+          <a:off x="0" y="0"/>
+          <a:ext cx="0" cy="0"/>
+          <a:chOff x="0" y="0"/>
+          <a:chExt cx="0" cy="0"/>
+        </a:xfrm>
+      </p:grpSpPr>
+      <p:sp>
+        <p:nvSpPr>
+          <p:cNvPr id="2" name="슬라이드 이미지 개체 틀 1"/>
+          <p:cNvSpPr>
+            <a:spLocks noGrp="1" noRot="1" noChangeAspect="1"/>
+          </p:cNvSpPr>
+          <p:nvPr>
+            <p:ph type="sldImg"/>
+          </p:nvPr>
+        </p:nvSpPr>
+        <p:spPr/>
+      </p:sp>
+      <p:sp>
+        <p:nvSpPr>
+          <p:cNvPr id="3" name="슬라이드 노트 개체 틀 2"/>
+          <p:cNvSpPr>
+            <a:spLocks noGrp="1"/>
+          </p:cNvSpPr>
+          <p:nvPr>
+            <p:ph type="body" idx="1"/>
+          </p:nvPr>
+        </p:nvSpPr>
+        <p:spPr/>
+        <p:txBody>
+          <a:bodyPr/>
+          <a:lstStyle/>
+          <a:p>
+            <a:endParaRPr lang="ko-KR" altLang="en-US" dirty="0"/>
+          </a:p>
+        </p:txBody>
+      </p:sp>
+      <p:sp>
+        <p:nvSpPr>
+          <p:cNvPr id="4" name="슬라이드 번호 개체 틀 3"/>
+          <p:cNvSpPr>
+            <a:spLocks noGrp="1"/>
+          </p:cNvSpPr>
+          <p:nvPr>
+            <p:ph type="sldNum" sz="quarter" idx="5"/>
+          </p:nvPr>
+        </p:nvSpPr>
+        <p:spPr/>
+        <p:txBody>
+          <a:bodyPr/>
+          <a:lstStyle/>
+          <a:p>
+            <a:fld id="{2D0B60B4-4ECC-4229-9A2A-F5A0A39DAA02}" type="slidenum">
+              <a:rPr lang="ko-KR" altLang="en-US" smtClean="0"/>
+              <a:t>23</a:t>
+            </a:fld>
+            <a:endParaRPr lang="ko-KR" altLang="en-US"/>
+          </a:p>
+        </p:txBody>
+      </p:sp>
+    </p:spTree>
+    <p:extLst>
+      <p:ext uri="{BB962C8B-B14F-4D97-AF65-F5344CB8AC3E}">
+        <p14:creationId xmlns:p14="http://schemas.microsoft.com/office/powerpoint/2010/main" val="2487984545"/>
+      </p:ext>
+    </p:extLst>
+  </p:cSld>
+  <p:clrMapOvr>
+    <a:masterClrMapping/>
+  </p:clrMapOvr>
+</p:notes>
+</file>
+
+<file path=ppt/notesSlides/notesSlide16.xml><?xml version="1.0" encoding="utf-8"?>
+<p:notes xmlns:a="http://schemas.openxmlformats.org/drawingml/2006/main" xmlns:r="http://schemas.openxmlformats.org/officeDocument/2006/relationships" xmlns:p="http://schemas.openxmlformats.org/presentationml/2006/main">
+  <p:cSld>
+    <p:spTree>
+      <p:nvGrpSpPr>
+        <p:cNvPr id="1" name=""/>
+        <p:cNvGrpSpPr/>
+        <p:nvPr/>
+      </p:nvGrpSpPr>
+      <p:grpSpPr>
+        <a:xfrm>
+          <a:off x="0" y="0"/>
+          <a:ext cx="0" cy="0"/>
+          <a:chOff x="0" y="0"/>
+          <a:chExt cx="0" cy="0"/>
+        </a:xfrm>
+      </p:grpSpPr>
+      <p:sp>
+        <p:nvSpPr>
+          <p:cNvPr id="2" name="슬라이드 이미지 개체 틀 1"/>
+          <p:cNvSpPr>
+            <a:spLocks noGrp="1" noRot="1" noChangeAspect="1"/>
+          </p:cNvSpPr>
+          <p:nvPr>
+            <p:ph type="sldImg"/>
+          </p:nvPr>
+        </p:nvSpPr>
+        <p:spPr/>
+      </p:sp>
+      <p:sp>
+        <p:nvSpPr>
+          <p:cNvPr id="3" name="슬라이드 노트 개체 틀 2"/>
+          <p:cNvSpPr>
+            <a:spLocks noGrp="1"/>
+          </p:cNvSpPr>
+          <p:nvPr>
+            <p:ph type="body" idx="1"/>
+          </p:nvPr>
+        </p:nvSpPr>
+        <p:spPr/>
+        <p:txBody>
+          <a:bodyPr/>
+          <a:lstStyle/>
+          <a:p>
+            <a:endParaRPr lang="ko-KR" altLang="en-US" dirty="0"/>
+          </a:p>
+        </p:txBody>
+      </p:sp>
+      <p:sp>
+        <p:nvSpPr>
+          <p:cNvPr id="4" name="슬라이드 번호 개체 틀 3"/>
+          <p:cNvSpPr>
+            <a:spLocks noGrp="1"/>
+          </p:cNvSpPr>
+          <p:nvPr>
+            <p:ph type="sldNum" sz="quarter" idx="5"/>
+          </p:nvPr>
+        </p:nvSpPr>
+        <p:spPr/>
+        <p:txBody>
+          <a:bodyPr/>
+          <a:lstStyle/>
+          <a:p>
+            <a:fld id="{2D0B60B4-4ECC-4229-9A2A-F5A0A39DAA02}" type="slidenum">
+              <a:rPr lang="ko-KR" altLang="en-US" smtClean="0"/>
+              <a:t>24</a:t>
+            </a:fld>
+            <a:endParaRPr lang="ko-KR" altLang="en-US"/>
+          </a:p>
+        </p:txBody>
+      </p:sp>
+    </p:spTree>
+    <p:extLst>
+      <p:ext uri="{BB962C8B-B14F-4D97-AF65-F5344CB8AC3E}">
+        <p14:creationId xmlns:p14="http://schemas.microsoft.com/office/powerpoint/2010/main" val="1964633584"/>
+      </p:ext>
+    </p:extLst>
+  </p:cSld>
+  <p:clrMapOvr>
+    <a:masterClrMapping/>
+  </p:clrMapOvr>
+</p:notes>
+</file>
+
+<file path=ppt/notesSlides/notesSlide17.xml><?xml version="1.0" encoding="utf-8"?>
+<p:notes xmlns:a="http://schemas.openxmlformats.org/drawingml/2006/main" xmlns:r="http://schemas.openxmlformats.org/officeDocument/2006/relationships" xmlns:p="http://schemas.openxmlformats.org/presentationml/2006/main">
+  <p:cSld>
+    <p:spTree>
+      <p:nvGrpSpPr>
+        <p:cNvPr id="1" name=""/>
+        <p:cNvGrpSpPr/>
+        <p:nvPr/>
+      </p:nvGrpSpPr>
+      <p:grpSpPr>
+        <a:xfrm>
+          <a:off x="0" y="0"/>
+          <a:ext cx="0" cy="0"/>
+          <a:chOff x="0" y="0"/>
+          <a:chExt cx="0" cy="0"/>
+        </a:xfrm>
+      </p:grpSpPr>
+      <p:sp>
+        <p:nvSpPr>
+          <p:cNvPr id="2" name="슬라이드 이미지 개체 틀 1"/>
+          <p:cNvSpPr>
+            <a:spLocks noGrp="1" noRot="1" noChangeAspect="1"/>
+          </p:cNvSpPr>
+          <p:nvPr>
+            <p:ph type="sldImg"/>
+          </p:nvPr>
+        </p:nvSpPr>
+        <p:spPr/>
+      </p:sp>
+      <p:sp>
+        <p:nvSpPr>
+          <p:cNvPr id="3" name="슬라이드 노트 개체 틀 2"/>
+          <p:cNvSpPr>
+            <a:spLocks noGrp="1"/>
+          </p:cNvSpPr>
+          <p:nvPr>
+            <p:ph type="body" idx="1"/>
+          </p:nvPr>
+        </p:nvSpPr>
+        <p:spPr/>
+        <p:txBody>
+          <a:bodyPr/>
+          <a:lstStyle/>
+          <a:p>
+            <a:endParaRPr lang="ko-KR" altLang="en-US" dirty="0"/>
+          </a:p>
+        </p:txBody>
+      </p:sp>
+      <p:sp>
+        <p:nvSpPr>
+          <p:cNvPr id="4" name="슬라이드 번호 개체 틀 3"/>
+          <p:cNvSpPr>
+            <a:spLocks noGrp="1"/>
+          </p:cNvSpPr>
+          <p:nvPr>
+            <p:ph type="sldNum" sz="quarter" idx="5"/>
+          </p:nvPr>
+        </p:nvSpPr>
+        <p:spPr/>
+        <p:txBody>
+          <a:bodyPr/>
+          <a:lstStyle/>
+          <a:p>
+            <a:fld id="{2D0B60B4-4ECC-4229-9A2A-F5A0A39DAA02}" type="slidenum">
+              <a:rPr lang="ko-KR" altLang="en-US" smtClean="0"/>
+              <a:t>25</a:t>
+            </a:fld>
+            <a:endParaRPr lang="ko-KR" altLang="en-US"/>
+          </a:p>
+        </p:txBody>
+      </p:sp>
+    </p:spTree>
+    <p:extLst>
+      <p:ext uri="{BB962C8B-B14F-4D97-AF65-F5344CB8AC3E}">
+        <p14:creationId xmlns:p14="http://schemas.microsoft.com/office/powerpoint/2010/main" val="1784496261"/>
       </p:ext>
     </p:extLst>
   </p:cSld>
@@ -9584,7 +10080,7 @@
               </a:lnSpc>
             </a:pPr>
             <a:r>
-              <a:rPr lang="en-US" altLang="ko-KR" sz="1600" b="1" u="sng">
+              <a:rPr lang="en-US" altLang="ko-KR" sz="1600" b="1" u="sng" dirty="0">
                 <a:latin typeface="Roboto" panose="02000000000000000000" pitchFamily="2" charset="0"/>
               </a:rPr>
               <a:t>UAS Behavior</a:t>
@@ -9599,109 +10095,109 @@
               <a:buChar char="•"/>
             </a:pPr>
             <a:r>
-              <a:rPr lang="en-US" altLang="ko-KR" sz="1400">
+              <a:rPr lang="en-US" altLang="ko-KR" sz="1400" dirty="0">
                 <a:latin typeface="+mn-ea"/>
               </a:rPr>
               <a:t>UAS</a:t>
             </a:r>
             <a:r>
-              <a:rPr lang="ko-KR" altLang="en-US" sz="1400">
+              <a:rPr lang="ko-KR" altLang="en-US" sz="1400" dirty="0">
                 <a:latin typeface="+mn-ea"/>
               </a:rPr>
               <a:t>가 </a:t>
             </a:r>
             <a:r>
-              <a:rPr lang="ko-KR" altLang="en-US" sz="1400" b="1">
+              <a:rPr lang="ko-KR" altLang="en-US" sz="1400" b="1" dirty="0">
                 <a:latin typeface="+mn-ea"/>
               </a:rPr>
               <a:t>응답</a:t>
             </a:r>
             <a:r>
-              <a:rPr lang="ko-KR" altLang="en-US" sz="1400">
+              <a:rPr lang="ko-KR" altLang="en-US" sz="1400" dirty="0">
                 <a:latin typeface="+mn-ea"/>
               </a:rPr>
               <a:t> 생성 시 </a:t>
             </a:r>
             <a:r>
-              <a:rPr lang="en-US" altLang="ko-KR" sz="1400" b="1">
+              <a:rPr lang="en-US" altLang="ko-KR" sz="1400" b="1" dirty="0">
                 <a:latin typeface="+mn-ea"/>
               </a:rPr>
               <a:t>Record-Route</a:t>
             </a:r>
             <a:r>
-              <a:rPr lang="en-US" altLang="ko-KR" sz="1400">
+              <a:rPr lang="en-US" altLang="ko-KR" sz="1400" dirty="0">
                 <a:latin typeface="+mn-ea"/>
               </a:rPr>
               <a:t> </a:t>
             </a:r>
             <a:r>
-              <a:rPr lang="ko-KR" altLang="en-US" sz="1400">
+              <a:rPr lang="ko-KR" altLang="en-US" sz="1400" dirty="0">
                 <a:latin typeface="+mn-ea"/>
               </a:rPr>
               <a:t>헤더의 모든 값을 </a:t>
             </a:r>
             <a:r>
-              <a:rPr lang="ko-KR" altLang="en-US" sz="1400" b="1">
+              <a:rPr lang="ko-KR" altLang="en-US" sz="1400" b="1" dirty="0">
                 <a:latin typeface="+mn-ea"/>
               </a:rPr>
               <a:t>요청</a:t>
             </a:r>
             <a:r>
-              <a:rPr lang="ko-KR" altLang="en-US" sz="1400">
+              <a:rPr lang="ko-KR" altLang="en-US" sz="1400" dirty="0">
                 <a:latin typeface="+mn-ea"/>
               </a:rPr>
               <a:t>에서 </a:t>
             </a:r>
             <a:r>
-              <a:rPr lang="ko-KR" altLang="en-US" sz="1400" b="1">
+              <a:rPr lang="ko-KR" altLang="en-US" sz="1400" b="1" dirty="0">
                 <a:latin typeface="+mn-ea"/>
               </a:rPr>
               <a:t>응답 </a:t>
             </a:r>
             <a:r>
-              <a:rPr lang="ko-KR" altLang="en-US" sz="1400">
+              <a:rPr lang="ko-KR" altLang="en-US" sz="1400" dirty="0">
                 <a:latin typeface="+mn-ea"/>
               </a:rPr>
               <a:t>메시지로 </a:t>
             </a:r>
             <a:r>
-              <a:rPr lang="en-US" altLang="ko-KR" sz="1400" b="1">
+              <a:rPr lang="en-US" altLang="ko-KR" sz="1400" b="1" dirty="0">
                 <a:latin typeface="+mn-ea"/>
               </a:rPr>
               <a:t>copy </a:t>
             </a:r>
             <a:r>
-              <a:rPr lang="ko-KR" altLang="en-US" sz="1400">
+              <a:rPr lang="ko-KR" altLang="en-US" sz="1400" dirty="0" err="1">
                 <a:latin typeface="+mn-ea"/>
               </a:rPr>
               <a:t>해야하고</a:t>
             </a:r>
             <a:r>
-              <a:rPr lang="en-US" altLang="ko-KR" sz="1400">
+              <a:rPr lang="en-US" altLang="ko-KR" sz="1400" dirty="0">
                 <a:latin typeface="+mn-ea"/>
               </a:rPr>
               <a:t>, </a:t>
             </a:r>
             <a:r>
-              <a:rPr lang="ko-KR" altLang="en-US" sz="1400">
+              <a:rPr lang="ko-KR" altLang="en-US" sz="1400" dirty="0">
                 <a:latin typeface="+mn-ea"/>
               </a:rPr>
               <a:t>그 값들의 </a:t>
             </a:r>
             <a:r>
-              <a:rPr lang="ko-KR" altLang="en-US" sz="1400" b="1">
+              <a:rPr lang="ko-KR" altLang="en-US" sz="1400" b="1" dirty="0">
                 <a:latin typeface="+mn-ea"/>
               </a:rPr>
               <a:t>순서를 유지</a:t>
             </a:r>
             <a:r>
-              <a:rPr lang="ko-KR" altLang="en-US" sz="1400">
+              <a:rPr lang="ko-KR" altLang="en-US" sz="1400" dirty="0">
                 <a:latin typeface="+mn-ea"/>
               </a:rPr>
               <a:t>해야 함</a:t>
             </a:r>
             <a:r>
-              <a:rPr lang="en-US" altLang="ko-KR" sz="1400">
+              <a:rPr lang="en-US" altLang="ko-KR" sz="1400" dirty="0">
                 <a:latin typeface="+mn-ea"/>
               </a:rPr>
               <a:t>.</a:t>
@@ -9716,49 +10212,49 @@
               <a:buChar char="•"/>
             </a:pPr>
             <a:r>
-              <a:rPr lang="en-US" altLang="ko-KR" sz="1400" b="1">
+              <a:rPr lang="en-US" altLang="ko-KR" sz="1400" b="1" dirty="0">
                 <a:latin typeface="+mn-ea"/>
               </a:rPr>
               <a:t>Contact</a:t>
             </a:r>
             <a:r>
-              <a:rPr lang="en-US" altLang="ko-KR" sz="1400">
+              <a:rPr lang="en-US" altLang="ko-KR" sz="1400" dirty="0">
                 <a:latin typeface="+mn-ea"/>
               </a:rPr>
               <a:t> </a:t>
             </a:r>
             <a:r>
-              <a:rPr lang="ko-KR" altLang="en-US" sz="1400">
+              <a:rPr lang="ko-KR" altLang="en-US" sz="1400" dirty="0">
                 <a:latin typeface="+mn-ea"/>
               </a:rPr>
               <a:t>헤더를 </a:t>
             </a:r>
             <a:r>
-              <a:rPr lang="ko-KR" altLang="en-US" sz="1400" b="1">
+              <a:rPr lang="ko-KR" altLang="en-US" sz="1400" b="1" dirty="0">
                 <a:latin typeface="+mn-ea"/>
               </a:rPr>
               <a:t>응답</a:t>
             </a:r>
             <a:r>
-              <a:rPr lang="ko-KR" altLang="en-US" sz="1400">
+              <a:rPr lang="ko-KR" altLang="en-US" sz="1400" dirty="0">
                 <a:latin typeface="+mn-ea"/>
               </a:rPr>
               <a:t>에 </a:t>
             </a:r>
             <a:r>
-              <a:rPr lang="ko-KR" altLang="en-US" sz="1400" b="1">
+              <a:rPr lang="ko-KR" altLang="en-US" sz="1400" b="1" dirty="0">
                 <a:latin typeface="+mn-ea"/>
               </a:rPr>
               <a:t>추가</a:t>
             </a:r>
             <a:r>
-              <a:rPr lang="ko-KR" altLang="en-US" sz="1400">
+              <a:rPr lang="ko-KR" altLang="en-US" sz="1400" dirty="0">
                 <a:latin typeface="+mn-ea"/>
               </a:rPr>
               <a:t>해야 함</a:t>
             </a:r>
             <a:r>
-              <a:rPr lang="en-US" altLang="ko-KR" sz="1400">
+              <a:rPr lang="en-US" altLang="ko-KR" sz="1400" dirty="0">
                 <a:latin typeface="+mn-ea"/>
               </a:rPr>
               <a:t>. </a:t>
@@ -9773,24 +10269,24 @@
               <a:buChar char="•"/>
             </a:pPr>
             <a:r>
-              <a:rPr lang="ko-KR" altLang="en-US" sz="1400">
+              <a:rPr lang="ko-KR" altLang="en-US" sz="1400" dirty="0">
                 <a:latin typeface="+mn-ea"/>
               </a:rPr>
               <a:t>다이얼로그 상태를 구성하고</a:t>
             </a:r>
             <a:r>
-              <a:rPr lang="en-US" altLang="ko-KR" sz="1400">
+              <a:rPr lang="en-US" altLang="ko-KR" sz="1400" dirty="0">
                 <a:latin typeface="+mn-ea"/>
               </a:rPr>
               <a:t>, </a:t>
             </a:r>
             <a:r>
-              <a:rPr lang="ko-KR" altLang="en-US" sz="1400">
+              <a:rPr lang="ko-KR" altLang="en-US" sz="1400" dirty="0">
                 <a:latin typeface="+mn-ea"/>
               </a:rPr>
               <a:t>다이얼로그가 지속되는 동안 유지</a:t>
             </a:r>
-            <a:endParaRPr lang="en-US" altLang="ko-KR" sz="1400">
+            <a:endParaRPr lang="en-US" altLang="ko-KR" sz="1400" dirty="0">
               <a:latin typeface="+mn-ea"/>
             </a:endParaRPr>
           </a:p>
@@ -15486,7 +15982,7 @@
         <p:spPr>
           <a:xfrm>
             <a:off x="751367" y="1014621"/>
-            <a:ext cx="11147556" cy="2962862"/>
+            <a:ext cx="11147556" cy="3905428"/>
           </a:xfrm>
           <a:prstGeom prst="rect">
             <a:avLst/>
@@ -15500,436 +15996,444 @@
           <a:p>
             <a:pPr marL="285750" indent="-285750">
               <a:lnSpc>
-                <a:spcPct val="150000"/>
+                <a:spcPct val="200000"/>
               </a:lnSpc>
               <a:buFont typeface="Arial" panose="020B0604020202020204" pitchFamily="34" charset="0"/>
               <a:buChar char="•"/>
             </a:pPr>
             <a:r>
-              <a:rPr lang="en-US" altLang="ko-KR" sz="1400">
+              <a:rPr lang="en-US" altLang="ko-KR" sz="1400" dirty="0">
                 <a:latin typeface="+mn-ea"/>
               </a:rPr>
               <a:t>UA</a:t>
             </a:r>
             <a:r>
-              <a:rPr lang="ko-KR" altLang="en-US" sz="1400">
+              <a:rPr lang="ko-KR" altLang="en-US" sz="1400" dirty="0">
                 <a:latin typeface="+mn-ea"/>
               </a:rPr>
               <a:t> 들 간에 다이얼로그가 설정되면</a:t>
             </a:r>
             <a:r>
-              <a:rPr lang="en-US" altLang="ko-KR" sz="1400">
+              <a:rPr lang="en-US" altLang="ko-KR" sz="1400" dirty="0">
                 <a:latin typeface="+mn-ea"/>
               </a:rPr>
               <a:t>, </a:t>
             </a:r>
             <a:r>
-              <a:rPr lang="ko-KR" altLang="en-US" sz="1400">
+              <a:rPr lang="ko-KR" altLang="en-US" sz="1400" dirty="0">
                 <a:latin typeface="+mn-ea"/>
               </a:rPr>
               <a:t>다이얼로그 내에서 새 </a:t>
             </a:r>
             <a:r>
-              <a:rPr lang="en-US" altLang="ko-KR" sz="1400">
+              <a:rPr lang="en-US" altLang="ko-KR" sz="1400" dirty="0">
                 <a:latin typeface="+mn-ea"/>
               </a:rPr>
               <a:t>transaction </a:t>
             </a:r>
             <a:r>
-              <a:rPr lang="ko-KR" altLang="en-US" sz="1400">
+              <a:rPr lang="ko-KR" altLang="en-US" sz="1400" dirty="0">
                 <a:latin typeface="+mn-ea"/>
               </a:rPr>
               <a:t>을 게시할 수 있음</a:t>
             </a:r>
-            <a:endParaRPr lang="en-US" altLang="ko-KR" sz="1400">
+            <a:endParaRPr lang="en-US" altLang="ko-KR" sz="1400" dirty="0">
               <a:latin typeface="+mn-ea"/>
             </a:endParaRPr>
           </a:p>
           <a:p>
             <a:pPr marL="285750" indent="-285750">
               <a:lnSpc>
-                <a:spcPct val="150000"/>
+                <a:spcPct val="200000"/>
               </a:lnSpc>
               <a:buFont typeface="Arial" panose="020B0604020202020204" pitchFamily="34" charset="0"/>
               <a:buChar char="•"/>
             </a:pPr>
             <a:r>
-              <a:rPr lang="ko-KR" altLang="en-US" sz="1400">
+              <a:rPr lang="ko-KR" altLang="en-US" sz="1400" dirty="0">
                 <a:latin typeface="+mn-ea"/>
               </a:rPr>
               <a:t>다이얼로그를 설정하는 트랜잭션 간 유지되는 </a:t>
             </a:r>
             <a:r>
-              <a:rPr lang="en-US" altLang="ko-KR" sz="1400">
+              <a:rPr lang="en-US" altLang="ko-KR" sz="1400" dirty="0">
                 <a:latin typeface="+mn-ea"/>
               </a:rPr>
               <a:t>UA</a:t>
             </a:r>
             <a:r>
-              <a:rPr lang="ko-KR" altLang="en-US" sz="1400">
+              <a:rPr lang="ko-KR" altLang="en-US" sz="1400" dirty="0">
                 <a:latin typeface="+mn-ea"/>
               </a:rPr>
               <a:t> 의 논리적인 역할은 요청을 보내고 받음에 따라 다를 수 있음</a:t>
             </a:r>
-            <a:endParaRPr lang="en-US" altLang="ko-KR" sz="1400">
+            <a:endParaRPr lang="en-US" altLang="ko-KR" sz="1400" dirty="0">
               <a:latin typeface="+mn-ea"/>
             </a:endParaRPr>
           </a:p>
           <a:p>
             <a:pPr marL="285750" indent="-285750">
               <a:lnSpc>
-                <a:spcPct val="150000"/>
+                <a:spcPct val="200000"/>
               </a:lnSpc>
               <a:buFont typeface="Arial" panose="020B0604020202020204" pitchFamily="34" charset="0"/>
               <a:buChar char="•"/>
             </a:pPr>
             <a:r>
-              <a:rPr lang="ko-KR" altLang="en-US" sz="1400">
+              <a:rPr lang="ko-KR" altLang="en-US" sz="1400" dirty="0">
                 <a:latin typeface="+mn-ea"/>
               </a:rPr>
               <a:t>다이얼로그 내의 요청에는 </a:t>
             </a:r>
             <a:r>
-              <a:rPr lang="en-US" altLang="ko-KR" sz="1400" b="1">
+              <a:rPr lang="en-US" altLang="ko-KR" sz="1400" b="1" dirty="0">
                 <a:latin typeface="+mn-ea"/>
               </a:rPr>
               <a:t>Record-Route</a:t>
             </a:r>
             <a:r>
-              <a:rPr lang="en-US" altLang="ko-KR" sz="1400">
+              <a:rPr lang="en-US" altLang="ko-KR" sz="1400" dirty="0">
                 <a:latin typeface="+mn-ea"/>
               </a:rPr>
               <a:t> </a:t>
             </a:r>
             <a:r>
-              <a:rPr lang="ko-KR" altLang="en-US" sz="1400">
+              <a:rPr lang="ko-KR" altLang="en-US" sz="1400" dirty="0">
                 <a:latin typeface="+mn-ea"/>
               </a:rPr>
               <a:t>와 </a:t>
             </a:r>
             <a:r>
-              <a:rPr lang="en-US" altLang="ko-KR" sz="1400" b="1">
+              <a:rPr lang="en-US" altLang="ko-KR" sz="1400" b="1" dirty="0">
                 <a:latin typeface="+mn-ea"/>
               </a:rPr>
               <a:t>Contact</a:t>
             </a:r>
             <a:r>
-              <a:rPr lang="en-US" altLang="ko-KR" sz="1400">
+              <a:rPr lang="en-US" altLang="ko-KR" sz="1400" dirty="0">
                 <a:latin typeface="+mn-ea"/>
               </a:rPr>
               <a:t> </a:t>
             </a:r>
             <a:r>
-              <a:rPr lang="ko-KR" altLang="en-US" sz="1400">
+              <a:rPr lang="ko-KR" altLang="en-US" sz="1400" dirty="0">
                 <a:latin typeface="+mn-ea"/>
               </a:rPr>
               <a:t>헤더를 포함할 수 있음</a:t>
             </a:r>
-            <a:endParaRPr lang="en-US" altLang="ko-KR" sz="1400">
+            <a:endParaRPr lang="en-US" altLang="ko-KR" sz="1400" dirty="0">
               <a:latin typeface="+mn-ea"/>
             </a:endParaRPr>
           </a:p>
           <a:p>
             <a:pPr marL="742950" lvl="1" indent="-285750">
               <a:lnSpc>
-                <a:spcPct val="150000"/>
+                <a:spcPct val="200000"/>
               </a:lnSpc>
               <a:buFontTx/>
               <a:buChar char="-"/>
             </a:pPr>
             <a:r>
-              <a:rPr lang="ko-KR" altLang="en-US" sz="1400">
+              <a:rPr lang="ko-KR" altLang="en-US" sz="1400" dirty="0">
                 <a:latin typeface="+mn-ea"/>
               </a:rPr>
               <a:t>이러한 요청은 </a:t>
             </a:r>
             <a:r>
-              <a:rPr lang="en-US" altLang="ko-KR" sz="1400">
+              <a:rPr lang="en-US" altLang="ko-KR" sz="1400" dirty="0">
                 <a:latin typeface="+mn-ea"/>
               </a:rPr>
               <a:t>remote target URI </a:t>
             </a:r>
             <a:r>
-              <a:rPr lang="ko-KR" altLang="en-US" sz="1400">
+              <a:rPr lang="ko-KR" altLang="en-US" sz="1400" dirty="0">
                 <a:latin typeface="+mn-ea"/>
               </a:rPr>
               <a:t>을 수정할 수 있지만 다이얼로그의 </a:t>
             </a:r>
             <a:r>
-              <a:rPr lang="en-US" altLang="ko-KR" sz="1400">
+              <a:rPr lang="en-US" altLang="ko-KR" sz="1400" dirty="0">
                 <a:latin typeface="+mn-ea"/>
               </a:rPr>
               <a:t>route set</a:t>
             </a:r>
             <a:r>
-              <a:rPr lang="ko-KR" altLang="en-US" sz="1400">
+              <a:rPr lang="ko-KR" altLang="en-US" sz="1400" dirty="0">
                 <a:latin typeface="+mn-ea"/>
               </a:rPr>
               <a:t> 은 수정하지 않음</a:t>
             </a:r>
-            <a:endParaRPr lang="en-US" altLang="ko-KR" sz="1400">
+            <a:endParaRPr lang="en-US" altLang="ko-KR" sz="1400" dirty="0">
               <a:latin typeface="+mn-ea"/>
             </a:endParaRPr>
           </a:p>
           <a:p>
             <a:pPr marL="742950" lvl="1" indent="-285750">
               <a:lnSpc>
-                <a:spcPct val="150000"/>
+                <a:spcPct val="200000"/>
               </a:lnSpc>
               <a:buFontTx/>
               <a:buChar char="-"/>
             </a:pPr>
             <a:r>
-              <a:rPr lang="ko-KR" altLang="en-US" sz="1400">
+              <a:rPr lang="ko-KR" altLang="en-US" sz="1400" dirty="0">
                 <a:latin typeface="+mn-ea"/>
               </a:rPr>
               <a:t>또한 </a:t>
             </a:r>
             <a:r>
-              <a:rPr lang="en-US" altLang="ko-KR" sz="1400">
+              <a:rPr lang="en-US" altLang="ko-KR" sz="1400" dirty="0">
                 <a:latin typeface="+mn-ea"/>
               </a:rPr>
               <a:t>target refresh request </a:t>
             </a:r>
             <a:r>
-              <a:rPr lang="ko-KR" altLang="en-US" sz="1400">
+              <a:rPr lang="ko-KR" altLang="en-US" sz="1400" dirty="0">
                 <a:latin typeface="+mn-ea"/>
               </a:rPr>
               <a:t>만 </a:t>
             </a:r>
             <a:r>
-              <a:rPr lang="en-US" altLang="ko-KR" sz="1400">
+              <a:rPr lang="en-US" altLang="ko-KR" sz="1400" dirty="0">
                 <a:latin typeface="+mn-ea"/>
               </a:rPr>
               <a:t>remote target URI </a:t>
             </a:r>
             <a:r>
-              <a:rPr lang="ko-KR" altLang="en-US" sz="1400">
+              <a:rPr lang="ko-KR" altLang="en-US" sz="1400" dirty="0">
                 <a:latin typeface="+mn-ea"/>
               </a:rPr>
               <a:t>수정 가능</a:t>
             </a:r>
-            <a:endParaRPr lang="en-US" altLang="ko-KR" sz="1400">
+            <a:endParaRPr lang="en-US" altLang="ko-KR" sz="1400" dirty="0">
               <a:latin typeface="+mn-ea"/>
             </a:endParaRPr>
           </a:p>
           <a:p>
             <a:pPr marL="285750" indent="-285750">
               <a:lnSpc>
-                <a:spcPct val="150000"/>
+                <a:spcPct val="200000"/>
               </a:lnSpc>
               <a:buFont typeface="Arial" panose="020B0604020202020204" pitchFamily="34" charset="0"/>
               <a:buChar char="•"/>
             </a:pPr>
             <a:r>
-              <a:rPr lang="en-US" altLang="ko-KR" sz="1400">
+              <a:rPr lang="en-US" altLang="ko-KR" sz="1400" dirty="0">
                 <a:latin typeface="+mn-ea"/>
               </a:rPr>
               <a:t>INVITE</a:t>
             </a:r>
             <a:r>
-              <a:rPr lang="ko-KR" altLang="en-US" sz="1400">
+              <a:rPr lang="ko-KR" altLang="en-US" sz="1400" dirty="0">
                 <a:latin typeface="+mn-ea"/>
               </a:rPr>
               <a:t> 로 설정된 다이얼로그에 대해</a:t>
             </a:r>
             <a:r>
-              <a:rPr lang="en-US" altLang="ko-KR" sz="1400">
+              <a:rPr lang="en-US" altLang="ko-KR" sz="1400" dirty="0">
                 <a:latin typeface="+mn-ea"/>
               </a:rPr>
               <a:t>, </a:t>
             </a:r>
             <a:r>
-              <a:rPr lang="ko-KR" altLang="en-US" sz="1400">
+              <a:rPr lang="ko-KR" altLang="en-US" sz="1400" dirty="0">
                 <a:latin typeface="+mn-ea"/>
               </a:rPr>
               <a:t>유일한 </a:t>
             </a:r>
             <a:r>
-              <a:rPr lang="en-US" altLang="ko-KR" sz="1400">
+              <a:rPr lang="en-US" altLang="ko-KR" sz="1400" dirty="0">
                 <a:latin typeface="+mn-ea"/>
               </a:rPr>
               <a:t>target refresh request </a:t>
             </a:r>
             <a:r>
-              <a:rPr lang="ko-KR" altLang="en-US" sz="1400">
+              <a:rPr lang="ko-KR" altLang="en-US" sz="1400" dirty="0">
                 <a:latin typeface="+mn-ea"/>
               </a:rPr>
               <a:t>는 </a:t>
             </a:r>
             <a:r>
-              <a:rPr lang="en-US" altLang="ko-KR" sz="1400" b="1">
+              <a:rPr lang="en-US" altLang="ko-KR" sz="1400" b="1" dirty="0">
                 <a:latin typeface="+mn-ea"/>
               </a:rPr>
               <a:t>re-INVITE</a:t>
             </a:r>
             <a:r>
-              <a:rPr lang="en-US" altLang="ko-KR" sz="1400">
+              <a:rPr lang="en-US" altLang="ko-KR" sz="1400" dirty="0">
                 <a:latin typeface="+mn-ea"/>
               </a:rPr>
               <a:t> </a:t>
             </a:r>
             <a:r>
-              <a:rPr lang="ko-KR" altLang="en-US" sz="1400">
+              <a:rPr lang="ko-KR" altLang="en-US" sz="1400" dirty="0">
                 <a:latin typeface="+mn-ea"/>
               </a:rPr>
               <a:t>뿐임</a:t>
             </a:r>
-            <a:endParaRPr lang="en-US" altLang="ko-KR" sz="1400">
+            <a:endParaRPr lang="en-US" altLang="ko-KR" sz="1400" dirty="0">
               <a:latin typeface="+mn-ea"/>
             </a:endParaRPr>
           </a:p>
           <a:p>
             <a:pPr marL="742950" lvl="1" indent="-285750">
               <a:lnSpc>
-                <a:spcPct val="150000"/>
+                <a:spcPct val="200000"/>
               </a:lnSpc>
               <a:buFontTx/>
               <a:buChar char="-"/>
             </a:pPr>
             <a:r>
-              <a:rPr lang="en-US" altLang="ko-KR" sz="1400">
-                <a:latin typeface="+mn-ea"/>
-              </a:rPr>
-              <a:t>ACK </a:t>
-            </a:r>
-            <a:r>
-              <a:rPr lang="ko-KR" altLang="en-US" sz="1400">
+              <a:rPr lang="en-US" altLang="ko-KR" sz="1400" b="1" dirty="0">
+                <a:latin typeface="+mn-ea"/>
+              </a:rPr>
+              <a:t>ACK</a:t>
+            </a:r>
+            <a:r>
+              <a:rPr lang="en-US" altLang="ko-KR" sz="1400" dirty="0">
+                <a:latin typeface="+mn-ea"/>
+              </a:rPr>
+              <a:t> </a:t>
+            </a:r>
+            <a:r>
+              <a:rPr lang="ko-KR" altLang="en-US" sz="1400" dirty="0">
                 <a:latin typeface="+mn-ea"/>
               </a:rPr>
               <a:t>는 </a:t>
             </a:r>
             <a:r>
-              <a:rPr lang="en-US" altLang="ko-KR" sz="1400">
+              <a:rPr lang="en-US" altLang="ko-KR" sz="1400" dirty="0">
                 <a:latin typeface="+mn-ea"/>
               </a:rPr>
               <a:t>target refresh request </a:t>
             </a:r>
             <a:r>
-              <a:rPr lang="ko-KR" altLang="en-US" sz="1400">
+              <a:rPr lang="ko-KR" altLang="en-US" sz="1400" dirty="0">
                 <a:latin typeface="+mn-ea"/>
               </a:rPr>
               <a:t>가 아님</a:t>
             </a:r>
-            <a:endParaRPr lang="en-US" altLang="ko-KR" sz="1400">
+            <a:endParaRPr lang="en-US" altLang="ko-KR" sz="1400" dirty="0">
               <a:latin typeface="+mn-ea"/>
             </a:endParaRPr>
           </a:p>
           <a:p>
             <a:pPr marL="285750" indent="-285750">
               <a:lnSpc>
-                <a:spcPct val="150000"/>
+                <a:spcPct val="200000"/>
               </a:lnSpc>
               <a:buFont typeface="Arial" panose="020B0604020202020204" pitchFamily="34" charset="0"/>
               <a:buChar char="•"/>
             </a:pPr>
             <a:r>
-              <a:rPr lang="en-US" altLang="ko-KR" sz="1400">
+              <a:rPr lang="en-US" altLang="ko-KR" sz="1400" dirty="0">
                 <a:latin typeface="+mn-ea"/>
               </a:rPr>
               <a:t>target</a:t>
             </a:r>
             <a:r>
-              <a:rPr lang="ko-KR" altLang="en-US" sz="1400">
+              <a:rPr lang="ko-KR" altLang="en-US" sz="1400" dirty="0">
                 <a:latin typeface="+mn-ea"/>
               </a:rPr>
               <a:t> </a:t>
             </a:r>
             <a:r>
-              <a:rPr lang="en-US" altLang="ko-KR" sz="1400">
+              <a:rPr lang="en-US" altLang="ko-KR" sz="1400" dirty="0">
                 <a:latin typeface="+mn-ea"/>
               </a:rPr>
               <a:t>refresh</a:t>
             </a:r>
             <a:r>
-              <a:rPr lang="ko-KR" altLang="en-US" sz="1400">
+              <a:rPr lang="ko-KR" altLang="en-US" sz="1400" dirty="0">
                 <a:latin typeface="+mn-ea"/>
               </a:rPr>
               <a:t> </a:t>
             </a:r>
             <a:r>
-              <a:rPr lang="en-US" altLang="ko-KR" sz="1400">
+              <a:rPr lang="en-US" altLang="ko-KR" sz="1400" dirty="0">
                 <a:latin typeface="+mn-ea"/>
               </a:rPr>
               <a:t>request</a:t>
             </a:r>
             <a:r>
-              <a:rPr lang="ko-KR" altLang="en-US" sz="1400">
+              <a:rPr lang="ko-KR" altLang="en-US" sz="1400" dirty="0">
                 <a:latin typeface="+mn-ea"/>
               </a:rPr>
               <a:t> 는 다이얼로그의 </a:t>
             </a:r>
             <a:r>
-              <a:rPr lang="en-US" altLang="ko-KR" sz="1400">
+              <a:rPr lang="en-US" altLang="ko-KR" sz="1400" dirty="0">
                 <a:latin typeface="+mn-ea"/>
               </a:rPr>
               <a:t>remote target URI</a:t>
             </a:r>
             <a:r>
-              <a:rPr lang="ko-KR" altLang="en-US" sz="1400">
+              <a:rPr lang="ko-KR" altLang="en-US" sz="1400" dirty="0">
                 <a:latin typeface="+mn-ea"/>
               </a:rPr>
               <a:t> 만 업데이트 할 뿐 </a:t>
             </a:r>
             <a:r>
-              <a:rPr lang="en-US" altLang="ko-KR" sz="1400">
+              <a:rPr lang="en-US" altLang="ko-KR" sz="1400" dirty="0">
                 <a:latin typeface="+mn-ea"/>
               </a:rPr>
               <a:t>Record-Route </a:t>
             </a:r>
             <a:r>
-              <a:rPr lang="ko-KR" altLang="en-US" sz="1400">
+              <a:rPr lang="ko-KR" altLang="en-US" sz="1400" dirty="0">
                 <a:latin typeface="+mn-ea"/>
               </a:rPr>
               <a:t>로부터 형성된 </a:t>
             </a:r>
             <a:r>
-              <a:rPr lang="en-US" altLang="ko-KR" sz="1400">
+              <a:rPr lang="en-US" altLang="ko-KR" sz="1400" dirty="0">
                 <a:latin typeface="+mn-ea"/>
               </a:rPr>
               <a:t>route set</a:t>
             </a:r>
             <a:r>
-              <a:rPr lang="ko-KR" altLang="en-US" sz="1400">
+              <a:rPr lang="ko-KR" altLang="en-US" sz="1400" dirty="0">
                 <a:latin typeface="+mn-ea"/>
               </a:rPr>
               <a:t> 은 업데이트 하지 않음</a:t>
             </a:r>
-            <a:endParaRPr lang="en-US" altLang="ko-KR" sz="1400">
+            <a:endParaRPr lang="en-US" altLang="ko-KR" sz="1400" dirty="0">
               <a:latin typeface="+mn-ea"/>
             </a:endParaRPr>
           </a:p>
           <a:p>
-            <a:pPr lvl="1">
+            <a:pPr marL="742950" lvl="1" indent="-285750">
               <a:lnSpc>
-                <a:spcPct val="150000"/>
+                <a:spcPct val="200000"/>
               </a:lnSpc>
+              <a:buFontTx/>
+              <a:buChar char="-"/>
             </a:pPr>
             <a:r>
-              <a:rPr lang="en-US" altLang="ko-KR" sz="1400">
-                <a:latin typeface="+mn-ea"/>
-              </a:rPr>
-              <a:t>- route set</a:t>
-            </a:r>
-            <a:r>
-              <a:rPr lang="ko-KR" altLang="en-US" sz="1400">
+              <a:rPr lang="en-US" altLang="ko-KR" sz="1400" dirty="0">
+                <a:latin typeface="+mn-ea"/>
+              </a:rPr>
+              <a:t>route set</a:t>
+            </a:r>
+            <a:r>
+              <a:rPr lang="ko-KR" altLang="en-US" sz="1400" dirty="0">
                 <a:latin typeface="+mn-ea"/>
               </a:rPr>
               <a:t> 을 업데이트하면 </a:t>
             </a:r>
             <a:r>
-              <a:rPr lang="en-US" altLang="ko-KR" sz="1400" b="1">
+              <a:rPr lang="en-US" altLang="ko-KR" sz="1400" b="1" dirty="0">
                 <a:latin typeface="+mn-ea"/>
               </a:rPr>
               <a:t>RFC 2543 </a:t>
             </a:r>
             <a:r>
-              <a:rPr lang="ko-KR" altLang="en-US" sz="1400">
+              <a:rPr lang="ko-KR" altLang="en-US" sz="1400" dirty="0">
                 <a:latin typeface="+mn-ea"/>
               </a:rPr>
               <a:t>과 심각한 호환성 문제가 발생</a:t>
             </a:r>
-            <a:endParaRPr lang="en-US" altLang="ko-KR" sz="1400">
+            <a:endParaRPr lang="en-US" altLang="ko-KR" sz="1400" dirty="0">
               <a:latin typeface="+mn-ea"/>
             </a:endParaRPr>
           </a:p>
@@ -16120,14 +16624,14 @@
           <p:nvPr>
             <p:extLst>
               <p:ext uri="{D42A27DB-BD31-4B8C-83A1-F6EECF244321}">
-                <p14:modId xmlns:p14="http://schemas.microsoft.com/office/powerpoint/2010/main" val="3554175228"/>
+                <p14:modId xmlns:p14="http://schemas.microsoft.com/office/powerpoint/2010/main" val="3141011505"/>
               </p:ext>
             </p:extLst>
           </p:nvPr>
         </p:nvGraphicFramePr>
         <p:xfrm>
-          <a:off x="1889020" y="2454890"/>
-          <a:ext cx="8872249" cy="4715860"/>
+          <a:off x="1547817" y="2012794"/>
+          <a:ext cx="7863666" cy="3461588"/>
         </p:xfrm>
         <a:graphic>
           <a:graphicData uri="http://schemas.openxmlformats.org/drawingml/2006/table">
@@ -16136,14 +16640,14 @@
                 <a:tableStyleId>{5C22544A-7EE6-4342-B048-85BDC9FD1C3A}</a:tableStyleId>
               </a:tblPr>
               <a:tblGrid>
-                <a:gridCol w="2703264">
+                <a:gridCol w="907590">
                   <a:extLst>
                     <a:ext uri="{9D8B030D-6E8A-4147-A177-3AD203B41FA5}">
                       <a16:colId xmlns:a16="http://schemas.microsoft.com/office/drawing/2014/main" val="2042414752"/>
                     </a:ext>
                   </a:extLst>
                 </a:gridCol>
-                <a:gridCol w="6168985">
+                <a:gridCol w="6956076">
                   <a:extLst>
                     <a:ext uri="{9D8B030D-6E8A-4147-A177-3AD203B41FA5}">
                       <a16:colId xmlns:a16="http://schemas.microsoft.com/office/drawing/2014/main" val="2966437627"/>
@@ -16151,7 +16655,7 @@
                   </a:extLst>
                 </a:gridCol>
               </a:tblGrid>
-              <a:tr h="370840">
+              <a:tr h="134769">
                 <a:tc>
                   <a:txBody>
                     <a:bodyPr/>
@@ -16159,7 +16663,7 @@
                     <a:p>
                       <a:pPr algn="ctr" latinLnBrk="1"/>
                       <a:r>
-                        <a:rPr lang="en-US" altLang="ko-KR" sz="1200" b="1">
+                        <a:rPr lang="en-US" altLang="ko-KR" sz="1000" b="1" dirty="0">
                           <a:solidFill>
                             <a:sysClr val="windowText" lastClr="000000"/>
                           </a:solidFill>
@@ -16168,7 +16672,7 @@
                         </a:rPr>
                         <a:t>To</a:t>
                       </a:r>
-                      <a:endParaRPr lang="ko-KR" altLang="en-US" sz="1200" b="1">
+                      <a:endParaRPr lang="ko-KR" altLang="en-US" sz="1000" b="1" dirty="0">
                         <a:solidFill>
                           <a:sysClr val="windowText" lastClr="000000"/>
                         </a:solidFill>
@@ -16176,7 +16680,7 @@
                       </a:endParaRPr>
                     </a:p>
                   </a:txBody>
-                  <a:tcPr anchor="ctr">
+                  <a:tcPr>
                     <a:lnL w="12700" cap="flat" cmpd="sng" algn="ctr">
                       <a:solidFill>
                         <a:schemeClr val="tx1"/>
@@ -16234,7 +16738,7 @@
                         <a:buChar char="•"/>
                       </a:pPr>
                       <a:r>
-                        <a:rPr lang="en-US" altLang="ko-KR" sz="1050" b="1">
+                        <a:rPr lang="en-US" altLang="ko-KR" sz="900" b="1" dirty="0">
                           <a:solidFill>
                             <a:schemeClr val="tx1"/>
                           </a:solidFill>
@@ -16244,7 +16748,7 @@
                         <a:t>URI</a:t>
                       </a:r>
                       <a:r>
-                        <a:rPr lang="en-US" altLang="ko-KR" sz="1050" b="0">
+                        <a:rPr lang="en-US" altLang="ko-KR" sz="900" b="0" dirty="0">
                           <a:solidFill>
                             <a:schemeClr val="tx1"/>
                           </a:solidFill>
@@ -16263,7 +16767,7 @@
                         <a:buChar char="•"/>
                       </a:pPr>
                       <a:r>
-                        <a:rPr lang="en-US" altLang="ko-KR" sz="1050" b="1">
+                        <a:rPr lang="en-US" altLang="ko-KR" sz="900" b="1" dirty="0">
                           <a:solidFill>
                             <a:schemeClr val="tx1"/>
                           </a:solidFill>
@@ -16273,7 +16777,7 @@
                         <a:t>tag</a:t>
                       </a:r>
                       <a:r>
-                        <a:rPr lang="en-US" altLang="ko-KR" sz="1050" b="0">
+                        <a:rPr lang="en-US" altLang="ko-KR" sz="900" b="0" dirty="0">
                           <a:solidFill>
                             <a:schemeClr val="tx1"/>
                           </a:solidFill>
@@ -16283,7 +16787,7 @@
                         <a:t> : dialog ID </a:t>
                       </a:r>
                       <a:r>
-                        <a:rPr lang="ko-KR" altLang="en-US" sz="1050" b="0">
+                        <a:rPr lang="ko-KR" altLang="en-US" sz="900" b="0" dirty="0">
                           <a:solidFill>
                             <a:schemeClr val="tx1"/>
                           </a:solidFill>
@@ -16293,7 +16797,7 @@
                         <a:t>의 </a:t>
                       </a:r>
                       <a:r>
-                        <a:rPr lang="en-US" altLang="ko-KR" sz="1050" b="1">
+                        <a:rPr lang="en-US" altLang="ko-KR" sz="900" b="1" dirty="0">
                           <a:solidFill>
                             <a:schemeClr val="tx1"/>
                           </a:solidFill>
@@ -16302,7 +16806,7 @@
                         </a:rPr>
                         <a:t>remote tag</a:t>
                       </a:r>
-                      <a:endParaRPr lang="ko-KR" altLang="en-US" sz="1050" b="1">
+                      <a:endParaRPr lang="ko-KR" altLang="en-US" sz="900" b="1" dirty="0">
                         <a:solidFill>
                           <a:schemeClr val="tx1"/>
                         </a:solidFill>
@@ -16359,7 +16863,7 @@
                   </a:ext>
                 </a:extLst>
               </a:tr>
-              <a:tr h="551249">
+              <a:tr h="162348">
                 <a:tc>
                   <a:txBody>
                     <a:bodyPr/>
@@ -16367,17 +16871,17 @@
                     <a:p>
                       <a:pPr algn="ctr" latinLnBrk="1"/>
                       <a:r>
-                        <a:rPr lang="en-US" altLang="ko-KR" sz="1200" b="1">
+                        <a:rPr lang="en-US" altLang="ko-KR" sz="1000" b="1" dirty="0">
                           <a:latin typeface="Roboto" panose="02000000000000000000" pitchFamily="2" charset="0"/>
                         </a:rPr>
                         <a:t>From</a:t>
                       </a:r>
-                      <a:endParaRPr lang="ko-KR" altLang="en-US" sz="1200" b="1">
+                      <a:endParaRPr lang="ko-KR" altLang="en-US" sz="1000" b="1" dirty="0">
                         <a:latin typeface="Roboto" panose="02000000000000000000" pitchFamily="2" charset="0"/>
                       </a:endParaRPr>
                     </a:p>
                   </a:txBody>
-                  <a:tcPr anchor="ctr">
+                  <a:tcPr>
                     <a:lnL w="12700" cap="flat" cmpd="sng" algn="ctr">
                       <a:solidFill>
                         <a:schemeClr val="tx1"/>
@@ -16435,7 +16939,7 @@
                         <a:buChar char="•"/>
                       </a:pPr>
                       <a:r>
-                        <a:rPr lang="en-US" altLang="ko-KR" sz="1050" b="1">
+                        <a:rPr lang="en-US" altLang="ko-KR" sz="900" b="1" dirty="0">
                           <a:solidFill>
                             <a:schemeClr val="tx1"/>
                           </a:solidFill>
@@ -16445,7 +16949,7 @@
                         <a:t>URI</a:t>
                       </a:r>
                       <a:r>
-                        <a:rPr lang="en-US" altLang="ko-KR" sz="1050" b="0">
+                        <a:rPr lang="en-US" altLang="ko-KR" sz="900" b="0" dirty="0">
                           <a:solidFill>
                             <a:schemeClr val="tx1"/>
                           </a:solidFill>
@@ -16464,7 +16968,7 @@
                         <a:buChar char="•"/>
                       </a:pPr>
                       <a:r>
-                        <a:rPr lang="en-US" altLang="ko-KR" sz="1050" b="1">
+                        <a:rPr lang="en-US" altLang="ko-KR" sz="900" b="1" dirty="0">
                           <a:solidFill>
                             <a:schemeClr val="tx1"/>
                           </a:solidFill>
@@ -16474,7 +16978,7 @@
                         <a:t>tag</a:t>
                       </a:r>
                       <a:r>
-                        <a:rPr lang="en-US" altLang="ko-KR" sz="1050" b="0">
+                        <a:rPr lang="en-US" altLang="ko-KR" sz="900" b="0" dirty="0">
                           <a:solidFill>
                             <a:schemeClr val="tx1"/>
                           </a:solidFill>
@@ -16484,7 +16988,7 @@
                         <a:t> : dialog ID </a:t>
                       </a:r>
                       <a:r>
-                        <a:rPr lang="ko-KR" altLang="en-US" sz="1050" b="0">
+                        <a:rPr lang="ko-KR" altLang="en-US" sz="900" b="0" dirty="0">
                           <a:solidFill>
                             <a:schemeClr val="tx1"/>
                           </a:solidFill>
@@ -16494,7 +16998,7 @@
                         <a:t>의 </a:t>
                       </a:r>
                       <a:r>
-                        <a:rPr lang="en-US" altLang="ko-KR" sz="1050" b="1">
+                        <a:rPr lang="en-US" altLang="ko-KR" sz="900" b="1" dirty="0">
                           <a:solidFill>
                             <a:schemeClr val="tx1"/>
                           </a:solidFill>
@@ -16503,7 +17007,7 @@
                         </a:rPr>
                         <a:t>local tag</a:t>
                       </a:r>
-                      <a:endParaRPr lang="ko-KR" altLang="en-US" sz="1050" b="1">
+                      <a:endParaRPr lang="ko-KR" altLang="en-US" sz="900" b="1" dirty="0">
                         <a:solidFill>
                           <a:schemeClr val="tx1"/>
                         </a:solidFill>
@@ -16560,7 +17064,7 @@
                   </a:ext>
                 </a:extLst>
               </a:tr>
-              <a:tr h="462116">
+              <a:tr h="200607">
                 <a:tc>
                   <a:txBody>
                     <a:bodyPr/>
@@ -16568,18 +17072,18 @@
                     <a:p>
                       <a:pPr algn="ctr" latinLnBrk="1"/>
                       <a:r>
-                        <a:rPr lang="en-US" altLang="ko-KR" sz="1200" b="1">
+                        <a:rPr lang="en-US" altLang="ko-KR" sz="1000" b="1" dirty="0">
                           <a:latin typeface="Roboto" panose="02000000000000000000" pitchFamily="2" charset="0"/>
                           <a:ea typeface="Roboto" panose="02000000000000000000" pitchFamily="2" charset="0"/>
                         </a:rPr>
                         <a:t>Call-ID</a:t>
                       </a:r>
-                      <a:endParaRPr lang="ko-KR" altLang="en-US" sz="1200" b="1">
+                      <a:endParaRPr lang="ko-KR" altLang="en-US" sz="1000" b="1" dirty="0">
                         <a:latin typeface="Roboto" panose="02000000000000000000" pitchFamily="2" charset="0"/>
                       </a:endParaRPr>
                     </a:p>
                   </a:txBody>
-                  <a:tcPr anchor="ctr">
+                  <a:tcPr>
                     <a:lnL w="12700" cap="flat" cmpd="sng" algn="ctr">
                       <a:solidFill>
                         <a:schemeClr val="tx1"/>
@@ -16631,7 +17135,7 @@
                     <a:p>
                       <a:pPr algn="l" latinLnBrk="1"/>
                       <a:r>
-                        <a:rPr lang="en-US" altLang="ko-KR" sz="1200" b="0">
+                        <a:rPr lang="en-US" altLang="ko-KR" sz="900" b="0" dirty="0">
                           <a:solidFill>
                             <a:schemeClr val="tx1"/>
                           </a:solidFill>
@@ -16641,7 +17145,7 @@
                         <a:t>dialog ID </a:t>
                       </a:r>
                       <a:r>
-                        <a:rPr lang="ko-KR" altLang="en-US" sz="1200" b="0">
+                        <a:rPr lang="ko-KR" altLang="en-US" sz="900" b="0" dirty="0">
                           <a:solidFill>
                             <a:schemeClr val="tx1"/>
                           </a:solidFill>
@@ -16651,7 +17155,7 @@
                         <a:t>의 </a:t>
                       </a:r>
                       <a:r>
-                        <a:rPr lang="en-US" altLang="ko-KR" sz="1200" b="0">
+                        <a:rPr lang="en-US" altLang="ko-KR" sz="900" b="0" dirty="0">
                           <a:solidFill>
                             <a:schemeClr val="tx1"/>
                           </a:solidFill>
@@ -16660,7 +17164,7 @@
                         </a:rPr>
                         <a:t>Call-ID</a:t>
                       </a:r>
-                      <a:endParaRPr lang="ko-KR" altLang="en-US" sz="1200" b="0">
+                      <a:endParaRPr lang="ko-KR" altLang="en-US" sz="900" b="0" dirty="0">
                         <a:solidFill>
                           <a:schemeClr val="tx1"/>
                         </a:solidFill>
@@ -16717,6 +17221,235 @@
                   </a:ext>
                 </a:extLst>
               </a:tr>
+              <a:tr h="413967">
+                <a:tc>
+                  <a:txBody>
+                    <a:bodyPr/>
+                    <a:lstStyle/>
+                    <a:p>
+                      <a:pPr algn="ctr" latinLnBrk="1"/>
+                      <a:r>
+                        <a:rPr lang="en-US" altLang="ko-KR" sz="1000" b="1" dirty="0" err="1">
+                          <a:latin typeface="Roboto" panose="02000000000000000000" pitchFamily="2" charset="0"/>
+                        </a:rPr>
+                        <a:t>CSeq</a:t>
+                      </a:r>
+                      <a:endParaRPr lang="ko-KR" altLang="en-US" sz="1000" b="1" dirty="0">
+                        <a:latin typeface="Roboto" panose="02000000000000000000" pitchFamily="2" charset="0"/>
+                      </a:endParaRPr>
+                    </a:p>
+                  </a:txBody>
+                  <a:tcPr>
+                    <a:lnL w="12700" cap="flat" cmpd="sng" algn="ctr">
+                      <a:solidFill>
+                        <a:schemeClr val="tx1"/>
+                      </a:solidFill>
+                      <a:prstDash val="solid"/>
+                      <a:round/>
+                      <a:headEnd type="none" w="med" len="med"/>
+                      <a:tailEnd type="none" w="med" len="med"/>
+                    </a:lnL>
+                    <a:lnR w="12700" cap="flat" cmpd="sng" algn="ctr">
+                      <a:solidFill>
+                        <a:schemeClr val="tx1"/>
+                      </a:solidFill>
+                      <a:prstDash val="solid"/>
+                      <a:round/>
+                      <a:headEnd type="none" w="med" len="med"/>
+                      <a:tailEnd type="none" w="med" len="med"/>
+                    </a:lnR>
+                    <a:lnT w="12700" cap="flat" cmpd="sng" algn="ctr">
+                      <a:solidFill>
+                        <a:schemeClr val="tx1"/>
+                      </a:solidFill>
+                      <a:prstDash val="solid"/>
+                      <a:round/>
+                      <a:headEnd type="none" w="med" len="med"/>
+                      <a:tailEnd type="none" w="med" len="med"/>
+                    </a:lnT>
+                    <a:lnB w="12700" cap="flat" cmpd="sng" algn="ctr">
+                      <a:solidFill>
+                        <a:schemeClr val="tx1"/>
+                      </a:solidFill>
+                      <a:prstDash val="solid"/>
+                      <a:round/>
+                      <a:headEnd type="none" w="med" len="med"/>
+                      <a:tailEnd type="none" w="med" len="med"/>
+                    </a:lnB>
+                    <a:solidFill>
+                      <a:schemeClr val="accent2">
+                        <a:lumMod val="20000"/>
+                        <a:lumOff val="80000"/>
+                      </a:schemeClr>
+                    </a:solidFill>
+                  </a:tcPr>
+                </a:tc>
+                <a:tc>
+                  <a:txBody>
+                    <a:bodyPr/>
+                    <a:lstStyle/>
+                    <a:p>
+                      <a:pPr algn="l" latinLnBrk="1"/>
+                      <a:r>
+                        <a:rPr lang="en-US" altLang="ko-KR" sz="1000" b="0" dirty="0">
+                          <a:solidFill>
+                            <a:schemeClr val="tx1"/>
+                          </a:solidFill>
+                          <a:latin typeface="+mn-ea"/>
+                          <a:ea typeface="+mn-ea"/>
+                        </a:rPr>
+                        <a:t>local sequence number </a:t>
+                      </a:r>
+                      <a:r>
+                        <a:rPr lang="ko-KR" altLang="en-US" sz="1000" b="0" dirty="0">
+                          <a:solidFill>
+                            <a:schemeClr val="tx1"/>
+                          </a:solidFill>
+                          <a:latin typeface="+mn-ea"/>
+                          <a:ea typeface="+mn-ea"/>
+                        </a:rPr>
+                        <a:t>값이 있는 경우 </a:t>
+                      </a:r>
+                      <a:r>
+                        <a:rPr lang="en-US" altLang="ko-KR" sz="1000" b="0" dirty="0">
+                          <a:solidFill>
+                            <a:schemeClr val="tx1"/>
+                          </a:solidFill>
+                          <a:latin typeface="+mn-ea"/>
+                          <a:ea typeface="+mn-ea"/>
+                        </a:rPr>
+                        <a:t>:</a:t>
+                      </a:r>
+                      <a:r>
+                        <a:rPr lang="ko-KR" altLang="en-US" sz="1000" b="0" dirty="0">
+                          <a:solidFill>
+                            <a:schemeClr val="tx1"/>
+                          </a:solidFill>
+                          <a:latin typeface="+mn-ea"/>
+                          <a:ea typeface="+mn-ea"/>
+                        </a:rPr>
+                        <a:t> </a:t>
+                      </a:r>
+                      <a:r>
+                        <a:rPr lang="en-US" altLang="ko-KR" sz="1000" b="0" dirty="0">
+                          <a:solidFill>
+                            <a:schemeClr val="tx1"/>
+                          </a:solidFill>
+                          <a:latin typeface="+mn-ea"/>
+                          <a:ea typeface="+mn-ea"/>
+                        </a:rPr>
+                        <a:t>1</a:t>
+                      </a:r>
+                      <a:r>
+                        <a:rPr lang="ko-KR" altLang="en-US" sz="1000" b="0" dirty="0">
+                          <a:solidFill>
+                            <a:schemeClr val="tx1"/>
+                          </a:solidFill>
+                          <a:latin typeface="+mn-ea"/>
+                          <a:ea typeface="+mn-ea"/>
+                        </a:rPr>
+                        <a:t> 증가하여 설정</a:t>
+                      </a:r>
+                      <a:endParaRPr lang="en-US" altLang="ko-KR" sz="1000" b="0" dirty="0">
+                        <a:solidFill>
+                          <a:schemeClr val="tx1"/>
+                        </a:solidFill>
+                        <a:latin typeface="+mn-ea"/>
+                        <a:ea typeface="+mn-ea"/>
+                      </a:endParaRPr>
+                    </a:p>
+                    <a:p>
+                      <a:pPr algn="l" latinLnBrk="1"/>
+                      <a:r>
+                        <a:rPr lang="en-US" altLang="ko-KR" sz="1000" b="0" dirty="0">
+                          <a:solidFill>
+                            <a:schemeClr val="tx1"/>
+                          </a:solidFill>
+                          <a:latin typeface="+mn-ea"/>
+                          <a:ea typeface="+mn-ea"/>
+                        </a:rPr>
+                        <a:t>local sequence number </a:t>
+                      </a:r>
+                      <a:r>
+                        <a:rPr lang="ko-KR" altLang="en-US" sz="1000" b="0" dirty="0">
+                          <a:solidFill>
+                            <a:schemeClr val="tx1"/>
+                          </a:solidFill>
+                          <a:latin typeface="+mn-ea"/>
+                          <a:ea typeface="+mn-ea"/>
+                        </a:rPr>
+                        <a:t>값이 없는 경우</a:t>
+                      </a:r>
+                      <a:r>
+                        <a:rPr lang="en-US" altLang="ko-KR" sz="1000" b="0" dirty="0">
+                          <a:solidFill>
+                            <a:schemeClr val="tx1"/>
+                          </a:solidFill>
+                          <a:latin typeface="+mn-ea"/>
+                          <a:ea typeface="+mn-ea"/>
+                        </a:rPr>
+                        <a:t> : </a:t>
+                      </a:r>
+                      <a:r>
+                        <a:rPr lang="ko-KR" altLang="en-US" sz="1000" b="0" dirty="0">
+                          <a:solidFill>
+                            <a:schemeClr val="tx1"/>
+                          </a:solidFill>
+                          <a:latin typeface="+mn-ea"/>
+                          <a:ea typeface="+mn-ea"/>
+                        </a:rPr>
+                        <a:t>새로운 값 할당</a:t>
+                      </a:r>
+                    </a:p>
+                  </a:txBody>
+                  <a:tcPr anchor="ctr">
+                    <a:lnL w="12700" cap="flat" cmpd="sng" algn="ctr">
+                      <a:solidFill>
+                        <a:schemeClr val="tx1"/>
+                      </a:solidFill>
+                      <a:prstDash val="solid"/>
+                      <a:round/>
+                      <a:headEnd type="none" w="med" len="med"/>
+                      <a:tailEnd type="none" w="med" len="med"/>
+                    </a:lnL>
+                    <a:lnR w="12700" cap="flat" cmpd="sng" algn="ctr">
+                      <a:solidFill>
+                        <a:schemeClr val="tx1"/>
+                      </a:solidFill>
+                      <a:prstDash val="solid"/>
+                      <a:round/>
+                      <a:headEnd type="none" w="med" len="med"/>
+                      <a:tailEnd type="none" w="med" len="med"/>
+                    </a:lnR>
+                    <a:lnT w="12700" cap="flat" cmpd="sng" algn="ctr">
+                      <a:solidFill>
+                        <a:schemeClr val="tx1"/>
+                      </a:solidFill>
+                      <a:prstDash val="solid"/>
+                      <a:round/>
+                      <a:headEnd type="none" w="med" len="med"/>
+                      <a:tailEnd type="none" w="med" len="med"/>
+                    </a:lnT>
+                    <a:lnB w="12700" cap="flat" cmpd="sng" algn="ctr">
+                      <a:solidFill>
+                        <a:schemeClr val="tx1"/>
+                      </a:solidFill>
+                      <a:prstDash val="solid"/>
+                      <a:round/>
+                      <a:headEnd type="none" w="med" len="med"/>
+                      <a:tailEnd type="none" w="med" len="med"/>
+                    </a:lnB>
+                    <a:solidFill>
+                      <a:schemeClr val="bg1"/>
+                    </a:solidFill>
+                  </a:tcPr>
+                </a:tc>
+                <a:extLst>
+                  <a:ext uri="{0D108BD9-81ED-4DB2-BD59-A6C34878D82A}">
+                    <a16:rowId xmlns:a16="http://schemas.microsoft.com/office/drawing/2014/main" val="2655166703"/>
+                  </a:ext>
+                </a:extLst>
+              </a:tr>
               <a:tr h="370840">
                 <a:tc>
                   <a:txBody>
@@ -16725,17 +17458,44 @@
                     <a:p>
                       <a:pPr algn="ctr" latinLnBrk="1"/>
                       <a:r>
-                        <a:rPr lang="en-US" altLang="ko-KR" sz="1200" b="1">
+                        <a:rPr lang="en-US" altLang="ko-KR" sz="1000" b="1" dirty="0">
+                          <a:solidFill>
+                            <a:srgbClr val="0000FF"/>
+                          </a:solidFill>
                           <a:latin typeface="Roboto" panose="02000000000000000000" pitchFamily="2" charset="0"/>
                         </a:rPr>
                         <a:t>Request-URI</a:t>
                       </a:r>
-                      <a:endParaRPr lang="ko-KR" altLang="en-US" sz="1200" b="1">
+                    </a:p>
+                    <a:p>
+                      <a:pPr algn="ctr" latinLnBrk="1"/>
+                      <a:r>
+                        <a:rPr lang="en-US" altLang="ko-KR" sz="1000" b="1" dirty="0">
+                          <a:latin typeface="Roboto" panose="02000000000000000000" pitchFamily="2" charset="0"/>
+                        </a:rPr>
+                        <a:t>&amp;</a:t>
+                      </a:r>
+                    </a:p>
+                    <a:p>
+                      <a:pPr algn="ctr" latinLnBrk="1"/>
+                      <a:r>
+                        <a:rPr lang="en-US" altLang="ko-KR" sz="1000" b="1" dirty="0">
+                          <a:solidFill>
+                            <a:srgbClr val="00B050"/>
+                          </a:solidFill>
+                          <a:latin typeface="Roboto" panose="02000000000000000000" pitchFamily="2" charset="0"/>
+                        </a:rPr>
+                        <a:t>Route</a:t>
+                      </a:r>
+                      <a:endParaRPr lang="ko-KR" altLang="en-US" sz="1000" b="1" dirty="0">
+                        <a:solidFill>
+                          <a:srgbClr val="00B050"/>
+                        </a:solidFill>
                         <a:latin typeface="Roboto" panose="02000000000000000000" pitchFamily="2" charset="0"/>
                       </a:endParaRPr>
                     </a:p>
                   </a:txBody>
-                  <a:tcPr anchor="ctr">
+                  <a:tcPr>
                     <a:lnL w="12700" cap="flat" cmpd="sng" algn="ctr">
                       <a:solidFill>
                         <a:schemeClr val="tx1"/>
@@ -16793,7 +17553,7 @@
                         <a:buChar char="•"/>
                       </a:pPr>
                       <a:r>
-                        <a:rPr lang="en-US" altLang="ko-KR" sz="1050" b="0">
+                        <a:rPr lang="en-US" altLang="ko-KR" sz="900" b="1" dirty="0">
                           <a:solidFill>
                             <a:schemeClr val="tx1"/>
                           </a:solidFill>
@@ -16803,7 +17563,7 @@
                         <a:t>route set </a:t>
                       </a:r>
                       <a:r>
-                        <a:rPr lang="ko-KR" altLang="en-US" sz="1050" b="0">
+                        <a:rPr lang="ko-KR" altLang="en-US" sz="900" b="1" dirty="0">
                           <a:solidFill>
                             <a:schemeClr val="tx1"/>
                           </a:solidFill>
@@ -16813,7 +17573,7 @@
                         <a:t>이 </a:t>
                       </a:r>
                       <a:r>
-                        <a:rPr lang="en-US" altLang="ko-KR" sz="1050" b="0">
+                        <a:rPr lang="en-US" altLang="ko-KR" sz="900" b="1" dirty="0">
                           <a:solidFill>
                             <a:schemeClr val="tx1"/>
                           </a:solidFill>
@@ -16823,7 +17583,7 @@
                         <a:t>empty </a:t>
                       </a:r>
                       <a:r>
-                        <a:rPr lang="ko-KR" altLang="en-US" sz="1050" b="0">
+                        <a:rPr lang="ko-KR" altLang="en-US" sz="900" b="1" dirty="0">
                           <a:solidFill>
                             <a:schemeClr val="tx1"/>
                           </a:solidFill>
@@ -16833,19 +17593,19 @@
                         <a:t>인 경우</a:t>
                       </a:r>
                       <a:r>
-                        <a:rPr lang="en-US" altLang="ko-KR" sz="1050" b="0">
+                        <a:rPr lang="en-US" altLang="ko-KR" sz="900" b="0" dirty="0">
                           <a:solidFill>
                             <a:schemeClr val="tx1"/>
                           </a:solidFill>
                           <a:latin typeface="+mn-ea"/>
                           <a:ea typeface="+mn-ea"/>
                         </a:rPr>
-                        <a:t>, </a:t>
+                        <a:t>: </a:t>
                       </a:r>
                       <a:r>
-                        <a:rPr lang="en-US" altLang="ko-KR" sz="1050" b="1">
+                        <a:rPr lang="en-US" altLang="ko-KR" sz="900" b="1" dirty="0">
                           <a:solidFill>
-                            <a:schemeClr val="tx1"/>
+                            <a:srgbClr val="0000FF"/>
                           </a:solidFill>
                           <a:latin typeface="+mn-ea"/>
                           <a:ea typeface="+mn-ea"/>
@@ -16853,7 +17613,47 @@
                         <a:t>remote target URI</a:t>
                       </a:r>
                       <a:r>
-                        <a:rPr lang="en-US" altLang="ko-KR" sz="1050" b="0">
+                        <a:rPr lang="en-US" altLang="ko-KR" sz="900" b="0" dirty="0">
+                          <a:solidFill>
+                            <a:srgbClr val="0000FF"/>
+                          </a:solidFill>
+                          <a:latin typeface="+mn-ea"/>
+                          <a:ea typeface="+mn-ea"/>
+                        </a:rPr>
+                        <a:t> </a:t>
+                      </a:r>
+                      <a:r>
+                        <a:rPr lang="ko-KR" altLang="en-US" sz="900" b="0" dirty="0">
+                          <a:solidFill>
+                            <a:schemeClr val="tx1"/>
+                          </a:solidFill>
+                          <a:latin typeface="+mn-ea"/>
+                          <a:ea typeface="+mn-ea"/>
+                        </a:rPr>
+                        <a:t>로 설정 </a:t>
+                      </a:r>
+                      <a:r>
+                        <a:rPr lang="en-US" altLang="ko-KR" sz="900" b="0" dirty="0">
+                          <a:solidFill>
+                            <a:schemeClr val="tx1"/>
+                          </a:solidFill>
+                          <a:latin typeface="+mn-ea"/>
+                          <a:ea typeface="+mn-ea"/>
+                        </a:rPr>
+                        <a:t>&amp; </a:t>
+                      </a:r>
+                      <a:r>
+                        <a:rPr lang="en-US" altLang="ko-KR" sz="900" b="1" dirty="0">
+                          <a:solidFill>
+                            <a:schemeClr val="tx1"/>
+                          </a:solidFill>
+                          <a:latin typeface="+mn-ea"/>
+                          <a:ea typeface="+mn-ea"/>
+                        </a:rPr>
+                        <a:t>Route</a:t>
+                      </a:r>
+                      <a:r>
+                        <a:rPr lang="en-US" altLang="ko-KR" sz="900" b="0" dirty="0">
                           <a:solidFill>
                             <a:schemeClr val="tx1"/>
                           </a:solidFill>
@@ -16863,45 +17663,32 @@
                         <a:t> </a:t>
                       </a:r>
                       <a:r>
-                        <a:rPr lang="ko-KR" altLang="en-US" sz="1050" b="0">
+                        <a:rPr lang="ko-KR" altLang="en-US" sz="900" b="0" dirty="0">
                           <a:solidFill>
                             <a:schemeClr val="tx1"/>
                           </a:solidFill>
                           <a:latin typeface="+mn-ea"/>
                           <a:ea typeface="+mn-ea"/>
                         </a:rPr>
-                        <a:t>로 설정 </a:t>
+                        <a:t>헤더를 </a:t>
                       </a:r>
                       <a:r>
-                        <a:rPr lang="en-US" altLang="ko-KR" sz="1050" b="0">
+                        <a:rPr lang="ko-KR" altLang="en-US" sz="900" b="1" dirty="0">
                           <a:solidFill>
-                            <a:schemeClr val="tx1"/>
+                            <a:srgbClr val="00B050"/>
                           </a:solidFill>
                           <a:latin typeface="+mn-ea"/>
                           <a:ea typeface="+mn-ea"/>
                         </a:rPr>
-                        <a:t>(Route </a:t>
+                        <a:t>추가해선 안됨</a:t>
                       </a:r>
-                      <a:r>
-                        <a:rPr lang="ko-KR" altLang="en-US" sz="1050" b="0">
-                          <a:solidFill>
-                            <a:schemeClr val="tx1"/>
-                          </a:solidFill>
-                          <a:latin typeface="+mn-ea"/>
-                          <a:ea typeface="+mn-ea"/>
-                        </a:rPr>
-                        <a:t>헤더를 추가해선 안됨</a:t>
-                      </a:r>
-                      <a:r>
-                        <a:rPr lang="en-US" altLang="ko-KR" sz="1050" b="0">
-                          <a:solidFill>
-                            <a:schemeClr val="tx1"/>
-                          </a:solidFill>
-                          <a:latin typeface="+mn-ea"/>
-                          <a:ea typeface="+mn-ea"/>
-                        </a:rPr>
-                        <a:t>)</a:t>
-                      </a:r>
+                      <a:endParaRPr lang="en-US" altLang="ko-KR" sz="900" b="1" dirty="0">
+                        <a:solidFill>
+                          <a:srgbClr val="00B050"/>
+                        </a:solidFill>
+                        <a:latin typeface="+mn-ea"/>
+                        <a:ea typeface="+mn-ea"/>
+                      </a:endParaRPr>
                     </a:p>
                     <a:p>
                       <a:pPr marL="285750" indent="-285750" algn="l" latinLnBrk="1">
@@ -16912,7 +17699,7 @@
                         <a:buChar char="•"/>
                       </a:pPr>
                       <a:r>
-                        <a:rPr lang="en-US" altLang="ko-KR" sz="1050" b="0">
+                        <a:rPr lang="en-US" altLang="ko-KR" sz="900" b="1" dirty="0">
                           <a:solidFill>
                             <a:schemeClr val="tx1"/>
                           </a:solidFill>
@@ -16922,7 +17709,7 @@
                         <a:t>route set </a:t>
                       </a:r>
                       <a:r>
-                        <a:rPr lang="ko-KR" altLang="en-US" sz="1050" b="0">
+                        <a:rPr lang="ko-KR" altLang="en-US" sz="900" b="1" dirty="0">
                           <a:solidFill>
                             <a:schemeClr val="tx1"/>
                           </a:solidFill>
@@ -16932,7 +17719,7 @@
                         <a:t>가 존재하는 경우</a:t>
                       </a:r>
                       <a:br>
-                        <a:rPr lang="en-US" altLang="ko-KR" sz="1050" b="0">
+                        <a:rPr lang="en-US" altLang="ko-KR" sz="900" b="0" dirty="0">
                           <a:solidFill>
                             <a:schemeClr val="tx1"/>
                           </a:solidFill>
@@ -16941,7 +17728,7 @@
                         </a:rPr>
                       </a:br>
                       <a:r>
-                        <a:rPr lang="en-US" altLang="ko-KR" sz="1050" b="0">
+                        <a:rPr lang="en-US" altLang="ko-KR" sz="900" b="0" dirty="0">
                           <a:solidFill>
                             <a:schemeClr val="tx1"/>
                           </a:solidFill>
@@ -16951,7 +17738,7 @@
                         <a:t>- </a:t>
                       </a:r>
                       <a:r>
-                        <a:rPr lang="ko-KR" altLang="en-US" sz="1050" b="0">
+                        <a:rPr lang="ko-KR" altLang="en-US" sz="900" b="0" dirty="0">
                           <a:solidFill>
                             <a:schemeClr val="tx1"/>
                           </a:solidFill>
@@ -16961,7 +17748,7 @@
                         <a:t>첫 </a:t>
                       </a:r>
                       <a:r>
-                        <a:rPr lang="en-US" altLang="ko-KR" sz="1050" b="0">
+                        <a:rPr lang="en-US" altLang="ko-KR" sz="900" b="0" dirty="0">
                           <a:solidFill>
                             <a:schemeClr val="tx1"/>
                           </a:solidFill>
@@ -16971,7 +17758,7 @@
                         <a:t>URI</a:t>
                       </a:r>
                       <a:r>
-                        <a:rPr lang="ko-KR" altLang="en-US" sz="1050" b="0">
+                        <a:rPr lang="ko-KR" altLang="en-US" sz="900" b="0" dirty="0">
                           <a:solidFill>
                             <a:schemeClr val="tx1"/>
                           </a:solidFill>
@@ -16981,226 +17768,77 @@
                         <a:t>에 </a:t>
                       </a:r>
                       <a:r>
-                        <a:rPr lang="en-US" altLang="ko-KR" sz="1050" b="0">
+                        <a:rPr lang="en-US" altLang="ko-KR" sz="900" b="0" dirty="0">
                           <a:solidFill>
                             <a:schemeClr val="tx1"/>
                           </a:solidFill>
                           <a:latin typeface="+mn-ea"/>
                           <a:ea typeface="+mn-ea"/>
                         </a:rPr>
-                        <a:t>lr </a:t>
+                        <a:t>“</a:t>
                       </a:r>
                       <a:r>
-                        <a:rPr lang="ko-KR" altLang="en-US" sz="1050" b="0">
+                        <a:rPr lang="en-US" altLang="ko-KR" sz="900" b="1" dirty="0" err="1">
                           <a:solidFill>
                             <a:schemeClr val="tx1"/>
                           </a:solidFill>
                           <a:latin typeface="+mn-ea"/>
                           <a:ea typeface="+mn-ea"/>
                         </a:rPr>
-                        <a:t>매개변수가 포함되어 있다면</a:t>
+                        <a:t>lr</a:t>
                       </a:r>
                       <a:r>
-                        <a:rPr lang="en-US" altLang="ko-KR" sz="1050" b="0">
+                        <a:rPr lang="en-US" altLang="ko-KR" sz="900" b="0" dirty="0">
                           <a:solidFill>
                             <a:schemeClr val="tx1"/>
                           </a:solidFill>
                           <a:latin typeface="+mn-ea"/>
                           <a:ea typeface="+mn-ea"/>
                         </a:rPr>
-                        <a:t>, remote target URI</a:t>
+                        <a:t>” </a:t>
                       </a:r>
                       <a:r>
-                        <a:rPr lang="ko-KR" altLang="en-US" sz="1050" b="0">
+                        <a:rPr lang="ko-KR" altLang="en-US" sz="900" b="0" dirty="0">
                           <a:solidFill>
                             <a:schemeClr val="tx1"/>
                           </a:solidFill>
                           <a:latin typeface="+mn-ea"/>
                           <a:ea typeface="+mn-ea"/>
                         </a:rPr>
-                        <a:t>로 설정 후 나머지 </a:t>
+                        <a:t>매개변수가 포함하는 경우</a:t>
                       </a:r>
                       <a:r>
-                        <a:rPr lang="en-US" altLang="ko-KR" sz="1050" b="0">
+                        <a:rPr lang="en-US" altLang="ko-KR" sz="900" b="0" dirty="0">
                           <a:solidFill>
                             <a:schemeClr val="tx1"/>
                           </a:solidFill>
                           <a:latin typeface="+mn-ea"/>
                           <a:ea typeface="+mn-ea"/>
                         </a:rPr>
-                        <a:t>route set </a:t>
+                        <a:t>:  </a:t>
                       </a:r>
                       <a:r>
-                        <a:rPr lang="ko-KR" altLang="en-US" sz="1050" b="0">
+                        <a:rPr lang="en-US" altLang="ko-KR" sz="900" b="1" dirty="0">
+                          <a:solidFill>
+                            <a:srgbClr val="0000FF"/>
+                          </a:solidFill>
+                          <a:latin typeface="+mn-ea"/>
+                          <a:ea typeface="+mn-ea"/>
+                        </a:rPr>
+                        <a:t>remote target URI</a:t>
+                      </a:r>
+                      <a:r>
+                        <a:rPr lang="ko-KR" altLang="en-US" sz="900" b="0" dirty="0">
                           <a:solidFill>
                             <a:schemeClr val="tx1"/>
                           </a:solidFill>
                           <a:latin typeface="+mn-ea"/>
                           <a:ea typeface="+mn-ea"/>
                         </a:rPr>
-                        <a:t>을 순서대로 설정 </a:t>
+                        <a:t>로 설정</a:t>
                       </a:r>
                       <a:r>
-                        <a:rPr lang="en-US" altLang="ko-KR" sz="1050" b="0">
-                          <a:solidFill>
-                            <a:schemeClr val="tx1"/>
-                          </a:solidFill>
-                          <a:latin typeface="+mn-ea"/>
-                          <a:ea typeface="+mn-ea"/>
-                        </a:rPr>
-                        <a:t>(</a:t>
-                      </a:r>
-                      <a:r>
-                        <a:rPr lang="ko-KR" altLang="en-US" sz="1050" b="0">
-                          <a:solidFill>
-                            <a:schemeClr val="tx1"/>
-                          </a:solidFill>
-                          <a:latin typeface="+mn-ea"/>
-                          <a:ea typeface="+mn-ea"/>
-                        </a:rPr>
-                        <a:t>매개변수 포함</a:t>
-                      </a:r>
-                      <a:r>
-                        <a:rPr lang="en-US" altLang="ko-KR" sz="1050" b="0">
-                          <a:solidFill>
-                            <a:schemeClr val="tx1"/>
-                          </a:solidFill>
-                          <a:latin typeface="+mn-ea"/>
-                          <a:ea typeface="+mn-ea"/>
-                        </a:rPr>
-                        <a:t>). </a:t>
-                      </a:r>
-                      <a:r>
-                        <a:rPr lang="ko-KR" altLang="en-US" sz="1050" b="0">
-                          <a:solidFill>
-                            <a:schemeClr val="tx1"/>
-                          </a:solidFill>
-                          <a:latin typeface="+mn-ea"/>
-                          <a:ea typeface="+mn-ea"/>
-                        </a:rPr>
-                        <a:t>그 뒤 </a:t>
-                      </a:r>
-                      <a:r>
-                        <a:rPr lang="en-US" altLang="ko-KR" sz="1050" b="0">
-                          <a:solidFill>
-                            <a:schemeClr val="tx1"/>
-                          </a:solidFill>
-                          <a:latin typeface="+mn-ea"/>
-                          <a:ea typeface="+mn-ea"/>
-                        </a:rPr>
-                        <a:t>remote target URI </a:t>
-                      </a:r>
-                      <a:r>
-                        <a:rPr lang="ko-KR" altLang="en-US" sz="1050" b="0">
-                          <a:solidFill>
-                            <a:schemeClr val="tx1"/>
-                          </a:solidFill>
-                          <a:latin typeface="+mn-ea"/>
-                          <a:ea typeface="+mn-ea"/>
-                        </a:rPr>
-                        <a:t>를 </a:t>
-                      </a:r>
-                      <a:r>
-                        <a:rPr lang="en-US" altLang="ko-KR" sz="1050" b="0">
-                          <a:solidFill>
-                            <a:schemeClr val="tx1"/>
-                          </a:solidFill>
-                          <a:latin typeface="+mn-ea"/>
-                          <a:ea typeface="+mn-ea"/>
-                        </a:rPr>
-                        <a:t>Route </a:t>
-                      </a:r>
-                      <a:r>
-                        <a:rPr lang="ko-KR" altLang="en-US" sz="1050" b="0">
-                          <a:solidFill>
-                            <a:schemeClr val="tx1"/>
-                          </a:solidFill>
-                          <a:latin typeface="+mn-ea"/>
-                          <a:ea typeface="+mn-ea"/>
-                        </a:rPr>
-                        <a:t>헤더 마지막 값으로 배치</a:t>
-                      </a:r>
-                      <a:r>
-                        <a:rPr lang="en-US" altLang="ko-KR" sz="1050" b="0">
-                          <a:solidFill>
-                            <a:schemeClr val="tx1"/>
-                          </a:solidFill>
-                          <a:latin typeface="+mn-ea"/>
-                          <a:ea typeface="+mn-ea"/>
-                        </a:rPr>
-                        <a:t>.</a:t>
-                      </a:r>
-                      <a:br>
-                        <a:rPr lang="en-US" altLang="ko-KR" sz="1050" b="0">
-                          <a:solidFill>
-                            <a:schemeClr val="tx1"/>
-                          </a:solidFill>
-                          <a:latin typeface="+mn-ea"/>
-                          <a:ea typeface="+mn-ea"/>
-                        </a:rPr>
-                      </a:br>
-                      <a:r>
-                        <a:rPr lang="en-US" altLang="ko-KR" sz="1050" b="0">
-                          <a:solidFill>
-                            <a:schemeClr val="tx1"/>
-                          </a:solidFill>
-                          <a:latin typeface="+mn-ea"/>
-                          <a:ea typeface="+mn-ea"/>
-                        </a:rPr>
-                        <a:t>- </a:t>
-                      </a:r>
-                      <a:r>
-                        <a:rPr lang="ko-KR" altLang="en-US" sz="1050" b="0">
-                          <a:solidFill>
-                            <a:schemeClr val="tx1"/>
-                          </a:solidFill>
-                          <a:latin typeface="+mn-ea"/>
-                          <a:ea typeface="+mn-ea"/>
-                        </a:rPr>
-                        <a:t>첫 </a:t>
-                      </a:r>
-                      <a:r>
-                        <a:rPr lang="en-US" altLang="ko-KR" sz="1050" b="0">
-                          <a:solidFill>
-                            <a:schemeClr val="tx1"/>
-                          </a:solidFill>
-                          <a:latin typeface="+mn-ea"/>
-                          <a:ea typeface="+mn-ea"/>
-                        </a:rPr>
-                        <a:t>URI</a:t>
-                      </a:r>
-                      <a:r>
-                        <a:rPr lang="ko-KR" altLang="en-US" sz="1050" b="0">
-                          <a:solidFill>
-                            <a:schemeClr val="tx1"/>
-                          </a:solidFill>
-                          <a:latin typeface="+mn-ea"/>
-                          <a:ea typeface="+mn-ea"/>
-                        </a:rPr>
-                        <a:t>에 </a:t>
-                      </a:r>
-                      <a:r>
-                        <a:rPr lang="en-US" altLang="ko-KR" sz="1050" b="0">
-                          <a:solidFill>
-                            <a:schemeClr val="tx1"/>
-                          </a:solidFill>
-                          <a:latin typeface="+mn-ea"/>
-                          <a:ea typeface="+mn-ea"/>
-                        </a:rPr>
-                        <a:t>lr </a:t>
-                      </a:r>
-                      <a:r>
-                        <a:rPr lang="ko-KR" altLang="en-US" sz="1050" b="0">
-                          <a:solidFill>
-                            <a:schemeClr val="tx1"/>
-                          </a:solidFill>
-                          <a:latin typeface="+mn-ea"/>
-                          <a:ea typeface="+mn-ea"/>
-                        </a:rPr>
-                        <a:t>매개변수가 없는 경우</a:t>
-                      </a:r>
-                      <a:r>
-                        <a:rPr lang="en-US" altLang="ko-KR" sz="1050" b="0">
+                        <a:rPr lang="en-US" altLang="ko-KR" sz="900" b="0" dirty="0">
                           <a:solidFill>
                             <a:schemeClr val="tx1"/>
                           </a:solidFill>
@@ -17209,16 +17847,27 @@
                         </a:rPr>
                         <a:t>, </a:t>
                       </a:r>
-                    </a:p>
-                    <a:p>
-                      <a:pPr marL="0" indent="0" algn="l" latinLnBrk="1">
-                        <a:lnSpc>
-                          <a:spcPct val="150000"/>
-                        </a:lnSpc>
-                        <a:buFont typeface="Arial" panose="020B0604020202020204" pitchFamily="34" charset="0"/>
-                        <a:buNone/>
-                      </a:pPr>
-                      <a:endParaRPr lang="en-US" altLang="ko-KR" sz="1050" b="0">
+                      <a:r>
+                        <a:rPr lang="en-US" altLang="ko-KR" sz="900" b="1" dirty="0">
+                          <a:solidFill>
+                            <a:srgbClr val="00B050"/>
+                          </a:solidFill>
+                          <a:latin typeface="+mn-ea"/>
+                          <a:ea typeface="+mn-ea"/>
+                        </a:rPr>
+                        <a:t>route set </a:t>
+                      </a:r>
+                      <a:r>
+                        <a:rPr lang="ko-KR" altLang="en-US" sz="900" b="1" dirty="0">
+                          <a:solidFill>
+                            <a:srgbClr val="00B050"/>
+                          </a:solidFill>
+                          <a:latin typeface="+mn-ea"/>
+                          <a:ea typeface="+mn-ea"/>
+                        </a:rPr>
+                        <a:t>으로 순서대로 설정</a:t>
+                      </a:r>
+                      <a:endParaRPr lang="en-US" altLang="ko-KR" sz="900" b="0" dirty="0">
                         <a:solidFill>
                           <a:schemeClr val="tx1"/>
                         </a:solidFill>
@@ -17234,39 +17883,296 @@
                         <a:buFont typeface="Arial" panose="020B0604020202020204" pitchFamily="34" charset="0"/>
                         <a:buNone/>
                       </a:pPr>
-                      <a:endParaRPr lang="en-US" altLang="ko-KR" sz="1050" b="0">
-                        <a:solidFill>
-                          <a:schemeClr val="tx1"/>
-                        </a:solidFill>
-                        <a:latin typeface="+mn-ea"/>
-                        <a:ea typeface="+mn-ea"/>
-                      </a:endParaRPr>
-                    </a:p>
-                    <a:p>
-                      <a:pPr marL="0" indent="0" algn="l" latinLnBrk="1">
-                        <a:lnSpc>
-                          <a:spcPct val="150000"/>
-                        </a:lnSpc>
-                        <a:buFont typeface="Arial" panose="020B0604020202020204" pitchFamily="34" charset="0"/>
-                        <a:buNone/>
-                      </a:pPr>
-                      <a:endParaRPr lang="en-US" altLang="ko-KR" sz="1050" b="0">
-                        <a:solidFill>
-                          <a:schemeClr val="tx1"/>
-                        </a:solidFill>
-                        <a:latin typeface="+mn-ea"/>
-                        <a:ea typeface="+mn-ea"/>
-                      </a:endParaRPr>
-                    </a:p>
-                    <a:p>
-                      <a:pPr marL="0" indent="0" algn="l" latinLnBrk="1">
-                        <a:lnSpc>
-                          <a:spcPct val="150000"/>
-                        </a:lnSpc>
-                        <a:buFont typeface="Arial" panose="020B0604020202020204" pitchFamily="34" charset="0"/>
-                        <a:buNone/>
-                      </a:pPr>
-                      <a:endParaRPr lang="ko-KR" altLang="en-US" sz="1050" b="0">
+                      <a:r>
+                        <a:rPr lang="en-US" altLang="ko-KR" sz="900" b="0" dirty="0">
+                          <a:solidFill>
+                            <a:schemeClr val="tx1"/>
+                          </a:solidFill>
+                          <a:latin typeface="+mn-ea"/>
+                          <a:ea typeface="+mn-ea"/>
+                        </a:rPr>
+                        <a:t>           - </a:t>
+                      </a:r>
+                      <a:r>
+                        <a:rPr lang="ko-KR" altLang="en-US" sz="900" b="0" dirty="0">
+                          <a:solidFill>
+                            <a:schemeClr val="tx1"/>
+                          </a:solidFill>
+                          <a:latin typeface="+mn-ea"/>
+                          <a:ea typeface="+mn-ea"/>
+                        </a:rPr>
+                        <a:t>첫 </a:t>
+                      </a:r>
+                      <a:r>
+                        <a:rPr lang="en-US" altLang="ko-KR" sz="900" b="0" dirty="0">
+                          <a:solidFill>
+                            <a:schemeClr val="tx1"/>
+                          </a:solidFill>
+                          <a:latin typeface="+mn-ea"/>
+                          <a:ea typeface="+mn-ea"/>
+                        </a:rPr>
+                        <a:t>URI</a:t>
+                      </a:r>
+                      <a:r>
+                        <a:rPr lang="ko-KR" altLang="en-US" sz="900" b="0" dirty="0">
+                          <a:solidFill>
+                            <a:schemeClr val="tx1"/>
+                          </a:solidFill>
+                          <a:latin typeface="+mn-ea"/>
+                          <a:ea typeface="+mn-ea"/>
+                        </a:rPr>
+                        <a:t>에 </a:t>
+                      </a:r>
+                      <a:r>
+                        <a:rPr lang="en-US" altLang="ko-KR" sz="900" b="0" dirty="0">
+                          <a:solidFill>
+                            <a:schemeClr val="tx1"/>
+                          </a:solidFill>
+                          <a:latin typeface="+mn-ea"/>
+                          <a:ea typeface="+mn-ea"/>
+                        </a:rPr>
+                        <a:t>“</a:t>
+                      </a:r>
+                      <a:r>
+                        <a:rPr lang="en-US" altLang="ko-KR" sz="900" b="1" dirty="0" err="1">
+                          <a:solidFill>
+                            <a:schemeClr val="tx1"/>
+                          </a:solidFill>
+                          <a:latin typeface="+mn-ea"/>
+                          <a:ea typeface="+mn-ea"/>
+                        </a:rPr>
+                        <a:t>lr</a:t>
+                      </a:r>
+                      <a:r>
+                        <a:rPr lang="en-US" altLang="ko-KR" sz="900" b="1" dirty="0">
+                          <a:solidFill>
+                            <a:schemeClr val="tx1"/>
+                          </a:solidFill>
+                          <a:latin typeface="+mn-ea"/>
+                          <a:ea typeface="+mn-ea"/>
+                        </a:rPr>
+                        <a:t>”</a:t>
+                      </a:r>
+                      <a:r>
+                        <a:rPr lang="en-US" altLang="ko-KR" sz="900" b="0" dirty="0">
+                          <a:solidFill>
+                            <a:schemeClr val="tx1"/>
+                          </a:solidFill>
+                          <a:latin typeface="+mn-ea"/>
+                          <a:ea typeface="+mn-ea"/>
+                        </a:rPr>
+                        <a:t> </a:t>
+                      </a:r>
+                      <a:r>
+                        <a:rPr lang="ko-KR" altLang="en-US" sz="900" b="0" dirty="0">
+                          <a:solidFill>
+                            <a:schemeClr val="tx1"/>
+                          </a:solidFill>
+                          <a:latin typeface="+mn-ea"/>
+                          <a:ea typeface="+mn-ea"/>
+                        </a:rPr>
+                        <a:t>매개변수가 없는 경우</a:t>
+                      </a:r>
+                      <a:r>
+                        <a:rPr lang="en-US" altLang="ko-KR" sz="900" b="0" dirty="0">
+                          <a:solidFill>
+                            <a:schemeClr val="tx1"/>
+                          </a:solidFill>
+                          <a:latin typeface="+mn-ea"/>
+                          <a:ea typeface="+mn-ea"/>
+                        </a:rPr>
+                        <a:t> : </a:t>
+                      </a:r>
+                      <a:r>
+                        <a:rPr lang="ko-KR" altLang="en-US" sz="900" b="1" dirty="0">
+                          <a:solidFill>
+                            <a:srgbClr val="0000FF"/>
+                          </a:solidFill>
+                          <a:latin typeface="+mn-ea"/>
+                          <a:ea typeface="+mn-ea"/>
+                        </a:rPr>
+                        <a:t>첫 번째 </a:t>
+                      </a:r>
+                      <a:r>
+                        <a:rPr lang="en-US" altLang="ko-KR" sz="900" b="1" dirty="0">
+                          <a:solidFill>
+                            <a:srgbClr val="0000FF"/>
+                          </a:solidFill>
+                          <a:latin typeface="+mn-ea"/>
+                          <a:ea typeface="+mn-ea"/>
+                        </a:rPr>
+                        <a:t>Route </a:t>
+                      </a:r>
+                      <a:r>
+                        <a:rPr lang="ko-KR" altLang="en-US" sz="900" b="1" dirty="0">
+                          <a:solidFill>
+                            <a:srgbClr val="0000FF"/>
+                          </a:solidFill>
+                          <a:latin typeface="+mn-ea"/>
+                          <a:ea typeface="+mn-ea"/>
+                        </a:rPr>
+                        <a:t>헤더 값</a:t>
+                      </a:r>
+                      <a:r>
+                        <a:rPr lang="ko-KR" altLang="en-US" sz="900" b="0" dirty="0">
+                          <a:solidFill>
+                            <a:schemeClr val="tx1"/>
+                          </a:solidFill>
+                          <a:latin typeface="+mn-ea"/>
+                          <a:ea typeface="+mn-ea"/>
+                        </a:rPr>
+                        <a:t>으로 설정 </a:t>
+                      </a:r>
+                      <a:r>
+                        <a:rPr lang="en-US" altLang="ko-KR" sz="900" b="0" dirty="0">
+                          <a:solidFill>
+                            <a:schemeClr val="tx1"/>
+                          </a:solidFill>
+                          <a:latin typeface="+mn-ea"/>
+                          <a:ea typeface="+mn-ea"/>
+                        </a:rPr>
+                        <a:t>(</a:t>
+                      </a:r>
+                      <a:r>
+                        <a:rPr lang="ko-KR" altLang="en-US" sz="900" b="0" dirty="0">
+                          <a:solidFill>
+                            <a:schemeClr val="tx1"/>
+                          </a:solidFill>
+                          <a:latin typeface="+mn-ea"/>
+                          <a:ea typeface="+mn-ea"/>
+                        </a:rPr>
+                        <a:t>매개변수 포함 </a:t>
+                      </a:r>
+                      <a:r>
+                        <a:rPr lang="en-US" altLang="ko-KR" sz="900" b="0" dirty="0">
+                          <a:solidFill>
+                            <a:schemeClr val="tx1"/>
+                          </a:solidFill>
+                          <a:latin typeface="+mn-ea"/>
+                          <a:ea typeface="+mn-ea"/>
+                        </a:rPr>
+                        <a:t>x),</a:t>
+                      </a:r>
+                      <a:r>
+                        <a:rPr lang="ko-KR" altLang="en-US" sz="900" b="0" dirty="0">
+                          <a:solidFill>
+                            <a:schemeClr val="tx1"/>
+                          </a:solidFill>
+                          <a:latin typeface="+mn-ea"/>
+                          <a:ea typeface="+mn-ea"/>
+                        </a:rPr>
+                        <a:t> </a:t>
+                      </a:r>
+                      <a:br>
+                        <a:rPr lang="en-US" altLang="ko-KR" sz="900" b="0" dirty="0">
+                          <a:solidFill>
+                            <a:schemeClr val="tx1"/>
+                          </a:solidFill>
+                          <a:latin typeface="+mn-ea"/>
+                          <a:ea typeface="+mn-ea"/>
+                        </a:rPr>
+                      </a:br>
+                      <a:r>
+                        <a:rPr lang="en-US" altLang="ko-KR" sz="900" b="0" dirty="0">
+                          <a:solidFill>
+                            <a:schemeClr val="tx1"/>
+                          </a:solidFill>
+                          <a:latin typeface="+mn-ea"/>
+                          <a:ea typeface="+mn-ea"/>
+                        </a:rPr>
+                        <a:t>                                      </a:t>
+                      </a:r>
+                      <a:r>
+                        <a:rPr lang="ko-KR" altLang="en-US" sz="900" b="1" dirty="0">
+                          <a:solidFill>
+                            <a:srgbClr val="00B050"/>
+                          </a:solidFill>
+                          <a:latin typeface="+mn-ea"/>
+                          <a:ea typeface="+mn-ea"/>
+                        </a:rPr>
+                        <a:t>나머지 </a:t>
+                      </a:r>
+                      <a:r>
+                        <a:rPr lang="en-US" altLang="ko-KR" sz="900" b="1" dirty="0">
+                          <a:solidFill>
+                            <a:srgbClr val="00B050"/>
+                          </a:solidFill>
+                          <a:latin typeface="+mn-ea"/>
+                          <a:ea typeface="+mn-ea"/>
+                        </a:rPr>
+                        <a:t>route set </a:t>
+                      </a:r>
+                      <a:r>
+                        <a:rPr lang="ko-KR" altLang="en-US" sz="900" b="1" dirty="0">
+                          <a:solidFill>
+                            <a:srgbClr val="00B050"/>
+                          </a:solidFill>
+                          <a:latin typeface="+mn-ea"/>
+                          <a:ea typeface="+mn-ea"/>
+                        </a:rPr>
+                        <a:t>으로 순서대로 설정 </a:t>
+                      </a:r>
+                      <a:r>
+                        <a:rPr lang="ko-KR" altLang="en-US" sz="900" b="0" dirty="0">
+                          <a:solidFill>
+                            <a:schemeClr val="tx1"/>
+                          </a:solidFill>
+                          <a:latin typeface="+mn-ea"/>
+                          <a:ea typeface="+mn-ea"/>
+                        </a:rPr>
+                        <a:t>그 뒤 </a:t>
+                      </a:r>
+                      <a:r>
+                        <a:rPr lang="en-US" altLang="ko-KR" sz="900" b="1" dirty="0">
+                          <a:solidFill>
+                            <a:schemeClr val="tx1"/>
+                          </a:solidFill>
+                          <a:latin typeface="+mn-ea"/>
+                          <a:ea typeface="+mn-ea"/>
+                        </a:rPr>
+                        <a:t>remote target URI </a:t>
+                      </a:r>
+                      <a:r>
+                        <a:rPr lang="ko-KR" altLang="en-US" sz="900" b="0" dirty="0">
+                          <a:solidFill>
+                            <a:schemeClr val="tx1"/>
+                          </a:solidFill>
+                          <a:latin typeface="+mn-ea"/>
+                          <a:ea typeface="+mn-ea"/>
+                        </a:rPr>
+                        <a:t>를</a:t>
+                      </a:r>
+                      <a:r>
+                        <a:rPr lang="ko-KR" altLang="en-US" sz="900" b="1" dirty="0">
+                          <a:solidFill>
+                            <a:schemeClr val="tx1"/>
+                          </a:solidFill>
+                          <a:latin typeface="+mn-ea"/>
+                          <a:ea typeface="+mn-ea"/>
+                        </a:rPr>
+                        <a:t> </a:t>
+                      </a:r>
+                      <a:r>
+                        <a:rPr lang="en-US" altLang="ko-KR" sz="900" b="1" dirty="0">
+                          <a:solidFill>
+                            <a:srgbClr val="00B050"/>
+                          </a:solidFill>
+                          <a:latin typeface="+mn-ea"/>
+                          <a:ea typeface="+mn-ea"/>
+                        </a:rPr>
+                        <a:t>Route </a:t>
+                      </a:r>
+                      <a:r>
+                        <a:rPr lang="ko-KR" altLang="en-US" sz="900" b="1" dirty="0">
+                          <a:solidFill>
+                            <a:srgbClr val="00B050"/>
+                          </a:solidFill>
+                          <a:latin typeface="+mn-ea"/>
+                          <a:ea typeface="+mn-ea"/>
+                        </a:rPr>
+                        <a:t>헤더 마지막 값 추가</a:t>
+                      </a:r>
+                      <a:endParaRPr lang="en-US" altLang="ko-KR" sz="900" b="0" dirty="0">
                         <a:solidFill>
                           <a:schemeClr val="tx1"/>
                         </a:solidFill>
@@ -17331,262 +18237,18 @@
                     <a:p>
                       <a:pPr algn="ctr" latinLnBrk="1"/>
                       <a:r>
-                        <a:rPr lang="en-US" altLang="ko-KR" sz="1200" b="1">
-                          <a:latin typeface="Roboto" panose="02000000000000000000" pitchFamily="2" charset="0"/>
-                          <a:ea typeface="Roboto" panose="02000000000000000000" pitchFamily="2" charset="0"/>
-                        </a:rPr>
-                        <a:t>Route</a:t>
-                      </a:r>
-                      <a:endParaRPr lang="ko-KR" altLang="en-US" sz="1200" b="1">
-                        <a:latin typeface="Roboto" panose="02000000000000000000" pitchFamily="2" charset="0"/>
-                      </a:endParaRPr>
-                    </a:p>
-                  </a:txBody>
-                  <a:tcPr anchor="ctr">
-                    <a:lnL w="12700" cap="flat" cmpd="sng" algn="ctr">
-                      <a:solidFill>
-                        <a:schemeClr val="tx1"/>
-                      </a:solidFill>
-                      <a:prstDash val="solid"/>
-                      <a:round/>
-                      <a:headEnd type="none" w="med" len="med"/>
-                      <a:tailEnd type="none" w="med" len="med"/>
-                    </a:lnL>
-                    <a:lnR w="12700" cap="flat" cmpd="sng" algn="ctr">
-                      <a:solidFill>
-                        <a:schemeClr val="tx1"/>
-                      </a:solidFill>
-                      <a:prstDash val="solid"/>
-                      <a:round/>
-                      <a:headEnd type="none" w="med" len="med"/>
-                      <a:tailEnd type="none" w="med" len="med"/>
-                    </a:lnR>
-                    <a:lnT w="12700" cap="flat" cmpd="sng" algn="ctr">
-                      <a:solidFill>
-                        <a:schemeClr val="tx1"/>
-                      </a:solidFill>
-                      <a:prstDash val="solid"/>
-                      <a:round/>
-                      <a:headEnd type="none" w="med" len="med"/>
-                      <a:tailEnd type="none" w="med" len="med"/>
-                    </a:lnT>
-                    <a:lnB w="12700" cap="flat" cmpd="sng" algn="ctr">
-                      <a:solidFill>
-                        <a:schemeClr val="tx1"/>
-                      </a:solidFill>
-                      <a:prstDash val="solid"/>
-                      <a:round/>
-                      <a:headEnd type="none" w="med" len="med"/>
-                      <a:tailEnd type="none" w="med" len="med"/>
-                    </a:lnB>
-                    <a:solidFill>
-                      <a:schemeClr val="accent2">
-                        <a:lumMod val="20000"/>
-                        <a:lumOff val="80000"/>
-                      </a:schemeClr>
-                    </a:solidFill>
-                  </a:tcPr>
-                </a:tc>
-                <a:tc>
-                  <a:txBody>
-                    <a:bodyPr/>
-                    <a:lstStyle/>
-                    <a:p>
-                      <a:pPr marL="0" marR="0" lvl="0" indent="0" algn="l" defTabSz="914400" rtl="0" eaLnBrk="1" fontAlgn="auto" latinLnBrk="1" hangingPunct="1">
-                        <a:lnSpc>
-                          <a:spcPct val="100000"/>
-                        </a:lnSpc>
-                        <a:spcBef>
-                          <a:spcPts val="0"/>
-                        </a:spcBef>
-                        <a:spcAft>
-                          <a:spcPts val="0"/>
-                        </a:spcAft>
-                        <a:buClrTx/>
-                        <a:buSzTx/>
-                        <a:buFontTx/>
-                        <a:buNone/>
-                        <a:tabLst/>
-                        <a:defRPr/>
-                      </a:pPr>
-                      <a:r>
-                        <a:rPr lang="ko-KR" altLang="en-US" sz="1100">
-                          <a:latin typeface="+mn-ea"/>
-                        </a:rPr>
-                        <a:t>만약 </a:t>
-                      </a:r>
-                      <a:r>
-                        <a:rPr lang="ko-KR" altLang="en-US" sz="1100" b="1">
-                          <a:latin typeface="+mn-ea"/>
-                        </a:rPr>
-                        <a:t>요청</a:t>
-                      </a:r>
-                      <a:r>
-                        <a:rPr lang="ko-KR" altLang="en-US" sz="1100">
-                          <a:latin typeface="+mn-ea"/>
-                        </a:rPr>
-                        <a:t>이 </a:t>
-                      </a:r>
-                      <a:r>
-                        <a:rPr lang="en-US" altLang="ko-KR" sz="1100" b="1">
-                          <a:solidFill>
-                            <a:srgbClr val="0000FF"/>
-                          </a:solidFill>
-                          <a:latin typeface="+mn-ea"/>
-                        </a:rPr>
-                        <a:t>TLS</a:t>
-                      </a:r>
-                      <a:r>
-                        <a:rPr lang="ko-KR" altLang="en-US" sz="1100">
-                          <a:latin typeface="+mn-ea"/>
-                        </a:rPr>
-                        <a:t>를 통해 전송되고</a:t>
-                      </a:r>
-                      <a:r>
-                        <a:rPr lang="en-US" altLang="ko-KR" sz="1100">
-                          <a:latin typeface="+mn-ea"/>
-                        </a:rPr>
-                        <a:t>, </a:t>
-                      </a:r>
-                      <a:r>
-                        <a:rPr lang="en-US" altLang="ko-KR" sz="1100" b="1">
-                          <a:latin typeface="+mn-ea"/>
-                        </a:rPr>
-                        <a:t>Request-URI</a:t>
-                      </a:r>
-                      <a:r>
-                        <a:rPr lang="en-US" altLang="ko-KR" sz="1100">
-                          <a:latin typeface="+mn-ea"/>
-                        </a:rPr>
-                        <a:t> </a:t>
-                      </a:r>
-                      <a:r>
-                        <a:rPr lang="ko-KR" altLang="en-US" sz="1100">
-                          <a:latin typeface="+mn-ea"/>
-                        </a:rPr>
-                        <a:t>에 </a:t>
-                      </a:r>
-                      <a:r>
-                        <a:rPr lang="en-US" altLang="ko-KR" sz="1100" b="1">
-                          <a:latin typeface="+mn-ea"/>
-                        </a:rPr>
-                        <a:t>SIP</a:t>
-                      </a:r>
-                      <a:r>
-                        <a:rPr lang="en-US" altLang="ko-KR" sz="1100" b="1">
-                          <a:solidFill>
-                            <a:srgbClr val="0000FF"/>
-                          </a:solidFill>
-                          <a:latin typeface="+mn-ea"/>
-                        </a:rPr>
-                        <a:t>S</a:t>
-                      </a:r>
-                      <a:r>
-                        <a:rPr lang="en-US" altLang="ko-KR" sz="1100">
-                          <a:latin typeface="+mn-ea"/>
-                        </a:rPr>
-                        <a:t> URI</a:t>
-                      </a:r>
-                      <a:r>
-                        <a:rPr lang="ko-KR" altLang="en-US" sz="1100">
-                          <a:latin typeface="+mn-ea"/>
-                        </a:rPr>
-                        <a:t> 가 포함된 경우 </a:t>
-                      </a:r>
-                      <a:r>
-                        <a:rPr lang="en-US" altLang="ko-KR" sz="1100" b="1">
-                          <a:solidFill>
-                            <a:srgbClr val="0000FF"/>
-                          </a:solidFill>
-                          <a:latin typeface="+mn-ea"/>
-                        </a:rPr>
-                        <a:t>TRUE</a:t>
-                      </a:r>
-                      <a:r>
-                        <a:rPr lang="en-US" altLang="ko-KR" sz="1100">
-                          <a:latin typeface="+mn-ea"/>
-                        </a:rPr>
-                        <a:t> </a:t>
-                      </a:r>
-                      <a:r>
-                        <a:rPr lang="ko-KR" altLang="en-US" sz="1100">
-                          <a:latin typeface="+mn-ea"/>
-                        </a:rPr>
-                        <a:t>로 설정</a:t>
-                      </a:r>
-                      <a:endParaRPr lang="en-US" altLang="ko-KR" sz="1100">
-                        <a:latin typeface="+mn-ea"/>
-                      </a:endParaRPr>
-                    </a:p>
-                  </a:txBody>
-                  <a:tcPr anchor="ctr">
-                    <a:lnL w="12700" cap="flat" cmpd="sng" algn="ctr">
-                      <a:solidFill>
-                        <a:schemeClr val="tx1"/>
-                      </a:solidFill>
-                      <a:prstDash val="solid"/>
-                      <a:round/>
-                      <a:headEnd type="none" w="med" len="med"/>
-                      <a:tailEnd type="none" w="med" len="med"/>
-                    </a:lnL>
-                    <a:lnR w="12700" cap="flat" cmpd="sng" algn="ctr">
-                      <a:solidFill>
-                        <a:schemeClr val="tx1"/>
-                      </a:solidFill>
-                      <a:prstDash val="solid"/>
-                      <a:round/>
-                      <a:headEnd type="none" w="med" len="med"/>
-                      <a:tailEnd type="none" w="med" len="med"/>
-                    </a:lnR>
-                    <a:lnT w="12700" cap="flat" cmpd="sng" algn="ctr">
-                      <a:solidFill>
-                        <a:schemeClr val="tx1"/>
-                      </a:solidFill>
-                      <a:prstDash val="solid"/>
-                      <a:round/>
-                      <a:headEnd type="none" w="med" len="med"/>
-                      <a:tailEnd type="none" w="med" len="med"/>
-                    </a:lnT>
-                    <a:lnB w="12700" cap="flat" cmpd="sng" algn="ctr">
-                      <a:solidFill>
-                        <a:schemeClr val="tx1"/>
-                      </a:solidFill>
-                      <a:prstDash val="solid"/>
-                      <a:round/>
-                      <a:headEnd type="none" w="med" len="med"/>
-                      <a:tailEnd type="none" w="med" len="med"/>
-                    </a:lnB>
-                    <a:solidFill>
-                      <a:schemeClr val="bg1"/>
-                    </a:solidFill>
-                  </a:tcPr>
-                </a:tc>
-                <a:extLst>
-                  <a:ext uri="{0D108BD9-81ED-4DB2-BD59-A6C34878D82A}">
-                    <a16:rowId xmlns:a16="http://schemas.microsoft.com/office/drawing/2014/main" val="3132301684"/>
-                  </a:ext>
-                </a:extLst>
-              </a:tr>
-              <a:tr h="370840">
-                <a:tc>
-                  <a:txBody>
-                    <a:bodyPr/>
-                    <a:lstStyle/>
-                    <a:p>
-                      <a:pPr algn="ctr" latinLnBrk="1"/>
-                      <a:r>
-                        <a:rPr lang="en-US" altLang="ko-KR" sz="1200" b="1">
+                        <a:rPr lang="en-US" altLang="ko-KR" sz="1000" b="1" dirty="0">
                           <a:latin typeface="Roboto" panose="02000000000000000000" pitchFamily="2" charset="0"/>
                           <a:ea typeface="Roboto" panose="02000000000000000000" pitchFamily="2" charset="0"/>
                         </a:rPr>
                         <a:t>Contact</a:t>
                       </a:r>
-                      <a:endParaRPr lang="ko-KR" altLang="en-US" sz="1200" b="1">
+                      <a:endParaRPr lang="ko-KR" altLang="en-US" sz="1000" b="1" dirty="0">
                         <a:latin typeface="Roboto" panose="02000000000000000000" pitchFamily="2" charset="0"/>
                       </a:endParaRPr>
                     </a:p>
                   </a:txBody>
-                  <a:tcPr anchor="ctr">
+                  <a:tcPr>
                     <a:lnL w="12700" cap="flat" cmpd="sng" algn="ctr">
                       <a:solidFill>
                         <a:schemeClr val="tx1"/>
@@ -17644,72 +18306,54 @@
                         <a:buChar char="•"/>
                       </a:pPr>
                       <a:r>
-                        <a:rPr lang="ko-KR" altLang="en-US" sz="1100">
+                        <a:rPr lang="en-US" altLang="ko-KR" sz="1000" dirty="0">
                           <a:latin typeface="+mn-ea"/>
                         </a:rPr>
-                        <a:t>응답의 </a:t>
+                        <a:t>remote target URI </a:t>
                       </a:r>
                       <a:r>
-                        <a:rPr lang="en-US" altLang="ko-KR" sz="1100" b="1">
+                        <a:rPr lang="ko-KR" altLang="en-US" sz="1000" dirty="0">
                           <a:latin typeface="+mn-ea"/>
                         </a:rPr>
-                        <a:t>Record-Route</a:t>
+                        <a:t>를 변경하기 위한 </a:t>
                       </a:r>
                       <a:r>
-                        <a:rPr lang="en-US" altLang="ko-KR" sz="1100">
+                        <a:rPr lang="en-US" altLang="ko-KR" sz="1000" b="1" dirty="0">
+                          <a:latin typeface="+mn-ea"/>
+                        </a:rPr>
+                        <a:t>target</a:t>
+                      </a:r>
+                      <a:r>
+                        <a:rPr lang="ko-KR" altLang="en-US" sz="1000" b="1" dirty="0">
                           <a:latin typeface="+mn-ea"/>
                         </a:rPr>
                         <a:t> </a:t>
                       </a:r>
                       <a:r>
-                        <a:rPr lang="ko-KR" altLang="en-US" sz="1100">
+                        <a:rPr lang="en-US" altLang="ko-KR" sz="1000" b="1" dirty="0">
                           <a:latin typeface="+mn-ea"/>
                         </a:rPr>
-                        <a:t>헤더의 </a:t>
+                        <a:t>refresh</a:t>
                       </a:r>
                       <a:r>
-                        <a:rPr lang="en-US" altLang="ko-KR" sz="1100">
+                        <a:rPr lang="ko-KR" altLang="en-US" sz="1000" b="1" dirty="0">
                           <a:latin typeface="+mn-ea"/>
                         </a:rPr>
-                        <a:t>URI </a:t>
+                        <a:t> </a:t>
                       </a:r>
                       <a:r>
-                        <a:rPr lang="ko-KR" altLang="en-US" sz="1100">
+                        <a:rPr lang="en-US" altLang="ko-KR" sz="1000" b="1" dirty="0">
                           <a:latin typeface="+mn-ea"/>
                         </a:rPr>
-                        <a:t>목록 </a:t>
+                        <a:t>request </a:t>
                       </a:r>
                       <a:r>
-                        <a:rPr lang="ko-KR" altLang="en-US" sz="1100" b="1">
+                        <a:rPr lang="ko-KR" altLang="en-US" sz="1000" b="1" dirty="0">
                           <a:latin typeface="+mn-ea"/>
                         </a:rPr>
-                        <a:t>순서는 역순으로 설정</a:t>
+                        <a:t>메시지에 반드시 포함</a:t>
                       </a:r>
-                      <a:r>
-                        <a:rPr lang="en-US" altLang="ko-KR" sz="1100">
-                          <a:latin typeface="+mn-ea"/>
-                        </a:rPr>
-                        <a:t>,</a:t>
-                      </a:r>
-                      <a:r>
-                        <a:rPr lang="ko-KR" altLang="en-US" sz="1100">
-                          <a:latin typeface="+mn-ea"/>
-                        </a:rPr>
-                        <a:t> 각 </a:t>
-                      </a:r>
-                      <a:r>
-                        <a:rPr lang="en-US" altLang="ko-KR" sz="1100">
-                          <a:latin typeface="+mn-ea"/>
-                        </a:rPr>
-                        <a:t>URI</a:t>
-                      </a:r>
-                      <a:r>
-                        <a:rPr lang="ko-KR" altLang="en-US" sz="1100">
-                          <a:latin typeface="+mn-ea"/>
-                        </a:rPr>
-                        <a:t> 매개변수를 보존</a:t>
-                      </a:r>
-                      <a:endParaRPr lang="en-US" altLang="ko-KR" sz="1100">
+                      <a:endParaRPr lang="en-US" altLang="ko-KR" sz="1000" b="1" dirty="0">
                         <a:latin typeface="+mn-ea"/>
                       </a:endParaRPr>
                     </a:p>
@@ -17722,44 +18366,77 @@
                         <a:buChar char="•"/>
                       </a:pPr>
                       <a:r>
-                        <a:rPr lang="en-US" altLang="ko-KR" sz="1100">
+                        <a:rPr lang="ko-KR" altLang="en-US" sz="1000" b="0" dirty="0">
                           <a:latin typeface="+mn-ea"/>
                         </a:rPr>
-                        <a:t>Record-Route </a:t>
+                        <a:t>변경할 필요가 없는 경우</a:t>
                       </a:r>
                       <a:r>
-                        <a:rPr lang="ko-KR" altLang="en-US" sz="1100">
+                        <a:rPr lang="en-US" altLang="ko-KR" sz="1000" b="0" dirty="0">
                           <a:latin typeface="+mn-ea"/>
                         </a:rPr>
-                        <a:t>헤더가 없이 요청이 온다면 </a:t>
+                        <a:t>, </a:t>
                       </a:r>
                       <a:r>
-                        <a:rPr lang="en-US" altLang="ko-KR" sz="1100">
+                        <a:rPr lang="ko-KR" altLang="en-US" sz="1000" b="0" dirty="0">
                           <a:latin typeface="+mn-ea"/>
                         </a:rPr>
-                        <a:t>route set </a:t>
+                        <a:t>이전 요청과 동일한 값 사용</a:t>
+                      </a:r>
+                      <a:endParaRPr lang="en-US" altLang="ko-KR" sz="1000" b="0" dirty="0">
+                        <a:latin typeface="+mn-ea"/>
+                      </a:endParaRPr>
+                    </a:p>
+                    <a:p>
+                      <a:pPr marL="285750" indent="-285750">
+                        <a:lnSpc>
+                          <a:spcPct val="150000"/>
+                        </a:lnSpc>
+                        <a:buFont typeface="Arial" panose="020B0604020202020204" pitchFamily="34" charset="0"/>
+                        <a:buChar char="•"/>
+                      </a:pPr>
+                      <a:r>
+                        <a:rPr lang="en-US" altLang="ko-KR" sz="1000" dirty="0">
+                          <a:latin typeface="+mn-ea"/>
+                        </a:rPr>
+                        <a:t>“secure” flag</a:t>
                       </a:r>
                       <a:r>
-                        <a:rPr lang="ko-KR" altLang="en-US" sz="1100">
+                        <a:rPr lang="ko-KR" altLang="en-US" sz="1000" dirty="0">
                           <a:latin typeface="+mn-ea"/>
                         </a:rPr>
-                        <a:t>을 </a:t>
+                        <a:t> 가 </a:t>
                       </a:r>
                       <a:r>
-                        <a:rPr lang="ko-KR" altLang="en-US" sz="1100" b="1">
+                        <a:rPr lang="en-US" altLang="ko-KR" sz="1000" dirty="0">
                           <a:latin typeface="+mn-ea"/>
                         </a:rPr>
-                        <a:t>빈 집합</a:t>
+                        <a:t>TRUE</a:t>
                       </a:r>
                       <a:r>
-                        <a:rPr lang="ko-KR" altLang="en-US" sz="1100">
+                        <a:rPr lang="ko-KR" altLang="en-US" sz="1000" dirty="0">
                           <a:latin typeface="+mn-ea"/>
                         </a:rPr>
-                        <a:t>으로 설정</a:t>
+                        <a:t>이면 </a:t>
                       </a:r>
-                      <a:endParaRPr lang="en-US" altLang="ko-KR" sz="1100">
-                        <a:latin typeface="+mn-ea"/>
-                      </a:endParaRPr>
+                      <a:r>
+                        <a:rPr lang="en-US" altLang="ko-KR" sz="1000" dirty="0">
+                          <a:latin typeface="+mn-ea"/>
+                        </a:rPr>
+                        <a:t>SIPS URI </a:t>
+                      </a:r>
+                      <a:r>
+                        <a:rPr lang="ko-KR" altLang="en-US" sz="1000" dirty="0">
+                          <a:latin typeface="+mn-ea"/>
+                        </a:rPr>
+                        <a:t>를 사용</a:t>
+                      </a:r>
+                      <a:r>
+                        <a:rPr lang="en-US" altLang="ko-KR" sz="1000" dirty="0">
+                          <a:latin typeface="+mn-ea"/>
+                        </a:rPr>
+                        <a:t> </a:t>
+                      </a:r>
                     </a:p>
                   </a:txBody>
                   <a:tcPr anchor="ctr">
@@ -17814,6 +18491,253 @@
           </a:graphicData>
         </a:graphic>
       </p:graphicFrame>
+      <p:sp>
+        <p:nvSpPr>
+          <p:cNvPr id="6" name="TextBox 5">
+            <a:extLst>
+              <a:ext uri="{FF2B5EF4-FFF2-40B4-BE49-F238E27FC236}">
+                <a16:creationId xmlns:a16="http://schemas.microsoft.com/office/drawing/2014/main" id="{14A67C2E-F4E8-0471-AEDB-988E1A2D6D41}"/>
+              </a:ext>
+            </a:extLst>
+          </p:cNvPr>
+          <p:cNvSpPr txBox="1"/>
+          <p:nvPr/>
+        </p:nvSpPr>
+        <p:spPr>
+          <a:xfrm>
+            <a:off x="4638213" y="5663685"/>
+            <a:ext cx="4608954" cy="1015663"/>
+          </a:xfrm>
+          <a:prstGeom prst="rect">
+            <a:avLst/>
+          </a:prstGeom>
+          <a:solidFill>
+            <a:schemeClr val="bg1"/>
+          </a:solidFill>
+          <a:ln>
+            <a:solidFill>
+              <a:schemeClr val="tx1"/>
+            </a:solidFill>
+          </a:ln>
+        </p:spPr>
+        <p:txBody>
+          <a:bodyPr wrap="none" rtlCol="0">
+            <a:spAutoFit/>
+          </a:bodyPr>
+          <a:lstStyle/>
+          <a:p>
+            <a:r>
+              <a:rPr lang="en-US" altLang="ko-KR" sz="1000" b="1" dirty="0">
+                <a:latin typeface="+mn-ea"/>
+              </a:rPr>
+              <a:t>remote target </a:t>
+            </a:r>
+            <a:r>
+              <a:rPr lang="ko-KR" altLang="en-US" sz="1000" dirty="0">
+                <a:latin typeface="+mn-ea"/>
+              </a:rPr>
+              <a:t>이 </a:t>
+            </a:r>
+            <a:r>
+              <a:rPr lang="en-US" altLang="ko-KR" sz="1000" dirty="0">
+                <a:latin typeface="+mn-ea"/>
+              </a:rPr>
+              <a:t>“</a:t>
+            </a:r>
+            <a:r>
+              <a:rPr lang="en-US" altLang="ko-KR" sz="1000" dirty="0" err="1">
+                <a:latin typeface="+mn-ea"/>
+              </a:rPr>
+              <a:t>sip:user@remoteua</a:t>
+            </a:r>
+            <a:r>
+              <a:rPr lang="en-US" altLang="ko-KR" sz="1000" dirty="0">
+                <a:latin typeface="+mn-ea"/>
+              </a:rPr>
+              <a:t>” </a:t>
+            </a:r>
+            <a:r>
+              <a:rPr lang="ko-KR" altLang="en-US" sz="1000" dirty="0">
+                <a:latin typeface="+mn-ea"/>
+              </a:rPr>
+              <a:t>이고</a:t>
+            </a:r>
+            <a:endParaRPr lang="en-US" altLang="ko-KR" sz="1000" dirty="0">
+              <a:latin typeface="+mn-ea"/>
+            </a:endParaRPr>
+          </a:p>
+          <a:p>
+            <a:r>
+              <a:rPr lang="en-US" altLang="ko-KR" sz="1000" b="1" dirty="0">
+                <a:latin typeface="+mn-ea"/>
+              </a:rPr>
+              <a:t>route set </a:t>
+            </a:r>
+            <a:r>
+              <a:rPr lang="ko-KR" altLang="en-US" sz="1000" dirty="0">
+                <a:latin typeface="+mn-ea"/>
+              </a:rPr>
+              <a:t>이 </a:t>
+            </a:r>
+            <a:r>
+              <a:rPr lang="en-US" altLang="ko-KR" sz="1000" dirty="0">
+                <a:latin typeface="+mn-ea"/>
+              </a:rPr>
+              <a:t>&lt;sip:proxy1&gt;,&lt;sip:proxy2&gt;,&lt;sip:proxy3;lr&gt;,&lt;sip:proxy4&gt; </a:t>
+            </a:r>
+            <a:r>
+              <a:rPr lang="ko-KR" altLang="en-US" sz="1000" dirty="0">
+                <a:latin typeface="+mn-ea"/>
+              </a:rPr>
+              <a:t>인 경우</a:t>
+            </a:r>
+            <a:endParaRPr lang="en-US" altLang="ko-KR" sz="1000" dirty="0">
+              <a:latin typeface="+mn-ea"/>
+            </a:endParaRPr>
+          </a:p>
+          <a:p>
+            <a:endParaRPr lang="en-US" altLang="ko-KR" sz="1000" dirty="0">
+              <a:latin typeface="+mn-ea"/>
+            </a:endParaRPr>
+          </a:p>
+          <a:p>
+            <a:r>
+              <a:rPr lang="en-US" altLang="ko-KR" sz="1000" dirty="0">
+                <a:latin typeface="+mn-ea"/>
+              </a:rPr>
+              <a:t>Request-URI &amp;</a:t>
+            </a:r>
+            <a:r>
+              <a:rPr lang="ko-KR" altLang="en-US" sz="1000" dirty="0">
+                <a:latin typeface="+mn-ea"/>
+              </a:rPr>
+              <a:t> </a:t>
+            </a:r>
+            <a:r>
+              <a:rPr lang="en-US" altLang="ko-KR" sz="1000" dirty="0">
+                <a:latin typeface="+mn-ea"/>
+              </a:rPr>
+              <a:t>Route </a:t>
+            </a:r>
+            <a:r>
+              <a:rPr lang="ko-KR" altLang="en-US" sz="1000" dirty="0">
+                <a:latin typeface="+mn-ea"/>
+              </a:rPr>
+              <a:t>헤더 </a:t>
+            </a:r>
+            <a:r>
+              <a:rPr lang="en-US" altLang="ko-KR" sz="1000" dirty="0">
+                <a:latin typeface="+mn-ea"/>
+              </a:rPr>
+              <a:t>: </a:t>
+            </a:r>
+          </a:p>
+          <a:p>
+            <a:r>
+              <a:rPr lang="en-US" altLang="ko-KR" sz="1000" dirty="0">
+                <a:latin typeface="+mn-ea"/>
+              </a:rPr>
+              <a:t>METHOD </a:t>
+            </a:r>
+            <a:r>
+              <a:rPr lang="en-US" altLang="ko-KR" sz="1000" dirty="0">
+                <a:solidFill>
+                  <a:srgbClr val="0000FF"/>
+                </a:solidFill>
+                <a:latin typeface="+mn-ea"/>
+              </a:rPr>
+              <a:t>sip:proxy1</a:t>
+            </a:r>
+          </a:p>
+          <a:p>
+            <a:r>
+              <a:rPr lang="en-US" altLang="ko-KR" sz="1000" b="1" dirty="0">
+                <a:latin typeface="+mn-ea"/>
+              </a:rPr>
+              <a:t>Route</a:t>
+            </a:r>
+            <a:r>
+              <a:rPr lang="en-US" altLang="ko-KR" sz="1000" dirty="0">
+                <a:latin typeface="+mn-ea"/>
+              </a:rPr>
+              <a:t>: </a:t>
+            </a:r>
+            <a:r>
+              <a:rPr lang="en-US" altLang="ko-KR" sz="1000" dirty="0">
+                <a:solidFill>
+                  <a:srgbClr val="00B050"/>
+                </a:solidFill>
+                <a:latin typeface="+mn-ea"/>
+              </a:rPr>
+              <a:t>&lt;sip:proxy2&gt;,&lt;sip:proxy3;lr&gt;,&lt;sip:proxy4&gt;, &lt; </a:t>
+            </a:r>
+            <a:r>
+              <a:rPr lang="en-US" altLang="ko-KR" sz="1000" dirty="0" err="1">
+                <a:solidFill>
+                  <a:srgbClr val="00B050"/>
+                </a:solidFill>
+                <a:latin typeface="+mn-ea"/>
+              </a:rPr>
+              <a:t>sip:user@remoteua</a:t>
+            </a:r>
+            <a:r>
+              <a:rPr lang="en-US" altLang="ko-KR" sz="1000" dirty="0">
+                <a:solidFill>
+                  <a:srgbClr val="00B050"/>
+                </a:solidFill>
+                <a:latin typeface="+mn-ea"/>
+              </a:rPr>
+              <a:t>&gt;</a:t>
+            </a:r>
+          </a:p>
+        </p:txBody>
+      </p:sp>
+      <p:cxnSp>
+        <p:nvCxnSpPr>
+          <p:cNvPr id="7" name="연결선: 꺾임 6">
+            <a:extLst>
+              <a:ext uri="{FF2B5EF4-FFF2-40B4-BE49-F238E27FC236}">
+                <a16:creationId xmlns:a16="http://schemas.microsoft.com/office/drawing/2014/main" id="{CF024CA1-56D1-B971-3B7E-E21BBD6E2EEC}"/>
+              </a:ext>
+            </a:extLst>
+          </p:cNvPr>
+          <p:cNvCxnSpPr>
+            <a:cxnSpLocks/>
+          </p:cNvCxnSpPr>
+          <p:nvPr/>
+        </p:nvCxnSpPr>
+        <p:spPr>
+          <a:xfrm rot="16200000" flipH="1">
+            <a:off x="7876850" y="4840672"/>
+            <a:ext cx="1064730" cy="581295"/>
+          </a:xfrm>
+          <a:prstGeom prst="bentConnector3">
+            <a:avLst>
+              <a:gd name="adj1" fmla="val 50000"/>
+            </a:avLst>
+          </a:prstGeom>
+          <a:ln>
+            <a:solidFill>
+              <a:schemeClr val="tx1"/>
+            </a:solidFill>
+            <a:headEnd type="oval"/>
+          </a:ln>
+        </p:spPr>
+        <p:style>
+          <a:lnRef idx="1">
+            <a:schemeClr val="accent1"/>
+          </a:lnRef>
+          <a:fillRef idx="0">
+            <a:schemeClr val="accent1"/>
+          </a:fillRef>
+          <a:effectRef idx="0">
+            <a:schemeClr val="accent1"/>
+          </a:effectRef>
+          <a:fontRef idx="minor">
+            <a:schemeClr val="tx1"/>
+          </a:fontRef>
+        </p:style>
+      </p:cxnSp>
     </p:spTree>
     <p:extLst>
       <p:ext uri="{BB962C8B-B14F-4D97-AF65-F5344CB8AC3E}">
@@ -17871,10 +18795,10 @@
           <a:lstStyle/>
           <a:p>
             <a:r>
-              <a:rPr lang="en-US" altLang="ko-KR"/>
-              <a:t>4. Initiating a Session</a:t>
-            </a:r>
-            <a:endParaRPr lang="ko-KR" altLang="en-US"/>
+              <a:rPr lang="en-US" altLang="ko-KR" dirty="0"/>
+              <a:t>4. Dialogs – Requests within a Dialog (3)</a:t>
+            </a:r>
+            <a:endParaRPr lang="ko-KR" altLang="en-US" dirty="0"/>
           </a:p>
         </p:txBody>
       </p:sp>
@@ -17907,10 +18831,423 @@
           </a:p>
         </p:txBody>
       </p:sp>
+      <p:sp>
+        <p:nvSpPr>
+          <p:cNvPr id="5" name="직사각형 4">
+            <a:extLst>
+              <a:ext uri="{FF2B5EF4-FFF2-40B4-BE49-F238E27FC236}">
+                <a16:creationId xmlns:a16="http://schemas.microsoft.com/office/drawing/2014/main" id="{5242F9DC-B2A5-4D1A-B902-1687B61721B2}"/>
+              </a:ext>
+            </a:extLst>
+          </p:cNvPr>
+          <p:cNvSpPr/>
+          <p:nvPr/>
+        </p:nvSpPr>
+        <p:spPr>
+          <a:xfrm>
+            <a:off x="751367" y="923181"/>
+            <a:ext cx="11147556" cy="3485185"/>
+          </a:xfrm>
+          <a:prstGeom prst="rect">
+            <a:avLst/>
+          </a:prstGeom>
+        </p:spPr>
+        <p:txBody>
+          <a:bodyPr wrap="square">
+            <a:spAutoFit/>
+          </a:bodyPr>
+          <a:lstStyle/>
+          <a:p>
+            <a:pPr>
+              <a:lnSpc>
+                <a:spcPct val="200000"/>
+              </a:lnSpc>
+            </a:pPr>
+            <a:r>
+              <a:rPr lang="en-US" altLang="ko-KR" sz="1600" b="1" u="sng" dirty="0">
+                <a:latin typeface="Roboto" panose="02000000000000000000" pitchFamily="2" charset="0"/>
+              </a:rPr>
+              <a:t>UAC Behavior</a:t>
+            </a:r>
+            <a:r>
+              <a:rPr lang="en-US" altLang="ko-KR" sz="1600" b="1" dirty="0">
+                <a:latin typeface="Roboto" panose="02000000000000000000" pitchFamily="2" charset="0"/>
+              </a:rPr>
+              <a:t> – Processing the Responses</a:t>
+            </a:r>
+          </a:p>
+          <a:p>
+            <a:pPr marL="285750" indent="-285750">
+              <a:lnSpc>
+                <a:spcPct val="200000"/>
+              </a:lnSpc>
+              <a:buFont typeface="Arial" panose="020B0604020202020204" pitchFamily="34" charset="0"/>
+              <a:buChar char="•"/>
+            </a:pPr>
+            <a:r>
+              <a:rPr lang="en-US" altLang="ko-KR" sz="1400" dirty="0">
+                <a:latin typeface="Roboto" panose="02000000000000000000" pitchFamily="2" charset="0"/>
+              </a:rPr>
+              <a:t>UAC</a:t>
+            </a:r>
+            <a:r>
+              <a:rPr lang="ko-KR" altLang="en-US" sz="1400" dirty="0">
+                <a:latin typeface="Roboto" panose="02000000000000000000" pitchFamily="2" charset="0"/>
+              </a:rPr>
+              <a:t>는 </a:t>
+            </a:r>
+            <a:r>
+              <a:rPr lang="en-US" altLang="ko-KR" sz="1400" b="1" dirty="0">
+                <a:latin typeface="Roboto" panose="02000000000000000000" pitchFamily="2" charset="0"/>
+              </a:rPr>
+              <a:t>transaction layer</a:t>
+            </a:r>
+            <a:r>
+              <a:rPr lang="en-US" altLang="ko-KR" sz="1400" dirty="0">
+                <a:latin typeface="Roboto" panose="02000000000000000000" pitchFamily="2" charset="0"/>
+              </a:rPr>
+              <a:t> </a:t>
+            </a:r>
+            <a:r>
+              <a:rPr lang="ko-KR" altLang="en-US" sz="1400" dirty="0">
+                <a:latin typeface="Roboto" panose="02000000000000000000" pitchFamily="2" charset="0"/>
+              </a:rPr>
+              <a:t>로 부터 요청에 대한 응답을 수신</a:t>
+            </a:r>
+            <a:endParaRPr lang="en-US" altLang="ko-KR" sz="1400" dirty="0">
+              <a:latin typeface="Roboto" panose="02000000000000000000" pitchFamily="2" charset="0"/>
+            </a:endParaRPr>
+          </a:p>
+          <a:p>
+            <a:pPr marL="285750" indent="-285750">
+              <a:lnSpc>
+                <a:spcPct val="200000"/>
+              </a:lnSpc>
+              <a:buFont typeface="Arial" panose="020B0604020202020204" pitchFamily="34" charset="0"/>
+              <a:buChar char="•"/>
+            </a:pPr>
+            <a:r>
+              <a:rPr lang="en-US" altLang="ko-KR" sz="1400" dirty="0">
+                <a:latin typeface="Roboto" panose="02000000000000000000" pitchFamily="2" charset="0"/>
+              </a:rPr>
+              <a:t>client transaction </a:t>
+            </a:r>
+            <a:r>
+              <a:rPr lang="ko-KR" altLang="en-US" sz="1400" dirty="0">
+                <a:latin typeface="Roboto" panose="02000000000000000000" pitchFamily="2" charset="0"/>
+              </a:rPr>
+              <a:t>이 </a:t>
+            </a:r>
+            <a:r>
+              <a:rPr lang="en-US" altLang="ko-KR" sz="1400" b="1" dirty="0">
+                <a:latin typeface="Roboto" panose="02000000000000000000" pitchFamily="2" charset="0"/>
+              </a:rPr>
+              <a:t>timeout</a:t>
+            </a:r>
+            <a:r>
+              <a:rPr lang="ko-KR" altLang="en-US" sz="1400" dirty="0">
+                <a:latin typeface="Roboto" panose="02000000000000000000" pitchFamily="2" charset="0"/>
+              </a:rPr>
+              <a:t> 을 반환하면 </a:t>
+            </a:r>
+            <a:r>
+              <a:rPr lang="en-US" altLang="ko-KR" sz="1400" b="1" dirty="0">
+                <a:latin typeface="Roboto" panose="02000000000000000000" pitchFamily="2" charset="0"/>
+              </a:rPr>
+              <a:t>408 (Request Timeout) </a:t>
+            </a:r>
+            <a:r>
+              <a:rPr lang="ko-KR" altLang="en-US" sz="1400" dirty="0">
+                <a:latin typeface="Roboto" panose="02000000000000000000" pitchFamily="2" charset="0"/>
+              </a:rPr>
+              <a:t>응답으로 처리</a:t>
+            </a:r>
+            <a:endParaRPr lang="en-US" altLang="ko-KR" sz="1400" dirty="0">
+              <a:latin typeface="Roboto" panose="02000000000000000000" pitchFamily="2" charset="0"/>
+            </a:endParaRPr>
+          </a:p>
+          <a:p>
+            <a:pPr marL="285750" indent="-285750">
+              <a:lnSpc>
+                <a:spcPct val="200000"/>
+              </a:lnSpc>
+              <a:buFont typeface="Arial" panose="020B0604020202020204" pitchFamily="34" charset="0"/>
+              <a:buChar char="•"/>
+            </a:pPr>
+            <a:r>
+              <a:rPr lang="en-US" altLang="ko-KR" sz="1400" dirty="0">
+                <a:latin typeface="Roboto" panose="02000000000000000000" pitchFamily="2" charset="0"/>
+              </a:rPr>
+              <a:t>3xx</a:t>
+            </a:r>
+            <a:r>
+              <a:rPr lang="ko-KR" altLang="en-US" sz="1400" dirty="0">
+                <a:latin typeface="Roboto" panose="02000000000000000000" pitchFamily="2" charset="0"/>
+              </a:rPr>
+              <a:t> 응답을 수신의 경우</a:t>
+            </a:r>
+            <a:r>
+              <a:rPr lang="en-US" altLang="ko-KR" sz="1400" dirty="0">
+                <a:latin typeface="Roboto" panose="02000000000000000000" pitchFamily="2" charset="0"/>
+              </a:rPr>
+              <a:t>, </a:t>
+            </a:r>
+            <a:r>
+              <a:rPr lang="ko-KR" altLang="en-US" sz="1400" dirty="0">
+                <a:latin typeface="Roboto" panose="02000000000000000000" pitchFamily="2" charset="0"/>
+              </a:rPr>
+              <a:t>다이얼로그 외부 처리와 동일</a:t>
+            </a:r>
+            <a:endParaRPr lang="en-US" altLang="ko-KR" sz="1400" dirty="0">
+              <a:latin typeface="Roboto" panose="02000000000000000000" pitchFamily="2" charset="0"/>
+            </a:endParaRPr>
+          </a:p>
+          <a:p>
+            <a:pPr marL="285750" indent="-285750">
+              <a:lnSpc>
+                <a:spcPct val="200000"/>
+              </a:lnSpc>
+              <a:buFont typeface="Arial" panose="020B0604020202020204" pitchFamily="34" charset="0"/>
+              <a:buChar char="•"/>
+            </a:pPr>
+            <a:r>
+              <a:rPr lang="en-US" altLang="ko-KR" sz="1400" b="1" dirty="0">
+                <a:latin typeface="Roboto" panose="02000000000000000000" pitchFamily="2" charset="0"/>
+              </a:rPr>
+              <a:t>target refresh request </a:t>
+            </a:r>
+            <a:r>
+              <a:rPr lang="ko-KR" altLang="en-US" sz="1400" dirty="0">
+                <a:latin typeface="Roboto" panose="02000000000000000000" pitchFamily="2" charset="0"/>
+              </a:rPr>
+              <a:t>에 대한 </a:t>
+            </a:r>
+            <a:r>
+              <a:rPr lang="en-US" altLang="ko-KR" sz="1400" b="1" dirty="0">
+                <a:latin typeface="Roboto" panose="02000000000000000000" pitchFamily="2" charset="0"/>
+              </a:rPr>
+              <a:t>2xx</a:t>
+            </a:r>
+            <a:r>
+              <a:rPr lang="en-US" altLang="ko-KR" sz="1400" dirty="0">
+                <a:latin typeface="Roboto" panose="02000000000000000000" pitchFamily="2" charset="0"/>
+              </a:rPr>
+              <a:t> </a:t>
+            </a:r>
+            <a:r>
+              <a:rPr lang="ko-KR" altLang="en-US" sz="1400" dirty="0">
+                <a:latin typeface="Roboto" panose="02000000000000000000" pitchFamily="2" charset="0"/>
+              </a:rPr>
+              <a:t>응답을 수신하면</a:t>
+            </a:r>
+            <a:r>
+              <a:rPr lang="en-US" altLang="ko-KR" sz="1400" dirty="0">
+                <a:latin typeface="Roboto" panose="02000000000000000000" pitchFamily="2" charset="0"/>
+              </a:rPr>
+              <a:t>, </a:t>
+            </a:r>
+            <a:r>
+              <a:rPr lang="ko-KR" altLang="en-US" sz="1400" dirty="0">
+                <a:latin typeface="Roboto" panose="02000000000000000000" pitchFamily="2" charset="0"/>
+              </a:rPr>
+              <a:t>다이얼로그의 </a:t>
+            </a:r>
+            <a:r>
+              <a:rPr lang="en-US" altLang="ko-KR" sz="1400" b="1" dirty="0">
+                <a:latin typeface="Roboto" panose="02000000000000000000" pitchFamily="2" charset="0"/>
+              </a:rPr>
+              <a:t>remote target URI </a:t>
+            </a:r>
+            <a:r>
+              <a:rPr lang="ko-KR" altLang="en-US" sz="1400" dirty="0">
+                <a:latin typeface="Roboto" panose="02000000000000000000" pitchFamily="2" charset="0"/>
+              </a:rPr>
+              <a:t>를 응답에 있는 </a:t>
+            </a:r>
+            <a:r>
+              <a:rPr lang="en-US" altLang="ko-KR" sz="1400" b="1" dirty="0">
+                <a:latin typeface="Roboto" panose="02000000000000000000" pitchFamily="2" charset="0"/>
+              </a:rPr>
+              <a:t>Contact</a:t>
+            </a:r>
+            <a:r>
+              <a:rPr lang="en-US" altLang="ko-KR" sz="1400" dirty="0">
+                <a:latin typeface="Roboto" panose="02000000000000000000" pitchFamily="2" charset="0"/>
+              </a:rPr>
+              <a:t> </a:t>
+            </a:r>
+            <a:r>
+              <a:rPr lang="ko-KR" altLang="en-US" sz="1400" dirty="0">
+                <a:latin typeface="Roboto" panose="02000000000000000000" pitchFamily="2" charset="0"/>
+              </a:rPr>
+              <a:t>헤더 값으로 대체</a:t>
+            </a:r>
+            <a:endParaRPr lang="en-US" altLang="ko-KR" sz="1400" dirty="0">
+              <a:latin typeface="Roboto" panose="02000000000000000000" pitchFamily="2" charset="0"/>
+            </a:endParaRPr>
+          </a:p>
+          <a:p>
+            <a:pPr marL="285750" indent="-285750">
+              <a:lnSpc>
+                <a:spcPct val="200000"/>
+              </a:lnSpc>
+              <a:buFont typeface="Arial" panose="020B0604020202020204" pitchFamily="34" charset="0"/>
+              <a:buChar char="•"/>
+            </a:pPr>
+            <a:r>
+              <a:rPr lang="en-US" altLang="ko-KR" sz="1400" b="1" dirty="0">
+                <a:latin typeface="Roboto" panose="02000000000000000000" pitchFamily="2" charset="0"/>
+              </a:rPr>
+              <a:t>481 (Call/Transaction) </a:t>
+            </a:r>
+            <a:r>
+              <a:rPr lang="ko-KR" altLang="en-US" sz="1400" dirty="0">
+                <a:latin typeface="Roboto" panose="02000000000000000000" pitchFamily="2" charset="0"/>
+              </a:rPr>
+              <a:t>또는</a:t>
+            </a:r>
+            <a:r>
+              <a:rPr lang="en-US" altLang="ko-KR" sz="1400" dirty="0">
+                <a:latin typeface="Roboto" panose="02000000000000000000" pitchFamily="2" charset="0"/>
+              </a:rPr>
+              <a:t> </a:t>
+            </a:r>
+            <a:r>
+              <a:rPr lang="en-US" altLang="ko-KR" sz="1400" b="1" dirty="0">
+                <a:latin typeface="Roboto" panose="02000000000000000000" pitchFamily="2" charset="0"/>
+              </a:rPr>
+              <a:t>408 (Request</a:t>
+            </a:r>
+            <a:r>
+              <a:rPr lang="ko-KR" altLang="en-US" sz="1400" b="1" dirty="0">
+                <a:latin typeface="Roboto" panose="02000000000000000000" pitchFamily="2" charset="0"/>
+              </a:rPr>
+              <a:t> </a:t>
+            </a:r>
+            <a:r>
+              <a:rPr lang="en-US" altLang="ko-KR" sz="1400" b="1" dirty="0">
+                <a:latin typeface="Roboto" panose="02000000000000000000" pitchFamily="2" charset="0"/>
+              </a:rPr>
+              <a:t>Timeout)</a:t>
+            </a:r>
+            <a:r>
+              <a:rPr lang="ko-KR" altLang="en-US" sz="1400" b="1" dirty="0">
+                <a:latin typeface="Roboto" panose="02000000000000000000" pitchFamily="2" charset="0"/>
+              </a:rPr>
+              <a:t> </a:t>
+            </a:r>
+            <a:r>
+              <a:rPr lang="ko-KR" altLang="en-US" sz="1400" dirty="0">
+                <a:latin typeface="Roboto" panose="02000000000000000000" pitchFamily="2" charset="0"/>
+              </a:rPr>
+              <a:t>응답을 수신하면</a:t>
+            </a:r>
+            <a:r>
+              <a:rPr lang="en-US" altLang="ko-KR" sz="1400" dirty="0">
+                <a:latin typeface="Roboto" panose="02000000000000000000" pitchFamily="2" charset="0"/>
+              </a:rPr>
+              <a:t>, </a:t>
+            </a:r>
+            <a:r>
+              <a:rPr lang="ko-KR" altLang="en-US" sz="1400" dirty="0">
+                <a:latin typeface="Roboto" panose="02000000000000000000" pitchFamily="2" charset="0"/>
+              </a:rPr>
+              <a:t>다이얼로그를 </a:t>
+            </a:r>
+            <a:r>
+              <a:rPr lang="ko-KR" altLang="en-US" sz="1400" b="1" dirty="0">
+                <a:latin typeface="Roboto" panose="02000000000000000000" pitchFamily="2" charset="0"/>
+              </a:rPr>
+              <a:t>종료</a:t>
+            </a:r>
+            <a:endParaRPr lang="en-US" altLang="ko-KR" sz="1400" b="1" dirty="0">
+              <a:latin typeface="Roboto" panose="02000000000000000000" pitchFamily="2" charset="0"/>
+            </a:endParaRPr>
+          </a:p>
+          <a:p>
+            <a:pPr marL="285750" indent="-285750">
+              <a:lnSpc>
+                <a:spcPct val="200000"/>
+              </a:lnSpc>
+              <a:buFont typeface="Arial" panose="020B0604020202020204" pitchFamily="34" charset="0"/>
+              <a:buChar char="•"/>
+            </a:pPr>
+            <a:r>
+              <a:rPr lang="ko-KR" altLang="en-US" sz="1400" dirty="0">
+                <a:latin typeface="Roboto" panose="02000000000000000000" pitchFamily="2" charset="0"/>
+              </a:rPr>
+              <a:t>응답이 수신되지 않으면 </a:t>
+            </a:r>
+            <a:r>
+              <a:rPr lang="en-US" altLang="ko-KR" sz="1400" dirty="0">
+                <a:latin typeface="Roboto" panose="02000000000000000000" pitchFamily="2" charset="0"/>
+              </a:rPr>
+              <a:t>UAC</a:t>
+            </a:r>
+            <a:r>
+              <a:rPr lang="ko-KR" altLang="en-US" sz="1400" dirty="0">
+                <a:latin typeface="Roboto" panose="02000000000000000000" pitchFamily="2" charset="0"/>
+              </a:rPr>
+              <a:t>는 다이얼로그를 종료</a:t>
+            </a:r>
+            <a:endParaRPr lang="en-US" altLang="ko-KR" sz="1400" dirty="0">
+              <a:latin typeface="Roboto" panose="02000000000000000000" pitchFamily="2" charset="0"/>
+            </a:endParaRPr>
+          </a:p>
+          <a:p>
+            <a:pPr marL="742950" lvl="1" indent="-285750">
+              <a:lnSpc>
+                <a:spcPct val="200000"/>
+              </a:lnSpc>
+              <a:buFontTx/>
+              <a:buChar char="-"/>
+            </a:pPr>
+            <a:r>
+              <a:rPr lang="en-US" altLang="ko-KR" sz="1200" b="1" dirty="0">
+                <a:latin typeface="Roboto" panose="02000000000000000000" pitchFamily="2" charset="0"/>
+              </a:rPr>
+              <a:t>INVITE</a:t>
+            </a:r>
+            <a:r>
+              <a:rPr lang="en-US" altLang="ko-KR" sz="1200" dirty="0">
+                <a:latin typeface="Roboto" panose="02000000000000000000" pitchFamily="2" charset="0"/>
+              </a:rPr>
+              <a:t> </a:t>
+            </a:r>
+            <a:r>
+              <a:rPr lang="ko-KR" altLang="en-US" sz="1200" dirty="0">
+                <a:latin typeface="Roboto" panose="02000000000000000000" pitchFamily="2" charset="0"/>
+              </a:rPr>
+              <a:t>로 시작한 다이얼로그를 종료하려면 </a:t>
+            </a:r>
+            <a:r>
+              <a:rPr lang="en-US" altLang="ko-KR" sz="1200" b="1" dirty="0">
+                <a:latin typeface="Roboto" panose="02000000000000000000" pitchFamily="2" charset="0"/>
+              </a:rPr>
+              <a:t>BYE</a:t>
+            </a:r>
+            <a:r>
+              <a:rPr lang="en-US" altLang="ko-KR" sz="1200" dirty="0">
+                <a:latin typeface="Roboto" panose="02000000000000000000" pitchFamily="2" charset="0"/>
+              </a:rPr>
+              <a:t> </a:t>
+            </a:r>
+            <a:r>
+              <a:rPr lang="ko-KR" altLang="en-US" sz="1200" dirty="0">
+                <a:latin typeface="Roboto" panose="02000000000000000000" pitchFamily="2" charset="0"/>
+              </a:rPr>
+              <a:t>를 보냄</a:t>
+            </a:r>
+            <a:endParaRPr lang="en-US" altLang="ko-KR" sz="1200" dirty="0">
+              <a:latin typeface="Roboto" panose="02000000000000000000" pitchFamily="2" charset="0"/>
+            </a:endParaRPr>
+          </a:p>
+        </p:txBody>
+      </p:sp>
     </p:spTree>
     <p:extLst>
       <p:ext uri="{BB962C8B-B14F-4D97-AF65-F5344CB8AC3E}">
-        <p14:creationId xmlns:p14="http://schemas.microsoft.com/office/powerpoint/2010/main" val="1584630631"/>
+        <p14:creationId xmlns:p14="http://schemas.microsoft.com/office/powerpoint/2010/main" val="3836117502"/>
       </p:ext>
     </p:extLst>
   </p:cSld>
@@ -17964,10 +19301,10 @@
           <a:lstStyle/>
           <a:p>
             <a:r>
-              <a:rPr lang="en-US" altLang="ko-KR"/>
-              <a:t>5. Modifying an Existing Session</a:t>
-            </a:r>
-            <a:endParaRPr lang="ko-KR" altLang="en-US"/>
+              <a:rPr lang="en-US" altLang="ko-KR" dirty="0"/>
+              <a:t>4. Dialogs – Requests within a Dialog (4)</a:t>
+            </a:r>
+            <a:endParaRPr lang="ko-KR" altLang="en-US" dirty="0"/>
           </a:p>
         </p:txBody>
       </p:sp>
@@ -18000,10 +19337,453 @@
           </a:p>
         </p:txBody>
       </p:sp>
+      <p:sp>
+        <p:nvSpPr>
+          <p:cNvPr id="5" name="직사각형 4">
+            <a:extLst>
+              <a:ext uri="{FF2B5EF4-FFF2-40B4-BE49-F238E27FC236}">
+                <a16:creationId xmlns:a16="http://schemas.microsoft.com/office/drawing/2014/main" id="{5242F9DC-B2A5-4D1A-B902-1687B61721B2}"/>
+              </a:ext>
+            </a:extLst>
+          </p:cNvPr>
+          <p:cNvSpPr/>
+          <p:nvPr/>
+        </p:nvSpPr>
+        <p:spPr>
+          <a:xfrm>
+            <a:off x="751367" y="923181"/>
+            <a:ext cx="11147556" cy="4162293"/>
+          </a:xfrm>
+          <a:prstGeom prst="rect">
+            <a:avLst/>
+          </a:prstGeom>
+        </p:spPr>
+        <p:txBody>
+          <a:bodyPr wrap="square">
+            <a:spAutoFit/>
+          </a:bodyPr>
+          <a:lstStyle/>
+          <a:p>
+            <a:pPr>
+              <a:lnSpc>
+                <a:spcPct val="200000"/>
+              </a:lnSpc>
+            </a:pPr>
+            <a:r>
+              <a:rPr lang="en-US" altLang="ko-KR" sz="1600" b="1" u="sng" dirty="0">
+                <a:latin typeface="Roboto" panose="02000000000000000000" pitchFamily="2" charset="0"/>
+              </a:rPr>
+              <a:t>UAS Behavior</a:t>
+            </a:r>
+            <a:r>
+              <a:rPr lang="en-US" altLang="ko-KR" sz="1600" b="1" dirty="0">
+                <a:latin typeface="Roboto" panose="02000000000000000000" pitchFamily="2" charset="0"/>
+              </a:rPr>
+              <a:t> </a:t>
+            </a:r>
+          </a:p>
+          <a:p>
+            <a:pPr marL="285750" indent="-285750">
+              <a:lnSpc>
+                <a:spcPct val="200000"/>
+              </a:lnSpc>
+              <a:buFont typeface="Arial" panose="020B0604020202020204" pitchFamily="34" charset="0"/>
+              <a:buChar char="•"/>
+            </a:pPr>
+            <a:r>
+              <a:rPr lang="ko-KR" altLang="en-US" sz="1400" dirty="0">
+                <a:latin typeface="Roboto" panose="02000000000000000000" pitchFamily="2" charset="0"/>
+              </a:rPr>
+              <a:t>다이얼로그 내에서 전송되는 요청은 다른 요청과 마찬가지로 </a:t>
+            </a:r>
+            <a:r>
+              <a:rPr lang="en-US" altLang="ko-KR" sz="1400" b="1" dirty="0">
+                <a:latin typeface="Roboto" panose="02000000000000000000" pitchFamily="2" charset="0"/>
+              </a:rPr>
+              <a:t>atomic </a:t>
+            </a:r>
+            <a:r>
+              <a:rPr lang="ko-KR" altLang="en-US" sz="1400" dirty="0">
+                <a:latin typeface="Roboto" panose="02000000000000000000" pitchFamily="2" charset="0"/>
+              </a:rPr>
+              <a:t>특성을 갖음</a:t>
+            </a:r>
+            <a:endParaRPr lang="en-US" altLang="ko-KR" sz="1400" dirty="0">
+              <a:latin typeface="Roboto" panose="02000000000000000000" pitchFamily="2" charset="0"/>
+            </a:endParaRPr>
+          </a:p>
+          <a:p>
+            <a:pPr marL="742950" lvl="1" indent="-285750">
+              <a:lnSpc>
+                <a:spcPct val="200000"/>
+              </a:lnSpc>
+              <a:buFontTx/>
+              <a:buChar char="-"/>
+            </a:pPr>
+            <a:r>
+              <a:rPr lang="ko-KR" altLang="en-US" sz="1200" dirty="0">
+                <a:latin typeface="Roboto" panose="02000000000000000000" pitchFamily="2" charset="0"/>
+              </a:rPr>
+              <a:t>특정 요청이 </a:t>
+            </a:r>
+            <a:r>
+              <a:rPr lang="en-US" altLang="ko-KR" sz="1200" dirty="0">
+                <a:latin typeface="Roboto" panose="02000000000000000000" pitchFamily="2" charset="0"/>
+              </a:rPr>
+              <a:t>UAS</a:t>
+            </a:r>
+            <a:r>
+              <a:rPr lang="ko-KR" altLang="en-US" sz="1200" dirty="0">
+                <a:latin typeface="Roboto" panose="02000000000000000000" pitchFamily="2" charset="0"/>
+              </a:rPr>
+              <a:t>에 의해 </a:t>
+            </a:r>
+            <a:r>
+              <a:rPr lang="en-US" altLang="ko-KR" sz="1200" dirty="0">
+                <a:latin typeface="Roboto" panose="02000000000000000000" pitchFamily="2" charset="0"/>
+              </a:rPr>
+              <a:t>accept </a:t>
+            </a:r>
+            <a:r>
+              <a:rPr lang="ko-KR" altLang="en-US" sz="1200" dirty="0">
+                <a:latin typeface="Roboto" panose="02000000000000000000" pitchFamily="2" charset="0"/>
+              </a:rPr>
+              <a:t>되면 관련된 모든 </a:t>
+            </a:r>
+            <a:r>
+              <a:rPr lang="ko-KR" altLang="en-US" sz="1200" b="1" dirty="0">
+                <a:latin typeface="Roboto" panose="02000000000000000000" pitchFamily="2" charset="0"/>
+              </a:rPr>
+              <a:t>상태 변경</a:t>
+            </a:r>
+            <a:r>
+              <a:rPr lang="ko-KR" altLang="en-US" sz="1200" dirty="0">
+                <a:latin typeface="Roboto" panose="02000000000000000000" pitchFamily="2" charset="0"/>
+              </a:rPr>
+              <a:t>이 수행</a:t>
+            </a:r>
+            <a:endParaRPr lang="en-US" altLang="ko-KR" sz="1200" dirty="0">
+              <a:latin typeface="Roboto" panose="02000000000000000000" pitchFamily="2" charset="0"/>
+            </a:endParaRPr>
+          </a:p>
+          <a:p>
+            <a:pPr marL="285750" indent="-285750">
+              <a:lnSpc>
+                <a:spcPct val="200000"/>
+              </a:lnSpc>
+              <a:buFont typeface="Arial" panose="020B0604020202020204" pitchFamily="34" charset="0"/>
+              <a:buChar char="•"/>
+            </a:pPr>
+            <a:r>
+              <a:rPr lang="en-US" altLang="ko-KR" sz="1400" dirty="0">
+                <a:latin typeface="Roboto" panose="02000000000000000000" pitchFamily="2" charset="0"/>
+              </a:rPr>
+              <a:t>UAS </a:t>
+            </a:r>
+            <a:r>
+              <a:rPr lang="ko-KR" altLang="en-US" sz="1400" dirty="0">
+                <a:latin typeface="Roboto" panose="02000000000000000000" pitchFamily="2" charset="0"/>
+              </a:rPr>
+              <a:t>는 </a:t>
+            </a:r>
+            <a:r>
+              <a:rPr lang="en-US" altLang="ko-KR" sz="1400" dirty="0">
+                <a:latin typeface="Roboto" panose="02000000000000000000" pitchFamily="2" charset="0"/>
+              </a:rPr>
+              <a:t>transaction layer </a:t>
+            </a:r>
+            <a:r>
+              <a:rPr lang="ko-KR" altLang="en-US" sz="1400" dirty="0">
+                <a:latin typeface="Roboto" panose="02000000000000000000" pitchFamily="2" charset="0"/>
+              </a:rPr>
+              <a:t>에서 요청을 수신</a:t>
+            </a:r>
+            <a:endParaRPr lang="en-US" altLang="ko-KR" sz="1400" dirty="0">
+              <a:latin typeface="Roboto" panose="02000000000000000000" pitchFamily="2" charset="0"/>
+            </a:endParaRPr>
+          </a:p>
+          <a:p>
+            <a:pPr marL="285750" indent="-285750">
+              <a:lnSpc>
+                <a:spcPct val="200000"/>
+              </a:lnSpc>
+              <a:buFont typeface="Arial" panose="020B0604020202020204" pitchFamily="34" charset="0"/>
+              <a:buChar char="•"/>
+            </a:pPr>
+            <a:r>
+              <a:rPr lang="ko-KR" altLang="en-US" sz="1400" dirty="0">
+                <a:latin typeface="Roboto" panose="02000000000000000000" pitchFamily="2" charset="0"/>
+              </a:rPr>
+              <a:t>요청에 </a:t>
+            </a:r>
+            <a:r>
+              <a:rPr lang="en-US" altLang="ko-KR" sz="1400" b="1" dirty="0">
+                <a:latin typeface="Roboto" panose="02000000000000000000" pitchFamily="2" charset="0"/>
+              </a:rPr>
+              <a:t>To tag</a:t>
+            </a:r>
+            <a:r>
+              <a:rPr lang="ko-KR" altLang="en-US" sz="1400" dirty="0">
+                <a:latin typeface="Roboto" panose="02000000000000000000" pitchFamily="2" charset="0"/>
+              </a:rPr>
+              <a:t>가 포함되면</a:t>
+            </a:r>
+            <a:r>
+              <a:rPr lang="en-US" altLang="ko-KR" sz="1400" dirty="0">
+                <a:latin typeface="Roboto" panose="02000000000000000000" pitchFamily="2" charset="0"/>
+              </a:rPr>
+              <a:t>, UAS core</a:t>
+            </a:r>
+            <a:r>
+              <a:rPr lang="ko-KR" altLang="en-US" sz="1400" dirty="0">
+                <a:latin typeface="Roboto" panose="02000000000000000000" pitchFamily="2" charset="0"/>
+              </a:rPr>
+              <a:t>는 해당 요청에 대한 </a:t>
+            </a:r>
+            <a:r>
+              <a:rPr lang="en-US" altLang="ko-KR" sz="1400" dirty="0">
+                <a:latin typeface="Roboto" panose="02000000000000000000" pitchFamily="2" charset="0"/>
+              </a:rPr>
+              <a:t>dialog ID </a:t>
+            </a:r>
+            <a:r>
+              <a:rPr lang="ko-KR" altLang="en-US" sz="1400" dirty="0">
+                <a:latin typeface="Roboto" panose="02000000000000000000" pitchFamily="2" charset="0"/>
+              </a:rPr>
+              <a:t>를 구성하고 기존 다이얼로그와 </a:t>
+            </a:r>
+            <a:r>
+              <a:rPr lang="ko-KR" altLang="en-US" sz="1400" b="1" dirty="0">
+                <a:latin typeface="Roboto" panose="02000000000000000000" pitchFamily="2" charset="0"/>
+              </a:rPr>
+              <a:t>비교</a:t>
+            </a:r>
+            <a:endParaRPr lang="en-US" altLang="ko-KR" sz="1400" b="1" dirty="0">
+              <a:latin typeface="Roboto" panose="02000000000000000000" pitchFamily="2" charset="0"/>
+            </a:endParaRPr>
+          </a:p>
+          <a:p>
+            <a:pPr marL="742950" lvl="1" indent="-285750">
+              <a:lnSpc>
+                <a:spcPct val="200000"/>
+              </a:lnSpc>
+              <a:buFontTx/>
+              <a:buChar char="-"/>
+            </a:pPr>
+            <a:r>
+              <a:rPr lang="ko-KR" altLang="en-US" sz="1200" dirty="0">
+                <a:latin typeface="Roboto" panose="02000000000000000000" pitchFamily="2" charset="0"/>
+              </a:rPr>
+              <a:t>일치하면 </a:t>
+            </a:r>
+            <a:r>
+              <a:rPr lang="en-US" altLang="ko-KR" sz="1200" dirty="0">
+                <a:latin typeface="Roboto" panose="02000000000000000000" pitchFamily="2" charset="0"/>
+              </a:rPr>
+              <a:t>mid-dialog request </a:t>
+            </a:r>
+            <a:r>
+              <a:rPr lang="ko-KR" altLang="en-US" sz="1200" dirty="0">
+                <a:latin typeface="Roboto" panose="02000000000000000000" pitchFamily="2" charset="0"/>
+              </a:rPr>
+              <a:t>이므로</a:t>
+            </a:r>
+            <a:r>
+              <a:rPr lang="en-US" altLang="ko-KR" sz="1200" dirty="0">
+                <a:latin typeface="Roboto" panose="02000000000000000000" pitchFamily="2" charset="0"/>
+              </a:rPr>
+              <a:t>, </a:t>
+            </a:r>
+            <a:r>
+              <a:rPr lang="ko-KR" altLang="en-US" sz="1200" dirty="0">
+                <a:latin typeface="Roboto" panose="02000000000000000000" pitchFamily="2" charset="0"/>
+              </a:rPr>
+              <a:t>다이얼로그 외부의 요청과 동일하게 처리</a:t>
+            </a:r>
+            <a:endParaRPr lang="en-US" altLang="ko-KR" sz="1200" dirty="0">
+              <a:latin typeface="Roboto" panose="02000000000000000000" pitchFamily="2" charset="0"/>
+            </a:endParaRPr>
+          </a:p>
+          <a:p>
+            <a:pPr marL="742950" lvl="1" indent="-285750">
+              <a:lnSpc>
+                <a:spcPct val="200000"/>
+              </a:lnSpc>
+              <a:buFontTx/>
+              <a:buChar char="-"/>
+            </a:pPr>
+            <a:r>
+              <a:rPr lang="ko-KR" altLang="en-US" sz="1200" dirty="0">
+                <a:latin typeface="Roboto" panose="02000000000000000000" pitchFamily="2" charset="0"/>
+              </a:rPr>
+              <a:t>일치하지 않으면</a:t>
+            </a:r>
+            <a:r>
+              <a:rPr lang="en-US" altLang="ko-KR" sz="1200" dirty="0">
+                <a:latin typeface="Roboto" panose="02000000000000000000" pitchFamily="2" charset="0"/>
+              </a:rPr>
+              <a:t>, </a:t>
+            </a:r>
+            <a:r>
+              <a:rPr lang="en-US" altLang="ko-KR" sz="1200" b="1" dirty="0">
+                <a:latin typeface="Roboto" panose="02000000000000000000" pitchFamily="2" charset="0"/>
+              </a:rPr>
+              <a:t>To tag </a:t>
+            </a:r>
+            <a:r>
+              <a:rPr lang="ko-KR" altLang="en-US" sz="1200" dirty="0">
+                <a:latin typeface="Roboto" panose="02000000000000000000" pitchFamily="2" charset="0"/>
+              </a:rPr>
+              <a:t>값에 따라 요청을 </a:t>
+            </a:r>
+            <a:r>
+              <a:rPr lang="en-US" altLang="ko-KR" sz="1200" dirty="0">
+                <a:latin typeface="Roboto" panose="02000000000000000000" pitchFamily="2" charset="0"/>
+              </a:rPr>
+              <a:t>accept </a:t>
+            </a:r>
+            <a:r>
+              <a:rPr lang="ko-KR" altLang="en-US" sz="1200" dirty="0">
+                <a:latin typeface="Roboto" panose="02000000000000000000" pitchFamily="2" charset="0"/>
+              </a:rPr>
+              <a:t>또는 </a:t>
+            </a:r>
+            <a:r>
+              <a:rPr lang="en-US" altLang="ko-KR" sz="1200" dirty="0">
+                <a:latin typeface="Roboto" panose="02000000000000000000" pitchFamily="2" charset="0"/>
+              </a:rPr>
+              <a:t>reject</a:t>
+            </a:r>
+            <a:r>
+              <a:rPr lang="ko-KR" altLang="en-US" sz="1200" dirty="0">
+                <a:latin typeface="Roboto" panose="02000000000000000000" pitchFamily="2" charset="0"/>
+              </a:rPr>
+              <a:t> 할 수 있는데 </a:t>
+            </a:r>
+            <a:r>
+              <a:rPr lang="en-US" altLang="ko-KR" sz="1200" dirty="0">
+                <a:latin typeface="Roboto" panose="02000000000000000000" pitchFamily="2" charset="0"/>
+              </a:rPr>
+              <a:t>accept </a:t>
+            </a:r>
+            <a:r>
+              <a:rPr lang="ko-KR" altLang="en-US" sz="1200" dirty="0">
+                <a:latin typeface="Roboto" panose="02000000000000000000" pitchFamily="2" charset="0"/>
+              </a:rPr>
+              <a:t>하는 경우 다이얼로그를 </a:t>
+            </a:r>
+            <a:r>
+              <a:rPr lang="ko-KR" altLang="en-US" sz="1200" b="1" dirty="0">
+                <a:latin typeface="Roboto" panose="02000000000000000000" pitchFamily="2" charset="0"/>
+              </a:rPr>
+              <a:t>계속 유지</a:t>
+            </a:r>
+            <a:endParaRPr lang="en-US" altLang="ko-KR" sz="1200" b="1" dirty="0">
+              <a:latin typeface="Roboto" panose="02000000000000000000" pitchFamily="2" charset="0"/>
+            </a:endParaRPr>
+          </a:p>
+          <a:p>
+            <a:pPr marL="285750" indent="-285750">
+              <a:lnSpc>
+                <a:spcPct val="200000"/>
+              </a:lnSpc>
+              <a:buFont typeface="Arial" panose="020B0604020202020204" pitchFamily="34" charset="0"/>
+              <a:buChar char="•"/>
+            </a:pPr>
+            <a:r>
+              <a:rPr lang="ko-KR" altLang="en-US" sz="1400" dirty="0">
+                <a:latin typeface="Roboto" panose="02000000000000000000" pitchFamily="2" charset="0"/>
+              </a:rPr>
+              <a:t>다이얼로그를 재생성하지 않기 위해 요청을 거절하기 바라면</a:t>
+            </a:r>
+            <a:r>
+              <a:rPr lang="en-US" altLang="ko-KR" sz="1400" dirty="0">
+                <a:latin typeface="Roboto" panose="02000000000000000000" pitchFamily="2" charset="0"/>
+              </a:rPr>
+              <a:t>, </a:t>
+            </a:r>
+            <a:r>
+              <a:rPr lang="en-US" altLang="ko-KR" sz="1400" b="1" dirty="0">
+                <a:latin typeface="Roboto" panose="02000000000000000000" pitchFamily="2" charset="0"/>
+              </a:rPr>
+              <a:t>481 (Call/Transaction Does Not Exist) </a:t>
+            </a:r>
+            <a:r>
+              <a:rPr lang="ko-KR" altLang="en-US" sz="1400" dirty="0">
+                <a:latin typeface="Roboto" panose="02000000000000000000" pitchFamily="2" charset="0"/>
+              </a:rPr>
+              <a:t>응답을 하고 서버 트랜잭션에 전달</a:t>
+            </a:r>
+            <a:endParaRPr lang="en-US" altLang="ko-KR" sz="1400" dirty="0">
+              <a:latin typeface="Roboto" panose="02000000000000000000" pitchFamily="2" charset="0"/>
+            </a:endParaRPr>
+          </a:p>
+          <a:p>
+            <a:pPr marL="285750" indent="-285750">
+              <a:lnSpc>
+                <a:spcPct val="200000"/>
+              </a:lnSpc>
+              <a:buFont typeface="Arial" panose="020B0604020202020204" pitchFamily="34" charset="0"/>
+              <a:buChar char="•"/>
+            </a:pPr>
+            <a:r>
+              <a:rPr lang="ko-KR" altLang="en-US" sz="1400" dirty="0">
+                <a:latin typeface="Roboto" panose="02000000000000000000" pitchFamily="2" charset="0"/>
+              </a:rPr>
+              <a:t>다이얼로그 상태를 변경하지 않는 요청</a:t>
+            </a:r>
+            <a:r>
+              <a:rPr lang="en-US" altLang="ko-KR" sz="1400" dirty="0">
+                <a:latin typeface="Roboto" panose="02000000000000000000" pitchFamily="2" charset="0"/>
+              </a:rPr>
+              <a:t>(ex:</a:t>
+            </a:r>
+            <a:r>
+              <a:rPr lang="ko-KR" altLang="en-US" sz="1400" dirty="0">
+                <a:latin typeface="Roboto" panose="02000000000000000000" pitchFamily="2" charset="0"/>
+              </a:rPr>
+              <a:t> </a:t>
+            </a:r>
+            <a:r>
+              <a:rPr lang="en-US" altLang="ko-KR" sz="1400" dirty="0">
+                <a:latin typeface="Roboto" panose="02000000000000000000" pitchFamily="2" charset="0"/>
+              </a:rPr>
+              <a:t>OPTIONS)</a:t>
+            </a:r>
+            <a:r>
+              <a:rPr lang="ko-KR" altLang="en-US" sz="1400" dirty="0">
+                <a:latin typeface="Roboto" panose="02000000000000000000" pitchFamily="2" charset="0"/>
+              </a:rPr>
+              <a:t>은 다이얼로그 내에서 수신 가능</a:t>
+            </a:r>
+            <a:endParaRPr lang="en-US" altLang="ko-KR" sz="1400" dirty="0">
+              <a:latin typeface="Roboto" panose="02000000000000000000" pitchFamily="2" charset="0"/>
+            </a:endParaRPr>
+          </a:p>
+          <a:p>
+            <a:pPr marL="742950" lvl="1" indent="-285750">
+              <a:lnSpc>
+                <a:spcPct val="200000"/>
+              </a:lnSpc>
+              <a:buFontTx/>
+              <a:buChar char="-"/>
+            </a:pPr>
+            <a:r>
+              <a:rPr lang="ko-KR" altLang="en-US" sz="1200" dirty="0">
+                <a:latin typeface="Roboto" panose="02000000000000000000" pitchFamily="2" charset="0"/>
+              </a:rPr>
+              <a:t>이러한 요청은 다이얼로그 외부에서 수신된 것처럼 처리</a:t>
+            </a:r>
+            <a:endParaRPr lang="en-US" altLang="ko-KR" sz="1200" dirty="0">
+              <a:latin typeface="Roboto" panose="02000000000000000000" pitchFamily="2" charset="0"/>
+            </a:endParaRPr>
+          </a:p>
+        </p:txBody>
+      </p:sp>
     </p:spTree>
     <p:extLst>
       <p:ext uri="{BB962C8B-B14F-4D97-AF65-F5344CB8AC3E}">
-        <p14:creationId xmlns:p14="http://schemas.microsoft.com/office/powerpoint/2010/main" val="4134332391"/>
+        <p14:creationId xmlns:p14="http://schemas.microsoft.com/office/powerpoint/2010/main" val="1130712871"/>
       </p:ext>
     </p:extLst>
   </p:cSld>
@@ -18057,10 +19837,10 @@
           <a:lstStyle/>
           <a:p>
             <a:r>
-              <a:rPr lang="en-US" altLang="ko-KR"/>
-              <a:t>6. Terminating a Session</a:t>
-            </a:r>
-            <a:endParaRPr lang="ko-KR" altLang="en-US"/>
+              <a:rPr lang="en-US" altLang="ko-KR" dirty="0"/>
+              <a:t>4. Dialogs – Requests within a Dialog (5)</a:t>
+            </a:r>
+            <a:endParaRPr lang="ko-KR" altLang="en-US" dirty="0"/>
           </a:p>
         </p:txBody>
       </p:sp>
@@ -18088,6 +19868,1011 @@
             <a:fld id="{A9252A94-CC09-4928-8209-20295AE91AEF}" type="slidenum">
               <a:rPr lang="ko-KR" altLang="en-US" smtClean="0"/>
               <a:t>24</a:t>
+            </a:fld>
+            <a:endParaRPr lang="ko-KR" altLang="en-US"/>
+          </a:p>
+        </p:txBody>
+      </p:sp>
+      <p:sp>
+        <p:nvSpPr>
+          <p:cNvPr id="3" name="직사각형 2">
+            <a:extLst>
+              <a:ext uri="{FF2B5EF4-FFF2-40B4-BE49-F238E27FC236}">
+                <a16:creationId xmlns:a16="http://schemas.microsoft.com/office/drawing/2014/main" id="{8B85671B-DA96-EB92-6741-3EA97B7E436C}"/>
+              </a:ext>
+            </a:extLst>
+          </p:cNvPr>
+          <p:cNvSpPr/>
+          <p:nvPr/>
+        </p:nvSpPr>
+        <p:spPr>
+          <a:xfrm>
+            <a:off x="751367" y="923181"/>
+            <a:ext cx="11147556" cy="3054682"/>
+          </a:xfrm>
+          <a:prstGeom prst="rect">
+            <a:avLst/>
+          </a:prstGeom>
+        </p:spPr>
+        <p:txBody>
+          <a:bodyPr wrap="square">
+            <a:spAutoFit/>
+          </a:bodyPr>
+          <a:lstStyle/>
+          <a:p>
+            <a:pPr marL="285750" indent="-285750">
+              <a:lnSpc>
+                <a:spcPct val="200000"/>
+              </a:lnSpc>
+              <a:buFont typeface="Arial" panose="020B0604020202020204" pitchFamily="34" charset="0"/>
+              <a:buChar char="•"/>
+            </a:pPr>
+            <a:r>
+              <a:rPr lang="en-US" altLang="ko-KR" sz="1400" b="1" dirty="0">
+                <a:latin typeface="Roboto" panose="02000000000000000000" pitchFamily="2" charset="0"/>
+              </a:rPr>
+              <a:t>remote sequence number </a:t>
+            </a:r>
+            <a:r>
+              <a:rPr lang="ko-KR" altLang="en-US" sz="1400" b="1" dirty="0">
+                <a:latin typeface="Roboto" panose="02000000000000000000" pitchFamily="2" charset="0"/>
+              </a:rPr>
+              <a:t>비교</a:t>
+            </a:r>
+            <a:endParaRPr lang="en-US" altLang="ko-KR" sz="1400" b="1" dirty="0">
+              <a:latin typeface="Roboto" panose="02000000000000000000" pitchFamily="2" charset="0"/>
+            </a:endParaRPr>
+          </a:p>
+          <a:p>
+            <a:pPr marL="742950" lvl="1" indent="-285750">
+              <a:lnSpc>
+                <a:spcPct val="200000"/>
+              </a:lnSpc>
+              <a:buFontTx/>
+              <a:buChar char="-"/>
+            </a:pPr>
+            <a:r>
+              <a:rPr lang="en-US" altLang="ko-KR" sz="1200" dirty="0">
+                <a:latin typeface="Roboto" panose="02000000000000000000" pitchFamily="2" charset="0"/>
+              </a:rPr>
+              <a:t>remote sequence number </a:t>
+            </a:r>
+            <a:r>
+              <a:rPr lang="ko-KR" altLang="en-US" sz="1200" dirty="0">
+                <a:latin typeface="Roboto" panose="02000000000000000000" pitchFamily="2" charset="0"/>
+              </a:rPr>
+              <a:t>가 </a:t>
+            </a:r>
+            <a:r>
+              <a:rPr lang="en-US" altLang="ko-KR" sz="1200" dirty="0">
+                <a:latin typeface="Roboto" panose="02000000000000000000" pitchFamily="2" charset="0"/>
+              </a:rPr>
+              <a:t>empty </a:t>
+            </a:r>
+            <a:r>
+              <a:rPr lang="ko-KR" altLang="en-US" sz="1200" dirty="0">
+                <a:latin typeface="Roboto" panose="02000000000000000000" pitchFamily="2" charset="0"/>
+              </a:rPr>
+              <a:t>인 경우 </a:t>
+            </a:r>
+            <a:r>
+              <a:rPr lang="en-US" altLang="ko-KR" sz="1200" dirty="0">
+                <a:latin typeface="Roboto" panose="02000000000000000000" pitchFamily="2" charset="0"/>
+              </a:rPr>
+              <a:t>: </a:t>
+            </a:r>
+            <a:r>
+              <a:rPr lang="ko-KR" altLang="en-US" sz="1200" dirty="0">
+                <a:latin typeface="Roboto" panose="02000000000000000000" pitchFamily="2" charset="0"/>
+              </a:rPr>
+              <a:t>요청의 </a:t>
+            </a:r>
+            <a:r>
+              <a:rPr lang="en-US" altLang="ko-KR" sz="1200" b="1" dirty="0" err="1">
+                <a:latin typeface="Roboto" panose="02000000000000000000" pitchFamily="2" charset="0"/>
+              </a:rPr>
+              <a:t>CSeq</a:t>
+            </a:r>
+            <a:r>
+              <a:rPr lang="en-US" altLang="ko-KR" sz="1200" dirty="0">
+                <a:latin typeface="Roboto" panose="02000000000000000000" pitchFamily="2" charset="0"/>
+              </a:rPr>
+              <a:t> </a:t>
+            </a:r>
+            <a:r>
+              <a:rPr lang="ko-KR" altLang="en-US" sz="1200" dirty="0">
+                <a:latin typeface="Roboto" panose="02000000000000000000" pitchFamily="2" charset="0"/>
+              </a:rPr>
+              <a:t>헤더 값으로 설정</a:t>
+            </a:r>
+            <a:endParaRPr lang="en-US" altLang="ko-KR" sz="1200" dirty="0">
+              <a:latin typeface="Roboto" panose="02000000000000000000" pitchFamily="2" charset="0"/>
+            </a:endParaRPr>
+          </a:p>
+          <a:p>
+            <a:pPr marL="742950" lvl="1" indent="-285750">
+              <a:lnSpc>
+                <a:spcPct val="200000"/>
+              </a:lnSpc>
+              <a:buFontTx/>
+              <a:buChar char="-"/>
+            </a:pPr>
+            <a:r>
+              <a:rPr lang="en-US" altLang="ko-KR" sz="1200" dirty="0">
+                <a:latin typeface="Roboto" panose="02000000000000000000" pitchFamily="2" charset="0"/>
+              </a:rPr>
+              <a:t>remote sequence number </a:t>
+            </a:r>
+            <a:r>
+              <a:rPr lang="ko-KR" altLang="en-US" sz="1200" dirty="0">
+                <a:latin typeface="Roboto" panose="02000000000000000000" pitchFamily="2" charset="0"/>
+              </a:rPr>
+              <a:t>가 </a:t>
+            </a:r>
+            <a:r>
+              <a:rPr lang="en-US" altLang="ko-KR" sz="1200" dirty="0">
+                <a:latin typeface="Roboto" panose="02000000000000000000" pitchFamily="2" charset="0"/>
+              </a:rPr>
+              <a:t>empty </a:t>
+            </a:r>
+            <a:r>
+              <a:rPr lang="ko-KR" altLang="en-US" sz="1200" dirty="0">
+                <a:latin typeface="Roboto" panose="02000000000000000000" pitchFamily="2" charset="0"/>
+              </a:rPr>
+              <a:t>가 아닌 경우</a:t>
+            </a:r>
+            <a:endParaRPr lang="en-US" altLang="ko-KR" sz="1200" dirty="0">
+              <a:latin typeface="Roboto" panose="02000000000000000000" pitchFamily="2" charset="0"/>
+            </a:endParaRPr>
+          </a:p>
+          <a:p>
+            <a:pPr marL="1200150" lvl="2" indent="-285750">
+              <a:lnSpc>
+                <a:spcPct val="200000"/>
+              </a:lnSpc>
+              <a:buFont typeface="Wingdings" panose="05000000000000000000" pitchFamily="2" charset="2"/>
+              <a:buChar char="§"/>
+            </a:pPr>
+            <a:r>
+              <a:rPr lang="ko-KR" altLang="en-US" sz="1200" dirty="0">
+                <a:latin typeface="Roboto" panose="02000000000000000000" pitchFamily="2" charset="0"/>
+              </a:rPr>
+              <a:t>요청의 </a:t>
+            </a:r>
+            <a:r>
+              <a:rPr lang="en-US" altLang="ko-KR" sz="1200" dirty="0" err="1">
+                <a:latin typeface="Roboto" panose="02000000000000000000" pitchFamily="2" charset="0"/>
+              </a:rPr>
+              <a:t>CSeq</a:t>
+            </a:r>
+            <a:r>
+              <a:rPr lang="en-US" altLang="ko-KR" sz="1200" dirty="0">
+                <a:latin typeface="Roboto" panose="02000000000000000000" pitchFamily="2" charset="0"/>
+              </a:rPr>
+              <a:t> </a:t>
+            </a:r>
+            <a:r>
+              <a:rPr lang="en-US" altLang="ko-KR" sz="1200" b="1" dirty="0">
+                <a:latin typeface="Roboto" panose="02000000000000000000" pitchFamily="2" charset="0"/>
+              </a:rPr>
+              <a:t>&lt;=</a:t>
+            </a:r>
+            <a:r>
+              <a:rPr lang="en-US" altLang="ko-KR" sz="1200" dirty="0">
+                <a:latin typeface="Roboto" panose="02000000000000000000" pitchFamily="2" charset="0"/>
+              </a:rPr>
+              <a:t> remote sequence number </a:t>
+            </a:r>
+            <a:r>
+              <a:rPr lang="ko-KR" altLang="en-US" sz="1200" dirty="0">
+                <a:latin typeface="Roboto" panose="02000000000000000000" pitchFamily="2" charset="0"/>
+              </a:rPr>
+              <a:t>이면</a:t>
+            </a:r>
+            <a:r>
+              <a:rPr lang="en-US" altLang="ko-KR" sz="1200" dirty="0">
+                <a:latin typeface="Roboto" panose="02000000000000000000" pitchFamily="2" charset="0"/>
+              </a:rPr>
+              <a:t>, </a:t>
+            </a:r>
+            <a:r>
+              <a:rPr lang="en-US" altLang="ko-KR" sz="1200" b="1" dirty="0">
+                <a:latin typeface="Roboto" panose="02000000000000000000" pitchFamily="2" charset="0"/>
+              </a:rPr>
+              <a:t>500 (Server Internal Error)</a:t>
+            </a:r>
+            <a:r>
+              <a:rPr lang="en-US" altLang="ko-KR" sz="1200" dirty="0">
+                <a:latin typeface="Roboto" panose="02000000000000000000" pitchFamily="2" charset="0"/>
+              </a:rPr>
+              <a:t> </a:t>
+            </a:r>
+            <a:r>
+              <a:rPr lang="ko-KR" altLang="en-US" sz="1200" dirty="0">
+                <a:latin typeface="Roboto" panose="02000000000000000000" pitchFamily="2" charset="0"/>
+              </a:rPr>
+              <a:t>응답으로 거부</a:t>
+            </a:r>
+            <a:endParaRPr lang="en-US" altLang="ko-KR" sz="1200" dirty="0">
+              <a:latin typeface="Roboto" panose="02000000000000000000" pitchFamily="2" charset="0"/>
+            </a:endParaRPr>
+          </a:p>
+          <a:p>
+            <a:pPr marL="1200150" lvl="2" indent="-285750">
+              <a:lnSpc>
+                <a:spcPct val="200000"/>
+              </a:lnSpc>
+              <a:buFont typeface="Wingdings" panose="05000000000000000000" pitchFamily="2" charset="2"/>
+              <a:buChar char="§"/>
+            </a:pPr>
+            <a:r>
+              <a:rPr lang="ko-KR" altLang="en-US" sz="1200" dirty="0">
+                <a:latin typeface="Roboto" panose="02000000000000000000" pitchFamily="2" charset="0"/>
+              </a:rPr>
+              <a:t>요청의 </a:t>
+            </a:r>
+            <a:r>
+              <a:rPr lang="en-US" altLang="ko-KR" sz="1200" dirty="0" err="1">
+                <a:latin typeface="Roboto" panose="02000000000000000000" pitchFamily="2" charset="0"/>
+              </a:rPr>
+              <a:t>CSeq</a:t>
+            </a:r>
+            <a:r>
+              <a:rPr lang="en-US" altLang="ko-KR" sz="1200" dirty="0">
+                <a:latin typeface="Roboto" panose="02000000000000000000" pitchFamily="2" charset="0"/>
+              </a:rPr>
+              <a:t> &gt; remote</a:t>
+            </a:r>
+            <a:r>
+              <a:rPr lang="ko-KR" altLang="en-US" sz="1200" dirty="0">
+                <a:latin typeface="Roboto" panose="02000000000000000000" pitchFamily="2" charset="0"/>
+              </a:rPr>
+              <a:t> </a:t>
+            </a:r>
+            <a:r>
+              <a:rPr lang="en-US" altLang="ko-KR" sz="1200" dirty="0">
+                <a:latin typeface="Roboto" panose="02000000000000000000" pitchFamily="2" charset="0"/>
+              </a:rPr>
+              <a:t>sequence</a:t>
+            </a:r>
+            <a:r>
+              <a:rPr lang="ko-KR" altLang="en-US" sz="1200" dirty="0">
+                <a:latin typeface="Roboto" panose="02000000000000000000" pitchFamily="2" charset="0"/>
+              </a:rPr>
+              <a:t> </a:t>
+            </a:r>
+            <a:r>
+              <a:rPr lang="en-US" altLang="ko-KR" sz="1200" dirty="0">
+                <a:latin typeface="Roboto" panose="02000000000000000000" pitchFamily="2" charset="0"/>
+              </a:rPr>
+              <a:t>number </a:t>
+            </a:r>
+            <a:r>
+              <a:rPr lang="ko-KR" altLang="en-US" sz="1200" dirty="0">
+                <a:latin typeface="Roboto" panose="02000000000000000000" pitchFamily="2" charset="0"/>
+              </a:rPr>
+              <a:t>이면</a:t>
+            </a:r>
+            <a:r>
+              <a:rPr lang="en-US" altLang="ko-KR" sz="1200" dirty="0">
+                <a:latin typeface="Roboto" panose="02000000000000000000" pitchFamily="2" charset="0"/>
+              </a:rPr>
+              <a:t>, </a:t>
+            </a:r>
+            <a:r>
+              <a:rPr lang="ko-KR" altLang="en-US" sz="1200" dirty="0">
+                <a:latin typeface="Roboto" panose="02000000000000000000" pitchFamily="2" charset="0"/>
+              </a:rPr>
+              <a:t>정상 </a:t>
+            </a:r>
+            <a:r>
+              <a:rPr lang="en-US" altLang="ko-KR" sz="1200" dirty="0">
+                <a:latin typeface="Roboto" panose="02000000000000000000" pitchFamily="2" charset="0"/>
+              </a:rPr>
+              <a:t>case</a:t>
+            </a:r>
+          </a:p>
+          <a:p>
+            <a:pPr marL="1600200" lvl="3" indent="-228600">
+              <a:lnSpc>
+                <a:spcPct val="200000"/>
+              </a:lnSpc>
+              <a:buAutoNum type="arabicPeriod"/>
+            </a:pPr>
+            <a:r>
+              <a:rPr lang="en-US" altLang="ko-KR" sz="1200" dirty="0">
+                <a:latin typeface="Roboto" panose="02000000000000000000" pitchFamily="2" charset="0"/>
+              </a:rPr>
+              <a:t>UAS</a:t>
+            </a:r>
+            <a:r>
+              <a:rPr lang="ko-KR" altLang="en-US" sz="1200" dirty="0">
+                <a:latin typeface="Roboto" panose="02000000000000000000" pitchFamily="2" charset="0"/>
+              </a:rPr>
+              <a:t> 는 이전에 수신한 요청보다 </a:t>
+            </a:r>
+            <a:r>
+              <a:rPr lang="en-US" altLang="ko-KR" sz="1200" dirty="0">
+                <a:latin typeface="Roboto" panose="02000000000000000000" pitchFamily="2" charset="0"/>
+              </a:rPr>
+              <a:t>1</a:t>
+            </a:r>
+            <a:r>
+              <a:rPr lang="ko-KR" altLang="en-US" sz="1200" dirty="0">
+                <a:latin typeface="Roboto" panose="02000000000000000000" pitchFamily="2" charset="0"/>
+              </a:rPr>
+              <a:t>이상 큰 </a:t>
+            </a:r>
+            <a:r>
+              <a:rPr lang="en-US" altLang="ko-KR" sz="1200" dirty="0" err="1">
+                <a:latin typeface="Roboto" panose="02000000000000000000" pitchFamily="2" charset="0"/>
+              </a:rPr>
+              <a:t>CSeq</a:t>
+            </a:r>
+            <a:r>
+              <a:rPr lang="en-US" altLang="ko-KR" sz="1200" dirty="0">
+                <a:latin typeface="Roboto" panose="02000000000000000000" pitchFamily="2" charset="0"/>
+              </a:rPr>
+              <a:t> </a:t>
+            </a:r>
+            <a:r>
+              <a:rPr lang="ko-KR" altLang="en-US" sz="1200" dirty="0">
+                <a:latin typeface="Roboto" panose="02000000000000000000" pitchFamily="2" charset="0"/>
+              </a:rPr>
+              <a:t>값을 갖는 요청을 처리할 준비를 해야함</a:t>
+            </a:r>
+            <a:endParaRPr lang="en-US" altLang="ko-KR" sz="1200" dirty="0">
+              <a:latin typeface="Roboto" panose="02000000000000000000" pitchFamily="2" charset="0"/>
+            </a:endParaRPr>
+          </a:p>
+          <a:p>
+            <a:pPr marL="1600200" lvl="3" indent="-228600">
+              <a:lnSpc>
+                <a:spcPct val="200000"/>
+              </a:lnSpc>
+              <a:buAutoNum type="arabicPeriod"/>
+            </a:pPr>
+            <a:r>
+              <a:rPr lang="en-US" altLang="ko-KR" sz="1200" dirty="0">
+                <a:latin typeface="Roboto" panose="02000000000000000000" pitchFamily="2" charset="0"/>
+              </a:rPr>
+              <a:t>UAS </a:t>
+            </a:r>
+            <a:r>
+              <a:rPr lang="ko-KR" altLang="en-US" sz="1200" dirty="0">
+                <a:latin typeface="Roboto" panose="02000000000000000000" pitchFamily="2" charset="0"/>
+              </a:rPr>
+              <a:t>는 </a:t>
+            </a:r>
+            <a:r>
+              <a:rPr lang="en-US" altLang="ko-KR" sz="1200" dirty="0">
+                <a:latin typeface="Roboto" panose="02000000000000000000" pitchFamily="2" charset="0"/>
+              </a:rPr>
+              <a:t>remote sequence number </a:t>
+            </a:r>
+            <a:r>
+              <a:rPr lang="ko-KR" altLang="en-US" sz="1200" dirty="0">
+                <a:latin typeface="Roboto" panose="02000000000000000000" pitchFamily="2" charset="0"/>
+              </a:rPr>
+              <a:t>를 요청에 있는 </a:t>
+            </a:r>
+            <a:r>
+              <a:rPr lang="en-US" altLang="ko-KR" sz="1200" dirty="0" err="1">
+                <a:latin typeface="Roboto" panose="02000000000000000000" pitchFamily="2" charset="0"/>
+              </a:rPr>
+              <a:t>CSeq</a:t>
+            </a:r>
+            <a:r>
+              <a:rPr lang="en-US" altLang="ko-KR" sz="1200" dirty="0">
+                <a:latin typeface="Roboto" panose="02000000000000000000" pitchFamily="2" charset="0"/>
+              </a:rPr>
+              <a:t> </a:t>
+            </a:r>
+            <a:r>
+              <a:rPr lang="ko-KR" altLang="en-US" sz="1200" dirty="0">
+                <a:latin typeface="Roboto" panose="02000000000000000000" pitchFamily="2" charset="0"/>
+              </a:rPr>
+              <a:t>헤더 값으로 설정</a:t>
+            </a:r>
+            <a:endParaRPr lang="en-US" altLang="ko-KR" sz="1200" dirty="0">
+              <a:latin typeface="Roboto" panose="02000000000000000000" pitchFamily="2" charset="0"/>
+            </a:endParaRPr>
+          </a:p>
+          <a:p>
+            <a:pPr marL="285750" indent="-285750">
+              <a:lnSpc>
+                <a:spcPct val="200000"/>
+              </a:lnSpc>
+              <a:buFont typeface="Arial" panose="020B0604020202020204" pitchFamily="34" charset="0"/>
+              <a:buChar char="•"/>
+            </a:pPr>
+            <a:r>
+              <a:rPr lang="en-US" altLang="ko-KR" sz="1200" dirty="0">
+                <a:latin typeface="Roboto" panose="02000000000000000000" pitchFamily="2" charset="0"/>
+              </a:rPr>
+              <a:t>target</a:t>
+            </a:r>
+            <a:r>
+              <a:rPr lang="ko-KR" altLang="en-US" sz="1200" dirty="0">
+                <a:latin typeface="Roboto" panose="02000000000000000000" pitchFamily="2" charset="0"/>
+              </a:rPr>
+              <a:t> </a:t>
+            </a:r>
+            <a:r>
+              <a:rPr lang="en-US" altLang="ko-KR" sz="1200" dirty="0">
+                <a:latin typeface="Roboto" panose="02000000000000000000" pitchFamily="2" charset="0"/>
+              </a:rPr>
+              <a:t>refresh</a:t>
+            </a:r>
+            <a:r>
+              <a:rPr lang="ko-KR" altLang="en-US" sz="1200" dirty="0">
+                <a:latin typeface="Roboto" panose="02000000000000000000" pitchFamily="2" charset="0"/>
+              </a:rPr>
+              <a:t> </a:t>
+            </a:r>
+            <a:r>
+              <a:rPr lang="en-US" altLang="ko-KR" sz="1200" dirty="0">
+                <a:latin typeface="Roboto" panose="02000000000000000000" pitchFamily="2" charset="0"/>
+              </a:rPr>
+              <a:t>request</a:t>
+            </a:r>
+            <a:r>
+              <a:rPr lang="ko-KR" altLang="en-US" sz="1200" dirty="0">
+                <a:latin typeface="Roboto" panose="02000000000000000000" pitchFamily="2" charset="0"/>
+              </a:rPr>
+              <a:t> 를 수신하면</a:t>
+            </a:r>
+            <a:r>
+              <a:rPr lang="en-US" altLang="ko-KR" sz="1200" dirty="0">
+                <a:latin typeface="Roboto" panose="02000000000000000000" pitchFamily="2" charset="0"/>
+              </a:rPr>
+              <a:t>, </a:t>
+            </a:r>
+            <a:r>
+              <a:rPr lang="en-US" altLang="ko-KR" sz="1200" b="1" dirty="0">
+                <a:latin typeface="Roboto" panose="02000000000000000000" pitchFamily="2" charset="0"/>
+              </a:rPr>
+              <a:t>remote target URI </a:t>
+            </a:r>
+            <a:r>
+              <a:rPr lang="ko-KR" altLang="en-US" sz="1200" dirty="0">
+                <a:latin typeface="Roboto" panose="02000000000000000000" pitchFamily="2" charset="0"/>
+              </a:rPr>
+              <a:t>를 요청에 있는 </a:t>
+            </a:r>
+            <a:r>
+              <a:rPr lang="en-US" altLang="ko-KR" sz="1200" b="1" dirty="0">
+                <a:latin typeface="Roboto" panose="02000000000000000000" pitchFamily="2" charset="0"/>
+              </a:rPr>
+              <a:t>Contact</a:t>
+            </a:r>
+            <a:r>
+              <a:rPr lang="en-US" altLang="ko-KR" sz="1200" dirty="0">
+                <a:latin typeface="Roboto" panose="02000000000000000000" pitchFamily="2" charset="0"/>
+              </a:rPr>
+              <a:t> </a:t>
+            </a:r>
+            <a:r>
+              <a:rPr lang="ko-KR" altLang="en-US" sz="1200" dirty="0">
+                <a:latin typeface="Roboto" panose="02000000000000000000" pitchFamily="2" charset="0"/>
+              </a:rPr>
+              <a:t>헤더 값으로 대체</a:t>
+            </a:r>
+            <a:endParaRPr lang="en-US" altLang="ko-KR" sz="1200" dirty="0">
+              <a:latin typeface="Roboto" panose="02000000000000000000" pitchFamily="2" charset="0"/>
+            </a:endParaRPr>
+          </a:p>
+        </p:txBody>
+      </p:sp>
+    </p:spTree>
+    <p:extLst>
+      <p:ext uri="{BB962C8B-B14F-4D97-AF65-F5344CB8AC3E}">
+        <p14:creationId xmlns:p14="http://schemas.microsoft.com/office/powerpoint/2010/main" val="2622500535"/>
+      </p:ext>
+    </p:extLst>
+  </p:cSld>
+  <p:clrMapOvr>
+    <a:masterClrMapping/>
+  </p:clrMapOvr>
+</p:sld>
+</file>
+
+<file path=ppt/slides/slide25.xml><?xml version="1.0" encoding="utf-8"?>
+<p:sld xmlns:a="http://schemas.openxmlformats.org/drawingml/2006/main" xmlns:r="http://schemas.openxmlformats.org/officeDocument/2006/relationships" xmlns:p="http://schemas.openxmlformats.org/presentationml/2006/main">
+  <p:cSld>
+    <p:spTree>
+      <p:nvGrpSpPr>
+        <p:cNvPr id="1" name=""/>
+        <p:cNvGrpSpPr/>
+        <p:nvPr/>
+      </p:nvGrpSpPr>
+      <p:grpSpPr>
+        <a:xfrm>
+          <a:off x="0" y="0"/>
+          <a:ext cx="0" cy="0"/>
+          <a:chOff x="0" y="0"/>
+          <a:chExt cx="0" cy="0"/>
+        </a:xfrm>
+      </p:grpSpPr>
+      <p:sp>
+        <p:nvSpPr>
+          <p:cNvPr id="2" name="제목 1">
+            <a:extLst>
+              <a:ext uri="{FF2B5EF4-FFF2-40B4-BE49-F238E27FC236}">
+                <a16:creationId xmlns:a16="http://schemas.microsoft.com/office/drawing/2014/main" id="{8C9AF931-2C38-43C8-9E3C-AED4EC2E41A6}"/>
+              </a:ext>
+            </a:extLst>
+          </p:cNvPr>
+          <p:cNvSpPr>
+            <a:spLocks noGrp="1"/>
+          </p:cNvSpPr>
+          <p:nvPr>
+            <p:ph type="title"/>
+          </p:nvPr>
+        </p:nvSpPr>
+        <p:spPr>
+          <a:xfrm>
+            <a:off x="0" y="0"/>
+            <a:ext cx="12192000" cy="549275"/>
+          </a:xfrm>
+        </p:spPr>
+        <p:txBody>
+          <a:bodyPr/>
+          <a:lstStyle/>
+          <a:p>
+            <a:r>
+              <a:rPr lang="en-US" altLang="ko-KR" dirty="0"/>
+              <a:t>4. Dialogs – Terminating of a Dialog</a:t>
+            </a:r>
+            <a:endParaRPr lang="ko-KR" altLang="en-US" dirty="0"/>
+          </a:p>
+        </p:txBody>
+      </p:sp>
+      <p:sp>
+        <p:nvSpPr>
+          <p:cNvPr id="4" name="슬라이드 번호 개체 틀 3">
+            <a:extLst>
+              <a:ext uri="{FF2B5EF4-FFF2-40B4-BE49-F238E27FC236}">
+                <a16:creationId xmlns:a16="http://schemas.microsoft.com/office/drawing/2014/main" id="{63151CCF-057C-4F06-8A51-C3671F753532}"/>
+              </a:ext>
+            </a:extLst>
+          </p:cNvPr>
+          <p:cNvSpPr>
+            <a:spLocks noGrp="1"/>
+          </p:cNvSpPr>
+          <p:nvPr>
+            <p:ph type="sldNum" sz="quarter" idx="12"/>
+          </p:nvPr>
+        </p:nvSpPr>
+        <p:spPr/>
+        <p:txBody>
+          <a:bodyPr/>
+          <a:lstStyle/>
+          <a:p>
+            <a:fld id="{A9252A94-CC09-4928-8209-20295AE91AEF}" type="slidenum">
+              <a:rPr lang="ko-KR" altLang="en-US" smtClean="0"/>
+              <a:t>25</a:t>
+            </a:fld>
+            <a:endParaRPr lang="ko-KR" altLang="en-US"/>
+          </a:p>
+        </p:txBody>
+      </p:sp>
+      <p:sp>
+        <p:nvSpPr>
+          <p:cNvPr id="3" name="직사각형 2">
+            <a:extLst>
+              <a:ext uri="{FF2B5EF4-FFF2-40B4-BE49-F238E27FC236}">
+                <a16:creationId xmlns:a16="http://schemas.microsoft.com/office/drawing/2014/main" id="{8B85671B-DA96-EB92-6741-3EA97B7E436C}"/>
+              </a:ext>
+            </a:extLst>
+          </p:cNvPr>
+          <p:cNvSpPr/>
+          <p:nvPr/>
+        </p:nvSpPr>
+        <p:spPr>
+          <a:xfrm>
+            <a:off x="666459" y="923181"/>
+            <a:ext cx="11147556" cy="1146468"/>
+          </a:xfrm>
+          <a:prstGeom prst="rect">
+            <a:avLst/>
+          </a:prstGeom>
+        </p:spPr>
+        <p:txBody>
+          <a:bodyPr wrap="square">
+            <a:spAutoFit/>
+          </a:bodyPr>
+          <a:lstStyle/>
+          <a:p>
+            <a:pPr marL="171450" indent="-171450">
+              <a:lnSpc>
+                <a:spcPct val="200000"/>
+              </a:lnSpc>
+              <a:buFont typeface="Arial" panose="020B0604020202020204" pitchFamily="34" charset="0"/>
+              <a:buChar char="•"/>
+            </a:pPr>
+            <a:r>
+              <a:rPr lang="ko-KR" altLang="en-US" sz="1200" dirty="0">
+                <a:latin typeface="Roboto" panose="02000000000000000000" pitchFamily="2" charset="0"/>
+              </a:rPr>
+              <a:t>메소드와 관계없이 다이얼로그 외부의 요청이 </a:t>
+            </a:r>
+            <a:r>
+              <a:rPr lang="en-US" altLang="ko-KR" sz="1200" dirty="0">
+                <a:latin typeface="Roboto" panose="02000000000000000000" pitchFamily="2" charset="0"/>
+              </a:rPr>
+              <a:t>non-2xx final </a:t>
+            </a:r>
+            <a:r>
+              <a:rPr lang="ko-KR" altLang="en-US" sz="1200" dirty="0">
+                <a:latin typeface="Roboto" panose="02000000000000000000" pitchFamily="2" charset="0"/>
+              </a:rPr>
+              <a:t>응답을 생성하면</a:t>
+            </a:r>
+            <a:r>
+              <a:rPr lang="en-US" altLang="ko-KR" sz="1200" dirty="0">
+                <a:latin typeface="Roboto" panose="02000000000000000000" pitchFamily="2" charset="0"/>
+              </a:rPr>
+              <a:t>, </a:t>
+            </a:r>
+            <a:r>
+              <a:rPr lang="ko-KR" altLang="en-US" sz="1200" dirty="0">
+                <a:latin typeface="Roboto" panose="02000000000000000000" pitchFamily="2" charset="0"/>
+              </a:rPr>
+              <a:t>해당 요청에 대한 </a:t>
+            </a:r>
+            <a:r>
+              <a:rPr lang="en-US" altLang="ko-KR" sz="1200" dirty="0">
+                <a:latin typeface="Roboto" panose="02000000000000000000" pitchFamily="2" charset="0"/>
+              </a:rPr>
+              <a:t>provisional </a:t>
+            </a:r>
+            <a:r>
+              <a:rPr lang="ko-KR" altLang="en-US" sz="1200" dirty="0">
+                <a:latin typeface="Roboto" panose="02000000000000000000" pitchFamily="2" charset="0"/>
+              </a:rPr>
+              <a:t>응답을 통해 생성된 모든 </a:t>
+            </a:r>
+            <a:r>
+              <a:rPr lang="en-US" altLang="ko-KR" sz="1200" dirty="0">
+                <a:latin typeface="Roboto" panose="02000000000000000000" pitchFamily="2" charset="0"/>
+              </a:rPr>
+              <a:t>“early” </a:t>
+            </a:r>
+            <a:r>
+              <a:rPr lang="ko-KR" altLang="en-US" sz="1200" dirty="0">
+                <a:latin typeface="Roboto" panose="02000000000000000000" pitchFamily="2" charset="0"/>
+              </a:rPr>
+              <a:t>상태의 다이얼로그를 종료</a:t>
+            </a:r>
+            <a:endParaRPr lang="en-US" altLang="ko-KR" sz="1200" dirty="0">
+              <a:latin typeface="Roboto" panose="02000000000000000000" pitchFamily="2" charset="0"/>
+            </a:endParaRPr>
+          </a:p>
+          <a:p>
+            <a:pPr marL="171450" indent="-171450">
+              <a:lnSpc>
+                <a:spcPct val="200000"/>
+              </a:lnSpc>
+              <a:buFont typeface="Arial" panose="020B0604020202020204" pitchFamily="34" charset="0"/>
+              <a:buChar char="•"/>
+            </a:pPr>
+            <a:r>
+              <a:rPr lang="en-US" altLang="ko-KR" sz="1200" dirty="0">
+                <a:latin typeface="Roboto" panose="02000000000000000000" pitchFamily="2" charset="0"/>
+              </a:rPr>
+              <a:t>“confirmed” </a:t>
+            </a:r>
+            <a:r>
+              <a:rPr lang="ko-KR" altLang="en-US" sz="1200" dirty="0">
+                <a:latin typeface="Roboto" panose="02000000000000000000" pitchFamily="2" charset="0"/>
+              </a:rPr>
+              <a:t>상태의 다이얼로그를 종료하는 메커니즘은 메서드에 따라 다름</a:t>
+            </a:r>
+            <a:endParaRPr lang="en-US" altLang="ko-KR" sz="1200" dirty="0">
+              <a:latin typeface="Roboto" panose="02000000000000000000" pitchFamily="2" charset="0"/>
+            </a:endParaRPr>
+          </a:p>
+          <a:p>
+            <a:pPr marL="171450" indent="-171450">
+              <a:lnSpc>
+                <a:spcPct val="200000"/>
+              </a:lnSpc>
+              <a:buFont typeface="Arial" panose="020B0604020202020204" pitchFamily="34" charset="0"/>
+              <a:buChar char="•"/>
+            </a:pPr>
+            <a:r>
+              <a:rPr lang="en-US" altLang="ko-KR" sz="1200" dirty="0">
+                <a:latin typeface="Roboto" panose="02000000000000000000" pitchFamily="2" charset="0"/>
+              </a:rPr>
+              <a:t>BYE </a:t>
+            </a:r>
+            <a:r>
+              <a:rPr lang="ko-KR" altLang="en-US" sz="1200" dirty="0">
+                <a:latin typeface="Roboto" panose="02000000000000000000" pitchFamily="2" charset="0"/>
+              </a:rPr>
+              <a:t>메서드는 세션과 해당 세션과 관련된 다이얼로그를 종료</a:t>
+            </a:r>
+            <a:endParaRPr lang="en-US" altLang="ko-KR" sz="1200" dirty="0">
+              <a:latin typeface="Roboto" panose="02000000000000000000" pitchFamily="2" charset="0"/>
+            </a:endParaRPr>
+          </a:p>
+        </p:txBody>
+      </p:sp>
+    </p:spTree>
+    <p:extLst>
+      <p:ext uri="{BB962C8B-B14F-4D97-AF65-F5344CB8AC3E}">
+        <p14:creationId xmlns:p14="http://schemas.microsoft.com/office/powerpoint/2010/main" val="782406639"/>
+      </p:ext>
+    </p:extLst>
+  </p:cSld>
+  <p:clrMapOvr>
+    <a:masterClrMapping/>
+  </p:clrMapOvr>
+</p:sld>
+</file>
+
+<file path=ppt/slides/slide26.xml><?xml version="1.0" encoding="utf-8"?>
+<p:sld xmlns:a="http://schemas.openxmlformats.org/drawingml/2006/main" xmlns:r="http://schemas.openxmlformats.org/officeDocument/2006/relationships" xmlns:p="http://schemas.openxmlformats.org/presentationml/2006/main">
+  <p:cSld>
+    <p:spTree>
+      <p:nvGrpSpPr>
+        <p:cNvPr id="1" name=""/>
+        <p:cNvGrpSpPr/>
+        <p:nvPr/>
+      </p:nvGrpSpPr>
+      <p:grpSpPr>
+        <a:xfrm>
+          <a:off x="0" y="0"/>
+          <a:ext cx="0" cy="0"/>
+          <a:chOff x="0" y="0"/>
+          <a:chExt cx="0" cy="0"/>
+        </a:xfrm>
+      </p:grpSpPr>
+      <p:sp>
+        <p:nvSpPr>
+          <p:cNvPr id="2" name="제목 1">
+            <a:extLst>
+              <a:ext uri="{FF2B5EF4-FFF2-40B4-BE49-F238E27FC236}">
+                <a16:creationId xmlns:a16="http://schemas.microsoft.com/office/drawing/2014/main" id="{8C9AF931-2C38-43C8-9E3C-AED4EC2E41A6}"/>
+              </a:ext>
+            </a:extLst>
+          </p:cNvPr>
+          <p:cNvSpPr>
+            <a:spLocks noGrp="1"/>
+          </p:cNvSpPr>
+          <p:nvPr>
+            <p:ph type="title"/>
+          </p:nvPr>
+        </p:nvSpPr>
+        <p:spPr>
+          <a:xfrm>
+            <a:off x="0" y="0"/>
+            <a:ext cx="12192000" cy="549275"/>
+          </a:xfrm>
+        </p:spPr>
+        <p:txBody>
+          <a:bodyPr/>
+          <a:lstStyle/>
+          <a:p>
+            <a:r>
+              <a:rPr lang="en-US" altLang="ko-KR" dirty="0"/>
+              <a:t>5. Initiating a Session</a:t>
+            </a:r>
+            <a:endParaRPr lang="ko-KR" altLang="en-US" dirty="0"/>
+          </a:p>
+        </p:txBody>
+      </p:sp>
+      <p:sp>
+        <p:nvSpPr>
+          <p:cNvPr id="4" name="슬라이드 번호 개체 틀 3">
+            <a:extLst>
+              <a:ext uri="{FF2B5EF4-FFF2-40B4-BE49-F238E27FC236}">
+                <a16:creationId xmlns:a16="http://schemas.microsoft.com/office/drawing/2014/main" id="{63151CCF-057C-4F06-8A51-C3671F753532}"/>
+              </a:ext>
+            </a:extLst>
+          </p:cNvPr>
+          <p:cNvSpPr>
+            <a:spLocks noGrp="1"/>
+          </p:cNvSpPr>
+          <p:nvPr>
+            <p:ph type="sldNum" sz="quarter" idx="12"/>
+          </p:nvPr>
+        </p:nvSpPr>
+        <p:spPr/>
+        <p:txBody>
+          <a:bodyPr/>
+          <a:lstStyle/>
+          <a:p>
+            <a:fld id="{A9252A94-CC09-4928-8209-20295AE91AEF}" type="slidenum">
+              <a:rPr lang="ko-KR" altLang="en-US" smtClean="0"/>
+              <a:t>26</a:t>
+            </a:fld>
+            <a:endParaRPr lang="ko-KR" altLang="en-US"/>
+          </a:p>
+        </p:txBody>
+      </p:sp>
+    </p:spTree>
+    <p:extLst>
+      <p:ext uri="{BB962C8B-B14F-4D97-AF65-F5344CB8AC3E}">
+        <p14:creationId xmlns:p14="http://schemas.microsoft.com/office/powerpoint/2010/main" val="1584630631"/>
+      </p:ext>
+    </p:extLst>
+  </p:cSld>
+  <p:clrMapOvr>
+    <a:masterClrMapping/>
+  </p:clrMapOvr>
+</p:sld>
+</file>
+
+<file path=ppt/slides/slide27.xml><?xml version="1.0" encoding="utf-8"?>
+<p:sld xmlns:a="http://schemas.openxmlformats.org/drawingml/2006/main" xmlns:r="http://schemas.openxmlformats.org/officeDocument/2006/relationships" xmlns:p="http://schemas.openxmlformats.org/presentationml/2006/main">
+  <p:cSld>
+    <p:spTree>
+      <p:nvGrpSpPr>
+        <p:cNvPr id="1" name=""/>
+        <p:cNvGrpSpPr/>
+        <p:nvPr/>
+      </p:nvGrpSpPr>
+      <p:grpSpPr>
+        <a:xfrm>
+          <a:off x="0" y="0"/>
+          <a:ext cx="0" cy="0"/>
+          <a:chOff x="0" y="0"/>
+          <a:chExt cx="0" cy="0"/>
+        </a:xfrm>
+      </p:grpSpPr>
+      <p:sp>
+        <p:nvSpPr>
+          <p:cNvPr id="2" name="제목 1">
+            <a:extLst>
+              <a:ext uri="{FF2B5EF4-FFF2-40B4-BE49-F238E27FC236}">
+                <a16:creationId xmlns:a16="http://schemas.microsoft.com/office/drawing/2014/main" id="{8C9AF931-2C38-43C8-9E3C-AED4EC2E41A6}"/>
+              </a:ext>
+            </a:extLst>
+          </p:cNvPr>
+          <p:cNvSpPr>
+            <a:spLocks noGrp="1"/>
+          </p:cNvSpPr>
+          <p:nvPr>
+            <p:ph type="title"/>
+          </p:nvPr>
+        </p:nvSpPr>
+        <p:spPr>
+          <a:xfrm>
+            <a:off x="0" y="0"/>
+            <a:ext cx="12192000" cy="549275"/>
+          </a:xfrm>
+        </p:spPr>
+        <p:txBody>
+          <a:bodyPr/>
+          <a:lstStyle/>
+          <a:p>
+            <a:r>
+              <a:rPr lang="en-US" altLang="ko-KR" dirty="0"/>
+              <a:t>6. Modifying an Existing Session</a:t>
+            </a:r>
+            <a:endParaRPr lang="ko-KR" altLang="en-US" dirty="0"/>
+          </a:p>
+        </p:txBody>
+      </p:sp>
+      <p:sp>
+        <p:nvSpPr>
+          <p:cNvPr id="4" name="슬라이드 번호 개체 틀 3">
+            <a:extLst>
+              <a:ext uri="{FF2B5EF4-FFF2-40B4-BE49-F238E27FC236}">
+                <a16:creationId xmlns:a16="http://schemas.microsoft.com/office/drawing/2014/main" id="{63151CCF-057C-4F06-8A51-C3671F753532}"/>
+              </a:ext>
+            </a:extLst>
+          </p:cNvPr>
+          <p:cNvSpPr>
+            <a:spLocks noGrp="1"/>
+          </p:cNvSpPr>
+          <p:nvPr>
+            <p:ph type="sldNum" sz="quarter" idx="12"/>
+          </p:nvPr>
+        </p:nvSpPr>
+        <p:spPr/>
+        <p:txBody>
+          <a:bodyPr/>
+          <a:lstStyle/>
+          <a:p>
+            <a:fld id="{A9252A94-CC09-4928-8209-20295AE91AEF}" type="slidenum">
+              <a:rPr lang="ko-KR" altLang="en-US" smtClean="0"/>
+              <a:t>27</a:t>
+            </a:fld>
+            <a:endParaRPr lang="ko-KR" altLang="en-US"/>
+          </a:p>
+        </p:txBody>
+      </p:sp>
+    </p:spTree>
+    <p:extLst>
+      <p:ext uri="{BB962C8B-B14F-4D97-AF65-F5344CB8AC3E}">
+        <p14:creationId xmlns:p14="http://schemas.microsoft.com/office/powerpoint/2010/main" val="4134332391"/>
+      </p:ext>
+    </p:extLst>
+  </p:cSld>
+  <p:clrMapOvr>
+    <a:masterClrMapping/>
+  </p:clrMapOvr>
+</p:sld>
+</file>
+
+<file path=ppt/slides/slide28.xml><?xml version="1.0" encoding="utf-8"?>
+<p:sld xmlns:a="http://schemas.openxmlformats.org/drawingml/2006/main" xmlns:r="http://schemas.openxmlformats.org/officeDocument/2006/relationships" xmlns:p="http://schemas.openxmlformats.org/presentationml/2006/main">
+  <p:cSld>
+    <p:spTree>
+      <p:nvGrpSpPr>
+        <p:cNvPr id="1" name=""/>
+        <p:cNvGrpSpPr/>
+        <p:nvPr/>
+      </p:nvGrpSpPr>
+      <p:grpSpPr>
+        <a:xfrm>
+          <a:off x="0" y="0"/>
+          <a:ext cx="0" cy="0"/>
+          <a:chOff x="0" y="0"/>
+          <a:chExt cx="0" cy="0"/>
+        </a:xfrm>
+      </p:grpSpPr>
+      <p:sp>
+        <p:nvSpPr>
+          <p:cNvPr id="2" name="제목 1">
+            <a:extLst>
+              <a:ext uri="{FF2B5EF4-FFF2-40B4-BE49-F238E27FC236}">
+                <a16:creationId xmlns:a16="http://schemas.microsoft.com/office/drawing/2014/main" id="{8C9AF931-2C38-43C8-9E3C-AED4EC2E41A6}"/>
+              </a:ext>
+            </a:extLst>
+          </p:cNvPr>
+          <p:cNvSpPr>
+            <a:spLocks noGrp="1"/>
+          </p:cNvSpPr>
+          <p:nvPr>
+            <p:ph type="title"/>
+          </p:nvPr>
+        </p:nvSpPr>
+        <p:spPr>
+          <a:xfrm>
+            <a:off x="0" y="0"/>
+            <a:ext cx="12192000" cy="549275"/>
+          </a:xfrm>
+        </p:spPr>
+        <p:txBody>
+          <a:bodyPr/>
+          <a:lstStyle/>
+          <a:p>
+            <a:r>
+              <a:rPr lang="en-US" altLang="ko-KR" dirty="0"/>
+              <a:t>7. Terminating a Session</a:t>
+            </a:r>
+            <a:endParaRPr lang="ko-KR" altLang="en-US" dirty="0"/>
+          </a:p>
+        </p:txBody>
+      </p:sp>
+      <p:sp>
+        <p:nvSpPr>
+          <p:cNvPr id="4" name="슬라이드 번호 개체 틀 3">
+            <a:extLst>
+              <a:ext uri="{FF2B5EF4-FFF2-40B4-BE49-F238E27FC236}">
+                <a16:creationId xmlns:a16="http://schemas.microsoft.com/office/drawing/2014/main" id="{63151CCF-057C-4F06-8A51-C3671F753532}"/>
+              </a:ext>
+            </a:extLst>
+          </p:cNvPr>
+          <p:cNvSpPr>
+            <a:spLocks noGrp="1"/>
+          </p:cNvSpPr>
+          <p:nvPr>
+            <p:ph type="sldNum" sz="quarter" idx="12"/>
+          </p:nvPr>
+        </p:nvSpPr>
+        <p:spPr/>
+        <p:txBody>
+          <a:bodyPr/>
+          <a:lstStyle/>
+          <a:p>
+            <a:fld id="{A9252A94-CC09-4928-8209-20295AE91AEF}" type="slidenum">
+              <a:rPr lang="ko-KR" altLang="en-US" smtClean="0"/>
+              <a:t>28</a:t>
             </a:fld>
             <a:endParaRPr lang="ko-KR" altLang="en-US"/>
           </a:p>

--- a/세미나 2차.pptx
+++ b/세미나 2차.pptx
@@ -5,10 +5,10 @@
     <p:sldMasterId id="2147483648" r:id="rId1"/>
   </p:sldMasterIdLst>
   <p:notesMasterIdLst>
-    <p:notesMasterId r:id="rId30"/>
+    <p:notesMasterId r:id="rId33"/>
   </p:notesMasterIdLst>
   <p:handoutMasterIdLst>
-    <p:handoutMasterId r:id="rId31"/>
+    <p:handoutMasterId r:id="rId34"/>
   </p:handoutMasterIdLst>
   <p:sldIdLst>
     <p:sldId id="264" r:id="rId2"/>
@@ -39,6 +39,9 @@
     <p:sldId id="261" r:id="rId27"/>
     <p:sldId id="262" r:id="rId28"/>
     <p:sldId id="263" r:id="rId29"/>
+    <p:sldId id="287" r:id="rId30"/>
+    <p:sldId id="289" r:id="rId31"/>
+    <p:sldId id="290" r:id="rId32"/>
   </p:sldIdLst>
   <p:sldSz cx="12192000" cy="6858000"/>
   <p:notesSz cx="6858000" cy="9144000"/>
@@ -242,7 +245,7 @@
           <a:p>
             <a:fld id="{8D7A30CD-047B-418C-B390-82335D751AE2}" type="datetimeFigureOut">
               <a:rPr lang="ko-KR" altLang="en-US" smtClean="0"/>
-              <a:t>2023-06-29</a:t>
+              <a:t>2023-07-02</a:t>
             </a:fld>
             <a:endParaRPr lang="ko-KR" altLang="en-US"/>
           </a:p>
@@ -419,7 +422,7 @@
           <a:p>
             <a:fld id="{697B1179-EA2C-4F66-A7B6-E78EE214E3F0}" type="datetimeFigureOut">
               <a:rPr lang="ko-KR" altLang="en-US" smtClean="0"/>
-              <a:t>2023-06-29</a:t>
+              <a:t>2023-07-02</a:t>
             </a:fld>
             <a:endParaRPr lang="ko-KR" altLang="en-US"/>
           </a:p>
@@ -9130,22 +9133,22 @@
               </a:lnSpc>
             </a:pPr>
             <a:r>
-              <a:rPr lang="en-US" altLang="ko-KR" sz="2000" b="1">
+              <a:rPr lang="en-US" altLang="ko-KR" sz="2000" b="1" dirty="0">
                 <a:latin typeface="Roboto" panose="02000000000000000000" pitchFamily="2" charset="0"/>
                 <a:ea typeface="Roboto" panose="02000000000000000000" pitchFamily="2" charset="0"/>
               </a:rPr>
               <a:t>Dialog</a:t>
             </a:r>
             <a:r>
-              <a:rPr lang="en-US" altLang="ko-KR"/>
+              <a:rPr lang="en-US" altLang="ko-KR" dirty="0"/>
               <a:t> </a:t>
             </a:r>
             <a:r>
-              <a:rPr lang="ko-KR" altLang="en-US"/>
+              <a:rPr lang="ko-KR" altLang="en-US" dirty="0"/>
               <a:t>란</a:t>
             </a:r>
             <a:r>
-              <a:rPr lang="en-US" altLang="ko-KR"/>
+              <a:rPr lang="en-US" altLang="ko-KR" dirty="0"/>
               <a:t>? </a:t>
             </a:r>
           </a:p>
@@ -9156,22 +9159,22 @@
               </a:lnSpc>
             </a:pPr>
             <a:r>
-              <a:rPr lang="ko-KR" altLang="en-US" sz="1600"/>
+              <a:rPr lang="ko-KR" altLang="en-US" sz="1600" dirty="0"/>
               <a:t>일정시간 동안 유지되는 두 </a:t>
             </a:r>
             <a:r>
-              <a:rPr lang="en-US" altLang="ko-KR" sz="1600"/>
+              <a:rPr lang="en-US" altLang="ko-KR" sz="1600" dirty="0"/>
               <a:t>user agent </a:t>
             </a:r>
             <a:r>
-              <a:rPr lang="ko-KR" altLang="en-US" sz="1600"/>
+              <a:rPr lang="ko-KR" altLang="en-US" sz="1600" dirty="0"/>
               <a:t>사이의 </a:t>
             </a:r>
             <a:r>
-              <a:rPr lang="en-US" altLang="ko-KR" sz="1600"/>
+              <a:rPr lang="en-US" altLang="ko-KR" sz="1600" dirty="0"/>
               <a:t>peer-to-peer SIP relationship</a:t>
             </a:r>
-            <a:endParaRPr lang="ko-KR" altLang="en-US" sz="1600"/>
+            <a:endParaRPr lang="ko-KR" altLang="en-US" sz="1600" dirty="0"/>
           </a:p>
         </p:txBody>
       </p:sp>
@@ -15259,12 +15262,153 @@
           </a:p>
         </p:txBody>
       </p:sp>
+      <p:sp>
+        <p:nvSpPr>
+          <p:cNvPr id="18" name="TextBox 17">
+            <a:extLst>
+              <a:ext uri="{FF2B5EF4-FFF2-40B4-BE49-F238E27FC236}">
+                <a16:creationId xmlns:a16="http://schemas.microsoft.com/office/drawing/2014/main" id="{2162534D-1E2A-49CE-BFBD-06634162076E}"/>
+              </a:ext>
+            </a:extLst>
+          </p:cNvPr>
+          <p:cNvSpPr txBox="1"/>
+          <p:nvPr/>
+        </p:nvSpPr>
+        <p:spPr>
+          <a:xfrm>
+            <a:off x="7096526" y="3429000"/>
+            <a:ext cx="4647027" cy="1815882"/>
+          </a:xfrm>
+          <a:prstGeom prst="rect">
+            <a:avLst/>
+          </a:prstGeom>
+          <a:noFill/>
+        </p:spPr>
+        <p:txBody>
+          <a:bodyPr wrap="square" rtlCol="0">
+            <a:spAutoFit/>
+          </a:bodyPr>
+          <a:lstStyle/>
+          <a:p>
+            <a:r>
+              <a:rPr lang="en-US" altLang="ko-KR" sz="1400" b="1" dirty="0">
+                <a:latin typeface="Roboto" panose="02000000000000000000" pitchFamily="2" charset="0"/>
+                <a:ea typeface="Roboto" panose="02000000000000000000" pitchFamily="2" charset="0"/>
+              </a:rPr>
+              <a:t>Redirect Server </a:t>
+            </a:r>
+            <a:r>
+              <a:rPr lang="ko-KR" altLang="en-US" sz="1400" b="1" dirty="0"/>
+              <a:t>특징</a:t>
+            </a:r>
+            <a:r>
+              <a:rPr lang="en-US" altLang="ko-KR" sz="1400" dirty="0"/>
+              <a:t>:</a:t>
+            </a:r>
+          </a:p>
+          <a:p>
+            <a:endParaRPr lang="en-US" altLang="ko-KR" sz="1400" dirty="0"/>
+          </a:p>
+          <a:p>
+            <a:pPr marL="285750" indent="-285750">
+              <a:buFont typeface="Arial" panose="020B0604020202020204" pitchFamily="34" charset="0"/>
+              <a:buChar char="•"/>
+            </a:pPr>
+            <a:r>
+              <a:rPr lang="ko-KR" altLang="en-US" sz="1400" dirty="0"/>
+              <a:t>자체적으로 </a:t>
+            </a:r>
+            <a:r>
+              <a:rPr lang="en-US" altLang="ko-KR" sz="1400" dirty="0"/>
+              <a:t>SIP </a:t>
+            </a:r>
+            <a:r>
+              <a:rPr lang="ko-KR" altLang="en-US" sz="1400" dirty="0"/>
+              <a:t>요청을 발행하지 않음</a:t>
+            </a:r>
+            <a:r>
+              <a:rPr lang="en-US" altLang="ko-KR" sz="1400" dirty="0"/>
+              <a:t>.</a:t>
+            </a:r>
+          </a:p>
+          <a:p>
+            <a:pPr marL="285750" indent="-285750">
+              <a:buFont typeface="Arial" panose="020B0604020202020204" pitchFamily="34" charset="0"/>
+              <a:buChar char="•"/>
+            </a:pPr>
+            <a:endParaRPr lang="en-US" altLang="ko-KR" sz="1400" dirty="0"/>
+          </a:p>
+          <a:p>
+            <a:pPr marL="285750" indent="-285750">
+              <a:buFont typeface="Arial" panose="020B0604020202020204" pitchFamily="34" charset="0"/>
+              <a:buChar char="•"/>
+            </a:pPr>
+            <a:r>
+              <a:rPr lang="en-US" altLang="ko-KR" sz="1400" dirty="0"/>
+              <a:t>CANCEL </a:t>
+            </a:r>
+            <a:r>
+              <a:rPr lang="ko-KR" altLang="en-US" sz="1400" dirty="0"/>
+              <a:t>이외의 요청을 수신한 후 거부하거나 </a:t>
+            </a:r>
+            <a:r>
+              <a:rPr lang="en-US" altLang="ko-KR" sz="1400" dirty="0"/>
+              <a:t>location service</a:t>
+            </a:r>
+            <a:r>
+              <a:rPr lang="ko-KR" altLang="en-US" sz="1400" dirty="0"/>
+              <a:t>로 부터 데이터를 수집하여 </a:t>
+            </a:r>
+            <a:r>
+              <a:rPr lang="en-US" altLang="ko-KR" sz="1400" dirty="0"/>
+              <a:t>3xx</a:t>
+            </a:r>
+            <a:r>
+              <a:rPr lang="ko-KR" altLang="en-US" sz="1400" dirty="0"/>
+              <a:t> 최종 응답을 반환</a:t>
+            </a:r>
+            <a:r>
+              <a:rPr lang="en-US" altLang="ko-KR" sz="1400" dirty="0"/>
+              <a:t>.</a:t>
+            </a:r>
+          </a:p>
+          <a:p>
+            <a:pPr marL="285750" indent="-285750">
+              <a:buFont typeface="Arial" panose="020B0604020202020204" pitchFamily="34" charset="0"/>
+              <a:buChar char="•"/>
+            </a:pPr>
+            <a:endParaRPr lang="en-US" altLang="ko-KR" sz="1400" dirty="0"/>
+          </a:p>
+          <a:p>
+            <a:pPr marL="285750" indent="-285750">
+              <a:buFont typeface="Arial" panose="020B0604020202020204" pitchFamily="34" charset="0"/>
+              <a:buChar char="•"/>
+            </a:pPr>
+            <a:r>
+              <a:rPr lang="ko-KR" altLang="en-US" sz="1400" dirty="0"/>
+              <a:t>인식할 수 없는 헤더 필드는 무시하고 해당 </a:t>
+            </a:r>
+            <a:r>
+              <a:rPr lang="ko-KR" altLang="en-US" sz="1400" dirty="0" err="1"/>
+              <a:t>리디렉션</a:t>
+            </a:r>
+            <a:r>
+              <a:rPr lang="ko-KR" altLang="en-US" sz="1400" dirty="0"/>
+              <a:t> 진행</a:t>
+            </a:r>
+            <a:r>
+              <a:rPr lang="en-US" altLang="ko-KR" sz="1400" dirty="0"/>
+              <a:t>.</a:t>
+            </a:r>
+          </a:p>
+        </p:txBody>
+      </p:sp>
       <p:grpSp>
         <p:nvGrpSpPr>
-          <p:cNvPr id="19" name="그룹 18">
+          <p:cNvPr id="11" name="그룹 10">
             <a:extLst>
               <a:ext uri="{FF2B5EF4-FFF2-40B4-BE49-F238E27FC236}">
-                <a16:creationId xmlns:a16="http://schemas.microsoft.com/office/drawing/2014/main" id="{CA39C94B-4AE9-4F46-9651-14EF903FAED4}"/>
+                <a16:creationId xmlns:a16="http://schemas.microsoft.com/office/drawing/2014/main" id="{3E649E5F-091C-FCE8-5053-E2EEF787CB41}"/>
               </a:ext>
             </a:extLst>
           </p:cNvPr>
@@ -15275,7 +15419,7 @@
           <a:xfrm>
             <a:off x="631327" y="3108952"/>
             <a:ext cx="5909315" cy="3143496"/>
-            <a:chOff x="902678" y="3108952"/>
+            <a:chOff x="631327" y="3108952"/>
             <a:chExt cx="5909315" cy="3143496"/>
           </a:xfrm>
         </p:grpSpPr>
@@ -15293,7 +15437,7 @@
           </p:nvGrpSpPr>
           <p:grpSpPr>
             <a:xfrm>
-              <a:off x="902678" y="3108952"/>
+              <a:off x="631327" y="3108952"/>
               <a:ext cx="3546774" cy="3143496"/>
               <a:chOff x="902678" y="3212854"/>
               <a:chExt cx="3546774" cy="3143496"/>
@@ -15419,7 +15563,7 @@
           </p:nvSpPr>
           <p:spPr>
             <a:xfrm>
-              <a:off x="1053507" y="4015787"/>
+              <a:off x="782156" y="4733397"/>
               <a:ext cx="3245116" cy="369332"/>
             </a:xfrm>
             <a:prstGeom prst="rect">
@@ -15499,7 +15643,7 @@
           </p:nvSpPr>
           <p:spPr>
             <a:xfrm>
-              <a:off x="1053507" y="4680700"/>
+              <a:off x="782156" y="3938935"/>
               <a:ext cx="3245116" cy="369332"/>
             </a:xfrm>
             <a:prstGeom prst="rect">
@@ -15587,7 +15731,7 @@
           </p:blipFill>
           <p:spPr>
             <a:xfrm>
-              <a:off x="5862143" y="4544854"/>
+              <a:off x="5590792" y="3803089"/>
               <a:ext cx="641023" cy="641023"/>
             </a:xfrm>
             <a:prstGeom prst="rect">
@@ -15609,7 +15753,7 @@
           </p:nvSpPr>
           <p:spPr>
             <a:xfrm>
-              <a:off x="5553315" y="5336663"/>
+              <a:off x="5281964" y="4594898"/>
               <a:ext cx="1258678" cy="276999"/>
             </a:xfrm>
             <a:prstGeom prst="rect">
@@ -15662,7 +15806,7 @@
           </p:nvCxnSpPr>
           <p:spPr>
             <a:xfrm>
-              <a:off x="4298623" y="4865366"/>
+              <a:off x="4027272" y="4123601"/>
               <a:ext cx="1563520" cy="0"/>
             </a:xfrm>
             <a:prstGeom prst="straightConnector1">
@@ -15705,7 +15849,7 @@
           </p:nvSpPr>
           <p:spPr>
             <a:xfrm>
-              <a:off x="4719050" y="4557588"/>
+              <a:off x="4447699" y="3815823"/>
               <a:ext cx="752129" cy="307777"/>
             </a:xfrm>
             <a:prstGeom prst="rect">
@@ -15732,148 +15876,67 @@
             </a:p>
           </p:txBody>
         </p:sp>
+        <p:sp>
+          <p:nvSpPr>
+            <p:cNvPr id="3" name="TextBox 2">
+              <a:extLst>
+                <a:ext uri="{FF2B5EF4-FFF2-40B4-BE49-F238E27FC236}">
+                  <a16:creationId xmlns:a16="http://schemas.microsoft.com/office/drawing/2014/main" id="{882AC82A-75C7-7FE8-3A1A-14F5914172FC}"/>
+                </a:ext>
+              </a:extLst>
+            </p:cNvPr>
+            <p:cNvSpPr txBox="1"/>
+            <p:nvPr/>
+          </p:nvSpPr>
+          <p:spPr>
+            <a:xfrm>
+              <a:off x="782156" y="5527859"/>
+              <a:ext cx="3245116" cy="369332"/>
+            </a:xfrm>
+            <a:prstGeom prst="rect">
+              <a:avLst/>
+            </a:prstGeom>
+            <a:solidFill>
+              <a:schemeClr val="tx1"/>
+            </a:solidFill>
+          </p:spPr>
+          <p:txBody>
+            <a:bodyPr wrap="square" rtlCol="0">
+              <a:spAutoFit/>
+            </a:bodyPr>
+            <a:lstStyle/>
+            <a:p>
+              <a:pPr algn="ctr"/>
+              <a:r>
+                <a:rPr lang="en-US" altLang="ko-KR" sz="1600" dirty="0">
+                  <a:solidFill>
+                    <a:schemeClr val="bg1"/>
+                  </a:solidFill>
+                  <a:latin typeface="Roboto" panose="02000000000000000000" pitchFamily="2" charset="0"/>
+                  <a:ea typeface="Roboto" panose="02000000000000000000" pitchFamily="2" charset="0"/>
+                </a:rPr>
+                <a:t>Transport </a:t>
+              </a:r>
+              <a:r>
+                <a:rPr lang="en-US" altLang="ko-KR" dirty="0">
+                  <a:solidFill>
+                    <a:schemeClr val="bg1"/>
+                  </a:solidFill>
+                  <a:latin typeface="Roboto" panose="02000000000000000000" pitchFamily="2" charset="0"/>
+                  <a:ea typeface="Roboto" panose="02000000000000000000" pitchFamily="2" charset="0"/>
+                </a:rPr>
+                <a:t>layer</a:t>
+              </a:r>
+              <a:endParaRPr lang="ko-KR" altLang="en-US" dirty="0">
+                <a:solidFill>
+                  <a:schemeClr val="bg1"/>
+                </a:solidFill>
+                <a:latin typeface="Roboto" panose="02000000000000000000" pitchFamily="2" charset="0"/>
+              </a:endParaRPr>
+            </a:p>
+          </p:txBody>
+        </p:sp>
       </p:grpSp>
-      <p:sp>
-        <p:nvSpPr>
-          <p:cNvPr id="18" name="TextBox 17">
-            <a:extLst>
-              <a:ext uri="{FF2B5EF4-FFF2-40B4-BE49-F238E27FC236}">
-                <a16:creationId xmlns:a16="http://schemas.microsoft.com/office/drawing/2014/main" id="{2162534D-1E2A-49CE-BFBD-06634162076E}"/>
-              </a:ext>
-            </a:extLst>
-          </p:cNvPr>
-          <p:cNvSpPr txBox="1"/>
-          <p:nvPr/>
-        </p:nvSpPr>
-        <p:spPr>
-          <a:xfrm>
-            <a:off x="7096526" y="3429000"/>
-            <a:ext cx="4647027" cy="1815882"/>
-          </a:xfrm>
-          <a:prstGeom prst="rect">
-            <a:avLst/>
-          </a:prstGeom>
-          <a:noFill/>
-        </p:spPr>
-        <p:txBody>
-          <a:bodyPr wrap="square" rtlCol="0">
-            <a:spAutoFit/>
-          </a:bodyPr>
-          <a:lstStyle/>
-          <a:p>
-            <a:r>
-              <a:rPr lang="en-US" altLang="ko-KR" sz="1400" b="1">
-                <a:latin typeface="Roboto" panose="02000000000000000000" pitchFamily="2" charset="0"/>
-                <a:ea typeface="Roboto" panose="02000000000000000000" pitchFamily="2" charset="0"/>
-              </a:rPr>
-              <a:t>Redirect Server </a:t>
-            </a:r>
-            <a:r>
-              <a:rPr lang="ko-KR" altLang="en-US" sz="1400" b="1"/>
-              <a:t>특징</a:t>
-            </a:r>
-            <a:r>
-              <a:rPr lang="en-US" altLang="ko-KR" sz="1400"/>
-              <a:t>:</a:t>
-            </a:r>
-          </a:p>
-          <a:p>
-            <a:endParaRPr lang="en-US" altLang="ko-KR" sz="1400"/>
-          </a:p>
-          <a:p>
-            <a:pPr marL="285750" indent="-285750">
-              <a:buFont typeface="Arial" panose="020B0604020202020204" pitchFamily="34" charset="0"/>
-              <a:buChar char="•"/>
-            </a:pPr>
-            <a:r>
-              <a:rPr lang="ko-KR" altLang="en-US" sz="1400"/>
-              <a:t>자체적으로 </a:t>
-            </a:r>
-            <a:r>
-              <a:rPr lang="en-US" altLang="ko-KR" sz="1400"/>
-              <a:t>SIP </a:t>
-            </a:r>
-            <a:r>
-              <a:rPr lang="ko-KR" altLang="en-US" sz="1400"/>
-              <a:t>요청을 발행하지 않음</a:t>
-            </a:r>
-            <a:r>
-              <a:rPr lang="en-US" altLang="ko-KR" sz="1400"/>
-              <a:t>.</a:t>
-            </a:r>
-          </a:p>
-          <a:p>
-            <a:pPr marL="285750" indent="-285750">
-              <a:buFont typeface="Arial" panose="020B0604020202020204" pitchFamily="34" charset="0"/>
-              <a:buChar char="•"/>
-            </a:pPr>
-            <a:endParaRPr lang="en-US" altLang="ko-KR" sz="1400"/>
-          </a:p>
-          <a:p>
-            <a:pPr marL="285750" indent="-285750">
-              <a:buFont typeface="Arial" panose="020B0604020202020204" pitchFamily="34" charset="0"/>
-              <a:buChar char="•"/>
-            </a:pPr>
-            <a:r>
-              <a:rPr lang="en-US" altLang="ko-KR" sz="1400"/>
-              <a:t>CANCEL </a:t>
-            </a:r>
-            <a:r>
-              <a:rPr lang="ko-KR" altLang="en-US" sz="1400"/>
-              <a:t>이외의 요청을 수신한 후 거부하거나 </a:t>
-            </a:r>
-            <a:r>
-              <a:rPr lang="en-US" altLang="ko-KR" sz="1400"/>
-              <a:t>location service</a:t>
-            </a:r>
-            <a:r>
-              <a:rPr lang="ko-KR" altLang="en-US" sz="1400"/>
-              <a:t>로 부터 데이터를 수집하여 </a:t>
-            </a:r>
-            <a:r>
-              <a:rPr lang="en-US" altLang="ko-KR" sz="1400"/>
-              <a:t>3xx</a:t>
-            </a:r>
-            <a:r>
-              <a:rPr lang="ko-KR" altLang="en-US" sz="1400"/>
-              <a:t> 최종 응답을 반환</a:t>
-            </a:r>
-            <a:r>
-              <a:rPr lang="en-US" altLang="ko-KR" sz="1400"/>
-              <a:t>.</a:t>
-            </a:r>
-          </a:p>
-          <a:p>
-            <a:pPr marL="285750" indent="-285750">
-              <a:buFont typeface="Arial" panose="020B0604020202020204" pitchFamily="34" charset="0"/>
-              <a:buChar char="•"/>
-            </a:pPr>
-            <a:endParaRPr lang="en-US" altLang="ko-KR" sz="1400"/>
-          </a:p>
-          <a:p>
-            <a:pPr marL="285750" indent="-285750">
-              <a:buFont typeface="Arial" panose="020B0604020202020204" pitchFamily="34" charset="0"/>
-              <a:buChar char="•"/>
-            </a:pPr>
-            <a:r>
-              <a:rPr lang="ko-KR" altLang="en-US" sz="1400"/>
-              <a:t>인식할 수 없는 헤더 필드는 무시하고 해당 </a:t>
-            </a:r>
-            <a:r>
-              <a:rPr lang="ko-KR" altLang="en-US" sz="1400" err="1"/>
-              <a:t>리디렉션</a:t>
-            </a:r>
-            <a:r>
-              <a:rPr lang="ko-KR" altLang="en-US" sz="1400"/>
-              <a:t> 진행</a:t>
-            </a:r>
-            <a:r>
-              <a:rPr lang="en-US" altLang="ko-KR" sz="1400"/>
-              <a:t>.</a:t>
-            </a:r>
-          </a:p>
-        </p:txBody>
-      </p:sp>
     </p:spTree>
     <p:extLst>
       <p:ext uri="{BB962C8B-B14F-4D97-AF65-F5344CB8AC3E}">
@@ -20843,7 +20906,7 @@
           <a:p>
             <a:r>
               <a:rPr lang="en-US" altLang="ko-KR" dirty="0"/>
-              <a:t>7. Terminating a Session</a:t>
+              <a:t>7. Terminating a Session – Overview</a:t>
             </a:r>
             <a:endParaRPr lang="ko-KR" altLang="en-US" dirty="0"/>
           </a:p>
@@ -20878,10 +20941,1181 @@
           </a:p>
         </p:txBody>
       </p:sp>
+      <p:sp>
+        <p:nvSpPr>
+          <p:cNvPr id="3" name="직사각형 2">
+            <a:extLst>
+              <a:ext uri="{FF2B5EF4-FFF2-40B4-BE49-F238E27FC236}">
+                <a16:creationId xmlns:a16="http://schemas.microsoft.com/office/drawing/2014/main" id="{937B69BB-790A-FA9D-BB70-4FB7D8C70E52}"/>
+              </a:ext>
+            </a:extLst>
+          </p:cNvPr>
+          <p:cNvSpPr/>
+          <p:nvPr/>
+        </p:nvSpPr>
+        <p:spPr>
+          <a:xfrm>
+            <a:off x="522222" y="1068409"/>
+            <a:ext cx="11147556" cy="4768806"/>
+          </a:xfrm>
+          <a:prstGeom prst="rect">
+            <a:avLst/>
+          </a:prstGeom>
+        </p:spPr>
+        <p:txBody>
+          <a:bodyPr wrap="square">
+            <a:spAutoFit/>
+          </a:bodyPr>
+          <a:lstStyle/>
+          <a:p>
+            <a:pPr marL="285750" indent="-285750">
+              <a:lnSpc>
+                <a:spcPct val="200000"/>
+              </a:lnSpc>
+              <a:buFont typeface="Arial" panose="020B0604020202020204" pitchFamily="34" charset="0"/>
+              <a:buChar char="•"/>
+            </a:pPr>
+            <a:r>
+              <a:rPr lang="ko-KR" altLang="en-US" sz="1400" dirty="0">
+                <a:latin typeface="Roboto" panose="02000000000000000000" pitchFamily="2" charset="0"/>
+              </a:rPr>
+              <a:t>세션의 상태와 다이얼로그의 상태는 아주 밀접히 관련됨</a:t>
+            </a:r>
+            <a:endParaRPr lang="en-US" altLang="ko-KR" sz="1400" dirty="0">
+              <a:latin typeface="Roboto" panose="02000000000000000000" pitchFamily="2" charset="0"/>
+            </a:endParaRPr>
+          </a:p>
+          <a:p>
+            <a:pPr marL="285750" indent="-285750">
+              <a:lnSpc>
+                <a:spcPct val="200000"/>
+              </a:lnSpc>
+              <a:buFont typeface="Arial" panose="020B0604020202020204" pitchFamily="34" charset="0"/>
+              <a:buChar char="•"/>
+            </a:pPr>
+            <a:r>
+              <a:rPr lang="ko-KR" altLang="en-US" sz="1400" dirty="0">
+                <a:latin typeface="Roboto" panose="02000000000000000000" pitchFamily="2" charset="0"/>
+              </a:rPr>
+              <a:t>세션이 </a:t>
+            </a:r>
+            <a:r>
+              <a:rPr lang="en-US" altLang="ko-KR" sz="1400" b="1" dirty="0">
+                <a:latin typeface="Roboto" panose="02000000000000000000" pitchFamily="2" charset="0"/>
+              </a:rPr>
+              <a:t>INVITE</a:t>
+            </a:r>
+            <a:r>
+              <a:rPr lang="ko-KR" altLang="en-US" sz="1400" dirty="0">
+                <a:latin typeface="Roboto" panose="02000000000000000000" pitchFamily="2" charset="0"/>
+              </a:rPr>
+              <a:t>로 시작하면</a:t>
+            </a:r>
+            <a:r>
+              <a:rPr lang="en-US" altLang="ko-KR" sz="1400" dirty="0">
+                <a:latin typeface="Roboto" panose="02000000000000000000" pitchFamily="2" charset="0"/>
+              </a:rPr>
+              <a:t>, UAS</a:t>
+            </a:r>
+            <a:r>
+              <a:rPr lang="ko-KR" altLang="en-US" sz="1400" dirty="0">
+                <a:latin typeface="Roboto" panose="02000000000000000000" pitchFamily="2" charset="0"/>
+              </a:rPr>
+              <a:t>로 부터 </a:t>
+            </a:r>
+            <a:r>
+              <a:rPr lang="en-US" altLang="ko-KR" sz="1400" b="1" dirty="0">
+                <a:latin typeface="Roboto" panose="02000000000000000000" pitchFamily="2" charset="0"/>
+              </a:rPr>
+              <a:t>1xx</a:t>
+            </a:r>
+            <a:r>
+              <a:rPr lang="ko-KR" altLang="en-US" sz="1400" dirty="0">
+                <a:latin typeface="Roboto" panose="02000000000000000000" pitchFamily="2" charset="0"/>
+              </a:rPr>
+              <a:t> 또는 </a:t>
+            </a:r>
+            <a:r>
+              <a:rPr lang="en-US" altLang="ko-KR" sz="1400" b="1" dirty="0">
+                <a:latin typeface="Roboto" panose="02000000000000000000" pitchFamily="2" charset="0"/>
+              </a:rPr>
+              <a:t>2xx</a:t>
+            </a:r>
+            <a:r>
+              <a:rPr lang="en-US" altLang="ko-KR" sz="1400" dirty="0">
+                <a:latin typeface="Roboto" panose="02000000000000000000" pitchFamily="2" charset="0"/>
+              </a:rPr>
+              <a:t> </a:t>
+            </a:r>
+            <a:r>
+              <a:rPr lang="ko-KR" altLang="en-US" sz="1400" dirty="0">
+                <a:latin typeface="Roboto" panose="02000000000000000000" pitchFamily="2" charset="0"/>
+              </a:rPr>
+              <a:t>응답은 </a:t>
+            </a:r>
+            <a:r>
+              <a:rPr lang="ko-KR" altLang="en-US" sz="1400" b="1" dirty="0">
+                <a:latin typeface="Roboto" panose="02000000000000000000" pitchFamily="2" charset="0"/>
+              </a:rPr>
+              <a:t>다이얼로그를 생성</a:t>
+            </a:r>
+            <a:r>
+              <a:rPr lang="ko-KR" altLang="en-US" sz="1400" dirty="0">
+                <a:latin typeface="Roboto" panose="02000000000000000000" pitchFamily="2" charset="0"/>
+              </a:rPr>
+              <a:t>하고</a:t>
+            </a:r>
+            <a:r>
+              <a:rPr lang="en-US" altLang="ko-KR" sz="1400" dirty="0">
+                <a:latin typeface="Roboto" panose="02000000000000000000" pitchFamily="2" charset="0"/>
+              </a:rPr>
+              <a:t>, </a:t>
+            </a:r>
+            <a:r>
+              <a:rPr lang="ko-KR" altLang="en-US" sz="1400" dirty="0">
+                <a:latin typeface="Roboto" panose="02000000000000000000" pitchFamily="2" charset="0"/>
+              </a:rPr>
+              <a:t>그 응답에서 </a:t>
+            </a:r>
+            <a:r>
+              <a:rPr lang="en-US" altLang="ko-KR" sz="1400" b="1" dirty="0">
+                <a:latin typeface="Roboto" panose="02000000000000000000" pitchFamily="2" charset="0"/>
+              </a:rPr>
+              <a:t>offer/answer </a:t>
+            </a:r>
+            <a:r>
+              <a:rPr lang="ko-KR" altLang="en-US" sz="1400" dirty="0">
+                <a:latin typeface="Roboto" panose="02000000000000000000" pitchFamily="2" charset="0"/>
+              </a:rPr>
+              <a:t>교환을 완료하면 </a:t>
+            </a:r>
+            <a:r>
+              <a:rPr lang="ko-KR" altLang="en-US" sz="1400" b="1" dirty="0">
+                <a:latin typeface="Roboto" panose="02000000000000000000" pitchFamily="2" charset="0"/>
+              </a:rPr>
+              <a:t>세션이 생성됨</a:t>
+            </a:r>
+            <a:endParaRPr lang="en-US" altLang="ko-KR" sz="1400" b="1" dirty="0">
+              <a:latin typeface="Roboto" panose="02000000000000000000" pitchFamily="2" charset="0"/>
+            </a:endParaRPr>
+          </a:p>
+          <a:p>
+            <a:pPr marL="285750" indent="-285750">
+              <a:lnSpc>
+                <a:spcPct val="200000"/>
+              </a:lnSpc>
+              <a:buFont typeface="Arial" panose="020B0604020202020204" pitchFamily="34" charset="0"/>
+              <a:buChar char="•"/>
+            </a:pPr>
+            <a:r>
+              <a:rPr lang="ko-KR" altLang="en-US" sz="1400" b="1" dirty="0">
+                <a:latin typeface="Roboto" panose="02000000000000000000" pitchFamily="2" charset="0"/>
+              </a:rPr>
+              <a:t>결과적으로</a:t>
+            </a:r>
+            <a:r>
+              <a:rPr lang="en-US" altLang="ko-KR" sz="1400" b="1" dirty="0">
+                <a:latin typeface="Roboto" panose="02000000000000000000" pitchFamily="2" charset="0"/>
+              </a:rPr>
+              <a:t>, </a:t>
+            </a:r>
+            <a:r>
+              <a:rPr lang="ko-KR" altLang="en-US" sz="1400" b="1" dirty="0">
+                <a:latin typeface="Roboto" panose="02000000000000000000" pitchFamily="2" charset="0"/>
+              </a:rPr>
+              <a:t>각 세션은 단일 다이얼로그와 연관됨</a:t>
+            </a:r>
+            <a:endParaRPr lang="en-US" altLang="ko-KR" sz="1400" b="1" dirty="0">
+              <a:latin typeface="Roboto" panose="02000000000000000000" pitchFamily="2" charset="0"/>
+            </a:endParaRPr>
+          </a:p>
+          <a:p>
+            <a:pPr marL="285750" indent="-285750">
+              <a:lnSpc>
+                <a:spcPct val="200000"/>
+              </a:lnSpc>
+              <a:buFont typeface="Arial" panose="020B0604020202020204" pitchFamily="34" charset="0"/>
+              <a:buChar char="•"/>
+            </a:pPr>
+            <a:r>
+              <a:rPr lang="en-US" altLang="ko-KR" sz="1400" b="1" dirty="0">
+                <a:latin typeface="Roboto" panose="02000000000000000000" pitchFamily="2" charset="0"/>
+              </a:rPr>
+              <a:t>Initial</a:t>
+            </a:r>
+            <a:r>
+              <a:rPr lang="ko-KR" altLang="en-US" sz="1400" dirty="0">
+                <a:latin typeface="Roboto" panose="02000000000000000000" pitchFamily="2" charset="0"/>
+              </a:rPr>
+              <a:t> </a:t>
+            </a:r>
+            <a:r>
+              <a:rPr lang="en-US" altLang="ko-KR" sz="1400" b="1" dirty="0">
+                <a:latin typeface="Roboto" panose="02000000000000000000" pitchFamily="2" charset="0"/>
+              </a:rPr>
+              <a:t>INVITE</a:t>
+            </a:r>
+            <a:r>
+              <a:rPr lang="ko-KR" altLang="en-US" sz="1400" dirty="0">
+                <a:latin typeface="Roboto" panose="02000000000000000000" pitchFamily="2" charset="0"/>
+              </a:rPr>
+              <a:t>가 </a:t>
+            </a:r>
+            <a:r>
+              <a:rPr lang="en-US" altLang="ko-KR" sz="1400" b="1" dirty="0">
+                <a:latin typeface="Roboto" panose="02000000000000000000" pitchFamily="2" charset="0"/>
+              </a:rPr>
+              <a:t>non-2xx final </a:t>
+            </a:r>
+            <a:r>
+              <a:rPr lang="ko-KR" altLang="en-US" sz="1400" b="1" dirty="0">
+                <a:latin typeface="Roboto" panose="02000000000000000000" pitchFamily="2" charset="0"/>
+              </a:rPr>
+              <a:t>응답</a:t>
+            </a:r>
+            <a:r>
+              <a:rPr lang="ko-KR" altLang="en-US" sz="1400" dirty="0">
+                <a:latin typeface="Roboto" panose="02000000000000000000" pitchFamily="2" charset="0"/>
+              </a:rPr>
+              <a:t>을 생성하면 요청에 대한 응답을 통해 생성된 모든 세션</a:t>
+            </a:r>
+            <a:r>
+              <a:rPr lang="en-US" altLang="ko-KR" sz="1400" dirty="0">
+                <a:latin typeface="Roboto" panose="02000000000000000000" pitchFamily="2" charset="0"/>
+              </a:rPr>
+              <a:t>(</a:t>
+            </a:r>
+            <a:r>
+              <a:rPr lang="ko-KR" altLang="en-US" sz="1400" dirty="0">
+                <a:latin typeface="Roboto" panose="02000000000000000000" pitchFamily="2" charset="0"/>
+              </a:rPr>
+              <a:t>있는 경우</a:t>
+            </a:r>
+            <a:r>
+              <a:rPr lang="en-US" altLang="ko-KR" sz="1400" dirty="0">
+                <a:latin typeface="Roboto" panose="02000000000000000000" pitchFamily="2" charset="0"/>
+              </a:rPr>
+              <a:t>)</a:t>
+            </a:r>
+            <a:r>
+              <a:rPr lang="ko-KR" altLang="en-US" sz="1400" dirty="0">
+                <a:latin typeface="Roboto" panose="02000000000000000000" pitchFamily="2" charset="0"/>
+              </a:rPr>
+              <a:t>과 모든 다이얼로그</a:t>
+            </a:r>
+            <a:r>
+              <a:rPr lang="en-US" altLang="ko-KR" sz="1400" dirty="0">
+                <a:latin typeface="Roboto" panose="02000000000000000000" pitchFamily="2" charset="0"/>
+              </a:rPr>
+              <a:t>(</a:t>
+            </a:r>
+            <a:r>
+              <a:rPr lang="ko-KR" altLang="en-US" sz="1400" dirty="0">
+                <a:latin typeface="Roboto" panose="02000000000000000000" pitchFamily="2" charset="0"/>
+              </a:rPr>
+              <a:t>있는 경우</a:t>
+            </a:r>
+            <a:r>
+              <a:rPr lang="en-US" altLang="ko-KR" sz="1400" dirty="0">
+                <a:latin typeface="Roboto" panose="02000000000000000000" pitchFamily="2" charset="0"/>
+              </a:rPr>
+              <a:t>)</a:t>
+            </a:r>
+            <a:r>
+              <a:rPr lang="ko-KR" altLang="en-US" sz="1400" dirty="0">
+                <a:latin typeface="Roboto" panose="02000000000000000000" pitchFamily="2" charset="0"/>
+              </a:rPr>
+              <a:t>가 종료됨</a:t>
+            </a:r>
+            <a:endParaRPr lang="en-US" altLang="ko-KR" sz="1400" dirty="0">
+              <a:latin typeface="Roboto" panose="02000000000000000000" pitchFamily="2" charset="0"/>
+            </a:endParaRPr>
+          </a:p>
+          <a:p>
+            <a:pPr marL="285750" indent="-285750">
+              <a:lnSpc>
+                <a:spcPct val="200000"/>
+              </a:lnSpc>
+              <a:buFont typeface="Arial" panose="020B0604020202020204" pitchFamily="34" charset="0"/>
+              <a:buChar char="•"/>
+            </a:pPr>
+            <a:r>
+              <a:rPr lang="ko-KR" altLang="en-US" sz="1400" dirty="0">
+                <a:latin typeface="Roboto" panose="02000000000000000000" pitchFamily="2" charset="0"/>
+              </a:rPr>
+              <a:t>트랜잭션이 완료되면 </a:t>
+            </a:r>
+            <a:r>
+              <a:rPr lang="en-US" altLang="ko-KR" sz="1400" b="1" dirty="0">
+                <a:latin typeface="Roboto" panose="02000000000000000000" pitchFamily="2" charset="0"/>
+              </a:rPr>
+              <a:t>non-2xx final </a:t>
+            </a:r>
+            <a:r>
+              <a:rPr lang="ko-KR" altLang="en-US" sz="1400" b="1" dirty="0">
+                <a:latin typeface="Roboto" panose="02000000000000000000" pitchFamily="2" charset="0"/>
+              </a:rPr>
+              <a:t>응답은 </a:t>
+            </a:r>
+            <a:r>
+              <a:rPr lang="en-US" altLang="ko-KR" sz="1400" dirty="0">
+                <a:latin typeface="Roboto" panose="02000000000000000000" pitchFamily="2" charset="0"/>
+              </a:rPr>
+              <a:t>INVITE </a:t>
+            </a:r>
+            <a:r>
+              <a:rPr lang="ko-KR" altLang="en-US" sz="1400" dirty="0">
+                <a:latin typeface="Roboto" panose="02000000000000000000" pitchFamily="2" charset="0"/>
+              </a:rPr>
+              <a:t>의 결과로 추가 세션이 생성되는 것을 방지</a:t>
+            </a:r>
+            <a:endParaRPr lang="en-US" altLang="ko-KR" sz="1400" dirty="0">
+              <a:latin typeface="Roboto" panose="02000000000000000000" pitchFamily="2" charset="0"/>
+            </a:endParaRPr>
+          </a:p>
+          <a:p>
+            <a:pPr marL="285750" indent="-285750">
+              <a:lnSpc>
+                <a:spcPct val="200000"/>
+              </a:lnSpc>
+              <a:buFont typeface="Arial" panose="020B0604020202020204" pitchFamily="34" charset="0"/>
+              <a:buChar char="•"/>
+            </a:pPr>
+            <a:r>
+              <a:rPr lang="en-US" altLang="ko-KR" sz="1400" b="1" dirty="0">
+                <a:latin typeface="Roboto" panose="02000000000000000000" pitchFamily="2" charset="0"/>
+              </a:rPr>
+              <a:t>BYE</a:t>
+            </a:r>
+            <a:r>
+              <a:rPr lang="ko-KR" altLang="en-US" sz="1400" b="1" dirty="0">
+                <a:latin typeface="Roboto" panose="02000000000000000000" pitchFamily="2" charset="0"/>
+              </a:rPr>
+              <a:t> </a:t>
+            </a:r>
+            <a:r>
+              <a:rPr lang="ko-KR" altLang="en-US" sz="1400" dirty="0">
+                <a:latin typeface="Roboto" panose="02000000000000000000" pitchFamily="2" charset="0"/>
+              </a:rPr>
+              <a:t>요청은 특정 세션</a:t>
+            </a:r>
+            <a:r>
+              <a:rPr lang="en-US" altLang="ko-KR" sz="1400" dirty="0">
+                <a:latin typeface="Roboto" panose="02000000000000000000" pitchFamily="2" charset="0"/>
+              </a:rPr>
+              <a:t>(</a:t>
+            </a:r>
+            <a:r>
+              <a:rPr lang="ko-KR" altLang="en-US" sz="1400" dirty="0">
+                <a:latin typeface="Roboto" panose="02000000000000000000" pitchFamily="2" charset="0"/>
+              </a:rPr>
+              <a:t>상대측</a:t>
+            </a:r>
+            <a:r>
+              <a:rPr lang="en-US" altLang="ko-KR" sz="1400" dirty="0">
+                <a:latin typeface="Roboto" panose="02000000000000000000" pitchFamily="2" charset="0"/>
+              </a:rPr>
+              <a:t>)</a:t>
+            </a:r>
+            <a:r>
+              <a:rPr lang="ko-KR" altLang="en-US" sz="1400" dirty="0">
+                <a:latin typeface="Roboto" panose="02000000000000000000" pitchFamily="2" charset="0"/>
+              </a:rPr>
+              <a:t> 또는 시도된 세션을 종료하는 데 사용</a:t>
+            </a:r>
+            <a:endParaRPr lang="en-US" altLang="ko-KR" sz="1400" dirty="0">
+              <a:latin typeface="Roboto" panose="02000000000000000000" pitchFamily="2" charset="0"/>
+            </a:endParaRPr>
+          </a:p>
+          <a:p>
+            <a:pPr marL="285750" indent="-285750">
+              <a:lnSpc>
+                <a:spcPct val="200000"/>
+              </a:lnSpc>
+              <a:buFont typeface="Arial" panose="020B0604020202020204" pitchFamily="34" charset="0"/>
+              <a:buChar char="•"/>
+            </a:pPr>
+            <a:r>
+              <a:rPr lang="ko-KR" altLang="en-US" sz="1400" dirty="0">
+                <a:latin typeface="Roboto" panose="02000000000000000000" pitchFamily="2" charset="0"/>
+              </a:rPr>
+              <a:t>다이얼로그에서 </a:t>
+            </a:r>
+            <a:r>
+              <a:rPr lang="en-US" altLang="ko-KR" sz="1400" b="1" dirty="0">
+                <a:latin typeface="Roboto" panose="02000000000000000000" pitchFamily="2" charset="0"/>
+              </a:rPr>
+              <a:t>BYE</a:t>
+            </a:r>
+            <a:r>
+              <a:rPr lang="en-US" altLang="ko-KR" sz="1400" dirty="0">
+                <a:latin typeface="Roboto" panose="02000000000000000000" pitchFamily="2" charset="0"/>
+              </a:rPr>
+              <a:t> </a:t>
+            </a:r>
+            <a:r>
+              <a:rPr lang="ko-KR" altLang="en-US" sz="1400" dirty="0">
+                <a:latin typeface="Roboto" panose="02000000000000000000" pitchFamily="2" charset="0"/>
+              </a:rPr>
+              <a:t>가 수신되면 해당 다이얼로그와 관련된 모든 세션이 종료되어야 함</a:t>
+            </a:r>
+            <a:endParaRPr lang="en-US" altLang="ko-KR" sz="1400" dirty="0">
+              <a:latin typeface="Roboto" panose="02000000000000000000" pitchFamily="2" charset="0"/>
+            </a:endParaRPr>
+          </a:p>
+          <a:p>
+            <a:pPr marL="285750" indent="-285750">
+              <a:lnSpc>
+                <a:spcPct val="200000"/>
+              </a:lnSpc>
+              <a:buFont typeface="Arial" panose="020B0604020202020204" pitchFamily="34" charset="0"/>
+              <a:buChar char="•"/>
+            </a:pPr>
+            <a:r>
+              <a:rPr lang="en-US" altLang="ko-KR" sz="1400" dirty="0">
+                <a:latin typeface="Roboto" panose="02000000000000000000" pitchFamily="2" charset="0"/>
+              </a:rPr>
+              <a:t>UA</a:t>
+            </a:r>
+            <a:r>
+              <a:rPr lang="ko-KR" altLang="en-US" sz="1400" dirty="0">
+                <a:latin typeface="Roboto" panose="02000000000000000000" pitchFamily="2" charset="0"/>
+              </a:rPr>
+              <a:t>는 다이얼로그 외부에서 </a:t>
+            </a:r>
+            <a:r>
+              <a:rPr lang="en-US" altLang="ko-KR" sz="1400" b="1" dirty="0">
+                <a:latin typeface="Roboto" panose="02000000000000000000" pitchFamily="2" charset="0"/>
+              </a:rPr>
+              <a:t>BYE</a:t>
+            </a:r>
+            <a:r>
+              <a:rPr lang="en-US" altLang="ko-KR" sz="1400" dirty="0">
+                <a:latin typeface="Roboto" panose="02000000000000000000" pitchFamily="2" charset="0"/>
+              </a:rPr>
+              <a:t> </a:t>
+            </a:r>
+            <a:r>
+              <a:rPr lang="ko-KR" altLang="en-US" sz="1400" dirty="0">
+                <a:latin typeface="Roboto" panose="02000000000000000000" pitchFamily="2" charset="0"/>
+              </a:rPr>
+              <a:t>를 보내면 안됨</a:t>
+            </a:r>
+            <a:endParaRPr lang="en-US" altLang="ko-KR" sz="1400" dirty="0">
+              <a:latin typeface="Roboto" panose="02000000000000000000" pitchFamily="2" charset="0"/>
+            </a:endParaRPr>
+          </a:p>
+          <a:p>
+            <a:pPr marL="285750" indent="-285750">
+              <a:lnSpc>
+                <a:spcPct val="200000"/>
+              </a:lnSpc>
+              <a:buFont typeface="Arial" panose="020B0604020202020204" pitchFamily="34" charset="0"/>
+              <a:buChar char="•"/>
+            </a:pPr>
+            <a:r>
+              <a:rPr lang="ko-KR" altLang="en-US" sz="1400" dirty="0">
+                <a:latin typeface="Roboto" panose="02000000000000000000" pitchFamily="2" charset="0"/>
+              </a:rPr>
+              <a:t>발신자의 </a:t>
+            </a:r>
+            <a:r>
+              <a:rPr lang="en-US" altLang="ko-KR" sz="1400" dirty="0">
+                <a:latin typeface="Roboto" panose="02000000000000000000" pitchFamily="2" charset="0"/>
+              </a:rPr>
+              <a:t>UA</a:t>
+            </a:r>
+            <a:r>
+              <a:rPr lang="ko-KR" altLang="en-US" sz="1400" dirty="0">
+                <a:latin typeface="Roboto" panose="02000000000000000000" pitchFamily="2" charset="0"/>
+              </a:rPr>
+              <a:t>는</a:t>
+            </a:r>
+            <a:r>
+              <a:rPr lang="en-US" altLang="ko-KR" sz="1400" dirty="0">
+                <a:latin typeface="Roboto" panose="02000000000000000000" pitchFamily="2" charset="0"/>
+              </a:rPr>
+              <a:t> </a:t>
+            </a:r>
+            <a:r>
+              <a:rPr lang="en-US" altLang="ko-KR" sz="1400" b="1" dirty="0">
+                <a:latin typeface="Roboto" panose="02000000000000000000" pitchFamily="2" charset="0"/>
+              </a:rPr>
+              <a:t>confirmed </a:t>
+            </a:r>
+            <a:r>
+              <a:rPr lang="ko-KR" altLang="en-US" sz="1400" dirty="0">
+                <a:latin typeface="Roboto" panose="02000000000000000000" pitchFamily="2" charset="0"/>
+              </a:rPr>
+              <a:t>상태 다이얼로그 또는 </a:t>
+            </a:r>
+            <a:r>
+              <a:rPr lang="en-US" altLang="ko-KR" sz="1400" b="1" dirty="0">
+                <a:latin typeface="Roboto" panose="02000000000000000000" pitchFamily="2" charset="0"/>
+              </a:rPr>
+              <a:t>early</a:t>
+            </a:r>
+            <a:r>
+              <a:rPr lang="en-US" altLang="ko-KR" sz="1400" dirty="0">
+                <a:latin typeface="Roboto" panose="02000000000000000000" pitchFamily="2" charset="0"/>
+              </a:rPr>
+              <a:t> </a:t>
+            </a:r>
+            <a:r>
+              <a:rPr lang="ko-KR" altLang="en-US" sz="1400" dirty="0">
+                <a:latin typeface="Roboto" panose="02000000000000000000" pitchFamily="2" charset="0"/>
+              </a:rPr>
+              <a:t>상태의 다이얼로그에 대해  </a:t>
+            </a:r>
+            <a:r>
+              <a:rPr lang="en-US" altLang="ko-KR" sz="1400" b="1" dirty="0">
+                <a:latin typeface="Roboto" panose="02000000000000000000" pitchFamily="2" charset="0"/>
+              </a:rPr>
+              <a:t>BYE</a:t>
+            </a:r>
+            <a:r>
+              <a:rPr lang="ko-KR" altLang="en-US" sz="1400" dirty="0">
+                <a:latin typeface="Roboto" panose="02000000000000000000" pitchFamily="2" charset="0"/>
+              </a:rPr>
+              <a:t>를 보낼 수 있으며</a:t>
+            </a:r>
+            <a:r>
+              <a:rPr lang="en-US" altLang="ko-KR" sz="1400" dirty="0">
+                <a:latin typeface="Roboto" panose="02000000000000000000" pitchFamily="2" charset="0"/>
+              </a:rPr>
+              <a:t>, </a:t>
+            </a:r>
+            <a:r>
+              <a:rPr lang="ko-KR" altLang="en-US" sz="1400" dirty="0">
+                <a:latin typeface="Roboto" panose="02000000000000000000" pitchFamily="2" charset="0"/>
+              </a:rPr>
+              <a:t>수신자의 </a:t>
+            </a:r>
+            <a:r>
+              <a:rPr lang="en-US" altLang="ko-KR" sz="1400" dirty="0">
+                <a:latin typeface="Roboto" panose="02000000000000000000" pitchFamily="2" charset="0"/>
+              </a:rPr>
+              <a:t>UA</a:t>
+            </a:r>
+            <a:r>
+              <a:rPr lang="ko-KR" altLang="en-US" sz="1400" dirty="0">
+                <a:latin typeface="Roboto" panose="02000000000000000000" pitchFamily="2" charset="0"/>
+              </a:rPr>
+              <a:t>는 </a:t>
+            </a:r>
+            <a:r>
+              <a:rPr lang="en-US" altLang="ko-KR" sz="1400" b="1" dirty="0">
+                <a:latin typeface="Roboto" panose="02000000000000000000" pitchFamily="2" charset="0"/>
+              </a:rPr>
+              <a:t>confirmed</a:t>
+            </a:r>
+            <a:r>
+              <a:rPr lang="en-US" altLang="ko-KR" sz="1400" dirty="0">
+                <a:latin typeface="Roboto" panose="02000000000000000000" pitchFamily="2" charset="0"/>
+              </a:rPr>
+              <a:t> </a:t>
+            </a:r>
+            <a:r>
+              <a:rPr lang="ko-KR" altLang="en-US" sz="1400" dirty="0">
+                <a:latin typeface="Roboto" panose="02000000000000000000" pitchFamily="2" charset="0"/>
+              </a:rPr>
+              <a:t>다이얼로그</a:t>
+            </a:r>
+            <a:br>
+              <a:rPr lang="en-US" altLang="ko-KR" sz="1400" dirty="0">
+                <a:latin typeface="Roboto" panose="02000000000000000000" pitchFamily="2" charset="0"/>
+              </a:rPr>
+            </a:br>
+            <a:r>
+              <a:rPr lang="ko-KR" altLang="en-US" sz="1400" dirty="0">
+                <a:latin typeface="Roboto" panose="02000000000000000000" pitchFamily="2" charset="0"/>
+              </a:rPr>
+              <a:t>에 대해 </a:t>
+            </a:r>
+            <a:r>
+              <a:rPr lang="en-US" altLang="ko-KR" sz="1400" b="1" dirty="0">
+                <a:latin typeface="Roboto" panose="02000000000000000000" pitchFamily="2" charset="0"/>
+              </a:rPr>
+              <a:t>BYE</a:t>
+            </a:r>
+            <a:r>
+              <a:rPr lang="ko-KR" altLang="en-US" sz="1400" dirty="0">
+                <a:latin typeface="Roboto" panose="02000000000000000000" pitchFamily="2" charset="0"/>
+              </a:rPr>
+              <a:t>를 보낼 수 있지만</a:t>
+            </a:r>
+            <a:r>
+              <a:rPr lang="en-US" altLang="ko-KR" sz="1400" dirty="0">
+                <a:latin typeface="Roboto" panose="02000000000000000000" pitchFamily="2" charset="0"/>
+              </a:rPr>
+              <a:t>, </a:t>
+            </a:r>
+            <a:r>
+              <a:rPr lang="en-US" altLang="ko-KR" sz="1400" b="1" dirty="0">
+                <a:latin typeface="Roboto" panose="02000000000000000000" pitchFamily="2" charset="0"/>
+              </a:rPr>
+              <a:t>early</a:t>
+            </a:r>
+            <a:r>
+              <a:rPr lang="en-US" altLang="ko-KR" sz="1400" dirty="0">
+                <a:latin typeface="Roboto" panose="02000000000000000000" pitchFamily="2" charset="0"/>
+              </a:rPr>
+              <a:t> </a:t>
+            </a:r>
+            <a:r>
+              <a:rPr lang="ko-KR" altLang="en-US" sz="1400" dirty="0">
+                <a:latin typeface="Roboto" panose="02000000000000000000" pitchFamily="2" charset="0"/>
+              </a:rPr>
+              <a:t>다이얼로그에는 </a:t>
+            </a:r>
+            <a:r>
+              <a:rPr lang="en-US" altLang="ko-KR" sz="1400" b="1" dirty="0">
+                <a:latin typeface="Roboto" panose="02000000000000000000" pitchFamily="2" charset="0"/>
+              </a:rPr>
+              <a:t>BYE</a:t>
+            </a:r>
+            <a:r>
+              <a:rPr lang="ko-KR" altLang="en-US" sz="1400" dirty="0">
+                <a:latin typeface="Roboto" panose="02000000000000000000" pitchFamily="2" charset="0"/>
+              </a:rPr>
+              <a:t>를 보낼 수 없음</a:t>
+            </a:r>
+            <a:endParaRPr lang="en-US" altLang="ko-KR" sz="1400" dirty="0">
+              <a:latin typeface="Roboto" panose="02000000000000000000" pitchFamily="2" charset="0"/>
+            </a:endParaRPr>
+          </a:p>
+          <a:p>
+            <a:pPr marL="285750" indent="-285750">
+              <a:lnSpc>
+                <a:spcPct val="200000"/>
+              </a:lnSpc>
+              <a:buFont typeface="Arial" panose="020B0604020202020204" pitchFamily="34" charset="0"/>
+              <a:buChar char="•"/>
+            </a:pPr>
+            <a:r>
+              <a:rPr lang="ko-KR" altLang="en-US" sz="1400" dirty="0">
+                <a:latin typeface="Roboto" panose="02000000000000000000" pitchFamily="2" charset="0"/>
+              </a:rPr>
+              <a:t>수신자의 </a:t>
+            </a:r>
+            <a:r>
+              <a:rPr lang="en-US" altLang="ko-KR" sz="1400" dirty="0">
+                <a:latin typeface="Roboto" panose="02000000000000000000" pitchFamily="2" charset="0"/>
+              </a:rPr>
+              <a:t>UA</a:t>
+            </a:r>
+            <a:r>
+              <a:rPr lang="ko-KR" altLang="en-US" sz="1400" dirty="0">
+                <a:latin typeface="Roboto" panose="02000000000000000000" pitchFamily="2" charset="0"/>
+              </a:rPr>
+              <a:t>는 </a:t>
+            </a:r>
+            <a:r>
+              <a:rPr lang="en-US" altLang="ko-KR" sz="1400" b="1" dirty="0">
+                <a:latin typeface="Roboto" panose="02000000000000000000" pitchFamily="2" charset="0"/>
+              </a:rPr>
+              <a:t>2xx</a:t>
+            </a:r>
+            <a:r>
+              <a:rPr lang="en-US" altLang="ko-KR" sz="1400" dirty="0">
+                <a:latin typeface="Roboto" panose="02000000000000000000" pitchFamily="2" charset="0"/>
+              </a:rPr>
+              <a:t> </a:t>
+            </a:r>
+            <a:r>
+              <a:rPr lang="ko-KR" altLang="en-US" sz="1400" dirty="0">
+                <a:latin typeface="Roboto" panose="02000000000000000000" pitchFamily="2" charset="0"/>
+              </a:rPr>
+              <a:t>응답에 대한 </a:t>
+            </a:r>
+            <a:r>
+              <a:rPr lang="en-US" altLang="ko-KR" sz="1400" b="1" dirty="0">
+                <a:latin typeface="Roboto" panose="02000000000000000000" pitchFamily="2" charset="0"/>
+              </a:rPr>
+              <a:t>ACK</a:t>
+            </a:r>
+            <a:r>
+              <a:rPr lang="ko-KR" altLang="en-US" sz="1400" dirty="0">
+                <a:latin typeface="Roboto" panose="02000000000000000000" pitchFamily="2" charset="0"/>
+              </a:rPr>
+              <a:t>를 수신하거나 서버 트랜잭션이 </a:t>
+            </a:r>
+            <a:r>
+              <a:rPr lang="en-US" altLang="ko-KR" sz="1400" b="1" dirty="0">
+                <a:latin typeface="Roboto" panose="02000000000000000000" pitchFamily="2" charset="0"/>
+              </a:rPr>
+              <a:t>timeout</a:t>
+            </a:r>
+            <a:r>
+              <a:rPr lang="ko-KR" altLang="en-US" sz="1400" dirty="0">
+                <a:latin typeface="Roboto" panose="02000000000000000000" pitchFamily="2" charset="0"/>
+              </a:rPr>
+              <a:t> 이 뜰때까지 </a:t>
+            </a:r>
+            <a:r>
+              <a:rPr lang="en-US" altLang="ko-KR" sz="1400" b="1" dirty="0">
+                <a:latin typeface="Roboto" panose="02000000000000000000" pitchFamily="2" charset="0"/>
+              </a:rPr>
+              <a:t>confirmed</a:t>
+            </a:r>
+            <a:r>
+              <a:rPr lang="en-US" altLang="ko-KR" sz="1400" dirty="0">
+                <a:latin typeface="Roboto" panose="02000000000000000000" pitchFamily="2" charset="0"/>
+              </a:rPr>
+              <a:t> </a:t>
+            </a:r>
+            <a:r>
+              <a:rPr lang="ko-KR" altLang="en-US" sz="1400" dirty="0">
+                <a:latin typeface="Roboto" panose="02000000000000000000" pitchFamily="2" charset="0"/>
+              </a:rPr>
+              <a:t>다이얼로그에서 </a:t>
+            </a:r>
+            <a:r>
+              <a:rPr lang="en-US" altLang="ko-KR" sz="1400" dirty="0">
+                <a:latin typeface="Roboto" panose="02000000000000000000" pitchFamily="2" charset="0"/>
+              </a:rPr>
+              <a:t>BYE</a:t>
+            </a:r>
+            <a:r>
+              <a:rPr lang="ko-KR" altLang="en-US" sz="1400" dirty="0">
+                <a:latin typeface="Roboto" panose="02000000000000000000" pitchFamily="2" charset="0"/>
+              </a:rPr>
+              <a:t>를 보내면 안됨</a:t>
+            </a:r>
+            <a:endParaRPr lang="en-US" altLang="ko-KR" sz="1400" dirty="0">
+              <a:latin typeface="Roboto" panose="02000000000000000000" pitchFamily="2" charset="0"/>
+            </a:endParaRPr>
+          </a:p>
+        </p:txBody>
+      </p:sp>
     </p:spTree>
     <p:extLst>
       <p:ext uri="{BB962C8B-B14F-4D97-AF65-F5344CB8AC3E}">
         <p14:creationId xmlns:p14="http://schemas.microsoft.com/office/powerpoint/2010/main" val="2569842624"/>
+      </p:ext>
+    </p:extLst>
+  </p:cSld>
+  <p:clrMapOvr>
+    <a:masterClrMapping/>
+  </p:clrMapOvr>
+</p:sld>
+</file>
+
+<file path=ppt/slides/slide29.xml><?xml version="1.0" encoding="utf-8"?>
+<p:sld xmlns:a="http://schemas.openxmlformats.org/drawingml/2006/main" xmlns:r="http://schemas.openxmlformats.org/officeDocument/2006/relationships" xmlns:p="http://schemas.openxmlformats.org/presentationml/2006/main">
+  <p:cSld>
+    <p:spTree>
+      <p:nvGrpSpPr>
+        <p:cNvPr id="1" name=""/>
+        <p:cNvGrpSpPr/>
+        <p:nvPr/>
+      </p:nvGrpSpPr>
+      <p:grpSpPr>
+        <a:xfrm>
+          <a:off x="0" y="0"/>
+          <a:ext cx="0" cy="0"/>
+          <a:chOff x="0" y="0"/>
+          <a:chExt cx="0" cy="0"/>
+        </a:xfrm>
+      </p:grpSpPr>
+      <p:sp>
+        <p:nvSpPr>
+          <p:cNvPr id="2" name="제목 1">
+            <a:extLst>
+              <a:ext uri="{FF2B5EF4-FFF2-40B4-BE49-F238E27FC236}">
+                <a16:creationId xmlns:a16="http://schemas.microsoft.com/office/drawing/2014/main" id="{8C9AF931-2C38-43C8-9E3C-AED4EC2E41A6}"/>
+              </a:ext>
+            </a:extLst>
+          </p:cNvPr>
+          <p:cNvSpPr>
+            <a:spLocks noGrp="1"/>
+          </p:cNvSpPr>
+          <p:nvPr>
+            <p:ph type="title"/>
+          </p:nvPr>
+        </p:nvSpPr>
+        <p:spPr>
+          <a:xfrm>
+            <a:off x="0" y="0"/>
+            <a:ext cx="12192000" cy="549275"/>
+          </a:xfrm>
+        </p:spPr>
+        <p:txBody>
+          <a:bodyPr/>
+          <a:lstStyle/>
+          <a:p>
+            <a:r>
+              <a:rPr lang="en-US" altLang="ko-KR" dirty="0"/>
+              <a:t>7. Terminating a Session – Overview</a:t>
+            </a:r>
+            <a:endParaRPr lang="ko-KR" altLang="en-US" dirty="0"/>
+          </a:p>
+        </p:txBody>
+      </p:sp>
+      <p:sp>
+        <p:nvSpPr>
+          <p:cNvPr id="4" name="슬라이드 번호 개체 틀 3">
+            <a:extLst>
+              <a:ext uri="{FF2B5EF4-FFF2-40B4-BE49-F238E27FC236}">
+                <a16:creationId xmlns:a16="http://schemas.microsoft.com/office/drawing/2014/main" id="{63151CCF-057C-4F06-8A51-C3671F753532}"/>
+              </a:ext>
+            </a:extLst>
+          </p:cNvPr>
+          <p:cNvSpPr>
+            <a:spLocks noGrp="1"/>
+          </p:cNvSpPr>
+          <p:nvPr>
+            <p:ph type="sldNum" sz="quarter" idx="12"/>
+          </p:nvPr>
+        </p:nvSpPr>
+        <p:spPr/>
+        <p:txBody>
+          <a:bodyPr/>
+          <a:lstStyle/>
+          <a:p>
+            <a:fld id="{A9252A94-CC09-4928-8209-20295AE91AEF}" type="slidenum">
+              <a:rPr lang="ko-KR" altLang="en-US" smtClean="0"/>
+              <a:t>29</a:t>
+            </a:fld>
+            <a:endParaRPr lang="ko-KR" altLang="en-US"/>
+          </a:p>
+        </p:txBody>
+      </p:sp>
+      <p:sp>
+        <p:nvSpPr>
+          <p:cNvPr id="3" name="직사각형 2">
+            <a:extLst>
+              <a:ext uri="{FF2B5EF4-FFF2-40B4-BE49-F238E27FC236}">
+                <a16:creationId xmlns:a16="http://schemas.microsoft.com/office/drawing/2014/main" id="{937B69BB-790A-FA9D-BB70-4FB7D8C70E52}"/>
+              </a:ext>
+            </a:extLst>
+          </p:cNvPr>
+          <p:cNvSpPr/>
+          <p:nvPr/>
+        </p:nvSpPr>
+        <p:spPr>
+          <a:xfrm>
+            <a:off x="751367" y="923181"/>
+            <a:ext cx="11147556" cy="2614818"/>
+          </a:xfrm>
+          <a:prstGeom prst="rect">
+            <a:avLst/>
+          </a:prstGeom>
+        </p:spPr>
+        <p:txBody>
+          <a:bodyPr wrap="square">
+            <a:spAutoFit/>
+          </a:bodyPr>
+          <a:lstStyle/>
+          <a:p>
+            <a:pPr marL="285750" indent="-285750">
+              <a:lnSpc>
+                <a:spcPct val="200000"/>
+              </a:lnSpc>
+              <a:buFont typeface="Arial" panose="020B0604020202020204" pitchFamily="34" charset="0"/>
+              <a:buChar char="•"/>
+            </a:pPr>
+            <a:r>
+              <a:rPr lang="en-US" altLang="ko-KR" sz="1400" dirty="0">
+                <a:latin typeface="Roboto" panose="02000000000000000000" pitchFamily="2" charset="0"/>
+              </a:rPr>
+              <a:t>“</a:t>
+            </a:r>
+            <a:r>
+              <a:rPr lang="en-US" altLang="ko-KR" sz="1400" b="1" dirty="0">
+                <a:latin typeface="Roboto" panose="02000000000000000000" pitchFamily="2" charset="0"/>
+              </a:rPr>
+              <a:t>hanging up</a:t>
+            </a:r>
+            <a:r>
+              <a:rPr lang="en-US" altLang="ko-KR" sz="1400" dirty="0">
+                <a:latin typeface="Roboto" panose="02000000000000000000" pitchFamily="2" charset="0"/>
+              </a:rPr>
+              <a:t>” </a:t>
+            </a:r>
+            <a:r>
+              <a:rPr lang="ko-KR" altLang="en-US" sz="1400" dirty="0">
+                <a:latin typeface="Roboto" panose="02000000000000000000" pitchFamily="2" charset="0"/>
+              </a:rPr>
+              <a:t>은</a:t>
+            </a:r>
+            <a:r>
+              <a:rPr lang="en-US" altLang="ko-KR" sz="1400" dirty="0">
+                <a:latin typeface="Roboto" panose="02000000000000000000" pitchFamily="2" charset="0"/>
+              </a:rPr>
+              <a:t> </a:t>
+            </a:r>
+            <a:r>
+              <a:rPr lang="ko-KR" altLang="en-US" sz="1400" dirty="0">
+                <a:latin typeface="Roboto" panose="02000000000000000000" pitchFamily="2" charset="0"/>
+              </a:rPr>
+              <a:t>세션을 게시를 종료하고</a:t>
+            </a:r>
+            <a:r>
+              <a:rPr lang="en-US" altLang="ko-KR" sz="1400" dirty="0">
+                <a:latin typeface="Roboto" panose="02000000000000000000" pitchFamily="2" charset="0"/>
+              </a:rPr>
+              <a:t>, </a:t>
+            </a:r>
+            <a:r>
+              <a:rPr lang="ko-KR" altLang="en-US" sz="1400" dirty="0">
+                <a:latin typeface="Roboto" panose="02000000000000000000" pitchFamily="2" charset="0"/>
+              </a:rPr>
+              <a:t>이미 생성된 세션을 종료하기를 바라는 상태</a:t>
+            </a:r>
+            <a:endParaRPr lang="en-US" altLang="ko-KR" sz="1400" dirty="0">
+              <a:latin typeface="Roboto" panose="02000000000000000000" pitchFamily="2" charset="0"/>
+            </a:endParaRPr>
+          </a:p>
+          <a:p>
+            <a:pPr marL="742950" lvl="1" indent="-285750">
+              <a:lnSpc>
+                <a:spcPct val="200000"/>
+              </a:lnSpc>
+              <a:buFont typeface="Arial" panose="020B0604020202020204" pitchFamily="34" charset="0"/>
+              <a:buChar char="•"/>
+            </a:pPr>
+            <a:r>
+              <a:rPr lang="en-US" altLang="ko-KR" sz="1400" b="1" dirty="0">
+                <a:latin typeface="Roboto" panose="02000000000000000000" pitchFamily="2" charset="0"/>
+              </a:rPr>
+              <a:t>Caller</a:t>
+            </a:r>
+            <a:r>
+              <a:rPr lang="ko-KR" altLang="en-US" sz="1400" dirty="0">
+                <a:latin typeface="Roboto" panose="02000000000000000000" pitchFamily="2" charset="0"/>
+              </a:rPr>
+              <a:t>의 </a:t>
+            </a:r>
+            <a:r>
+              <a:rPr lang="en-US" altLang="ko-KR" sz="1400" dirty="0">
+                <a:latin typeface="Roboto" panose="02000000000000000000" pitchFamily="2" charset="0"/>
+              </a:rPr>
+              <a:t>UA</a:t>
+            </a:r>
+            <a:r>
+              <a:rPr lang="ko-KR" altLang="en-US" sz="1400" dirty="0">
+                <a:latin typeface="Roboto" panose="02000000000000000000" pitchFamily="2" charset="0"/>
+              </a:rPr>
+              <a:t>에 대해</a:t>
+            </a:r>
+            <a:r>
+              <a:rPr lang="en-US" altLang="ko-KR" sz="1400" dirty="0">
+                <a:latin typeface="Roboto" panose="02000000000000000000" pitchFamily="2" charset="0"/>
+              </a:rPr>
+              <a:t>,</a:t>
+            </a:r>
+          </a:p>
+          <a:p>
+            <a:pPr marL="1200150" lvl="2" indent="-285750">
+              <a:lnSpc>
+                <a:spcPct val="200000"/>
+              </a:lnSpc>
+              <a:buFont typeface="Arial" panose="020B0604020202020204" pitchFamily="34" charset="0"/>
+              <a:buChar char="•"/>
+            </a:pPr>
+            <a:r>
+              <a:rPr lang="en-US" altLang="ko-KR" sz="1400" dirty="0">
+                <a:latin typeface="Roboto" panose="02000000000000000000" pitchFamily="2" charset="0"/>
+              </a:rPr>
+              <a:t>Caller </a:t>
+            </a:r>
+            <a:r>
+              <a:rPr lang="ko-KR" altLang="en-US" sz="1400" dirty="0">
+                <a:latin typeface="Roboto" panose="02000000000000000000" pitchFamily="2" charset="0"/>
+              </a:rPr>
+              <a:t>의 </a:t>
+            </a:r>
+            <a:r>
+              <a:rPr lang="en-US" altLang="ko-KR" sz="1400" dirty="0">
+                <a:latin typeface="Roboto" panose="02000000000000000000" pitchFamily="2" charset="0"/>
+              </a:rPr>
+              <a:t>UA</a:t>
+            </a:r>
+            <a:r>
+              <a:rPr lang="ko-KR" altLang="en-US" sz="1400" dirty="0">
+                <a:latin typeface="Roboto" panose="02000000000000000000" pitchFamily="2" charset="0"/>
+              </a:rPr>
+              <a:t>에 대해</a:t>
+            </a:r>
+            <a:r>
+              <a:rPr lang="en-US" altLang="ko-KR" sz="1400" dirty="0">
+                <a:latin typeface="Roboto" panose="02000000000000000000" pitchFamily="2" charset="0"/>
+              </a:rPr>
+              <a:t>, </a:t>
+            </a:r>
+            <a:r>
+              <a:rPr lang="ko-KR" altLang="en-US" sz="1400" dirty="0">
+                <a:latin typeface="Roboto" panose="02000000000000000000" pitchFamily="2" charset="0"/>
+              </a:rPr>
+              <a:t>초기 </a:t>
+            </a:r>
+            <a:r>
+              <a:rPr lang="en-US" altLang="ko-KR" sz="1400" b="1" dirty="0">
+                <a:latin typeface="Roboto" panose="02000000000000000000" pitchFamily="2" charset="0"/>
+              </a:rPr>
+              <a:t>INVITE</a:t>
+            </a:r>
+            <a:r>
+              <a:rPr lang="ko-KR" altLang="en-US" sz="1400" dirty="0">
+                <a:latin typeface="Roboto" panose="02000000000000000000" pitchFamily="2" charset="0"/>
+              </a:rPr>
+              <a:t>가 </a:t>
+            </a:r>
+            <a:r>
+              <a:rPr lang="en-US" altLang="ko-KR" sz="1400" dirty="0">
+                <a:latin typeface="Roboto" panose="02000000000000000000" pitchFamily="2" charset="0"/>
+              </a:rPr>
+              <a:t>final </a:t>
+            </a:r>
+            <a:r>
+              <a:rPr lang="ko-KR" altLang="en-US" sz="1400" dirty="0">
+                <a:latin typeface="Roboto" panose="02000000000000000000" pitchFamily="2" charset="0"/>
+              </a:rPr>
+              <a:t>응답을 생성하지 않았으면 이것은 </a:t>
+            </a:r>
+            <a:r>
+              <a:rPr lang="en-US" altLang="ko-KR" sz="1400" b="1" dirty="0">
+                <a:latin typeface="Roboto" panose="02000000000000000000" pitchFamily="2" charset="0"/>
+              </a:rPr>
+              <a:t>CANCEL</a:t>
+            </a:r>
+            <a:r>
+              <a:rPr lang="en-US" altLang="ko-KR" sz="1400" dirty="0">
+                <a:latin typeface="Roboto" panose="02000000000000000000" pitchFamily="2" charset="0"/>
+              </a:rPr>
+              <a:t> </a:t>
+            </a:r>
+            <a:r>
+              <a:rPr lang="ko-KR" altLang="en-US" sz="1400" dirty="0">
+                <a:latin typeface="Roboto" panose="02000000000000000000" pitchFamily="2" charset="0"/>
+              </a:rPr>
+              <a:t>요청을 의미</a:t>
+            </a:r>
+            <a:endParaRPr lang="en-US" altLang="ko-KR" sz="1400" dirty="0">
+              <a:latin typeface="Roboto" panose="02000000000000000000" pitchFamily="2" charset="0"/>
+            </a:endParaRPr>
+          </a:p>
+          <a:p>
+            <a:pPr marL="1200150" lvl="2" indent="-285750">
+              <a:lnSpc>
+                <a:spcPct val="200000"/>
+              </a:lnSpc>
+              <a:buFont typeface="Arial" panose="020B0604020202020204" pitchFamily="34" charset="0"/>
+              <a:buChar char="•"/>
+            </a:pPr>
+            <a:r>
+              <a:rPr lang="en-US" altLang="ko-KR" sz="1400" dirty="0">
+                <a:latin typeface="Roboto" panose="02000000000000000000" pitchFamily="2" charset="0"/>
+              </a:rPr>
+              <a:t>final </a:t>
+            </a:r>
+            <a:r>
+              <a:rPr lang="ko-KR" altLang="en-US" sz="1400" dirty="0">
+                <a:latin typeface="Roboto" panose="02000000000000000000" pitchFamily="2" charset="0"/>
+              </a:rPr>
+              <a:t>응답 이후의 모든 </a:t>
+            </a:r>
+            <a:r>
+              <a:rPr lang="en-US" altLang="ko-KR" sz="1400" b="1" dirty="0">
+                <a:latin typeface="Roboto" panose="02000000000000000000" pitchFamily="2" charset="0"/>
+              </a:rPr>
+              <a:t>confirmed</a:t>
+            </a:r>
+            <a:r>
+              <a:rPr lang="en-US" altLang="ko-KR" sz="1400" dirty="0">
+                <a:latin typeface="Roboto" panose="02000000000000000000" pitchFamily="2" charset="0"/>
+              </a:rPr>
+              <a:t> </a:t>
+            </a:r>
+            <a:r>
+              <a:rPr lang="ko-KR" altLang="en-US" sz="1400" dirty="0">
+                <a:latin typeface="Roboto" panose="02000000000000000000" pitchFamily="2" charset="0"/>
+              </a:rPr>
+              <a:t>다이얼로그에 대해 </a:t>
+            </a:r>
+            <a:r>
+              <a:rPr lang="en-US" altLang="ko-KR" sz="1400" dirty="0">
+                <a:latin typeface="Roboto" panose="02000000000000000000" pitchFamily="2" charset="0"/>
+              </a:rPr>
+              <a:t>BYE</a:t>
+            </a:r>
+            <a:r>
+              <a:rPr lang="ko-KR" altLang="en-US" sz="1400" dirty="0">
+                <a:latin typeface="Roboto" panose="02000000000000000000" pitchFamily="2" charset="0"/>
+              </a:rPr>
+              <a:t>를 의미</a:t>
+            </a:r>
+          </a:p>
+          <a:p>
+            <a:pPr marL="742950" lvl="1" indent="-285750">
+              <a:lnSpc>
+                <a:spcPct val="200000"/>
+              </a:lnSpc>
+              <a:buFont typeface="Arial" panose="020B0604020202020204" pitchFamily="34" charset="0"/>
+              <a:buChar char="•"/>
+            </a:pPr>
+            <a:r>
+              <a:rPr lang="en-US" altLang="ko-KR" sz="1400" b="1" dirty="0">
+                <a:latin typeface="Roboto" panose="02000000000000000000" pitchFamily="2" charset="0"/>
+              </a:rPr>
+              <a:t>Callee</a:t>
+            </a:r>
+            <a:r>
+              <a:rPr lang="ko-KR" altLang="en-US" sz="1400" dirty="0">
+                <a:latin typeface="Roboto" panose="02000000000000000000" pitchFamily="2" charset="0"/>
+              </a:rPr>
+              <a:t>의 </a:t>
+            </a:r>
+            <a:r>
+              <a:rPr lang="en-US" altLang="ko-KR" sz="1400" dirty="0">
+                <a:latin typeface="Roboto" panose="02000000000000000000" pitchFamily="2" charset="0"/>
+              </a:rPr>
+              <a:t>UA</a:t>
+            </a:r>
+            <a:r>
+              <a:rPr lang="ko-KR" altLang="en-US" sz="1400" dirty="0">
+                <a:latin typeface="Roboto" panose="02000000000000000000" pitchFamily="2" charset="0"/>
+              </a:rPr>
+              <a:t>에 대해</a:t>
+            </a:r>
+            <a:r>
+              <a:rPr lang="en-US" altLang="ko-KR" sz="1400" dirty="0">
+                <a:latin typeface="Roboto" panose="02000000000000000000" pitchFamily="2" charset="0"/>
+              </a:rPr>
+              <a:t>,</a:t>
+            </a:r>
+          </a:p>
+          <a:p>
+            <a:pPr marL="1200150" lvl="2" indent="-285750">
+              <a:lnSpc>
+                <a:spcPct val="200000"/>
+              </a:lnSpc>
+              <a:buFont typeface="Arial" panose="020B0604020202020204" pitchFamily="34" charset="0"/>
+              <a:buChar char="•"/>
+            </a:pPr>
+            <a:r>
+              <a:rPr lang="en-US" altLang="ko-KR" sz="1400" dirty="0">
+                <a:latin typeface="Roboto" panose="02000000000000000000" pitchFamily="2" charset="0"/>
+              </a:rPr>
+              <a:t>BYE</a:t>
+            </a:r>
+            <a:r>
+              <a:rPr lang="ko-KR" altLang="en-US" sz="1400" dirty="0">
+                <a:latin typeface="Roboto" panose="02000000000000000000" pitchFamily="2" charset="0"/>
+              </a:rPr>
+              <a:t>를 의미</a:t>
+            </a:r>
+            <a:endParaRPr lang="en-US" altLang="ko-KR" sz="1400" dirty="0">
+              <a:latin typeface="Roboto" panose="02000000000000000000" pitchFamily="2" charset="0"/>
+            </a:endParaRPr>
+          </a:p>
+        </p:txBody>
+      </p:sp>
+    </p:spTree>
+    <p:extLst>
+      <p:ext uri="{BB962C8B-B14F-4D97-AF65-F5344CB8AC3E}">
+        <p14:creationId xmlns:p14="http://schemas.microsoft.com/office/powerpoint/2010/main" val="2221590793"/>
       </p:ext>
     </p:extLst>
   </p:cSld>
@@ -21956,6 +23190,885 @@
 </p:sld>
 </file>
 
+<file path=ppt/slides/slide30.xml><?xml version="1.0" encoding="utf-8"?>
+<p:sld xmlns:a="http://schemas.openxmlformats.org/drawingml/2006/main" xmlns:r="http://schemas.openxmlformats.org/officeDocument/2006/relationships" xmlns:p="http://schemas.openxmlformats.org/presentationml/2006/main">
+  <p:cSld>
+    <p:spTree>
+      <p:nvGrpSpPr>
+        <p:cNvPr id="1" name=""/>
+        <p:cNvGrpSpPr/>
+        <p:nvPr/>
+      </p:nvGrpSpPr>
+      <p:grpSpPr>
+        <a:xfrm>
+          <a:off x="0" y="0"/>
+          <a:ext cx="0" cy="0"/>
+          <a:chOff x="0" y="0"/>
+          <a:chExt cx="0" cy="0"/>
+        </a:xfrm>
+      </p:grpSpPr>
+      <p:sp>
+        <p:nvSpPr>
+          <p:cNvPr id="2" name="제목 1">
+            <a:extLst>
+              <a:ext uri="{FF2B5EF4-FFF2-40B4-BE49-F238E27FC236}">
+                <a16:creationId xmlns:a16="http://schemas.microsoft.com/office/drawing/2014/main" id="{8C9AF931-2C38-43C8-9E3C-AED4EC2E41A6}"/>
+              </a:ext>
+            </a:extLst>
+          </p:cNvPr>
+          <p:cNvSpPr>
+            <a:spLocks noGrp="1"/>
+          </p:cNvSpPr>
+          <p:nvPr>
+            <p:ph type="title"/>
+          </p:nvPr>
+        </p:nvSpPr>
+        <p:spPr>
+          <a:xfrm>
+            <a:off x="0" y="0"/>
+            <a:ext cx="12192000" cy="549275"/>
+          </a:xfrm>
+        </p:spPr>
+        <p:txBody>
+          <a:bodyPr/>
+          <a:lstStyle/>
+          <a:p>
+            <a:r>
+              <a:rPr lang="en-US" altLang="ko-KR" dirty="0"/>
+              <a:t>7. Terminating a Session – Terminating a Session with a BYE Request (1)</a:t>
+            </a:r>
+            <a:endParaRPr lang="ko-KR" altLang="en-US" dirty="0"/>
+          </a:p>
+        </p:txBody>
+      </p:sp>
+      <p:sp>
+        <p:nvSpPr>
+          <p:cNvPr id="4" name="슬라이드 번호 개체 틀 3">
+            <a:extLst>
+              <a:ext uri="{FF2B5EF4-FFF2-40B4-BE49-F238E27FC236}">
+                <a16:creationId xmlns:a16="http://schemas.microsoft.com/office/drawing/2014/main" id="{63151CCF-057C-4F06-8A51-C3671F753532}"/>
+              </a:ext>
+            </a:extLst>
+          </p:cNvPr>
+          <p:cNvSpPr>
+            <a:spLocks noGrp="1"/>
+          </p:cNvSpPr>
+          <p:nvPr>
+            <p:ph type="sldNum" sz="quarter" idx="12"/>
+          </p:nvPr>
+        </p:nvSpPr>
+        <p:spPr/>
+        <p:txBody>
+          <a:bodyPr/>
+          <a:lstStyle/>
+          <a:p>
+            <a:fld id="{A9252A94-CC09-4928-8209-20295AE91AEF}" type="slidenum">
+              <a:rPr lang="ko-KR" altLang="en-US" smtClean="0"/>
+              <a:t>30</a:t>
+            </a:fld>
+            <a:endParaRPr lang="ko-KR" altLang="en-US" dirty="0"/>
+          </a:p>
+        </p:txBody>
+      </p:sp>
+      <p:sp>
+        <p:nvSpPr>
+          <p:cNvPr id="7" name="직사각형 6">
+            <a:extLst>
+              <a:ext uri="{FF2B5EF4-FFF2-40B4-BE49-F238E27FC236}">
+                <a16:creationId xmlns:a16="http://schemas.microsoft.com/office/drawing/2014/main" id="{B96D8D85-7A40-F3D2-6B34-102DF4993474}"/>
+              </a:ext>
+            </a:extLst>
+          </p:cNvPr>
+          <p:cNvSpPr/>
+          <p:nvPr/>
+        </p:nvSpPr>
+        <p:spPr>
+          <a:xfrm>
+            <a:off x="747651" y="923181"/>
+            <a:ext cx="10301609" cy="2377189"/>
+          </a:xfrm>
+          <a:prstGeom prst="rect">
+            <a:avLst/>
+          </a:prstGeom>
+        </p:spPr>
+        <p:txBody>
+          <a:bodyPr wrap="square">
+            <a:spAutoFit/>
+          </a:bodyPr>
+          <a:lstStyle/>
+          <a:p>
+            <a:pPr>
+              <a:lnSpc>
+                <a:spcPct val="200000"/>
+              </a:lnSpc>
+            </a:pPr>
+            <a:r>
+              <a:rPr lang="en-US" altLang="ko-KR" sz="1600" b="1" u="sng" dirty="0">
+                <a:latin typeface="Roboto" panose="02000000000000000000" pitchFamily="2" charset="0"/>
+              </a:rPr>
+              <a:t>UAC Behavior</a:t>
+            </a:r>
+            <a:r>
+              <a:rPr lang="en-US" altLang="ko-KR" sz="1600" b="1" dirty="0">
+                <a:latin typeface="Roboto" panose="02000000000000000000" pitchFamily="2" charset="0"/>
+              </a:rPr>
+              <a:t> </a:t>
+            </a:r>
+          </a:p>
+          <a:p>
+            <a:pPr marL="285750" indent="-285750">
+              <a:lnSpc>
+                <a:spcPct val="200000"/>
+              </a:lnSpc>
+              <a:buFont typeface="Arial" panose="020B0604020202020204" pitchFamily="34" charset="0"/>
+              <a:buChar char="•"/>
+            </a:pPr>
+            <a:r>
+              <a:rPr lang="en-US" altLang="ko-KR" sz="1200" dirty="0">
+                <a:latin typeface="Roboto" panose="02000000000000000000" pitchFamily="2" charset="0"/>
+              </a:rPr>
+              <a:t>BYE </a:t>
+            </a:r>
+            <a:r>
+              <a:rPr lang="ko-KR" altLang="en-US" sz="1200" dirty="0">
+                <a:latin typeface="Roboto" panose="02000000000000000000" pitchFamily="2" charset="0"/>
+              </a:rPr>
+              <a:t>요청 구성</a:t>
+            </a:r>
+            <a:endParaRPr lang="en-US" altLang="ko-KR" sz="1200" dirty="0">
+              <a:latin typeface="Roboto" panose="02000000000000000000" pitchFamily="2" charset="0"/>
+            </a:endParaRPr>
+          </a:p>
+          <a:p>
+            <a:pPr marL="285750" indent="-285750">
+              <a:lnSpc>
+                <a:spcPct val="200000"/>
+              </a:lnSpc>
+              <a:buFont typeface="Arial" panose="020B0604020202020204" pitchFamily="34" charset="0"/>
+              <a:buChar char="•"/>
+            </a:pPr>
+            <a:r>
+              <a:rPr lang="en-US" altLang="ko-KR" sz="1200" dirty="0">
+                <a:latin typeface="Roboto" panose="02000000000000000000" pitchFamily="2" charset="0"/>
+              </a:rPr>
+              <a:t>BYE</a:t>
+            </a:r>
+            <a:r>
+              <a:rPr lang="ko-KR" altLang="en-US" sz="1200" dirty="0">
+                <a:latin typeface="Roboto" panose="02000000000000000000" pitchFamily="2" charset="0"/>
+              </a:rPr>
+              <a:t>가 구성되면  </a:t>
+            </a:r>
+            <a:r>
+              <a:rPr lang="en-US" altLang="ko-KR" sz="1200" dirty="0">
+                <a:latin typeface="Roboto" panose="02000000000000000000" pitchFamily="2" charset="0"/>
+              </a:rPr>
+              <a:t>UAC </a:t>
+            </a:r>
+            <a:r>
+              <a:rPr lang="ko-KR" altLang="en-US" sz="1200" dirty="0">
+                <a:latin typeface="Roboto" panose="02000000000000000000" pitchFamily="2" charset="0"/>
+              </a:rPr>
+              <a:t>코어는 새로운 </a:t>
+            </a:r>
+            <a:r>
+              <a:rPr lang="en-US" altLang="ko-KR" sz="1200" b="1" dirty="0">
+                <a:latin typeface="Roboto" panose="02000000000000000000" pitchFamily="2" charset="0"/>
+              </a:rPr>
+              <a:t>non-INVITE </a:t>
+            </a:r>
+            <a:r>
+              <a:rPr lang="en-US" altLang="ko-KR" sz="1200" dirty="0">
+                <a:latin typeface="Roboto" panose="02000000000000000000" pitchFamily="2" charset="0"/>
+              </a:rPr>
+              <a:t>client transaction </a:t>
+            </a:r>
+            <a:r>
+              <a:rPr lang="ko-KR" altLang="en-US" sz="1200" dirty="0">
+                <a:latin typeface="Roboto" panose="02000000000000000000" pitchFamily="2" charset="0"/>
+              </a:rPr>
+              <a:t>을 생성</a:t>
+            </a:r>
+            <a:r>
+              <a:rPr lang="en-US" altLang="ko-KR" sz="1200" dirty="0">
+                <a:latin typeface="Roboto" panose="02000000000000000000" pitchFamily="2" charset="0"/>
+              </a:rPr>
+              <a:t> </a:t>
+            </a:r>
+            <a:r>
+              <a:rPr lang="ko-KR" altLang="en-US" sz="1200" dirty="0">
+                <a:latin typeface="Roboto" panose="02000000000000000000" pitchFamily="2" charset="0"/>
+              </a:rPr>
+              <a:t>하고 </a:t>
+            </a:r>
+            <a:r>
+              <a:rPr lang="en-US" altLang="ko-KR" sz="1200" dirty="0">
+                <a:latin typeface="Roboto" panose="02000000000000000000" pitchFamily="2" charset="0"/>
+              </a:rPr>
+              <a:t>BYE </a:t>
+            </a:r>
+            <a:r>
+              <a:rPr lang="ko-KR" altLang="en-US" sz="1200" dirty="0">
+                <a:latin typeface="Roboto" panose="02000000000000000000" pitchFamily="2" charset="0"/>
+              </a:rPr>
+              <a:t>요청을 전달</a:t>
+            </a:r>
+            <a:endParaRPr lang="en-US" altLang="ko-KR" sz="1200" dirty="0">
+              <a:latin typeface="Roboto" panose="02000000000000000000" pitchFamily="2" charset="0"/>
+            </a:endParaRPr>
+          </a:p>
+          <a:p>
+            <a:pPr marL="285750" indent="-285750">
+              <a:lnSpc>
+                <a:spcPct val="200000"/>
+              </a:lnSpc>
+              <a:buFont typeface="Arial" panose="020B0604020202020204" pitchFamily="34" charset="0"/>
+              <a:buChar char="•"/>
+            </a:pPr>
+            <a:r>
+              <a:rPr lang="en-US" altLang="ko-KR" sz="1200" dirty="0">
+                <a:latin typeface="Roboto" panose="02000000000000000000" pitchFamily="2" charset="0"/>
+              </a:rPr>
+              <a:t>UAC</a:t>
+            </a:r>
+            <a:r>
+              <a:rPr lang="ko-KR" altLang="en-US" sz="1200" dirty="0">
+                <a:latin typeface="Roboto" panose="02000000000000000000" pitchFamily="2" charset="0"/>
+              </a:rPr>
+              <a:t>는 </a:t>
+            </a:r>
+            <a:r>
+              <a:rPr lang="en-US" altLang="ko-KR" sz="1200" dirty="0">
+                <a:latin typeface="Roboto" panose="02000000000000000000" pitchFamily="2" charset="0"/>
+              </a:rPr>
+              <a:t>BYE </a:t>
+            </a:r>
+            <a:r>
+              <a:rPr lang="ko-KR" altLang="en-US" sz="1200" dirty="0">
+                <a:latin typeface="Roboto" panose="02000000000000000000" pitchFamily="2" charset="0"/>
+              </a:rPr>
+              <a:t>요청이 </a:t>
+            </a:r>
+            <a:r>
+              <a:rPr lang="en-US" altLang="ko-KR" sz="1200" dirty="0">
+                <a:latin typeface="Roboto" panose="02000000000000000000" pitchFamily="2" charset="0"/>
+              </a:rPr>
+              <a:t>client transaction </a:t>
+            </a:r>
+            <a:r>
+              <a:rPr lang="ko-KR" altLang="en-US" sz="1200" dirty="0">
+                <a:latin typeface="Roboto" panose="02000000000000000000" pitchFamily="2" charset="0"/>
+              </a:rPr>
+              <a:t>에 전달되는 즉시 세션이 종료된 것으로 간주해야 함 </a:t>
+            </a:r>
+            <a:endParaRPr lang="en-US" altLang="ko-KR" sz="1400" dirty="0">
+              <a:latin typeface="Roboto" panose="02000000000000000000" pitchFamily="2" charset="0"/>
+            </a:endParaRPr>
+          </a:p>
+          <a:p>
+            <a:pPr marL="285750" indent="-285750" algn="just">
+              <a:lnSpc>
+                <a:spcPct val="200000"/>
+              </a:lnSpc>
+              <a:buFont typeface="Arial" panose="020B0604020202020204" pitchFamily="34" charset="0"/>
+              <a:buChar char="•"/>
+            </a:pPr>
+            <a:r>
+              <a:rPr lang="en-US" altLang="ko-KR" sz="1200" dirty="0">
+                <a:latin typeface="Roboto" panose="02000000000000000000" pitchFamily="2" charset="0"/>
+              </a:rPr>
+              <a:t>BYE </a:t>
+            </a:r>
+            <a:r>
+              <a:rPr lang="ko-KR" altLang="en-US" sz="1200" dirty="0">
+                <a:latin typeface="Roboto" panose="02000000000000000000" pitchFamily="2" charset="0"/>
+              </a:rPr>
+              <a:t>에 대한 응답이 </a:t>
+            </a:r>
+            <a:r>
+              <a:rPr lang="en-US" altLang="ko-KR" sz="1200" b="1" dirty="0">
+                <a:latin typeface="Roboto" panose="02000000000000000000" pitchFamily="2" charset="0"/>
+              </a:rPr>
+              <a:t>481(Call/Transaction)</a:t>
+            </a:r>
+            <a:r>
+              <a:rPr lang="ko-KR" altLang="en-US" sz="1200" b="1" dirty="0">
+                <a:latin typeface="Roboto" panose="02000000000000000000" pitchFamily="2" charset="0"/>
+              </a:rPr>
+              <a:t> </a:t>
+            </a:r>
+            <a:r>
+              <a:rPr lang="ko-KR" altLang="en-US" sz="1200" dirty="0">
+                <a:latin typeface="Roboto" panose="02000000000000000000" pitchFamily="2" charset="0"/>
+              </a:rPr>
+              <a:t>또는 </a:t>
+            </a:r>
+            <a:r>
+              <a:rPr lang="en-US" altLang="ko-KR" sz="1200" b="1" dirty="0">
+                <a:latin typeface="Roboto" panose="02000000000000000000" pitchFamily="2" charset="0"/>
+              </a:rPr>
+              <a:t>408(Request</a:t>
+            </a:r>
+            <a:r>
+              <a:rPr lang="ko-KR" altLang="en-US" sz="1200" b="1" dirty="0">
+                <a:latin typeface="Roboto" panose="02000000000000000000" pitchFamily="2" charset="0"/>
+              </a:rPr>
+              <a:t> </a:t>
+            </a:r>
+            <a:r>
+              <a:rPr lang="en-US" altLang="ko-KR" sz="1200" b="1" dirty="0">
+                <a:latin typeface="Roboto" panose="02000000000000000000" pitchFamily="2" charset="0"/>
+              </a:rPr>
+              <a:t>Timeout)</a:t>
+            </a:r>
+            <a:r>
+              <a:rPr lang="ko-KR" altLang="en-US" sz="1200" dirty="0">
+                <a:latin typeface="Roboto" panose="02000000000000000000" pitchFamily="2" charset="0"/>
+              </a:rPr>
+              <a:t>이거나 </a:t>
+            </a:r>
+            <a:r>
+              <a:rPr lang="en-US" altLang="ko-KR" sz="1200" dirty="0">
+                <a:latin typeface="Roboto" panose="02000000000000000000" pitchFamily="2" charset="0"/>
+              </a:rPr>
+              <a:t>BYE</a:t>
+            </a:r>
+            <a:r>
+              <a:rPr lang="ko-KR" altLang="en-US" sz="1200" dirty="0">
+                <a:latin typeface="Roboto" panose="02000000000000000000" pitchFamily="2" charset="0"/>
+              </a:rPr>
+              <a:t>에 대한 응답이 전혀 수신되지 않는 경우</a:t>
+            </a:r>
+            <a:r>
+              <a:rPr lang="en-US" altLang="ko-KR" sz="1200" dirty="0">
+                <a:latin typeface="Roboto" panose="02000000000000000000" pitchFamily="2" charset="0"/>
+              </a:rPr>
+              <a:t>, UAC </a:t>
+            </a:r>
+            <a:r>
+              <a:rPr lang="ko-KR" altLang="en-US" sz="1200" dirty="0">
+                <a:latin typeface="Roboto" panose="02000000000000000000" pitchFamily="2" charset="0"/>
+              </a:rPr>
+              <a:t>는 세션 및 다이얼로그가 종료된 것으로 간주</a:t>
+            </a:r>
+            <a:endParaRPr lang="en-US" altLang="ko-KR" sz="1200" dirty="0">
+              <a:latin typeface="Roboto" panose="02000000000000000000" pitchFamily="2" charset="0"/>
+            </a:endParaRPr>
+          </a:p>
+        </p:txBody>
+      </p:sp>
+      <p:sp>
+        <p:nvSpPr>
+          <p:cNvPr id="8" name="직사각형 7">
+            <a:extLst>
+              <a:ext uri="{FF2B5EF4-FFF2-40B4-BE49-F238E27FC236}">
+                <a16:creationId xmlns:a16="http://schemas.microsoft.com/office/drawing/2014/main" id="{A1CA72A3-9CFB-0F84-913B-2A944CB42F73}"/>
+              </a:ext>
+            </a:extLst>
+          </p:cNvPr>
+          <p:cNvSpPr/>
+          <p:nvPr/>
+        </p:nvSpPr>
+        <p:spPr>
+          <a:xfrm>
+            <a:off x="747651" y="3557631"/>
+            <a:ext cx="10301609" cy="2870016"/>
+          </a:xfrm>
+          <a:prstGeom prst="rect">
+            <a:avLst/>
+          </a:prstGeom>
+        </p:spPr>
+        <p:txBody>
+          <a:bodyPr wrap="square">
+            <a:spAutoFit/>
+          </a:bodyPr>
+          <a:lstStyle/>
+          <a:p>
+            <a:pPr>
+              <a:lnSpc>
+                <a:spcPct val="200000"/>
+              </a:lnSpc>
+            </a:pPr>
+            <a:r>
+              <a:rPr lang="en-US" altLang="ko-KR" sz="1600" b="1" u="sng" dirty="0">
+                <a:latin typeface="Roboto" panose="02000000000000000000" pitchFamily="2" charset="0"/>
+              </a:rPr>
+              <a:t>UAS Behavior</a:t>
+            </a:r>
+          </a:p>
+          <a:p>
+            <a:pPr marL="285750" indent="-285750">
+              <a:lnSpc>
+                <a:spcPct val="200000"/>
+              </a:lnSpc>
+              <a:buFont typeface="Arial" panose="020B0604020202020204" pitchFamily="34" charset="0"/>
+              <a:buChar char="•"/>
+            </a:pPr>
+            <a:r>
+              <a:rPr lang="en-US" altLang="ko-KR" sz="1400" dirty="0">
+                <a:latin typeface="Roboto" panose="02000000000000000000" pitchFamily="2" charset="0"/>
+              </a:rPr>
+              <a:t>BYE </a:t>
+            </a:r>
+            <a:r>
+              <a:rPr lang="ko-KR" altLang="en-US" sz="1400" dirty="0">
+                <a:latin typeface="Roboto" panose="02000000000000000000" pitchFamily="2" charset="0"/>
+              </a:rPr>
+              <a:t>요청 처리</a:t>
+            </a:r>
+            <a:endParaRPr lang="en-US" altLang="ko-KR" sz="1400" dirty="0">
+              <a:latin typeface="Roboto" panose="02000000000000000000" pitchFamily="2" charset="0"/>
+            </a:endParaRPr>
+          </a:p>
+          <a:p>
+            <a:pPr marL="285750" indent="-285750">
+              <a:lnSpc>
+                <a:spcPct val="200000"/>
+              </a:lnSpc>
+              <a:buFont typeface="Arial" panose="020B0604020202020204" pitchFamily="34" charset="0"/>
+              <a:buChar char="•"/>
+            </a:pPr>
+            <a:r>
+              <a:rPr lang="en-US" altLang="ko-KR" sz="1400" dirty="0">
+                <a:latin typeface="Roboto" panose="02000000000000000000" pitchFamily="2" charset="0"/>
+              </a:rPr>
+              <a:t>BYE </a:t>
+            </a:r>
+            <a:r>
+              <a:rPr lang="ko-KR" altLang="en-US" sz="1400" dirty="0">
+                <a:latin typeface="Roboto" panose="02000000000000000000" pitchFamily="2" charset="0"/>
+              </a:rPr>
+              <a:t>요청을 수신하는 </a:t>
+            </a:r>
+            <a:r>
+              <a:rPr lang="en-US" altLang="ko-KR" sz="1400" dirty="0">
+                <a:latin typeface="Roboto" panose="02000000000000000000" pitchFamily="2" charset="0"/>
+              </a:rPr>
+              <a:t>UAS core </a:t>
+            </a:r>
+            <a:r>
+              <a:rPr lang="ko-KR" altLang="en-US" sz="1400" dirty="0">
+                <a:latin typeface="Roboto" panose="02000000000000000000" pitchFamily="2" charset="0"/>
+              </a:rPr>
+              <a:t>는 기존 다이얼로그와 일치하는 지 검사</a:t>
+            </a:r>
+            <a:endParaRPr lang="en-US" altLang="ko-KR" sz="1400" dirty="0">
+              <a:latin typeface="Roboto" panose="02000000000000000000" pitchFamily="2" charset="0"/>
+            </a:endParaRPr>
+          </a:p>
+          <a:p>
+            <a:pPr marL="742950" lvl="1" indent="-285750">
+              <a:lnSpc>
+                <a:spcPct val="200000"/>
+              </a:lnSpc>
+              <a:buFont typeface="Arial" panose="020B0604020202020204" pitchFamily="34" charset="0"/>
+              <a:buChar char="•"/>
+            </a:pPr>
+            <a:r>
+              <a:rPr lang="ko-KR" altLang="en-US" sz="1200" b="1" dirty="0">
+                <a:latin typeface="Roboto" panose="02000000000000000000" pitchFamily="2" charset="0"/>
+              </a:rPr>
+              <a:t>일치하지 않으면</a:t>
+            </a:r>
+            <a:r>
+              <a:rPr lang="en-US" altLang="ko-KR" sz="1200" b="1" dirty="0">
+                <a:latin typeface="Roboto" panose="02000000000000000000" pitchFamily="2" charset="0"/>
+              </a:rPr>
+              <a:t>, UAS core </a:t>
+            </a:r>
+            <a:r>
+              <a:rPr lang="ko-KR" altLang="en-US" sz="1200" b="1" dirty="0">
+                <a:latin typeface="Roboto" panose="02000000000000000000" pitchFamily="2" charset="0"/>
+              </a:rPr>
+              <a:t>는 </a:t>
+            </a:r>
+            <a:r>
+              <a:rPr lang="en-US" altLang="ko-KR" sz="1200" b="1" dirty="0">
+                <a:latin typeface="Roboto" panose="02000000000000000000" pitchFamily="2" charset="0"/>
+              </a:rPr>
+              <a:t>481 (Call/Transaction Does Not Exist) </a:t>
+            </a:r>
+            <a:r>
+              <a:rPr lang="ko-KR" altLang="en-US" sz="1200" b="1" dirty="0">
+                <a:latin typeface="Roboto" panose="02000000000000000000" pitchFamily="2" charset="0"/>
+              </a:rPr>
+              <a:t>응답을 생성하고 그것을 </a:t>
+            </a:r>
+            <a:r>
+              <a:rPr lang="en-US" altLang="ko-KR" sz="1200" b="1" dirty="0">
+                <a:latin typeface="Roboto" panose="02000000000000000000" pitchFamily="2" charset="0"/>
+              </a:rPr>
+              <a:t>server transaction </a:t>
+            </a:r>
+            <a:r>
+              <a:rPr lang="ko-KR" altLang="en-US" sz="1200" b="1" dirty="0">
+                <a:latin typeface="Roboto" panose="02000000000000000000" pitchFamily="2" charset="0"/>
+              </a:rPr>
+              <a:t>으로 보냄</a:t>
+            </a:r>
+            <a:endParaRPr lang="en-US" altLang="ko-KR" sz="1200" b="1" dirty="0">
+              <a:latin typeface="Roboto" panose="02000000000000000000" pitchFamily="2" charset="0"/>
+            </a:endParaRPr>
+          </a:p>
+          <a:p>
+            <a:pPr marL="742950" lvl="1" indent="-285750">
+              <a:lnSpc>
+                <a:spcPct val="200000"/>
+              </a:lnSpc>
+              <a:buFont typeface="Arial" panose="020B0604020202020204" pitchFamily="34" charset="0"/>
+              <a:buChar char="•"/>
+            </a:pPr>
+            <a:r>
+              <a:rPr lang="ko-KR" altLang="en-US" sz="1200" b="1" dirty="0">
+                <a:latin typeface="Roboto" panose="02000000000000000000" pitchFamily="2" charset="0"/>
+              </a:rPr>
+              <a:t>기존 다이얼로그에  </a:t>
+            </a:r>
+            <a:r>
+              <a:rPr lang="en-US" altLang="ko-KR" sz="1200" b="1" dirty="0">
+                <a:latin typeface="Roboto" panose="02000000000000000000" pitchFamily="2" charset="0"/>
+              </a:rPr>
+              <a:t>BYE </a:t>
+            </a:r>
+            <a:r>
+              <a:rPr lang="ko-KR" altLang="en-US" sz="1200" b="1" dirty="0">
+                <a:latin typeface="Roboto" panose="02000000000000000000" pitchFamily="2" charset="0"/>
+              </a:rPr>
+              <a:t>요청을 수신하는 </a:t>
+            </a:r>
+            <a:r>
+              <a:rPr lang="en-US" altLang="ko-KR" sz="1200" b="1" dirty="0">
+                <a:latin typeface="Roboto" panose="02000000000000000000" pitchFamily="2" charset="0"/>
+              </a:rPr>
+              <a:t>UAS core </a:t>
+            </a:r>
+            <a:r>
+              <a:rPr lang="ko-KR" altLang="en-US" sz="1200" b="1" dirty="0">
+                <a:latin typeface="Roboto" panose="02000000000000000000" pitchFamily="2" charset="0"/>
+              </a:rPr>
+              <a:t>는 요청 처리 절차를 따름</a:t>
+            </a:r>
+            <a:endParaRPr lang="en-US" altLang="ko-KR" sz="1200" b="1" dirty="0">
+              <a:latin typeface="Roboto" panose="02000000000000000000" pitchFamily="2" charset="0"/>
+            </a:endParaRPr>
+          </a:p>
+          <a:p>
+            <a:pPr marL="285750" indent="-285750">
+              <a:lnSpc>
+                <a:spcPct val="200000"/>
+              </a:lnSpc>
+              <a:buFont typeface="Arial" panose="020B0604020202020204" pitchFamily="34" charset="0"/>
+              <a:buChar char="•"/>
+            </a:pPr>
+            <a:r>
+              <a:rPr lang="ko-KR" altLang="en-US" sz="1200" dirty="0">
+                <a:latin typeface="Roboto" panose="02000000000000000000" pitchFamily="2" charset="0"/>
+              </a:rPr>
+              <a:t>세션에 대한 참가를 종료하든 종료하지 않든</a:t>
+            </a:r>
+            <a:r>
+              <a:rPr lang="en-US" altLang="ko-KR" sz="1200" dirty="0">
+                <a:latin typeface="Roboto" panose="02000000000000000000" pitchFamily="2" charset="0"/>
+              </a:rPr>
+              <a:t>, UAS core </a:t>
+            </a:r>
+            <a:r>
+              <a:rPr lang="ko-KR" altLang="en-US" sz="1200" dirty="0">
+                <a:latin typeface="Roboto" panose="02000000000000000000" pitchFamily="2" charset="0"/>
+              </a:rPr>
+              <a:t>는 </a:t>
+            </a:r>
+            <a:r>
+              <a:rPr lang="en-US" altLang="ko-KR" sz="1200" dirty="0">
+                <a:latin typeface="Roboto" panose="02000000000000000000" pitchFamily="2" charset="0"/>
+              </a:rPr>
+              <a:t>BYE </a:t>
+            </a:r>
+            <a:r>
+              <a:rPr lang="ko-KR" altLang="en-US" sz="1200" dirty="0">
+                <a:latin typeface="Roboto" panose="02000000000000000000" pitchFamily="2" charset="0"/>
+              </a:rPr>
+              <a:t>에 대해 </a:t>
+            </a:r>
+            <a:r>
+              <a:rPr lang="en-US" altLang="ko-KR" sz="1200" dirty="0">
+                <a:latin typeface="Roboto" panose="02000000000000000000" pitchFamily="2" charset="0"/>
+              </a:rPr>
+              <a:t>2xx </a:t>
+            </a:r>
+            <a:r>
+              <a:rPr lang="ko-KR" altLang="en-US" sz="1200" dirty="0">
+                <a:latin typeface="Roboto" panose="02000000000000000000" pitchFamily="2" charset="0"/>
+              </a:rPr>
+              <a:t>응답을 생성해야 하며</a:t>
+            </a:r>
+            <a:r>
+              <a:rPr lang="en-US" altLang="ko-KR" sz="1200" dirty="0">
+                <a:latin typeface="Roboto" panose="02000000000000000000" pitchFamily="2" charset="0"/>
+              </a:rPr>
+              <a:t>, </a:t>
+            </a:r>
+            <a:r>
+              <a:rPr lang="ko-KR" altLang="en-US" sz="1200" dirty="0">
+                <a:latin typeface="Roboto" panose="02000000000000000000" pitchFamily="2" charset="0"/>
+              </a:rPr>
+              <a:t>전송을 위해 </a:t>
+            </a:r>
+            <a:r>
+              <a:rPr lang="en-US" altLang="ko-KR" sz="1200" dirty="0">
+                <a:latin typeface="Roboto" panose="02000000000000000000" pitchFamily="2" charset="0"/>
+              </a:rPr>
+              <a:t>server transaction </a:t>
+            </a:r>
+            <a:r>
+              <a:rPr lang="ko-KR" altLang="en-US" sz="1200" dirty="0">
+                <a:latin typeface="Roboto" panose="02000000000000000000" pitchFamily="2" charset="0"/>
+              </a:rPr>
+              <a:t>에 이를 전달</a:t>
+            </a:r>
+            <a:endParaRPr lang="en-US" altLang="ko-KR" sz="1200" dirty="0">
+              <a:latin typeface="Roboto" panose="02000000000000000000" pitchFamily="2" charset="0"/>
+            </a:endParaRPr>
+          </a:p>
+          <a:p>
+            <a:pPr marL="285750" indent="-285750">
+              <a:lnSpc>
+                <a:spcPct val="200000"/>
+              </a:lnSpc>
+              <a:buFont typeface="Arial" panose="020B0604020202020204" pitchFamily="34" charset="0"/>
+              <a:buChar char="•"/>
+            </a:pPr>
+            <a:r>
+              <a:rPr lang="en-US" altLang="ko-KR" sz="1200" dirty="0">
+                <a:latin typeface="Roboto" panose="02000000000000000000" pitchFamily="2" charset="0"/>
+              </a:rPr>
+              <a:t>UAS </a:t>
+            </a:r>
+            <a:r>
+              <a:rPr lang="ko-KR" altLang="en-US" sz="1200" dirty="0">
+                <a:latin typeface="Roboto" panose="02000000000000000000" pitchFamily="2" charset="0"/>
+              </a:rPr>
+              <a:t>는 해당 다이얼로그에 대해 수신된 모든 보류 중인 요청에 응답해야 하며</a:t>
+            </a:r>
+            <a:r>
+              <a:rPr lang="en-US" altLang="ko-KR" sz="1200" dirty="0">
+                <a:latin typeface="Roboto" panose="02000000000000000000" pitchFamily="2" charset="0"/>
+              </a:rPr>
+              <a:t>, </a:t>
+            </a:r>
+            <a:r>
+              <a:rPr lang="ko-KR" altLang="en-US" sz="1200" dirty="0">
+                <a:latin typeface="Roboto" panose="02000000000000000000" pitchFamily="2" charset="0"/>
+              </a:rPr>
+              <a:t>이러한 보류 중인 요청에 대해 </a:t>
+            </a:r>
+            <a:r>
+              <a:rPr lang="en-US" altLang="ko-KR" sz="1200" b="1" dirty="0">
+                <a:latin typeface="Roboto" panose="02000000000000000000" pitchFamily="2" charset="0"/>
+              </a:rPr>
+              <a:t>487(Request Terminated)</a:t>
+            </a:r>
+            <a:r>
+              <a:rPr lang="en-US" altLang="ko-KR" sz="1200" dirty="0">
+                <a:latin typeface="Roboto" panose="02000000000000000000" pitchFamily="2" charset="0"/>
+              </a:rPr>
+              <a:t> </a:t>
+            </a:r>
+            <a:r>
+              <a:rPr lang="ko-KR" altLang="en-US" sz="1200" dirty="0">
+                <a:latin typeface="Roboto" panose="02000000000000000000" pitchFamily="2" charset="0"/>
+              </a:rPr>
+              <a:t>응답을 생성</a:t>
+            </a:r>
+            <a:endParaRPr lang="en-US" altLang="ko-KR" sz="1200" dirty="0">
+              <a:latin typeface="Roboto" panose="02000000000000000000" pitchFamily="2" charset="0"/>
+            </a:endParaRPr>
+          </a:p>
+        </p:txBody>
+      </p:sp>
+    </p:spTree>
+    <p:extLst>
+      <p:ext uri="{BB962C8B-B14F-4D97-AF65-F5344CB8AC3E}">
+        <p14:creationId xmlns:p14="http://schemas.microsoft.com/office/powerpoint/2010/main" val="866518293"/>
+      </p:ext>
+    </p:extLst>
+  </p:cSld>
+  <p:clrMapOvr>
+    <a:masterClrMapping/>
+  </p:clrMapOvr>
+</p:sld>
+</file>
+
+<file path=ppt/slides/slide31.xml><?xml version="1.0" encoding="utf-8"?>
+<p:sld xmlns:a="http://schemas.openxmlformats.org/drawingml/2006/main" xmlns:r="http://schemas.openxmlformats.org/officeDocument/2006/relationships" xmlns:p="http://schemas.openxmlformats.org/presentationml/2006/main">
+  <p:cSld>
+    <p:spTree>
+      <p:nvGrpSpPr>
+        <p:cNvPr id="1" name=""/>
+        <p:cNvGrpSpPr/>
+        <p:nvPr/>
+      </p:nvGrpSpPr>
+      <p:grpSpPr>
+        <a:xfrm>
+          <a:off x="0" y="0"/>
+          <a:ext cx="0" cy="0"/>
+          <a:chOff x="0" y="0"/>
+          <a:chExt cx="0" cy="0"/>
+        </a:xfrm>
+      </p:grpSpPr>
+      <p:sp>
+        <p:nvSpPr>
+          <p:cNvPr id="4" name="슬라이드 번호 개체 틀 3">
+            <a:extLst>
+              <a:ext uri="{FF2B5EF4-FFF2-40B4-BE49-F238E27FC236}">
+                <a16:creationId xmlns:a16="http://schemas.microsoft.com/office/drawing/2014/main" id="{63151CCF-057C-4F06-8A51-C3671F753532}"/>
+              </a:ext>
+            </a:extLst>
+          </p:cNvPr>
+          <p:cNvSpPr>
+            <a:spLocks noGrp="1"/>
+          </p:cNvSpPr>
+          <p:nvPr>
+            <p:ph type="sldNum" sz="quarter" idx="12"/>
+          </p:nvPr>
+        </p:nvSpPr>
+        <p:spPr/>
+        <p:txBody>
+          <a:bodyPr/>
+          <a:lstStyle/>
+          <a:p>
+            <a:fld id="{A9252A94-CC09-4928-8209-20295AE91AEF}" type="slidenum">
+              <a:rPr lang="ko-KR" altLang="en-US" smtClean="0"/>
+              <a:t>31</a:t>
+            </a:fld>
+            <a:endParaRPr lang="ko-KR" altLang="en-US" dirty="0"/>
+          </a:p>
+        </p:txBody>
+      </p:sp>
+      <p:sp>
+        <p:nvSpPr>
+          <p:cNvPr id="3" name="이등변 삼각형 2">
+            <a:extLst>
+              <a:ext uri="{FF2B5EF4-FFF2-40B4-BE49-F238E27FC236}">
+                <a16:creationId xmlns:a16="http://schemas.microsoft.com/office/drawing/2014/main" id="{46E6D6DB-00B8-886C-4AA3-D1FD38ADE844}"/>
+              </a:ext>
+            </a:extLst>
+          </p:cNvPr>
+          <p:cNvSpPr/>
+          <p:nvPr/>
+        </p:nvSpPr>
+        <p:spPr>
+          <a:xfrm rot="10800000">
+            <a:off x="3665963" y="1467955"/>
+            <a:ext cx="4860074" cy="4189719"/>
+          </a:xfrm>
+          <a:prstGeom prst="triangle">
+            <a:avLst/>
+          </a:prstGeom>
+          <a:solidFill>
+            <a:schemeClr val="tx1"/>
+          </a:solidFill>
+          <a:ln>
+            <a:noFill/>
+          </a:ln>
+        </p:spPr>
+        <p:style>
+          <a:lnRef idx="2">
+            <a:schemeClr val="accent1">
+              <a:shade val="15000"/>
+            </a:schemeClr>
+          </a:lnRef>
+          <a:fillRef idx="1">
+            <a:schemeClr val="accent1"/>
+          </a:fillRef>
+          <a:effectRef idx="0">
+            <a:schemeClr val="accent1"/>
+          </a:effectRef>
+          <a:fontRef idx="minor">
+            <a:schemeClr val="lt1"/>
+          </a:fontRef>
+        </p:style>
+        <p:txBody>
+          <a:bodyPr rtlCol="0" anchor="ctr"/>
+          <a:lstStyle/>
+          <a:p>
+            <a:pPr algn="ctr"/>
+            <a:endParaRPr lang="ko-KR" altLang="en-US" dirty="0"/>
+          </a:p>
+        </p:txBody>
+      </p:sp>
+      <p:sp>
+        <p:nvSpPr>
+          <p:cNvPr id="5" name="TextBox 4">
+            <a:extLst>
+              <a:ext uri="{FF2B5EF4-FFF2-40B4-BE49-F238E27FC236}">
+                <a16:creationId xmlns:a16="http://schemas.microsoft.com/office/drawing/2014/main" id="{2C4EDA3F-1542-B44B-C801-83CCECD10FBF}"/>
+              </a:ext>
+            </a:extLst>
+          </p:cNvPr>
+          <p:cNvSpPr txBox="1"/>
+          <p:nvPr/>
+        </p:nvSpPr>
+        <p:spPr>
+          <a:xfrm>
+            <a:off x="5229416" y="2362485"/>
+            <a:ext cx="1733167" cy="1200329"/>
+          </a:xfrm>
+          <a:prstGeom prst="rect">
+            <a:avLst/>
+          </a:prstGeom>
+          <a:noFill/>
+        </p:spPr>
+        <p:txBody>
+          <a:bodyPr wrap="none" rtlCol="0">
+            <a:spAutoFit/>
+          </a:bodyPr>
+          <a:lstStyle/>
+          <a:p>
+            <a:pPr algn="ctr"/>
+            <a:r>
+              <a:rPr lang="en-US" altLang="ko-KR" sz="3600" dirty="0">
+                <a:solidFill>
+                  <a:schemeClr val="bg1"/>
+                </a:solidFill>
+                <a:latin typeface="+mj-lt"/>
+              </a:rPr>
+              <a:t>THANK</a:t>
+            </a:r>
+          </a:p>
+          <a:p>
+            <a:pPr algn="ctr"/>
+            <a:r>
+              <a:rPr lang="en-US" altLang="ko-KR" sz="3600" dirty="0">
+                <a:solidFill>
+                  <a:schemeClr val="bg1"/>
+                </a:solidFill>
+                <a:latin typeface="+mj-lt"/>
+              </a:rPr>
+              <a:t>YOU</a:t>
+            </a:r>
+            <a:endParaRPr lang="ko-KR" altLang="en-US" sz="3600" dirty="0">
+              <a:solidFill>
+                <a:schemeClr val="bg1"/>
+              </a:solidFill>
+              <a:latin typeface="+mj-lt"/>
+            </a:endParaRPr>
+          </a:p>
+        </p:txBody>
+      </p:sp>
+    </p:spTree>
+    <p:extLst>
+      <p:ext uri="{BB962C8B-B14F-4D97-AF65-F5344CB8AC3E}">
+        <p14:creationId xmlns:p14="http://schemas.microsoft.com/office/powerpoint/2010/main" val="1137186482"/>
+      </p:ext>
+    </p:extLst>
+  </p:cSld>
+  <p:clrMapOvr>
+    <a:masterClrMapping/>
+  </p:clrMapOvr>
+</p:sld>
+</file>
+
 <file path=ppt/slides/slide4.xml><?xml version="1.0" encoding="utf-8"?>
 <p:sld xmlns:a="http://schemas.openxmlformats.org/drawingml/2006/main" xmlns:r="http://schemas.openxmlformats.org/officeDocument/2006/relationships" xmlns:p="http://schemas.openxmlformats.org/presentationml/2006/main">
   <p:cSld>
@@ -22054,7 +24167,7 @@
         <p:spPr>
           <a:xfrm>
             <a:off x="838200" y="876920"/>
-            <a:ext cx="7234801" cy="5538247"/>
+            <a:ext cx="7234801" cy="5261248"/>
           </a:xfrm>
           <a:prstGeom prst="rect">
             <a:avLst/>
@@ -22073,7 +24186,7 @@
               </a:lnSpc>
             </a:pPr>
             <a:r>
-              <a:rPr lang="en-US" altLang="ko-KR" sz="1400" b="1" u="sng">
+              <a:rPr lang="en-US" altLang="ko-KR" sz="1400" b="1" u="sng" dirty="0">
                 <a:latin typeface="Roboto" panose="02000000000000000000" pitchFamily="2" charset="0"/>
                 <a:ea typeface="Roboto" panose="02000000000000000000" pitchFamily="2" charset="0"/>
               </a:rPr>
@@ -22089,24 +24202,24 @@
               <a:buChar char="•"/>
             </a:pPr>
             <a:r>
-              <a:rPr lang="ko-KR" altLang="en-US" sz="1200">
+              <a:rPr lang="ko-KR" altLang="en-US" sz="1200" dirty="0">
                 <a:latin typeface="+mn-ea"/>
               </a:rPr>
               <a:t>사용자의 공개 주소 </a:t>
             </a:r>
             <a:r>
-              <a:rPr lang="en-US" altLang="ko-KR" sz="1200">
+              <a:rPr lang="en-US" altLang="ko-KR" sz="1200" dirty="0">
                 <a:latin typeface="+mn-ea"/>
               </a:rPr>
               <a:t>(public address)</a:t>
             </a:r>
             <a:r>
-              <a:rPr lang="ko-KR" altLang="en-US" sz="1200">
+              <a:rPr lang="ko-KR" altLang="en-US" sz="1200" dirty="0">
                 <a:latin typeface="+mn-ea"/>
               </a:rPr>
               <a:t>로 간주</a:t>
             </a:r>
-            <a:endParaRPr lang="en-US" altLang="ko-KR" sz="1200">
+            <a:endParaRPr lang="en-US" altLang="ko-KR" sz="1200" dirty="0">
               <a:latin typeface="+mn-ea"/>
             </a:endParaRPr>
           </a:p>
@@ -22119,12 +24232,12 @@
               <a:buChar char="•"/>
             </a:pPr>
             <a:r>
-              <a:rPr lang="ko-KR" altLang="en-US" sz="1200">
+              <a:rPr lang="ko-KR" altLang="en-US" sz="1200" dirty="0">
                 <a:latin typeface="+mn-ea"/>
               </a:rPr>
               <a:t>사용자를 식별하기 위한 주소로 사용</a:t>
             </a:r>
-            <a:endParaRPr lang="en-US" altLang="ko-KR" sz="1200">
+            <a:endParaRPr lang="en-US" altLang="ko-KR" sz="1200" dirty="0">
               <a:latin typeface="+mn-ea"/>
             </a:endParaRPr>
           </a:p>
@@ -22137,36 +24250,36 @@
               <a:buChar char="•"/>
             </a:pPr>
             <a:r>
-              <a:rPr lang="ko-KR" altLang="en-US" sz="1200">
+              <a:rPr lang="ko-KR" altLang="en-US" sz="1200" dirty="0">
                 <a:latin typeface="+mn-ea"/>
               </a:rPr>
               <a:t>일반적으로 </a:t>
             </a:r>
             <a:r>
-              <a:rPr lang="en-US" altLang="ko-KR" sz="1200">
+              <a:rPr lang="en-US" altLang="ko-KR" sz="1200" dirty="0">
                 <a:latin typeface="+mn-ea"/>
               </a:rPr>
               <a:t>SIP or SIPS URI </a:t>
             </a:r>
             <a:r>
-              <a:rPr lang="ko-KR" altLang="en-US" sz="1200">
+              <a:rPr lang="ko-KR" altLang="en-US" sz="1200" dirty="0">
                 <a:latin typeface="+mn-ea"/>
               </a:rPr>
               <a:t>형식이며</a:t>
             </a:r>
             <a:r>
-              <a:rPr lang="en-US" altLang="ko-KR" sz="1200">
+              <a:rPr lang="en-US" altLang="ko-KR" sz="1200" dirty="0">
                 <a:latin typeface="+mn-ea"/>
               </a:rPr>
               <a:t>, </a:t>
             </a:r>
             <a:r>
-              <a:rPr lang="ko-KR" altLang="en-US" sz="1200">
+              <a:rPr lang="ko-KR" altLang="en-US" sz="1200" dirty="0">
                 <a:latin typeface="+mn-ea"/>
               </a:rPr>
               <a:t>도메인을 포함</a:t>
             </a:r>
-            <a:endParaRPr lang="en-US" altLang="ko-KR" sz="1200">
+            <a:endParaRPr lang="en-US" altLang="ko-KR" sz="1200" dirty="0">
               <a:latin typeface="+mn-ea"/>
             </a:endParaRPr>
           </a:p>
@@ -22179,37 +24292,37 @@
               <a:buChar char="•"/>
             </a:pPr>
             <a:r>
-              <a:rPr lang="en-US" altLang="ko-KR" sz="1200">
+              <a:rPr lang="en-US" altLang="ko-KR" sz="1200" dirty="0">
                 <a:latin typeface="Roboto" panose="02000000000000000000" pitchFamily="2" charset="0"/>
                 <a:ea typeface="Roboto" panose="02000000000000000000" pitchFamily="2" charset="0"/>
               </a:rPr>
               <a:t>ex)</a:t>
             </a:r>
             <a:r>
-              <a:rPr lang="ko-KR" altLang="en-US" sz="1200">
+              <a:rPr lang="ko-KR" altLang="en-US" sz="1200" dirty="0">
                 <a:latin typeface="Roboto" panose="02000000000000000000" pitchFamily="2" charset="0"/>
               </a:rPr>
               <a:t> </a:t>
             </a:r>
             <a:r>
-              <a:rPr lang="en-US" altLang="ko-KR" sz="1200" err="1">
+              <a:rPr lang="en-US" altLang="ko-KR" sz="1200" dirty="0" err="1">
                 <a:latin typeface="Roboto" panose="02000000000000000000" pitchFamily="2" charset="0"/>
                 <a:ea typeface="Roboto" panose="02000000000000000000" pitchFamily="2" charset="0"/>
               </a:rPr>
               <a:t>sip:alice@example.com</a:t>
             </a:r>
-            <a:endParaRPr lang="en-US" altLang="ko-KR" sz="1200">
+            <a:endParaRPr lang="en-US" altLang="ko-KR" sz="1200" dirty="0">
               <a:latin typeface="Roboto" panose="02000000000000000000" pitchFamily="2" charset="0"/>
               <a:ea typeface="Roboto" panose="02000000000000000000" pitchFamily="2" charset="0"/>
             </a:endParaRPr>
           </a:p>
           <a:p>
             <a:pPr defTabSz="360000"/>
-            <a:endParaRPr lang="en-US" altLang="ko-KR" sz="1400" b="1"/>
+            <a:endParaRPr lang="en-US" altLang="ko-KR" sz="1400" b="1" dirty="0"/>
           </a:p>
           <a:p>
             <a:pPr defTabSz="360000"/>
-            <a:endParaRPr lang="en-US" altLang="ko-KR" sz="1400" b="1"/>
+            <a:endParaRPr lang="en-US" altLang="ko-KR" sz="1400" b="1" dirty="0"/>
           </a:p>
           <a:p>
             <a:pPr defTabSz="360000">
@@ -22218,20 +24331,20 @@
               </a:lnSpc>
             </a:pPr>
             <a:r>
-              <a:rPr lang="en-US" altLang="ko-KR" sz="1400" b="1" u="sng">
+              <a:rPr lang="en-US" altLang="ko-KR" sz="1400" b="1" u="sng" dirty="0">
                 <a:latin typeface="Roboto" panose="02000000000000000000" pitchFamily="2" charset="0"/>
                 <a:ea typeface="Roboto" panose="02000000000000000000" pitchFamily="2" charset="0"/>
               </a:rPr>
               <a:t>Location</a:t>
             </a:r>
             <a:r>
-              <a:rPr lang="ko-KR" altLang="en-US" sz="1400" b="1" u="sng">
+              <a:rPr lang="ko-KR" altLang="en-US" sz="1400" b="1" u="sng" dirty="0">
                 <a:latin typeface="Roboto" panose="02000000000000000000" pitchFamily="2" charset="0"/>
               </a:rPr>
               <a:t> </a:t>
             </a:r>
             <a:r>
-              <a:rPr lang="en-US" altLang="ko-KR" sz="1400" b="1" u="sng">
+              <a:rPr lang="en-US" altLang="ko-KR" sz="1400" b="1" u="sng" dirty="0">
                 <a:latin typeface="Roboto" panose="02000000000000000000" pitchFamily="2" charset="0"/>
                 <a:ea typeface="Roboto" panose="02000000000000000000" pitchFamily="2" charset="0"/>
               </a:rPr>
@@ -22247,22 +24360,22 @@
               <a:buChar char="•"/>
             </a:pPr>
             <a:r>
-              <a:rPr lang="en-US" altLang="ko-KR" sz="1200"/>
+              <a:rPr lang="en-US" altLang="ko-KR" sz="1200" dirty="0"/>
               <a:t>address-of-record</a:t>
             </a:r>
             <a:r>
-              <a:rPr lang="ko-KR" altLang="en-US" sz="1200"/>
+              <a:rPr lang="ko-KR" altLang="en-US" sz="1200" dirty="0"/>
               <a:t>의 </a:t>
             </a:r>
             <a:r>
-              <a:rPr lang="en-US" altLang="ko-KR" sz="1200"/>
+              <a:rPr lang="en-US" altLang="ko-KR" sz="1200" dirty="0"/>
               <a:t>contact address binding </a:t>
             </a:r>
             <a:r>
-              <a:rPr lang="ko-KR" altLang="en-US" sz="1200"/>
+              <a:rPr lang="ko-KR" altLang="en-US" sz="1200" dirty="0"/>
               <a:t>정보를 저장하고 있는 데이터 베이스</a:t>
             </a:r>
-            <a:endParaRPr lang="en-US" altLang="ko-KR" sz="1200"/>
+            <a:endParaRPr lang="en-US" altLang="ko-KR" sz="1200" dirty="0"/>
           </a:p>
           <a:p>
             <a:pPr marL="171450" indent="-171450" defTabSz="360000">
@@ -22273,40 +24386,40 @@
               <a:buChar char="•"/>
             </a:pPr>
             <a:r>
-              <a:rPr lang="en-US" altLang="ko-KR" sz="1200"/>
+              <a:rPr lang="en-US" altLang="ko-KR" sz="1200" dirty="0"/>
               <a:t>callee</a:t>
             </a:r>
             <a:r>
-              <a:rPr lang="ko-KR" altLang="en-US" sz="1200"/>
+              <a:rPr lang="ko-KR" altLang="en-US" sz="1200" dirty="0"/>
               <a:t>의 위치 정보를 얻기 위해 </a:t>
             </a:r>
             <a:r>
-              <a:rPr lang="en-US" altLang="ko-KR" sz="1200"/>
+              <a:rPr lang="en-US" altLang="ko-KR" sz="1200" dirty="0"/>
               <a:t>SIP redirect</a:t>
             </a:r>
             <a:r>
-              <a:rPr lang="ko-KR" altLang="en-US" sz="1200"/>
+              <a:rPr lang="ko-KR" altLang="en-US" sz="1200" dirty="0"/>
               <a:t> 또는 </a:t>
             </a:r>
             <a:r>
-              <a:rPr lang="en-US" altLang="ko-KR" sz="1200"/>
+              <a:rPr lang="en-US" altLang="ko-KR" sz="1200" dirty="0"/>
               <a:t>Proxy </a:t>
             </a:r>
             <a:r>
-              <a:rPr lang="ko-KR" altLang="en-US" sz="1200"/>
+              <a:rPr lang="ko-KR" altLang="en-US" sz="1200" dirty="0"/>
               <a:t>서버가 사용</a:t>
             </a:r>
-            <a:endParaRPr lang="en-US" altLang="ko-KR" sz="1200"/>
+            <a:endParaRPr lang="en-US" altLang="ko-KR" sz="1200" dirty="0"/>
           </a:p>
           <a:p>
             <a:pPr defTabSz="360000"/>
-            <a:endParaRPr lang="en-US" altLang="ko-KR" sz="1400">
+            <a:endParaRPr lang="en-US" altLang="ko-KR" sz="1400" dirty="0">
               <a:latin typeface="+mn-ea"/>
             </a:endParaRPr>
           </a:p>
           <a:p>
             <a:pPr defTabSz="360000"/>
-            <a:endParaRPr lang="en-US" altLang="ko-KR" sz="1400">
+            <a:endParaRPr lang="en-US" altLang="ko-KR" sz="1400" dirty="0">
               <a:latin typeface="+mn-ea"/>
             </a:endParaRPr>
           </a:p>
@@ -22317,32 +24430,32 @@
               </a:lnSpc>
             </a:pPr>
             <a:r>
-              <a:rPr lang="en-US" altLang="ko-KR" sz="1400" b="1" u="sng">
+              <a:rPr lang="en-US" altLang="ko-KR" sz="1400" b="1" u="sng" dirty="0">
                 <a:latin typeface="Roboto" panose="02000000000000000000" pitchFamily="2" charset="0"/>
                 <a:ea typeface="Roboto" panose="02000000000000000000" pitchFamily="2" charset="0"/>
               </a:rPr>
               <a:t>Registration</a:t>
             </a:r>
             <a:r>
-              <a:rPr lang="en-US" altLang="ko-KR" sz="1400" b="1">
+              <a:rPr lang="en-US" altLang="ko-KR" sz="1400" b="1" dirty="0">
                 <a:latin typeface="+mj-lt"/>
               </a:rPr>
               <a:t> </a:t>
             </a:r>
             <a:r>
-              <a:rPr lang="en-US" altLang="ko-KR" sz="1200">
+              <a:rPr lang="en-US" altLang="ko-KR" sz="1200" dirty="0">
                 <a:latin typeface="+mj-lt"/>
               </a:rPr>
               <a:t>(</a:t>
             </a:r>
             <a:r>
-              <a:rPr lang="ko-KR" altLang="en-US" sz="1200">
+              <a:rPr lang="ko-KR" altLang="en-US" sz="1200" dirty="0">
                 <a:latin typeface="+mj-lt"/>
               </a:rPr>
               <a:t>등록 절차</a:t>
             </a:r>
             <a:r>
-              <a:rPr lang="en-US" altLang="ko-KR" sz="1200">
+              <a:rPr lang="en-US" altLang="ko-KR" sz="1200" dirty="0">
                 <a:latin typeface="+mj-lt"/>
               </a:rPr>
               <a:t>)</a:t>
@@ -22355,60 +24468,60 @@
               </a:lnSpc>
             </a:pPr>
             <a:r>
-              <a:rPr lang="ko-KR" altLang="en-US" sz="1200">
+              <a:rPr lang="ko-KR" altLang="en-US" sz="1200" dirty="0">
                 <a:latin typeface="+mn-ea"/>
               </a:rPr>
               <a:t>특정 도메인에 대한 </a:t>
             </a:r>
             <a:r>
-              <a:rPr lang="en-US" altLang="ko-KR" sz="1200">
+              <a:rPr lang="en-US" altLang="ko-KR" sz="1200" dirty="0">
                 <a:latin typeface="+mn-ea"/>
               </a:rPr>
               <a:t>address-of-record</a:t>
             </a:r>
             <a:r>
-              <a:rPr lang="ko-KR" altLang="en-US" sz="1200">
+              <a:rPr lang="ko-KR" altLang="en-US" sz="1200" dirty="0">
                 <a:latin typeface="+mn-ea"/>
               </a:rPr>
               <a:t>와 </a:t>
             </a:r>
             <a:r>
-              <a:rPr lang="en-US" altLang="ko-KR" sz="1200">
+              <a:rPr lang="en-US" altLang="ko-KR" sz="1200" dirty="0">
                 <a:latin typeface="+mn-ea"/>
               </a:rPr>
               <a:t>contact address</a:t>
             </a:r>
             <a:r>
-              <a:rPr lang="ko-KR" altLang="en-US" sz="1200">
+              <a:rPr lang="ko-KR" altLang="en-US" sz="1200" dirty="0">
                 <a:latin typeface="+mn-ea"/>
               </a:rPr>
               <a:t>간 </a:t>
             </a:r>
             <a:r>
-              <a:rPr lang="en-US" altLang="ko-KR" sz="1200">
+              <a:rPr lang="en-US" altLang="ko-KR" sz="1200" dirty="0">
                 <a:latin typeface="+mn-ea"/>
               </a:rPr>
               <a:t>binding </a:t>
             </a:r>
             <a:r>
-              <a:rPr lang="ko-KR" altLang="en-US" sz="1200">
+              <a:rPr lang="ko-KR" altLang="en-US" sz="1200" dirty="0">
                 <a:latin typeface="+mn-ea"/>
               </a:rPr>
               <a:t>을 </a:t>
             </a:r>
             <a:r>
-              <a:rPr lang="en-US" altLang="ko-KR" sz="1200">
+              <a:rPr lang="en-US" altLang="ko-KR" sz="1200" dirty="0">
                 <a:latin typeface="+mn-ea"/>
               </a:rPr>
               <a:t>location service</a:t>
             </a:r>
             <a:r>
-              <a:rPr lang="ko-KR" altLang="en-US" sz="1200">
+              <a:rPr lang="ko-KR" altLang="en-US" sz="1200" dirty="0">
                 <a:latin typeface="+mn-ea"/>
               </a:rPr>
               <a:t>에 생성하는 절차</a:t>
             </a:r>
-            <a:endParaRPr lang="en-US" altLang="ko-KR" sz="1200">
+            <a:endParaRPr lang="en-US" altLang="ko-KR" sz="1200" dirty="0">
               <a:latin typeface="+mn-ea"/>
             </a:endParaRPr>
           </a:p>
@@ -22418,7 +24531,7 @@
                 <a:spcPct val="150000"/>
               </a:lnSpc>
             </a:pPr>
-            <a:endParaRPr lang="en-US" altLang="ko-KR" sz="1200">
+            <a:endParaRPr lang="en-US" altLang="ko-KR" sz="1200" dirty="0">
               <a:latin typeface="+mn-ea"/>
             </a:endParaRPr>
           </a:p>
@@ -22428,24 +24541,14 @@
                 <a:spcPct val="150000"/>
               </a:lnSpc>
             </a:pPr>
-            <a:endParaRPr lang="en-US" altLang="ko-KR" sz="1200">
-              <a:latin typeface="+mn-ea"/>
-            </a:endParaRPr>
-          </a:p>
-          <a:p>
-            <a:pPr defTabSz="360000">
-              <a:lnSpc>
-                <a:spcPct val="150000"/>
-              </a:lnSpc>
-            </a:pPr>
-            <a:r>
-              <a:rPr lang="en-US" altLang="ko-KR" sz="1400" b="1" u="sng">
+            <a:r>
+              <a:rPr lang="en-US" altLang="ko-KR" sz="1400" b="1" u="sng" dirty="0">
                 <a:latin typeface="Roboto" panose="02000000000000000000" pitchFamily="2" charset="0"/>
                 <a:ea typeface="Roboto" panose="02000000000000000000" pitchFamily="2" charset="0"/>
               </a:rPr>
               <a:t>Registrar</a:t>
             </a:r>
-            <a:endParaRPr lang="en-US" altLang="ko-KR" sz="1200" b="1" u="sng">
+            <a:endParaRPr lang="en-US" altLang="ko-KR" sz="1200" b="1" u="sng" dirty="0">
               <a:latin typeface="Roboto" panose="02000000000000000000" pitchFamily="2" charset="0"/>
               <a:ea typeface="Roboto" panose="02000000000000000000" pitchFamily="2" charset="0"/>
             </a:endParaRPr>
@@ -22459,66 +24562,66 @@
               <a:buChar char="•"/>
             </a:pPr>
             <a:r>
-              <a:rPr lang="en-US" altLang="ko-KR" sz="1200">
+              <a:rPr lang="en-US" altLang="ko-KR" sz="1200" dirty="0">
                 <a:latin typeface="+mn-ea"/>
               </a:rPr>
               <a:t>REGISTER </a:t>
             </a:r>
             <a:r>
-              <a:rPr lang="ko-KR" altLang="en-US" sz="1200">
+              <a:rPr lang="ko-KR" altLang="en-US" sz="1200" dirty="0">
                 <a:latin typeface="+mn-ea"/>
               </a:rPr>
               <a:t>요청을 받고</a:t>
             </a:r>
             <a:r>
-              <a:rPr lang="en-US" altLang="ko-KR" sz="1200">
+              <a:rPr lang="en-US" altLang="ko-KR" sz="1200" dirty="0">
                 <a:latin typeface="+mn-ea"/>
               </a:rPr>
               <a:t>, </a:t>
             </a:r>
             <a:r>
-              <a:rPr lang="ko-KR" altLang="en-US" sz="1200">
+              <a:rPr lang="ko-KR" altLang="en-US" sz="1200" dirty="0">
                 <a:latin typeface="+mn-ea"/>
               </a:rPr>
               <a:t>그 요청에서 받은 정보를 </a:t>
             </a:r>
             <a:r>
-              <a:rPr lang="en-US" altLang="ko-KR" sz="1200">
+              <a:rPr lang="en-US" altLang="ko-KR" sz="1200" dirty="0">
                 <a:latin typeface="+mn-ea"/>
               </a:rPr>
               <a:t>registrar</a:t>
             </a:r>
             <a:r>
-              <a:rPr lang="ko-KR" altLang="en-US" sz="1200">
+              <a:rPr lang="ko-KR" altLang="en-US" sz="1200" dirty="0">
                 <a:latin typeface="+mn-ea"/>
               </a:rPr>
               <a:t>가 다루는 도메인을 위한 </a:t>
             </a:r>
             <a:r>
-              <a:rPr lang="en-US" altLang="ko-KR" sz="1200">
+              <a:rPr lang="en-US" altLang="ko-KR" sz="1200" dirty="0">
                 <a:latin typeface="+mn-ea"/>
               </a:rPr>
               <a:t>location service</a:t>
             </a:r>
             <a:r>
-              <a:rPr lang="ko-KR" altLang="en-US" sz="1200">
+              <a:rPr lang="ko-KR" altLang="en-US" sz="1200" dirty="0">
                 <a:latin typeface="+mn-ea"/>
               </a:rPr>
               <a:t> 에 저장</a:t>
             </a:r>
             <a:br>
-              <a:rPr lang="en-US" altLang="ko-KR" sz="1200">
+              <a:rPr lang="en-US" altLang="ko-KR" sz="1200" dirty="0">
                 <a:latin typeface="+mn-ea"/>
               </a:rPr>
             </a:br>
             <a:r>
-              <a:rPr lang="ko-KR" altLang="en-US" sz="1200">
+              <a:rPr lang="ko-KR" altLang="en-US" sz="1200" dirty="0">
                 <a:latin typeface="+mn-ea"/>
               </a:rPr>
               <a:t>하는 특수한 유형의 </a:t>
             </a:r>
             <a:r>
-              <a:rPr lang="en-US" altLang="ko-KR" sz="1200">
+              <a:rPr lang="en-US" altLang="ko-KR" sz="1200" dirty="0">
                 <a:latin typeface="+mn-ea"/>
               </a:rPr>
               <a:t>UAS</a:t>
@@ -22533,42 +24636,42 @@
               <a:buChar char="•"/>
             </a:pPr>
             <a:r>
-              <a:rPr lang="en-US" altLang="ko-KR" sz="1200">
+              <a:rPr lang="en-US" altLang="ko-KR" sz="1200" dirty="0">
                 <a:latin typeface="+mn-ea"/>
               </a:rPr>
               <a:t>location service </a:t>
             </a:r>
             <a:r>
-              <a:rPr lang="ko-KR" altLang="en-US" sz="1200">
+              <a:rPr lang="ko-KR" altLang="en-US" sz="1200" dirty="0">
                 <a:latin typeface="+mn-ea"/>
               </a:rPr>
               <a:t>의 프론트 엔드 역할로</a:t>
             </a:r>
             <a:r>
-              <a:rPr lang="en-US" altLang="ko-KR" sz="1200">
+              <a:rPr lang="en-US" altLang="ko-KR" sz="1200" dirty="0">
                 <a:latin typeface="+mn-ea"/>
               </a:rPr>
               <a:t>, REGISTER </a:t>
             </a:r>
             <a:r>
-              <a:rPr lang="ko-KR" altLang="en-US" sz="1200">
+              <a:rPr lang="ko-KR" altLang="en-US" sz="1200" dirty="0">
                 <a:latin typeface="+mn-ea"/>
               </a:rPr>
               <a:t>내용을 기반으로 매핑하고 읽고</a:t>
             </a:r>
             <a:r>
-              <a:rPr lang="en-US" altLang="ko-KR" sz="1200">
+              <a:rPr lang="en-US" altLang="ko-KR" sz="1200" dirty="0">
                 <a:latin typeface="+mn-ea"/>
               </a:rPr>
               <a:t>, </a:t>
             </a:r>
             <a:r>
-              <a:rPr lang="ko-KR" altLang="en-US" sz="1200">
+              <a:rPr lang="ko-KR" altLang="en-US" sz="1200" dirty="0">
                 <a:latin typeface="+mn-ea"/>
               </a:rPr>
               <a:t>쓰기 가능</a:t>
             </a:r>
-            <a:endParaRPr lang="en-US" altLang="ko-KR" sz="1200">
+            <a:endParaRPr lang="en-US" altLang="ko-KR" sz="1200" dirty="0">
               <a:latin typeface="+mn-ea"/>
             </a:endParaRPr>
           </a:p>
@@ -23884,13 +25987,13 @@
             <a:lstStyle/>
             <a:p>
               <a:r>
-                <a:rPr lang="en-US" altLang="ko-KR" sz="1200">
+                <a:rPr lang="en-US" altLang="ko-KR" sz="1200" dirty="0">
                   <a:latin typeface="Roboto" panose="02000000000000000000" pitchFamily="2" charset="0"/>
                   <a:ea typeface="Roboto" panose="02000000000000000000" pitchFamily="2" charset="0"/>
                 </a:rPr>
                 <a:t>Bob</a:t>
               </a:r>
-              <a:endParaRPr lang="ko-KR" altLang="en-US" sz="1200">
+              <a:endParaRPr lang="ko-KR" altLang="en-US" sz="1200" dirty="0">
                 <a:latin typeface="Roboto" panose="02000000000000000000" pitchFamily="2" charset="0"/>
               </a:endParaRPr>
             </a:p>
@@ -27544,125 +29647,6 @@
       </p:sp>
       <p:sp>
         <p:nvSpPr>
-          <p:cNvPr id="50" name="직사각형 49">
-            <a:extLst>
-              <a:ext uri="{FF2B5EF4-FFF2-40B4-BE49-F238E27FC236}">
-                <a16:creationId xmlns:a16="http://schemas.microsoft.com/office/drawing/2014/main" id="{6BD71A7F-E7DB-44B6-A054-AC0FCA4BB57F}"/>
-              </a:ext>
-            </a:extLst>
-          </p:cNvPr>
-          <p:cNvSpPr/>
-          <p:nvPr/>
-        </p:nvSpPr>
-        <p:spPr>
-          <a:xfrm>
-            <a:off x="751367" y="865998"/>
-            <a:ext cx="11147556" cy="706155"/>
-          </a:xfrm>
-          <a:prstGeom prst="rect">
-            <a:avLst/>
-          </a:prstGeom>
-        </p:spPr>
-        <p:txBody>
-          <a:bodyPr wrap="square">
-            <a:spAutoFit/>
-          </a:bodyPr>
-          <a:lstStyle/>
-          <a:p>
-            <a:pPr>
-              <a:lnSpc>
-                <a:spcPct val="150000"/>
-              </a:lnSpc>
-            </a:pPr>
-            <a:r>
-              <a:rPr lang="en-US" altLang="ko-KR" sz="1600" b="1" u="sng">
-                <a:latin typeface="Roboto" panose="02000000000000000000" pitchFamily="2" charset="0"/>
-              </a:rPr>
-              <a:t>Setting the Interval Clock</a:t>
-            </a:r>
-          </a:p>
-          <a:p>
-            <a:pPr marL="285750" indent="-285750">
-              <a:lnSpc>
-                <a:spcPct val="150000"/>
-              </a:lnSpc>
-              <a:buFont typeface="Arial" panose="020B0604020202020204" pitchFamily="34" charset="0"/>
-              <a:buChar char="•"/>
-            </a:pPr>
-            <a:r>
-              <a:rPr lang="en-US" altLang="ko-KR" sz="1200" b="1">
-                <a:latin typeface="+mn-ea"/>
-              </a:rPr>
-              <a:t>RETGISTER</a:t>
-            </a:r>
-            <a:r>
-              <a:rPr lang="en-US" altLang="ko-KR" sz="1200">
-                <a:latin typeface="+mn-ea"/>
-              </a:rPr>
-              <a:t> </a:t>
-            </a:r>
-            <a:r>
-              <a:rPr lang="ko-KR" altLang="en-US" sz="1200">
-                <a:latin typeface="+mn-ea"/>
-              </a:rPr>
-              <a:t>요청에 대한 응답에 </a:t>
-            </a:r>
-            <a:r>
-              <a:rPr lang="en-US" altLang="ko-KR" sz="1200" b="1">
-                <a:latin typeface="+mn-ea"/>
-              </a:rPr>
-              <a:t>Date</a:t>
-            </a:r>
-            <a:r>
-              <a:rPr lang="en-US" altLang="ko-KR" sz="1200">
-                <a:latin typeface="+mn-ea"/>
-              </a:rPr>
-              <a:t> </a:t>
-            </a:r>
-            <a:r>
-              <a:rPr lang="ko-KR" altLang="en-US" sz="1200">
-                <a:latin typeface="+mn-ea"/>
-              </a:rPr>
-              <a:t>헤더가 포함된 경우 클라이언트는 </a:t>
-            </a:r>
-            <a:r>
-              <a:rPr lang="en-US" altLang="ko-KR" sz="1200" b="1">
-                <a:latin typeface="+mn-ea"/>
-              </a:rPr>
-              <a:t>internal clock</a:t>
-            </a:r>
-            <a:r>
-              <a:rPr lang="en-US" altLang="ko-KR" sz="1200">
-                <a:latin typeface="+mn-ea"/>
-              </a:rPr>
-              <a:t> </a:t>
-            </a:r>
-            <a:r>
-              <a:rPr lang="ko-KR" altLang="en-US" sz="1200">
-                <a:latin typeface="+mn-ea"/>
-              </a:rPr>
-              <a:t>을 설정하기 위해  이 헤더 값을 사용하여 </a:t>
-            </a:r>
-            <a:r>
-              <a:rPr lang="ko-KR" altLang="en-US" sz="1200" b="1">
-                <a:latin typeface="+mn-ea"/>
-              </a:rPr>
-              <a:t>현재 시간</a:t>
-            </a:r>
-            <a:r>
-              <a:rPr lang="ko-KR" altLang="en-US" sz="1200">
-                <a:latin typeface="+mn-ea"/>
-              </a:rPr>
-              <a:t>을 계산</a:t>
-            </a:r>
-            <a:endParaRPr lang="en-US" altLang="ko-KR" sz="1200">
-              <a:latin typeface="+mn-ea"/>
-            </a:endParaRPr>
-          </a:p>
-        </p:txBody>
-      </p:sp>
-      <p:sp>
-        <p:nvSpPr>
           <p:cNvPr id="7" name="직사각형 6">
             <a:extLst>
               <a:ext uri="{FF2B5EF4-FFF2-40B4-BE49-F238E27FC236}">
@@ -27675,7 +29659,7 @@
         </p:nvSpPr>
         <p:spPr>
           <a:xfrm>
-            <a:off x="751367" y="1888876"/>
+            <a:off x="751367" y="1282026"/>
             <a:ext cx="11147556" cy="1537152"/>
           </a:xfrm>
           <a:prstGeom prst="rect">
@@ -27890,7 +29874,7 @@
         </p:nvGrpSpPr>
         <p:grpSpPr>
           <a:xfrm>
-            <a:off x="8024779" y="3365524"/>
+            <a:off x="8024779" y="2758674"/>
             <a:ext cx="3500061" cy="830997"/>
             <a:chOff x="5436124" y="4092427"/>
             <a:chExt cx="3500061" cy="830997"/>
@@ -28059,7 +30043,7 @@
         </p:nvCxnSpPr>
         <p:spPr>
           <a:xfrm>
-            <a:off x="9982200" y="2988297"/>
+            <a:off x="9982200" y="2381447"/>
             <a:ext cx="1207416" cy="377227"/>
           </a:xfrm>
           <a:prstGeom prst="bentConnector3">
@@ -28102,7 +30086,7 @@
         </p:nvSpPr>
         <p:spPr>
           <a:xfrm>
-            <a:off x="751367" y="3742751"/>
+            <a:off x="751367" y="3135901"/>
             <a:ext cx="11147556" cy="1260153"/>
           </a:xfrm>
           <a:prstGeom prst="rect">
@@ -28311,7 +30295,7 @@
         </p:nvSpPr>
         <p:spPr>
           <a:xfrm>
-            <a:off x="751367" y="5247295"/>
+            <a:off x="751367" y="4640445"/>
             <a:ext cx="11147556" cy="983154"/>
           </a:xfrm>
           <a:prstGeom prst="rect">

--- a/세미나 2차.pptx
+++ b/세미나 2차.pptx
@@ -5,10 +5,10 @@
     <p:sldMasterId id="2147483648" r:id="rId1"/>
   </p:sldMasterIdLst>
   <p:notesMasterIdLst>
-    <p:notesMasterId r:id="rId42"/>
+    <p:notesMasterId r:id="rId41"/>
   </p:notesMasterIdLst>
   <p:handoutMasterIdLst>
-    <p:handoutMasterId r:id="rId43"/>
+    <p:handoutMasterId r:id="rId42"/>
   </p:handoutMasterIdLst>
   <p:sldIdLst>
     <p:sldId id="264" r:id="rId2"/>
@@ -48,9 +48,8 @@
     <p:sldId id="300" r:id="rId36"/>
     <p:sldId id="301" r:id="rId37"/>
     <p:sldId id="263" r:id="rId38"/>
-    <p:sldId id="287" r:id="rId39"/>
-    <p:sldId id="289" r:id="rId40"/>
-    <p:sldId id="290" r:id="rId41"/>
+    <p:sldId id="289" r:id="rId39"/>
+    <p:sldId id="290" r:id="rId40"/>
   </p:sldIdLst>
   <p:sldSz cx="12192000" cy="6858000"/>
   <p:notesSz cx="6858000" cy="9144000"/>
@@ -5175,16 +5174,10 @@
               </a:lnSpc>
             </a:pPr>
             <a:r>
-              <a:rPr lang="en-US" altLang="ko-KR" sz="1600" b="1" u="sng" dirty="0" err="1">
-                <a:latin typeface="Roboto" panose="02000000000000000000" pitchFamily="2" charset="0"/>
-              </a:rPr>
-              <a:t>Trasmitting</a:t>
-            </a:r>
-            <a:r>
               <a:rPr lang="en-US" altLang="ko-KR" sz="1600" b="1" u="sng" dirty="0">
                 <a:latin typeface="Roboto" panose="02000000000000000000" pitchFamily="2" charset="0"/>
               </a:rPr>
-              <a:t> a Request</a:t>
+              <a:t>Transmitting a Request</a:t>
             </a:r>
           </a:p>
           <a:p>
@@ -18113,14 +18106,14 @@
           <p:nvPr>
             <p:extLst>
               <p:ext uri="{D42A27DB-BD31-4B8C-83A1-F6EECF244321}">
-                <p14:modId xmlns:p14="http://schemas.microsoft.com/office/powerpoint/2010/main" val="642176914"/>
+                <p14:modId xmlns:p14="http://schemas.microsoft.com/office/powerpoint/2010/main" val="938222678"/>
               </p:ext>
             </p:extLst>
           </p:nvPr>
         </p:nvGraphicFramePr>
         <p:xfrm>
           <a:off x="1547817" y="2012794"/>
-          <a:ext cx="7863666" cy="3461588"/>
+          <a:ext cx="7863666" cy="3255848"/>
         </p:xfrm>
         <a:graphic>
           <a:graphicData uri="http://schemas.openxmlformats.org/drawingml/2006/table">
@@ -19092,7 +19085,7 @@
                         <a:t>:</a:t>
                       </a:r>
                       <a:r>
-                        <a:rPr lang="en-US" altLang="ko-KR" sz="900" b="0" u="sng" dirty="0">
+                        <a:rPr lang="en-US" altLang="ko-KR" sz="900" b="0" u="none" dirty="0">
                           <a:solidFill>
                             <a:schemeClr val="tx1"/>
                           </a:solidFill>
@@ -19100,6 +19093,25 @@
                           <a:ea typeface="+mn-ea"/>
                         </a:rPr>
                         <a:t> </a:t>
+                      </a:r>
+                    </a:p>
+                    <a:p>
+                      <a:pPr marL="0" indent="0" algn="l" latinLnBrk="1">
+                        <a:lnSpc>
+                          <a:spcPct val="150000"/>
+                        </a:lnSpc>
+                        <a:buFont typeface="Arial" panose="020B0604020202020204" pitchFamily="34" charset="0"/>
+                        <a:buNone/>
+                      </a:pPr>
+                      <a:r>
+                        <a:rPr lang="en-US" altLang="ko-KR" sz="900" b="0" u="none" dirty="0">
+                          <a:solidFill>
+                            <a:schemeClr val="tx1"/>
+                          </a:solidFill>
+                          <a:latin typeface="+mn-ea"/>
+                          <a:ea typeface="+mn-ea"/>
+                        </a:rPr>
+                        <a:t>           -   </a:t>
                       </a:r>
                       <a:r>
                         <a:rPr lang="en-US" altLang="ko-KR" sz="900" b="1" dirty="0">
@@ -19375,311 +19387,6 @@
                           <a:ea typeface="+mn-ea"/>
                         </a:rPr>
                         <a:t>으로 순서대로 설정</a:t>
-                      </a:r>
-                      <a:endParaRPr lang="en-US" altLang="ko-KR" sz="900" b="0" dirty="0">
-                        <a:solidFill>
-                          <a:schemeClr val="tx1"/>
-                        </a:solidFill>
-                        <a:latin typeface="+mn-ea"/>
-                        <a:ea typeface="+mn-ea"/>
-                      </a:endParaRPr>
-                    </a:p>
-                    <a:p>
-                      <a:pPr marL="0" indent="0" algn="l" latinLnBrk="1">
-                        <a:lnSpc>
-                          <a:spcPct val="150000"/>
-                        </a:lnSpc>
-                        <a:buFont typeface="Arial" panose="020B0604020202020204" pitchFamily="34" charset="0"/>
-                        <a:buNone/>
-                      </a:pPr>
-                      <a:r>
-                        <a:rPr lang="en-US" altLang="ko-KR" sz="900" b="0" dirty="0">
-                          <a:solidFill>
-                            <a:schemeClr val="tx1"/>
-                          </a:solidFill>
-                          <a:latin typeface="+mn-ea"/>
-                          <a:ea typeface="+mn-ea"/>
-                        </a:rPr>
-                        <a:t>           -  </a:t>
-                      </a:r>
-                      <a:r>
-                        <a:rPr lang="ko-KR" altLang="en-US" sz="900" b="0" dirty="0">
-                          <a:solidFill>
-                            <a:schemeClr val="tx1"/>
-                          </a:solidFill>
-                          <a:latin typeface="+mn-ea"/>
-                          <a:ea typeface="+mn-ea"/>
-                        </a:rPr>
-                        <a:t>첫 </a:t>
-                      </a:r>
-                      <a:r>
-                        <a:rPr lang="en-US" altLang="ko-KR" sz="900" b="0" dirty="0">
-                          <a:solidFill>
-                            <a:schemeClr val="tx1"/>
-                          </a:solidFill>
-                          <a:latin typeface="+mn-ea"/>
-                          <a:ea typeface="+mn-ea"/>
-                        </a:rPr>
-                        <a:t>URI</a:t>
-                      </a:r>
-                      <a:r>
-                        <a:rPr lang="ko-KR" altLang="en-US" sz="900" b="0" dirty="0">
-                          <a:solidFill>
-                            <a:schemeClr val="tx1"/>
-                          </a:solidFill>
-                          <a:latin typeface="+mn-ea"/>
-                          <a:ea typeface="+mn-ea"/>
-                        </a:rPr>
-                        <a:t>에 </a:t>
-                      </a:r>
-                      <a:r>
-                        <a:rPr lang="en-US" altLang="ko-KR" sz="900" b="0" dirty="0">
-                          <a:solidFill>
-                            <a:schemeClr val="tx1"/>
-                          </a:solidFill>
-                          <a:latin typeface="+mn-ea"/>
-                          <a:ea typeface="+mn-ea"/>
-                        </a:rPr>
-                        <a:t>“</a:t>
-                      </a:r>
-                      <a:r>
-                        <a:rPr lang="en-US" altLang="ko-KR" sz="900" b="1" dirty="0" err="1">
-                          <a:solidFill>
-                            <a:schemeClr val="tx1"/>
-                          </a:solidFill>
-                          <a:latin typeface="+mn-ea"/>
-                          <a:ea typeface="+mn-ea"/>
-                        </a:rPr>
-                        <a:t>lr</a:t>
-                      </a:r>
-                      <a:r>
-                        <a:rPr lang="en-US" altLang="ko-KR" sz="900" b="1" dirty="0">
-                          <a:solidFill>
-                            <a:schemeClr val="tx1"/>
-                          </a:solidFill>
-                          <a:latin typeface="+mn-ea"/>
-                          <a:ea typeface="+mn-ea"/>
-                        </a:rPr>
-                        <a:t>”</a:t>
-                      </a:r>
-                      <a:r>
-                        <a:rPr lang="en-US" altLang="ko-KR" sz="900" b="0" dirty="0">
-                          <a:solidFill>
-                            <a:schemeClr val="tx1"/>
-                          </a:solidFill>
-                          <a:latin typeface="+mn-ea"/>
-                          <a:ea typeface="+mn-ea"/>
-                        </a:rPr>
-                        <a:t> </a:t>
-                      </a:r>
-                      <a:r>
-                        <a:rPr lang="ko-KR" altLang="en-US" sz="900" b="0" dirty="0">
-                          <a:solidFill>
-                            <a:schemeClr val="tx1"/>
-                          </a:solidFill>
-                          <a:latin typeface="+mn-ea"/>
-                          <a:ea typeface="+mn-ea"/>
-                        </a:rPr>
-                        <a:t>매개변수가 없는 경우</a:t>
-                      </a:r>
-                      <a:r>
-                        <a:rPr lang="en-US" altLang="ko-KR" sz="900" b="0" dirty="0">
-                          <a:solidFill>
-                            <a:schemeClr val="tx1"/>
-                          </a:solidFill>
-                          <a:latin typeface="+mn-ea"/>
-                          <a:ea typeface="+mn-ea"/>
-                        </a:rPr>
-                        <a:t> : </a:t>
-                      </a:r>
-                      <a:r>
-                        <a:rPr lang="ko-KR" altLang="en-US" sz="900" b="1" dirty="0">
-                          <a:solidFill>
-                            <a:srgbClr val="0000FF"/>
-                          </a:solidFill>
-                          <a:latin typeface="+mn-ea"/>
-                          <a:ea typeface="+mn-ea"/>
-                        </a:rPr>
-                        <a:t>첫 번째 </a:t>
-                      </a:r>
-                      <a:r>
-                        <a:rPr lang="en-US" altLang="ko-KR" sz="900" b="1" dirty="0">
-                          <a:solidFill>
-                            <a:srgbClr val="0000FF"/>
-                          </a:solidFill>
-                          <a:latin typeface="+mn-ea"/>
-                          <a:ea typeface="+mn-ea"/>
-                        </a:rPr>
-                        <a:t>Route </a:t>
-                      </a:r>
-                      <a:r>
-                        <a:rPr lang="ko-KR" altLang="en-US" sz="900" b="1" dirty="0">
-                          <a:solidFill>
-                            <a:srgbClr val="0000FF"/>
-                          </a:solidFill>
-                          <a:latin typeface="+mn-ea"/>
-                          <a:ea typeface="+mn-ea"/>
-                        </a:rPr>
-                        <a:t>헤더 값</a:t>
-                      </a:r>
-                      <a:r>
-                        <a:rPr lang="ko-KR" altLang="en-US" sz="900" b="0" dirty="0">
-                          <a:solidFill>
-                            <a:schemeClr val="tx1"/>
-                          </a:solidFill>
-                          <a:latin typeface="+mn-ea"/>
-                          <a:ea typeface="+mn-ea"/>
-                        </a:rPr>
-                        <a:t>으로 설정 </a:t>
-                      </a:r>
-                      <a:r>
-                        <a:rPr lang="en-US" altLang="ko-KR" sz="900" b="0" dirty="0">
-                          <a:solidFill>
-                            <a:schemeClr val="tx1"/>
-                          </a:solidFill>
-                          <a:latin typeface="+mn-ea"/>
-                          <a:ea typeface="+mn-ea"/>
-                        </a:rPr>
-                        <a:t>(</a:t>
-                      </a:r>
-                      <a:r>
-                        <a:rPr lang="ko-KR" altLang="en-US" sz="900" b="0" dirty="0">
-                          <a:solidFill>
-                            <a:schemeClr val="tx1"/>
-                          </a:solidFill>
-                          <a:latin typeface="+mn-ea"/>
-                          <a:ea typeface="+mn-ea"/>
-                        </a:rPr>
-                        <a:t>매개변수 포함 </a:t>
-                      </a:r>
-                      <a:r>
-                        <a:rPr lang="en-US" altLang="ko-KR" sz="900" b="0" dirty="0">
-                          <a:solidFill>
-                            <a:schemeClr val="tx1"/>
-                          </a:solidFill>
-                          <a:latin typeface="+mn-ea"/>
-                          <a:ea typeface="+mn-ea"/>
-                        </a:rPr>
-                        <a:t>x),</a:t>
-                      </a:r>
-                      <a:r>
-                        <a:rPr lang="ko-KR" altLang="en-US" sz="900" b="0" dirty="0">
-                          <a:solidFill>
-                            <a:schemeClr val="tx1"/>
-                          </a:solidFill>
-                          <a:latin typeface="+mn-ea"/>
-                          <a:ea typeface="+mn-ea"/>
-                        </a:rPr>
-                        <a:t> </a:t>
-                      </a:r>
-                      <a:br>
-                        <a:rPr lang="en-US" altLang="ko-KR" sz="900" b="0" dirty="0">
-                          <a:solidFill>
-                            <a:schemeClr val="tx1"/>
-                          </a:solidFill>
-                          <a:latin typeface="+mn-ea"/>
-                          <a:ea typeface="+mn-ea"/>
-                        </a:rPr>
-                      </a:br>
-                      <a:r>
-                        <a:rPr lang="en-US" altLang="ko-KR" sz="900" b="0" dirty="0">
-                          <a:solidFill>
-                            <a:schemeClr val="tx1"/>
-                          </a:solidFill>
-                          <a:latin typeface="+mn-ea"/>
-                          <a:ea typeface="+mn-ea"/>
-                        </a:rPr>
-                        <a:t>                                      </a:t>
-                      </a:r>
-                      <a:r>
-                        <a:rPr lang="ko-KR" altLang="en-US" sz="900" b="1" dirty="0">
-                          <a:solidFill>
-                            <a:srgbClr val="00B050"/>
-                          </a:solidFill>
-                          <a:latin typeface="+mn-ea"/>
-                          <a:ea typeface="+mn-ea"/>
-                        </a:rPr>
-                        <a:t>나머지 </a:t>
-                      </a:r>
-                      <a:r>
-                        <a:rPr lang="en-US" altLang="ko-KR" sz="900" b="1" dirty="0">
-                          <a:solidFill>
-                            <a:srgbClr val="00B050"/>
-                          </a:solidFill>
-                          <a:latin typeface="+mn-ea"/>
-                          <a:ea typeface="+mn-ea"/>
-                        </a:rPr>
-                        <a:t>route set </a:t>
-                      </a:r>
-                      <a:r>
-                        <a:rPr lang="ko-KR" altLang="en-US" sz="900" b="1" dirty="0">
-                          <a:solidFill>
-                            <a:srgbClr val="00B050"/>
-                          </a:solidFill>
-                          <a:latin typeface="+mn-ea"/>
-                          <a:ea typeface="+mn-ea"/>
-                        </a:rPr>
-                        <a:t>으로 순서대로 설정 </a:t>
-                      </a:r>
-                      <a:r>
-                        <a:rPr lang="ko-KR" altLang="en-US" sz="900" b="0" dirty="0">
-                          <a:solidFill>
-                            <a:schemeClr val="tx1"/>
-                          </a:solidFill>
-                          <a:latin typeface="+mn-ea"/>
-                          <a:ea typeface="+mn-ea"/>
-                        </a:rPr>
-                        <a:t>그 뒤 </a:t>
-                      </a:r>
-                      <a:r>
-                        <a:rPr lang="en-US" altLang="ko-KR" sz="900" b="1" dirty="0">
-                          <a:solidFill>
-                            <a:schemeClr val="tx1"/>
-                          </a:solidFill>
-                          <a:latin typeface="+mn-ea"/>
-                          <a:ea typeface="+mn-ea"/>
-                        </a:rPr>
-                        <a:t>remote target URI </a:t>
-                      </a:r>
-                      <a:r>
-                        <a:rPr lang="ko-KR" altLang="en-US" sz="900" b="0" dirty="0">
-                          <a:solidFill>
-                            <a:schemeClr val="tx1"/>
-                          </a:solidFill>
-                          <a:latin typeface="+mn-ea"/>
-                          <a:ea typeface="+mn-ea"/>
-                        </a:rPr>
-                        <a:t>를</a:t>
-                      </a:r>
-                      <a:r>
-                        <a:rPr lang="ko-KR" altLang="en-US" sz="900" b="1" dirty="0">
-                          <a:solidFill>
-                            <a:schemeClr val="tx1"/>
-                          </a:solidFill>
-                          <a:latin typeface="+mn-ea"/>
-                          <a:ea typeface="+mn-ea"/>
-                        </a:rPr>
-                        <a:t> </a:t>
-                      </a:r>
-                      <a:r>
-                        <a:rPr lang="en-US" altLang="ko-KR" sz="900" b="1" dirty="0">
-                          <a:solidFill>
-                            <a:srgbClr val="00B050"/>
-                          </a:solidFill>
-                          <a:latin typeface="+mn-ea"/>
-                          <a:ea typeface="+mn-ea"/>
-                        </a:rPr>
-                        <a:t>Route </a:t>
-                      </a:r>
-                      <a:r>
-                        <a:rPr lang="ko-KR" altLang="en-US" sz="900" b="1" dirty="0">
-                          <a:solidFill>
-                            <a:srgbClr val="00B050"/>
-                          </a:solidFill>
-                          <a:latin typeface="+mn-ea"/>
-                          <a:ea typeface="+mn-ea"/>
-                        </a:rPr>
-                        <a:t>헤더 마지막 값 추가</a:t>
                       </a:r>
                       <a:endParaRPr lang="en-US" altLang="ko-KR" sz="900" b="0" dirty="0">
                         <a:solidFill>
@@ -20000,272 +19707,6 @@
           </a:graphicData>
         </a:graphic>
       </p:graphicFrame>
-      <p:cxnSp>
-        <p:nvCxnSpPr>
-          <p:cNvPr id="7" name="연결선: 꺾임 6">
-            <a:extLst>
-              <a:ext uri="{FF2B5EF4-FFF2-40B4-BE49-F238E27FC236}">
-                <a16:creationId xmlns:a16="http://schemas.microsoft.com/office/drawing/2014/main" id="{CF024CA1-56D1-B971-3B7E-E21BBD6E2EEC}"/>
-              </a:ext>
-            </a:extLst>
-          </p:cNvPr>
-          <p:cNvCxnSpPr>
-            <a:cxnSpLocks/>
-            <a:endCxn id="6" idx="1"/>
-          </p:cNvCxnSpPr>
-          <p:nvPr/>
-        </p:nvCxnSpPr>
-        <p:spPr>
-          <a:xfrm rot="10800000" flipV="1">
-            <a:off x="4638213" y="4598955"/>
-            <a:ext cx="3480354" cy="1572562"/>
-          </a:xfrm>
-          <a:prstGeom prst="bentConnector3">
-            <a:avLst>
-              <a:gd name="adj1" fmla="val -53917"/>
-            </a:avLst>
-          </a:prstGeom>
-          <a:ln>
-            <a:solidFill>
-              <a:schemeClr val="tx1"/>
-            </a:solidFill>
-            <a:headEnd type="oval"/>
-          </a:ln>
-        </p:spPr>
-        <p:style>
-          <a:lnRef idx="1">
-            <a:schemeClr val="accent1"/>
-          </a:lnRef>
-          <a:fillRef idx="0">
-            <a:schemeClr val="accent1"/>
-          </a:fillRef>
-          <a:effectRef idx="0">
-            <a:schemeClr val="accent1"/>
-          </a:effectRef>
-          <a:fontRef idx="minor">
-            <a:schemeClr val="tx1"/>
-          </a:fontRef>
-        </p:style>
-      </p:cxnSp>
-      <p:sp>
-        <p:nvSpPr>
-          <p:cNvPr id="6" name="TextBox 5">
-            <a:extLst>
-              <a:ext uri="{FF2B5EF4-FFF2-40B4-BE49-F238E27FC236}">
-                <a16:creationId xmlns:a16="http://schemas.microsoft.com/office/drawing/2014/main" id="{14A67C2E-F4E8-0471-AEDB-988E1A2D6D41}"/>
-              </a:ext>
-            </a:extLst>
-          </p:cNvPr>
-          <p:cNvSpPr txBox="1"/>
-          <p:nvPr/>
-        </p:nvSpPr>
-        <p:spPr>
-          <a:xfrm>
-            <a:off x="4638213" y="5663685"/>
-            <a:ext cx="4608954" cy="1015663"/>
-          </a:xfrm>
-          <a:prstGeom prst="rect">
-            <a:avLst/>
-          </a:prstGeom>
-          <a:solidFill>
-            <a:schemeClr val="bg1"/>
-          </a:solidFill>
-          <a:ln>
-            <a:solidFill>
-              <a:schemeClr val="tx1"/>
-            </a:solidFill>
-          </a:ln>
-        </p:spPr>
-        <p:txBody>
-          <a:bodyPr wrap="none" rtlCol="0">
-            <a:spAutoFit/>
-          </a:bodyPr>
-          <a:lstStyle/>
-          <a:p>
-            <a:r>
-              <a:rPr lang="en-US" altLang="ko-KR" sz="1000" b="1" dirty="0">
-                <a:latin typeface="+mn-ea"/>
-              </a:rPr>
-              <a:t>remote target </a:t>
-            </a:r>
-            <a:r>
-              <a:rPr lang="ko-KR" altLang="en-US" sz="1000" dirty="0">
-                <a:latin typeface="+mn-ea"/>
-              </a:rPr>
-              <a:t>이 </a:t>
-            </a:r>
-            <a:r>
-              <a:rPr lang="en-US" altLang="ko-KR" sz="1000" dirty="0">
-                <a:latin typeface="+mn-ea"/>
-              </a:rPr>
-              <a:t>“</a:t>
-            </a:r>
-            <a:r>
-              <a:rPr lang="en-US" altLang="ko-KR" sz="1000" dirty="0" err="1">
-                <a:latin typeface="+mn-ea"/>
-              </a:rPr>
-              <a:t>sip:user@remoteua</a:t>
-            </a:r>
-            <a:r>
-              <a:rPr lang="en-US" altLang="ko-KR" sz="1000" dirty="0">
-                <a:latin typeface="+mn-ea"/>
-              </a:rPr>
-              <a:t>” </a:t>
-            </a:r>
-            <a:r>
-              <a:rPr lang="ko-KR" altLang="en-US" sz="1000" dirty="0">
-                <a:latin typeface="+mn-ea"/>
-              </a:rPr>
-              <a:t>이고</a:t>
-            </a:r>
-            <a:endParaRPr lang="en-US" altLang="ko-KR" sz="1000" dirty="0">
-              <a:latin typeface="+mn-ea"/>
-            </a:endParaRPr>
-          </a:p>
-          <a:p>
-            <a:r>
-              <a:rPr lang="en-US" altLang="ko-KR" sz="1000" b="1" dirty="0">
-                <a:latin typeface="+mn-ea"/>
-              </a:rPr>
-              <a:t>route set </a:t>
-            </a:r>
-            <a:r>
-              <a:rPr lang="ko-KR" altLang="en-US" sz="1000" dirty="0">
-                <a:latin typeface="+mn-ea"/>
-              </a:rPr>
-              <a:t>이 </a:t>
-            </a:r>
-            <a:r>
-              <a:rPr lang="en-US" altLang="ko-KR" sz="1000" dirty="0">
-                <a:latin typeface="+mn-ea"/>
-              </a:rPr>
-              <a:t>&lt;sip:proxy1&gt;,&lt;sip:proxy2&gt;,&lt;sip:proxy3;lr&gt;,&lt;sip:proxy4&gt; </a:t>
-            </a:r>
-            <a:r>
-              <a:rPr lang="ko-KR" altLang="en-US" sz="1000" dirty="0">
-                <a:latin typeface="+mn-ea"/>
-              </a:rPr>
-              <a:t>인 경우</a:t>
-            </a:r>
-            <a:endParaRPr lang="en-US" altLang="ko-KR" sz="1000" dirty="0">
-              <a:latin typeface="+mn-ea"/>
-            </a:endParaRPr>
-          </a:p>
-          <a:p>
-            <a:endParaRPr lang="en-US" altLang="ko-KR" sz="1000" dirty="0">
-              <a:latin typeface="+mn-ea"/>
-            </a:endParaRPr>
-          </a:p>
-          <a:p>
-            <a:r>
-              <a:rPr lang="en-US" altLang="ko-KR" sz="1000" b="1" dirty="0">
-                <a:solidFill>
-                  <a:srgbClr val="0000FF"/>
-                </a:solidFill>
-                <a:latin typeface="+mn-ea"/>
-              </a:rPr>
-              <a:t>Request-URI</a:t>
-            </a:r>
-            <a:r>
-              <a:rPr lang="en-US" altLang="ko-KR" sz="1000" b="1" dirty="0">
-                <a:latin typeface="+mn-ea"/>
-              </a:rPr>
-              <a:t> &amp;</a:t>
-            </a:r>
-            <a:r>
-              <a:rPr lang="ko-KR" altLang="en-US" sz="1000" b="1" dirty="0">
-                <a:latin typeface="+mn-ea"/>
-              </a:rPr>
-              <a:t> </a:t>
-            </a:r>
-            <a:r>
-              <a:rPr lang="en-US" altLang="ko-KR" sz="1000" b="1" dirty="0">
-                <a:solidFill>
-                  <a:srgbClr val="00B050"/>
-                </a:solidFill>
-                <a:latin typeface="+mn-ea"/>
-              </a:rPr>
-              <a:t>Route</a:t>
-            </a:r>
-            <a:r>
-              <a:rPr lang="en-US" altLang="ko-KR" sz="1000" b="1" dirty="0">
-                <a:latin typeface="+mn-ea"/>
-              </a:rPr>
-              <a:t> </a:t>
-            </a:r>
-            <a:r>
-              <a:rPr lang="ko-KR" altLang="en-US" sz="1000" b="1" dirty="0">
-                <a:latin typeface="+mn-ea"/>
-              </a:rPr>
-              <a:t>헤더 </a:t>
-            </a:r>
-            <a:r>
-              <a:rPr lang="en-US" altLang="ko-KR" sz="1000" dirty="0">
-                <a:latin typeface="+mn-ea"/>
-              </a:rPr>
-              <a:t>: </a:t>
-            </a:r>
-          </a:p>
-          <a:p>
-            <a:r>
-              <a:rPr lang="en-US" altLang="ko-KR" sz="1000" dirty="0">
-                <a:latin typeface="+mn-ea"/>
-              </a:rPr>
-              <a:t>METHOD </a:t>
-            </a:r>
-            <a:r>
-              <a:rPr lang="en-US" altLang="ko-KR" sz="1000" dirty="0">
-                <a:solidFill>
-                  <a:srgbClr val="0000FF"/>
-                </a:solidFill>
-                <a:latin typeface="+mn-ea"/>
-              </a:rPr>
-              <a:t>sip:proxy1</a:t>
-            </a:r>
-          </a:p>
-          <a:p>
-            <a:r>
-              <a:rPr lang="en-US" altLang="ko-KR" sz="1000" b="1" dirty="0">
-                <a:latin typeface="+mn-ea"/>
-              </a:rPr>
-              <a:t>Route</a:t>
-            </a:r>
-            <a:r>
-              <a:rPr lang="en-US" altLang="ko-KR" sz="1000" dirty="0">
-                <a:latin typeface="+mn-ea"/>
-              </a:rPr>
-              <a:t>: </a:t>
-            </a:r>
-            <a:r>
-              <a:rPr lang="en-US" altLang="ko-KR" sz="1000" dirty="0">
-                <a:solidFill>
-                  <a:srgbClr val="00B050"/>
-                </a:solidFill>
-                <a:latin typeface="+mn-ea"/>
-              </a:rPr>
-              <a:t>&lt;sip:proxy2&gt;,&lt;sip:proxy3;lr&gt;,&lt;sip:proxy4&gt;, &lt; </a:t>
-            </a:r>
-            <a:r>
-              <a:rPr lang="en-US" altLang="ko-KR" sz="1000" dirty="0" err="1">
-                <a:solidFill>
-                  <a:srgbClr val="00B050"/>
-                </a:solidFill>
-                <a:latin typeface="+mn-ea"/>
-              </a:rPr>
-              <a:t>sip:user@remoteua</a:t>
-            </a:r>
-            <a:r>
-              <a:rPr lang="en-US" altLang="ko-KR" sz="1000" dirty="0">
-                <a:solidFill>
-                  <a:srgbClr val="00B050"/>
-                </a:solidFill>
-                <a:latin typeface="+mn-ea"/>
-              </a:rPr>
-              <a:t>&gt;</a:t>
-            </a:r>
-          </a:p>
-        </p:txBody>
-      </p:sp>
     </p:spTree>
     <p:extLst>
       <p:ext uri="{BB962C8B-B14F-4D97-AF65-F5344CB8AC3E}">
@@ -26485,71 +25926,47 @@
             </a:pPr>
             <a:r>
               <a:rPr lang="en-US" altLang="ko-KR" sz="1200" dirty="0">
-                <a:highlight>
-                  <a:srgbClr val="FFFF00"/>
-                </a:highlight>
                 <a:latin typeface="Roboto" panose="02000000000000000000" pitchFamily="2" charset="0"/>
               </a:rPr>
               <a:t>Error </a:t>
             </a:r>
             <a:r>
               <a:rPr lang="ko-KR" altLang="en-US" sz="1200" dirty="0">
-                <a:highlight>
-                  <a:srgbClr val="FFFF00"/>
-                </a:highlight>
                 <a:latin typeface="Roboto" panose="02000000000000000000" pitchFamily="2" charset="0"/>
               </a:rPr>
               <a:t>에 대한 추가 정보를 찾을 수 있는 </a:t>
             </a:r>
             <a:r>
               <a:rPr lang="en-US" altLang="ko-KR" sz="1200" b="1" dirty="0">
-                <a:highlight>
-                  <a:srgbClr val="FFFF00"/>
-                </a:highlight>
                 <a:latin typeface="Roboto" panose="02000000000000000000" pitchFamily="2" charset="0"/>
               </a:rPr>
               <a:t>Contact</a:t>
             </a:r>
             <a:r>
               <a:rPr lang="en-US" altLang="ko-KR" sz="1200" dirty="0">
-                <a:highlight>
-                  <a:srgbClr val="FFFF00"/>
-                </a:highlight>
                 <a:latin typeface="Roboto" panose="02000000000000000000" pitchFamily="2" charset="0"/>
               </a:rPr>
               <a:t> </a:t>
             </a:r>
             <a:r>
               <a:rPr lang="ko-KR" altLang="en-US" sz="1200" dirty="0">
-                <a:highlight>
-                  <a:srgbClr val="FFFF00"/>
-                </a:highlight>
                 <a:latin typeface="Roboto" panose="02000000000000000000" pitchFamily="2" charset="0"/>
               </a:rPr>
               <a:t>헤더에 </a:t>
             </a:r>
             <a:r>
               <a:rPr lang="en-US" altLang="ko-KR" sz="1200" dirty="0">
-                <a:highlight>
-                  <a:srgbClr val="FFFF00"/>
-                </a:highlight>
                 <a:latin typeface="Roboto" panose="02000000000000000000" pitchFamily="2" charset="0"/>
               </a:rPr>
               <a:t>location </a:t>
             </a:r>
             <a:r>
               <a:rPr lang="ko-KR" altLang="en-US" sz="1200" dirty="0">
-                <a:highlight>
-                  <a:srgbClr val="FFFF00"/>
-                </a:highlight>
                 <a:latin typeface="Roboto" panose="02000000000000000000" pitchFamily="2" charset="0"/>
               </a:rPr>
               <a:t>값을 포함할 수 있음</a:t>
             </a:r>
             <a:endParaRPr lang="en-US" altLang="ko-KR" sz="1200" dirty="0">
-              <a:highlight>
-                <a:srgbClr val="FFFF00"/>
-              </a:highlight>
               <a:latin typeface="Roboto" panose="02000000000000000000" pitchFamily="2" charset="0"/>
             </a:endParaRPr>
           </a:p>
@@ -37710,42 +37127,42 @@
               <a:buChar char="•"/>
             </a:pPr>
             <a:r>
-              <a:rPr lang="en-US" altLang="ko-KR" sz="1400" b="1">
+              <a:rPr lang="en-US" altLang="ko-KR" sz="1400" b="1" dirty="0">
                 <a:latin typeface="Roboto" panose="02000000000000000000" pitchFamily="2" charset="0"/>
               </a:rPr>
               <a:t>INVITE transaction </a:t>
             </a:r>
             <a:r>
-              <a:rPr lang="ko-KR" altLang="en-US" sz="1400" b="1">
+              <a:rPr lang="ko-KR" altLang="en-US" sz="1400" b="1" dirty="0">
                 <a:latin typeface="Roboto" panose="02000000000000000000" pitchFamily="2" charset="0"/>
               </a:rPr>
               <a:t>이 진행 중인 동안</a:t>
             </a:r>
             <a:r>
-              <a:rPr lang="ko-KR" altLang="en-US" sz="1400">
+              <a:rPr lang="ko-KR" altLang="en-US" sz="1400" dirty="0">
                 <a:latin typeface="Roboto" panose="02000000000000000000" pitchFamily="2" charset="0"/>
               </a:rPr>
               <a:t> 다이얼로그는 </a:t>
             </a:r>
             <a:r>
-              <a:rPr lang="ko-KR" altLang="en-US" sz="1400" b="1">
+              <a:rPr lang="ko-KR" altLang="en-US" sz="1400" b="1" dirty="0">
                 <a:latin typeface="Roboto" panose="02000000000000000000" pitchFamily="2" charset="0"/>
               </a:rPr>
               <a:t>새로운 </a:t>
             </a:r>
             <a:r>
-              <a:rPr lang="en-US" altLang="ko-KR" sz="1400" b="1">
+              <a:rPr lang="en-US" altLang="ko-KR" sz="1400" b="1" dirty="0">
                 <a:latin typeface="Roboto" panose="02000000000000000000" pitchFamily="2" charset="0"/>
               </a:rPr>
               <a:t>INVITE transaction</a:t>
             </a:r>
             <a:r>
-              <a:rPr lang="ko-KR" altLang="en-US" sz="1400" b="1">
+              <a:rPr lang="ko-KR" altLang="en-US" sz="1400" b="1" dirty="0">
                 <a:latin typeface="Roboto" panose="02000000000000000000" pitchFamily="2" charset="0"/>
               </a:rPr>
               <a:t>을 시작하면 안됨</a:t>
             </a:r>
-            <a:endParaRPr lang="en-US" altLang="ko-KR" sz="1400" b="1">
+            <a:endParaRPr lang="en-US" altLang="ko-KR" sz="1400" b="1" dirty="0">
               <a:latin typeface="Roboto" panose="02000000000000000000" pitchFamily="2" charset="0"/>
             </a:endParaRPr>
           </a:p>
@@ -37757,119 +37174,119 @@
               <a:buAutoNum type="arabicPeriod"/>
             </a:pPr>
             <a:r>
-              <a:rPr lang="ko-KR" altLang="en-US" sz="1200" b="1">
+              <a:rPr lang="ko-KR" altLang="en-US" sz="1200" b="1" dirty="0">
                 <a:latin typeface="Roboto" panose="02000000000000000000" pitchFamily="2" charset="0"/>
               </a:rPr>
               <a:t>진행 중인 </a:t>
             </a:r>
             <a:r>
-              <a:rPr lang="en-US" altLang="ko-KR" sz="1200" b="1">
+              <a:rPr lang="en-US" altLang="ko-KR" sz="1200" b="1" dirty="0">
                 <a:latin typeface="Roboto" panose="02000000000000000000" pitchFamily="2" charset="0"/>
               </a:rPr>
               <a:t>INVITE client transaction </a:t>
             </a:r>
             <a:r>
-              <a:rPr lang="ko-KR" altLang="en-US" sz="1200" b="1">
+              <a:rPr lang="ko-KR" altLang="en-US" sz="1200" b="1" dirty="0">
                 <a:latin typeface="Roboto" panose="02000000000000000000" pitchFamily="2" charset="0"/>
               </a:rPr>
               <a:t>이 있는 경우 </a:t>
             </a:r>
             <a:r>
-              <a:rPr lang="en-US" altLang="ko-KR" sz="1200" b="1">
+              <a:rPr lang="en-US" altLang="ko-KR" sz="1200" b="1" dirty="0">
                 <a:latin typeface="Roboto" panose="02000000000000000000" pitchFamily="2" charset="0"/>
               </a:rPr>
               <a:t>: </a:t>
             </a:r>
             <a:br>
-              <a:rPr lang="en-US" altLang="ko-KR" sz="1200" b="1">
+              <a:rPr lang="en-US" altLang="ko-KR" sz="1200" b="1" dirty="0">
                 <a:latin typeface="Roboto" panose="02000000000000000000" pitchFamily="2" charset="0"/>
               </a:rPr>
             </a:br>
             <a:r>
-              <a:rPr lang="en-US" altLang="ko-KR" sz="1100">
+              <a:rPr lang="en-US" altLang="ko-KR" sz="1100" dirty="0">
                 <a:latin typeface="Roboto" panose="02000000000000000000" pitchFamily="2" charset="0"/>
               </a:rPr>
               <a:t>TU </a:t>
             </a:r>
             <a:r>
-              <a:rPr lang="ko-KR" altLang="en-US" sz="1100">
+              <a:rPr lang="ko-KR" altLang="en-US" sz="1100" dirty="0">
                 <a:latin typeface="Roboto" panose="02000000000000000000" pitchFamily="2" charset="0"/>
               </a:rPr>
               <a:t>는 트랜잭션이 </a:t>
             </a:r>
             <a:r>
-              <a:rPr lang="en-US" altLang="ko-KR" sz="1100">
+              <a:rPr lang="en-US" altLang="ko-KR" sz="1100" dirty="0">
                 <a:latin typeface="Roboto" panose="02000000000000000000" pitchFamily="2" charset="0"/>
               </a:rPr>
               <a:t>“</a:t>
             </a:r>
             <a:r>
-              <a:rPr lang="en-US" altLang="ko-KR" sz="1100" b="1">
+              <a:rPr lang="en-US" altLang="ko-KR" sz="1100" b="1" dirty="0">
                 <a:latin typeface="Roboto" panose="02000000000000000000" pitchFamily="2" charset="0"/>
               </a:rPr>
               <a:t>completed</a:t>
             </a:r>
             <a:r>
-              <a:rPr lang="en-US" altLang="ko-KR" sz="1100">
+              <a:rPr lang="en-US" altLang="ko-KR" sz="1100" dirty="0">
                 <a:latin typeface="Roboto" panose="02000000000000000000" pitchFamily="2" charset="0"/>
               </a:rPr>
               <a:t>” </a:t>
             </a:r>
             <a:r>
-              <a:rPr lang="ko-KR" altLang="en-US" sz="1100">
+              <a:rPr lang="ko-KR" altLang="en-US" sz="1100" dirty="0">
                 <a:latin typeface="Roboto" panose="02000000000000000000" pitchFamily="2" charset="0"/>
               </a:rPr>
               <a:t>또는 </a:t>
             </a:r>
             <a:r>
-              <a:rPr lang="en-US" altLang="ko-KR" sz="1100">
+              <a:rPr lang="en-US" altLang="ko-KR" sz="1100" dirty="0">
                 <a:latin typeface="Roboto" panose="02000000000000000000" pitchFamily="2" charset="0"/>
               </a:rPr>
               <a:t>“</a:t>
             </a:r>
             <a:r>
-              <a:rPr lang="en-US" altLang="ko-KR" sz="1100" b="1">
+              <a:rPr lang="en-US" altLang="ko-KR" sz="1100" b="1" dirty="0">
                 <a:latin typeface="Roboto" panose="02000000000000000000" pitchFamily="2" charset="0"/>
               </a:rPr>
               <a:t>terminated</a:t>
             </a:r>
             <a:r>
-              <a:rPr lang="en-US" altLang="ko-KR" sz="1100">
+              <a:rPr lang="en-US" altLang="ko-KR" sz="1100" dirty="0">
                 <a:latin typeface="Roboto" panose="02000000000000000000" pitchFamily="2" charset="0"/>
               </a:rPr>
               <a:t>” </a:t>
             </a:r>
             <a:r>
-              <a:rPr lang="ko-KR" altLang="en-US" sz="1100">
+              <a:rPr lang="ko-KR" altLang="en-US" sz="1100" dirty="0">
                 <a:latin typeface="Roboto" panose="02000000000000000000" pitchFamily="2" charset="0"/>
               </a:rPr>
               <a:t>상태에 도달할 때까지 기다렸다가</a:t>
             </a:r>
             <a:r>
-              <a:rPr lang="en-US" altLang="ko-KR" sz="1100">
+              <a:rPr lang="en-US" altLang="ko-KR" sz="1100" dirty="0">
                 <a:latin typeface="Roboto" panose="02000000000000000000" pitchFamily="2" charset="0"/>
               </a:rPr>
               <a:t> </a:t>
             </a:r>
             <a:r>
-              <a:rPr lang="ko-KR" altLang="en-US" sz="1100">
+              <a:rPr lang="ko-KR" altLang="en-US" sz="1100" dirty="0">
                 <a:latin typeface="Roboto" panose="02000000000000000000" pitchFamily="2" charset="0"/>
               </a:rPr>
               <a:t>새 </a:t>
             </a:r>
             <a:r>
-              <a:rPr lang="en-US" altLang="ko-KR" sz="1100">
+              <a:rPr lang="en-US" altLang="ko-KR" sz="1100" dirty="0">
                 <a:latin typeface="Roboto" panose="02000000000000000000" pitchFamily="2" charset="0"/>
               </a:rPr>
               <a:t>INVITE </a:t>
             </a:r>
             <a:r>
-              <a:rPr lang="ko-KR" altLang="en-US" sz="1100">
+              <a:rPr lang="ko-KR" altLang="en-US" sz="1100" dirty="0">
                 <a:latin typeface="Roboto" panose="02000000000000000000" pitchFamily="2" charset="0"/>
               </a:rPr>
               <a:t>를 시작해야 함</a:t>
             </a:r>
-            <a:endParaRPr lang="en-US" altLang="ko-KR" sz="1100">
+            <a:endParaRPr lang="en-US" altLang="ko-KR" sz="1100" dirty="0">
               <a:latin typeface="Roboto" panose="02000000000000000000" pitchFamily="2" charset="0"/>
             </a:endParaRPr>
           </a:p>
@@ -37881,107 +37298,107 @@
               <a:buAutoNum type="arabicPeriod"/>
             </a:pPr>
             <a:r>
-              <a:rPr lang="ko-KR" altLang="en-US" sz="1200" b="1">
+              <a:rPr lang="ko-KR" altLang="en-US" sz="1200" b="1" dirty="0">
                 <a:latin typeface="Roboto" panose="02000000000000000000" pitchFamily="2" charset="0"/>
               </a:rPr>
               <a:t>진행 중인 </a:t>
             </a:r>
             <a:r>
-              <a:rPr lang="en-US" altLang="ko-KR" sz="1200" b="1">
+              <a:rPr lang="en-US" altLang="ko-KR" sz="1200" b="1" dirty="0">
                 <a:latin typeface="Roboto" panose="02000000000000000000" pitchFamily="2" charset="0"/>
               </a:rPr>
               <a:t>INVITE server transaction </a:t>
             </a:r>
             <a:r>
-              <a:rPr lang="ko-KR" altLang="en-US" sz="1200" b="1">
+              <a:rPr lang="ko-KR" altLang="en-US" sz="1200" b="1" dirty="0">
                 <a:latin typeface="Roboto" panose="02000000000000000000" pitchFamily="2" charset="0"/>
               </a:rPr>
               <a:t>이 있는 경우 </a:t>
             </a:r>
             <a:r>
-              <a:rPr lang="en-US" altLang="ko-KR" sz="1200" b="1">
+              <a:rPr lang="en-US" altLang="ko-KR" sz="1200" b="1" dirty="0">
                 <a:latin typeface="Roboto" panose="02000000000000000000" pitchFamily="2" charset="0"/>
               </a:rPr>
               <a:t>: </a:t>
             </a:r>
             <a:br>
-              <a:rPr lang="en-US" altLang="ko-KR" sz="1200">
+              <a:rPr lang="en-US" altLang="ko-KR" sz="1200" dirty="0">
                 <a:latin typeface="Roboto" panose="02000000000000000000" pitchFamily="2" charset="0"/>
               </a:rPr>
             </a:br>
             <a:r>
-              <a:rPr lang="en-US" altLang="ko-KR" sz="1100">
+              <a:rPr lang="en-US" altLang="ko-KR" sz="1100" dirty="0">
                 <a:latin typeface="Roboto" panose="02000000000000000000" pitchFamily="2" charset="0"/>
               </a:rPr>
               <a:t>TU </a:t>
             </a:r>
             <a:r>
-              <a:rPr lang="ko-KR" altLang="en-US" sz="1100">
+              <a:rPr lang="ko-KR" altLang="en-US" sz="1100" dirty="0">
                 <a:latin typeface="Roboto" panose="02000000000000000000" pitchFamily="2" charset="0"/>
               </a:rPr>
               <a:t>는 트랜잭션이 </a:t>
             </a:r>
             <a:r>
-              <a:rPr lang="en-US" altLang="ko-KR" sz="1100">
+              <a:rPr lang="en-US" altLang="ko-KR" sz="1100" dirty="0">
                 <a:latin typeface="Roboto" panose="02000000000000000000" pitchFamily="2" charset="0"/>
               </a:rPr>
               <a:t>“</a:t>
             </a:r>
             <a:r>
-              <a:rPr lang="en-US" altLang="ko-KR" sz="1100" b="1">
+              <a:rPr lang="en-US" altLang="ko-KR" sz="1100" b="1" dirty="0">
                 <a:latin typeface="Roboto" panose="02000000000000000000" pitchFamily="2" charset="0"/>
               </a:rPr>
               <a:t>confirmed</a:t>
             </a:r>
             <a:r>
-              <a:rPr lang="en-US" altLang="ko-KR" sz="1100">
+              <a:rPr lang="en-US" altLang="ko-KR" sz="1100" dirty="0">
                 <a:latin typeface="Roboto" panose="02000000000000000000" pitchFamily="2" charset="0"/>
               </a:rPr>
               <a:t>” </a:t>
             </a:r>
             <a:r>
-              <a:rPr lang="ko-KR" altLang="en-US" sz="1100">
+              <a:rPr lang="ko-KR" altLang="en-US" sz="1100" dirty="0">
                 <a:latin typeface="Roboto" panose="02000000000000000000" pitchFamily="2" charset="0"/>
               </a:rPr>
               <a:t>또는 </a:t>
             </a:r>
             <a:r>
-              <a:rPr lang="en-US" altLang="ko-KR" sz="1100">
+              <a:rPr lang="en-US" altLang="ko-KR" sz="1100" dirty="0">
                 <a:latin typeface="Roboto" panose="02000000000000000000" pitchFamily="2" charset="0"/>
               </a:rPr>
               <a:t>“</a:t>
             </a:r>
             <a:r>
-              <a:rPr lang="en-US" altLang="ko-KR" sz="1100" b="1">
+              <a:rPr lang="en-US" altLang="ko-KR" sz="1100" b="1" dirty="0">
                 <a:latin typeface="Roboto" panose="02000000000000000000" pitchFamily="2" charset="0"/>
               </a:rPr>
               <a:t>terminated</a:t>
             </a:r>
             <a:r>
-              <a:rPr lang="en-US" altLang="ko-KR" sz="1100">
+              <a:rPr lang="en-US" altLang="ko-KR" sz="1100" dirty="0">
                 <a:latin typeface="Roboto" panose="02000000000000000000" pitchFamily="2" charset="0"/>
               </a:rPr>
               <a:t>” </a:t>
             </a:r>
             <a:r>
-              <a:rPr lang="ko-KR" altLang="en-US" sz="1100">
+              <a:rPr lang="ko-KR" altLang="en-US" sz="1100" dirty="0">
                 <a:latin typeface="Roboto" panose="02000000000000000000" pitchFamily="2" charset="0"/>
               </a:rPr>
               <a:t>상태에 도달할 때까지 기다렸다가 새 </a:t>
             </a:r>
             <a:r>
-              <a:rPr lang="en-US" altLang="ko-KR" sz="1100">
+              <a:rPr lang="en-US" altLang="ko-KR" sz="1100" dirty="0">
                 <a:latin typeface="Roboto" panose="02000000000000000000" pitchFamily="2" charset="0"/>
               </a:rPr>
               <a:t>INVITE </a:t>
             </a:r>
             <a:r>
-              <a:rPr lang="ko-KR" altLang="en-US" sz="1100">
+              <a:rPr lang="ko-KR" altLang="en-US" sz="1100" dirty="0">
                 <a:latin typeface="Roboto" panose="02000000000000000000" pitchFamily="2" charset="0"/>
               </a:rPr>
               <a:t>를 시작해야 함</a:t>
             </a:r>
-            <a:endParaRPr lang="en-US" altLang="ko-KR" sz="1100">
+            <a:endParaRPr lang="en-US" altLang="ko-KR" sz="1100" dirty="0">
               <a:latin typeface="Roboto" panose="02000000000000000000" pitchFamily="2" charset="0"/>
             </a:endParaRPr>
           </a:p>
@@ -37994,42 +37411,42 @@
               <a:buChar char="•"/>
             </a:pPr>
             <a:r>
-              <a:rPr lang="en-US" altLang="ko-KR" sz="1400">
+              <a:rPr lang="en-US" altLang="ko-KR" sz="1400" dirty="0">
                 <a:latin typeface="Roboto" panose="02000000000000000000" pitchFamily="2" charset="0"/>
               </a:rPr>
               <a:t>UA </a:t>
             </a:r>
             <a:r>
-              <a:rPr lang="ko-KR" altLang="en-US" sz="1400">
+              <a:rPr lang="ko-KR" altLang="en-US" sz="1400" dirty="0">
                 <a:latin typeface="Roboto" panose="02000000000000000000" pitchFamily="2" charset="0"/>
               </a:rPr>
               <a:t>는 </a:t>
             </a:r>
             <a:r>
-              <a:rPr lang="en-US" altLang="ko-KR" sz="1400">
+              <a:rPr lang="en-US" altLang="ko-KR" sz="1400" dirty="0">
                 <a:latin typeface="Roboto" panose="02000000000000000000" pitchFamily="2" charset="0"/>
               </a:rPr>
               <a:t>INVITE transaction </a:t>
             </a:r>
             <a:r>
-              <a:rPr lang="ko-KR" altLang="en-US" sz="1400">
+              <a:rPr lang="ko-KR" altLang="en-US" sz="1400" dirty="0">
                 <a:latin typeface="Roboto" panose="02000000000000000000" pitchFamily="2" charset="0"/>
               </a:rPr>
               <a:t>이 진행 중인 동안 일반</a:t>
             </a:r>
             <a:r>
-              <a:rPr lang="en-US" altLang="ko-KR" sz="1400">
+              <a:rPr lang="en-US" altLang="ko-KR" sz="1400" dirty="0">
                 <a:latin typeface="Roboto" panose="02000000000000000000" pitchFamily="2" charset="0"/>
               </a:rPr>
               <a:t> transaction </a:t>
             </a:r>
             <a:r>
-              <a:rPr lang="ko-KR" altLang="en-US" sz="1400">
+              <a:rPr lang="ko-KR" altLang="en-US" sz="1400" dirty="0">
                 <a:latin typeface="Roboto" panose="02000000000000000000" pitchFamily="2" charset="0"/>
               </a:rPr>
               <a:t>을 시작할 수 있음</a:t>
             </a:r>
-            <a:endParaRPr lang="en-US" altLang="ko-KR" sz="1400">
+            <a:endParaRPr lang="en-US" altLang="ko-KR" sz="1400" dirty="0">
               <a:latin typeface="Roboto" panose="02000000000000000000" pitchFamily="2" charset="0"/>
             </a:endParaRPr>
           </a:p>
@@ -38042,18 +37459,18 @@
               <a:buChar char="•"/>
             </a:pPr>
             <a:r>
-              <a:rPr lang="en-US" altLang="ko-KR" sz="1400">
+              <a:rPr lang="en-US" altLang="ko-KR" sz="1400" b="1" dirty="0">
                 <a:latin typeface="Roboto" panose="02000000000000000000" pitchFamily="2" charset="0"/>
               </a:rPr>
               <a:t>non-2xx final </a:t>
             </a:r>
             <a:r>
-              <a:rPr lang="ko-KR" altLang="en-US" sz="1400">
+              <a:rPr lang="ko-KR" altLang="en-US" sz="1400" dirty="0">
                 <a:latin typeface="Roboto" panose="02000000000000000000" pitchFamily="2" charset="0"/>
               </a:rPr>
               <a:t>응답을 수신하는 경우</a:t>
             </a:r>
-            <a:endParaRPr lang="en-US" altLang="ko-KR" sz="1400">
+            <a:endParaRPr lang="en-US" altLang="ko-KR" sz="1400" dirty="0">
               <a:latin typeface="Roboto" panose="02000000000000000000" pitchFamily="2" charset="0"/>
             </a:endParaRPr>
           </a:p>
@@ -38066,42 +37483,42 @@
               <a:buChar char="§"/>
             </a:pPr>
             <a:r>
-              <a:rPr lang="en-US" altLang="ko-KR" sz="1200">
+              <a:rPr lang="en-US" altLang="ko-KR" sz="1200" dirty="0">
                 <a:latin typeface="Roboto" panose="02000000000000000000" pitchFamily="2" charset="0"/>
               </a:rPr>
               <a:t>re-INVITE </a:t>
             </a:r>
             <a:r>
-              <a:rPr lang="ko-KR" altLang="en-US" sz="1200">
+              <a:rPr lang="ko-KR" altLang="en-US" sz="1200" dirty="0">
                 <a:latin typeface="Roboto" panose="02000000000000000000" pitchFamily="2" charset="0"/>
               </a:rPr>
               <a:t>로의 </a:t>
             </a:r>
             <a:r>
-              <a:rPr lang="en-US" altLang="ko-KR" sz="1200">
+              <a:rPr lang="en-US" altLang="ko-KR" sz="1200" b="1" dirty="0">
                 <a:latin typeface="Roboto" panose="02000000000000000000" pitchFamily="2" charset="0"/>
               </a:rPr>
               <a:t>non-2xx final </a:t>
             </a:r>
             <a:r>
-              <a:rPr lang="ko-KR" altLang="en-US" sz="1200">
+              <a:rPr lang="ko-KR" altLang="en-US" sz="1200" dirty="0">
                 <a:latin typeface="Roboto" panose="02000000000000000000" pitchFamily="2" charset="0"/>
               </a:rPr>
               <a:t>응답을 수신하면</a:t>
             </a:r>
             <a:r>
-              <a:rPr lang="en-US" altLang="ko-KR" sz="1200">
+              <a:rPr lang="en-US" altLang="ko-KR" sz="1200" dirty="0">
                 <a:latin typeface="Roboto" panose="02000000000000000000" pitchFamily="2" charset="0"/>
               </a:rPr>
               <a:t>, </a:t>
             </a:r>
             <a:r>
-              <a:rPr lang="ko-KR" altLang="en-US" sz="1200">
+              <a:rPr lang="ko-KR" altLang="en-US" sz="1200" dirty="0">
                 <a:latin typeface="Roboto" panose="02000000000000000000" pitchFamily="2" charset="0"/>
               </a:rPr>
               <a:t>세션 매개변수는 변경되지 않음</a:t>
             </a:r>
-            <a:endParaRPr lang="en-US" altLang="ko-KR" sz="1200">
+            <a:endParaRPr lang="en-US" altLang="ko-KR" sz="1200" dirty="0">
               <a:latin typeface="Roboto" panose="02000000000000000000" pitchFamily="2" charset="0"/>
             </a:endParaRPr>
           </a:p>
@@ -38114,105 +37531,90 @@
               <a:buChar char="§"/>
             </a:pPr>
             <a:r>
-              <a:rPr lang="en-US" altLang="ko-KR" sz="1200" b="1">
+              <a:rPr lang="en-US" altLang="ko-KR" sz="1200" b="1" dirty="0">
                 <a:latin typeface="Roboto" panose="02000000000000000000" pitchFamily="2" charset="0"/>
               </a:rPr>
               <a:t>481 (Call/Transaction Does Not Exist) </a:t>
             </a:r>
             <a:r>
-              <a:rPr lang="ko-KR" altLang="en-US" sz="1200">
+              <a:rPr lang="ko-KR" altLang="en-US" sz="1200" dirty="0">
                 <a:latin typeface="Roboto" panose="02000000000000000000" pitchFamily="2" charset="0"/>
               </a:rPr>
               <a:t>이거나 </a:t>
             </a:r>
             <a:r>
-              <a:rPr lang="en-US" altLang="ko-KR" sz="1200" b="1">
+              <a:rPr lang="en-US" altLang="ko-KR" sz="1200" b="1" dirty="0">
                 <a:latin typeface="Roboto" panose="02000000000000000000" pitchFamily="2" charset="0"/>
               </a:rPr>
               <a:t>408 (Request Timeout)</a:t>
             </a:r>
             <a:r>
-              <a:rPr lang="en-US" altLang="ko-KR" sz="1200">
+              <a:rPr lang="en-US" altLang="ko-KR" sz="1200" dirty="0">
                 <a:latin typeface="Roboto" panose="02000000000000000000" pitchFamily="2" charset="0"/>
               </a:rPr>
               <a:t> </a:t>
             </a:r>
             <a:r>
-              <a:rPr lang="ko-KR" altLang="en-US" sz="1200">
+              <a:rPr lang="ko-KR" altLang="en-US" sz="1200" dirty="0">
                 <a:latin typeface="Roboto" panose="02000000000000000000" pitchFamily="2" charset="0"/>
               </a:rPr>
               <a:t>이면</a:t>
             </a:r>
             <a:r>
-              <a:rPr lang="en-US" altLang="ko-KR" sz="1200">
+              <a:rPr lang="en-US" altLang="ko-KR" sz="1200" dirty="0">
                 <a:latin typeface="Roboto" panose="02000000000000000000" pitchFamily="2" charset="0"/>
               </a:rPr>
               <a:t>, </a:t>
             </a:r>
             <a:r>
-              <a:rPr lang="ko-KR" altLang="en-US" sz="1200">
+              <a:rPr lang="ko-KR" altLang="en-US" sz="1200" dirty="0">
                 <a:latin typeface="Roboto" panose="02000000000000000000" pitchFamily="2" charset="0"/>
               </a:rPr>
               <a:t>또는 </a:t>
             </a:r>
             <a:r>
-              <a:rPr lang="en-US" altLang="ko-KR" sz="1200">
+              <a:rPr lang="en-US" altLang="ko-KR" sz="1200" dirty="0">
                 <a:latin typeface="Roboto" panose="02000000000000000000" pitchFamily="2" charset="0"/>
               </a:rPr>
               <a:t>re-INVITE </a:t>
             </a:r>
             <a:r>
-              <a:rPr lang="ko-KR" altLang="en-US" sz="1200">
+              <a:rPr lang="ko-KR" altLang="en-US" sz="1200" dirty="0">
                 <a:latin typeface="Roboto" panose="02000000000000000000" pitchFamily="2" charset="0"/>
               </a:rPr>
               <a:t>에 대한 </a:t>
             </a:r>
             <a:r>
-              <a:rPr lang="ko-KR" altLang="en-US" sz="1200" b="1">
+              <a:rPr lang="ko-KR" altLang="en-US" sz="1200" b="1" dirty="0">
                 <a:latin typeface="Roboto" panose="02000000000000000000" pitchFamily="2" charset="0"/>
               </a:rPr>
               <a:t>응답을 수신하지 못한 경우</a:t>
             </a:r>
             <a:r>
-              <a:rPr lang="en-US" altLang="ko-KR" sz="1200" b="1">
+              <a:rPr lang="en-US" altLang="ko-KR" sz="1200" b="1" dirty="0">
                 <a:latin typeface="Roboto" panose="02000000000000000000" pitchFamily="2" charset="0"/>
               </a:rPr>
               <a:t> </a:t>
             </a:r>
             <a:r>
-              <a:rPr lang="en-US" altLang="ko-KR" sz="1200">
+              <a:rPr lang="en-US" altLang="ko-KR" sz="1200" dirty="0">
                 <a:latin typeface="Roboto" panose="02000000000000000000" pitchFamily="2" charset="0"/>
               </a:rPr>
               <a:t>UAC </a:t>
             </a:r>
             <a:r>
-              <a:rPr lang="ko-KR" altLang="en-US" sz="1200">
-                <a:latin typeface="Roboto" panose="02000000000000000000" pitchFamily="2" charset="0"/>
-              </a:rPr>
-              <a:t>는 </a:t>
-            </a:r>
-            <a:r>
-              <a:rPr lang="ko-KR" altLang="en-US" sz="1200">
-                <a:highlight>
-                  <a:srgbClr val="FFFF00"/>
-                </a:highlight>
-                <a:latin typeface="Roboto" panose="02000000000000000000" pitchFamily="2" charset="0"/>
-              </a:rPr>
-              <a:t>다이얼로그를 </a:t>
-            </a:r>
-            <a:r>
-              <a:rPr lang="ko-KR" altLang="en-US" sz="1200" b="1">
-                <a:highlight>
-                  <a:srgbClr val="FFFF00"/>
-                </a:highlight>
+              <a:rPr lang="ko-KR" altLang="en-US" sz="1200" dirty="0">
+                <a:latin typeface="Roboto" panose="02000000000000000000" pitchFamily="2" charset="0"/>
+              </a:rPr>
+              <a:t>는 다이얼로그를 </a:t>
+            </a:r>
+            <a:r>
+              <a:rPr lang="ko-KR" altLang="en-US" sz="1200" b="1" dirty="0">
                 <a:latin typeface="Roboto" panose="02000000000000000000" pitchFamily="2" charset="0"/>
               </a:rPr>
               <a:t>종료</a:t>
             </a:r>
-            <a:endParaRPr lang="en-US" altLang="ko-KR" sz="1200" b="1">
-              <a:highlight>
-                <a:srgbClr val="FFFF00"/>
-              </a:highlight>
+            <a:endParaRPr lang="en-US" altLang="ko-KR" sz="1200" b="1" dirty="0">
               <a:latin typeface="Roboto" panose="02000000000000000000" pitchFamily="2" charset="0"/>
             </a:endParaRPr>
           </a:p>
@@ -38756,7 +38158,7 @@
               </a:lnSpc>
             </a:pPr>
             <a:r>
-              <a:rPr lang="en-US" altLang="ko-KR" sz="1600" b="1">
+              <a:rPr lang="en-US" altLang="ko-KR" sz="1600" b="1" dirty="0">
                 <a:latin typeface="Roboto" panose="02000000000000000000" pitchFamily="2" charset="0"/>
               </a:rPr>
               <a:t>500 (Server Internal Error)</a:t>
@@ -38774,132 +38176,144 @@
               <a:buChar char="•"/>
             </a:pPr>
             <a:r>
-              <a:rPr lang="ko-KR" altLang="en-US" sz="1200">
+              <a:rPr lang="ko-KR" altLang="en-US" sz="1200" dirty="0">
                 <a:latin typeface="Roboto" panose="02000000000000000000" pitchFamily="2" charset="0"/>
               </a:rPr>
               <a:t>다이얼로그 내의 </a:t>
             </a:r>
             <a:r>
-              <a:rPr lang="en-US" altLang="ko-KR" sz="1200" b="1">
-                <a:latin typeface="Roboto" panose="02000000000000000000" pitchFamily="2" charset="0"/>
-              </a:rPr>
-              <a:t>CSeq </a:t>
-            </a:r>
-            <a:r>
-              <a:rPr lang="ko-KR" altLang="en-US" sz="1200" b="1">
+              <a:rPr lang="en-US" altLang="ko-KR" sz="1200" b="1" dirty="0" err="1">
+                <a:latin typeface="Roboto" panose="02000000000000000000" pitchFamily="2" charset="0"/>
+              </a:rPr>
+              <a:t>CSeq</a:t>
+            </a:r>
+            <a:r>
+              <a:rPr lang="en-US" altLang="ko-KR" sz="1200" b="1" dirty="0">
+                <a:latin typeface="Roboto" panose="02000000000000000000" pitchFamily="2" charset="0"/>
+              </a:rPr>
+              <a:t> </a:t>
+            </a:r>
+            <a:r>
+              <a:rPr lang="ko-KR" altLang="en-US" sz="1200" b="1" dirty="0">
                 <a:latin typeface="Roboto" panose="02000000000000000000" pitchFamily="2" charset="0"/>
               </a:rPr>
               <a:t>값이 낮은</a:t>
             </a:r>
             <a:r>
-              <a:rPr lang="ko-KR" altLang="en-US" sz="1200">
+              <a:rPr lang="ko-KR" altLang="en-US" sz="1200" dirty="0">
                 <a:latin typeface="Roboto" panose="02000000000000000000" pitchFamily="2" charset="0"/>
               </a:rPr>
               <a:t> </a:t>
             </a:r>
             <a:r>
-              <a:rPr lang="ko-KR" altLang="en-US" sz="1200" b="1">
+              <a:rPr lang="ko-KR" altLang="en-US" sz="1200" b="1" dirty="0">
                 <a:latin typeface="Roboto" panose="02000000000000000000" pitchFamily="2" charset="0"/>
               </a:rPr>
               <a:t>이전 </a:t>
             </a:r>
             <a:r>
-              <a:rPr lang="en-US" altLang="ko-KR" sz="1200" b="1">
+              <a:rPr lang="en-US" altLang="ko-KR" sz="1200" b="1" dirty="0">
                 <a:latin typeface="Roboto" panose="02000000000000000000" pitchFamily="2" charset="0"/>
               </a:rPr>
               <a:t>INVITE</a:t>
             </a:r>
             <a:r>
-              <a:rPr lang="en-US" altLang="ko-KR" sz="1200">
+              <a:rPr lang="en-US" altLang="ko-KR" sz="1200" dirty="0">
                 <a:latin typeface="Roboto" panose="02000000000000000000" pitchFamily="2" charset="0"/>
               </a:rPr>
               <a:t> </a:t>
             </a:r>
             <a:r>
-              <a:rPr lang="ko-KR" altLang="en-US" sz="1200">
+              <a:rPr lang="ko-KR" altLang="en-US" sz="1200" dirty="0">
                 <a:latin typeface="Roboto" panose="02000000000000000000" pitchFamily="2" charset="0"/>
               </a:rPr>
               <a:t>에 </a:t>
             </a:r>
             <a:r>
-              <a:rPr lang="en-US" altLang="ko-KR" sz="1200" b="1">
+              <a:rPr lang="en-US" altLang="ko-KR" sz="1200" b="1" dirty="0">
                 <a:latin typeface="Roboto" panose="02000000000000000000" pitchFamily="2" charset="0"/>
               </a:rPr>
               <a:t>final </a:t>
             </a:r>
             <a:r>
-              <a:rPr lang="ko-KR" altLang="en-US" sz="1200" b="1">
+              <a:rPr lang="ko-KR" altLang="en-US" sz="1200" b="1" dirty="0">
                 <a:latin typeface="Roboto" panose="02000000000000000000" pitchFamily="2" charset="0"/>
               </a:rPr>
               <a:t>응답</a:t>
             </a:r>
             <a:r>
-              <a:rPr lang="ko-KR" altLang="en-US" sz="1200">
+              <a:rPr lang="ko-KR" altLang="en-US" sz="1200" dirty="0">
                 <a:latin typeface="Roboto" panose="02000000000000000000" pitchFamily="2" charset="0"/>
               </a:rPr>
               <a:t>을 보내기 전에 </a:t>
             </a:r>
             <a:r>
-              <a:rPr lang="ko-KR" altLang="en-US" sz="1200" b="1">
-                <a:latin typeface="Roboto" panose="02000000000000000000" pitchFamily="2" charset="0"/>
-              </a:rPr>
-              <a:t>연이은 </a:t>
-            </a:r>
-            <a:r>
-              <a:rPr lang="en-US" altLang="ko-KR" sz="1200" b="1">
+              <a:rPr lang="ko-KR" altLang="en-US" sz="1200" b="1" dirty="0" err="1">
+                <a:latin typeface="Roboto" panose="02000000000000000000" pitchFamily="2" charset="0"/>
+              </a:rPr>
+              <a:t>연이은</a:t>
+            </a:r>
+            <a:r>
+              <a:rPr lang="ko-KR" altLang="en-US" sz="1200" b="1" dirty="0">
+                <a:latin typeface="Roboto" panose="02000000000000000000" pitchFamily="2" charset="0"/>
+              </a:rPr>
+              <a:t> </a:t>
+            </a:r>
+            <a:r>
+              <a:rPr lang="en-US" altLang="ko-KR" sz="1200" b="1" dirty="0">
                 <a:latin typeface="Roboto" panose="02000000000000000000" pitchFamily="2" charset="0"/>
               </a:rPr>
               <a:t>INVITE</a:t>
             </a:r>
             <a:r>
-              <a:rPr lang="ko-KR" altLang="en-US" sz="1200" b="1">
+              <a:rPr lang="ko-KR" altLang="en-US" sz="1200" b="1" dirty="0">
                 <a:latin typeface="Roboto" panose="02000000000000000000" pitchFamily="2" charset="0"/>
               </a:rPr>
               <a:t>를 수신</a:t>
             </a:r>
             <a:r>
-              <a:rPr lang="ko-KR" altLang="en-US" sz="1200">
+              <a:rPr lang="ko-KR" altLang="en-US" sz="1200" dirty="0">
                 <a:latin typeface="Roboto" panose="02000000000000000000" pitchFamily="2" charset="0"/>
               </a:rPr>
               <a:t>하는 </a:t>
             </a:r>
             <a:r>
-              <a:rPr lang="en-US" altLang="ko-KR" sz="1200">
+              <a:rPr lang="en-US" altLang="ko-KR" sz="1200" dirty="0">
                 <a:latin typeface="Roboto" panose="02000000000000000000" pitchFamily="2" charset="0"/>
               </a:rPr>
               <a:t>UAS </a:t>
             </a:r>
             <a:r>
-              <a:rPr lang="ko-KR" altLang="en-US" sz="1200">
+              <a:rPr lang="ko-KR" altLang="en-US" sz="1200" dirty="0">
                 <a:latin typeface="Roboto" panose="02000000000000000000" pitchFamily="2" charset="0"/>
               </a:rPr>
               <a:t>는 두 번째 </a:t>
             </a:r>
             <a:r>
-              <a:rPr lang="en-US" altLang="ko-KR" sz="1200">
+              <a:rPr lang="en-US" altLang="ko-KR" sz="1200" dirty="0">
                 <a:latin typeface="Roboto" panose="02000000000000000000" pitchFamily="2" charset="0"/>
               </a:rPr>
               <a:t>INVITE </a:t>
             </a:r>
             <a:r>
-              <a:rPr lang="ko-KR" altLang="en-US" sz="1200">
+              <a:rPr lang="ko-KR" altLang="en-US" sz="1200" dirty="0">
                 <a:latin typeface="Roboto" panose="02000000000000000000" pitchFamily="2" charset="0"/>
               </a:rPr>
               <a:t>응답으로 </a:t>
             </a:r>
             <a:r>
-              <a:rPr lang="en-US" altLang="ko-KR" sz="1200" b="1">
+              <a:rPr lang="en-US" altLang="ko-KR" sz="1200" b="1" dirty="0">
                 <a:latin typeface="Roboto" panose="02000000000000000000" pitchFamily="2" charset="0"/>
               </a:rPr>
               <a:t>500 (Server Internal Error) </a:t>
             </a:r>
             <a:r>
-              <a:rPr lang="ko-KR" altLang="en-US" sz="1200">
+              <a:rPr lang="ko-KR" altLang="en-US" sz="1200" dirty="0">
                 <a:latin typeface="Roboto" panose="02000000000000000000" pitchFamily="2" charset="0"/>
               </a:rPr>
               <a:t>반환</a:t>
             </a:r>
-            <a:endParaRPr lang="en-US" altLang="ko-KR" sz="1400" b="1">
+            <a:endParaRPr lang="en-US" altLang="ko-KR" sz="1400" b="1" dirty="0">
               <a:latin typeface="Roboto" panose="02000000000000000000" pitchFamily="2" charset="0"/>
             </a:endParaRPr>
           </a:p>
@@ -38910,10 +38324,7 @@
               </a:lnSpc>
             </a:pPr>
             <a:r>
-              <a:rPr lang="en-US" altLang="ko-KR" sz="1600" b="1">
-                <a:highlight>
-                  <a:srgbClr val="FFFF00"/>
-                </a:highlight>
+              <a:rPr lang="en-US" altLang="ko-KR" sz="1600" b="1" dirty="0">
                 <a:latin typeface="Roboto" panose="02000000000000000000" pitchFamily="2" charset="0"/>
               </a:rPr>
               <a:t>491 (Request Pending)</a:t>
@@ -38928,72 +38339,72 @@
               <a:buChar char="•"/>
             </a:pPr>
             <a:r>
-              <a:rPr lang="ko-KR" altLang="en-US" sz="1200">
+              <a:rPr lang="ko-KR" altLang="en-US" sz="1200" dirty="0">
                 <a:latin typeface="Roboto" panose="02000000000000000000" pitchFamily="2" charset="0"/>
               </a:rPr>
               <a:t>다이얼로그에서 전송한 </a:t>
             </a:r>
             <a:r>
-              <a:rPr lang="en-US" altLang="ko-KR" sz="1200">
+              <a:rPr lang="en-US" altLang="ko-KR" sz="1200" dirty="0">
                 <a:latin typeface="Roboto" panose="02000000000000000000" pitchFamily="2" charset="0"/>
               </a:rPr>
               <a:t>INVITE </a:t>
             </a:r>
             <a:r>
-              <a:rPr lang="ko-KR" altLang="en-US" sz="1200">
+              <a:rPr lang="ko-KR" altLang="en-US" sz="1200" dirty="0">
                 <a:latin typeface="Roboto" panose="02000000000000000000" pitchFamily="2" charset="0"/>
               </a:rPr>
               <a:t>가 진행 중인 동안 다이얼로그에서 </a:t>
             </a:r>
             <a:r>
-              <a:rPr lang="en-US" altLang="ko-KR" sz="1200">
+              <a:rPr lang="en-US" altLang="ko-KR" sz="1200" dirty="0">
                 <a:latin typeface="Roboto" panose="02000000000000000000" pitchFamily="2" charset="0"/>
               </a:rPr>
               <a:t>INVITE</a:t>
             </a:r>
             <a:r>
-              <a:rPr lang="ko-KR" altLang="en-US" sz="1200">
+              <a:rPr lang="ko-KR" altLang="en-US" sz="1200" dirty="0">
                 <a:latin typeface="Roboto" panose="02000000000000000000" pitchFamily="2" charset="0"/>
               </a:rPr>
               <a:t>를 수신하는 </a:t>
             </a:r>
             <a:r>
-              <a:rPr lang="en-US" altLang="ko-KR" sz="1200">
+              <a:rPr lang="en-US" altLang="ko-KR" sz="1200" dirty="0">
                 <a:latin typeface="Roboto" panose="02000000000000000000" pitchFamily="2" charset="0"/>
               </a:rPr>
               <a:t>UAS </a:t>
             </a:r>
             <a:r>
-              <a:rPr lang="ko-KR" altLang="en-US" sz="1200">
+              <a:rPr lang="ko-KR" altLang="en-US" sz="1200" dirty="0">
                 <a:latin typeface="Roboto" panose="02000000000000000000" pitchFamily="2" charset="0"/>
               </a:rPr>
               <a:t>는 </a:t>
             </a:r>
             <a:r>
-              <a:rPr lang="en-US" altLang="ko-KR" sz="1200" b="1">
+              <a:rPr lang="en-US" altLang="ko-KR" sz="1200" b="1" dirty="0">
                 <a:latin typeface="Roboto" panose="02000000000000000000" pitchFamily="2" charset="0"/>
               </a:rPr>
               <a:t>491 (Request Pending) </a:t>
             </a:r>
             <a:r>
-              <a:rPr lang="ko-KR" altLang="en-US" sz="1200">
+              <a:rPr lang="ko-KR" altLang="en-US" sz="1200" dirty="0">
                 <a:latin typeface="Roboto" panose="02000000000000000000" pitchFamily="2" charset="0"/>
               </a:rPr>
               <a:t>응답을</a:t>
             </a:r>
             <a:r>
-              <a:rPr lang="en-US" altLang="ko-KR" sz="1200">
+              <a:rPr lang="en-US" altLang="ko-KR" sz="1200" dirty="0">
                 <a:latin typeface="Roboto" panose="02000000000000000000" pitchFamily="2" charset="0"/>
               </a:rPr>
               <a:t> </a:t>
             </a:r>
             <a:r>
-              <a:rPr lang="ko-KR" altLang="en-US" sz="1200">
+              <a:rPr lang="ko-KR" altLang="en-US" sz="1200" dirty="0">
                 <a:latin typeface="Roboto" panose="02000000000000000000" pitchFamily="2" charset="0"/>
               </a:rPr>
               <a:t>반환해야 함</a:t>
             </a:r>
-            <a:endParaRPr lang="en-US" altLang="ko-KR" sz="1200">
+            <a:endParaRPr lang="en-US" altLang="ko-KR" sz="1200" dirty="0">
               <a:latin typeface="Roboto" panose="02000000000000000000" pitchFamily="2" charset="0"/>
             </a:endParaRPr>
           </a:p>
@@ -39006,113 +38417,113 @@
               <a:buChar char="•"/>
             </a:pPr>
             <a:r>
-              <a:rPr lang="ko-KR" altLang="en-US" sz="1200">
+              <a:rPr lang="ko-KR" altLang="en-US" sz="1200" dirty="0">
                 <a:latin typeface="Roboto" panose="02000000000000000000" pitchFamily="2" charset="0"/>
               </a:rPr>
               <a:t>기존 다이얼로그 내에 </a:t>
             </a:r>
             <a:r>
-              <a:rPr lang="en-US" altLang="ko-KR" sz="1200">
+              <a:rPr lang="en-US" altLang="ko-KR" sz="1200" dirty="0">
                 <a:latin typeface="Roboto" panose="02000000000000000000" pitchFamily="2" charset="0"/>
               </a:rPr>
               <a:t>UA </a:t>
             </a:r>
             <a:r>
-              <a:rPr lang="ko-KR" altLang="en-US" sz="1200">
+              <a:rPr lang="ko-KR" altLang="en-US" sz="1200" dirty="0">
                 <a:latin typeface="Roboto" panose="02000000000000000000" pitchFamily="2" charset="0"/>
               </a:rPr>
               <a:t>가 </a:t>
             </a:r>
             <a:r>
-              <a:rPr lang="en-US" altLang="ko-KR" sz="1200" b="1">
+              <a:rPr lang="en-US" altLang="ko-KR" sz="1200" b="1" dirty="0">
                 <a:latin typeface="Roboto" panose="02000000000000000000" pitchFamily="2" charset="0"/>
               </a:rPr>
               <a:t>re-INVITE</a:t>
             </a:r>
             <a:r>
-              <a:rPr lang="en-US" altLang="ko-KR" sz="1200">
+              <a:rPr lang="en-US" altLang="ko-KR" sz="1200" dirty="0">
                 <a:latin typeface="Roboto" panose="02000000000000000000" pitchFamily="2" charset="0"/>
               </a:rPr>
               <a:t> </a:t>
             </a:r>
             <a:r>
-              <a:rPr lang="ko-KR" altLang="en-US" sz="1200">
+              <a:rPr lang="ko-KR" altLang="en-US" sz="1200" dirty="0">
                 <a:latin typeface="Roboto" panose="02000000000000000000" pitchFamily="2" charset="0"/>
               </a:rPr>
               <a:t>를 수신하면</a:t>
             </a:r>
             <a:r>
-              <a:rPr lang="en-US" altLang="ko-KR" sz="1200">
+              <a:rPr lang="en-US" altLang="ko-KR" sz="1200" dirty="0">
                 <a:latin typeface="Roboto" panose="02000000000000000000" pitchFamily="2" charset="0"/>
               </a:rPr>
               <a:t>, session description </a:t>
             </a:r>
             <a:r>
-              <a:rPr lang="ko-KR" altLang="en-US" sz="1200">
+              <a:rPr lang="ko-KR" altLang="en-US" sz="1200" dirty="0">
                 <a:latin typeface="Roboto" panose="02000000000000000000" pitchFamily="2" charset="0"/>
               </a:rPr>
               <a:t>에서 </a:t>
             </a:r>
             <a:r>
-              <a:rPr lang="en-US" altLang="ko-KR" sz="1200">
+              <a:rPr lang="en-US" altLang="ko-KR" sz="1200" dirty="0">
                 <a:latin typeface="Roboto" panose="02000000000000000000" pitchFamily="2" charset="0"/>
               </a:rPr>
               <a:t>version id</a:t>
             </a:r>
             <a:r>
-              <a:rPr lang="ko-KR" altLang="en-US" sz="1200">
+              <a:rPr lang="ko-KR" altLang="en-US" sz="1200" dirty="0">
                 <a:latin typeface="Roboto" panose="02000000000000000000" pitchFamily="2" charset="0"/>
               </a:rPr>
               <a:t>를 확인하거나 없는 경우 </a:t>
             </a:r>
             <a:r>
-              <a:rPr lang="en-US" altLang="ko-KR" sz="1200">
+              <a:rPr lang="en-US" altLang="ko-KR" sz="1200" dirty="0">
                 <a:latin typeface="Roboto" panose="02000000000000000000" pitchFamily="2" charset="0"/>
               </a:rPr>
               <a:t>session description </a:t>
             </a:r>
             <a:r>
-              <a:rPr lang="ko-KR" altLang="en-US" sz="1200">
+              <a:rPr lang="ko-KR" altLang="en-US" sz="1200" dirty="0">
                 <a:latin typeface="Roboto" panose="02000000000000000000" pitchFamily="2" charset="0"/>
               </a:rPr>
               <a:t>내용</a:t>
             </a:r>
             <a:br>
-              <a:rPr lang="en-US" altLang="ko-KR" sz="1200">
+              <a:rPr lang="en-US" altLang="ko-KR" sz="1200" dirty="0">
                 <a:latin typeface="Roboto" panose="02000000000000000000" pitchFamily="2" charset="0"/>
               </a:rPr>
             </a:br>
             <a:r>
-              <a:rPr lang="ko-KR" altLang="en-US" sz="1200">
+              <a:rPr lang="ko-KR" altLang="en-US" sz="1200" dirty="0">
                 <a:latin typeface="Roboto" panose="02000000000000000000" pitchFamily="2" charset="0"/>
               </a:rPr>
               <a:t>을 검사하여 변경되었는 지 확인</a:t>
             </a:r>
             <a:r>
-              <a:rPr lang="en-US" altLang="ko-KR" sz="1200">
+              <a:rPr lang="en-US" altLang="ko-KR" sz="1200" dirty="0">
                 <a:latin typeface="Roboto" panose="02000000000000000000" pitchFamily="2" charset="0"/>
               </a:rPr>
               <a:t>, </a:t>
             </a:r>
             <a:r>
-              <a:rPr lang="ko-KR" altLang="en-US" sz="1200">
+              <a:rPr lang="ko-KR" altLang="en-US" sz="1200" dirty="0">
                 <a:latin typeface="Roboto" panose="02000000000000000000" pitchFamily="2" charset="0"/>
               </a:rPr>
               <a:t>변경된 경우 </a:t>
             </a:r>
             <a:r>
-              <a:rPr lang="en-US" altLang="ko-KR" sz="1200">
+              <a:rPr lang="en-US" altLang="ko-KR" sz="1200" dirty="0">
                 <a:latin typeface="Roboto" panose="02000000000000000000" pitchFamily="2" charset="0"/>
               </a:rPr>
               <a:t>UAS </a:t>
             </a:r>
             <a:r>
-              <a:rPr lang="ko-KR" altLang="en-US" sz="1200">
+              <a:rPr lang="ko-KR" altLang="en-US" sz="1200" dirty="0">
                 <a:latin typeface="Roboto" panose="02000000000000000000" pitchFamily="2" charset="0"/>
               </a:rPr>
               <a:t>는 사용자에게 확인을 요청한 후 세션 매개변수를 적절히 조정</a:t>
             </a:r>
-            <a:endParaRPr lang="en-US" altLang="ko-KR" sz="1200">
+            <a:endParaRPr lang="en-US" altLang="ko-KR" sz="1200" dirty="0">
               <a:latin typeface="Roboto" panose="02000000000000000000" pitchFamily="2" charset="0"/>
             </a:endParaRPr>
           </a:p>
@@ -39123,7 +38534,7 @@
               </a:lnSpc>
             </a:pPr>
             <a:r>
-              <a:rPr lang="en-US" altLang="ko-KR" sz="1600" b="1">
+              <a:rPr lang="en-US" altLang="ko-KR" sz="1600" b="1" dirty="0">
                 <a:latin typeface="Roboto" panose="02000000000000000000" pitchFamily="2" charset="0"/>
               </a:rPr>
               <a:t>488 (Not Acceptable Here)</a:t>
@@ -39138,90 +38549,90 @@
               <a:buChar char="•"/>
             </a:pPr>
             <a:r>
-              <a:rPr lang="ko-KR" altLang="en-US" sz="1200">
+              <a:rPr lang="ko-KR" altLang="en-US" sz="1200" dirty="0">
                 <a:latin typeface="Roboto" panose="02000000000000000000" pitchFamily="2" charset="0"/>
               </a:rPr>
               <a:t>새 </a:t>
             </a:r>
             <a:r>
-              <a:rPr lang="en-US" altLang="ko-KR" sz="1200">
+              <a:rPr lang="en-US" altLang="ko-KR" sz="1200" dirty="0">
                 <a:latin typeface="Roboto" panose="02000000000000000000" pitchFamily="2" charset="0"/>
               </a:rPr>
               <a:t>session description </a:t>
             </a:r>
             <a:r>
-              <a:rPr lang="ko-KR" altLang="en-US" sz="1200">
+              <a:rPr lang="ko-KR" altLang="en-US" sz="1200" dirty="0">
                 <a:latin typeface="Roboto" panose="02000000000000000000" pitchFamily="2" charset="0"/>
               </a:rPr>
               <a:t>이 허용되지 않는 경우</a:t>
             </a:r>
             <a:r>
-              <a:rPr lang="en-US" altLang="ko-KR" sz="1200">
+              <a:rPr lang="en-US" altLang="ko-KR" sz="1200" dirty="0">
                 <a:latin typeface="Roboto" panose="02000000000000000000" pitchFamily="2" charset="0"/>
               </a:rPr>
               <a:t>, UAS </a:t>
             </a:r>
             <a:r>
-              <a:rPr lang="ko-KR" altLang="en-US" sz="1200">
+              <a:rPr lang="ko-KR" altLang="en-US" sz="1200" dirty="0">
                 <a:latin typeface="Roboto" panose="02000000000000000000" pitchFamily="2" charset="0"/>
               </a:rPr>
               <a:t>는 </a:t>
             </a:r>
             <a:r>
-              <a:rPr lang="en-US" altLang="ko-KR" sz="1200">
+              <a:rPr lang="en-US" altLang="ko-KR" sz="1200" dirty="0">
                 <a:latin typeface="Roboto" panose="02000000000000000000" pitchFamily="2" charset="0"/>
               </a:rPr>
               <a:t>re-INVITE </a:t>
             </a:r>
             <a:r>
-              <a:rPr lang="ko-KR" altLang="en-US" sz="1200">
+              <a:rPr lang="ko-KR" altLang="en-US" sz="1200" dirty="0">
                 <a:latin typeface="Roboto" panose="02000000000000000000" pitchFamily="2" charset="0"/>
               </a:rPr>
               <a:t>에 대해 </a:t>
             </a:r>
             <a:r>
-              <a:rPr lang="en-US" altLang="ko-KR" sz="1200" b="1">
+              <a:rPr lang="en-US" altLang="ko-KR" sz="1200" b="1" dirty="0">
                 <a:latin typeface="Roboto" panose="02000000000000000000" pitchFamily="2" charset="0"/>
               </a:rPr>
               <a:t>488 (Not Acceptable Here) </a:t>
             </a:r>
             <a:r>
-              <a:rPr lang="ko-KR" altLang="en-US" sz="1200">
+              <a:rPr lang="ko-KR" altLang="en-US" sz="1200" dirty="0">
                 <a:latin typeface="Roboto" panose="02000000000000000000" pitchFamily="2" charset="0"/>
               </a:rPr>
               <a:t>응답을 반환하여 거부할 수 있음</a:t>
             </a:r>
             <a:br>
-              <a:rPr lang="en-US" altLang="ko-KR" sz="1200">
+              <a:rPr lang="en-US" altLang="ko-KR" sz="1200" dirty="0">
                 <a:latin typeface="Roboto" panose="02000000000000000000" pitchFamily="2" charset="0"/>
               </a:rPr>
             </a:br>
             <a:r>
-              <a:rPr lang="en-US" altLang="ko-KR" sz="1200">
+              <a:rPr lang="en-US" altLang="ko-KR" sz="1200" dirty="0">
                 <a:latin typeface="Roboto" panose="02000000000000000000" pitchFamily="2" charset="0"/>
               </a:rPr>
               <a:t>(</a:t>
             </a:r>
             <a:r>
-              <a:rPr lang="ko-KR" altLang="en-US" sz="1200">
+              <a:rPr lang="ko-KR" altLang="en-US" sz="1200" dirty="0">
                 <a:latin typeface="Roboto" panose="02000000000000000000" pitchFamily="2" charset="0"/>
               </a:rPr>
               <a:t>이 응답에는 </a:t>
             </a:r>
             <a:r>
-              <a:rPr lang="en-US" altLang="ko-KR" sz="1200">
+              <a:rPr lang="en-US" altLang="ko-KR" sz="1200" dirty="0">
                 <a:latin typeface="Roboto" panose="02000000000000000000" pitchFamily="2" charset="0"/>
               </a:rPr>
               <a:t>Warning </a:t>
             </a:r>
             <a:r>
-              <a:rPr lang="ko-KR" altLang="en-US" sz="1200">
+              <a:rPr lang="ko-KR" altLang="en-US" sz="1200" dirty="0">
                 <a:latin typeface="Roboto" panose="02000000000000000000" pitchFamily="2" charset="0"/>
               </a:rPr>
               <a:t>헤더가 포함</a:t>
             </a:r>
             <a:r>
-              <a:rPr lang="en-US" altLang="ko-KR" sz="1200">
+              <a:rPr lang="en-US" altLang="ko-KR" sz="1200" dirty="0">
                 <a:latin typeface="Roboto" panose="02000000000000000000" pitchFamily="2" charset="0"/>
               </a:rPr>
               <a:t>)</a:t>
@@ -42918,7 +42329,11 @@
           <a:p>
             <a:r>
               <a:rPr lang="en-US" altLang="ko-KR" dirty="0"/>
-              <a:t>7. Terminating a Session – Overview</a:t>
+              <a:t>7. Terminating a Session – Terminating a Session with a </a:t>
+            </a:r>
+            <a:r>
+              <a:rPr lang="en-US" altLang="ko-KR"/>
+              <a:t>BYE Request</a:t>
             </a:r>
             <a:endParaRPr lang="ko-KR" altLang="en-US" dirty="0"/>
           </a:p>
@@ -42949,16 +42364,16 @@
               <a:rPr lang="ko-KR" altLang="en-US" smtClean="0"/>
               <a:t>38</a:t>
             </a:fld>
-            <a:endParaRPr lang="ko-KR" altLang="en-US"/>
+            <a:endParaRPr lang="ko-KR" altLang="en-US" dirty="0"/>
           </a:p>
         </p:txBody>
       </p:sp>
       <p:sp>
         <p:nvSpPr>
-          <p:cNvPr id="3" name="직사각형 2">
+          <p:cNvPr id="7" name="직사각형 6">
             <a:extLst>
               <a:ext uri="{FF2B5EF4-FFF2-40B4-BE49-F238E27FC236}">
-                <a16:creationId xmlns:a16="http://schemas.microsoft.com/office/drawing/2014/main" id="{937B69BB-790A-FA9D-BB70-4FB7D8C70E52}"/>
+                <a16:creationId xmlns:a16="http://schemas.microsoft.com/office/drawing/2014/main" id="{B96D8D85-7A40-F3D2-6B34-102DF4993474}"/>
               </a:ext>
             </a:extLst>
           </p:cNvPr>
@@ -42967,8 +42382,8 @@
         </p:nvSpPr>
         <p:spPr>
           <a:xfrm>
-            <a:off x="751367" y="923181"/>
-            <a:ext cx="11147556" cy="2614818"/>
+            <a:off x="747651" y="923181"/>
+            <a:ext cx="10301609" cy="2377189"/>
           </a:xfrm>
           <a:prstGeom prst="rect">
             <a:avLst/>
@@ -42980,6 +42395,25 @@
           </a:bodyPr>
           <a:lstStyle/>
           <a:p>
+            <a:pPr>
+              <a:lnSpc>
+                <a:spcPct val="200000"/>
+              </a:lnSpc>
+            </a:pPr>
+            <a:r>
+              <a:rPr lang="en-US" altLang="ko-KR" sz="1600" b="1" u="sng" dirty="0">
+                <a:latin typeface="Roboto" panose="02000000000000000000" pitchFamily="2" charset="0"/>
+              </a:rPr>
+              <a:t>UAC Behavior</a:t>
+            </a:r>
+            <a:r>
+              <a:rPr lang="en-US" altLang="ko-KR" sz="1600" b="1" dirty="0">
+                <a:latin typeface="Roboto" panose="02000000000000000000" pitchFamily="2" charset="0"/>
+              </a:rPr>
+              <a:t> </a:t>
+            </a:r>
+          </a:p>
+          <a:p>
             <a:pPr marL="285750" indent="-285750">
               <a:lnSpc>
                 <a:spcPct val="200000"/>
@@ -42988,63 +42422,335 @@
               <a:buChar char="•"/>
             </a:pPr>
             <a:r>
-              <a:rPr lang="en-US" altLang="ko-KR" sz="1400" dirty="0">
-                <a:latin typeface="Roboto" panose="02000000000000000000" pitchFamily="2" charset="0"/>
-              </a:rPr>
-              <a:t>“</a:t>
-            </a:r>
-            <a:r>
-              <a:rPr lang="en-US" altLang="ko-KR" sz="1400" b="1" dirty="0">
-                <a:highlight>
-                  <a:srgbClr val="FFFF00"/>
-                </a:highlight>
-                <a:latin typeface="Roboto" panose="02000000000000000000" pitchFamily="2" charset="0"/>
-              </a:rPr>
-              <a:t>hanging</a:t>
-            </a:r>
-            <a:r>
-              <a:rPr lang="en-US" altLang="ko-KR" sz="1400" b="1" dirty="0">
-                <a:latin typeface="Roboto" panose="02000000000000000000" pitchFamily="2" charset="0"/>
-              </a:rPr>
-              <a:t> up</a:t>
-            </a:r>
-            <a:r>
-              <a:rPr lang="en-US" altLang="ko-KR" sz="1400">
-                <a:latin typeface="Roboto" panose="02000000000000000000" pitchFamily="2" charset="0"/>
-              </a:rPr>
-              <a:t>” </a:t>
-            </a:r>
-            <a:r>
-              <a:rPr lang="en-US" altLang="ko-KR" sz="1400" dirty="0">
-                <a:latin typeface="Roboto" panose="02000000000000000000" pitchFamily="2" charset="0"/>
-              </a:rPr>
-              <a:t>:</a:t>
-            </a:r>
-            <a:r>
-              <a:rPr lang="en-US" altLang="ko-KR" sz="1400">
+              <a:rPr lang="en-US" altLang="ko-KR" sz="1200" dirty="0">
+                <a:latin typeface="Roboto" panose="02000000000000000000" pitchFamily="2" charset="0"/>
+              </a:rPr>
+              <a:t>BYE </a:t>
+            </a:r>
+            <a:r>
+              <a:rPr lang="ko-KR" altLang="en-US" sz="1200" dirty="0">
+                <a:latin typeface="Roboto" panose="02000000000000000000" pitchFamily="2" charset="0"/>
+              </a:rPr>
+              <a:t>요청 구성</a:t>
+            </a:r>
+            <a:endParaRPr lang="en-US" altLang="ko-KR" sz="1200" dirty="0">
+              <a:latin typeface="Roboto" panose="02000000000000000000" pitchFamily="2" charset="0"/>
+            </a:endParaRPr>
+          </a:p>
+          <a:p>
+            <a:pPr marL="285750" indent="-285750">
+              <a:lnSpc>
+                <a:spcPct val="200000"/>
+              </a:lnSpc>
+              <a:buFont typeface="Arial" panose="020B0604020202020204" pitchFamily="34" charset="0"/>
+              <a:buChar char="•"/>
+            </a:pPr>
+            <a:r>
+              <a:rPr lang="en-US" altLang="ko-KR" sz="1200" dirty="0">
+                <a:latin typeface="Roboto" panose="02000000000000000000" pitchFamily="2" charset="0"/>
+              </a:rPr>
+              <a:t>BYE</a:t>
+            </a:r>
+            <a:r>
+              <a:rPr lang="ko-KR" altLang="en-US" sz="1200" dirty="0">
+                <a:latin typeface="Roboto" panose="02000000000000000000" pitchFamily="2" charset="0"/>
+              </a:rPr>
+              <a:t>가 구성되면  </a:t>
+            </a:r>
+            <a:r>
+              <a:rPr lang="en-US" altLang="ko-KR" sz="1200" dirty="0">
+                <a:latin typeface="Roboto" panose="02000000000000000000" pitchFamily="2" charset="0"/>
+              </a:rPr>
+              <a:t>UAC </a:t>
+            </a:r>
+            <a:r>
+              <a:rPr lang="ko-KR" altLang="en-US" sz="1200" dirty="0">
+                <a:latin typeface="Roboto" panose="02000000000000000000" pitchFamily="2" charset="0"/>
+              </a:rPr>
+              <a:t>코어는 새로운 </a:t>
+            </a:r>
+            <a:r>
+              <a:rPr lang="en-US" altLang="ko-KR" sz="1200" b="1" dirty="0">
+                <a:latin typeface="Roboto" panose="02000000000000000000" pitchFamily="2" charset="0"/>
+              </a:rPr>
+              <a:t>non-INVITE </a:t>
+            </a:r>
+            <a:r>
+              <a:rPr lang="en-US" altLang="ko-KR" sz="1200" dirty="0">
+                <a:latin typeface="Roboto" panose="02000000000000000000" pitchFamily="2" charset="0"/>
+              </a:rPr>
+              <a:t>client transaction </a:t>
+            </a:r>
+            <a:r>
+              <a:rPr lang="ko-KR" altLang="en-US" sz="1200" dirty="0">
+                <a:latin typeface="Roboto" panose="02000000000000000000" pitchFamily="2" charset="0"/>
+              </a:rPr>
+              <a:t>을 생성</a:t>
+            </a:r>
+            <a:r>
+              <a:rPr lang="en-US" altLang="ko-KR" sz="1200" dirty="0">
                 <a:latin typeface="Roboto" panose="02000000000000000000" pitchFamily="2" charset="0"/>
               </a:rPr>
               <a:t> </a:t>
             </a:r>
             <a:r>
-              <a:rPr lang="ko-KR" altLang="en-US" sz="1400" dirty="0">
-                <a:latin typeface="Roboto" panose="02000000000000000000" pitchFamily="2" charset="0"/>
-              </a:rPr>
-              <a:t>세션을 게시를 종료하고</a:t>
-            </a:r>
-            <a:r>
-              <a:rPr lang="en-US" altLang="ko-KR" sz="1400" dirty="0">
-                <a:latin typeface="Roboto" panose="02000000000000000000" pitchFamily="2" charset="0"/>
-              </a:rPr>
-              <a:t>, </a:t>
-            </a:r>
-            <a:r>
-              <a:rPr lang="ko-KR" altLang="en-US" sz="1400" dirty="0">
-                <a:latin typeface="Roboto" panose="02000000000000000000" pitchFamily="2" charset="0"/>
-              </a:rPr>
-              <a:t>이미 생성된 세션을 종료하기를 바라는 상태</a:t>
+              <a:rPr lang="ko-KR" altLang="en-US" sz="1200" dirty="0">
+                <a:latin typeface="Roboto" panose="02000000000000000000" pitchFamily="2" charset="0"/>
+              </a:rPr>
+              <a:t>하고 </a:t>
+            </a:r>
+            <a:r>
+              <a:rPr lang="en-US" altLang="ko-KR" sz="1200" dirty="0">
+                <a:latin typeface="Roboto" panose="02000000000000000000" pitchFamily="2" charset="0"/>
+              </a:rPr>
+              <a:t>BYE </a:t>
+            </a:r>
+            <a:r>
+              <a:rPr lang="ko-KR" altLang="en-US" sz="1200" dirty="0">
+                <a:latin typeface="Roboto" panose="02000000000000000000" pitchFamily="2" charset="0"/>
+              </a:rPr>
+              <a:t>요청을 전달</a:t>
+            </a:r>
+            <a:endParaRPr lang="en-US" altLang="ko-KR" sz="1200" dirty="0">
+              <a:latin typeface="Roboto" panose="02000000000000000000" pitchFamily="2" charset="0"/>
+            </a:endParaRPr>
+          </a:p>
+          <a:p>
+            <a:pPr marL="285750" indent="-285750">
+              <a:lnSpc>
+                <a:spcPct val="200000"/>
+              </a:lnSpc>
+              <a:buFont typeface="Arial" panose="020B0604020202020204" pitchFamily="34" charset="0"/>
+              <a:buChar char="•"/>
+            </a:pPr>
+            <a:r>
+              <a:rPr lang="en-US" altLang="ko-KR" sz="1200" dirty="0">
+                <a:latin typeface="Roboto" panose="02000000000000000000" pitchFamily="2" charset="0"/>
+              </a:rPr>
+              <a:t>UAC</a:t>
+            </a:r>
+            <a:r>
+              <a:rPr lang="ko-KR" altLang="en-US" sz="1200" dirty="0">
+                <a:latin typeface="Roboto" panose="02000000000000000000" pitchFamily="2" charset="0"/>
+              </a:rPr>
+              <a:t>는 </a:t>
+            </a:r>
+            <a:r>
+              <a:rPr lang="en-US" altLang="ko-KR" sz="1200" dirty="0">
+                <a:latin typeface="Roboto" panose="02000000000000000000" pitchFamily="2" charset="0"/>
+              </a:rPr>
+              <a:t>BYE </a:t>
+            </a:r>
+            <a:r>
+              <a:rPr lang="ko-KR" altLang="en-US" sz="1200" dirty="0">
+                <a:latin typeface="Roboto" panose="02000000000000000000" pitchFamily="2" charset="0"/>
+              </a:rPr>
+              <a:t>요청이 </a:t>
+            </a:r>
+            <a:r>
+              <a:rPr lang="en-US" altLang="ko-KR" sz="1200" dirty="0">
+                <a:latin typeface="Roboto" panose="02000000000000000000" pitchFamily="2" charset="0"/>
+              </a:rPr>
+              <a:t>client transaction </a:t>
+            </a:r>
+            <a:r>
+              <a:rPr lang="ko-KR" altLang="en-US" sz="1200" dirty="0">
+                <a:latin typeface="Roboto" panose="02000000000000000000" pitchFamily="2" charset="0"/>
+              </a:rPr>
+              <a:t>에 전달되는 즉시 세션이 종료된 것으로 간주해야 함 </a:t>
             </a:r>
             <a:endParaRPr lang="en-US" altLang="ko-KR" sz="1400" dirty="0">
+              <a:latin typeface="Roboto" panose="02000000000000000000" pitchFamily="2" charset="0"/>
+            </a:endParaRPr>
+          </a:p>
+          <a:p>
+            <a:pPr marL="285750" indent="-285750" algn="just">
+              <a:lnSpc>
+                <a:spcPct val="200000"/>
+              </a:lnSpc>
+              <a:buFont typeface="Arial" panose="020B0604020202020204" pitchFamily="34" charset="0"/>
+              <a:buChar char="•"/>
+            </a:pPr>
+            <a:r>
+              <a:rPr lang="en-US" altLang="ko-KR" sz="1200" dirty="0">
+                <a:latin typeface="Roboto" panose="02000000000000000000" pitchFamily="2" charset="0"/>
+              </a:rPr>
+              <a:t>BYE </a:t>
+            </a:r>
+            <a:r>
+              <a:rPr lang="ko-KR" altLang="en-US" sz="1200" dirty="0">
+                <a:latin typeface="Roboto" panose="02000000000000000000" pitchFamily="2" charset="0"/>
+              </a:rPr>
+              <a:t>에 대한 응답이 </a:t>
+            </a:r>
+            <a:r>
+              <a:rPr lang="en-US" altLang="ko-KR" sz="1200" b="1" dirty="0">
+                <a:latin typeface="Roboto" panose="02000000000000000000" pitchFamily="2" charset="0"/>
+              </a:rPr>
+              <a:t>481(Call/Transaction)</a:t>
+            </a:r>
+            <a:r>
+              <a:rPr lang="ko-KR" altLang="en-US" sz="1200" b="1" dirty="0">
+                <a:latin typeface="Roboto" panose="02000000000000000000" pitchFamily="2" charset="0"/>
+              </a:rPr>
+              <a:t> </a:t>
+            </a:r>
+            <a:r>
+              <a:rPr lang="ko-KR" altLang="en-US" sz="1200" dirty="0">
+                <a:latin typeface="Roboto" panose="02000000000000000000" pitchFamily="2" charset="0"/>
+              </a:rPr>
+              <a:t>또는 </a:t>
+            </a:r>
+            <a:r>
+              <a:rPr lang="en-US" altLang="ko-KR" sz="1200" b="1" dirty="0">
+                <a:latin typeface="Roboto" panose="02000000000000000000" pitchFamily="2" charset="0"/>
+              </a:rPr>
+              <a:t>408(Request</a:t>
+            </a:r>
+            <a:r>
+              <a:rPr lang="ko-KR" altLang="en-US" sz="1200" b="1" dirty="0">
+                <a:latin typeface="Roboto" panose="02000000000000000000" pitchFamily="2" charset="0"/>
+              </a:rPr>
+              <a:t> </a:t>
+            </a:r>
+            <a:r>
+              <a:rPr lang="en-US" altLang="ko-KR" sz="1200" b="1" dirty="0">
+                <a:latin typeface="Roboto" panose="02000000000000000000" pitchFamily="2" charset="0"/>
+              </a:rPr>
+              <a:t>Timeout)</a:t>
+            </a:r>
+            <a:r>
+              <a:rPr lang="ko-KR" altLang="en-US" sz="1200" dirty="0">
+                <a:latin typeface="Roboto" panose="02000000000000000000" pitchFamily="2" charset="0"/>
+              </a:rPr>
+              <a:t>이거나 </a:t>
+            </a:r>
+            <a:r>
+              <a:rPr lang="en-US" altLang="ko-KR" sz="1200" dirty="0">
+                <a:latin typeface="Roboto" panose="02000000000000000000" pitchFamily="2" charset="0"/>
+              </a:rPr>
+              <a:t>BYE</a:t>
+            </a:r>
+            <a:r>
+              <a:rPr lang="ko-KR" altLang="en-US" sz="1200" dirty="0">
+                <a:latin typeface="Roboto" panose="02000000000000000000" pitchFamily="2" charset="0"/>
+              </a:rPr>
+              <a:t>에 대한 응답이 전혀 수신되지 않는 경우</a:t>
+            </a:r>
+            <a:r>
+              <a:rPr lang="en-US" altLang="ko-KR" sz="1200" dirty="0">
+                <a:latin typeface="Roboto" panose="02000000000000000000" pitchFamily="2" charset="0"/>
+              </a:rPr>
+              <a:t>, UAC </a:t>
+            </a:r>
+            <a:r>
+              <a:rPr lang="ko-KR" altLang="en-US" sz="1200" dirty="0">
+                <a:latin typeface="Roboto" panose="02000000000000000000" pitchFamily="2" charset="0"/>
+              </a:rPr>
+              <a:t>는 세션 및 다이얼로그가 종료된 것으로 간주</a:t>
+            </a:r>
+            <a:endParaRPr lang="en-US" altLang="ko-KR" sz="1200" dirty="0">
+              <a:latin typeface="Roboto" panose="02000000000000000000" pitchFamily="2" charset="0"/>
+            </a:endParaRPr>
+          </a:p>
+        </p:txBody>
+      </p:sp>
+      <p:sp>
+        <p:nvSpPr>
+          <p:cNvPr id="8" name="직사각형 7">
+            <a:extLst>
+              <a:ext uri="{FF2B5EF4-FFF2-40B4-BE49-F238E27FC236}">
+                <a16:creationId xmlns:a16="http://schemas.microsoft.com/office/drawing/2014/main" id="{A1CA72A3-9CFB-0F84-913B-2A944CB42F73}"/>
+              </a:ext>
+            </a:extLst>
+          </p:cNvPr>
+          <p:cNvSpPr/>
+          <p:nvPr/>
+        </p:nvSpPr>
+        <p:spPr>
+          <a:xfrm>
+            <a:off x="747651" y="3393352"/>
+            <a:ext cx="10301609" cy="2746521"/>
+          </a:xfrm>
+          <a:prstGeom prst="rect">
+            <a:avLst/>
+          </a:prstGeom>
+        </p:spPr>
+        <p:txBody>
+          <a:bodyPr wrap="square">
+            <a:spAutoFit/>
+          </a:bodyPr>
+          <a:lstStyle/>
+          <a:p>
+            <a:pPr>
+              <a:lnSpc>
+                <a:spcPct val="200000"/>
+              </a:lnSpc>
+            </a:pPr>
+            <a:r>
+              <a:rPr lang="en-US" altLang="ko-KR" sz="1600" b="1" u="sng" dirty="0">
+                <a:latin typeface="Roboto" panose="02000000000000000000" pitchFamily="2" charset="0"/>
+              </a:rPr>
+              <a:t>UAS Behavior</a:t>
+            </a:r>
+          </a:p>
+          <a:p>
+            <a:pPr marL="285750" indent="-285750">
+              <a:lnSpc>
+                <a:spcPct val="200000"/>
+              </a:lnSpc>
+              <a:buFont typeface="Arial" panose="020B0604020202020204" pitchFamily="34" charset="0"/>
+              <a:buChar char="•"/>
+            </a:pPr>
+            <a:r>
+              <a:rPr lang="en-US" altLang="ko-KR" sz="1200" dirty="0">
+                <a:latin typeface="Roboto" panose="02000000000000000000" pitchFamily="2" charset="0"/>
+              </a:rPr>
+              <a:t>BYE </a:t>
+            </a:r>
+            <a:r>
+              <a:rPr lang="ko-KR" altLang="en-US" sz="1200" dirty="0">
+                <a:latin typeface="Roboto" panose="02000000000000000000" pitchFamily="2" charset="0"/>
+              </a:rPr>
+              <a:t>요청 처리</a:t>
+            </a:r>
+            <a:endParaRPr lang="en-US" altLang="ko-KR" sz="1200" dirty="0">
+              <a:latin typeface="Roboto" panose="02000000000000000000" pitchFamily="2" charset="0"/>
+            </a:endParaRPr>
+          </a:p>
+          <a:p>
+            <a:pPr marL="285750" indent="-285750">
+              <a:lnSpc>
+                <a:spcPct val="200000"/>
+              </a:lnSpc>
+              <a:buFont typeface="Arial" panose="020B0604020202020204" pitchFamily="34" charset="0"/>
+              <a:buChar char="•"/>
+            </a:pPr>
+            <a:r>
+              <a:rPr lang="en-US" altLang="ko-KR" sz="1200" dirty="0">
+                <a:latin typeface="Roboto" panose="02000000000000000000" pitchFamily="2" charset="0"/>
+              </a:rPr>
+              <a:t>BYE </a:t>
+            </a:r>
+            <a:r>
+              <a:rPr lang="ko-KR" altLang="en-US" sz="1200" dirty="0">
+                <a:latin typeface="Roboto" panose="02000000000000000000" pitchFamily="2" charset="0"/>
+              </a:rPr>
+              <a:t>요청을 수신하는 </a:t>
+            </a:r>
+            <a:r>
+              <a:rPr lang="en-US" altLang="ko-KR" sz="1200" dirty="0">
+                <a:latin typeface="Roboto" panose="02000000000000000000" pitchFamily="2" charset="0"/>
+              </a:rPr>
+              <a:t>UAS core </a:t>
+            </a:r>
+            <a:r>
+              <a:rPr lang="ko-KR" altLang="en-US" sz="1200" dirty="0">
+                <a:latin typeface="Roboto" panose="02000000000000000000" pitchFamily="2" charset="0"/>
+              </a:rPr>
+              <a:t>는 기존 다이얼로그와 일치하는 지 검사</a:t>
+            </a:r>
+            <a:endParaRPr lang="en-US" altLang="ko-KR" sz="1200" dirty="0">
               <a:latin typeface="Roboto" panose="02000000000000000000" pitchFamily="2" charset="0"/>
             </a:endParaRPr>
           </a:p>
@@ -43057,182 +42763,50 @@
               <a:buChar char="•"/>
             </a:pPr>
             <a:r>
-              <a:rPr lang="en-US" altLang="ko-KR" sz="1400" b="1" dirty="0">
-                <a:latin typeface="Roboto" panose="02000000000000000000" pitchFamily="2" charset="0"/>
-              </a:rPr>
-              <a:t>Caller</a:t>
-            </a:r>
-            <a:r>
-              <a:rPr lang="ko-KR" altLang="en-US" sz="1400" dirty="0">
-                <a:latin typeface="Roboto" panose="02000000000000000000" pitchFamily="2" charset="0"/>
-              </a:rPr>
-              <a:t>의 </a:t>
-            </a:r>
-            <a:r>
-              <a:rPr lang="en-US" altLang="ko-KR" sz="1400" dirty="0">
-                <a:latin typeface="Roboto" panose="02000000000000000000" pitchFamily="2" charset="0"/>
-              </a:rPr>
-              <a:t>UA</a:t>
-            </a:r>
-            <a:r>
-              <a:rPr lang="ko-KR" altLang="en-US" sz="1400" dirty="0">
-                <a:latin typeface="Roboto" panose="02000000000000000000" pitchFamily="2" charset="0"/>
-              </a:rPr>
-              <a:t>에 대해</a:t>
-            </a:r>
-            <a:r>
-              <a:rPr lang="en-US" altLang="ko-KR" sz="1400" dirty="0">
-                <a:latin typeface="Roboto" panose="02000000000000000000" pitchFamily="2" charset="0"/>
-              </a:rPr>
-              <a:t>,</a:t>
-            </a:r>
-          </a:p>
-          <a:p>
-            <a:pPr marL="1200150" lvl="2" indent="-285750">
-              <a:lnSpc>
-                <a:spcPct val="200000"/>
-              </a:lnSpc>
-              <a:buFont typeface="Arial" panose="020B0604020202020204" pitchFamily="34" charset="0"/>
-              <a:buChar char="•"/>
-            </a:pPr>
-            <a:r>
-              <a:rPr lang="en-US" altLang="ko-KR" sz="1400" dirty="0">
-                <a:latin typeface="Roboto" panose="02000000000000000000" pitchFamily="2" charset="0"/>
-              </a:rPr>
-              <a:t>Caller </a:t>
-            </a:r>
-            <a:r>
-              <a:rPr lang="ko-KR" altLang="en-US" sz="1400" dirty="0">
-                <a:latin typeface="Roboto" panose="02000000000000000000" pitchFamily="2" charset="0"/>
-              </a:rPr>
-              <a:t>의 </a:t>
-            </a:r>
-            <a:r>
-              <a:rPr lang="en-US" altLang="ko-KR" sz="1400" dirty="0">
-                <a:latin typeface="Roboto" panose="02000000000000000000" pitchFamily="2" charset="0"/>
-              </a:rPr>
-              <a:t>UA</a:t>
-            </a:r>
-            <a:r>
-              <a:rPr lang="ko-KR" altLang="en-US" sz="1400" dirty="0">
-                <a:latin typeface="Roboto" panose="02000000000000000000" pitchFamily="2" charset="0"/>
-              </a:rPr>
-              <a:t>에 대해</a:t>
-            </a:r>
-            <a:r>
-              <a:rPr lang="en-US" altLang="ko-KR" sz="1400">
-                <a:latin typeface="Roboto" panose="02000000000000000000" pitchFamily="2" charset="0"/>
-              </a:rPr>
-              <a:t>, </a:t>
-            </a:r>
-            <a:r>
-              <a:rPr lang="en-US" altLang="ko-KR" sz="1400" b="1">
-                <a:latin typeface="Roboto" panose="02000000000000000000" pitchFamily="2" charset="0"/>
-              </a:rPr>
-              <a:t>Initial</a:t>
-            </a:r>
-            <a:r>
-              <a:rPr lang="ko-KR" altLang="en-US" sz="1400">
-                <a:latin typeface="Roboto" panose="02000000000000000000" pitchFamily="2" charset="0"/>
-              </a:rPr>
-              <a:t> </a:t>
-            </a:r>
-            <a:r>
-              <a:rPr lang="en-US" altLang="ko-KR" sz="1400" b="1" dirty="0">
-                <a:latin typeface="Roboto" panose="02000000000000000000" pitchFamily="2" charset="0"/>
-              </a:rPr>
-              <a:t>INVITE</a:t>
-            </a:r>
-            <a:r>
-              <a:rPr lang="ko-KR" altLang="en-US" sz="1400" dirty="0">
-                <a:latin typeface="Roboto" panose="02000000000000000000" pitchFamily="2" charset="0"/>
-              </a:rPr>
-              <a:t>가 </a:t>
-            </a:r>
-            <a:r>
-              <a:rPr lang="en-US" altLang="ko-KR" sz="1400" dirty="0">
-                <a:latin typeface="Roboto" panose="02000000000000000000" pitchFamily="2" charset="0"/>
-              </a:rPr>
-              <a:t>final </a:t>
-            </a:r>
-            <a:r>
-              <a:rPr lang="ko-KR" altLang="en-US" sz="1400" dirty="0">
-                <a:latin typeface="Roboto" panose="02000000000000000000" pitchFamily="2" charset="0"/>
-              </a:rPr>
-              <a:t>응답을 생성하지 않았으면 이것은 </a:t>
-            </a:r>
-            <a:r>
-              <a:rPr lang="en-US" altLang="ko-KR" sz="1400" b="1" dirty="0">
-                <a:latin typeface="Roboto" panose="02000000000000000000" pitchFamily="2" charset="0"/>
-              </a:rPr>
-              <a:t>CANCEL</a:t>
-            </a:r>
-            <a:r>
-              <a:rPr lang="en-US" altLang="ko-KR" sz="1400" dirty="0">
-                <a:latin typeface="Roboto" panose="02000000000000000000" pitchFamily="2" charset="0"/>
-              </a:rPr>
-              <a:t> </a:t>
-            </a:r>
-            <a:r>
-              <a:rPr lang="ko-KR" altLang="en-US" sz="1400" dirty="0">
-                <a:latin typeface="Roboto" panose="02000000000000000000" pitchFamily="2" charset="0"/>
-              </a:rPr>
-              <a:t>요청을 의미</a:t>
-            </a:r>
-            <a:endParaRPr lang="en-US" altLang="ko-KR" sz="1400" dirty="0">
+              <a:rPr lang="ko-KR" altLang="en-US" sz="1100" b="1" dirty="0">
+                <a:latin typeface="Roboto" panose="02000000000000000000" pitchFamily="2" charset="0"/>
+              </a:rPr>
+              <a:t>일치하지 않으면</a:t>
+            </a:r>
+            <a:r>
+              <a:rPr lang="en-US" altLang="ko-KR" sz="1100" b="1" dirty="0">
+                <a:latin typeface="Roboto" panose="02000000000000000000" pitchFamily="2" charset="0"/>
+              </a:rPr>
+              <a:t>, UAS core </a:t>
+            </a:r>
+            <a:r>
+              <a:rPr lang="ko-KR" altLang="en-US" sz="1100" b="1" dirty="0">
+                <a:latin typeface="Roboto" panose="02000000000000000000" pitchFamily="2" charset="0"/>
+              </a:rPr>
+              <a:t>는 </a:t>
+            </a:r>
+            <a:r>
+              <a:rPr lang="en-US" altLang="ko-KR" sz="1100" b="1" dirty="0">
+                <a:latin typeface="Roboto" panose="02000000000000000000" pitchFamily="2" charset="0"/>
+              </a:rPr>
+              <a:t>481 (Call/Transaction Does Not Exist) </a:t>
+            </a:r>
+            <a:r>
+              <a:rPr lang="ko-KR" altLang="en-US" sz="1100" b="1" dirty="0">
+                <a:latin typeface="Roboto" panose="02000000000000000000" pitchFamily="2" charset="0"/>
+              </a:rPr>
+              <a:t>응답을 생성하고 그것을 </a:t>
+            </a:r>
+            <a:r>
+              <a:rPr lang="en-US" altLang="ko-KR" sz="1100" b="1" dirty="0">
+                <a:latin typeface="Roboto" panose="02000000000000000000" pitchFamily="2" charset="0"/>
+              </a:rPr>
+              <a:t>server transaction </a:t>
+            </a:r>
+            <a:r>
+              <a:rPr lang="ko-KR" altLang="en-US" sz="1100" b="1" dirty="0">
+                <a:latin typeface="Roboto" panose="02000000000000000000" pitchFamily="2" charset="0"/>
+              </a:rPr>
+              <a:t>으로 보냄</a:t>
+            </a:r>
+            <a:endParaRPr lang="en-US" altLang="ko-KR" sz="1100" b="1" dirty="0">
               <a:latin typeface="Roboto" panose="02000000000000000000" pitchFamily="2" charset="0"/>
             </a:endParaRPr>
-          </a:p>
-          <a:p>
-            <a:pPr marL="1200150" lvl="2" indent="-285750">
-              <a:lnSpc>
-                <a:spcPct val="200000"/>
-              </a:lnSpc>
-              <a:buFont typeface="Arial" panose="020B0604020202020204" pitchFamily="34" charset="0"/>
-              <a:buChar char="•"/>
-            </a:pPr>
-            <a:r>
-              <a:rPr lang="en-US" altLang="ko-KR" sz="1400" dirty="0">
-                <a:latin typeface="Roboto" panose="02000000000000000000" pitchFamily="2" charset="0"/>
-              </a:rPr>
-              <a:t>final </a:t>
-            </a:r>
-            <a:r>
-              <a:rPr lang="ko-KR" altLang="en-US" sz="1400" dirty="0">
-                <a:latin typeface="Roboto" panose="02000000000000000000" pitchFamily="2" charset="0"/>
-              </a:rPr>
-              <a:t>응답 이후의 모든 </a:t>
-            </a:r>
-            <a:r>
-              <a:rPr lang="en-US" altLang="ko-KR" sz="1400" b="1" dirty="0">
-                <a:latin typeface="Roboto" panose="02000000000000000000" pitchFamily="2" charset="0"/>
-              </a:rPr>
-              <a:t>confirmed</a:t>
-            </a:r>
-            <a:r>
-              <a:rPr lang="en-US" altLang="ko-KR" sz="1400" dirty="0">
-                <a:latin typeface="Roboto" panose="02000000000000000000" pitchFamily="2" charset="0"/>
-              </a:rPr>
-              <a:t> </a:t>
-            </a:r>
-            <a:r>
-              <a:rPr lang="ko-KR" altLang="en-US" sz="1400" dirty="0">
-                <a:latin typeface="Roboto" panose="02000000000000000000" pitchFamily="2" charset="0"/>
-              </a:rPr>
-              <a:t>다이얼로그에 대해 </a:t>
-            </a:r>
-            <a:r>
-              <a:rPr lang="en-US" altLang="ko-KR" sz="1400" dirty="0">
-                <a:latin typeface="Roboto" panose="02000000000000000000" pitchFamily="2" charset="0"/>
-              </a:rPr>
-              <a:t>BYE</a:t>
-            </a:r>
-            <a:r>
-              <a:rPr lang="ko-KR" altLang="en-US" sz="1400" dirty="0">
-                <a:latin typeface="Roboto" panose="02000000000000000000" pitchFamily="2" charset="0"/>
-              </a:rPr>
-              <a:t>를 의미</a:t>
-            </a:r>
           </a:p>
           <a:p>
             <a:pPr marL="742950" lvl="1" indent="-285750">
@@ -43243,38 +42817,41 @@
               <a:buChar char="•"/>
             </a:pPr>
             <a:r>
-              <a:rPr lang="en-US" altLang="ko-KR" sz="1400" b="1" dirty="0">
-                <a:latin typeface="Roboto" panose="02000000000000000000" pitchFamily="2" charset="0"/>
-              </a:rPr>
-              <a:t>Callee</a:t>
-            </a:r>
-            <a:r>
-              <a:rPr lang="ko-KR" altLang="en-US" sz="1400" dirty="0">
-                <a:latin typeface="Roboto" panose="02000000000000000000" pitchFamily="2" charset="0"/>
-              </a:rPr>
-              <a:t>의 </a:t>
-            </a:r>
-            <a:r>
-              <a:rPr lang="en-US" altLang="ko-KR" sz="1400" dirty="0">
-                <a:latin typeface="Roboto" panose="02000000000000000000" pitchFamily="2" charset="0"/>
-              </a:rPr>
-              <a:t>UA</a:t>
-            </a:r>
-            <a:r>
-              <a:rPr lang="ko-KR" altLang="en-US" sz="1400" dirty="0">
-                <a:latin typeface="Roboto" panose="02000000000000000000" pitchFamily="2" charset="0"/>
-              </a:rPr>
-              <a:t>에 대해</a:t>
-            </a:r>
-            <a:r>
-              <a:rPr lang="en-US" altLang="ko-KR" sz="1400" dirty="0">
-                <a:latin typeface="Roboto" panose="02000000000000000000" pitchFamily="2" charset="0"/>
-              </a:rPr>
-              <a:t>,</a:t>
-            </a:r>
-          </a:p>
-          <a:p>
-            <a:pPr marL="1200150" lvl="2" indent="-285750">
+              <a:rPr lang="ko-KR" altLang="en-US" sz="1100" b="1" dirty="0">
+                <a:latin typeface="Roboto" panose="02000000000000000000" pitchFamily="2" charset="0"/>
+              </a:rPr>
+              <a:t>기존 다이얼로그에  </a:t>
+            </a:r>
+            <a:r>
+              <a:rPr lang="en-US" altLang="ko-KR" sz="1100" b="1" dirty="0">
+                <a:latin typeface="Roboto" panose="02000000000000000000" pitchFamily="2" charset="0"/>
+              </a:rPr>
+              <a:t>BYE </a:t>
+            </a:r>
+            <a:r>
+              <a:rPr lang="ko-KR" altLang="en-US" sz="1100" b="1" dirty="0">
+                <a:latin typeface="Roboto" panose="02000000000000000000" pitchFamily="2" charset="0"/>
+              </a:rPr>
+              <a:t>요청을 수신하는 </a:t>
+            </a:r>
+            <a:r>
+              <a:rPr lang="en-US" altLang="ko-KR" sz="1100" b="1" dirty="0">
+                <a:latin typeface="Roboto" panose="02000000000000000000" pitchFamily="2" charset="0"/>
+              </a:rPr>
+              <a:t>UAS core </a:t>
+            </a:r>
+            <a:r>
+              <a:rPr lang="ko-KR" altLang="en-US" sz="1100" b="1" dirty="0">
+                <a:latin typeface="Roboto" panose="02000000000000000000" pitchFamily="2" charset="0"/>
+              </a:rPr>
+              <a:t>는 요청 처리 절차를 따름</a:t>
+            </a:r>
+            <a:endParaRPr lang="en-US" altLang="ko-KR" sz="1100" b="1" dirty="0">
+              <a:latin typeface="Roboto" panose="02000000000000000000" pitchFamily="2" charset="0"/>
+            </a:endParaRPr>
+          </a:p>
+          <a:p>
+            <a:pPr marL="285750" indent="-285750">
               <a:lnSpc>
                 <a:spcPct val="200000"/>
               </a:lnSpc>
@@ -43282,18 +42859,126 @@
               <a:buChar char="•"/>
             </a:pPr>
             <a:r>
-              <a:rPr lang="en-US" altLang="ko-KR" sz="1400" dirty="0">
-                <a:latin typeface="Roboto" panose="02000000000000000000" pitchFamily="2" charset="0"/>
-              </a:rPr>
-              <a:t>BYE</a:t>
-            </a:r>
-            <a:r>
-              <a:rPr lang="ko-KR" altLang="en-US" sz="1400" dirty="0">
-                <a:latin typeface="Roboto" panose="02000000000000000000" pitchFamily="2" charset="0"/>
-              </a:rPr>
-              <a:t>를 의미</a:t>
-            </a:r>
-            <a:endParaRPr lang="en-US" altLang="ko-KR" sz="1400" dirty="0">
+              <a:rPr lang="ko-KR" altLang="en-US" sz="1200" dirty="0">
+                <a:latin typeface="Roboto" panose="02000000000000000000" pitchFamily="2" charset="0"/>
+              </a:rPr>
+              <a:t>세션에 대한 참가를 종료하든 종료하지 않든</a:t>
+            </a:r>
+            <a:r>
+              <a:rPr lang="en-US" altLang="ko-KR" sz="1200" dirty="0">
+                <a:latin typeface="Roboto" panose="02000000000000000000" pitchFamily="2" charset="0"/>
+              </a:rPr>
+              <a:t>, UAS core </a:t>
+            </a:r>
+            <a:r>
+              <a:rPr lang="ko-KR" altLang="en-US" sz="1200" dirty="0">
+                <a:latin typeface="Roboto" panose="02000000000000000000" pitchFamily="2" charset="0"/>
+              </a:rPr>
+              <a:t>는 </a:t>
+            </a:r>
+            <a:r>
+              <a:rPr lang="en-US" altLang="ko-KR" sz="1200" dirty="0">
+                <a:latin typeface="Roboto" panose="02000000000000000000" pitchFamily="2" charset="0"/>
+              </a:rPr>
+              <a:t>BYE </a:t>
+            </a:r>
+            <a:r>
+              <a:rPr lang="ko-KR" altLang="en-US" sz="1200" dirty="0">
+                <a:latin typeface="Roboto" panose="02000000000000000000" pitchFamily="2" charset="0"/>
+              </a:rPr>
+              <a:t>에 대해 </a:t>
+            </a:r>
+            <a:r>
+              <a:rPr lang="en-US" altLang="ko-KR" sz="1200" dirty="0">
+                <a:latin typeface="Roboto" panose="02000000000000000000" pitchFamily="2" charset="0"/>
+              </a:rPr>
+              <a:t>2xx </a:t>
+            </a:r>
+            <a:r>
+              <a:rPr lang="ko-KR" altLang="en-US" sz="1200" dirty="0">
+                <a:latin typeface="Roboto" panose="02000000000000000000" pitchFamily="2" charset="0"/>
+              </a:rPr>
+              <a:t>응답을 생성해야 하며</a:t>
+            </a:r>
+            <a:r>
+              <a:rPr lang="en-US" altLang="ko-KR" sz="1200" dirty="0">
+                <a:latin typeface="Roboto" panose="02000000000000000000" pitchFamily="2" charset="0"/>
+              </a:rPr>
+              <a:t>, </a:t>
+            </a:r>
+            <a:r>
+              <a:rPr lang="ko-KR" altLang="en-US" sz="1200" dirty="0">
+                <a:latin typeface="Roboto" panose="02000000000000000000" pitchFamily="2" charset="0"/>
+              </a:rPr>
+              <a:t>전송을 위해 </a:t>
+            </a:r>
+            <a:r>
+              <a:rPr lang="en-US" altLang="ko-KR" sz="1200" dirty="0">
+                <a:latin typeface="Roboto" panose="02000000000000000000" pitchFamily="2" charset="0"/>
+              </a:rPr>
+              <a:t>server transaction </a:t>
+            </a:r>
+            <a:r>
+              <a:rPr lang="ko-KR" altLang="en-US" sz="1200" dirty="0">
+                <a:latin typeface="Roboto" panose="02000000000000000000" pitchFamily="2" charset="0"/>
+              </a:rPr>
+              <a:t>에 이를 전달</a:t>
+            </a:r>
+            <a:endParaRPr lang="en-US" altLang="ko-KR" sz="1200" dirty="0">
+              <a:latin typeface="Roboto" panose="02000000000000000000" pitchFamily="2" charset="0"/>
+            </a:endParaRPr>
+          </a:p>
+          <a:p>
+            <a:pPr marL="285750" indent="-285750">
+              <a:lnSpc>
+                <a:spcPct val="200000"/>
+              </a:lnSpc>
+              <a:buFont typeface="Arial" panose="020B0604020202020204" pitchFamily="34" charset="0"/>
+              <a:buChar char="•"/>
+            </a:pPr>
+            <a:r>
+              <a:rPr lang="en-US" altLang="ko-KR" sz="1200" dirty="0">
+                <a:latin typeface="Roboto" panose="02000000000000000000" pitchFamily="2" charset="0"/>
+              </a:rPr>
+              <a:t>UAS </a:t>
+            </a:r>
+            <a:r>
+              <a:rPr lang="ko-KR" altLang="en-US" sz="1200" dirty="0">
+                <a:latin typeface="Roboto" panose="02000000000000000000" pitchFamily="2" charset="0"/>
+              </a:rPr>
+              <a:t>는 해당 다이얼로그에 대해 수신된 모든 보류 중인 요청에 응답해야 하며</a:t>
+            </a:r>
+            <a:r>
+              <a:rPr lang="en-US" altLang="ko-KR" sz="1200" dirty="0">
+                <a:latin typeface="Roboto" panose="02000000000000000000" pitchFamily="2" charset="0"/>
+              </a:rPr>
+              <a:t>, </a:t>
+            </a:r>
+            <a:r>
+              <a:rPr lang="ko-KR" altLang="en-US" sz="1200" dirty="0">
+                <a:latin typeface="Roboto" panose="02000000000000000000" pitchFamily="2" charset="0"/>
+              </a:rPr>
+              <a:t>이러한 보류 중인 요청에 대해 </a:t>
+            </a:r>
+            <a:r>
+              <a:rPr lang="en-US" altLang="ko-KR" sz="1200" b="1" dirty="0">
+                <a:latin typeface="Roboto" panose="02000000000000000000" pitchFamily="2" charset="0"/>
+              </a:rPr>
+              <a:t>487(Request Terminated)</a:t>
+            </a:r>
+            <a:r>
+              <a:rPr lang="en-US" altLang="ko-KR" sz="1200" dirty="0">
+                <a:latin typeface="Roboto" panose="02000000000000000000" pitchFamily="2" charset="0"/>
+              </a:rPr>
+              <a:t> </a:t>
+            </a:r>
+            <a:r>
+              <a:rPr lang="ko-KR" altLang="en-US" sz="1200" dirty="0">
+                <a:latin typeface="Roboto" panose="02000000000000000000" pitchFamily="2" charset="0"/>
+              </a:rPr>
+              <a:t>응답을 생성</a:t>
+            </a:r>
+            <a:endParaRPr lang="en-US" altLang="ko-KR" sz="1200" dirty="0">
               <a:latin typeface="Roboto" panose="02000000000000000000" pitchFamily="2" charset="0"/>
             </a:endParaRPr>
           </a:p>
@@ -43302,7 +42987,7 @@
     </p:spTree>
     <p:extLst>
       <p:ext uri="{BB962C8B-B14F-4D97-AF65-F5344CB8AC3E}">
-        <p14:creationId xmlns:p14="http://schemas.microsoft.com/office/powerpoint/2010/main" val="2221590793"/>
+        <p14:creationId xmlns:p14="http://schemas.microsoft.com/office/powerpoint/2010/main" val="866518293"/>
       </p:ext>
     </p:extLst>
   </p:cSld>
@@ -43331,44 +43016,6 @@
       </p:grpSpPr>
       <p:sp>
         <p:nvSpPr>
-          <p:cNvPr id="2" name="제목 1">
-            <a:extLst>
-              <a:ext uri="{FF2B5EF4-FFF2-40B4-BE49-F238E27FC236}">
-                <a16:creationId xmlns:a16="http://schemas.microsoft.com/office/drawing/2014/main" id="{8C9AF931-2C38-43C8-9E3C-AED4EC2E41A6}"/>
-              </a:ext>
-            </a:extLst>
-          </p:cNvPr>
-          <p:cNvSpPr>
-            <a:spLocks noGrp="1"/>
-          </p:cNvSpPr>
-          <p:nvPr>
-            <p:ph type="title"/>
-          </p:nvPr>
-        </p:nvSpPr>
-        <p:spPr>
-          <a:xfrm>
-            <a:off x="0" y="0"/>
-            <a:ext cx="12192000" cy="549275"/>
-          </a:xfrm>
-        </p:spPr>
-        <p:txBody>
-          <a:bodyPr/>
-          <a:lstStyle/>
-          <a:p>
-            <a:r>
-              <a:rPr lang="en-US" altLang="ko-KR" dirty="0"/>
-              <a:t>7. Terminating a Session – Terminating a Session with a </a:t>
-            </a:r>
-            <a:r>
-              <a:rPr lang="en-US" altLang="ko-KR"/>
-              <a:t>BYE Request</a:t>
-            </a:r>
-            <a:endParaRPr lang="ko-KR" altLang="en-US" dirty="0"/>
-          </a:p>
-        </p:txBody>
-      </p:sp>
-      <p:sp>
-        <p:nvSpPr>
           <p:cNvPr id="4" name="슬라이드 번호 개체 틀 3">
             <a:extLst>
               <a:ext uri="{FF2B5EF4-FFF2-40B4-BE49-F238E27FC236}">
@@ -43398,616 +43045,41 @@
       </p:sp>
       <p:sp>
         <p:nvSpPr>
-          <p:cNvPr id="7" name="직사각형 6">
+          <p:cNvPr id="5" name="TextBox 4">
             <a:extLst>
               <a:ext uri="{FF2B5EF4-FFF2-40B4-BE49-F238E27FC236}">
-                <a16:creationId xmlns:a16="http://schemas.microsoft.com/office/drawing/2014/main" id="{B96D8D85-7A40-F3D2-6B34-102DF4993474}"/>
+                <a16:creationId xmlns:a16="http://schemas.microsoft.com/office/drawing/2014/main" id="{2C4EDA3F-1542-B44B-C801-83CCECD10FBF}"/>
               </a:ext>
             </a:extLst>
           </p:cNvPr>
-          <p:cNvSpPr/>
+          <p:cNvSpPr txBox="1"/>
           <p:nvPr/>
         </p:nvSpPr>
         <p:spPr>
           <a:xfrm>
-            <a:off x="747651" y="923181"/>
-            <a:ext cx="10301609" cy="2377189"/>
+            <a:off x="4714051" y="3105834"/>
+            <a:ext cx="2763898" cy="646331"/>
           </a:xfrm>
           <a:prstGeom prst="rect">
             <a:avLst/>
           </a:prstGeom>
+          <a:noFill/>
         </p:spPr>
         <p:txBody>
-          <a:bodyPr wrap="square">
+          <a:bodyPr wrap="none" rtlCol="0">
             <a:spAutoFit/>
           </a:bodyPr>
           <a:lstStyle/>
           <a:p>
-            <a:pPr>
-              <a:lnSpc>
-                <a:spcPct val="200000"/>
-              </a:lnSpc>
-            </a:pPr>
-            <a:r>
-              <a:rPr lang="en-US" altLang="ko-KR" sz="1600" b="1" u="sng" dirty="0">
-                <a:latin typeface="Roboto" panose="02000000000000000000" pitchFamily="2" charset="0"/>
-              </a:rPr>
-              <a:t>UAC Behavior</a:t>
-            </a:r>
-            <a:r>
-              <a:rPr lang="en-US" altLang="ko-KR" sz="1600" b="1" dirty="0">
-                <a:latin typeface="Roboto" panose="02000000000000000000" pitchFamily="2" charset="0"/>
-              </a:rPr>
-              <a:t> </a:t>
-            </a:r>
-          </a:p>
-          <a:p>
-            <a:pPr marL="285750" indent="-285750">
-              <a:lnSpc>
-                <a:spcPct val="200000"/>
-              </a:lnSpc>
-              <a:buFont typeface="Arial" panose="020B0604020202020204" pitchFamily="34" charset="0"/>
-              <a:buChar char="•"/>
-            </a:pPr>
-            <a:r>
-              <a:rPr lang="en-US" altLang="ko-KR" sz="1200" dirty="0">
-                <a:latin typeface="Roboto" panose="02000000000000000000" pitchFamily="2" charset="0"/>
-              </a:rPr>
-              <a:t>BYE </a:t>
-            </a:r>
-            <a:r>
-              <a:rPr lang="ko-KR" altLang="en-US" sz="1200" dirty="0">
-                <a:latin typeface="Roboto" panose="02000000000000000000" pitchFamily="2" charset="0"/>
-              </a:rPr>
-              <a:t>요청 구성</a:t>
-            </a:r>
-            <a:endParaRPr lang="en-US" altLang="ko-KR" sz="1200" dirty="0">
-              <a:latin typeface="Roboto" panose="02000000000000000000" pitchFamily="2" charset="0"/>
-            </a:endParaRPr>
-          </a:p>
-          <a:p>
-            <a:pPr marL="285750" indent="-285750">
-              <a:lnSpc>
-                <a:spcPct val="200000"/>
-              </a:lnSpc>
-              <a:buFont typeface="Arial" panose="020B0604020202020204" pitchFamily="34" charset="0"/>
-              <a:buChar char="•"/>
-            </a:pPr>
-            <a:r>
-              <a:rPr lang="en-US" altLang="ko-KR" sz="1200" dirty="0">
-                <a:latin typeface="Roboto" panose="02000000000000000000" pitchFamily="2" charset="0"/>
-              </a:rPr>
-              <a:t>BYE</a:t>
-            </a:r>
-            <a:r>
-              <a:rPr lang="ko-KR" altLang="en-US" sz="1200" dirty="0">
-                <a:latin typeface="Roboto" panose="02000000000000000000" pitchFamily="2" charset="0"/>
-              </a:rPr>
-              <a:t>가 구성되면  </a:t>
-            </a:r>
-            <a:r>
-              <a:rPr lang="en-US" altLang="ko-KR" sz="1200" dirty="0">
-                <a:latin typeface="Roboto" panose="02000000000000000000" pitchFamily="2" charset="0"/>
-              </a:rPr>
-              <a:t>UAC </a:t>
-            </a:r>
-            <a:r>
-              <a:rPr lang="ko-KR" altLang="en-US" sz="1200" dirty="0">
-                <a:latin typeface="Roboto" panose="02000000000000000000" pitchFamily="2" charset="0"/>
-              </a:rPr>
-              <a:t>코어는 새로운 </a:t>
-            </a:r>
-            <a:r>
-              <a:rPr lang="en-US" altLang="ko-KR" sz="1200" b="1" dirty="0">
-                <a:latin typeface="Roboto" panose="02000000000000000000" pitchFamily="2" charset="0"/>
-              </a:rPr>
-              <a:t>non-INVITE </a:t>
-            </a:r>
-            <a:r>
-              <a:rPr lang="en-US" altLang="ko-KR" sz="1200" dirty="0">
-                <a:latin typeface="Roboto" panose="02000000000000000000" pitchFamily="2" charset="0"/>
-              </a:rPr>
-              <a:t>client transaction </a:t>
-            </a:r>
-            <a:r>
-              <a:rPr lang="ko-KR" altLang="en-US" sz="1200" dirty="0">
-                <a:latin typeface="Roboto" panose="02000000000000000000" pitchFamily="2" charset="0"/>
-              </a:rPr>
-              <a:t>을 생성</a:t>
-            </a:r>
-            <a:r>
-              <a:rPr lang="en-US" altLang="ko-KR" sz="1200" dirty="0">
-                <a:latin typeface="Roboto" panose="02000000000000000000" pitchFamily="2" charset="0"/>
-              </a:rPr>
-              <a:t> </a:t>
-            </a:r>
-            <a:r>
-              <a:rPr lang="ko-KR" altLang="en-US" sz="1200" dirty="0">
-                <a:latin typeface="Roboto" panose="02000000000000000000" pitchFamily="2" charset="0"/>
-              </a:rPr>
-              <a:t>하고 </a:t>
-            </a:r>
-            <a:r>
-              <a:rPr lang="en-US" altLang="ko-KR" sz="1200" dirty="0">
-                <a:latin typeface="Roboto" panose="02000000000000000000" pitchFamily="2" charset="0"/>
-              </a:rPr>
-              <a:t>BYE </a:t>
-            </a:r>
-            <a:r>
-              <a:rPr lang="ko-KR" altLang="en-US" sz="1200" dirty="0">
-                <a:latin typeface="Roboto" panose="02000000000000000000" pitchFamily="2" charset="0"/>
-              </a:rPr>
-              <a:t>요청을 전달</a:t>
-            </a:r>
-            <a:endParaRPr lang="en-US" altLang="ko-KR" sz="1200" dirty="0">
-              <a:latin typeface="Roboto" panose="02000000000000000000" pitchFamily="2" charset="0"/>
-            </a:endParaRPr>
-          </a:p>
-          <a:p>
-            <a:pPr marL="285750" indent="-285750">
-              <a:lnSpc>
-                <a:spcPct val="200000"/>
-              </a:lnSpc>
-              <a:buFont typeface="Arial" panose="020B0604020202020204" pitchFamily="34" charset="0"/>
-              <a:buChar char="•"/>
-            </a:pPr>
-            <a:r>
-              <a:rPr lang="en-US" altLang="ko-KR" sz="1200" dirty="0">
-                <a:latin typeface="Roboto" panose="02000000000000000000" pitchFamily="2" charset="0"/>
-              </a:rPr>
-              <a:t>UAC</a:t>
-            </a:r>
-            <a:r>
-              <a:rPr lang="ko-KR" altLang="en-US" sz="1200" dirty="0">
-                <a:latin typeface="Roboto" panose="02000000000000000000" pitchFamily="2" charset="0"/>
-              </a:rPr>
-              <a:t>는 </a:t>
-            </a:r>
-            <a:r>
-              <a:rPr lang="en-US" altLang="ko-KR" sz="1200" dirty="0">
-                <a:latin typeface="Roboto" panose="02000000000000000000" pitchFamily="2" charset="0"/>
-              </a:rPr>
-              <a:t>BYE </a:t>
-            </a:r>
-            <a:r>
-              <a:rPr lang="ko-KR" altLang="en-US" sz="1200" dirty="0">
-                <a:latin typeface="Roboto" panose="02000000000000000000" pitchFamily="2" charset="0"/>
-              </a:rPr>
-              <a:t>요청이 </a:t>
-            </a:r>
-            <a:r>
-              <a:rPr lang="en-US" altLang="ko-KR" sz="1200" dirty="0">
-                <a:latin typeface="Roboto" panose="02000000000000000000" pitchFamily="2" charset="0"/>
-              </a:rPr>
-              <a:t>client transaction </a:t>
-            </a:r>
-            <a:r>
-              <a:rPr lang="ko-KR" altLang="en-US" sz="1200" dirty="0">
-                <a:latin typeface="Roboto" panose="02000000000000000000" pitchFamily="2" charset="0"/>
-              </a:rPr>
-              <a:t>에 전달되는 즉시 세션이 종료된 것으로 간주해야 함 </a:t>
-            </a:r>
-            <a:endParaRPr lang="en-US" altLang="ko-KR" sz="1400" dirty="0">
-              <a:latin typeface="Roboto" panose="02000000000000000000" pitchFamily="2" charset="0"/>
-            </a:endParaRPr>
-          </a:p>
-          <a:p>
-            <a:pPr marL="285750" indent="-285750" algn="just">
-              <a:lnSpc>
-                <a:spcPct val="200000"/>
-              </a:lnSpc>
-              <a:buFont typeface="Arial" panose="020B0604020202020204" pitchFamily="34" charset="0"/>
-              <a:buChar char="•"/>
-            </a:pPr>
-            <a:r>
-              <a:rPr lang="en-US" altLang="ko-KR" sz="1200" dirty="0">
-                <a:latin typeface="Roboto" panose="02000000000000000000" pitchFamily="2" charset="0"/>
-              </a:rPr>
-              <a:t>BYE </a:t>
-            </a:r>
-            <a:r>
-              <a:rPr lang="ko-KR" altLang="en-US" sz="1200" dirty="0">
-                <a:latin typeface="Roboto" panose="02000000000000000000" pitchFamily="2" charset="0"/>
-              </a:rPr>
-              <a:t>에 대한 응답이 </a:t>
-            </a:r>
-            <a:r>
-              <a:rPr lang="en-US" altLang="ko-KR" sz="1200" b="1" dirty="0">
-                <a:latin typeface="Roboto" panose="02000000000000000000" pitchFamily="2" charset="0"/>
-              </a:rPr>
-              <a:t>481(Call/Transaction)</a:t>
-            </a:r>
-            <a:r>
-              <a:rPr lang="ko-KR" altLang="en-US" sz="1200" b="1" dirty="0">
-                <a:latin typeface="Roboto" panose="02000000000000000000" pitchFamily="2" charset="0"/>
-              </a:rPr>
-              <a:t> </a:t>
-            </a:r>
-            <a:r>
-              <a:rPr lang="ko-KR" altLang="en-US" sz="1200" dirty="0">
-                <a:latin typeface="Roboto" panose="02000000000000000000" pitchFamily="2" charset="0"/>
-              </a:rPr>
-              <a:t>또는 </a:t>
-            </a:r>
-            <a:r>
-              <a:rPr lang="en-US" altLang="ko-KR" sz="1200" b="1" dirty="0">
-                <a:latin typeface="Roboto" panose="02000000000000000000" pitchFamily="2" charset="0"/>
-              </a:rPr>
-              <a:t>408(Request</a:t>
-            </a:r>
-            <a:r>
-              <a:rPr lang="ko-KR" altLang="en-US" sz="1200" b="1" dirty="0">
-                <a:latin typeface="Roboto" panose="02000000000000000000" pitchFamily="2" charset="0"/>
-              </a:rPr>
-              <a:t> </a:t>
-            </a:r>
-            <a:r>
-              <a:rPr lang="en-US" altLang="ko-KR" sz="1200" b="1" dirty="0">
-                <a:latin typeface="Roboto" panose="02000000000000000000" pitchFamily="2" charset="0"/>
-              </a:rPr>
-              <a:t>Timeout)</a:t>
-            </a:r>
-            <a:r>
-              <a:rPr lang="ko-KR" altLang="en-US" sz="1200" dirty="0">
-                <a:latin typeface="Roboto" panose="02000000000000000000" pitchFamily="2" charset="0"/>
-              </a:rPr>
-              <a:t>이거나 </a:t>
-            </a:r>
-            <a:r>
-              <a:rPr lang="en-US" altLang="ko-KR" sz="1200" dirty="0">
-                <a:latin typeface="Roboto" panose="02000000000000000000" pitchFamily="2" charset="0"/>
-              </a:rPr>
-              <a:t>BYE</a:t>
-            </a:r>
-            <a:r>
-              <a:rPr lang="ko-KR" altLang="en-US" sz="1200" dirty="0">
-                <a:latin typeface="Roboto" panose="02000000000000000000" pitchFamily="2" charset="0"/>
-              </a:rPr>
-              <a:t>에 대한 응답이 전혀 수신되지 않는 경우</a:t>
-            </a:r>
-            <a:r>
-              <a:rPr lang="en-US" altLang="ko-KR" sz="1200" dirty="0">
-                <a:latin typeface="Roboto" panose="02000000000000000000" pitchFamily="2" charset="0"/>
-              </a:rPr>
-              <a:t>, UAC </a:t>
-            </a:r>
-            <a:r>
-              <a:rPr lang="ko-KR" altLang="en-US" sz="1200" dirty="0">
-                <a:latin typeface="Roboto" panose="02000000000000000000" pitchFamily="2" charset="0"/>
-              </a:rPr>
-              <a:t>는 세션 및 다이얼로그가 종료된 것으로 간주</a:t>
-            </a:r>
-            <a:endParaRPr lang="en-US" altLang="ko-KR" sz="1200" dirty="0">
-              <a:latin typeface="Roboto" panose="02000000000000000000" pitchFamily="2" charset="0"/>
-            </a:endParaRPr>
-          </a:p>
-        </p:txBody>
-      </p:sp>
-      <p:sp>
-        <p:nvSpPr>
-          <p:cNvPr id="8" name="직사각형 7">
-            <a:extLst>
-              <a:ext uri="{FF2B5EF4-FFF2-40B4-BE49-F238E27FC236}">
-                <a16:creationId xmlns:a16="http://schemas.microsoft.com/office/drawing/2014/main" id="{A1CA72A3-9CFB-0F84-913B-2A944CB42F73}"/>
-              </a:ext>
-            </a:extLst>
-          </p:cNvPr>
-          <p:cNvSpPr/>
-          <p:nvPr/>
-        </p:nvSpPr>
-        <p:spPr>
-          <a:xfrm>
-            <a:off x="747651" y="3393352"/>
-            <a:ext cx="10301609" cy="2746521"/>
-          </a:xfrm>
-          <a:prstGeom prst="rect">
-            <a:avLst/>
-          </a:prstGeom>
-        </p:spPr>
-        <p:txBody>
-          <a:bodyPr wrap="square">
-            <a:spAutoFit/>
-          </a:bodyPr>
-          <a:lstStyle/>
-          <a:p>
-            <a:pPr>
-              <a:lnSpc>
-                <a:spcPct val="200000"/>
-              </a:lnSpc>
-            </a:pPr>
-            <a:r>
-              <a:rPr lang="en-US" altLang="ko-KR" sz="1600" b="1" u="sng" dirty="0">
-                <a:latin typeface="Roboto" panose="02000000000000000000" pitchFamily="2" charset="0"/>
-              </a:rPr>
-              <a:t>UAS Behavior</a:t>
-            </a:r>
-          </a:p>
-          <a:p>
-            <a:pPr marL="285750" indent="-285750">
-              <a:lnSpc>
-                <a:spcPct val="200000"/>
-              </a:lnSpc>
-              <a:buFont typeface="Arial" panose="020B0604020202020204" pitchFamily="34" charset="0"/>
-              <a:buChar char="•"/>
-            </a:pPr>
-            <a:r>
-              <a:rPr lang="en-US" altLang="ko-KR" sz="1200" dirty="0">
-                <a:latin typeface="Roboto" panose="02000000000000000000" pitchFamily="2" charset="0"/>
-              </a:rPr>
-              <a:t>BYE </a:t>
-            </a:r>
-            <a:r>
-              <a:rPr lang="ko-KR" altLang="en-US" sz="1200" dirty="0">
-                <a:latin typeface="Roboto" panose="02000000000000000000" pitchFamily="2" charset="0"/>
-              </a:rPr>
-              <a:t>요청 처리</a:t>
-            </a:r>
-            <a:endParaRPr lang="en-US" altLang="ko-KR" sz="1200" dirty="0">
-              <a:latin typeface="Roboto" panose="02000000000000000000" pitchFamily="2" charset="0"/>
-            </a:endParaRPr>
-          </a:p>
-          <a:p>
-            <a:pPr marL="285750" indent="-285750">
-              <a:lnSpc>
-                <a:spcPct val="200000"/>
-              </a:lnSpc>
-              <a:buFont typeface="Arial" panose="020B0604020202020204" pitchFamily="34" charset="0"/>
-              <a:buChar char="•"/>
-            </a:pPr>
-            <a:r>
-              <a:rPr lang="en-US" altLang="ko-KR" sz="1200" dirty="0">
-                <a:latin typeface="Roboto" panose="02000000000000000000" pitchFamily="2" charset="0"/>
-              </a:rPr>
-              <a:t>BYE </a:t>
-            </a:r>
-            <a:r>
-              <a:rPr lang="ko-KR" altLang="en-US" sz="1200" dirty="0">
-                <a:latin typeface="Roboto" panose="02000000000000000000" pitchFamily="2" charset="0"/>
-              </a:rPr>
-              <a:t>요청을 수신하는 </a:t>
-            </a:r>
-            <a:r>
-              <a:rPr lang="en-US" altLang="ko-KR" sz="1200" dirty="0">
-                <a:latin typeface="Roboto" panose="02000000000000000000" pitchFamily="2" charset="0"/>
-              </a:rPr>
-              <a:t>UAS core </a:t>
-            </a:r>
-            <a:r>
-              <a:rPr lang="ko-KR" altLang="en-US" sz="1200" dirty="0">
-                <a:latin typeface="Roboto" panose="02000000000000000000" pitchFamily="2" charset="0"/>
-              </a:rPr>
-              <a:t>는 기존 다이얼로그와 일치하는 지 검사</a:t>
-            </a:r>
-            <a:endParaRPr lang="en-US" altLang="ko-KR" sz="1200" dirty="0">
-              <a:latin typeface="Roboto" panose="02000000000000000000" pitchFamily="2" charset="0"/>
-            </a:endParaRPr>
-          </a:p>
-          <a:p>
-            <a:pPr marL="742950" lvl="1" indent="-285750">
-              <a:lnSpc>
-                <a:spcPct val="200000"/>
-              </a:lnSpc>
-              <a:buFont typeface="Arial" panose="020B0604020202020204" pitchFamily="34" charset="0"/>
-              <a:buChar char="•"/>
-            </a:pPr>
-            <a:r>
-              <a:rPr lang="ko-KR" altLang="en-US" sz="1100" b="1" dirty="0">
-                <a:latin typeface="Roboto" panose="02000000000000000000" pitchFamily="2" charset="0"/>
-              </a:rPr>
-              <a:t>일치하지 않으면</a:t>
-            </a:r>
-            <a:r>
-              <a:rPr lang="en-US" altLang="ko-KR" sz="1100" b="1" dirty="0">
-                <a:latin typeface="Roboto" panose="02000000000000000000" pitchFamily="2" charset="0"/>
-              </a:rPr>
-              <a:t>, UAS core </a:t>
-            </a:r>
-            <a:r>
-              <a:rPr lang="ko-KR" altLang="en-US" sz="1100" b="1" dirty="0">
-                <a:latin typeface="Roboto" panose="02000000000000000000" pitchFamily="2" charset="0"/>
-              </a:rPr>
-              <a:t>는 </a:t>
-            </a:r>
-            <a:r>
-              <a:rPr lang="en-US" altLang="ko-KR" sz="1100" b="1" dirty="0">
-                <a:latin typeface="Roboto" panose="02000000000000000000" pitchFamily="2" charset="0"/>
-              </a:rPr>
-              <a:t>481 (Call/Transaction Does Not Exist) </a:t>
-            </a:r>
-            <a:r>
-              <a:rPr lang="ko-KR" altLang="en-US" sz="1100" b="1" dirty="0">
-                <a:latin typeface="Roboto" panose="02000000000000000000" pitchFamily="2" charset="0"/>
-              </a:rPr>
-              <a:t>응답을 생성하고 그것을 </a:t>
-            </a:r>
-            <a:r>
-              <a:rPr lang="en-US" altLang="ko-KR" sz="1100" b="1" dirty="0">
-                <a:latin typeface="Roboto" panose="02000000000000000000" pitchFamily="2" charset="0"/>
-              </a:rPr>
-              <a:t>server transaction </a:t>
-            </a:r>
-            <a:r>
-              <a:rPr lang="ko-KR" altLang="en-US" sz="1100" b="1" dirty="0">
-                <a:latin typeface="Roboto" panose="02000000000000000000" pitchFamily="2" charset="0"/>
-              </a:rPr>
-              <a:t>으로 보냄</a:t>
-            </a:r>
-            <a:endParaRPr lang="en-US" altLang="ko-KR" sz="1100" b="1" dirty="0">
-              <a:latin typeface="Roboto" panose="02000000000000000000" pitchFamily="2" charset="0"/>
-            </a:endParaRPr>
-          </a:p>
-          <a:p>
-            <a:pPr marL="742950" lvl="1" indent="-285750">
-              <a:lnSpc>
-                <a:spcPct val="200000"/>
-              </a:lnSpc>
-              <a:buFont typeface="Arial" panose="020B0604020202020204" pitchFamily="34" charset="0"/>
-              <a:buChar char="•"/>
-            </a:pPr>
-            <a:r>
-              <a:rPr lang="ko-KR" altLang="en-US" sz="1100" b="1" dirty="0">
-                <a:latin typeface="Roboto" panose="02000000000000000000" pitchFamily="2" charset="0"/>
-              </a:rPr>
-              <a:t>기존 다이얼로그에  </a:t>
-            </a:r>
-            <a:r>
-              <a:rPr lang="en-US" altLang="ko-KR" sz="1100" b="1" dirty="0">
-                <a:latin typeface="Roboto" panose="02000000000000000000" pitchFamily="2" charset="0"/>
-              </a:rPr>
-              <a:t>BYE </a:t>
-            </a:r>
-            <a:r>
-              <a:rPr lang="ko-KR" altLang="en-US" sz="1100" b="1" dirty="0">
-                <a:latin typeface="Roboto" panose="02000000000000000000" pitchFamily="2" charset="0"/>
-              </a:rPr>
-              <a:t>요청을 수신하는 </a:t>
-            </a:r>
-            <a:r>
-              <a:rPr lang="en-US" altLang="ko-KR" sz="1100" b="1" dirty="0">
-                <a:latin typeface="Roboto" panose="02000000000000000000" pitchFamily="2" charset="0"/>
-              </a:rPr>
-              <a:t>UAS core </a:t>
-            </a:r>
-            <a:r>
-              <a:rPr lang="ko-KR" altLang="en-US" sz="1100" b="1" dirty="0">
-                <a:latin typeface="Roboto" panose="02000000000000000000" pitchFamily="2" charset="0"/>
-              </a:rPr>
-              <a:t>는 요청 처리 절차를 따름</a:t>
-            </a:r>
-            <a:endParaRPr lang="en-US" altLang="ko-KR" sz="1100" b="1" dirty="0">
-              <a:latin typeface="Roboto" panose="02000000000000000000" pitchFamily="2" charset="0"/>
-            </a:endParaRPr>
-          </a:p>
-          <a:p>
-            <a:pPr marL="285750" indent="-285750">
-              <a:lnSpc>
-                <a:spcPct val="200000"/>
-              </a:lnSpc>
-              <a:buFont typeface="Arial" panose="020B0604020202020204" pitchFamily="34" charset="0"/>
-              <a:buChar char="•"/>
-            </a:pPr>
-            <a:r>
-              <a:rPr lang="ko-KR" altLang="en-US" sz="1200" dirty="0">
-                <a:latin typeface="Roboto" panose="02000000000000000000" pitchFamily="2" charset="0"/>
-              </a:rPr>
-              <a:t>세션에 대한 참가를 종료하든 종료하지 않든</a:t>
-            </a:r>
-            <a:r>
-              <a:rPr lang="en-US" altLang="ko-KR" sz="1200" dirty="0">
-                <a:latin typeface="Roboto" panose="02000000000000000000" pitchFamily="2" charset="0"/>
-              </a:rPr>
-              <a:t>, UAS core </a:t>
-            </a:r>
-            <a:r>
-              <a:rPr lang="ko-KR" altLang="en-US" sz="1200" dirty="0">
-                <a:latin typeface="Roboto" panose="02000000000000000000" pitchFamily="2" charset="0"/>
-              </a:rPr>
-              <a:t>는 </a:t>
-            </a:r>
-            <a:r>
-              <a:rPr lang="en-US" altLang="ko-KR" sz="1200" dirty="0">
-                <a:latin typeface="Roboto" panose="02000000000000000000" pitchFamily="2" charset="0"/>
-              </a:rPr>
-              <a:t>BYE </a:t>
-            </a:r>
-            <a:r>
-              <a:rPr lang="ko-KR" altLang="en-US" sz="1200" dirty="0">
-                <a:latin typeface="Roboto" panose="02000000000000000000" pitchFamily="2" charset="0"/>
-              </a:rPr>
-              <a:t>에 대해 </a:t>
-            </a:r>
-            <a:r>
-              <a:rPr lang="en-US" altLang="ko-KR" sz="1200" dirty="0">
-                <a:latin typeface="Roboto" panose="02000000000000000000" pitchFamily="2" charset="0"/>
-              </a:rPr>
-              <a:t>2xx </a:t>
-            </a:r>
-            <a:r>
-              <a:rPr lang="ko-KR" altLang="en-US" sz="1200" dirty="0">
-                <a:latin typeface="Roboto" panose="02000000000000000000" pitchFamily="2" charset="0"/>
-              </a:rPr>
-              <a:t>응답을 생성해야 하며</a:t>
-            </a:r>
-            <a:r>
-              <a:rPr lang="en-US" altLang="ko-KR" sz="1200" dirty="0">
-                <a:latin typeface="Roboto" panose="02000000000000000000" pitchFamily="2" charset="0"/>
-              </a:rPr>
-              <a:t>, </a:t>
-            </a:r>
-            <a:r>
-              <a:rPr lang="ko-KR" altLang="en-US" sz="1200" dirty="0">
-                <a:latin typeface="Roboto" panose="02000000000000000000" pitchFamily="2" charset="0"/>
-              </a:rPr>
-              <a:t>전송을 위해 </a:t>
-            </a:r>
-            <a:r>
-              <a:rPr lang="en-US" altLang="ko-KR" sz="1200" dirty="0">
-                <a:latin typeface="Roboto" panose="02000000000000000000" pitchFamily="2" charset="0"/>
-              </a:rPr>
-              <a:t>server transaction </a:t>
-            </a:r>
-            <a:r>
-              <a:rPr lang="ko-KR" altLang="en-US" sz="1200" dirty="0">
-                <a:latin typeface="Roboto" panose="02000000000000000000" pitchFamily="2" charset="0"/>
-              </a:rPr>
-              <a:t>에 이를 전달</a:t>
-            </a:r>
-            <a:endParaRPr lang="en-US" altLang="ko-KR" sz="1200" dirty="0">
-              <a:latin typeface="Roboto" panose="02000000000000000000" pitchFamily="2" charset="0"/>
-            </a:endParaRPr>
-          </a:p>
-          <a:p>
-            <a:pPr marL="285750" indent="-285750">
-              <a:lnSpc>
-                <a:spcPct val="200000"/>
-              </a:lnSpc>
-              <a:buFont typeface="Arial" panose="020B0604020202020204" pitchFamily="34" charset="0"/>
-              <a:buChar char="•"/>
-            </a:pPr>
-            <a:r>
-              <a:rPr lang="en-US" altLang="ko-KR" sz="1200" dirty="0">
-                <a:latin typeface="Roboto" panose="02000000000000000000" pitchFamily="2" charset="0"/>
-              </a:rPr>
-              <a:t>UAS </a:t>
-            </a:r>
-            <a:r>
-              <a:rPr lang="ko-KR" altLang="en-US" sz="1200" dirty="0">
-                <a:latin typeface="Roboto" panose="02000000000000000000" pitchFamily="2" charset="0"/>
-              </a:rPr>
-              <a:t>는 해당 다이얼로그에 대해 수신된 모든 보류 중인 요청에 응답해야 하며</a:t>
-            </a:r>
-            <a:r>
-              <a:rPr lang="en-US" altLang="ko-KR" sz="1200" dirty="0">
-                <a:latin typeface="Roboto" panose="02000000000000000000" pitchFamily="2" charset="0"/>
-              </a:rPr>
-              <a:t>, </a:t>
-            </a:r>
-            <a:r>
-              <a:rPr lang="ko-KR" altLang="en-US" sz="1200" dirty="0">
-                <a:latin typeface="Roboto" panose="02000000000000000000" pitchFamily="2" charset="0"/>
-              </a:rPr>
-              <a:t>이러한 보류 중인 요청에 대해 </a:t>
-            </a:r>
-            <a:r>
-              <a:rPr lang="en-US" altLang="ko-KR" sz="1200" b="1" dirty="0">
-                <a:latin typeface="Roboto" panose="02000000000000000000" pitchFamily="2" charset="0"/>
-              </a:rPr>
-              <a:t>487(Request Terminated)</a:t>
-            </a:r>
-            <a:r>
-              <a:rPr lang="en-US" altLang="ko-KR" sz="1200" dirty="0">
-                <a:latin typeface="Roboto" panose="02000000000000000000" pitchFamily="2" charset="0"/>
-              </a:rPr>
-              <a:t> </a:t>
-            </a:r>
-            <a:r>
-              <a:rPr lang="ko-KR" altLang="en-US" sz="1200" dirty="0">
-                <a:latin typeface="Roboto" panose="02000000000000000000" pitchFamily="2" charset="0"/>
-              </a:rPr>
-              <a:t>응답을 생성</a:t>
-            </a:r>
-            <a:endParaRPr lang="en-US" altLang="ko-KR" sz="1200" dirty="0">
-              <a:latin typeface="Roboto" panose="02000000000000000000" pitchFamily="2" charset="0"/>
+            <a:pPr algn="ctr"/>
+            <a:r>
+              <a:rPr lang="en-US" altLang="ko-KR" sz="3600" dirty="0">
+                <a:latin typeface="+mj-lt"/>
+              </a:rPr>
+              <a:t>THANK YOU</a:t>
+            </a:r>
+            <a:endParaRPr lang="ko-KR" altLang="en-US" sz="3600" dirty="0">
+              <a:latin typeface="+mj-lt"/>
             </a:endParaRPr>
           </a:p>
         </p:txBody>
@@ -44015,7 +43087,7 @@
     </p:spTree>
     <p:extLst>
       <p:ext uri="{BB962C8B-B14F-4D97-AF65-F5344CB8AC3E}">
-        <p14:creationId xmlns:p14="http://schemas.microsoft.com/office/powerpoint/2010/main" val="866518293"/>
+        <p14:creationId xmlns:p14="http://schemas.microsoft.com/office/powerpoint/2010/main" val="1137186482"/>
       </p:ext>
     </p:extLst>
   </p:cSld>
@@ -45798,106 +44870,6 @@
 </p:sld>
 </file>
 
-<file path=ppt/slides/slide40.xml><?xml version="1.0" encoding="utf-8"?>
-<p:sld xmlns:a="http://schemas.openxmlformats.org/drawingml/2006/main" xmlns:r="http://schemas.openxmlformats.org/officeDocument/2006/relationships" xmlns:p="http://schemas.openxmlformats.org/presentationml/2006/main">
-  <p:cSld>
-    <p:spTree>
-      <p:nvGrpSpPr>
-        <p:cNvPr id="1" name=""/>
-        <p:cNvGrpSpPr/>
-        <p:nvPr/>
-      </p:nvGrpSpPr>
-      <p:grpSpPr>
-        <a:xfrm>
-          <a:off x="0" y="0"/>
-          <a:ext cx="0" cy="0"/>
-          <a:chOff x="0" y="0"/>
-          <a:chExt cx="0" cy="0"/>
-        </a:xfrm>
-      </p:grpSpPr>
-      <p:sp>
-        <p:nvSpPr>
-          <p:cNvPr id="4" name="슬라이드 번호 개체 틀 3">
-            <a:extLst>
-              <a:ext uri="{FF2B5EF4-FFF2-40B4-BE49-F238E27FC236}">
-                <a16:creationId xmlns:a16="http://schemas.microsoft.com/office/drawing/2014/main" id="{63151CCF-057C-4F06-8A51-C3671F753532}"/>
-              </a:ext>
-            </a:extLst>
-          </p:cNvPr>
-          <p:cNvSpPr>
-            <a:spLocks noGrp="1"/>
-          </p:cNvSpPr>
-          <p:nvPr>
-            <p:ph type="sldNum" sz="quarter" idx="12"/>
-          </p:nvPr>
-        </p:nvSpPr>
-        <p:spPr/>
-        <p:txBody>
-          <a:bodyPr/>
-          <a:lstStyle/>
-          <a:p>
-            <a:fld id="{A9252A94-CC09-4928-8209-20295AE91AEF}" type="slidenum">
-              <a:rPr lang="ko-KR" altLang="en-US" smtClean="0"/>
-              <a:t>40</a:t>
-            </a:fld>
-            <a:endParaRPr lang="ko-KR" altLang="en-US" dirty="0"/>
-          </a:p>
-        </p:txBody>
-      </p:sp>
-      <p:sp>
-        <p:nvSpPr>
-          <p:cNvPr id="5" name="TextBox 4">
-            <a:extLst>
-              <a:ext uri="{FF2B5EF4-FFF2-40B4-BE49-F238E27FC236}">
-                <a16:creationId xmlns:a16="http://schemas.microsoft.com/office/drawing/2014/main" id="{2C4EDA3F-1542-B44B-C801-83CCECD10FBF}"/>
-              </a:ext>
-            </a:extLst>
-          </p:cNvPr>
-          <p:cNvSpPr txBox="1"/>
-          <p:nvPr/>
-        </p:nvSpPr>
-        <p:spPr>
-          <a:xfrm>
-            <a:off x="4714051" y="3105834"/>
-            <a:ext cx="2763898" cy="646331"/>
-          </a:xfrm>
-          <a:prstGeom prst="rect">
-            <a:avLst/>
-          </a:prstGeom>
-          <a:noFill/>
-        </p:spPr>
-        <p:txBody>
-          <a:bodyPr wrap="none" rtlCol="0">
-            <a:spAutoFit/>
-          </a:bodyPr>
-          <a:lstStyle/>
-          <a:p>
-            <a:pPr algn="ctr"/>
-            <a:r>
-              <a:rPr lang="en-US" altLang="ko-KR" sz="3600" dirty="0">
-                <a:latin typeface="+mj-lt"/>
-              </a:rPr>
-              <a:t>THANK YOU</a:t>
-            </a:r>
-            <a:endParaRPr lang="ko-KR" altLang="en-US" sz="3600" dirty="0">
-              <a:latin typeface="+mj-lt"/>
-            </a:endParaRPr>
-          </a:p>
-        </p:txBody>
-      </p:sp>
-    </p:spTree>
-    <p:extLst>
-      <p:ext uri="{BB962C8B-B14F-4D97-AF65-F5344CB8AC3E}">
-        <p14:creationId xmlns:p14="http://schemas.microsoft.com/office/powerpoint/2010/main" val="1137186482"/>
-      </p:ext>
-    </p:extLst>
-  </p:cSld>
-  <p:clrMapOvr>
-    <a:masterClrMapping/>
-  </p:clrMapOvr>
-</p:sld>
-</file>
-
 <file path=ppt/slides/slide5.xml><?xml version="1.0" encoding="utf-8"?>
 <p:sld xmlns:a="http://schemas.openxmlformats.org/drawingml/2006/main" xmlns:r="http://schemas.openxmlformats.org/officeDocument/2006/relationships" xmlns:p="http://schemas.openxmlformats.org/presentationml/2006/main">
   <p:cSld>
@@ -45995,8 +44967,8 @@
         </p:nvSpPr>
         <p:spPr>
           <a:xfrm>
-            <a:off x="838200" y="876920"/>
-            <a:ext cx="7234801" cy="5261248"/>
+            <a:off x="838200" y="1027315"/>
+            <a:ext cx="8678779" cy="4984250"/>
           </a:xfrm>
           <a:prstGeom prst="rect">
             <a:avLst/>
@@ -46004,7 +44976,7 @@
           <a:noFill/>
         </p:spPr>
         <p:txBody>
-          <a:bodyPr wrap="none" rtlCol="0">
+          <a:bodyPr wrap="square" rtlCol="0">
             <a:spAutoFit/>
           </a:bodyPr>
           <a:lstStyle/>
@@ -46291,10 +45263,12 @@
             </a:r>
           </a:p>
           <a:p>
-            <a:pPr defTabSz="360000">
+            <a:pPr marL="171450" indent="-171450" defTabSz="360000">
               <a:lnSpc>
                 <a:spcPct val="150000"/>
               </a:lnSpc>
+              <a:buFont typeface="Arial" panose="020B0604020202020204" pitchFamily="34" charset="0"/>
+              <a:buChar char="•"/>
             </a:pPr>
             <a:r>
               <a:rPr lang="ko-KR" altLang="en-US" sz="1200" dirty="0">
@@ -46436,18 +45410,7 @@
               <a:rPr lang="ko-KR" altLang="en-US" sz="1200" dirty="0">
                 <a:latin typeface="+mn-ea"/>
               </a:rPr>
-              <a:t> 에 저장</a:t>
-            </a:r>
-            <a:br>
-              <a:rPr lang="en-US" altLang="ko-KR" sz="1200" dirty="0">
-                <a:latin typeface="+mn-ea"/>
-              </a:rPr>
-            </a:br>
-            <a:r>
-              <a:rPr lang="ko-KR" altLang="en-US" sz="1200" dirty="0">
-                <a:latin typeface="+mn-ea"/>
-              </a:rPr>
-              <a:t>하는 특수한 유형의 </a:t>
+              <a:t> 에 저장하는 특수한 유형의 </a:t>
             </a:r>
             <a:r>
               <a:rPr lang="en-US" altLang="ko-KR" sz="1200" dirty="0">
@@ -46520,7 +45483,7 @@
         </p:nvSpPr>
         <p:spPr>
           <a:xfrm>
-            <a:off x="5357222" y="876920"/>
+            <a:off x="5357222" y="1027315"/>
             <a:ext cx="5996578" cy="936988"/>
           </a:xfrm>
           <a:prstGeom prst="rect">
@@ -46540,7 +45503,7 @@
               </a:lnSpc>
             </a:pPr>
             <a:r>
-              <a:rPr lang="en-US" altLang="ko-KR" sz="1400" b="1" u="sng">
+              <a:rPr lang="en-US" altLang="ko-KR" sz="1400" b="1" u="sng" dirty="0">
                 <a:latin typeface="Roboto" panose="02000000000000000000" pitchFamily="2" charset="0"/>
                 <a:ea typeface="Roboto" panose="02000000000000000000" pitchFamily="2" charset="0"/>
               </a:rPr>
@@ -46556,12 +45519,12 @@
               <a:buChar char="•"/>
             </a:pPr>
             <a:r>
-              <a:rPr lang="ko-KR" altLang="en-US" sz="1200">
+              <a:rPr lang="ko-KR" altLang="en-US" sz="1200" dirty="0">
                 <a:latin typeface="+mn-ea"/>
               </a:rPr>
               <a:t>사용자의 실제 위치 정보를 나타냄</a:t>
             </a:r>
-            <a:endParaRPr lang="en-US" altLang="ko-KR" sz="1200">
+            <a:endParaRPr lang="en-US" altLang="ko-KR" sz="1200" dirty="0">
               <a:latin typeface="+mn-ea"/>
             </a:endParaRPr>
           </a:p>
@@ -46574,18 +45537,18 @@
               <a:buChar char="•"/>
             </a:pPr>
             <a:r>
-              <a:rPr lang="en-US" altLang="ko-KR" sz="1200">
+              <a:rPr lang="en-US" altLang="ko-KR" sz="1200" dirty="0">
                 <a:latin typeface="+mn-ea"/>
               </a:rPr>
               <a:t>Contact </a:t>
             </a:r>
             <a:r>
-              <a:rPr lang="ko-KR" altLang="en-US" sz="1200">
+              <a:rPr lang="ko-KR" altLang="en-US" sz="1200" dirty="0">
                 <a:latin typeface="+mn-ea"/>
               </a:rPr>
               <a:t>헤더 필드에 포함되어 다른 사용자가 해당 사용자에게 연락할 수 있는 주소를 제공</a:t>
             </a:r>
-            <a:endParaRPr lang="en-US" altLang="ko-KR" sz="1200">
+            <a:endParaRPr lang="en-US" altLang="ko-KR" sz="1200" dirty="0">
               <a:latin typeface="+mn-ea"/>
             </a:endParaRPr>
           </a:p>
@@ -47465,8 +46428,8 @@
           </p:nvCxnSpPr>
           <p:spPr>
             <a:xfrm flipH="1">
-              <a:off x="6675921" y="3384675"/>
-              <a:ext cx="1096478" cy="0"/>
+              <a:off x="6707981" y="3384675"/>
+              <a:ext cx="1064418" cy="0"/>
             </a:xfrm>
             <a:prstGeom prst="straightConnector1">
               <a:avLst/>
@@ -47597,7 +46560,7 @@
           <p:spPr>
             <a:xfrm>
               <a:off x="3178156" y="5828641"/>
-              <a:ext cx="543739" cy="276999"/>
+              <a:ext cx="550151" cy="276999"/>
             </a:xfrm>
             <a:prstGeom prst="rect">
               <a:avLst/>
@@ -47611,13 +46574,13 @@
             <a:lstStyle/>
             <a:p>
               <a:r>
-                <a:rPr lang="en-US" altLang="ko-KR" sz="1200">
+                <a:rPr lang="en-US" altLang="ko-KR" sz="1200" b="1" dirty="0">
                   <a:latin typeface="Roboto" panose="02000000000000000000" pitchFamily="2" charset="0"/>
                   <a:ea typeface="Roboto" panose="02000000000000000000" pitchFamily="2" charset="0"/>
                 </a:rPr>
                 <a:t>Carol</a:t>
               </a:r>
-              <a:endParaRPr lang="ko-KR" altLang="en-US" sz="1200">
+              <a:endParaRPr lang="ko-KR" altLang="en-US" sz="1200" b="1" dirty="0">
                 <a:latin typeface="Roboto" panose="02000000000000000000" pitchFamily="2" charset="0"/>
               </a:endParaRPr>
             </a:p>
@@ -47816,13 +46779,13 @@
             <a:lstStyle/>
             <a:p>
               <a:r>
-                <a:rPr lang="en-US" altLang="ko-KR" sz="1200" dirty="0">
+                <a:rPr lang="en-US" altLang="ko-KR" sz="1200" b="1" dirty="0">
                   <a:latin typeface="Roboto" panose="02000000000000000000" pitchFamily="2" charset="0"/>
                   <a:ea typeface="Roboto" panose="02000000000000000000" pitchFamily="2" charset="0"/>
                 </a:rPr>
                 <a:t>Bob</a:t>
               </a:r>
-              <a:endParaRPr lang="ko-KR" altLang="en-US" sz="1200" dirty="0">
+              <a:endParaRPr lang="ko-KR" altLang="en-US" sz="1200" b="1" dirty="0">
                 <a:latin typeface="Roboto" panose="02000000000000000000" pitchFamily="2" charset="0"/>
               </a:endParaRPr>
             </a:p>
@@ -50940,18 +49903,6 @@
               <a:t>이면 </a:t>
             </a:r>
             <a:r>
-              <a:rPr lang="en-US" altLang="ko-KR" sz="1200" dirty="0">
-                <a:latin typeface="+mn-ea"/>
-              </a:rPr>
-              <a:t>UA</a:t>
-            </a:r>
-            <a:r>
-              <a:rPr lang="ko-KR" altLang="en-US" sz="1200" dirty="0">
-                <a:latin typeface="+mn-ea"/>
-              </a:rPr>
-              <a:t>가 정확한 값을 몰라도 </a:t>
-            </a:r>
-            <a:r>
               <a:rPr lang="en-US" altLang="ko-KR" sz="1200" b="1" dirty="0">
                 <a:latin typeface="+mn-ea"/>
               </a:rPr>
@@ -51101,49 +50052,49 @@
               <a:rPr lang="ko-KR" altLang="en-US" sz="1200" dirty="0">
                 <a:latin typeface="+mn-ea"/>
               </a:rPr>
-              <a:t>요청에 대한 </a:t>
+              <a:t>요청의 </a:t>
             </a:r>
             <a:r>
               <a:rPr lang="en-US" altLang="ko-KR" sz="1200" dirty="0">
                 <a:latin typeface="+mn-ea"/>
               </a:rPr>
-              <a:t>success </a:t>
-            </a:r>
-            <a:r>
-              <a:rPr lang="ko-KR" altLang="en-US" sz="1200">
-                <a:latin typeface="+mn-ea"/>
-              </a:rPr>
-              <a:t>응답에는 요청의 </a:t>
-            </a:r>
-            <a:r>
-              <a:rPr lang="en-US" altLang="ko-KR" sz="1200">
-                <a:latin typeface="+mn-ea"/>
-              </a:rPr>
               <a:t>Contact </a:t>
             </a:r>
             <a:r>
               <a:rPr lang="ko-KR" altLang="en-US" sz="1200" dirty="0">
                 <a:latin typeface="+mn-ea"/>
               </a:rPr>
-              <a:t>헤더의 유무에 관계없이 기존 </a:t>
+              <a:t>헤더의 유무에 관계없이 </a:t>
+            </a:r>
+            <a:r>
+              <a:rPr lang="en-US" altLang="ko-KR" sz="1200" b="1" dirty="0">
+                <a:latin typeface="+mn-ea"/>
+              </a:rPr>
+              <a:t>success</a:t>
             </a:r>
             <a:r>
               <a:rPr lang="en-US" altLang="ko-KR" sz="1200" dirty="0">
                 <a:latin typeface="+mn-ea"/>
               </a:rPr>
+              <a:t> </a:t>
+            </a:r>
+            <a:r>
+              <a:rPr lang="ko-KR" altLang="en-US" sz="1200" dirty="0">
+                <a:latin typeface="+mn-ea"/>
+              </a:rPr>
+              <a:t>응답에는 기존 </a:t>
+            </a:r>
+            <a:r>
+              <a:rPr lang="en-US" altLang="ko-KR" sz="1200" dirty="0">
+                <a:latin typeface="+mn-ea"/>
+              </a:rPr>
               <a:t>binding </a:t>
             </a:r>
             <a:r>
               <a:rPr lang="ko-KR" altLang="en-US" sz="1200" dirty="0">
                 <a:latin typeface="+mn-ea"/>
               </a:rPr>
-              <a:t>의 전체 </a:t>
-            </a:r>
-            <a:r>
-              <a:rPr lang="ko-KR" altLang="en-US" sz="1200">
-                <a:latin typeface="+mn-ea"/>
-              </a:rPr>
-              <a:t>목록이 포함</a:t>
+              <a:t>의 전체 목록이 포함</a:t>
             </a:r>
             <a:endParaRPr lang="en-US" altLang="ko-KR" sz="1200" dirty="0">
               <a:latin typeface="+mn-ea"/>
@@ -51170,18 +50121,18 @@
               <a:t>요청에 </a:t>
             </a:r>
             <a:r>
-              <a:rPr lang="en-US" altLang="ko-KR" sz="1200" b="1" dirty="0">
+              <a:rPr lang="en-US" altLang="ko-KR" sz="1200" dirty="0">
                 <a:latin typeface="+mn-ea"/>
               </a:rPr>
               <a:t>Contact </a:t>
             </a:r>
             <a:r>
-              <a:rPr lang="ko-KR" altLang="en-US" sz="1200" b="1" dirty="0">
+              <a:rPr lang="ko-KR" altLang="en-US" sz="1200" dirty="0">
                 <a:latin typeface="+mn-ea"/>
               </a:rPr>
               <a:t>헤더 필드가 없는 경우 바인딩 목록은 변경되지 않음</a:t>
             </a:r>
-            <a:endParaRPr lang="en-US" altLang="ko-KR" sz="1200" b="1" dirty="0">
+            <a:endParaRPr lang="en-US" altLang="ko-KR" sz="1200" dirty="0">
               <a:latin typeface="+mn-ea"/>
             </a:endParaRPr>
           </a:p>
